--- a/MotionDetection+ObjectTrackingV4.pptx
+++ b/MotionDetection+ObjectTrackingV4.pptx
@@ -7,19 +7,20 @@
   <p:sldIdLst>
     <p:sldId id="275" r:id="rId2"/>
     <p:sldId id="277" r:id="rId3"/>
-    <p:sldId id="262" r:id="rId4"/>
-    <p:sldId id="266" r:id="rId5"/>
-    <p:sldId id="273" r:id="rId6"/>
-    <p:sldId id="274" r:id="rId7"/>
-    <p:sldId id="265" r:id="rId8"/>
-    <p:sldId id="269" r:id="rId9"/>
-    <p:sldId id="271" r:id="rId10"/>
-    <p:sldId id="263" r:id="rId11"/>
-    <p:sldId id="261" r:id="rId12"/>
-    <p:sldId id="267" r:id="rId13"/>
-    <p:sldId id="268" r:id="rId14"/>
-    <p:sldId id="259" r:id="rId15"/>
-    <p:sldId id="260" r:id="rId16"/>
+    <p:sldId id="278" r:id="rId4"/>
+    <p:sldId id="262" r:id="rId5"/>
+    <p:sldId id="266" r:id="rId6"/>
+    <p:sldId id="273" r:id="rId7"/>
+    <p:sldId id="274" r:id="rId8"/>
+    <p:sldId id="265" r:id="rId9"/>
+    <p:sldId id="269" r:id="rId10"/>
+    <p:sldId id="271" r:id="rId11"/>
+    <p:sldId id="263" r:id="rId12"/>
+    <p:sldId id="261" r:id="rId13"/>
+    <p:sldId id="267" r:id="rId14"/>
+    <p:sldId id="268" r:id="rId15"/>
+    <p:sldId id="259" r:id="rId16"/>
+    <p:sldId id="260" r:id="rId17"/>
   </p:sldIdLst>
   <p:sldSz cx="9144000" cy="6858000" type="screen4x3"/>
   <p:notesSz cx="6865938" cy="9996488"/>
@@ -302,7 +303,7 @@
           <a:p>
             <a:fld id="{7F847C87-CECF-4A9A-88F5-87615B577ED8}" type="datetimeFigureOut">
               <a:rPr lang="de-DE" smtClean="0"/>
-              <a:t>14.10.2017</a:t>
+              <a:t>17.12.2017</a:t>
             </a:fld>
             <a:endParaRPr lang="de-DE"/>
           </a:p>
@@ -472,7 +473,7 @@
           <a:p>
             <a:fld id="{7F847C87-CECF-4A9A-88F5-87615B577ED8}" type="datetimeFigureOut">
               <a:rPr lang="de-DE" smtClean="0"/>
-              <a:t>14.10.2017</a:t>
+              <a:t>17.12.2017</a:t>
             </a:fld>
             <a:endParaRPr lang="de-DE"/>
           </a:p>
@@ -652,7 +653,7 @@
           <a:p>
             <a:fld id="{7F847C87-CECF-4A9A-88F5-87615B577ED8}" type="datetimeFigureOut">
               <a:rPr lang="de-DE" smtClean="0"/>
-              <a:t>14.10.2017</a:t>
+              <a:t>17.12.2017</a:t>
             </a:fld>
             <a:endParaRPr lang="de-DE"/>
           </a:p>
@@ -894,7 +895,7 @@
           <a:p>
             <a:fld id="{7F847C87-CECF-4A9A-88F5-87615B577ED8}" type="datetimeFigureOut">
               <a:rPr lang="de-DE" smtClean="0"/>
-              <a:t>14.10.2017</a:t>
+              <a:t>17.12.2017</a:t>
             </a:fld>
             <a:endParaRPr lang="de-DE"/>
           </a:p>
@@ -1147,7 +1148,7 @@
           <a:p>
             <a:fld id="{7F847C87-CECF-4A9A-88F5-87615B577ED8}" type="datetimeFigureOut">
               <a:rPr lang="de-DE" smtClean="0"/>
-              <a:t>14.10.2017</a:t>
+              <a:t>17.12.2017</a:t>
             </a:fld>
             <a:endParaRPr lang="de-DE"/>
           </a:p>
@@ -1435,7 +1436,7 @@
           <a:p>
             <a:fld id="{7F847C87-CECF-4A9A-88F5-87615B577ED8}" type="datetimeFigureOut">
               <a:rPr lang="de-DE" smtClean="0"/>
-              <a:t>14.10.2017</a:t>
+              <a:t>17.12.2017</a:t>
             </a:fld>
             <a:endParaRPr lang="de-DE"/>
           </a:p>
@@ -1857,7 +1858,7 @@
           <a:p>
             <a:fld id="{7F847C87-CECF-4A9A-88F5-87615B577ED8}" type="datetimeFigureOut">
               <a:rPr lang="de-DE" smtClean="0"/>
-              <a:t>14.10.2017</a:t>
+              <a:t>17.12.2017</a:t>
             </a:fld>
             <a:endParaRPr lang="de-DE"/>
           </a:p>
@@ -1975,7 +1976,7 @@
           <a:p>
             <a:fld id="{7F847C87-CECF-4A9A-88F5-87615B577ED8}" type="datetimeFigureOut">
               <a:rPr lang="de-DE" smtClean="0"/>
-              <a:t>14.10.2017</a:t>
+              <a:t>17.12.2017</a:t>
             </a:fld>
             <a:endParaRPr lang="de-DE"/>
           </a:p>
@@ -2070,7 +2071,7 @@
           <a:p>
             <a:fld id="{7F847C87-CECF-4A9A-88F5-87615B577ED8}" type="datetimeFigureOut">
               <a:rPr lang="de-DE" smtClean="0"/>
-              <a:t>14.10.2017</a:t>
+              <a:t>17.12.2017</a:t>
             </a:fld>
             <a:endParaRPr lang="de-DE"/>
           </a:p>
@@ -2347,7 +2348,7 @@
           <a:p>
             <a:fld id="{7F847C87-CECF-4A9A-88F5-87615B577ED8}" type="datetimeFigureOut">
               <a:rPr lang="de-DE" smtClean="0"/>
-              <a:t>14.10.2017</a:t>
+              <a:t>17.12.2017</a:t>
             </a:fld>
             <a:endParaRPr lang="de-DE"/>
           </a:p>
@@ -2600,7 +2601,7 @@
           <a:p>
             <a:fld id="{7F847C87-CECF-4A9A-88F5-87615B577ED8}" type="datetimeFigureOut">
               <a:rPr lang="de-DE" smtClean="0"/>
-              <a:t>14.10.2017</a:t>
+              <a:t>17.12.2017</a:t>
             </a:fld>
             <a:endParaRPr lang="de-DE"/>
           </a:p>
@@ -2813,7 +2814,7 @@
           <a:p>
             <a:fld id="{7F847C87-CECF-4A9A-88F5-87615B577ED8}" type="datetimeFigureOut">
               <a:rPr lang="de-DE" smtClean="0"/>
-              <a:t>14.10.2017</a:t>
+              <a:t>17.12.2017</a:t>
             </a:fld>
             <a:endParaRPr lang="de-DE"/>
           </a:p>
@@ -3965,16 +3966,12 @@
               <a:t>min,max</a:t>
             </a:r>
             <a:r>
-              <a:rPr lang="de-DE" smtClean="0"/>
+              <a:rPr lang="de-DE" dirty="0" smtClean="0"/>
               <a:t>)...</a:t>
             </a:r>
             <a:r>
               <a:rPr lang="de-DE" dirty="0" err="1" smtClean="0"/>
-              <a:t>video</a:t>
-            </a:r>
-            <a:r>
-              <a:rPr lang="de-DE" dirty="0" err="1" smtClean="0"/>
-              <a:t>size</a:t>
+              <a:t>videosize</a:t>
             </a:r>
             <a:endParaRPr lang="de-DE" dirty="0" smtClean="0"/>
           </a:p>
@@ -4365,20 +4362,8 @@
           <a:lstStyle/>
           <a:p>
             <a:r>
-              <a:rPr lang="de-DE" dirty="0" err="1" smtClean="0"/>
-              <a:t>ToDo</a:t>
-            </a:r>
-            <a:r>
-              <a:rPr lang="de-DE" dirty="0" smtClean="0"/>
-              <a:t> </a:t>
-            </a:r>
-            <a:r>
-              <a:rPr lang="de-DE" dirty="0" err="1" smtClean="0"/>
-              <a:t>Object</a:t>
-            </a:r>
-            <a:r>
-              <a:rPr lang="de-DE" dirty="0" smtClean="0"/>
-              <a:t> Tracking</a:t>
+              <a:rPr lang="de-DE" dirty="0" smtClean="0"/>
+              <a:t>Testscenario</a:t>
             </a:r>
             <a:endParaRPr lang="de-DE" dirty="0"/>
           </a:p>
@@ -4397,299 +4382,921 @@
         <p:spPr>
           <a:xfrm>
             <a:off x="457200" y="836712"/>
-            <a:ext cx="8229600" cy="2376263"/>
+            <a:ext cx="4258816" cy="5289451"/>
           </a:xfrm>
         </p:spPr>
         <p:txBody>
           <a:bodyPr/>
           <a:lstStyle/>
           <a:p>
-            <a:pPr marL="177800" indent="-177800"/>
-            <a:r>
-              <a:rPr lang="de-DE" dirty="0" smtClean="0"/>
-              <a:t>Combine </a:t>
-            </a:r>
-            <a:r>
-              <a:rPr lang="de-DE" dirty="0" err="1" smtClean="0"/>
-              <a:t>tracks</a:t>
+            <a:r>
+              <a:rPr lang="de-DE" dirty="0" err="1" smtClean="0"/>
+              <a:t>Vehicle</a:t>
+            </a:r>
+            <a:r>
+              <a:rPr lang="de-DE" dirty="0" smtClean="0"/>
+              <a:t>::</a:t>
+            </a:r>
+            <a:r>
+              <a:rPr lang="de-DE" dirty="0" err="1" smtClean="0"/>
+              <a:t>IsClose</a:t>
+            </a:r>
+            <a:r>
+              <a:rPr lang="de-DE" dirty="0" smtClean="0"/>
+              <a:t>(</a:t>
+            </a:r>
+            <a:r>
+              <a:rPr lang="de-DE" dirty="0" err="1" smtClean="0"/>
+              <a:t>track</a:t>
+            </a:r>
+            <a:r>
+              <a:rPr lang="de-DE" dirty="0" smtClean="0"/>
+              <a:t>&amp;)</a:t>
+            </a:r>
+            <a:endParaRPr lang="de-DE" dirty="0"/>
+          </a:p>
+          <a:p>
+            <a:pPr marL="542925" lvl="1"/>
+            <a:r>
+              <a:rPr lang="de-DE" dirty="0" err="1" smtClean="0"/>
+              <a:t>dist</a:t>
+            </a:r>
+            <a:r>
+              <a:rPr lang="de-DE" dirty="0" smtClean="0"/>
+              <a:t> = 30</a:t>
+            </a:r>
+          </a:p>
+          <a:p>
+            <a:pPr marL="542925" lvl="1"/>
+            <a:r>
+              <a:rPr lang="de-DE" dirty="0" err="1" smtClean="0"/>
+              <a:t>vehicle</a:t>
+            </a:r>
+            <a:r>
+              <a:rPr lang="de-DE" dirty="0" smtClean="0"/>
+              <a:t>(0, 0, 100, 50)</a:t>
+            </a:r>
+          </a:p>
+          <a:p>
+            <a:pPr marL="542925" lvl="1">
+              <a:tabLst>
+                <a:tab pos="2509838" algn="l"/>
+              </a:tabLst>
+            </a:pPr>
+            <a:r>
+              <a:rPr lang="de-DE" dirty="0" smtClean="0"/>
+              <a:t>track1(120, 0, 100, 20) 	</a:t>
+            </a:r>
+            <a:r>
+              <a:rPr lang="de-DE" dirty="0" smtClean="0">
+                <a:sym typeface="Wingdings" panose="05000000000000000000" pitchFamily="2" charset="2"/>
+              </a:rPr>
+              <a:t> </a:t>
+            </a:r>
+            <a:r>
+              <a:rPr lang="de-DE" dirty="0" err="1" smtClean="0">
+                <a:sym typeface="Wingdings" panose="05000000000000000000" pitchFamily="2" charset="2"/>
+              </a:rPr>
+              <a:t>IsClose</a:t>
+            </a:r>
+            <a:r>
+              <a:rPr lang="de-DE" dirty="0" smtClean="0">
+                <a:sym typeface="Wingdings" panose="05000000000000000000" pitchFamily="2" charset="2"/>
+              </a:rPr>
+              <a:t> == </a:t>
+            </a:r>
+            <a:r>
+              <a:rPr lang="de-DE" dirty="0" err="1" smtClean="0">
+                <a:sym typeface="Wingdings" panose="05000000000000000000" pitchFamily="2" charset="2"/>
+              </a:rPr>
+              <a:t>true</a:t>
             </a:r>
             <a:endParaRPr lang="de-DE" dirty="0" smtClean="0"/>
           </a:p>
           <a:p>
-            <a:pPr marL="439738" lvl="1" indent="-177800"/>
-            <a:r>
-              <a:rPr lang="de-DE" dirty="0" err="1" smtClean="0"/>
-              <a:t>combine</a:t>
-            </a:r>
-            <a:r>
-              <a:rPr lang="de-DE" dirty="0" smtClean="0"/>
-              <a:t> </a:t>
-            </a:r>
-            <a:r>
-              <a:rPr lang="de-DE" dirty="0" err="1" smtClean="0"/>
-              <a:t>tracks</a:t>
-            </a:r>
-            <a:r>
-              <a:rPr lang="de-DE" dirty="0" smtClean="0"/>
-              <a:t>, </a:t>
-            </a:r>
-            <a:r>
-              <a:rPr lang="de-DE" dirty="0" err="1" smtClean="0"/>
-              <a:t>depending</a:t>
-            </a:r>
-            <a:r>
-              <a:rPr lang="de-DE" dirty="0" smtClean="0"/>
-              <a:t> on same </a:t>
-            </a:r>
-            <a:r>
-              <a:rPr lang="de-DE" dirty="0" err="1" smtClean="0"/>
-              <a:t>velocity</a:t>
-            </a:r>
-            <a:endParaRPr lang="de-DE" dirty="0" smtClean="0"/>
-          </a:p>
-          <a:p>
-            <a:pPr marL="439738" lvl="1" indent="-177800"/>
-            <a:r>
-              <a:rPr lang="de-DE" sz="1200" dirty="0" err="1" smtClean="0"/>
-              <a:t>use</a:t>
-            </a:r>
-            <a:r>
-              <a:rPr lang="de-DE" sz="1200" dirty="0" smtClean="0"/>
-              <a:t> </a:t>
-            </a:r>
-            <a:r>
-              <a:rPr lang="de-DE" sz="1200" dirty="0" err="1" smtClean="0"/>
-              <a:t>only</a:t>
-            </a:r>
-            <a:r>
-              <a:rPr lang="de-DE" sz="1200" dirty="0" smtClean="0"/>
-              <a:t> </a:t>
-            </a:r>
-            <a:r>
-              <a:rPr lang="de-DE" sz="1200" dirty="0" err="1" smtClean="0"/>
-              <a:t>tracks</a:t>
-            </a:r>
-            <a:r>
-              <a:rPr lang="de-DE" sz="1200" dirty="0" smtClean="0"/>
-              <a:t> </a:t>
-            </a:r>
-            <a:r>
-              <a:rPr lang="de-DE" sz="1200" dirty="0" err="1" smtClean="0"/>
-              <a:t>with</a:t>
-            </a:r>
-            <a:r>
-              <a:rPr lang="de-DE" sz="1200" dirty="0" smtClean="0"/>
-              <a:t> high </a:t>
-            </a:r>
-            <a:r>
-              <a:rPr lang="de-DE" sz="1200" dirty="0" err="1" smtClean="0"/>
-              <a:t>confidence</a:t>
-            </a:r>
-            <a:endParaRPr lang="de-DE" sz="1200" dirty="0" smtClean="0"/>
-          </a:p>
-          <a:p>
-            <a:pPr marL="177800" indent="-177800"/>
-            <a:r>
-              <a:rPr lang="de-DE" sz="1400" dirty="0" err="1" smtClean="0"/>
-              <a:t>Counting</a:t>
-            </a:r>
-            <a:endParaRPr lang="de-DE" sz="1400" dirty="0" smtClean="0"/>
-          </a:p>
-          <a:p>
-            <a:pPr marL="439738" lvl="1" indent="-177800"/>
-            <a:r>
-              <a:rPr lang="de-DE" sz="1200" dirty="0" err="1" smtClean="0"/>
-              <a:t>count</a:t>
-            </a:r>
-            <a:r>
-              <a:rPr lang="de-DE" sz="1200" dirty="0" smtClean="0"/>
-              <a:t> </a:t>
-            </a:r>
-            <a:r>
-              <a:rPr lang="de-DE" sz="1200" dirty="0" err="1" smtClean="0"/>
-              <a:t>only</a:t>
-            </a:r>
-            <a:endParaRPr lang="de-DE" sz="1200" dirty="0" smtClean="0"/>
-          </a:p>
-          <a:p>
-            <a:pPr marL="177800" indent="-177800"/>
-            <a:r>
-              <a:rPr lang="de-DE" dirty="0" err="1" smtClean="0"/>
-              <a:t>Refactoring</a:t>
-            </a:r>
-            <a:endParaRPr lang="de-DE" dirty="0" smtClean="0"/>
-          </a:p>
-          <a:p>
-            <a:pPr marL="439738" lvl="1" indent="-177800"/>
-            <a:r>
-              <a:rPr lang="de-DE" dirty="0" err="1" smtClean="0"/>
-              <a:t>make</a:t>
-            </a:r>
-            <a:r>
-              <a:rPr lang="de-DE" dirty="0" smtClean="0"/>
-              <a:t> all </a:t>
-            </a:r>
-            <a:r>
-              <a:rPr lang="de-DE" dirty="0" err="1" smtClean="0"/>
-              <a:t>class</a:t>
-            </a:r>
-            <a:r>
-              <a:rPr lang="de-DE" dirty="0" smtClean="0"/>
-              <a:t> variables private</a:t>
-            </a:r>
-          </a:p>
-          <a:p>
-            <a:pPr marL="439738" lvl="1" indent="-177800"/>
-            <a:r>
-              <a:rPr lang="de-DE" dirty="0" err="1" smtClean="0"/>
-              <a:t>implement</a:t>
-            </a:r>
-            <a:r>
-              <a:rPr lang="de-DE" dirty="0" smtClean="0"/>
-              <a:t> </a:t>
-            </a:r>
-            <a:r>
-              <a:rPr lang="de-DE" dirty="0" err="1" smtClean="0"/>
-              <a:t>Blob</a:t>
-            </a:r>
-            <a:r>
-              <a:rPr lang="de-DE" dirty="0" smtClean="0"/>
-              <a:t> ID </a:t>
-            </a:r>
-            <a:r>
-              <a:rPr lang="de-DE" dirty="0" err="1" smtClean="0"/>
-              <a:t>handling</a:t>
-            </a:r>
-            <a:r>
-              <a:rPr lang="de-DE" dirty="0" smtClean="0"/>
-              <a:t> </a:t>
-            </a:r>
-            <a:r>
-              <a:rPr lang="de-DE" dirty="0" err="1" smtClean="0"/>
-              <a:t>as</a:t>
-            </a:r>
-            <a:r>
-              <a:rPr lang="de-DE" dirty="0" smtClean="0"/>
-              <a:t> Track </a:t>
-            </a:r>
-            <a:r>
-              <a:rPr lang="de-DE" dirty="0" err="1" smtClean="0"/>
-              <a:t>method</a:t>
-            </a:r>
-            <a:r>
-              <a:rPr lang="de-DE" dirty="0" smtClean="0"/>
-              <a:t> (</a:t>
-            </a:r>
-            <a:r>
-              <a:rPr lang="de-DE" dirty="0" err="1" smtClean="0"/>
-              <a:t>static</a:t>
-            </a:r>
-            <a:r>
-              <a:rPr lang="de-DE" dirty="0" smtClean="0"/>
-              <a:t> </a:t>
-            </a:r>
-            <a:r>
-              <a:rPr lang="de-DE" dirty="0" err="1" smtClean="0"/>
-              <a:t>list</a:t>
-            </a:r>
-            <a:r>
-              <a:rPr lang="de-DE" dirty="0" smtClean="0"/>
-              <a:t> </a:t>
-            </a:r>
-            <a:r>
-              <a:rPr lang="de-DE" dirty="0" err="1" smtClean="0"/>
-              <a:t>for</a:t>
-            </a:r>
-            <a:r>
-              <a:rPr lang="de-DE" dirty="0" smtClean="0"/>
-              <a:t> </a:t>
-            </a:r>
-            <a:r>
-              <a:rPr lang="de-DE" dirty="0" err="1" smtClean="0"/>
-              <a:t>track</a:t>
-            </a:r>
-            <a:r>
-              <a:rPr lang="de-DE" dirty="0" smtClean="0"/>
-              <a:t> IDs) </a:t>
-            </a:r>
-          </a:p>
-          <a:p>
-            <a:pPr marL="439738" lvl="1" indent="-177800"/>
-            <a:r>
-              <a:rPr lang="de-DE" dirty="0" smtClean="0"/>
-              <a:t>Tracks::</a:t>
+            <a:pPr marL="542925" lvl="1">
+              <a:tabLst>
+                <a:tab pos="2509838" algn="l"/>
+              </a:tabLst>
+            </a:pPr>
+            <a:r>
+              <a:rPr lang="de-DE" dirty="0" smtClean="0"/>
+              <a:t>track2(150</a:t>
             </a:r>
             <a:r>
               <a:rPr lang="de-DE" smtClean="0"/>
-              <a:t>DeleteTrack</a:t>
-            </a:r>
-            <a:endParaRPr lang="de-DE" dirty="0" smtClean="0"/>
-          </a:p>
-          <a:p>
-            <a:pPr marL="177800" indent="-177800"/>
-            <a:r>
-              <a:rPr lang="de-DE" dirty="0" smtClean="0"/>
-              <a:t>Set </a:t>
-            </a:r>
-            <a:r>
-              <a:rPr lang="de-DE" dirty="0" err="1" smtClean="0"/>
-              <a:t>Up</a:t>
-            </a:r>
-            <a:r>
-              <a:rPr lang="de-DE" dirty="0" smtClean="0"/>
-              <a:t> Test Environment</a:t>
-            </a:r>
-          </a:p>
-          <a:p>
-            <a:pPr marL="439738" lvl="1" indent="-177800"/>
-            <a:r>
-              <a:rPr lang="de-DE" dirty="0" err="1" smtClean="0"/>
-              <a:t>tests</a:t>
-            </a:r>
-            <a:r>
-              <a:rPr lang="de-DE" dirty="0" smtClean="0"/>
-              <a:t> </a:t>
-            </a:r>
-            <a:r>
-              <a:rPr lang="de-DE" dirty="0" err="1" smtClean="0"/>
-              <a:t>for</a:t>
-            </a:r>
-            <a:r>
-              <a:rPr lang="de-DE" dirty="0" smtClean="0"/>
-              <a:t> </a:t>
-            </a:r>
-            <a:r>
-              <a:rPr lang="de-DE" dirty="0" err="1" smtClean="0"/>
-              <a:t>tracking</a:t>
-            </a:r>
-            <a:r>
-              <a:rPr lang="de-DE" dirty="0" smtClean="0"/>
-              <a:t> </a:t>
-            </a:r>
-            <a:r>
-              <a:rPr lang="de-DE" dirty="0" err="1" smtClean="0"/>
-              <a:t>classes</a:t>
-            </a:r>
-            <a:r>
-              <a:rPr lang="de-DE" dirty="0" smtClean="0"/>
-              <a:t> (in </a:t>
-            </a:r>
-            <a:r>
-              <a:rPr lang="de-DE" dirty="0" err="1" smtClean="0"/>
-              <a:t>tst_track</a:t>
-            </a:r>
-            <a:r>
-              <a:rPr lang="de-DE" dirty="0" smtClean="0"/>
-              <a:t>)</a:t>
-            </a:r>
-            <a:endParaRPr lang="de-DE" sz="1200" dirty="0" smtClean="0"/>
+              <a:t>, 150</a:t>
+            </a:r>
+            <a:r>
+              <a:rPr lang="de-DE" dirty="0" smtClean="0"/>
+              <a:t>, 100, 100)	</a:t>
+            </a:r>
+            <a:r>
+              <a:rPr lang="de-DE" dirty="0" smtClean="0">
+                <a:sym typeface="Wingdings" panose="05000000000000000000" pitchFamily="2" charset="2"/>
+              </a:rPr>
+              <a:t> </a:t>
+            </a:r>
+            <a:r>
+              <a:rPr lang="de-DE" dirty="0" err="1" smtClean="0">
+                <a:sym typeface="Wingdings" panose="05000000000000000000" pitchFamily="2" charset="2"/>
+              </a:rPr>
+              <a:t>IsClose</a:t>
+            </a:r>
+            <a:r>
+              <a:rPr lang="de-DE" dirty="0" smtClean="0">
+                <a:sym typeface="Wingdings" panose="05000000000000000000" pitchFamily="2" charset="2"/>
+              </a:rPr>
+              <a:t> == </a:t>
+            </a:r>
+            <a:r>
+              <a:rPr lang="de-DE" dirty="0" err="1" smtClean="0">
+                <a:sym typeface="Wingdings" panose="05000000000000000000" pitchFamily="2" charset="2"/>
+              </a:rPr>
+              <a:t>false</a:t>
+            </a:r>
+            <a:endParaRPr lang="de-DE" dirty="0"/>
+          </a:p>
+          <a:p>
+            <a:endParaRPr lang="de-DE" dirty="0"/>
           </a:p>
         </p:txBody>
       </p:sp>
+      <p:sp>
+        <p:nvSpPr>
+          <p:cNvPr id="4" name="Rechteck 3"/>
+          <p:cNvSpPr/>
+          <p:nvPr/>
+        </p:nvSpPr>
+        <p:spPr>
+          <a:xfrm>
+            <a:off x="5271389" y="944724"/>
+            <a:ext cx="877165" cy="540060"/>
+          </a:xfrm>
+          <a:prstGeom prst="rect">
+            <a:avLst/>
+          </a:prstGeom>
+          <a:noFill/>
+          <a:ln w="19050">
+            <a:solidFill>
+              <a:schemeClr val="tx1"/>
+            </a:solidFill>
+          </a:ln>
+        </p:spPr>
+        <p:style>
+          <a:lnRef idx="2">
+            <a:schemeClr val="accent1">
+              <a:shade val="50000"/>
+            </a:schemeClr>
+          </a:lnRef>
+          <a:fillRef idx="1">
+            <a:schemeClr val="accent1"/>
+          </a:fillRef>
+          <a:effectRef idx="0">
+            <a:schemeClr val="accent1"/>
+          </a:effectRef>
+          <a:fontRef idx="minor">
+            <a:schemeClr val="lt1"/>
+          </a:fontRef>
+        </p:style>
+        <p:txBody>
+          <a:bodyPr rtlCol="0" anchor="ctr"/>
+          <a:lstStyle/>
+          <a:p>
+            <a:pPr algn="ctr"/>
+            <a:endParaRPr lang="de-DE"/>
+          </a:p>
+        </p:txBody>
+      </p:sp>
+      <p:sp>
+        <p:nvSpPr>
+          <p:cNvPr id="5" name="Rechteck 4"/>
+          <p:cNvSpPr/>
+          <p:nvPr/>
+        </p:nvSpPr>
+        <p:spPr>
+          <a:xfrm>
+            <a:off x="6804248" y="1916832"/>
+            <a:ext cx="445117" cy="324036"/>
+          </a:xfrm>
+          <a:prstGeom prst="rect">
+            <a:avLst/>
+          </a:prstGeom>
+          <a:noFill/>
+          <a:ln w="19050">
+            <a:solidFill>
+              <a:srgbClr val="FF0000"/>
+            </a:solidFill>
+          </a:ln>
+        </p:spPr>
+        <p:style>
+          <a:lnRef idx="2">
+            <a:schemeClr val="accent1">
+              <a:shade val="50000"/>
+            </a:schemeClr>
+          </a:lnRef>
+          <a:fillRef idx="1">
+            <a:schemeClr val="accent1"/>
+          </a:fillRef>
+          <a:effectRef idx="0">
+            <a:schemeClr val="accent1"/>
+          </a:effectRef>
+          <a:fontRef idx="minor">
+            <a:schemeClr val="lt1"/>
+          </a:fontRef>
+        </p:style>
+        <p:txBody>
+          <a:bodyPr rtlCol="0" anchor="ctr"/>
+          <a:lstStyle/>
+          <a:p>
+            <a:pPr algn="ctr"/>
+            <a:endParaRPr lang="de-DE"/>
+          </a:p>
+        </p:txBody>
+      </p:sp>
+      <p:sp>
+        <p:nvSpPr>
+          <p:cNvPr id="6" name="Rechteck 5"/>
+          <p:cNvSpPr/>
+          <p:nvPr/>
+        </p:nvSpPr>
+        <p:spPr>
+          <a:xfrm>
+            <a:off x="6351509" y="872716"/>
+            <a:ext cx="524747" cy="162018"/>
+          </a:xfrm>
+          <a:prstGeom prst="rect">
+            <a:avLst/>
+          </a:prstGeom>
+          <a:noFill/>
+          <a:ln w="19050">
+            <a:solidFill>
+              <a:srgbClr val="FF0000"/>
+            </a:solidFill>
+          </a:ln>
+        </p:spPr>
+        <p:style>
+          <a:lnRef idx="2">
+            <a:schemeClr val="accent1">
+              <a:shade val="50000"/>
+            </a:schemeClr>
+          </a:lnRef>
+          <a:fillRef idx="1">
+            <a:schemeClr val="accent1"/>
+          </a:fillRef>
+          <a:effectRef idx="0">
+            <a:schemeClr val="accent1"/>
+          </a:effectRef>
+          <a:fontRef idx="minor">
+            <a:schemeClr val="lt1"/>
+          </a:fontRef>
+        </p:style>
+        <p:txBody>
+          <a:bodyPr rtlCol="0" anchor="ctr"/>
+          <a:lstStyle/>
+          <a:p>
+            <a:pPr algn="ctr"/>
+            <a:endParaRPr lang="de-DE"/>
+          </a:p>
+        </p:txBody>
+      </p:sp>
+      <p:sp>
+        <p:nvSpPr>
+          <p:cNvPr id="7" name="Rechteck 6"/>
+          <p:cNvSpPr/>
+          <p:nvPr/>
+        </p:nvSpPr>
+        <p:spPr>
+          <a:xfrm>
+            <a:off x="5271388" y="872716"/>
+            <a:ext cx="1604868" cy="612068"/>
+          </a:xfrm>
+          <a:prstGeom prst="rect">
+            <a:avLst/>
+          </a:prstGeom>
+          <a:noFill/>
+          <a:ln w="19050">
+            <a:solidFill>
+              <a:srgbClr val="00B050"/>
+            </a:solidFill>
+            <a:prstDash val="dash"/>
+          </a:ln>
+        </p:spPr>
+        <p:style>
+          <a:lnRef idx="2">
+            <a:schemeClr val="accent1">
+              <a:shade val="50000"/>
+            </a:schemeClr>
+          </a:lnRef>
+          <a:fillRef idx="1">
+            <a:schemeClr val="accent1"/>
+          </a:fillRef>
+          <a:effectRef idx="0">
+            <a:schemeClr val="accent1"/>
+          </a:effectRef>
+          <a:fontRef idx="minor">
+            <a:schemeClr val="lt1"/>
+          </a:fontRef>
+        </p:style>
+        <p:txBody>
+          <a:bodyPr rtlCol="0" anchor="ctr"/>
+          <a:lstStyle/>
+          <a:p>
+            <a:pPr algn="ctr"/>
+            <a:endParaRPr lang="de-DE"/>
+          </a:p>
+        </p:txBody>
+      </p:sp>
+      <p:sp>
+        <p:nvSpPr>
+          <p:cNvPr id="8" name="Ellipse 7"/>
+          <p:cNvSpPr/>
+          <p:nvPr/>
+        </p:nvSpPr>
+        <p:spPr>
+          <a:xfrm>
+            <a:off x="5693722" y="1187037"/>
+            <a:ext cx="45719" cy="45719"/>
+          </a:xfrm>
+          <a:prstGeom prst="ellipse">
+            <a:avLst/>
+          </a:prstGeom>
+          <a:solidFill>
+            <a:schemeClr val="tx1"/>
+          </a:solidFill>
+          <a:ln w="19050">
+            <a:solidFill>
+              <a:schemeClr val="tx1"/>
+            </a:solidFill>
+          </a:ln>
+        </p:spPr>
+        <p:style>
+          <a:lnRef idx="2">
+            <a:schemeClr val="accent1">
+              <a:shade val="50000"/>
+            </a:schemeClr>
+          </a:lnRef>
+          <a:fillRef idx="1">
+            <a:schemeClr val="accent1"/>
+          </a:fillRef>
+          <a:effectRef idx="0">
+            <a:schemeClr val="accent1"/>
+          </a:effectRef>
+          <a:fontRef idx="minor">
+            <a:schemeClr val="lt1"/>
+          </a:fontRef>
+        </p:style>
+        <p:txBody>
+          <a:bodyPr rtlCol="0" anchor="ctr"/>
+          <a:lstStyle/>
+          <a:p>
+            <a:pPr algn="ctr"/>
+            <a:endParaRPr lang="de-DE" sz="1400"/>
+          </a:p>
+        </p:txBody>
+      </p:sp>
+      <p:cxnSp>
+        <p:nvCxnSpPr>
+          <p:cNvPr id="9" name="Gerade Verbindung mit Pfeil 8"/>
+          <p:cNvCxnSpPr/>
+          <p:nvPr/>
+        </p:nvCxnSpPr>
+        <p:spPr>
+          <a:xfrm flipH="1">
+            <a:off x="5289391" y="1209896"/>
+            <a:ext cx="396044" cy="0"/>
+          </a:xfrm>
+          <a:prstGeom prst="straightConnector1">
+            <a:avLst/>
+          </a:prstGeom>
+          <a:ln w="19050">
+            <a:solidFill>
+              <a:schemeClr val="tx1"/>
+            </a:solidFill>
+            <a:tailEnd type="triangle" w="med" len="lg"/>
+          </a:ln>
+        </p:spPr>
+        <p:style>
+          <a:lnRef idx="1">
+            <a:schemeClr val="accent1"/>
+          </a:lnRef>
+          <a:fillRef idx="0">
+            <a:schemeClr val="accent1"/>
+          </a:fillRef>
+          <a:effectRef idx="0">
+            <a:schemeClr val="accent1"/>
+          </a:effectRef>
+          <a:fontRef idx="minor">
+            <a:schemeClr val="tx1"/>
+          </a:fontRef>
+        </p:style>
+      </p:cxnSp>
+      <p:sp>
+        <p:nvSpPr>
+          <p:cNvPr id="10" name="Ellipse 9"/>
+          <p:cNvSpPr/>
+          <p:nvPr/>
+        </p:nvSpPr>
+        <p:spPr>
+          <a:xfrm>
+            <a:off x="7023626" y="2051133"/>
+            <a:ext cx="45719" cy="45719"/>
+          </a:xfrm>
+          <a:prstGeom prst="ellipse">
+            <a:avLst/>
+          </a:prstGeom>
+          <a:solidFill>
+            <a:schemeClr val="tx1"/>
+          </a:solidFill>
+          <a:ln w="19050">
+            <a:solidFill>
+              <a:srgbClr val="FF0000"/>
+            </a:solidFill>
+          </a:ln>
+        </p:spPr>
+        <p:style>
+          <a:lnRef idx="2">
+            <a:schemeClr val="accent1">
+              <a:shade val="50000"/>
+            </a:schemeClr>
+          </a:lnRef>
+          <a:fillRef idx="1">
+            <a:schemeClr val="accent1"/>
+          </a:fillRef>
+          <a:effectRef idx="0">
+            <a:schemeClr val="accent1"/>
+          </a:effectRef>
+          <a:fontRef idx="minor">
+            <a:schemeClr val="lt1"/>
+          </a:fontRef>
+        </p:style>
+        <p:txBody>
+          <a:bodyPr rtlCol="0" anchor="ctr"/>
+          <a:lstStyle/>
+          <a:p>
+            <a:pPr algn="ctr"/>
+            <a:endParaRPr lang="de-DE" sz="1400"/>
+          </a:p>
+        </p:txBody>
+      </p:sp>
+      <p:cxnSp>
+        <p:nvCxnSpPr>
+          <p:cNvPr id="11" name="Gerade Verbindung mit Pfeil 10"/>
+          <p:cNvCxnSpPr/>
+          <p:nvPr/>
+        </p:nvCxnSpPr>
+        <p:spPr>
+          <a:xfrm flipH="1">
+            <a:off x="6619295" y="2073992"/>
+            <a:ext cx="396044" cy="0"/>
+          </a:xfrm>
+          <a:prstGeom prst="straightConnector1">
+            <a:avLst/>
+          </a:prstGeom>
+          <a:ln w="19050">
+            <a:solidFill>
+              <a:srgbClr val="FF0000"/>
+            </a:solidFill>
+            <a:tailEnd type="triangle" w="med" len="lg"/>
+          </a:ln>
+        </p:spPr>
+        <p:style>
+          <a:lnRef idx="1">
+            <a:schemeClr val="accent1"/>
+          </a:lnRef>
+          <a:fillRef idx="0">
+            <a:schemeClr val="accent1"/>
+          </a:fillRef>
+          <a:effectRef idx="0">
+            <a:schemeClr val="accent1"/>
+          </a:effectRef>
+          <a:fontRef idx="minor">
+            <a:schemeClr val="tx1"/>
+          </a:fontRef>
+        </p:style>
+      </p:cxnSp>
+      <p:sp>
+        <p:nvSpPr>
+          <p:cNvPr id="12" name="Ellipse 11"/>
+          <p:cNvSpPr/>
+          <p:nvPr/>
+        </p:nvSpPr>
+        <p:spPr>
+          <a:xfrm>
+            <a:off x="6611824" y="935009"/>
+            <a:ext cx="45719" cy="45719"/>
+          </a:xfrm>
+          <a:prstGeom prst="ellipse">
+            <a:avLst/>
+          </a:prstGeom>
+          <a:solidFill>
+            <a:schemeClr val="tx1"/>
+          </a:solidFill>
+          <a:ln w="19050">
+            <a:solidFill>
+              <a:srgbClr val="FF0000"/>
+            </a:solidFill>
+          </a:ln>
+        </p:spPr>
+        <p:style>
+          <a:lnRef idx="2">
+            <a:schemeClr val="accent1">
+              <a:shade val="50000"/>
+            </a:schemeClr>
+          </a:lnRef>
+          <a:fillRef idx="1">
+            <a:schemeClr val="accent1"/>
+          </a:fillRef>
+          <a:effectRef idx="0">
+            <a:schemeClr val="accent1"/>
+          </a:effectRef>
+          <a:fontRef idx="minor">
+            <a:schemeClr val="lt1"/>
+          </a:fontRef>
+        </p:style>
+        <p:txBody>
+          <a:bodyPr rtlCol="0" anchor="ctr"/>
+          <a:lstStyle/>
+          <a:p>
+            <a:pPr algn="ctr"/>
+            <a:endParaRPr lang="de-DE" sz="1400"/>
+          </a:p>
+        </p:txBody>
+      </p:sp>
+      <p:cxnSp>
+        <p:nvCxnSpPr>
+          <p:cNvPr id="13" name="Gerade Verbindung mit Pfeil 12"/>
+          <p:cNvCxnSpPr/>
+          <p:nvPr/>
+        </p:nvCxnSpPr>
+        <p:spPr>
+          <a:xfrm flipH="1">
+            <a:off x="6207493" y="957868"/>
+            <a:ext cx="396044" cy="0"/>
+          </a:xfrm>
+          <a:prstGeom prst="straightConnector1">
+            <a:avLst/>
+          </a:prstGeom>
+          <a:ln w="19050">
+            <a:solidFill>
+              <a:srgbClr val="FF0000"/>
+            </a:solidFill>
+            <a:tailEnd type="triangle" w="med" len="lg"/>
+          </a:ln>
+        </p:spPr>
+        <p:style>
+          <a:lnRef idx="1">
+            <a:schemeClr val="accent1"/>
+          </a:lnRef>
+          <a:fillRef idx="0">
+            <a:schemeClr val="accent1"/>
+          </a:fillRef>
+          <a:effectRef idx="0">
+            <a:schemeClr val="accent1"/>
+          </a:effectRef>
+          <a:fontRef idx="minor">
+            <a:schemeClr val="tx1"/>
+          </a:fontRef>
+        </p:style>
+      </p:cxnSp>
+      <p:sp>
+        <p:nvSpPr>
+          <p:cNvPr id="14" name="Textfeld 13"/>
+          <p:cNvSpPr txBox="1"/>
+          <p:nvPr/>
+        </p:nvSpPr>
+        <p:spPr>
+          <a:xfrm>
+            <a:off x="5184068" y="1207785"/>
+            <a:ext cx="1035861" cy="276999"/>
+          </a:xfrm>
+          <a:prstGeom prst="rect">
+            <a:avLst/>
+          </a:prstGeom>
+          <a:noFill/>
+        </p:spPr>
+        <p:txBody>
+          <a:bodyPr wrap="none" rtlCol="0">
+            <a:spAutoFit/>
+          </a:bodyPr>
+          <a:lstStyle/>
+          <a:p>
+            <a:r>
+              <a:rPr lang="de-DE" sz="1200" dirty="0" err="1" smtClean="0">
+                <a:latin typeface="Arial" panose="020B0604020202020204" pitchFamily="34" charset="0"/>
+                <a:cs typeface="Arial" panose="020B0604020202020204" pitchFamily="34" charset="0"/>
+              </a:rPr>
+              <a:t>vehicle.bbox</a:t>
+            </a:r>
+            <a:endParaRPr lang="de-DE" sz="1200" dirty="0">
+              <a:latin typeface="Arial" panose="020B0604020202020204" pitchFamily="34" charset="0"/>
+              <a:cs typeface="Arial" panose="020B0604020202020204" pitchFamily="34" charset="0"/>
+            </a:endParaRPr>
+          </a:p>
+        </p:txBody>
+      </p:sp>
+      <p:sp>
+        <p:nvSpPr>
+          <p:cNvPr id="15" name="Textfeld 14"/>
+          <p:cNvSpPr txBox="1"/>
+          <p:nvPr/>
+        </p:nvSpPr>
+        <p:spPr>
+          <a:xfrm>
+            <a:off x="6372329" y="615794"/>
+            <a:ext cx="603050" cy="276999"/>
+          </a:xfrm>
+          <a:prstGeom prst="rect">
+            <a:avLst/>
+          </a:prstGeom>
+          <a:noFill/>
+        </p:spPr>
+        <p:txBody>
+          <a:bodyPr wrap="none" rtlCol="0">
+            <a:spAutoFit/>
+          </a:bodyPr>
+          <a:lstStyle/>
+          <a:p>
+            <a:r>
+              <a:rPr lang="de-DE" sz="1200" dirty="0" smtClean="0">
+                <a:solidFill>
+                  <a:srgbClr val="FF0000"/>
+                </a:solidFill>
+                <a:latin typeface="Arial" panose="020B0604020202020204" pitchFamily="34" charset="0"/>
+                <a:cs typeface="Arial" panose="020B0604020202020204" pitchFamily="34" charset="0"/>
+              </a:rPr>
+              <a:t>track1</a:t>
+            </a:r>
+            <a:endParaRPr lang="de-DE" sz="1200" dirty="0">
+              <a:solidFill>
+                <a:srgbClr val="FF0000"/>
+              </a:solidFill>
+              <a:latin typeface="Arial" panose="020B0604020202020204" pitchFamily="34" charset="0"/>
+              <a:cs typeface="Arial" panose="020B0604020202020204" pitchFamily="34" charset="0"/>
+            </a:endParaRPr>
+          </a:p>
+        </p:txBody>
+      </p:sp>
+      <p:sp>
+        <p:nvSpPr>
+          <p:cNvPr id="16" name="Textfeld 15"/>
+          <p:cNvSpPr txBox="1"/>
+          <p:nvPr/>
+        </p:nvSpPr>
+        <p:spPr>
+          <a:xfrm>
+            <a:off x="6673854" y="1664804"/>
+            <a:ext cx="603050" cy="276999"/>
+          </a:xfrm>
+          <a:prstGeom prst="rect">
+            <a:avLst/>
+          </a:prstGeom>
+          <a:noFill/>
+        </p:spPr>
+        <p:txBody>
+          <a:bodyPr wrap="none" rtlCol="0">
+            <a:spAutoFit/>
+          </a:bodyPr>
+          <a:lstStyle/>
+          <a:p>
+            <a:r>
+              <a:rPr lang="de-DE" sz="1200" dirty="0" smtClean="0">
+                <a:solidFill>
+                  <a:srgbClr val="FF0000"/>
+                </a:solidFill>
+                <a:latin typeface="Arial" panose="020B0604020202020204" pitchFamily="34" charset="0"/>
+                <a:cs typeface="Arial" panose="020B0604020202020204" pitchFamily="34" charset="0"/>
+              </a:rPr>
+              <a:t>track2</a:t>
+            </a:r>
+            <a:endParaRPr lang="de-DE" sz="1200" dirty="0">
+              <a:solidFill>
+                <a:srgbClr val="FF0000"/>
+              </a:solidFill>
+              <a:latin typeface="Arial" panose="020B0604020202020204" pitchFamily="34" charset="0"/>
+              <a:cs typeface="Arial" panose="020B0604020202020204" pitchFamily="34" charset="0"/>
+            </a:endParaRPr>
+          </a:p>
+        </p:txBody>
+      </p:sp>
+      <p:cxnSp>
+        <p:nvCxnSpPr>
+          <p:cNvPr id="18" name="Gerade Verbindung 17"/>
+          <p:cNvCxnSpPr/>
+          <p:nvPr/>
+        </p:nvCxnSpPr>
+        <p:spPr>
+          <a:xfrm>
+            <a:off x="6148554" y="620688"/>
+            <a:ext cx="0" cy="2021409"/>
+          </a:xfrm>
+          <a:prstGeom prst="line">
+            <a:avLst/>
+          </a:prstGeom>
+          <a:ln w="9525">
+            <a:solidFill>
+              <a:schemeClr val="tx1"/>
+            </a:solidFill>
+            <a:tailEnd type="none" w="med" len="lg"/>
+          </a:ln>
+        </p:spPr>
+        <p:style>
+          <a:lnRef idx="1">
+            <a:schemeClr val="accent1"/>
+          </a:lnRef>
+          <a:fillRef idx="0">
+            <a:schemeClr val="accent1"/>
+          </a:fillRef>
+          <a:effectRef idx="0">
+            <a:schemeClr val="accent1"/>
+          </a:effectRef>
+          <a:fontRef idx="minor">
+            <a:schemeClr val="tx1"/>
+          </a:fontRef>
+        </p:style>
+      </p:cxnSp>
+      <p:cxnSp>
+        <p:nvCxnSpPr>
+          <p:cNvPr id="19" name="Gerade Verbindung 18"/>
+          <p:cNvCxnSpPr>
+            <a:endCxn id="6" idx="1"/>
+          </p:cNvCxnSpPr>
+          <p:nvPr/>
+        </p:nvCxnSpPr>
+        <p:spPr>
+          <a:xfrm>
+            <a:off x="6351509" y="620688"/>
+            <a:ext cx="0" cy="333037"/>
+          </a:xfrm>
+          <a:prstGeom prst="line">
+            <a:avLst/>
+          </a:prstGeom>
+          <a:ln w="9525">
+            <a:solidFill>
+              <a:schemeClr val="tx1"/>
+            </a:solidFill>
+            <a:tailEnd type="none" w="med" len="lg"/>
+          </a:ln>
+        </p:spPr>
+        <p:style>
+          <a:lnRef idx="1">
+            <a:schemeClr val="accent1"/>
+          </a:lnRef>
+          <a:fillRef idx="0">
+            <a:schemeClr val="accent1"/>
+          </a:fillRef>
+          <a:effectRef idx="0">
+            <a:schemeClr val="accent1"/>
+          </a:effectRef>
+          <a:fontRef idx="minor">
+            <a:schemeClr val="tx1"/>
+          </a:fontRef>
+        </p:style>
+      </p:cxnSp>
+      <p:sp>
+        <p:nvSpPr>
+          <p:cNvPr id="20" name="Textfeld 19"/>
+          <p:cNvSpPr txBox="1"/>
+          <p:nvPr/>
+        </p:nvSpPr>
+        <p:spPr>
+          <a:xfrm>
+            <a:off x="5839055" y="413888"/>
+            <a:ext cx="761747" cy="276999"/>
+          </a:xfrm>
+          <a:prstGeom prst="rect">
+            <a:avLst/>
+          </a:prstGeom>
+          <a:noFill/>
+        </p:spPr>
+        <p:txBody>
+          <a:bodyPr wrap="none" rtlCol="0">
+            <a:spAutoFit/>
+          </a:bodyPr>
+          <a:lstStyle/>
+          <a:p>
+            <a:r>
+              <a:rPr lang="de-DE" sz="1200" dirty="0" smtClean="0">
+                <a:solidFill>
+                  <a:srgbClr val="00B050"/>
+                </a:solidFill>
+                <a:latin typeface="Arial" panose="020B0604020202020204" pitchFamily="34" charset="0"/>
+                <a:cs typeface="Arial" panose="020B0604020202020204" pitchFamily="34" charset="0"/>
+              </a:rPr>
+              <a:t>dx &lt; </a:t>
+            </a:r>
+            <a:r>
+              <a:rPr lang="de-DE" sz="1200" dirty="0" err="1" smtClean="0">
+                <a:solidFill>
+                  <a:srgbClr val="00B050"/>
+                </a:solidFill>
+                <a:latin typeface="Arial" panose="020B0604020202020204" pitchFamily="34" charset="0"/>
+                <a:cs typeface="Arial" panose="020B0604020202020204" pitchFamily="34" charset="0"/>
+              </a:rPr>
+              <a:t>dist</a:t>
+            </a:r>
+            <a:endParaRPr lang="de-DE" sz="1200" dirty="0">
+              <a:solidFill>
+                <a:srgbClr val="00B050"/>
+              </a:solidFill>
+              <a:latin typeface="Arial" panose="020B0604020202020204" pitchFamily="34" charset="0"/>
+              <a:cs typeface="Arial" panose="020B0604020202020204" pitchFamily="34" charset="0"/>
+            </a:endParaRPr>
+          </a:p>
+        </p:txBody>
+      </p:sp>
+      <p:sp>
+        <p:nvSpPr>
+          <p:cNvPr id="25" name="Textfeld 24"/>
+          <p:cNvSpPr txBox="1"/>
+          <p:nvPr/>
+        </p:nvSpPr>
+        <p:spPr>
+          <a:xfrm>
+            <a:off x="6084168" y="2365098"/>
+            <a:ext cx="761747" cy="276999"/>
+          </a:xfrm>
+          <a:prstGeom prst="rect">
+            <a:avLst/>
+          </a:prstGeom>
+          <a:noFill/>
+        </p:spPr>
+        <p:txBody>
+          <a:bodyPr wrap="none" rtlCol="0">
+            <a:spAutoFit/>
+          </a:bodyPr>
+          <a:lstStyle/>
+          <a:p>
+            <a:r>
+              <a:rPr lang="de-DE" sz="1200" dirty="0" smtClean="0">
+                <a:solidFill>
+                  <a:srgbClr val="00B050"/>
+                </a:solidFill>
+                <a:latin typeface="Arial" panose="020B0604020202020204" pitchFamily="34" charset="0"/>
+                <a:cs typeface="Arial" panose="020B0604020202020204" pitchFamily="34" charset="0"/>
+              </a:rPr>
+              <a:t>dx &gt; </a:t>
+            </a:r>
+            <a:r>
+              <a:rPr lang="de-DE" sz="1200" dirty="0" err="1" smtClean="0">
+                <a:solidFill>
+                  <a:srgbClr val="00B050"/>
+                </a:solidFill>
+                <a:latin typeface="Arial" panose="020B0604020202020204" pitchFamily="34" charset="0"/>
+                <a:cs typeface="Arial" panose="020B0604020202020204" pitchFamily="34" charset="0"/>
+              </a:rPr>
+              <a:t>dist</a:t>
+            </a:r>
+            <a:endParaRPr lang="de-DE" sz="1200" dirty="0">
+              <a:solidFill>
+                <a:srgbClr val="00B050"/>
+              </a:solidFill>
+              <a:latin typeface="Arial" panose="020B0604020202020204" pitchFamily="34" charset="0"/>
+              <a:cs typeface="Arial" panose="020B0604020202020204" pitchFamily="34" charset="0"/>
+            </a:endParaRPr>
+          </a:p>
+        </p:txBody>
+      </p:sp>
+      <p:cxnSp>
+        <p:nvCxnSpPr>
+          <p:cNvPr id="26" name="Gerade Verbindung 25"/>
+          <p:cNvCxnSpPr/>
+          <p:nvPr/>
+        </p:nvCxnSpPr>
+        <p:spPr>
+          <a:xfrm flipH="1">
+            <a:off x="6817317" y="1916832"/>
+            <a:ext cx="1" cy="725265"/>
+          </a:xfrm>
+          <a:prstGeom prst="line">
+            <a:avLst/>
+          </a:prstGeom>
+          <a:ln w="9525">
+            <a:solidFill>
+              <a:schemeClr val="tx1"/>
+            </a:solidFill>
+            <a:tailEnd type="none" w="med" len="lg"/>
+          </a:ln>
+        </p:spPr>
+        <p:style>
+          <a:lnRef idx="1">
+            <a:schemeClr val="accent1"/>
+          </a:lnRef>
+          <a:fillRef idx="0">
+            <a:schemeClr val="accent1"/>
+          </a:fillRef>
+          <a:effectRef idx="0">
+            <a:schemeClr val="accent1"/>
+          </a:effectRef>
+          <a:fontRef idx="minor">
+            <a:schemeClr val="tx1"/>
+          </a:fontRef>
+        </p:style>
+      </p:cxnSp>
     </p:spTree>
     <p:extLst>
       <p:ext uri="{BB962C8B-B14F-4D97-AF65-F5344CB8AC3E}">
-        <p14:creationId xmlns:p14="http://schemas.microsoft.com/office/powerpoint/2010/main" val="3183068548"/>
+        <p14:creationId xmlns:p14="http://schemas.microsoft.com/office/powerpoint/2010/main" val="2266895831"/>
       </p:ext>
     </p:extLst>
   </p:cSld>
@@ -4735,23 +5342,335 @@
         </p:nvSpPr>
         <p:spPr/>
         <p:txBody>
-          <a:bodyPr>
-            <a:normAutofit/>
-          </a:bodyPr>
+          <a:bodyPr/>
           <a:lstStyle/>
           <a:p>
             <a:r>
-              <a:rPr lang="de-DE" dirty="0" smtClean="0"/>
-              <a:t>Backup</a:t>
+              <a:rPr lang="de-DE" dirty="0" err="1" smtClean="0"/>
+              <a:t>ToDo</a:t>
+            </a:r>
+            <a:r>
+              <a:rPr lang="de-DE" dirty="0" smtClean="0"/>
+              <a:t> </a:t>
+            </a:r>
+            <a:r>
+              <a:rPr lang="de-DE" dirty="0" err="1" smtClean="0"/>
+              <a:t>Object</a:t>
+            </a:r>
+            <a:r>
+              <a:rPr lang="de-DE" dirty="0" smtClean="0"/>
+              <a:t> Tracking</a:t>
             </a:r>
             <a:endParaRPr lang="de-DE" dirty="0"/>
+          </a:p>
+        </p:txBody>
+      </p:sp>
+      <p:sp>
+        <p:nvSpPr>
+          <p:cNvPr id="3" name="Inhaltsplatzhalter 2"/>
+          <p:cNvSpPr>
+            <a:spLocks noGrp="1"/>
+          </p:cNvSpPr>
+          <p:nvPr>
+            <p:ph idx="1"/>
+          </p:nvPr>
+        </p:nvSpPr>
+        <p:spPr>
+          <a:xfrm>
+            <a:off x="457200" y="836712"/>
+            <a:ext cx="8229600" cy="2376263"/>
+          </a:xfrm>
+        </p:spPr>
+        <p:txBody>
+          <a:bodyPr/>
+          <a:lstStyle/>
+          <a:p>
+            <a:pPr marL="177800" indent="-177800"/>
+            <a:r>
+              <a:rPr lang="de-DE" dirty="0" smtClean="0"/>
+              <a:t>Combine </a:t>
+            </a:r>
+            <a:r>
+              <a:rPr lang="de-DE" dirty="0" err="1" smtClean="0"/>
+              <a:t>tracks</a:t>
+            </a:r>
+            <a:endParaRPr lang="de-DE" dirty="0" smtClean="0"/>
+          </a:p>
+          <a:p>
+            <a:pPr marL="439738" lvl="1" indent="-177800"/>
+            <a:r>
+              <a:rPr lang="de-DE" dirty="0" err="1" smtClean="0"/>
+              <a:t>combine</a:t>
+            </a:r>
+            <a:r>
+              <a:rPr lang="de-DE" dirty="0" smtClean="0"/>
+              <a:t> </a:t>
+            </a:r>
+            <a:r>
+              <a:rPr lang="de-DE" dirty="0" err="1" smtClean="0"/>
+              <a:t>tracks</a:t>
+            </a:r>
+            <a:r>
+              <a:rPr lang="de-DE" dirty="0" smtClean="0"/>
+              <a:t>, </a:t>
+            </a:r>
+            <a:r>
+              <a:rPr lang="de-DE" dirty="0" err="1" smtClean="0"/>
+              <a:t>depending</a:t>
+            </a:r>
+            <a:r>
+              <a:rPr lang="de-DE" dirty="0" smtClean="0"/>
+              <a:t> on same </a:t>
+            </a:r>
+            <a:r>
+              <a:rPr lang="de-DE" dirty="0" err="1" smtClean="0"/>
+              <a:t>velocity</a:t>
+            </a:r>
+            <a:endParaRPr lang="de-DE" dirty="0" smtClean="0"/>
+          </a:p>
+          <a:p>
+            <a:pPr marL="439738" lvl="1" indent="-177800"/>
+            <a:r>
+              <a:rPr lang="de-DE" sz="1200" dirty="0" err="1" smtClean="0"/>
+              <a:t>use</a:t>
+            </a:r>
+            <a:r>
+              <a:rPr lang="de-DE" sz="1200" dirty="0" smtClean="0"/>
+              <a:t> </a:t>
+            </a:r>
+            <a:r>
+              <a:rPr lang="de-DE" sz="1200" dirty="0" err="1" smtClean="0"/>
+              <a:t>only</a:t>
+            </a:r>
+            <a:r>
+              <a:rPr lang="de-DE" sz="1200" dirty="0" smtClean="0"/>
+              <a:t> </a:t>
+            </a:r>
+            <a:r>
+              <a:rPr lang="de-DE" sz="1200" dirty="0" err="1" smtClean="0"/>
+              <a:t>tracks</a:t>
+            </a:r>
+            <a:r>
+              <a:rPr lang="de-DE" sz="1200" dirty="0" smtClean="0"/>
+              <a:t> </a:t>
+            </a:r>
+            <a:r>
+              <a:rPr lang="de-DE" sz="1200" dirty="0" err="1" smtClean="0"/>
+              <a:t>with</a:t>
+            </a:r>
+            <a:r>
+              <a:rPr lang="de-DE" sz="1200" dirty="0" smtClean="0"/>
+              <a:t> high </a:t>
+            </a:r>
+            <a:r>
+              <a:rPr lang="de-DE" sz="1200" dirty="0" err="1" smtClean="0"/>
+              <a:t>confidence</a:t>
+            </a:r>
+            <a:endParaRPr lang="de-DE" sz="1200" dirty="0" smtClean="0"/>
+          </a:p>
+          <a:p>
+            <a:pPr marL="177800" indent="-177800"/>
+            <a:r>
+              <a:rPr lang="de-DE" sz="1400" dirty="0" err="1" smtClean="0"/>
+              <a:t>Counting</a:t>
+            </a:r>
+            <a:endParaRPr lang="de-DE" sz="1400" dirty="0" smtClean="0"/>
+          </a:p>
+          <a:p>
+            <a:pPr marL="439738" lvl="1" indent="-177800"/>
+            <a:r>
+              <a:rPr lang="de-DE" sz="1200" dirty="0" err="1" smtClean="0"/>
+              <a:t>count</a:t>
+            </a:r>
+            <a:r>
+              <a:rPr lang="de-DE" sz="1200" dirty="0" smtClean="0"/>
+              <a:t> </a:t>
+            </a:r>
+            <a:r>
+              <a:rPr lang="de-DE" sz="1200" dirty="0" err="1" smtClean="0"/>
+              <a:t>only</a:t>
+            </a:r>
+            <a:endParaRPr lang="de-DE" sz="1200" dirty="0" smtClean="0"/>
+          </a:p>
+          <a:p>
+            <a:pPr marL="177800" indent="-177800"/>
+            <a:r>
+              <a:rPr lang="de-DE" dirty="0" err="1" smtClean="0"/>
+              <a:t>Refactoring</a:t>
+            </a:r>
+            <a:endParaRPr lang="de-DE" dirty="0" smtClean="0"/>
+          </a:p>
+          <a:p>
+            <a:pPr marL="439738" lvl="1" indent="-177800"/>
+            <a:r>
+              <a:rPr lang="de-DE" dirty="0" err="1" smtClean="0"/>
+              <a:t>make</a:t>
+            </a:r>
+            <a:r>
+              <a:rPr lang="de-DE" dirty="0" smtClean="0"/>
+              <a:t> all </a:t>
+            </a:r>
+            <a:r>
+              <a:rPr lang="de-DE" dirty="0" err="1" smtClean="0"/>
+              <a:t>class</a:t>
+            </a:r>
+            <a:r>
+              <a:rPr lang="de-DE" dirty="0" smtClean="0"/>
+              <a:t> variables private</a:t>
+            </a:r>
+          </a:p>
+          <a:p>
+            <a:pPr marL="439738" lvl="1" indent="-177800"/>
+            <a:r>
+              <a:rPr lang="de-DE" dirty="0" err="1" smtClean="0"/>
+              <a:t>implement</a:t>
+            </a:r>
+            <a:r>
+              <a:rPr lang="de-DE" dirty="0" smtClean="0"/>
+              <a:t> </a:t>
+            </a:r>
+            <a:r>
+              <a:rPr lang="de-DE" dirty="0" err="1" smtClean="0"/>
+              <a:t>Blob</a:t>
+            </a:r>
+            <a:r>
+              <a:rPr lang="de-DE" dirty="0" smtClean="0"/>
+              <a:t> ID </a:t>
+            </a:r>
+            <a:r>
+              <a:rPr lang="de-DE" dirty="0" err="1" smtClean="0"/>
+              <a:t>handling</a:t>
+            </a:r>
+            <a:r>
+              <a:rPr lang="de-DE" dirty="0" smtClean="0"/>
+              <a:t> </a:t>
+            </a:r>
+            <a:r>
+              <a:rPr lang="de-DE" dirty="0" err="1" smtClean="0"/>
+              <a:t>as</a:t>
+            </a:r>
+            <a:r>
+              <a:rPr lang="de-DE" dirty="0" smtClean="0"/>
+              <a:t> Track </a:t>
+            </a:r>
+            <a:r>
+              <a:rPr lang="de-DE" dirty="0" err="1" smtClean="0"/>
+              <a:t>method</a:t>
+            </a:r>
+            <a:r>
+              <a:rPr lang="de-DE" dirty="0" smtClean="0"/>
+              <a:t> (</a:t>
+            </a:r>
+            <a:r>
+              <a:rPr lang="de-DE" dirty="0" err="1" smtClean="0"/>
+              <a:t>static</a:t>
+            </a:r>
+            <a:r>
+              <a:rPr lang="de-DE" dirty="0" smtClean="0"/>
+              <a:t> </a:t>
+            </a:r>
+            <a:r>
+              <a:rPr lang="de-DE" dirty="0" err="1" smtClean="0"/>
+              <a:t>list</a:t>
+            </a:r>
+            <a:r>
+              <a:rPr lang="de-DE" dirty="0" smtClean="0"/>
+              <a:t> </a:t>
+            </a:r>
+            <a:r>
+              <a:rPr lang="de-DE" dirty="0" err="1" smtClean="0"/>
+              <a:t>for</a:t>
+            </a:r>
+            <a:r>
+              <a:rPr lang="de-DE" dirty="0" smtClean="0"/>
+              <a:t> </a:t>
+            </a:r>
+            <a:r>
+              <a:rPr lang="de-DE" dirty="0" err="1" smtClean="0"/>
+              <a:t>track</a:t>
+            </a:r>
+            <a:r>
+              <a:rPr lang="de-DE" dirty="0" smtClean="0"/>
+              <a:t> IDs) </a:t>
+            </a:r>
+          </a:p>
+          <a:p>
+            <a:pPr marL="439738" lvl="1" indent="-177800"/>
+            <a:r>
+              <a:rPr lang="de-DE" dirty="0" smtClean="0"/>
+              <a:t>Tracks::</a:t>
+            </a:r>
+            <a:r>
+              <a:rPr lang="de-DE" smtClean="0"/>
+              <a:t>DeleteTrack</a:t>
+            </a:r>
+            <a:endParaRPr lang="de-DE" dirty="0" smtClean="0"/>
+          </a:p>
+          <a:p>
+            <a:pPr marL="177800" indent="-177800"/>
+            <a:r>
+              <a:rPr lang="de-DE" dirty="0" smtClean="0"/>
+              <a:t>Set </a:t>
+            </a:r>
+            <a:r>
+              <a:rPr lang="de-DE" dirty="0" err="1" smtClean="0"/>
+              <a:t>Up</a:t>
+            </a:r>
+            <a:r>
+              <a:rPr lang="de-DE" dirty="0" smtClean="0"/>
+              <a:t> Test Environment</a:t>
+            </a:r>
+          </a:p>
+          <a:p>
+            <a:pPr marL="439738" lvl="1" indent="-177800"/>
+            <a:r>
+              <a:rPr lang="de-DE" dirty="0" err="1" smtClean="0"/>
+              <a:t>tests</a:t>
+            </a:r>
+            <a:r>
+              <a:rPr lang="de-DE" dirty="0" smtClean="0"/>
+              <a:t> </a:t>
+            </a:r>
+            <a:r>
+              <a:rPr lang="de-DE" dirty="0" err="1" smtClean="0"/>
+              <a:t>for</a:t>
+            </a:r>
+            <a:r>
+              <a:rPr lang="de-DE" dirty="0" smtClean="0"/>
+              <a:t> </a:t>
+            </a:r>
+            <a:r>
+              <a:rPr lang="de-DE" dirty="0" err="1" smtClean="0"/>
+              <a:t>tracking</a:t>
+            </a:r>
+            <a:r>
+              <a:rPr lang="de-DE" dirty="0" smtClean="0"/>
+              <a:t> </a:t>
+            </a:r>
+            <a:r>
+              <a:rPr lang="de-DE" dirty="0" err="1" smtClean="0"/>
+              <a:t>classes</a:t>
+            </a:r>
+            <a:r>
+              <a:rPr lang="de-DE" dirty="0" smtClean="0"/>
+              <a:t> (in </a:t>
+            </a:r>
+            <a:r>
+              <a:rPr lang="de-DE" dirty="0" err="1" smtClean="0"/>
+              <a:t>tst_track</a:t>
+            </a:r>
+            <a:r>
+              <a:rPr lang="de-DE" dirty="0" smtClean="0"/>
+              <a:t>)</a:t>
+            </a:r>
+            <a:endParaRPr lang="de-DE" sz="1200" dirty="0" smtClean="0"/>
           </a:p>
         </p:txBody>
       </p:sp>
     </p:spTree>
     <p:extLst>
       <p:ext uri="{BB962C8B-B14F-4D97-AF65-F5344CB8AC3E}">
-        <p14:creationId xmlns:p14="http://schemas.microsoft.com/office/powerpoint/2010/main" val="3758006189"/>
+        <p14:creationId xmlns:p14="http://schemas.microsoft.com/office/powerpoint/2010/main" val="3183068548"/>
       </p:ext>
     </p:extLst>
   </p:cSld>
@@ -4804,698 +5723,16 @@
           <a:p>
             <a:r>
               <a:rPr lang="de-DE" dirty="0" smtClean="0"/>
-              <a:t>Motion </a:t>
-            </a:r>
-            <a:r>
-              <a:rPr lang="de-DE" dirty="0" err="1" smtClean="0"/>
-              <a:t>based</a:t>
-            </a:r>
-            <a:r>
-              <a:rPr lang="de-DE" dirty="0" smtClean="0"/>
-              <a:t> multiple </a:t>
-            </a:r>
-            <a:r>
-              <a:rPr lang="de-DE" dirty="0" err="1" smtClean="0"/>
-              <a:t>object</a:t>
-            </a:r>
-            <a:r>
-              <a:rPr lang="de-DE" dirty="0" smtClean="0"/>
-              <a:t> </a:t>
-            </a:r>
-            <a:r>
-              <a:rPr lang="de-DE" dirty="0" err="1" smtClean="0"/>
-              <a:t>tracking</a:t>
-            </a:r>
-            <a:r>
-              <a:rPr lang="de-DE" dirty="0" smtClean="0"/>
-              <a:t> </a:t>
-            </a:r>
-            <a:r>
-              <a:rPr lang="de-DE" dirty="0" err="1" smtClean="0"/>
-              <a:t>with</a:t>
-            </a:r>
-            <a:r>
-              <a:rPr lang="de-DE" dirty="0" smtClean="0"/>
-              <a:t> </a:t>
-            </a:r>
-            <a:r>
-              <a:rPr lang="de-DE" dirty="0" err="1" smtClean="0"/>
-              <a:t>stationary</a:t>
-            </a:r>
-            <a:r>
-              <a:rPr lang="de-DE" dirty="0" smtClean="0"/>
-              <a:t> </a:t>
-            </a:r>
-            <a:r>
-              <a:rPr lang="de-DE" dirty="0" err="1" smtClean="0"/>
-              <a:t>camera</a:t>
+              <a:t>Backup</a:t>
             </a:r>
             <a:endParaRPr lang="de-DE" dirty="0"/>
-          </a:p>
-        </p:txBody>
-      </p:sp>
-      <p:sp>
-        <p:nvSpPr>
-          <p:cNvPr id="3" name="Inhaltsplatzhalter 2"/>
-          <p:cNvSpPr>
-            <a:spLocks noGrp="1"/>
-          </p:cNvSpPr>
-          <p:nvPr>
-            <p:ph idx="1"/>
-          </p:nvPr>
-        </p:nvSpPr>
-        <p:spPr>
-          <a:xfrm>
-            <a:off x="457200" y="836712"/>
-            <a:ext cx="6131024" cy="5289451"/>
-          </a:xfrm>
-        </p:spPr>
-        <p:txBody>
-          <a:bodyPr/>
-          <a:lstStyle/>
-          <a:p>
-            <a:r>
-              <a:rPr lang="de-DE" dirty="0" smtClean="0"/>
-              <a:t>Initialize </a:t>
-            </a:r>
-            <a:r>
-              <a:rPr lang="de-DE" dirty="0" err="1" smtClean="0"/>
-              <a:t>tracks</a:t>
-            </a:r>
-            <a:endParaRPr lang="de-DE" dirty="0" smtClean="0"/>
-          </a:p>
-          <a:p>
-            <a:r>
-              <a:rPr lang="de-DE" dirty="0" smtClean="0"/>
-              <a:t>Read </a:t>
-            </a:r>
-            <a:r>
-              <a:rPr lang="de-DE" dirty="0" err="1" smtClean="0"/>
-              <a:t>video</a:t>
-            </a:r>
-            <a:r>
-              <a:rPr lang="de-DE" dirty="0" smtClean="0"/>
-              <a:t> </a:t>
-            </a:r>
-            <a:r>
-              <a:rPr lang="de-DE" dirty="0" err="1" smtClean="0"/>
-              <a:t>frame</a:t>
-            </a:r>
-            <a:endParaRPr lang="de-DE" dirty="0" smtClean="0"/>
-          </a:p>
-          <a:p>
-            <a:r>
-              <a:rPr lang="de-DE" dirty="0" err="1" smtClean="0"/>
-              <a:t>Detecting</a:t>
-            </a:r>
-            <a:r>
-              <a:rPr lang="de-DE" dirty="0" smtClean="0"/>
-              <a:t> </a:t>
-            </a:r>
-            <a:r>
-              <a:rPr lang="de-DE" dirty="0" err="1" smtClean="0"/>
-              <a:t>moving</a:t>
-            </a:r>
-            <a:r>
-              <a:rPr lang="de-DE" dirty="0" smtClean="0"/>
-              <a:t> </a:t>
-            </a:r>
-            <a:r>
-              <a:rPr lang="de-DE" dirty="0" err="1" smtClean="0"/>
-              <a:t>objects</a:t>
-            </a:r>
-            <a:r>
-              <a:rPr lang="de-DE" dirty="0" smtClean="0"/>
-              <a:t> in </a:t>
-            </a:r>
-            <a:r>
-              <a:rPr lang="de-DE" dirty="0" err="1" smtClean="0"/>
-              <a:t>each</a:t>
-            </a:r>
-            <a:r>
-              <a:rPr lang="de-DE" dirty="0" smtClean="0"/>
-              <a:t> </a:t>
-            </a:r>
-            <a:r>
-              <a:rPr lang="de-DE" dirty="0" err="1" smtClean="0"/>
-              <a:t>frame</a:t>
-            </a:r>
-            <a:r>
-              <a:rPr lang="de-DE" dirty="0" smtClean="0"/>
-              <a:t>, </a:t>
-            </a:r>
-            <a:r>
-              <a:rPr lang="de-DE" dirty="0" err="1" smtClean="0"/>
-              <a:t>using</a:t>
-            </a:r>
-            <a:r>
-              <a:rPr lang="de-DE" dirty="0" smtClean="0"/>
-              <a:t> </a:t>
-            </a:r>
-            <a:r>
-              <a:rPr lang="de-DE" dirty="0" err="1" smtClean="0"/>
-              <a:t>background</a:t>
-            </a:r>
-            <a:r>
-              <a:rPr lang="de-DE" dirty="0" smtClean="0"/>
-              <a:t> </a:t>
-            </a:r>
-            <a:r>
-              <a:rPr lang="de-DE" dirty="0" err="1" smtClean="0"/>
-              <a:t>subtraction</a:t>
-            </a:r>
-            <a:endParaRPr lang="de-DE" dirty="0" smtClean="0"/>
-          </a:p>
-          <a:p>
-            <a:pPr lvl="1"/>
-            <a:r>
-              <a:rPr lang="de-DE" dirty="0" smtClean="0"/>
-              <a:t>Background </a:t>
-            </a:r>
-            <a:r>
-              <a:rPr lang="de-DE" dirty="0" err="1" smtClean="0"/>
-              <a:t>mdeling</a:t>
-            </a:r>
-            <a:endParaRPr lang="de-DE" dirty="0" smtClean="0"/>
-          </a:p>
-          <a:p>
-            <a:pPr lvl="1"/>
-            <a:r>
-              <a:rPr lang="de-DE" dirty="0" smtClean="0"/>
-              <a:t>Background </a:t>
-            </a:r>
-            <a:r>
-              <a:rPr lang="de-DE" dirty="0" err="1" smtClean="0"/>
-              <a:t>initializaiton</a:t>
-            </a:r>
-            <a:endParaRPr lang="de-DE" dirty="0" smtClean="0"/>
-          </a:p>
-          <a:p>
-            <a:pPr lvl="1"/>
-            <a:r>
-              <a:rPr lang="de-DE" dirty="0" smtClean="0"/>
-              <a:t>Background </a:t>
-            </a:r>
-            <a:r>
-              <a:rPr lang="de-DE" dirty="0" err="1" smtClean="0"/>
-              <a:t>maintenance</a:t>
-            </a:r>
-            <a:endParaRPr lang="de-DE" dirty="0" smtClean="0"/>
-          </a:p>
-          <a:p>
-            <a:pPr lvl="1"/>
-            <a:r>
-              <a:rPr lang="de-DE" dirty="0" err="1" smtClean="0"/>
-              <a:t>Foreground</a:t>
-            </a:r>
-            <a:r>
-              <a:rPr lang="de-DE" dirty="0" smtClean="0"/>
-              <a:t>  </a:t>
-            </a:r>
-            <a:r>
-              <a:rPr lang="de-DE" dirty="0" err="1" smtClean="0"/>
-              <a:t>detection</a:t>
-            </a:r>
-            <a:endParaRPr lang="de-DE" dirty="0" smtClean="0"/>
-          </a:p>
-          <a:p>
-            <a:r>
-              <a:rPr lang="de-DE" dirty="0" err="1" smtClean="0"/>
-              <a:t>Associating</a:t>
-            </a:r>
-            <a:r>
-              <a:rPr lang="de-DE" dirty="0" smtClean="0"/>
-              <a:t> </a:t>
-            </a:r>
-            <a:r>
-              <a:rPr lang="de-DE" dirty="0" err="1" smtClean="0"/>
-              <a:t>the</a:t>
-            </a:r>
-            <a:r>
-              <a:rPr lang="de-DE" dirty="0" smtClean="0"/>
-              <a:t> </a:t>
-            </a:r>
-            <a:r>
-              <a:rPr lang="de-DE" dirty="0" err="1" smtClean="0"/>
-              <a:t>detections</a:t>
-            </a:r>
-            <a:r>
-              <a:rPr lang="de-DE" dirty="0" smtClean="0"/>
-              <a:t> </a:t>
-            </a:r>
-            <a:r>
-              <a:rPr lang="de-DE" dirty="0" err="1" smtClean="0"/>
-              <a:t>corresponding</a:t>
-            </a:r>
-            <a:r>
-              <a:rPr lang="de-DE" dirty="0" smtClean="0"/>
-              <a:t> </a:t>
-            </a:r>
-            <a:r>
-              <a:rPr lang="de-DE" dirty="0" err="1" smtClean="0"/>
-              <a:t>to</a:t>
-            </a:r>
-            <a:r>
-              <a:rPr lang="de-DE" dirty="0" smtClean="0"/>
-              <a:t> </a:t>
-            </a:r>
-            <a:r>
-              <a:rPr lang="de-DE" dirty="0" err="1" smtClean="0"/>
-              <a:t>the</a:t>
-            </a:r>
-            <a:r>
-              <a:rPr lang="de-DE" dirty="0" smtClean="0"/>
-              <a:t> same </a:t>
-            </a:r>
-            <a:r>
-              <a:rPr lang="de-DE" dirty="0" err="1" smtClean="0"/>
-              <a:t>object</a:t>
-            </a:r>
-            <a:r>
-              <a:rPr lang="de-DE" dirty="0" smtClean="0"/>
-              <a:t> </a:t>
-            </a:r>
-            <a:r>
-              <a:rPr lang="de-DE" dirty="0" err="1" smtClean="0"/>
-              <a:t>over</a:t>
-            </a:r>
-            <a:r>
-              <a:rPr lang="de-DE" dirty="0" smtClean="0"/>
-              <a:t> time</a:t>
-            </a:r>
-          </a:p>
-          <a:p>
-            <a:pPr lvl="1"/>
-            <a:r>
-              <a:rPr lang="de-DE" dirty="0" err="1" smtClean="0"/>
-              <a:t>Assign</a:t>
-            </a:r>
-            <a:r>
-              <a:rPr lang="de-DE" dirty="0" smtClean="0"/>
-              <a:t> </a:t>
-            </a:r>
-            <a:r>
-              <a:rPr lang="de-DE" dirty="0" err="1"/>
-              <a:t>d</a:t>
-            </a:r>
-            <a:r>
-              <a:rPr lang="de-DE" dirty="0" err="1" smtClean="0"/>
-              <a:t>etections</a:t>
-            </a:r>
-            <a:r>
-              <a:rPr lang="de-DE" dirty="0" smtClean="0"/>
-              <a:t> </a:t>
-            </a:r>
-            <a:r>
-              <a:rPr lang="de-DE" dirty="0" err="1" smtClean="0"/>
-              <a:t>to</a:t>
-            </a:r>
-            <a:r>
-              <a:rPr lang="de-DE" dirty="0" smtClean="0"/>
-              <a:t> </a:t>
-            </a:r>
-            <a:r>
-              <a:rPr lang="de-DE" dirty="0" err="1" smtClean="0"/>
-              <a:t>track</a:t>
-            </a:r>
-            <a:endParaRPr lang="de-DE" dirty="0" smtClean="0"/>
-          </a:p>
-          <a:p>
-            <a:pPr lvl="1"/>
-            <a:r>
-              <a:rPr lang="de-DE" dirty="0" smtClean="0"/>
-              <a:t>Update </a:t>
-            </a:r>
-            <a:r>
-              <a:rPr lang="de-DE" dirty="0" err="1"/>
-              <a:t>a</a:t>
-            </a:r>
-            <a:r>
-              <a:rPr lang="de-DE" dirty="0" err="1" smtClean="0"/>
-              <a:t>ssigned</a:t>
-            </a:r>
-            <a:r>
-              <a:rPr lang="de-DE" dirty="0" smtClean="0"/>
-              <a:t> </a:t>
-            </a:r>
-            <a:r>
-              <a:rPr lang="de-DE" dirty="0" err="1" smtClean="0"/>
-              <a:t>tracks</a:t>
-            </a:r>
-            <a:endParaRPr lang="de-DE" dirty="0" smtClean="0"/>
-          </a:p>
-          <a:p>
-            <a:pPr lvl="1"/>
-            <a:r>
-              <a:rPr lang="de-DE" dirty="0" smtClean="0"/>
-              <a:t>Update </a:t>
-            </a:r>
-            <a:r>
-              <a:rPr lang="de-DE" dirty="0" err="1" smtClean="0"/>
-              <a:t>unassigned</a:t>
-            </a:r>
-            <a:r>
-              <a:rPr lang="de-DE" dirty="0" smtClean="0"/>
-              <a:t> </a:t>
-            </a:r>
-            <a:r>
-              <a:rPr lang="de-DE" dirty="0" err="1" smtClean="0"/>
-              <a:t>tracks</a:t>
-            </a:r>
-            <a:endParaRPr lang="de-DE" dirty="0" smtClean="0"/>
-          </a:p>
-          <a:p>
-            <a:pPr lvl="1"/>
-            <a:r>
-              <a:rPr lang="de-DE" dirty="0" smtClean="0"/>
-              <a:t>Delete lost </a:t>
-            </a:r>
-            <a:r>
-              <a:rPr lang="de-DE" dirty="0" err="1" smtClean="0"/>
-              <a:t>tracks</a:t>
-            </a:r>
-            <a:endParaRPr lang="de-DE" dirty="0" smtClean="0"/>
-          </a:p>
-          <a:p>
-            <a:pPr lvl="1"/>
-            <a:r>
-              <a:rPr lang="de-DE" dirty="0" smtClean="0"/>
-              <a:t>Create </a:t>
-            </a:r>
-            <a:r>
-              <a:rPr lang="de-DE" dirty="0" err="1" smtClean="0"/>
-              <a:t>new</a:t>
-            </a:r>
-            <a:r>
-              <a:rPr lang="de-DE" dirty="0" smtClean="0"/>
-              <a:t> </a:t>
-            </a:r>
-            <a:r>
-              <a:rPr lang="de-DE" dirty="0" err="1" smtClean="0"/>
-              <a:t>tracks</a:t>
-            </a:r>
-            <a:endParaRPr lang="de-DE" dirty="0" smtClean="0"/>
-          </a:p>
-          <a:p>
-            <a:pPr lvl="2"/>
-            <a:r>
-              <a:rPr lang="de-DE" dirty="0" err="1" smtClean="0"/>
-              <a:t>Assumption</a:t>
-            </a:r>
-            <a:r>
-              <a:rPr lang="de-DE" dirty="0" smtClean="0"/>
-              <a:t>: </a:t>
-            </a:r>
-            <a:r>
-              <a:rPr lang="de-DE" dirty="0" err="1" smtClean="0"/>
-              <a:t>each</a:t>
-            </a:r>
-            <a:r>
-              <a:rPr lang="de-DE" dirty="0" smtClean="0"/>
-              <a:t> </a:t>
-            </a:r>
-            <a:r>
-              <a:rPr lang="de-DE" dirty="0" err="1" smtClean="0"/>
-              <a:t>newly</a:t>
-            </a:r>
-            <a:r>
-              <a:rPr lang="de-DE" dirty="0" smtClean="0"/>
-              <a:t> </a:t>
-            </a:r>
-            <a:r>
-              <a:rPr lang="de-DE" dirty="0" err="1" smtClean="0"/>
-              <a:t>detected</a:t>
-            </a:r>
-            <a:r>
-              <a:rPr lang="de-DE" dirty="0" smtClean="0"/>
-              <a:t> </a:t>
-            </a:r>
-            <a:r>
-              <a:rPr lang="de-DE" dirty="0" err="1" smtClean="0"/>
-              <a:t>object</a:t>
-            </a:r>
-            <a:r>
-              <a:rPr lang="de-DE" dirty="0" smtClean="0"/>
-              <a:t> </a:t>
-            </a:r>
-            <a:r>
-              <a:rPr lang="de-DE" dirty="0" err="1" smtClean="0"/>
-              <a:t>starts</a:t>
-            </a:r>
-            <a:r>
-              <a:rPr lang="de-DE" dirty="0" smtClean="0"/>
-              <a:t> a </a:t>
-            </a:r>
-            <a:r>
-              <a:rPr lang="de-DE" dirty="0" err="1" smtClean="0"/>
-              <a:t>new</a:t>
-            </a:r>
-            <a:r>
-              <a:rPr lang="de-DE" dirty="0" smtClean="0"/>
-              <a:t> </a:t>
-            </a:r>
-            <a:r>
-              <a:rPr lang="de-DE" dirty="0" err="1" smtClean="0"/>
-              <a:t>track</a:t>
-            </a:r>
-            <a:r>
-              <a:rPr lang="de-DE" dirty="0" smtClean="0"/>
-              <a:t> (</a:t>
-            </a:r>
-            <a:r>
-              <a:rPr lang="de-DE" dirty="0" err="1" smtClean="0"/>
-              <a:t>judged</a:t>
-            </a:r>
-            <a:r>
-              <a:rPr lang="de-DE" dirty="0" smtClean="0"/>
-              <a:t> </a:t>
-            </a:r>
-            <a:r>
-              <a:rPr lang="de-DE" dirty="0" err="1" smtClean="0"/>
-              <a:t>by</a:t>
-            </a:r>
-            <a:r>
-              <a:rPr lang="de-DE" dirty="0" smtClean="0"/>
-              <a:t> </a:t>
-            </a:r>
-            <a:r>
-              <a:rPr lang="de-DE" dirty="0" err="1" smtClean="0"/>
-              <a:t>size</a:t>
-            </a:r>
-            <a:r>
-              <a:rPr lang="de-DE" dirty="0" smtClean="0"/>
-              <a:t> </a:t>
-            </a:r>
-            <a:r>
-              <a:rPr lang="de-DE" dirty="0" err="1" smtClean="0"/>
-              <a:t>and</a:t>
-            </a:r>
-            <a:r>
-              <a:rPr lang="de-DE" dirty="0" smtClean="0"/>
-              <a:t> </a:t>
-            </a:r>
-            <a:r>
-              <a:rPr lang="de-DE" dirty="0" err="1" smtClean="0"/>
-              <a:t>location</a:t>
-            </a:r>
-            <a:r>
-              <a:rPr lang="de-DE" dirty="0" smtClean="0"/>
-              <a:t>) </a:t>
-            </a:r>
-          </a:p>
-          <a:p>
-            <a:r>
-              <a:rPr lang="de-DE" dirty="0" smtClean="0"/>
-              <a:t>Display </a:t>
-            </a:r>
-            <a:r>
-              <a:rPr lang="de-DE" dirty="0" err="1" smtClean="0"/>
-              <a:t>tracking</a:t>
-            </a:r>
-            <a:r>
-              <a:rPr lang="de-DE" dirty="0" smtClean="0"/>
-              <a:t> </a:t>
-            </a:r>
-            <a:r>
-              <a:rPr lang="de-DE" dirty="0" err="1" smtClean="0"/>
-              <a:t>results</a:t>
-            </a:r>
-            <a:endParaRPr lang="de-DE" dirty="0" smtClean="0"/>
-          </a:p>
-          <a:p>
-            <a:pPr lvl="1"/>
-            <a:endParaRPr lang="de-DE" dirty="0"/>
-          </a:p>
-        </p:txBody>
-      </p:sp>
-      <p:sp>
-        <p:nvSpPr>
-          <p:cNvPr id="4" name="Textfeld 3"/>
-          <p:cNvSpPr txBox="1"/>
-          <p:nvPr/>
-        </p:nvSpPr>
-        <p:spPr>
-          <a:xfrm>
-            <a:off x="7164288" y="2132856"/>
-            <a:ext cx="1827231" cy="369332"/>
-          </a:xfrm>
-          <a:prstGeom prst="rect">
-            <a:avLst/>
-          </a:prstGeom>
-          <a:noFill/>
-        </p:spPr>
-        <p:txBody>
-          <a:bodyPr wrap="none" rtlCol="0">
-            <a:spAutoFit/>
-          </a:bodyPr>
-          <a:lstStyle/>
-          <a:p>
-            <a:r>
-              <a:rPr lang="de-DE" dirty="0" smtClean="0"/>
-              <a:t>Motion </a:t>
-            </a:r>
-            <a:r>
-              <a:rPr lang="de-DE" dirty="0" err="1" smtClean="0"/>
-              <a:t>detection</a:t>
-            </a:r>
-            <a:endParaRPr lang="de-DE" dirty="0"/>
-          </a:p>
-        </p:txBody>
-      </p:sp>
-      <p:sp>
-        <p:nvSpPr>
-          <p:cNvPr id="5" name="Textfeld 4"/>
-          <p:cNvSpPr txBox="1"/>
-          <p:nvPr/>
-        </p:nvSpPr>
-        <p:spPr>
-          <a:xfrm>
-            <a:off x="7315973" y="4067780"/>
-            <a:ext cx="1604991" cy="369332"/>
-          </a:xfrm>
-          <a:prstGeom prst="rect">
-            <a:avLst/>
-          </a:prstGeom>
-          <a:noFill/>
-        </p:spPr>
-        <p:txBody>
-          <a:bodyPr wrap="none" rtlCol="0">
-            <a:spAutoFit/>
-          </a:bodyPr>
-          <a:lstStyle/>
-          <a:p>
-            <a:r>
-              <a:rPr lang="de-DE" dirty="0" err="1" smtClean="0"/>
-              <a:t>Object</a:t>
-            </a:r>
-            <a:r>
-              <a:rPr lang="de-DE" dirty="0" smtClean="0"/>
-              <a:t> </a:t>
-            </a:r>
-            <a:r>
-              <a:rPr lang="de-DE" dirty="0" err="1" smtClean="0"/>
-              <a:t>tracking</a:t>
-            </a:r>
-            <a:endParaRPr lang="de-DE" dirty="0"/>
-          </a:p>
-        </p:txBody>
-      </p:sp>
-      <p:sp>
-        <p:nvSpPr>
-          <p:cNvPr id="7" name="Geschweifte Klammer rechts 6"/>
-          <p:cNvSpPr/>
-          <p:nvPr/>
-        </p:nvSpPr>
-        <p:spPr>
-          <a:xfrm>
-            <a:off x="6804248" y="1700808"/>
-            <a:ext cx="288032" cy="1224136"/>
-          </a:xfrm>
-          <a:prstGeom prst="rightBrace">
-            <a:avLst>
-              <a:gd name="adj1" fmla="val 15548"/>
-              <a:gd name="adj2" fmla="val 50000"/>
-            </a:avLst>
-          </a:prstGeom>
-          <a:ln w="19050">
-            <a:solidFill>
-              <a:schemeClr val="tx1"/>
-            </a:solidFill>
-          </a:ln>
-        </p:spPr>
-        <p:style>
-          <a:lnRef idx="1">
-            <a:schemeClr val="accent1"/>
-          </a:lnRef>
-          <a:fillRef idx="0">
-            <a:schemeClr val="accent1"/>
-          </a:fillRef>
-          <a:effectRef idx="0">
-            <a:schemeClr val="accent1"/>
-          </a:effectRef>
-          <a:fontRef idx="minor">
-            <a:schemeClr val="tx1"/>
-          </a:fontRef>
-        </p:style>
-        <p:txBody>
-          <a:bodyPr rtlCol="0" anchor="ctr"/>
-          <a:lstStyle/>
-          <a:p>
-            <a:pPr algn="ctr"/>
-            <a:endParaRPr lang="de-DE"/>
-          </a:p>
-        </p:txBody>
-      </p:sp>
-      <p:sp>
-        <p:nvSpPr>
-          <p:cNvPr id="8" name="Geschweifte Klammer rechts 7"/>
-          <p:cNvSpPr/>
-          <p:nvPr/>
-        </p:nvSpPr>
-        <p:spPr>
-          <a:xfrm>
-            <a:off x="6804248" y="3284984"/>
-            <a:ext cx="288032" cy="1872208"/>
-          </a:xfrm>
-          <a:prstGeom prst="rightBrace">
-            <a:avLst>
-              <a:gd name="adj1" fmla="val 15548"/>
-              <a:gd name="adj2" fmla="val 50000"/>
-            </a:avLst>
-          </a:prstGeom>
-          <a:ln w="19050">
-            <a:solidFill>
-              <a:schemeClr val="tx1"/>
-            </a:solidFill>
-          </a:ln>
-        </p:spPr>
-        <p:style>
-          <a:lnRef idx="1">
-            <a:schemeClr val="accent1"/>
-          </a:lnRef>
-          <a:fillRef idx="0">
-            <a:schemeClr val="accent1"/>
-          </a:fillRef>
-          <a:effectRef idx="0">
-            <a:schemeClr val="accent1"/>
-          </a:effectRef>
-          <a:fontRef idx="minor">
-            <a:schemeClr val="tx1"/>
-          </a:fontRef>
-        </p:style>
-        <p:txBody>
-          <a:bodyPr rtlCol="0" anchor="ctr"/>
-          <a:lstStyle/>
-          <a:p>
-            <a:pPr algn="ctr"/>
-            <a:endParaRPr lang="de-DE"/>
           </a:p>
         </p:txBody>
       </p:sp>
     </p:spTree>
     <p:extLst>
       <p:ext uri="{BB962C8B-B14F-4D97-AF65-F5344CB8AC3E}">
-        <p14:creationId xmlns:p14="http://schemas.microsoft.com/office/powerpoint/2010/main" val="1657402375"/>
+        <p14:creationId xmlns:p14="http://schemas.microsoft.com/office/powerpoint/2010/main" val="3758006189"/>
       </p:ext>
     </p:extLst>
   </p:cSld>
@@ -5541,28 +5778,58 @@
         </p:nvSpPr>
         <p:spPr/>
         <p:txBody>
-          <a:bodyPr/>
+          <a:bodyPr>
+            <a:normAutofit/>
+          </a:bodyPr>
           <a:lstStyle/>
           <a:p>
             <a:r>
               <a:rPr lang="de-DE" dirty="0" smtClean="0"/>
-              <a:t>Read </a:t>
-            </a:r>
-            <a:r>
-              <a:rPr lang="de-DE" dirty="0" err="1" smtClean="0"/>
-              <a:t>video</a:t>
-            </a:r>
-            <a:r>
-              <a:rPr lang="de-DE" dirty="0" smtClean="0"/>
-              <a:t> </a:t>
-            </a:r>
-            <a:r>
-              <a:rPr lang="de-DE" dirty="0" err="1" smtClean="0"/>
-              <a:t>frame</a:t>
-            </a:r>
-            <a:r>
-              <a:rPr lang="de-DE" dirty="0" smtClean="0"/>
-              <a:t>: Test</a:t>
+              <a:t>Motion </a:t>
+            </a:r>
+            <a:r>
+              <a:rPr lang="de-DE" dirty="0" err="1" smtClean="0"/>
+              <a:t>based</a:t>
+            </a:r>
+            <a:r>
+              <a:rPr lang="de-DE" dirty="0" smtClean="0"/>
+              <a:t> multiple </a:t>
+            </a:r>
+            <a:r>
+              <a:rPr lang="de-DE" dirty="0" err="1" smtClean="0"/>
+              <a:t>object</a:t>
+            </a:r>
+            <a:r>
+              <a:rPr lang="de-DE" dirty="0" smtClean="0"/>
+              <a:t> </a:t>
+            </a:r>
+            <a:r>
+              <a:rPr lang="de-DE" dirty="0" err="1" smtClean="0"/>
+              <a:t>tracking</a:t>
+            </a:r>
+            <a:r>
+              <a:rPr lang="de-DE" dirty="0" smtClean="0"/>
+              <a:t> </a:t>
+            </a:r>
+            <a:r>
+              <a:rPr lang="de-DE" dirty="0" err="1" smtClean="0"/>
+              <a:t>with</a:t>
+            </a:r>
+            <a:r>
+              <a:rPr lang="de-DE" dirty="0" smtClean="0"/>
+              <a:t> </a:t>
+            </a:r>
+            <a:r>
+              <a:rPr lang="de-DE" dirty="0" err="1" smtClean="0"/>
+              <a:t>stationary</a:t>
+            </a:r>
+            <a:r>
+              <a:rPr lang="de-DE" dirty="0" smtClean="0"/>
+              <a:t> </a:t>
+            </a:r>
+            <a:r>
+              <a:rPr lang="de-DE" dirty="0" err="1" smtClean="0"/>
+              <a:t>camera</a:t>
             </a:r>
             <a:endParaRPr lang="de-DE" dirty="0"/>
           </a:p>
@@ -5578,723 +5845,453 @@
             <p:ph idx="1"/>
           </p:nvPr>
         </p:nvSpPr>
-        <p:spPr/>
+        <p:spPr>
+          <a:xfrm>
+            <a:off x="457200" y="836712"/>
+            <a:ext cx="6131024" cy="5289451"/>
+          </a:xfrm>
+        </p:spPr>
         <p:txBody>
           <a:bodyPr/>
           <a:lstStyle/>
           <a:p>
             <a:r>
-              <a:rPr lang="de-DE" dirty="0" smtClean="0">
-                <a:solidFill>
-                  <a:schemeClr val="accent3">
-                    <a:lumMod val="75000"/>
-                  </a:schemeClr>
-                </a:solidFill>
-              </a:rPr>
-              <a:t>Single </a:t>
-            </a:r>
-            <a:r>
-              <a:rPr lang="de-DE" dirty="0" err="1" smtClean="0">
-                <a:solidFill>
-                  <a:schemeClr val="accent3">
-                    <a:lumMod val="75000"/>
-                  </a:schemeClr>
-                </a:solidFill>
-              </a:rPr>
-              <a:t>step</a:t>
-            </a:r>
-            <a:r>
-              <a:rPr lang="de-DE" dirty="0" smtClean="0">
-                <a:solidFill>
-                  <a:schemeClr val="accent3">
-                    <a:lumMod val="75000"/>
-                  </a:schemeClr>
-                </a:solidFill>
-              </a:rPr>
-              <a:t> </a:t>
-            </a:r>
-            <a:r>
-              <a:rPr lang="de-DE" dirty="0" err="1" smtClean="0">
-                <a:solidFill>
-                  <a:schemeClr val="accent3">
-                    <a:lumMod val="75000"/>
-                  </a:schemeClr>
-                </a:solidFill>
-              </a:rPr>
-              <a:t>mode</a:t>
-            </a:r>
-            <a:r>
-              <a:rPr lang="de-DE" dirty="0" smtClean="0">
-                <a:solidFill>
-                  <a:schemeClr val="accent3">
-                    <a:lumMod val="75000"/>
-                  </a:schemeClr>
-                </a:solidFill>
-              </a:rPr>
-              <a:t> </a:t>
-            </a:r>
-            <a:r>
-              <a:rPr lang="de-DE" dirty="0" err="1" smtClean="0">
-                <a:solidFill>
-                  <a:schemeClr val="accent3">
-                    <a:lumMod val="75000"/>
-                  </a:schemeClr>
-                </a:solidFill>
-              </a:rPr>
-              <a:t>for</a:t>
-            </a:r>
-            <a:r>
-              <a:rPr lang="de-DE" dirty="0" smtClean="0">
-                <a:solidFill>
-                  <a:schemeClr val="accent3">
-                    <a:lumMod val="75000"/>
-                  </a:schemeClr>
-                </a:solidFill>
-              </a:rPr>
-              <a:t> </a:t>
-            </a:r>
-            <a:r>
-              <a:rPr lang="de-DE" dirty="0" err="1" smtClean="0">
-                <a:solidFill>
-                  <a:schemeClr val="accent3">
-                    <a:lumMod val="75000"/>
-                  </a:schemeClr>
-                </a:solidFill>
-              </a:rPr>
-              <a:t>reading</a:t>
-            </a:r>
-            <a:r>
-              <a:rPr lang="de-DE" dirty="0" smtClean="0">
-                <a:solidFill>
-                  <a:schemeClr val="accent3">
-                    <a:lumMod val="75000"/>
-                  </a:schemeClr>
-                </a:solidFill>
-              </a:rPr>
-              <a:t> </a:t>
-            </a:r>
-            <a:r>
-              <a:rPr lang="de-DE" dirty="0" err="1" smtClean="0">
-                <a:solidFill>
-                  <a:schemeClr val="accent3">
-                    <a:lumMod val="75000"/>
-                  </a:schemeClr>
-                </a:solidFill>
-              </a:rPr>
+              <a:rPr lang="de-DE" dirty="0" smtClean="0"/>
+              <a:t>Initialize </a:t>
+            </a:r>
+            <a:r>
+              <a:rPr lang="de-DE" dirty="0" err="1" smtClean="0"/>
+              <a:t>tracks</a:t>
+            </a:r>
+            <a:endParaRPr lang="de-DE" dirty="0" smtClean="0"/>
+          </a:p>
+          <a:p>
+            <a:r>
+              <a:rPr lang="de-DE" dirty="0" smtClean="0"/>
+              <a:t>Read </a:t>
+            </a:r>
+            <a:r>
+              <a:rPr lang="de-DE" dirty="0" err="1" smtClean="0"/>
+              <a:t>video</a:t>
+            </a:r>
+            <a:r>
+              <a:rPr lang="de-DE" dirty="0" smtClean="0"/>
+              <a:t> </a:t>
+            </a:r>
+            <a:r>
+              <a:rPr lang="de-DE" dirty="0" err="1" smtClean="0"/>
+              <a:t>frame</a:t>
+            </a:r>
+            <a:endParaRPr lang="de-DE" dirty="0" smtClean="0"/>
+          </a:p>
+          <a:p>
+            <a:r>
+              <a:rPr lang="de-DE" dirty="0" err="1" smtClean="0"/>
+              <a:t>Detecting</a:t>
+            </a:r>
+            <a:r>
+              <a:rPr lang="de-DE" dirty="0" smtClean="0"/>
+              <a:t> </a:t>
+            </a:r>
+            <a:r>
+              <a:rPr lang="de-DE" dirty="0" err="1" smtClean="0"/>
+              <a:t>moving</a:t>
+            </a:r>
+            <a:r>
+              <a:rPr lang="de-DE" dirty="0" smtClean="0"/>
+              <a:t> </a:t>
+            </a:r>
+            <a:r>
+              <a:rPr lang="de-DE" dirty="0" err="1" smtClean="0"/>
+              <a:t>objects</a:t>
+            </a:r>
+            <a:r>
+              <a:rPr lang="de-DE" dirty="0" smtClean="0"/>
+              <a:t> in </a:t>
+            </a:r>
+            <a:r>
+              <a:rPr lang="de-DE" dirty="0" err="1" smtClean="0"/>
+              <a:t>each</a:t>
+            </a:r>
+            <a:r>
+              <a:rPr lang="de-DE" dirty="0" smtClean="0"/>
+              <a:t> </a:t>
+            </a:r>
+            <a:r>
+              <a:rPr lang="de-DE" dirty="0" err="1" smtClean="0"/>
+              <a:t>frame</a:t>
+            </a:r>
+            <a:r>
+              <a:rPr lang="de-DE" dirty="0" smtClean="0"/>
+              <a:t>, </a:t>
+            </a:r>
+            <a:r>
+              <a:rPr lang="de-DE" dirty="0" err="1" smtClean="0"/>
+              <a:t>using</a:t>
+            </a:r>
+            <a:r>
+              <a:rPr lang="de-DE" dirty="0" smtClean="0"/>
+              <a:t> </a:t>
+            </a:r>
+            <a:r>
+              <a:rPr lang="de-DE" dirty="0" err="1" smtClean="0"/>
+              <a:t>background</a:t>
+            </a:r>
+            <a:r>
+              <a:rPr lang="de-DE" dirty="0" smtClean="0"/>
+              <a:t> </a:t>
+            </a:r>
+            <a:r>
+              <a:rPr lang="de-DE" dirty="0" err="1" smtClean="0"/>
+              <a:t>subtraction</a:t>
+            </a:r>
+            <a:endParaRPr lang="de-DE" dirty="0" smtClean="0"/>
+          </a:p>
+          <a:p>
+            <a:pPr lvl="1"/>
+            <a:r>
+              <a:rPr lang="de-DE" dirty="0" smtClean="0"/>
+              <a:t>Background </a:t>
+            </a:r>
+            <a:r>
+              <a:rPr lang="de-DE" dirty="0" err="1" smtClean="0"/>
+              <a:t>mdeling</a:t>
+            </a:r>
+            <a:endParaRPr lang="de-DE" dirty="0" smtClean="0"/>
+          </a:p>
+          <a:p>
+            <a:pPr lvl="1"/>
+            <a:r>
+              <a:rPr lang="de-DE" dirty="0" smtClean="0"/>
+              <a:t>Background </a:t>
+            </a:r>
+            <a:r>
+              <a:rPr lang="de-DE" dirty="0" err="1" smtClean="0"/>
+              <a:t>initializaiton</a:t>
+            </a:r>
+            <a:endParaRPr lang="de-DE" dirty="0" smtClean="0"/>
+          </a:p>
+          <a:p>
+            <a:pPr lvl="1"/>
+            <a:r>
+              <a:rPr lang="de-DE" dirty="0" smtClean="0"/>
+              <a:t>Background </a:t>
+            </a:r>
+            <a:r>
+              <a:rPr lang="de-DE" dirty="0" err="1" smtClean="0"/>
+              <a:t>maintenance</a:t>
+            </a:r>
+            <a:endParaRPr lang="de-DE" dirty="0" smtClean="0"/>
+          </a:p>
+          <a:p>
+            <a:pPr lvl="1"/>
+            <a:r>
+              <a:rPr lang="de-DE" dirty="0" err="1" smtClean="0"/>
+              <a:t>Foreground</a:t>
+            </a:r>
+            <a:r>
+              <a:rPr lang="de-DE" dirty="0" smtClean="0"/>
+              <a:t>  </a:t>
+            </a:r>
+            <a:r>
+              <a:rPr lang="de-DE" dirty="0" err="1" smtClean="0"/>
+              <a:t>detection</a:t>
+            </a:r>
+            <a:endParaRPr lang="de-DE" dirty="0" smtClean="0"/>
+          </a:p>
+          <a:p>
+            <a:r>
+              <a:rPr lang="de-DE" dirty="0" err="1" smtClean="0"/>
+              <a:t>Associating</a:t>
+            </a:r>
+            <a:r>
+              <a:rPr lang="de-DE" dirty="0" smtClean="0"/>
+              <a:t> </a:t>
+            </a:r>
+            <a:r>
+              <a:rPr lang="de-DE" dirty="0" err="1" smtClean="0"/>
+              <a:t>the</a:t>
+            </a:r>
+            <a:r>
+              <a:rPr lang="de-DE" dirty="0" smtClean="0"/>
+              <a:t> </a:t>
+            </a:r>
+            <a:r>
+              <a:rPr lang="de-DE" dirty="0" err="1" smtClean="0"/>
+              <a:t>detections</a:t>
+            </a:r>
+            <a:r>
+              <a:rPr lang="de-DE" dirty="0" smtClean="0"/>
+              <a:t> </a:t>
+            </a:r>
+            <a:r>
+              <a:rPr lang="de-DE" dirty="0" err="1" smtClean="0"/>
+              <a:t>corresponding</a:t>
+            </a:r>
+            <a:r>
+              <a:rPr lang="de-DE" dirty="0" smtClean="0"/>
+              <a:t> </a:t>
+            </a:r>
+            <a:r>
+              <a:rPr lang="de-DE" dirty="0" err="1" smtClean="0"/>
+              <a:t>to</a:t>
+            </a:r>
+            <a:r>
+              <a:rPr lang="de-DE" dirty="0" smtClean="0"/>
+              <a:t> </a:t>
+            </a:r>
+            <a:r>
+              <a:rPr lang="de-DE" dirty="0" err="1" smtClean="0"/>
+              <a:t>the</a:t>
+            </a:r>
+            <a:r>
+              <a:rPr lang="de-DE" dirty="0" smtClean="0"/>
+              <a:t> same </a:t>
+            </a:r>
+            <a:r>
+              <a:rPr lang="de-DE" dirty="0" err="1" smtClean="0"/>
+              <a:t>object</a:t>
+            </a:r>
+            <a:r>
+              <a:rPr lang="de-DE" dirty="0" smtClean="0"/>
+              <a:t> </a:t>
+            </a:r>
+            <a:r>
+              <a:rPr lang="de-DE" dirty="0" err="1" smtClean="0"/>
+              <a:t>over</a:t>
+            </a:r>
+            <a:r>
+              <a:rPr lang="de-DE" dirty="0" smtClean="0"/>
+              <a:t> time</a:t>
+            </a:r>
+          </a:p>
+          <a:p>
+            <a:pPr lvl="1"/>
+            <a:r>
+              <a:rPr lang="de-DE" dirty="0" err="1" smtClean="0"/>
+              <a:t>Assign</a:t>
+            </a:r>
+            <a:r>
+              <a:rPr lang="de-DE" dirty="0" smtClean="0"/>
+              <a:t> </a:t>
+            </a:r>
+            <a:r>
+              <a:rPr lang="de-DE" dirty="0" err="1"/>
+              <a:t>d</a:t>
+            </a:r>
+            <a:r>
+              <a:rPr lang="de-DE" dirty="0" err="1" smtClean="0"/>
+              <a:t>etections</a:t>
+            </a:r>
+            <a:r>
+              <a:rPr lang="de-DE" dirty="0" smtClean="0"/>
+              <a:t> </a:t>
+            </a:r>
+            <a:r>
+              <a:rPr lang="de-DE" dirty="0" err="1" smtClean="0"/>
+              <a:t>to</a:t>
+            </a:r>
+            <a:r>
+              <a:rPr lang="de-DE" dirty="0" smtClean="0"/>
+              <a:t> </a:t>
+            </a:r>
+            <a:r>
+              <a:rPr lang="de-DE" dirty="0" err="1" smtClean="0"/>
+              <a:t>track</a:t>
+            </a:r>
+            <a:endParaRPr lang="de-DE" dirty="0" smtClean="0"/>
+          </a:p>
+          <a:p>
+            <a:pPr lvl="1"/>
+            <a:r>
+              <a:rPr lang="de-DE" dirty="0" smtClean="0"/>
+              <a:t>Update </a:t>
+            </a:r>
+            <a:r>
+              <a:rPr lang="de-DE" dirty="0" err="1"/>
+              <a:t>a</a:t>
+            </a:r>
+            <a:r>
+              <a:rPr lang="de-DE" dirty="0" err="1" smtClean="0"/>
+              <a:t>ssigned</a:t>
+            </a:r>
+            <a:r>
+              <a:rPr lang="de-DE" dirty="0" smtClean="0"/>
+              <a:t> </a:t>
+            </a:r>
+            <a:r>
+              <a:rPr lang="de-DE" dirty="0" err="1" smtClean="0"/>
+              <a:t>tracks</a:t>
+            </a:r>
+            <a:endParaRPr lang="de-DE" dirty="0" smtClean="0"/>
+          </a:p>
+          <a:p>
+            <a:pPr lvl="1"/>
+            <a:r>
+              <a:rPr lang="de-DE" dirty="0" smtClean="0"/>
+              <a:t>Update </a:t>
+            </a:r>
+            <a:r>
+              <a:rPr lang="de-DE" dirty="0" err="1" smtClean="0"/>
+              <a:t>unassigned</a:t>
+            </a:r>
+            <a:r>
+              <a:rPr lang="de-DE" dirty="0" smtClean="0"/>
+              <a:t> </a:t>
+            </a:r>
+            <a:r>
+              <a:rPr lang="de-DE" dirty="0" err="1" smtClean="0"/>
+              <a:t>tracks</a:t>
+            </a:r>
+            <a:endParaRPr lang="de-DE" dirty="0" smtClean="0"/>
+          </a:p>
+          <a:p>
+            <a:pPr lvl="1"/>
+            <a:r>
+              <a:rPr lang="de-DE" dirty="0" smtClean="0"/>
+              <a:t>Delete lost </a:t>
+            </a:r>
+            <a:r>
+              <a:rPr lang="de-DE" dirty="0" err="1" smtClean="0"/>
+              <a:t>tracks</a:t>
+            </a:r>
+            <a:endParaRPr lang="de-DE" dirty="0" smtClean="0"/>
+          </a:p>
+          <a:p>
+            <a:pPr lvl="1"/>
+            <a:r>
+              <a:rPr lang="de-DE" dirty="0" smtClean="0"/>
+              <a:t>Create </a:t>
+            </a:r>
+            <a:r>
+              <a:rPr lang="de-DE" dirty="0" err="1" smtClean="0"/>
+              <a:t>new</a:t>
+            </a:r>
+            <a:r>
+              <a:rPr lang="de-DE" dirty="0" smtClean="0"/>
+              <a:t> </a:t>
+            </a:r>
+            <a:r>
+              <a:rPr lang="de-DE" dirty="0" err="1" smtClean="0"/>
+              <a:t>tracks</a:t>
+            </a:r>
+            <a:endParaRPr lang="de-DE" dirty="0" smtClean="0"/>
+          </a:p>
+          <a:p>
+            <a:pPr lvl="2"/>
+            <a:r>
+              <a:rPr lang="de-DE" dirty="0" err="1" smtClean="0"/>
+              <a:t>Assumption</a:t>
+            </a:r>
+            <a:r>
+              <a:rPr lang="de-DE" dirty="0" smtClean="0"/>
+              <a:t>: </a:t>
+            </a:r>
+            <a:r>
+              <a:rPr lang="de-DE" dirty="0" err="1" smtClean="0"/>
+              <a:t>each</a:t>
+            </a:r>
+            <a:r>
+              <a:rPr lang="de-DE" dirty="0" smtClean="0"/>
+              <a:t> </a:t>
+            </a:r>
+            <a:r>
+              <a:rPr lang="de-DE" dirty="0" err="1" smtClean="0"/>
+              <a:t>newly</a:t>
+            </a:r>
+            <a:r>
+              <a:rPr lang="de-DE" dirty="0" smtClean="0"/>
+              <a:t> </a:t>
+            </a:r>
+            <a:r>
+              <a:rPr lang="de-DE" dirty="0" err="1" smtClean="0"/>
+              <a:t>detected</a:t>
+            </a:r>
+            <a:r>
+              <a:rPr lang="de-DE" dirty="0" smtClean="0"/>
+              <a:t> </a:t>
+            </a:r>
+            <a:r>
+              <a:rPr lang="de-DE" dirty="0" err="1" smtClean="0"/>
+              <a:t>object</a:t>
+            </a:r>
+            <a:r>
+              <a:rPr lang="de-DE" dirty="0" smtClean="0"/>
+              <a:t> </a:t>
+            </a:r>
+            <a:r>
+              <a:rPr lang="de-DE" dirty="0" err="1" smtClean="0"/>
+              <a:t>starts</a:t>
+            </a:r>
+            <a:r>
+              <a:rPr lang="de-DE" dirty="0" smtClean="0"/>
+              <a:t> a </a:t>
+            </a:r>
+            <a:r>
+              <a:rPr lang="de-DE" dirty="0" err="1" smtClean="0"/>
+              <a:t>new</a:t>
+            </a:r>
+            <a:r>
+              <a:rPr lang="de-DE" dirty="0" smtClean="0"/>
+              <a:t> </a:t>
+            </a:r>
+            <a:r>
+              <a:rPr lang="de-DE" dirty="0" err="1" smtClean="0"/>
+              <a:t>track</a:t>
+            </a:r>
+            <a:r>
+              <a:rPr lang="de-DE" dirty="0" smtClean="0"/>
+              <a:t> (</a:t>
+            </a:r>
+            <a:r>
+              <a:rPr lang="de-DE" dirty="0" err="1" smtClean="0"/>
+              <a:t>judged</a:t>
+            </a:r>
+            <a:r>
+              <a:rPr lang="de-DE" dirty="0" smtClean="0"/>
+              <a:t> </a:t>
+            </a:r>
+            <a:r>
+              <a:rPr lang="de-DE" dirty="0" err="1" smtClean="0"/>
+              <a:t>by</a:t>
+            </a:r>
+            <a:r>
+              <a:rPr lang="de-DE" dirty="0" smtClean="0"/>
+              <a:t> </a:t>
+            </a:r>
+            <a:r>
+              <a:rPr lang="de-DE" dirty="0" err="1" smtClean="0"/>
+              <a:t>size</a:t>
+            </a:r>
+            <a:r>
+              <a:rPr lang="de-DE" dirty="0" smtClean="0"/>
+              <a:t> </a:t>
+            </a:r>
+            <a:r>
+              <a:rPr lang="de-DE" dirty="0" err="1" smtClean="0"/>
               <a:t>and</a:t>
             </a:r>
             <a:r>
-              <a:rPr lang="de-DE" dirty="0" smtClean="0">
-                <a:solidFill>
-                  <a:schemeClr val="accent3">
-                    <a:lumMod val="75000"/>
-                  </a:schemeClr>
-                </a:solidFill>
-              </a:rPr>
-              <a:t> </a:t>
-            </a:r>
-            <a:r>
-              <a:rPr lang="de-DE" dirty="0" err="1" smtClean="0">
-                <a:solidFill>
-                  <a:schemeClr val="accent3">
-                    <a:lumMod val="75000"/>
-                  </a:schemeClr>
-                </a:solidFill>
-              </a:rPr>
-              <a:t>displaying</a:t>
-            </a:r>
-            <a:r>
-              <a:rPr lang="de-DE" dirty="0" smtClean="0">
-                <a:solidFill>
-                  <a:schemeClr val="accent3">
-                    <a:lumMod val="75000"/>
-                  </a:schemeClr>
-                </a:solidFill>
-              </a:rPr>
-              <a:t> </a:t>
-            </a:r>
-            <a:r>
-              <a:rPr lang="de-DE" dirty="0" err="1" smtClean="0">
-                <a:solidFill>
-                  <a:schemeClr val="accent3">
-                    <a:lumMod val="75000"/>
-                  </a:schemeClr>
-                </a:solidFill>
-              </a:rPr>
-              <a:t>frames</a:t>
-            </a:r>
-            <a:r>
-              <a:rPr lang="de-DE" dirty="0" smtClean="0">
-                <a:solidFill>
-                  <a:schemeClr val="accent3">
-                    <a:lumMod val="75000"/>
-                  </a:schemeClr>
-                </a:solidFill>
-              </a:rPr>
-              <a:t> </a:t>
-            </a:r>
-            <a:r>
-              <a:rPr lang="de-DE" dirty="0" smtClean="0">
-                <a:solidFill>
-                  <a:schemeClr val="accent3">
-                    <a:lumMod val="75000"/>
-                  </a:schemeClr>
-                </a:solidFill>
-                <a:sym typeface="Wingdings" panose="05000000000000000000" pitchFamily="2" charset="2"/>
-              </a:rPr>
-              <a:t></a:t>
-            </a:r>
-            <a:r>
-              <a:rPr lang="de-DE" dirty="0" smtClean="0">
-                <a:solidFill>
-                  <a:schemeClr val="accent3">
-                    <a:lumMod val="75000"/>
-                  </a:schemeClr>
-                </a:solidFill>
-              </a:rPr>
-              <a:t> </a:t>
-            </a:r>
-            <a:r>
-              <a:rPr lang="de-DE" dirty="0" err="1" smtClean="0">
-                <a:solidFill>
-                  <a:schemeClr val="accent3">
-                    <a:lumMod val="75000"/>
-                  </a:schemeClr>
-                </a:solidFill>
-              </a:rPr>
-              <a:t>done</a:t>
-            </a:r>
-            <a:endParaRPr lang="de-DE" dirty="0" smtClean="0">
-              <a:solidFill>
-                <a:schemeClr val="accent3">
-                  <a:lumMod val="75000"/>
-                </a:schemeClr>
-              </a:solidFill>
-            </a:endParaRPr>
-          </a:p>
-          <a:p>
-            <a:r>
-              <a:rPr lang="de-DE" dirty="0" err="1" smtClean="0">
-                <a:solidFill>
-                  <a:schemeClr val="accent3">
-                    <a:lumMod val="75000"/>
-                  </a:schemeClr>
-                </a:solidFill>
-              </a:rPr>
-              <a:t>Continuous</a:t>
-            </a:r>
-            <a:r>
-              <a:rPr lang="de-DE" dirty="0" smtClean="0">
-                <a:solidFill>
-                  <a:schemeClr val="accent3">
-                    <a:lumMod val="75000"/>
-                  </a:schemeClr>
-                </a:solidFill>
-              </a:rPr>
-              <a:t> </a:t>
-            </a:r>
-            <a:r>
-              <a:rPr lang="de-DE" dirty="0" err="1" smtClean="0">
-                <a:solidFill>
-                  <a:schemeClr val="accent3">
-                    <a:lumMod val="75000"/>
-                  </a:schemeClr>
-                </a:solidFill>
-              </a:rPr>
-              <a:t>mode</a:t>
-            </a:r>
-            <a:r>
-              <a:rPr lang="de-DE" dirty="0" smtClean="0">
-                <a:solidFill>
-                  <a:schemeClr val="accent3">
-                    <a:lumMod val="75000"/>
-                  </a:schemeClr>
-                </a:solidFill>
-              </a:rPr>
-              <a:t>, </a:t>
-            </a:r>
-            <a:r>
-              <a:rPr lang="de-DE" dirty="0" err="1" smtClean="0">
-                <a:solidFill>
-                  <a:schemeClr val="accent3">
-                    <a:lumMod val="75000"/>
-                  </a:schemeClr>
-                </a:solidFill>
-              </a:rPr>
-              <a:t>based</a:t>
-            </a:r>
-            <a:r>
-              <a:rPr lang="de-DE" dirty="0" smtClean="0">
-                <a:solidFill>
-                  <a:schemeClr val="accent3">
-                    <a:lumMod val="75000"/>
-                  </a:schemeClr>
-                </a:solidFill>
-              </a:rPr>
-              <a:t> on </a:t>
-            </a:r>
-            <a:r>
-              <a:rPr lang="de-DE" dirty="0" err="1" smtClean="0">
-                <a:solidFill>
-                  <a:schemeClr val="accent3">
-                    <a:lumMod val="75000"/>
-                  </a:schemeClr>
-                </a:solidFill>
-              </a:rPr>
-              <a:t>timer</a:t>
-            </a:r>
-            <a:r>
-              <a:rPr lang="de-DE" dirty="0" smtClean="0">
-                <a:solidFill>
-                  <a:schemeClr val="accent3">
-                    <a:lumMod val="75000"/>
-                  </a:schemeClr>
-                </a:solidFill>
-              </a:rPr>
-              <a:t> (100 </a:t>
-            </a:r>
-            <a:r>
-              <a:rPr lang="de-DE" dirty="0" err="1" smtClean="0">
-                <a:solidFill>
-                  <a:schemeClr val="accent3">
-                    <a:lumMod val="75000"/>
-                  </a:schemeClr>
-                </a:solidFill>
-              </a:rPr>
-              <a:t>ms</a:t>
-            </a:r>
-            <a:r>
-              <a:rPr lang="de-DE" dirty="0" smtClean="0">
-                <a:solidFill>
-                  <a:schemeClr val="accent3">
-                    <a:lumMod val="75000"/>
-                  </a:schemeClr>
-                </a:solidFill>
-              </a:rPr>
-              <a:t> / </a:t>
-            </a:r>
-            <a:r>
-              <a:rPr lang="de-DE" dirty="0" err="1" smtClean="0">
-                <a:solidFill>
-                  <a:schemeClr val="accent3">
-                    <a:lumMod val="75000"/>
-                  </a:schemeClr>
-                </a:solidFill>
-              </a:rPr>
-              <a:t>frame</a:t>
-            </a:r>
-            <a:r>
-              <a:rPr lang="de-DE" dirty="0" smtClean="0">
-                <a:solidFill>
-                  <a:schemeClr val="accent3">
-                    <a:lumMod val="75000"/>
-                  </a:schemeClr>
-                </a:solidFill>
-              </a:rPr>
+              <a:rPr lang="de-DE" dirty="0" smtClean="0"/>
+              <a:t> </a:t>
+            </a:r>
+            <a:r>
+              <a:rPr lang="de-DE" dirty="0" err="1" smtClean="0"/>
+              <a:t>location</a:t>
+            </a:r>
+            <a:r>
+              <a:rPr lang="de-DE" dirty="0" smtClean="0"/>
               <a:t>) </a:t>
             </a:r>
-            <a:r>
-              <a:rPr lang="de-DE" dirty="0" smtClean="0">
-                <a:solidFill>
-                  <a:schemeClr val="accent3">
-                    <a:lumMod val="75000"/>
-                  </a:schemeClr>
-                </a:solidFill>
-                <a:sym typeface="Wingdings" panose="05000000000000000000" pitchFamily="2" charset="2"/>
-              </a:rPr>
-              <a:t> </a:t>
-            </a:r>
-            <a:r>
-              <a:rPr lang="de-DE" dirty="0" err="1" smtClean="0">
-                <a:solidFill>
-                  <a:schemeClr val="accent3">
-                    <a:lumMod val="75000"/>
-                  </a:schemeClr>
-                </a:solidFill>
-                <a:sym typeface="Wingdings" panose="05000000000000000000" pitchFamily="2" charset="2"/>
-              </a:rPr>
-              <a:t>done</a:t>
-            </a:r>
-            <a:endParaRPr lang="de-DE" dirty="0" smtClean="0">
-              <a:solidFill>
-                <a:schemeClr val="accent3">
-                  <a:lumMod val="75000"/>
-                </a:schemeClr>
-              </a:solidFill>
-              <a:sym typeface="Wingdings" panose="05000000000000000000" pitchFamily="2" charset="2"/>
-            </a:endParaRPr>
-          </a:p>
-          <a:p>
-            <a:r>
-              <a:rPr lang="de-DE" dirty="0" smtClean="0">
-                <a:solidFill>
-                  <a:schemeClr val="accent3">
-                    <a:lumMod val="75000"/>
-                  </a:schemeClr>
-                </a:solidFill>
-                <a:sym typeface="Wingdings" panose="05000000000000000000" pitchFamily="2" charset="2"/>
-              </a:rPr>
-              <a:t>Reference </a:t>
-            </a:r>
-            <a:r>
-              <a:rPr lang="de-DE" dirty="0" err="1" smtClean="0">
-                <a:solidFill>
-                  <a:schemeClr val="accent3">
-                    <a:lumMod val="75000"/>
-                  </a:schemeClr>
-                </a:solidFill>
-                <a:sym typeface="Wingdings" panose="05000000000000000000" pitchFamily="2" charset="2"/>
-              </a:rPr>
-              <a:t>videos</a:t>
-            </a:r>
-            <a:r>
-              <a:rPr lang="de-DE" dirty="0" smtClean="0">
-                <a:solidFill>
-                  <a:schemeClr val="accent3">
-                    <a:lumMod val="75000"/>
-                  </a:schemeClr>
-                </a:solidFill>
-                <a:sym typeface="Wingdings" panose="05000000000000000000" pitchFamily="2" charset="2"/>
-              </a:rPr>
-              <a:t>  </a:t>
-            </a:r>
-            <a:r>
-              <a:rPr lang="de-DE" dirty="0" err="1" smtClean="0">
-                <a:solidFill>
-                  <a:schemeClr val="accent3">
-                    <a:lumMod val="75000"/>
-                  </a:schemeClr>
-                </a:solidFill>
-                <a:sym typeface="Wingdings" panose="05000000000000000000" pitchFamily="2" charset="2"/>
-              </a:rPr>
-              <a:t>done</a:t>
-            </a:r>
-            <a:r>
-              <a:rPr lang="de-DE" dirty="0" smtClean="0">
-                <a:solidFill>
-                  <a:schemeClr val="accent3">
-                    <a:lumMod val="75000"/>
-                  </a:schemeClr>
-                </a:solidFill>
-                <a:sym typeface="Wingdings" panose="05000000000000000000" pitchFamily="2" charset="2"/>
-              </a:rPr>
-              <a:t> (</a:t>
-            </a:r>
-            <a:r>
-              <a:rPr lang="de-DE" dirty="0" err="1" smtClean="0">
-                <a:solidFill>
-                  <a:schemeClr val="accent3">
-                    <a:lumMod val="75000"/>
-                  </a:schemeClr>
-                </a:solidFill>
-                <a:sym typeface="Wingdings" panose="05000000000000000000" pitchFamily="2" charset="2"/>
-              </a:rPr>
-              <a:t>c#</a:t>
-            </a:r>
-            <a:r>
-              <a:rPr lang="de-DE" dirty="0" smtClean="0">
-                <a:solidFill>
-                  <a:schemeClr val="accent3">
-                    <a:lumMod val="75000"/>
-                  </a:schemeClr>
-                </a:solidFill>
-                <a:sym typeface="Wingdings" panose="05000000000000000000" pitchFamily="2" charset="2"/>
-              </a:rPr>
-              <a:t>\</a:t>
-            </a:r>
-            <a:r>
-              <a:rPr lang="de-DE" dirty="0" err="1" smtClean="0">
-                <a:solidFill>
-                  <a:schemeClr val="accent3">
-                    <a:lumMod val="75000"/>
-                  </a:schemeClr>
-                </a:solidFill>
-                <a:sym typeface="Wingdings" panose="05000000000000000000" pitchFamily="2" charset="2"/>
-              </a:rPr>
-              <a:t>recordings</a:t>
-            </a:r>
-            <a:r>
-              <a:rPr lang="de-DE" dirty="0" smtClean="0">
-                <a:solidFill>
-                  <a:schemeClr val="accent3">
-                    <a:lumMod val="75000"/>
-                  </a:schemeClr>
-                </a:solidFill>
-                <a:sym typeface="Wingdings" panose="05000000000000000000" pitchFamily="2" charset="2"/>
-              </a:rPr>
-              <a:t>\2015-03-30_Überschneidung_V2.wmv – 1:20 min)</a:t>
-            </a:r>
-            <a:endParaRPr lang="de-DE" dirty="0" smtClean="0">
-              <a:solidFill>
-                <a:schemeClr val="accent3">
-                  <a:lumMod val="75000"/>
-                </a:schemeClr>
-              </a:solidFill>
-            </a:endParaRPr>
-          </a:p>
-          <a:p>
-            <a:r>
-              <a:rPr lang="de-DE" dirty="0" err="1" smtClean="0">
-                <a:solidFill>
-                  <a:schemeClr val="accent3">
-                    <a:lumMod val="75000"/>
-                  </a:schemeClr>
-                </a:solidFill>
-              </a:rPr>
-              <a:t>Comparison</a:t>
-            </a:r>
-            <a:r>
-              <a:rPr lang="de-DE" dirty="0" smtClean="0">
-                <a:solidFill>
-                  <a:schemeClr val="accent3">
-                    <a:lumMod val="75000"/>
-                  </a:schemeClr>
-                </a:solidFill>
-              </a:rPr>
-              <a:t> </a:t>
-            </a:r>
-            <a:r>
-              <a:rPr lang="de-DE" dirty="0" err="1" smtClean="0">
-                <a:solidFill>
-                  <a:schemeClr val="accent3">
-                    <a:lumMod val="75000"/>
-                  </a:schemeClr>
-                </a:solidFill>
-              </a:rPr>
-              <a:t>of</a:t>
-            </a:r>
-            <a:r>
-              <a:rPr lang="de-DE" dirty="0" smtClean="0">
-                <a:solidFill>
-                  <a:schemeClr val="accent3">
-                    <a:lumMod val="75000"/>
-                  </a:schemeClr>
-                </a:solidFill>
-              </a:rPr>
-              <a:t> different </a:t>
-            </a:r>
-            <a:r>
-              <a:rPr lang="de-DE" dirty="0" err="1" smtClean="0">
-                <a:solidFill>
-                  <a:schemeClr val="accent3">
-                    <a:lumMod val="75000"/>
-                  </a:schemeClr>
-                </a:solidFill>
-              </a:rPr>
-              <a:t>background</a:t>
-            </a:r>
-            <a:r>
-              <a:rPr lang="de-DE" dirty="0" smtClean="0">
-                <a:solidFill>
-                  <a:schemeClr val="accent3">
-                    <a:lumMod val="75000"/>
-                  </a:schemeClr>
-                </a:solidFill>
-              </a:rPr>
-              <a:t> </a:t>
-            </a:r>
-            <a:r>
-              <a:rPr lang="de-DE" dirty="0" err="1" smtClean="0">
-                <a:solidFill>
-                  <a:schemeClr val="accent3">
-                    <a:lumMod val="75000"/>
-                  </a:schemeClr>
-                </a:solidFill>
-              </a:rPr>
-              <a:t>modeling</a:t>
-            </a:r>
-            <a:r>
-              <a:rPr lang="de-DE" dirty="0" smtClean="0">
-                <a:solidFill>
-                  <a:schemeClr val="accent3">
-                    <a:lumMod val="75000"/>
-                  </a:schemeClr>
-                </a:solidFill>
-              </a:rPr>
-              <a:t> </a:t>
-            </a:r>
-            <a:r>
-              <a:rPr lang="de-DE" dirty="0" err="1" smtClean="0">
-                <a:solidFill>
-                  <a:schemeClr val="accent3">
-                    <a:lumMod val="75000"/>
-                  </a:schemeClr>
-                </a:solidFill>
-              </a:rPr>
-              <a:t>algorithms</a:t>
-            </a:r>
-            <a:r>
-              <a:rPr lang="de-DE" dirty="0" smtClean="0">
-                <a:solidFill>
-                  <a:schemeClr val="accent3">
-                    <a:lumMod val="75000"/>
-                  </a:schemeClr>
-                </a:solidFill>
-              </a:rPr>
-              <a:t> (</a:t>
-            </a:r>
-            <a:r>
-              <a:rPr lang="de-DE" dirty="0" err="1" smtClean="0">
-                <a:solidFill>
-                  <a:schemeClr val="accent3">
-                    <a:lumMod val="75000"/>
-                  </a:schemeClr>
-                </a:solidFill>
-              </a:rPr>
-              <a:t>Aforge</a:t>
-            </a:r>
-            <a:r>
-              <a:rPr lang="de-DE" dirty="0" smtClean="0">
-                <a:solidFill>
-                  <a:schemeClr val="accent3">
-                    <a:lumMod val="75000"/>
-                  </a:schemeClr>
-                </a:solidFill>
-              </a:rPr>
-              <a:t> simple </a:t>
-            </a:r>
-            <a:r>
-              <a:rPr lang="de-DE" dirty="0" err="1" smtClean="0">
-                <a:solidFill>
-                  <a:schemeClr val="accent3">
-                    <a:lumMod val="75000"/>
-                  </a:schemeClr>
-                </a:solidFill>
-              </a:rPr>
-              <a:t>background</a:t>
-            </a:r>
-            <a:r>
-              <a:rPr lang="de-DE" dirty="0" smtClean="0">
-                <a:solidFill>
-                  <a:schemeClr val="accent3">
-                    <a:lumMod val="75000"/>
-                  </a:schemeClr>
-                </a:solidFill>
-              </a:rPr>
-              <a:t> </a:t>
-            </a:r>
-            <a:r>
-              <a:rPr lang="de-DE" dirty="0" err="1" smtClean="0">
-                <a:solidFill>
-                  <a:schemeClr val="accent3">
-                    <a:lumMod val="75000"/>
-                  </a:schemeClr>
-                </a:solidFill>
-              </a:rPr>
-              <a:t>modeling</a:t>
-            </a:r>
-            <a:r>
-              <a:rPr lang="de-DE" dirty="0" smtClean="0">
-                <a:solidFill>
-                  <a:schemeClr val="accent3">
-                    <a:lumMod val="75000"/>
-                  </a:schemeClr>
-                </a:solidFill>
-              </a:rPr>
-              <a:t>, CV MOG, CV MOG2) </a:t>
-            </a:r>
-            <a:r>
-              <a:rPr lang="de-DE" dirty="0" smtClean="0">
-                <a:solidFill>
-                  <a:schemeClr val="accent3">
-                    <a:lumMod val="75000"/>
-                  </a:schemeClr>
-                </a:solidFill>
-                <a:sym typeface="Wingdings" panose="05000000000000000000" pitchFamily="2" charset="2"/>
-              </a:rPr>
-              <a:t> </a:t>
-            </a:r>
-            <a:r>
-              <a:rPr lang="de-DE" dirty="0" err="1" smtClean="0">
-                <a:solidFill>
-                  <a:schemeClr val="accent3">
-                    <a:lumMod val="75000"/>
-                  </a:schemeClr>
-                </a:solidFill>
-                <a:sym typeface="Wingdings" panose="05000000000000000000" pitchFamily="2" charset="2"/>
-              </a:rPr>
-              <a:t>done</a:t>
-            </a:r>
-            <a:r>
-              <a:rPr lang="de-DE" dirty="0" smtClean="0">
-                <a:solidFill>
-                  <a:schemeClr val="accent3">
-                    <a:lumMod val="75000"/>
-                  </a:schemeClr>
-                </a:solidFill>
-                <a:sym typeface="Wingdings" panose="05000000000000000000" pitchFamily="2" charset="2"/>
-              </a:rPr>
-              <a:t>, MOG2 </a:t>
-            </a:r>
-            <a:r>
-              <a:rPr lang="de-DE" dirty="0" err="1" smtClean="0">
-                <a:solidFill>
-                  <a:schemeClr val="accent3">
-                    <a:lumMod val="75000"/>
-                  </a:schemeClr>
-                </a:solidFill>
-                <a:sym typeface="Wingdings" panose="05000000000000000000" pitchFamily="2" charset="2"/>
-              </a:rPr>
-              <a:t>is</a:t>
-            </a:r>
-            <a:r>
-              <a:rPr lang="de-DE" dirty="0" smtClean="0">
-                <a:solidFill>
-                  <a:schemeClr val="accent3">
-                    <a:lumMod val="75000"/>
-                  </a:schemeClr>
-                </a:solidFill>
-                <a:sym typeface="Wingdings" panose="05000000000000000000" pitchFamily="2" charset="2"/>
-              </a:rPr>
-              <a:t> </a:t>
-            </a:r>
-            <a:r>
-              <a:rPr lang="de-DE" dirty="0" err="1" smtClean="0">
-                <a:solidFill>
-                  <a:schemeClr val="accent3">
-                    <a:lumMod val="75000"/>
-                  </a:schemeClr>
-                </a:solidFill>
-                <a:sym typeface="Wingdings" panose="05000000000000000000" pitchFamily="2" charset="2"/>
-              </a:rPr>
-              <a:t>best</a:t>
-            </a:r>
-            <a:endParaRPr lang="de-DE" dirty="0" smtClean="0">
-              <a:solidFill>
-                <a:schemeClr val="accent3">
-                  <a:lumMod val="75000"/>
-                </a:schemeClr>
-              </a:solidFill>
-            </a:endParaRPr>
-          </a:p>
-          <a:p>
-            <a:r>
-              <a:rPr lang="de-DE" dirty="0" err="1" smtClean="0"/>
-              <a:t>Apply</a:t>
-            </a:r>
-            <a:r>
-              <a:rPr lang="de-DE" dirty="0" smtClean="0"/>
-              <a:t> </a:t>
-            </a:r>
-            <a:r>
-              <a:rPr lang="de-DE" dirty="0" err="1" smtClean="0"/>
-              <a:t>filters</a:t>
-            </a:r>
-            <a:r>
-              <a:rPr lang="de-DE" dirty="0" smtClean="0"/>
-              <a:t> </a:t>
-            </a:r>
-            <a:r>
-              <a:rPr lang="de-DE" dirty="0" err="1" smtClean="0"/>
-              <a:t>to</a:t>
-            </a:r>
-            <a:r>
-              <a:rPr lang="de-DE" dirty="0" smtClean="0"/>
-              <a:t> </a:t>
-            </a:r>
-            <a:r>
-              <a:rPr lang="de-DE" dirty="0" err="1" smtClean="0"/>
-              <a:t>improve</a:t>
+          </a:p>
+          <a:p>
+            <a:r>
+              <a:rPr lang="de-DE" dirty="0" smtClean="0"/>
+              <a:t>Display </a:t>
+            </a:r>
+            <a:r>
+              <a:rPr lang="de-DE" dirty="0" err="1" smtClean="0"/>
+              <a:t>tracking</a:t>
             </a:r>
             <a:r>
               <a:rPr lang="de-DE" dirty="0" smtClean="0"/>
@@ -6304,171 +6301,182 @@
               <a:rPr lang="de-DE" dirty="0" err="1" smtClean="0"/>
               <a:t>results</a:t>
             </a:r>
-            <a:r>
-              <a:rPr lang="de-DE" dirty="0" smtClean="0"/>
-              <a:t> (e.g. </a:t>
-            </a:r>
-            <a:r>
-              <a:rPr lang="de-DE" dirty="0" err="1" smtClean="0"/>
-              <a:t>busses</a:t>
-            </a:r>
-            <a:r>
-              <a:rPr lang="de-DE" dirty="0" smtClean="0"/>
-              <a:t> </a:t>
-            </a:r>
-            <a:r>
-              <a:rPr lang="de-DE" dirty="0" err="1" smtClean="0"/>
-              <a:t>contain</a:t>
-            </a:r>
-            <a:r>
-              <a:rPr lang="de-DE" dirty="0" smtClean="0"/>
-              <a:t> </a:t>
-            </a:r>
-            <a:r>
-              <a:rPr lang="de-DE" dirty="0" err="1" smtClean="0"/>
-              <a:t>of</a:t>
-            </a:r>
-            <a:r>
-              <a:rPr lang="de-DE" dirty="0" smtClean="0"/>
-              <a:t> multiple </a:t>
-            </a:r>
-            <a:r>
-              <a:rPr lang="de-DE" dirty="0" err="1" smtClean="0"/>
-              <a:t>blobs</a:t>
-            </a:r>
-            <a:r>
-              <a:rPr lang="de-DE" dirty="0" smtClean="0"/>
-              <a:t>, </a:t>
-            </a:r>
-            <a:r>
-              <a:rPr lang="de-DE" dirty="0" err="1" smtClean="0"/>
-              <a:t>as</a:t>
-            </a:r>
-            <a:r>
-              <a:rPr lang="de-DE" dirty="0" smtClean="0"/>
-              <a:t> </a:t>
-            </a:r>
-            <a:r>
-              <a:rPr lang="de-DE" dirty="0" err="1" smtClean="0"/>
-              <a:t>windows</a:t>
-            </a:r>
-            <a:r>
-              <a:rPr lang="de-DE" dirty="0" smtClean="0"/>
-              <a:t> </a:t>
-            </a:r>
-            <a:r>
-              <a:rPr lang="de-DE" dirty="0" err="1" smtClean="0"/>
-              <a:t>are</a:t>
-            </a:r>
-            <a:r>
-              <a:rPr lang="de-DE" dirty="0" smtClean="0"/>
-              <a:t> not </a:t>
-            </a:r>
-            <a:r>
-              <a:rPr lang="de-DE" dirty="0" err="1" smtClean="0"/>
-              <a:t>recognized</a:t>
-            </a:r>
-            <a:r>
-              <a:rPr lang="de-DE" dirty="0" smtClean="0"/>
-              <a:t> </a:t>
-            </a:r>
-            <a:r>
-              <a:rPr lang="de-DE" dirty="0" err="1" smtClean="0"/>
-              <a:t>as</a:t>
-            </a:r>
-            <a:r>
-              <a:rPr lang="de-DE" dirty="0" smtClean="0"/>
-              <a:t> </a:t>
-            </a:r>
-            <a:r>
-              <a:rPr lang="de-DE" dirty="0" err="1" smtClean="0"/>
-              <a:t>foreground</a:t>
-            </a:r>
-            <a:r>
-              <a:rPr lang="de-DE" dirty="0" smtClean="0"/>
-              <a:t>)</a:t>
-            </a:r>
-          </a:p>
-          <a:p>
-            <a:r>
-              <a:rPr lang="de-DE" dirty="0" smtClean="0"/>
-              <a:t>Filter </a:t>
-            </a:r>
-            <a:r>
-              <a:rPr lang="de-DE" dirty="0" err="1" smtClean="0"/>
-              <a:t>sequence</a:t>
-            </a:r>
-            <a:r>
-              <a:rPr lang="de-DE" dirty="0" smtClean="0"/>
-              <a:t>: </a:t>
-            </a:r>
-            <a:r>
-              <a:rPr lang="de-DE" dirty="0" err="1" smtClean="0"/>
-              <a:t>blur</a:t>
-            </a:r>
-            <a:r>
-              <a:rPr lang="de-DE" dirty="0" smtClean="0"/>
-              <a:t>, MOG, </a:t>
-            </a:r>
-            <a:r>
-              <a:rPr lang="de-DE" dirty="0" err="1" smtClean="0"/>
-              <a:t>erosion</a:t>
-            </a:r>
-            <a:r>
-              <a:rPr lang="de-DE" dirty="0" smtClean="0"/>
-              <a:t>, </a:t>
-            </a:r>
-            <a:r>
-              <a:rPr lang="de-DE" dirty="0" err="1" smtClean="0"/>
-              <a:t>combine</a:t>
-            </a:r>
-            <a:r>
-              <a:rPr lang="de-DE" dirty="0" smtClean="0"/>
-              <a:t> </a:t>
-            </a:r>
-            <a:r>
-              <a:rPr lang="de-DE" dirty="0" err="1" smtClean="0"/>
-              <a:t>blobs</a:t>
-            </a:r>
             <a:endParaRPr lang="de-DE" dirty="0" smtClean="0"/>
           </a:p>
           <a:p>
-            <a:r>
-              <a:rPr lang="de-DE" dirty="0" err="1" smtClean="0"/>
-              <a:t>Testinfrastructure</a:t>
-            </a:r>
-            <a:r>
-              <a:rPr lang="de-DE" dirty="0" smtClean="0"/>
-              <a:t>, </a:t>
-            </a:r>
-            <a:r>
-              <a:rPr lang="de-DE" dirty="0" err="1" smtClean="0"/>
-              <a:t>to</a:t>
-            </a:r>
-            <a:r>
-              <a:rPr lang="de-DE" dirty="0" smtClean="0"/>
-              <a:t> </a:t>
-            </a:r>
-            <a:r>
-              <a:rPr lang="de-DE" dirty="0" err="1" smtClean="0"/>
-              <a:t>compare</a:t>
-            </a:r>
-            <a:r>
-              <a:rPr lang="de-DE" dirty="0" smtClean="0"/>
-              <a:t> </a:t>
-            </a:r>
-            <a:r>
-              <a:rPr lang="de-DE" dirty="0" err="1" smtClean="0"/>
-              <a:t>results</a:t>
-            </a:r>
+            <a:pPr lvl="1"/>
             <a:endParaRPr lang="de-DE" dirty="0"/>
+          </a:p>
+        </p:txBody>
+      </p:sp>
+      <p:sp>
+        <p:nvSpPr>
+          <p:cNvPr id="4" name="Textfeld 3"/>
+          <p:cNvSpPr txBox="1"/>
+          <p:nvPr/>
+        </p:nvSpPr>
+        <p:spPr>
+          <a:xfrm>
+            <a:off x="7164288" y="2132856"/>
+            <a:ext cx="1827231" cy="369332"/>
+          </a:xfrm>
+          <a:prstGeom prst="rect">
+            <a:avLst/>
+          </a:prstGeom>
+          <a:noFill/>
+        </p:spPr>
+        <p:txBody>
+          <a:bodyPr wrap="none" rtlCol="0">
+            <a:spAutoFit/>
+          </a:bodyPr>
+          <a:lstStyle/>
+          <a:p>
+            <a:r>
+              <a:rPr lang="de-DE" dirty="0" smtClean="0"/>
+              <a:t>Motion </a:t>
+            </a:r>
+            <a:r>
+              <a:rPr lang="de-DE" dirty="0" err="1" smtClean="0"/>
+              <a:t>detection</a:t>
+            </a:r>
+            <a:endParaRPr lang="de-DE" dirty="0"/>
+          </a:p>
+        </p:txBody>
+      </p:sp>
+      <p:sp>
+        <p:nvSpPr>
+          <p:cNvPr id="5" name="Textfeld 4"/>
+          <p:cNvSpPr txBox="1"/>
+          <p:nvPr/>
+        </p:nvSpPr>
+        <p:spPr>
+          <a:xfrm>
+            <a:off x="7315973" y="4067780"/>
+            <a:ext cx="1604991" cy="369332"/>
+          </a:xfrm>
+          <a:prstGeom prst="rect">
+            <a:avLst/>
+          </a:prstGeom>
+          <a:noFill/>
+        </p:spPr>
+        <p:txBody>
+          <a:bodyPr wrap="none" rtlCol="0">
+            <a:spAutoFit/>
+          </a:bodyPr>
+          <a:lstStyle/>
+          <a:p>
+            <a:r>
+              <a:rPr lang="de-DE" dirty="0" err="1" smtClean="0"/>
+              <a:t>Object</a:t>
+            </a:r>
+            <a:r>
+              <a:rPr lang="de-DE" dirty="0" smtClean="0"/>
+              <a:t> </a:t>
+            </a:r>
+            <a:r>
+              <a:rPr lang="de-DE" dirty="0" err="1" smtClean="0"/>
+              <a:t>tracking</a:t>
+            </a:r>
+            <a:endParaRPr lang="de-DE" dirty="0"/>
+          </a:p>
+        </p:txBody>
+      </p:sp>
+      <p:sp>
+        <p:nvSpPr>
+          <p:cNvPr id="7" name="Geschweifte Klammer rechts 6"/>
+          <p:cNvSpPr/>
+          <p:nvPr/>
+        </p:nvSpPr>
+        <p:spPr>
+          <a:xfrm>
+            <a:off x="6804248" y="1700808"/>
+            <a:ext cx="288032" cy="1224136"/>
+          </a:xfrm>
+          <a:prstGeom prst="rightBrace">
+            <a:avLst>
+              <a:gd name="adj1" fmla="val 15548"/>
+              <a:gd name="adj2" fmla="val 50000"/>
+            </a:avLst>
+          </a:prstGeom>
+          <a:ln w="19050">
+            <a:solidFill>
+              <a:schemeClr val="tx1"/>
+            </a:solidFill>
+          </a:ln>
+        </p:spPr>
+        <p:style>
+          <a:lnRef idx="1">
+            <a:schemeClr val="accent1"/>
+          </a:lnRef>
+          <a:fillRef idx="0">
+            <a:schemeClr val="accent1"/>
+          </a:fillRef>
+          <a:effectRef idx="0">
+            <a:schemeClr val="accent1"/>
+          </a:effectRef>
+          <a:fontRef idx="minor">
+            <a:schemeClr val="tx1"/>
+          </a:fontRef>
+        </p:style>
+        <p:txBody>
+          <a:bodyPr rtlCol="0" anchor="ctr"/>
+          <a:lstStyle/>
+          <a:p>
+            <a:pPr algn="ctr"/>
+            <a:endParaRPr lang="de-DE"/>
+          </a:p>
+        </p:txBody>
+      </p:sp>
+      <p:sp>
+        <p:nvSpPr>
+          <p:cNvPr id="8" name="Geschweifte Klammer rechts 7"/>
+          <p:cNvSpPr/>
+          <p:nvPr/>
+        </p:nvSpPr>
+        <p:spPr>
+          <a:xfrm>
+            <a:off x="6804248" y="3284984"/>
+            <a:ext cx="288032" cy="1872208"/>
+          </a:xfrm>
+          <a:prstGeom prst="rightBrace">
+            <a:avLst>
+              <a:gd name="adj1" fmla="val 15548"/>
+              <a:gd name="adj2" fmla="val 50000"/>
+            </a:avLst>
+          </a:prstGeom>
+          <a:ln w="19050">
+            <a:solidFill>
+              <a:schemeClr val="tx1"/>
+            </a:solidFill>
+          </a:ln>
+        </p:spPr>
+        <p:style>
+          <a:lnRef idx="1">
+            <a:schemeClr val="accent1"/>
+          </a:lnRef>
+          <a:fillRef idx="0">
+            <a:schemeClr val="accent1"/>
+          </a:fillRef>
+          <a:effectRef idx="0">
+            <a:schemeClr val="accent1"/>
+          </a:effectRef>
+          <a:fontRef idx="minor">
+            <a:schemeClr val="tx1"/>
+          </a:fontRef>
+        </p:style>
+        <p:txBody>
+          <a:bodyPr rtlCol="0" anchor="ctr"/>
+          <a:lstStyle/>
+          <a:p>
+            <a:pPr algn="ctr"/>
+            <a:endParaRPr lang="de-DE"/>
           </a:p>
         </p:txBody>
       </p:sp>
     </p:spTree>
     <p:extLst>
       <p:ext uri="{BB962C8B-B14F-4D97-AF65-F5344CB8AC3E}">
-        <p14:creationId xmlns:p14="http://schemas.microsoft.com/office/powerpoint/2010/main" val="2840652439"/>
+        <p14:creationId xmlns:p14="http://schemas.microsoft.com/office/powerpoint/2010/main" val="1657402375"/>
       </p:ext>
     </p:extLst>
   </p:cSld>
@@ -6518,6 +6526,979 @@
           <a:lstStyle/>
           <a:p>
             <a:r>
+              <a:rPr lang="de-DE" dirty="0" smtClean="0"/>
+              <a:t>Read </a:t>
+            </a:r>
+            <a:r>
+              <a:rPr lang="de-DE" dirty="0" err="1" smtClean="0"/>
+              <a:t>video</a:t>
+            </a:r>
+            <a:r>
+              <a:rPr lang="de-DE" dirty="0" smtClean="0"/>
+              <a:t> </a:t>
+            </a:r>
+            <a:r>
+              <a:rPr lang="de-DE" dirty="0" err="1" smtClean="0"/>
+              <a:t>frame</a:t>
+            </a:r>
+            <a:r>
+              <a:rPr lang="de-DE" dirty="0" smtClean="0"/>
+              <a:t>: Test</a:t>
+            </a:r>
+            <a:endParaRPr lang="de-DE" dirty="0"/>
+          </a:p>
+        </p:txBody>
+      </p:sp>
+      <p:sp>
+        <p:nvSpPr>
+          <p:cNvPr id="3" name="Inhaltsplatzhalter 2"/>
+          <p:cNvSpPr>
+            <a:spLocks noGrp="1"/>
+          </p:cNvSpPr>
+          <p:nvPr>
+            <p:ph idx="1"/>
+          </p:nvPr>
+        </p:nvSpPr>
+        <p:spPr/>
+        <p:txBody>
+          <a:bodyPr/>
+          <a:lstStyle/>
+          <a:p>
+            <a:r>
+              <a:rPr lang="de-DE" dirty="0" smtClean="0">
+                <a:solidFill>
+                  <a:schemeClr val="accent3">
+                    <a:lumMod val="75000"/>
+                  </a:schemeClr>
+                </a:solidFill>
+              </a:rPr>
+              <a:t>Single </a:t>
+            </a:r>
+            <a:r>
+              <a:rPr lang="de-DE" dirty="0" err="1" smtClean="0">
+                <a:solidFill>
+                  <a:schemeClr val="accent3">
+                    <a:lumMod val="75000"/>
+                  </a:schemeClr>
+                </a:solidFill>
+              </a:rPr>
+              <a:t>step</a:t>
+            </a:r>
+            <a:r>
+              <a:rPr lang="de-DE" dirty="0" smtClean="0">
+                <a:solidFill>
+                  <a:schemeClr val="accent3">
+                    <a:lumMod val="75000"/>
+                  </a:schemeClr>
+                </a:solidFill>
+              </a:rPr>
+              <a:t> </a:t>
+            </a:r>
+            <a:r>
+              <a:rPr lang="de-DE" dirty="0" err="1" smtClean="0">
+                <a:solidFill>
+                  <a:schemeClr val="accent3">
+                    <a:lumMod val="75000"/>
+                  </a:schemeClr>
+                </a:solidFill>
+              </a:rPr>
+              <a:t>mode</a:t>
+            </a:r>
+            <a:r>
+              <a:rPr lang="de-DE" dirty="0" smtClean="0">
+                <a:solidFill>
+                  <a:schemeClr val="accent3">
+                    <a:lumMod val="75000"/>
+                  </a:schemeClr>
+                </a:solidFill>
+              </a:rPr>
+              <a:t> </a:t>
+            </a:r>
+            <a:r>
+              <a:rPr lang="de-DE" dirty="0" err="1" smtClean="0">
+                <a:solidFill>
+                  <a:schemeClr val="accent3">
+                    <a:lumMod val="75000"/>
+                  </a:schemeClr>
+                </a:solidFill>
+              </a:rPr>
+              <a:t>for</a:t>
+            </a:r>
+            <a:r>
+              <a:rPr lang="de-DE" dirty="0" smtClean="0">
+                <a:solidFill>
+                  <a:schemeClr val="accent3">
+                    <a:lumMod val="75000"/>
+                  </a:schemeClr>
+                </a:solidFill>
+              </a:rPr>
+              <a:t> </a:t>
+            </a:r>
+            <a:r>
+              <a:rPr lang="de-DE" dirty="0" err="1" smtClean="0">
+                <a:solidFill>
+                  <a:schemeClr val="accent3">
+                    <a:lumMod val="75000"/>
+                  </a:schemeClr>
+                </a:solidFill>
+              </a:rPr>
+              <a:t>reading</a:t>
+            </a:r>
+            <a:r>
+              <a:rPr lang="de-DE" dirty="0" smtClean="0">
+                <a:solidFill>
+                  <a:schemeClr val="accent3">
+                    <a:lumMod val="75000"/>
+                  </a:schemeClr>
+                </a:solidFill>
+              </a:rPr>
+              <a:t> </a:t>
+            </a:r>
+            <a:r>
+              <a:rPr lang="de-DE" dirty="0" err="1" smtClean="0">
+                <a:solidFill>
+                  <a:schemeClr val="accent3">
+                    <a:lumMod val="75000"/>
+                  </a:schemeClr>
+                </a:solidFill>
+              </a:rPr>
+              <a:t>and</a:t>
+            </a:r>
+            <a:r>
+              <a:rPr lang="de-DE" dirty="0" smtClean="0">
+                <a:solidFill>
+                  <a:schemeClr val="accent3">
+                    <a:lumMod val="75000"/>
+                  </a:schemeClr>
+                </a:solidFill>
+              </a:rPr>
+              <a:t> </a:t>
+            </a:r>
+            <a:r>
+              <a:rPr lang="de-DE" dirty="0" err="1" smtClean="0">
+                <a:solidFill>
+                  <a:schemeClr val="accent3">
+                    <a:lumMod val="75000"/>
+                  </a:schemeClr>
+                </a:solidFill>
+              </a:rPr>
+              <a:t>displaying</a:t>
+            </a:r>
+            <a:r>
+              <a:rPr lang="de-DE" dirty="0" smtClean="0">
+                <a:solidFill>
+                  <a:schemeClr val="accent3">
+                    <a:lumMod val="75000"/>
+                  </a:schemeClr>
+                </a:solidFill>
+              </a:rPr>
+              <a:t> </a:t>
+            </a:r>
+            <a:r>
+              <a:rPr lang="de-DE" dirty="0" err="1" smtClean="0">
+                <a:solidFill>
+                  <a:schemeClr val="accent3">
+                    <a:lumMod val="75000"/>
+                  </a:schemeClr>
+                </a:solidFill>
+              </a:rPr>
+              <a:t>frames</a:t>
+            </a:r>
+            <a:r>
+              <a:rPr lang="de-DE" dirty="0" smtClean="0">
+                <a:solidFill>
+                  <a:schemeClr val="accent3">
+                    <a:lumMod val="75000"/>
+                  </a:schemeClr>
+                </a:solidFill>
+              </a:rPr>
+              <a:t> </a:t>
+            </a:r>
+            <a:r>
+              <a:rPr lang="de-DE" dirty="0" smtClean="0">
+                <a:solidFill>
+                  <a:schemeClr val="accent3">
+                    <a:lumMod val="75000"/>
+                  </a:schemeClr>
+                </a:solidFill>
+                <a:sym typeface="Wingdings" panose="05000000000000000000" pitchFamily="2" charset="2"/>
+              </a:rPr>
+              <a:t></a:t>
+            </a:r>
+            <a:r>
+              <a:rPr lang="de-DE" dirty="0" smtClean="0">
+                <a:solidFill>
+                  <a:schemeClr val="accent3">
+                    <a:lumMod val="75000"/>
+                  </a:schemeClr>
+                </a:solidFill>
+              </a:rPr>
+              <a:t> </a:t>
+            </a:r>
+            <a:r>
+              <a:rPr lang="de-DE" dirty="0" err="1" smtClean="0">
+                <a:solidFill>
+                  <a:schemeClr val="accent3">
+                    <a:lumMod val="75000"/>
+                  </a:schemeClr>
+                </a:solidFill>
+              </a:rPr>
+              <a:t>done</a:t>
+            </a:r>
+            <a:endParaRPr lang="de-DE" dirty="0" smtClean="0">
+              <a:solidFill>
+                <a:schemeClr val="accent3">
+                  <a:lumMod val="75000"/>
+                </a:schemeClr>
+              </a:solidFill>
+            </a:endParaRPr>
+          </a:p>
+          <a:p>
+            <a:r>
+              <a:rPr lang="de-DE" dirty="0" err="1" smtClean="0">
+                <a:solidFill>
+                  <a:schemeClr val="accent3">
+                    <a:lumMod val="75000"/>
+                  </a:schemeClr>
+                </a:solidFill>
+              </a:rPr>
+              <a:t>Continuous</a:t>
+            </a:r>
+            <a:r>
+              <a:rPr lang="de-DE" dirty="0" smtClean="0">
+                <a:solidFill>
+                  <a:schemeClr val="accent3">
+                    <a:lumMod val="75000"/>
+                  </a:schemeClr>
+                </a:solidFill>
+              </a:rPr>
+              <a:t> </a:t>
+            </a:r>
+            <a:r>
+              <a:rPr lang="de-DE" dirty="0" err="1" smtClean="0">
+                <a:solidFill>
+                  <a:schemeClr val="accent3">
+                    <a:lumMod val="75000"/>
+                  </a:schemeClr>
+                </a:solidFill>
+              </a:rPr>
+              <a:t>mode</a:t>
+            </a:r>
+            <a:r>
+              <a:rPr lang="de-DE" dirty="0" smtClean="0">
+                <a:solidFill>
+                  <a:schemeClr val="accent3">
+                    <a:lumMod val="75000"/>
+                  </a:schemeClr>
+                </a:solidFill>
+              </a:rPr>
+              <a:t>, </a:t>
+            </a:r>
+            <a:r>
+              <a:rPr lang="de-DE" dirty="0" err="1" smtClean="0">
+                <a:solidFill>
+                  <a:schemeClr val="accent3">
+                    <a:lumMod val="75000"/>
+                  </a:schemeClr>
+                </a:solidFill>
+              </a:rPr>
+              <a:t>based</a:t>
+            </a:r>
+            <a:r>
+              <a:rPr lang="de-DE" dirty="0" smtClean="0">
+                <a:solidFill>
+                  <a:schemeClr val="accent3">
+                    <a:lumMod val="75000"/>
+                  </a:schemeClr>
+                </a:solidFill>
+              </a:rPr>
+              <a:t> on </a:t>
+            </a:r>
+            <a:r>
+              <a:rPr lang="de-DE" dirty="0" err="1" smtClean="0">
+                <a:solidFill>
+                  <a:schemeClr val="accent3">
+                    <a:lumMod val="75000"/>
+                  </a:schemeClr>
+                </a:solidFill>
+              </a:rPr>
+              <a:t>timer</a:t>
+            </a:r>
+            <a:r>
+              <a:rPr lang="de-DE" dirty="0" smtClean="0">
+                <a:solidFill>
+                  <a:schemeClr val="accent3">
+                    <a:lumMod val="75000"/>
+                  </a:schemeClr>
+                </a:solidFill>
+              </a:rPr>
+              <a:t> (100 </a:t>
+            </a:r>
+            <a:r>
+              <a:rPr lang="de-DE" dirty="0" err="1" smtClean="0">
+                <a:solidFill>
+                  <a:schemeClr val="accent3">
+                    <a:lumMod val="75000"/>
+                  </a:schemeClr>
+                </a:solidFill>
+              </a:rPr>
+              <a:t>ms</a:t>
+            </a:r>
+            <a:r>
+              <a:rPr lang="de-DE" dirty="0" smtClean="0">
+                <a:solidFill>
+                  <a:schemeClr val="accent3">
+                    <a:lumMod val="75000"/>
+                  </a:schemeClr>
+                </a:solidFill>
+              </a:rPr>
+              <a:t> / </a:t>
+            </a:r>
+            <a:r>
+              <a:rPr lang="de-DE" dirty="0" err="1" smtClean="0">
+                <a:solidFill>
+                  <a:schemeClr val="accent3">
+                    <a:lumMod val="75000"/>
+                  </a:schemeClr>
+                </a:solidFill>
+              </a:rPr>
+              <a:t>frame</a:t>
+            </a:r>
+            <a:r>
+              <a:rPr lang="de-DE" dirty="0" smtClean="0">
+                <a:solidFill>
+                  <a:schemeClr val="accent3">
+                    <a:lumMod val="75000"/>
+                  </a:schemeClr>
+                </a:solidFill>
+              </a:rPr>
+              <a:t>) </a:t>
+            </a:r>
+            <a:r>
+              <a:rPr lang="de-DE" dirty="0" smtClean="0">
+                <a:solidFill>
+                  <a:schemeClr val="accent3">
+                    <a:lumMod val="75000"/>
+                  </a:schemeClr>
+                </a:solidFill>
+                <a:sym typeface="Wingdings" panose="05000000000000000000" pitchFamily="2" charset="2"/>
+              </a:rPr>
+              <a:t> </a:t>
+            </a:r>
+            <a:r>
+              <a:rPr lang="de-DE" dirty="0" err="1" smtClean="0">
+                <a:solidFill>
+                  <a:schemeClr val="accent3">
+                    <a:lumMod val="75000"/>
+                  </a:schemeClr>
+                </a:solidFill>
+                <a:sym typeface="Wingdings" panose="05000000000000000000" pitchFamily="2" charset="2"/>
+              </a:rPr>
+              <a:t>done</a:t>
+            </a:r>
+            <a:endParaRPr lang="de-DE" dirty="0" smtClean="0">
+              <a:solidFill>
+                <a:schemeClr val="accent3">
+                  <a:lumMod val="75000"/>
+                </a:schemeClr>
+              </a:solidFill>
+              <a:sym typeface="Wingdings" panose="05000000000000000000" pitchFamily="2" charset="2"/>
+            </a:endParaRPr>
+          </a:p>
+          <a:p>
+            <a:r>
+              <a:rPr lang="de-DE" dirty="0" smtClean="0">
+                <a:solidFill>
+                  <a:schemeClr val="accent3">
+                    <a:lumMod val="75000"/>
+                  </a:schemeClr>
+                </a:solidFill>
+                <a:sym typeface="Wingdings" panose="05000000000000000000" pitchFamily="2" charset="2"/>
+              </a:rPr>
+              <a:t>Reference </a:t>
+            </a:r>
+            <a:r>
+              <a:rPr lang="de-DE" dirty="0" err="1" smtClean="0">
+                <a:solidFill>
+                  <a:schemeClr val="accent3">
+                    <a:lumMod val="75000"/>
+                  </a:schemeClr>
+                </a:solidFill>
+                <a:sym typeface="Wingdings" panose="05000000000000000000" pitchFamily="2" charset="2"/>
+              </a:rPr>
+              <a:t>videos</a:t>
+            </a:r>
+            <a:r>
+              <a:rPr lang="de-DE" dirty="0" smtClean="0">
+                <a:solidFill>
+                  <a:schemeClr val="accent3">
+                    <a:lumMod val="75000"/>
+                  </a:schemeClr>
+                </a:solidFill>
+                <a:sym typeface="Wingdings" panose="05000000000000000000" pitchFamily="2" charset="2"/>
+              </a:rPr>
+              <a:t>  </a:t>
+            </a:r>
+            <a:r>
+              <a:rPr lang="de-DE" dirty="0" err="1" smtClean="0">
+                <a:solidFill>
+                  <a:schemeClr val="accent3">
+                    <a:lumMod val="75000"/>
+                  </a:schemeClr>
+                </a:solidFill>
+                <a:sym typeface="Wingdings" panose="05000000000000000000" pitchFamily="2" charset="2"/>
+              </a:rPr>
+              <a:t>done</a:t>
+            </a:r>
+            <a:r>
+              <a:rPr lang="de-DE" dirty="0" smtClean="0">
+                <a:solidFill>
+                  <a:schemeClr val="accent3">
+                    <a:lumMod val="75000"/>
+                  </a:schemeClr>
+                </a:solidFill>
+                <a:sym typeface="Wingdings" panose="05000000000000000000" pitchFamily="2" charset="2"/>
+              </a:rPr>
+              <a:t> (</a:t>
+            </a:r>
+            <a:r>
+              <a:rPr lang="de-DE" dirty="0" err="1" smtClean="0">
+                <a:solidFill>
+                  <a:schemeClr val="accent3">
+                    <a:lumMod val="75000"/>
+                  </a:schemeClr>
+                </a:solidFill>
+                <a:sym typeface="Wingdings" panose="05000000000000000000" pitchFamily="2" charset="2"/>
+              </a:rPr>
+              <a:t>c#</a:t>
+            </a:r>
+            <a:r>
+              <a:rPr lang="de-DE" dirty="0" smtClean="0">
+                <a:solidFill>
+                  <a:schemeClr val="accent3">
+                    <a:lumMod val="75000"/>
+                  </a:schemeClr>
+                </a:solidFill>
+                <a:sym typeface="Wingdings" panose="05000000000000000000" pitchFamily="2" charset="2"/>
+              </a:rPr>
+              <a:t>\</a:t>
+            </a:r>
+            <a:r>
+              <a:rPr lang="de-DE" dirty="0" err="1" smtClean="0">
+                <a:solidFill>
+                  <a:schemeClr val="accent3">
+                    <a:lumMod val="75000"/>
+                  </a:schemeClr>
+                </a:solidFill>
+                <a:sym typeface="Wingdings" panose="05000000000000000000" pitchFamily="2" charset="2"/>
+              </a:rPr>
+              <a:t>recordings</a:t>
+            </a:r>
+            <a:r>
+              <a:rPr lang="de-DE" dirty="0" smtClean="0">
+                <a:solidFill>
+                  <a:schemeClr val="accent3">
+                    <a:lumMod val="75000"/>
+                  </a:schemeClr>
+                </a:solidFill>
+                <a:sym typeface="Wingdings" panose="05000000000000000000" pitchFamily="2" charset="2"/>
+              </a:rPr>
+              <a:t>\2015-03-30_Überschneidung_V2.wmv – 1:20 min)</a:t>
+            </a:r>
+            <a:endParaRPr lang="de-DE" dirty="0" smtClean="0">
+              <a:solidFill>
+                <a:schemeClr val="accent3">
+                  <a:lumMod val="75000"/>
+                </a:schemeClr>
+              </a:solidFill>
+            </a:endParaRPr>
+          </a:p>
+          <a:p>
+            <a:r>
+              <a:rPr lang="de-DE" dirty="0" err="1" smtClean="0">
+                <a:solidFill>
+                  <a:schemeClr val="accent3">
+                    <a:lumMod val="75000"/>
+                  </a:schemeClr>
+                </a:solidFill>
+              </a:rPr>
+              <a:t>Comparison</a:t>
+            </a:r>
+            <a:r>
+              <a:rPr lang="de-DE" dirty="0" smtClean="0">
+                <a:solidFill>
+                  <a:schemeClr val="accent3">
+                    <a:lumMod val="75000"/>
+                  </a:schemeClr>
+                </a:solidFill>
+              </a:rPr>
+              <a:t> </a:t>
+            </a:r>
+            <a:r>
+              <a:rPr lang="de-DE" dirty="0" err="1" smtClean="0">
+                <a:solidFill>
+                  <a:schemeClr val="accent3">
+                    <a:lumMod val="75000"/>
+                  </a:schemeClr>
+                </a:solidFill>
+              </a:rPr>
+              <a:t>of</a:t>
+            </a:r>
+            <a:r>
+              <a:rPr lang="de-DE" dirty="0" smtClean="0">
+                <a:solidFill>
+                  <a:schemeClr val="accent3">
+                    <a:lumMod val="75000"/>
+                  </a:schemeClr>
+                </a:solidFill>
+              </a:rPr>
+              <a:t> different </a:t>
+            </a:r>
+            <a:r>
+              <a:rPr lang="de-DE" dirty="0" err="1" smtClean="0">
+                <a:solidFill>
+                  <a:schemeClr val="accent3">
+                    <a:lumMod val="75000"/>
+                  </a:schemeClr>
+                </a:solidFill>
+              </a:rPr>
+              <a:t>background</a:t>
+            </a:r>
+            <a:r>
+              <a:rPr lang="de-DE" dirty="0" smtClean="0">
+                <a:solidFill>
+                  <a:schemeClr val="accent3">
+                    <a:lumMod val="75000"/>
+                  </a:schemeClr>
+                </a:solidFill>
+              </a:rPr>
+              <a:t> </a:t>
+            </a:r>
+            <a:r>
+              <a:rPr lang="de-DE" dirty="0" err="1" smtClean="0">
+                <a:solidFill>
+                  <a:schemeClr val="accent3">
+                    <a:lumMod val="75000"/>
+                  </a:schemeClr>
+                </a:solidFill>
+              </a:rPr>
+              <a:t>modeling</a:t>
+            </a:r>
+            <a:r>
+              <a:rPr lang="de-DE" dirty="0" smtClean="0">
+                <a:solidFill>
+                  <a:schemeClr val="accent3">
+                    <a:lumMod val="75000"/>
+                  </a:schemeClr>
+                </a:solidFill>
+              </a:rPr>
+              <a:t> </a:t>
+            </a:r>
+            <a:r>
+              <a:rPr lang="de-DE" dirty="0" err="1" smtClean="0">
+                <a:solidFill>
+                  <a:schemeClr val="accent3">
+                    <a:lumMod val="75000"/>
+                  </a:schemeClr>
+                </a:solidFill>
+              </a:rPr>
+              <a:t>algorithms</a:t>
+            </a:r>
+            <a:r>
+              <a:rPr lang="de-DE" dirty="0" smtClean="0">
+                <a:solidFill>
+                  <a:schemeClr val="accent3">
+                    <a:lumMod val="75000"/>
+                  </a:schemeClr>
+                </a:solidFill>
+              </a:rPr>
+              <a:t> (</a:t>
+            </a:r>
+            <a:r>
+              <a:rPr lang="de-DE" dirty="0" err="1" smtClean="0">
+                <a:solidFill>
+                  <a:schemeClr val="accent3">
+                    <a:lumMod val="75000"/>
+                  </a:schemeClr>
+                </a:solidFill>
+              </a:rPr>
+              <a:t>Aforge</a:t>
+            </a:r>
+            <a:r>
+              <a:rPr lang="de-DE" dirty="0" smtClean="0">
+                <a:solidFill>
+                  <a:schemeClr val="accent3">
+                    <a:lumMod val="75000"/>
+                  </a:schemeClr>
+                </a:solidFill>
+              </a:rPr>
+              <a:t> simple </a:t>
+            </a:r>
+            <a:r>
+              <a:rPr lang="de-DE" dirty="0" err="1" smtClean="0">
+                <a:solidFill>
+                  <a:schemeClr val="accent3">
+                    <a:lumMod val="75000"/>
+                  </a:schemeClr>
+                </a:solidFill>
+              </a:rPr>
+              <a:t>background</a:t>
+            </a:r>
+            <a:r>
+              <a:rPr lang="de-DE" dirty="0" smtClean="0">
+                <a:solidFill>
+                  <a:schemeClr val="accent3">
+                    <a:lumMod val="75000"/>
+                  </a:schemeClr>
+                </a:solidFill>
+              </a:rPr>
+              <a:t> </a:t>
+            </a:r>
+            <a:r>
+              <a:rPr lang="de-DE" dirty="0" err="1" smtClean="0">
+                <a:solidFill>
+                  <a:schemeClr val="accent3">
+                    <a:lumMod val="75000"/>
+                  </a:schemeClr>
+                </a:solidFill>
+              </a:rPr>
+              <a:t>modeling</a:t>
+            </a:r>
+            <a:r>
+              <a:rPr lang="de-DE" dirty="0" smtClean="0">
+                <a:solidFill>
+                  <a:schemeClr val="accent3">
+                    <a:lumMod val="75000"/>
+                  </a:schemeClr>
+                </a:solidFill>
+              </a:rPr>
+              <a:t>, CV MOG, CV MOG2) </a:t>
+            </a:r>
+            <a:r>
+              <a:rPr lang="de-DE" dirty="0" smtClean="0">
+                <a:solidFill>
+                  <a:schemeClr val="accent3">
+                    <a:lumMod val="75000"/>
+                  </a:schemeClr>
+                </a:solidFill>
+                <a:sym typeface="Wingdings" panose="05000000000000000000" pitchFamily="2" charset="2"/>
+              </a:rPr>
+              <a:t> </a:t>
+            </a:r>
+            <a:r>
+              <a:rPr lang="de-DE" dirty="0" err="1" smtClean="0">
+                <a:solidFill>
+                  <a:schemeClr val="accent3">
+                    <a:lumMod val="75000"/>
+                  </a:schemeClr>
+                </a:solidFill>
+                <a:sym typeface="Wingdings" panose="05000000000000000000" pitchFamily="2" charset="2"/>
+              </a:rPr>
+              <a:t>done</a:t>
+            </a:r>
+            <a:r>
+              <a:rPr lang="de-DE" dirty="0" smtClean="0">
+                <a:solidFill>
+                  <a:schemeClr val="accent3">
+                    <a:lumMod val="75000"/>
+                  </a:schemeClr>
+                </a:solidFill>
+                <a:sym typeface="Wingdings" panose="05000000000000000000" pitchFamily="2" charset="2"/>
+              </a:rPr>
+              <a:t>, MOG2 </a:t>
+            </a:r>
+            <a:r>
+              <a:rPr lang="de-DE" dirty="0" err="1" smtClean="0">
+                <a:solidFill>
+                  <a:schemeClr val="accent3">
+                    <a:lumMod val="75000"/>
+                  </a:schemeClr>
+                </a:solidFill>
+                <a:sym typeface="Wingdings" panose="05000000000000000000" pitchFamily="2" charset="2"/>
+              </a:rPr>
+              <a:t>is</a:t>
+            </a:r>
+            <a:r>
+              <a:rPr lang="de-DE" dirty="0" smtClean="0">
+                <a:solidFill>
+                  <a:schemeClr val="accent3">
+                    <a:lumMod val="75000"/>
+                  </a:schemeClr>
+                </a:solidFill>
+                <a:sym typeface="Wingdings" panose="05000000000000000000" pitchFamily="2" charset="2"/>
+              </a:rPr>
+              <a:t> </a:t>
+            </a:r>
+            <a:r>
+              <a:rPr lang="de-DE" dirty="0" err="1" smtClean="0">
+                <a:solidFill>
+                  <a:schemeClr val="accent3">
+                    <a:lumMod val="75000"/>
+                  </a:schemeClr>
+                </a:solidFill>
+                <a:sym typeface="Wingdings" panose="05000000000000000000" pitchFamily="2" charset="2"/>
+              </a:rPr>
+              <a:t>best</a:t>
+            </a:r>
+            <a:endParaRPr lang="de-DE" dirty="0" smtClean="0">
+              <a:solidFill>
+                <a:schemeClr val="accent3">
+                  <a:lumMod val="75000"/>
+                </a:schemeClr>
+              </a:solidFill>
+            </a:endParaRPr>
+          </a:p>
+          <a:p>
+            <a:r>
+              <a:rPr lang="de-DE" dirty="0" err="1" smtClean="0"/>
+              <a:t>Apply</a:t>
+            </a:r>
+            <a:r>
+              <a:rPr lang="de-DE" dirty="0" smtClean="0"/>
+              <a:t> </a:t>
+            </a:r>
+            <a:r>
+              <a:rPr lang="de-DE" dirty="0" err="1" smtClean="0"/>
+              <a:t>filters</a:t>
+            </a:r>
+            <a:r>
+              <a:rPr lang="de-DE" dirty="0" smtClean="0"/>
+              <a:t> </a:t>
+            </a:r>
+            <a:r>
+              <a:rPr lang="de-DE" dirty="0" err="1" smtClean="0"/>
+              <a:t>to</a:t>
+            </a:r>
+            <a:r>
+              <a:rPr lang="de-DE" dirty="0" smtClean="0"/>
+              <a:t> </a:t>
+            </a:r>
+            <a:r>
+              <a:rPr lang="de-DE" dirty="0" err="1" smtClean="0"/>
+              <a:t>improve</a:t>
+            </a:r>
+            <a:r>
+              <a:rPr lang="de-DE" dirty="0" smtClean="0"/>
+              <a:t> </a:t>
+            </a:r>
+            <a:r>
+              <a:rPr lang="de-DE" dirty="0" err="1" smtClean="0"/>
+              <a:t>results</a:t>
+            </a:r>
+            <a:r>
+              <a:rPr lang="de-DE" dirty="0" smtClean="0"/>
+              <a:t> (e.g. </a:t>
+            </a:r>
+            <a:r>
+              <a:rPr lang="de-DE" dirty="0" err="1" smtClean="0"/>
+              <a:t>busses</a:t>
+            </a:r>
+            <a:r>
+              <a:rPr lang="de-DE" dirty="0" smtClean="0"/>
+              <a:t> </a:t>
+            </a:r>
+            <a:r>
+              <a:rPr lang="de-DE" dirty="0" err="1" smtClean="0"/>
+              <a:t>contain</a:t>
+            </a:r>
+            <a:r>
+              <a:rPr lang="de-DE" dirty="0" smtClean="0"/>
+              <a:t> </a:t>
+            </a:r>
+            <a:r>
+              <a:rPr lang="de-DE" dirty="0" err="1" smtClean="0"/>
+              <a:t>of</a:t>
+            </a:r>
+            <a:r>
+              <a:rPr lang="de-DE" dirty="0" smtClean="0"/>
+              <a:t> multiple </a:t>
+            </a:r>
+            <a:r>
+              <a:rPr lang="de-DE" dirty="0" err="1" smtClean="0"/>
+              <a:t>blobs</a:t>
+            </a:r>
+            <a:r>
+              <a:rPr lang="de-DE" dirty="0" smtClean="0"/>
+              <a:t>, </a:t>
+            </a:r>
+            <a:r>
+              <a:rPr lang="de-DE" dirty="0" err="1" smtClean="0"/>
+              <a:t>as</a:t>
+            </a:r>
+            <a:r>
+              <a:rPr lang="de-DE" dirty="0" smtClean="0"/>
+              <a:t> </a:t>
+            </a:r>
+            <a:r>
+              <a:rPr lang="de-DE" dirty="0" err="1" smtClean="0"/>
+              <a:t>windows</a:t>
+            </a:r>
+            <a:r>
+              <a:rPr lang="de-DE" dirty="0" smtClean="0"/>
+              <a:t> </a:t>
+            </a:r>
+            <a:r>
+              <a:rPr lang="de-DE" dirty="0" err="1" smtClean="0"/>
+              <a:t>are</a:t>
+            </a:r>
+            <a:r>
+              <a:rPr lang="de-DE" dirty="0" smtClean="0"/>
+              <a:t> not </a:t>
+            </a:r>
+            <a:r>
+              <a:rPr lang="de-DE" dirty="0" err="1" smtClean="0"/>
+              <a:t>recognized</a:t>
+            </a:r>
+            <a:r>
+              <a:rPr lang="de-DE" dirty="0" smtClean="0"/>
+              <a:t> </a:t>
+            </a:r>
+            <a:r>
+              <a:rPr lang="de-DE" dirty="0" err="1" smtClean="0"/>
+              <a:t>as</a:t>
+            </a:r>
+            <a:r>
+              <a:rPr lang="de-DE" dirty="0" smtClean="0"/>
+              <a:t> </a:t>
+            </a:r>
+            <a:r>
+              <a:rPr lang="de-DE" dirty="0" err="1" smtClean="0"/>
+              <a:t>foreground</a:t>
+            </a:r>
+            <a:r>
+              <a:rPr lang="de-DE" dirty="0" smtClean="0"/>
+              <a:t>)</a:t>
+            </a:r>
+          </a:p>
+          <a:p>
+            <a:r>
+              <a:rPr lang="de-DE" dirty="0" smtClean="0"/>
+              <a:t>Filter </a:t>
+            </a:r>
+            <a:r>
+              <a:rPr lang="de-DE" dirty="0" err="1" smtClean="0"/>
+              <a:t>sequence</a:t>
+            </a:r>
+            <a:r>
+              <a:rPr lang="de-DE" dirty="0" smtClean="0"/>
+              <a:t>: </a:t>
+            </a:r>
+            <a:r>
+              <a:rPr lang="de-DE" dirty="0" err="1" smtClean="0"/>
+              <a:t>blur</a:t>
+            </a:r>
+            <a:r>
+              <a:rPr lang="de-DE" dirty="0" smtClean="0"/>
+              <a:t>, MOG, </a:t>
+            </a:r>
+            <a:r>
+              <a:rPr lang="de-DE" dirty="0" err="1" smtClean="0"/>
+              <a:t>erosion</a:t>
+            </a:r>
+            <a:r>
+              <a:rPr lang="de-DE" dirty="0" smtClean="0"/>
+              <a:t>, </a:t>
+            </a:r>
+            <a:r>
+              <a:rPr lang="de-DE" dirty="0" err="1" smtClean="0"/>
+              <a:t>combine</a:t>
+            </a:r>
+            <a:r>
+              <a:rPr lang="de-DE" dirty="0" smtClean="0"/>
+              <a:t> </a:t>
+            </a:r>
+            <a:r>
+              <a:rPr lang="de-DE" dirty="0" err="1" smtClean="0"/>
+              <a:t>blobs</a:t>
+            </a:r>
+            <a:endParaRPr lang="de-DE" dirty="0" smtClean="0"/>
+          </a:p>
+          <a:p>
+            <a:r>
+              <a:rPr lang="de-DE" dirty="0" err="1" smtClean="0"/>
+              <a:t>Testinfrastructure</a:t>
+            </a:r>
+            <a:r>
+              <a:rPr lang="de-DE" dirty="0" smtClean="0"/>
+              <a:t>, </a:t>
+            </a:r>
+            <a:r>
+              <a:rPr lang="de-DE" dirty="0" err="1" smtClean="0"/>
+              <a:t>to</a:t>
+            </a:r>
+            <a:r>
+              <a:rPr lang="de-DE" dirty="0" smtClean="0"/>
+              <a:t> </a:t>
+            </a:r>
+            <a:r>
+              <a:rPr lang="de-DE" dirty="0" err="1" smtClean="0"/>
+              <a:t>compare</a:t>
+            </a:r>
+            <a:r>
+              <a:rPr lang="de-DE" dirty="0" smtClean="0"/>
+              <a:t> </a:t>
+            </a:r>
+            <a:r>
+              <a:rPr lang="de-DE" dirty="0" err="1" smtClean="0"/>
+              <a:t>results</a:t>
+            </a:r>
+            <a:endParaRPr lang="de-DE" dirty="0"/>
+          </a:p>
+        </p:txBody>
+      </p:sp>
+    </p:spTree>
+    <p:extLst>
+      <p:ext uri="{BB962C8B-B14F-4D97-AF65-F5344CB8AC3E}">
+        <p14:creationId xmlns:p14="http://schemas.microsoft.com/office/powerpoint/2010/main" val="2840652439"/>
+      </p:ext>
+    </p:extLst>
+  </p:cSld>
+  <p:clrMapOvr>
+    <a:masterClrMapping/>
+  </p:clrMapOvr>
+  <p:timing>
+    <p:tnLst>
+      <p:par>
+        <p:cTn id="1" dur="indefinite" restart="never" nodeType="tmRoot"/>
+      </p:par>
+    </p:tnLst>
+  </p:timing>
+</p:sld>
+</file>
+
+<file path=ppt/slides/slide15.xml><?xml version="1.0" encoding="utf-8"?>
+<p:sld xmlns:a="http://schemas.openxmlformats.org/drawingml/2006/main" xmlns:r="http://schemas.openxmlformats.org/officeDocument/2006/relationships" xmlns:p="http://schemas.openxmlformats.org/presentationml/2006/main">
+  <p:cSld>
+    <p:spTree>
+      <p:nvGrpSpPr>
+        <p:cNvPr id="1" name=""/>
+        <p:cNvGrpSpPr/>
+        <p:nvPr/>
+      </p:nvGrpSpPr>
+      <p:grpSpPr>
+        <a:xfrm>
+          <a:off x="0" y="0"/>
+          <a:ext cx="0" cy="0"/>
+          <a:chOff x="0" y="0"/>
+          <a:chExt cx="0" cy="0"/>
+        </a:xfrm>
+      </p:grpSpPr>
+      <p:sp>
+        <p:nvSpPr>
+          <p:cNvPr id="2" name="Titel 1"/>
+          <p:cNvSpPr>
+            <a:spLocks noGrp="1"/>
+          </p:cNvSpPr>
+          <p:nvPr>
+            <p:ph type="title"/>
+          </p:nvPr>
+        </p:nvSpPr>
+        <p:spPr/>
+        <p:txBody>
+          <a:bodyPr/>
+          <a:lstStyle/>
+          <a:p>
+            <a:r>
               <a:rPr lang="de-DE" dirty="0" err="1" smtClean="0"/>
               <a:t>Detecting</a:t>
             </a:r>
@@ -7114,7 +8095,7 @@
 </p:sld>
 </file>
 
-<file path=ppt/slides/slide15.xml><?xml version="1.0" encoding="utf-8"?>
+<file path=ppt/slides/slide16.xml><?xml version="1.0" encoding="utf-8"?>
 <p:sld xmlns:a="http://schemas.openxmlformats.org/drawingml/2006/main" xmlns:r="http://schemas.openxmlformats.org/officeDocument/2006/relationships" xmlns:p="http://schemas.openxmlformats.org/presentationml/2006/main">
   <p:cSld>
     <p:spTree>
@@ -8076,6 +9057,787 @@
 </file>
 
 <file path=ppt/slides/slide3.xml><?xml version="1.0" encoding="utf-8"?>
+<p:sld xmlns:a="http://schemas.openxmlformats.org/drawingml/2006/main" xmlns:r="http://schemas.openxmlformats.org/officeDocument/2006/relationships" xmlns:p="http://schemas.openxmlformats.org/presentationml/2006/main">
+  <p:cSld>
+    <p:spTree>
+      <p:nvGrpSpPr>
+        <p:cNvPr id="1" name=""/>
+        <p:cNvGrpSpPr/>
+        <p:nvPr/>
+      </p:nvGrpSpPr>
+      <p:grpSpPr>
+        <a:xfrm>
+          <a:off x="0" y="0"/>
+          <a:ext cx="0" cy="0"/>
+          <a:chOff x="0" y="0"/>
+          <a:chExt cx="0" cy="0"/>
+        </a:xfrm>
+      </p:grpSpPr>
+      <p:sp>
+        <p:nvSpPr>
+          <p:cNvPr id="2" name="Titel 1"/>
+          <p:cNvSpPr>
+            <a:spLocks noGrp="1"/>
+          </p:cNvSpPr>
+          <p:nvPr>
+            <p:ph type="title"/>
+          </p:nvPr>
+        </p:nvSpPr>
+        <p:spPr/>
+        <p:txBody>
+          <a:bodyPr/>
+          <a:lstStyle/>
+          <a:p>
+            <a:r>
+              <a:rPr lang="de-DE" dirty="0" smtClean="0"/>
+              <a:t>Modules</a:t>
+            </a:r>
+            <a:endParaRPr lang="de-DE" dirty="0"/>
+          </a:p>
+        </p:txBody>
+      </p:sp>
+      <p:sp>
+        <p:nvSpPr>
+          <p:cNvPr id="3" name="Rechteck 2"/>
+          <p:cNvSpPr/>
+          <p:nvPr/>
+        </p:nvSpPr>
+        <p:spPr>
+          <a:xfrm>
+            <a:off x="647565" y="944724"/>
+            <a:ext cx="2412268" cy="2124236"/>
+          </a:xfrm>
+          <a:prstGeom prst="rect">
+            <a:avLst/>
+          </a:prstGeom>
+          <a:noFill/>
+          <a:ln w="19050">
+            <a:solidFill>
+              <a:schemeClr val="tx1"/>
+            </a:solidFill>
+          </a:ln>
+        </p:spPr>
+        <p:style>
+          <a:lnRef idx="2">
+            <a:schemeClr val="accent1">
+              <a:shade val="50000"/>
+            </a:schemeClr>
+          </a:lnRef>
+          <a:fillRef idx="1">
+            <a:schemeClr val="accent1"/>
+          </a:fillRef>
+          <a:effectRef idx="0">
+            <a:schemeClr val="accent1"/>
+          </a:effectRef>
+          <a:fontRef idx="minor">
+            <a:schemeClr val="lt1"/>
+          </a:fontRef>
+        </p:style>
+        <p:txBody>
+          <a:bodyPr rtlCol="0" anchor="ctr"/>
+          <a:lstStyle/>
+          <a:p>
+            <a:pPr algn="ctr"/>
+            <a:endParaRPr lang="de-DE"/>
+          </a:p>
+        </p:txBody>
+      </p:sp>
+      <p:sp>
+        <p:nvSpPr>
+          <p:cNvPr id="5" name="Textfeld 4"/>
+          <p:cNvSpPr txBox="1"/>
+          <p:nvPr/>
+        </p:nvSpPr>
+        <p:spPr>
+          <a:xfrm>
+            <a:off x="683568" y="908720"/>
+            <a:ext cx="1099981" cy="276999"/>
+          </a:xfrm>
+          <a:prstGeom prst="rect">
+            <a:avLst/>
+          </a:prstGeom>
+          <a:noFill/>
+        </p:spPr>
+        <p:txBody>
+          <a:bodyPr wrap="none" rtlCol="0">
+            <a:spAutoFit/>
+          </a:bodyPr>
+          <a:lstStyle/>
+          <a:p>
+            <a:r>
+              <a:rPr lang="de-DE" sz="1200" b="1" dirty="0" err="1" smtClean="0"/>
+              <a:t>module</a:t>
+            </a:r>
+            <a:r>
+              <a:rPr lang="de-DE" sz="1200" b="1" dirty="0" smtClean="0"/>
+              <a:t> </a:t>
+            </a:r>
+            <a:r>
+              <a:rPr lang="de-DE" sz="1200" b="1" dirty="0" err="1" smtClean="0"/>
+              <a:t>config</a:t>
+            </a:r>
+            <a:endParaRPr lang="de-DE" sz="1200" b="1" dirty="0"/>
+          </a:p>
+        </p:txBody>
+      </p:sp>
+      <p:sp>
+        <p:nvSpPr>
+          <p:cNvPr id="10" name="Rechteck 9"/>
+          <p:cNvSpPr/>
+          <p:nvPr/>
+        </p:nvSpPr>
+        <p:spPr>
+          <a:xfrm>
+            <a:off x="721109" y="1124744"/>
+            <a:ext cx="2266715" cy="1754326"/>
+          </a:xfrm>
+          <a:prstGeom prst="rect">
+            <a:avLst/>
+          </a:prstGeom>
+        </p:spPr>
+        <p:txBody>
+          <a:bodyPr wrap="square">
+            <a:spAutoFit/>
+          </a:bodyPr>
+          <a:lstStyle/>
+          <a:p>
+            <a:pPr marL="180975" lvl="1" indent="-180975">
+              <a:buFont typeface="Wingdings" panose="05000000000000000000" pitchFamily="2" charset="2"/>
+              <a:buChar char="§"/>
+            </a:pPr>
+            <a:r>
+              <a:rPr lang="de-DE" sz="1200" dirty="0" smtClean="0"/>
+              <a:t>all </a:t>
+            </a:r>
+            <a:r>
+              <a:rPr lang="de-DE" sz="1200" dirty="0" err="1" smtClean="0"/>
+              <a:t>configuration</a:t>
+            </a:r>
+            <a:r>
+              <a:rPr lang="de-DE" sz="1200" dirty="0" smtClean="0"/>
+              <a:t> </a:t>
+            </a:r>
+            <a:r>
+              <a:rPr lang="de-DE" sz="1200" dirty="0" err="1" smtClean="0"/>
+              <a:t>data</a:t>
+            </a:r>
+            <a:r>
+              <a:rPr lang="de-DE" sz="1200" dirty="0" smtClean="0"/>
+              <a:t> </a:t>
+            </a:r>
+            <a:r>
+              <a:rPr lang="de-DE" sz="1200" dirty="0" err="1" smtClean="0"/>
+              <a:t>used</a:t>
+            </a:r>
+            <a:r>
+              <a:rPr lang="de-DE" sz="1200" dirty="0" smtClean="0"/>
+              <a:t> in </a:t>
+            </a:r>
+            <a:r>
+              <a:rPr lang="de-DE" sz="1200" dirty="0" err="1" smtClean="0"/>
+              <a:t>other</a:t>
+            </a:r>
+            <a:r>
+              <a:rPr lang="de-DE" sz="1200" dirty="0" smtClean="0"/>
+              <a:t> </a:t>
+            </a:r>
+            <a:r>
+              <a:rPr lang="de-DE" sz="1200" dirty="0" err="1" smtClean="0"/>
+              <a:t>classes</a:t>
+            </a:r>
+            <a:endParaRPr lang="de-DE" sz="1200" dirty="0" smtClean="0"/>
+          </a:p>
+          <a:p>
+            <a:pPr marL="180975" lvl="1" indent="-180975">
+              <a:buFont typeface="Wingdings" panose="05000000000000000000" pitchFamily="2" charset="2"/>
+              <a:buChar char="§"/>
+            </a:pPr>
+            <a:r>
+              <a:rPr lang="de-DE" sz="1200" dirty="0" err="1" smtClean="0"/>
+              <a:t>loaded</a:t>
+            </a:r>
+            <a:r>
+              <a:rPr lang="de-DE" sz="1200" dirty="0" smtClean="0"/>
+              <a:t> </a:t>
+            </a:r>
+            <a:r>
+              <a:rPr lang="de-DE" sz="1200" dirty="0" err="1" smtClean="0"/>
+              <a:t>from</a:t>
+            </a:r>
+            <a:r>
+              <a:rPr lang="de-DE" sz="1200" dirty="0" smtClean="0"/>
+              <a:t> </a:t>
+            </a:r>
+            <a:r>
+              <a:rPr lang="de-DE" sz="1200" dirty="0" err="1" smtClean="0"/>
+              <a:t>Sqlite</a:t>
+            </a:r>
+            <a:r>
+              <a:rPr lang="de-DE" sz="1200" dirty="0" smtClean="0"/>
+              <a:t> </a:t>
+            </a:r>
+            <a:r>
+              <a:rPr lang="de-DE" sz="1200" dirty="0" err="1" smtClean="0"/>
+              <a:t>database</a:t>
+            </a:r>
+            <a:endParaRPr lang="de-DE" sz="1200" dirty="0" smtClean="0"/>
+          </a:p>
+          <a:p>
+            <a:pPr marL="447675" lvl="3" indent="-180975">
+              <a:buFont typeface="Calibri" panose="020F0502020204030204" pitchFamily="34" charset="0"/>
+              <a:buChar char="□"/>
+            </a:pPr>
+            <a:r>
+              <a:rPr lang="de-DE" sz="1200" dirty="0" smtClean="0"/>
+              <a:t>on </a:t>
+            </a:r>
+            <a:r>
+              <a:rPr lang="de-DE" sz="1200" dirty="0" err="1" smtClean="0"/>
+              <a:t>startup</a:t>
+            </a:r>
+            <a:endParaRPr lang="de-DE" sz="1200" dirty="0" smtClean="0"/>
+          </a:p>
+          <a:p>
+            <a:pPr marL="447675" lvl="3" indent="-180975">
+              <a:buFont typeface="Calibri" panose="020F0502020204030204" pitchFamily="34" charset="0"/>
+              <a:buChar char="□"/>
+            </a:pPr>
+            <a:r>
+              <a:rPr lang="de-DE" sz="1200" dirty="0" smtClean="0"/>
+              <a:t>on </a:t>
+            </a:r>
+            <a:r>
+              <a:rPr lang="de-DE" sz="1200" dirty="0" err="1" smtClean="0"/>
+              <a:t>request</a:t>
+            </a:r>
+            <a:r>
+              <a:rPr lang="de-DE" sz="1200" dirty="0" smtClean="0"/>
+              <a:t> </a:t>
+            </a:r>
+          </a:p>
+          <a:p>
+            <a:pPr marL="0" lvl="2" indent="-190500">
+              <a:buFont typeface="Wingdings" panose="05000000000000000000" pitchFamily="2" charset="2"/>
+              <a:buChar char="§"/>
+            </a:pPr>
+            <a:r>
+              <a:rPr lang="de-DE" sz="1200" dirty="0" err="1" smtClean="0"/>
+              <a:t>classes</a:t>
+            </a:r>
+            <a:r>
+              <a:rPr lang="de-DE" sz="1200" dirty="0" smtClean="0"/>
+              <a:t>: </a:t>
+            </a:r>
+            <a:r>
+              <a:rPr lang="de-DE" sz="1200" dirty="0" err="1" smtClean="0"/>
+              <a:t>config</a:t>
+            </a:r>
+            <a:r>
+              <a:rPr lang="de-DE" sz="1200" dirty="0" smtClean="0"/>
+              <a:t>, </a:t>
+            </a:r>
+            <a:r>
+              <a:rPr lang="de-DE" sz="1200" dirty="0" err="1" smtClean="0"/>
+              <a:t>parameter</a:t>
+            </a:r>
+            <a:endParaRPr lang="de-DE" sz="1200" dirty="0" smtClean="0"/>
+          </a:p>
+          <a:p>
+            <a:pPr marL="180975" lvl="2" indent="-180975">
+              <a:buFont typeface="Wingdings" panose="05000000000000000000" pitchFamily="2" charset="2"/>
+              <a:buChar char="§"/>
+            </a:pPr>
+            <a:r>
+              <a:rPr lang="de-DE" sz="1200" dirty="0" smtClean="0"/>
+              <a:t>on </a:t>
+            </a:r>
+            <a:r>
+              <a:rPr lang="de-DE" sz="1200" dirty="0" err="1" smtClean="0"/>
+              <a:t>parameter</a:t>
+            </a:r>
+            <a:r>
+              <a:rPr lang="de-DE" sz="1200" dirty="0" smtClean="0"/>
+              <a:t> </a:t>
+            </a:r>
+            <a:r>
+              <a:rPr lang="de-DE" sz="1200" dirty="0" err="1" smtClean="0"/>
+              <a:t>change</a:t>
+            </a:r>
+            <a:r>
+              <a:rPr lang="de-DE" sz="1200" dirty="0" smtClean="0"/>
+              <a:t>:</a:t>
+            </a:r>
+            <a:r>
+              <a:rPr lang="de-DE" sz="1200" dirty="0"/>
+              <a:t/>
+            </a:r>
+            <a:br>
+              <a:rPr lang="de-DE" sz="1200" dirty="0"/>
+            </a:br>
+            <a:r>
+              <a:rPr lang="de-DE" sz="1200" dirty="0" err="1" smtClean="0"/>
+              <a:t>inform</a:t>
+            </a:r>
+            <a:r>
+              <a:rPr lang="de-DE" sz="1200" dirty="0" smtClean="0"/>
+              <a:t> </a:t>
+            </a:r>
+            <a:r>
+              <a:rPr lang="de-DE" sz="1200" dirty="0" err="1" smtClean="0"/>
+              <a:t>observer</a:t>
+            </a:r>
+            <a:r>
+              <a:rPr lang="de-DE" sz="1200" dirty="0" smtClean="0"/>
+              <a:t> (</a:t>
+            </a:r>
+            <a:r>
+              <a:rPr lang="de-DE" sz="1200" dirty="0" err="1" smtClean="0"/>
+              <a:t>scene</a:t>
+            </a:r>
+            <a:r>
+              <a:rPr lang="de-DE" sz="1200" dirty="0" smtClean="0"/>
+              <a:t> </a:t>
+            </a:r>
+            <a:r>
+              <a:rPr lang="de-DE" sz="1200" dirty="0" err="1" smtClean="0"/>
+              <a:t>instance</a:t>
+            </a:r>
+            <a:r>
+              <a:rPr lang="de-DE" sz="1200" dirty="0" smtClean="0"/>
+              <a:t>)</a:t>
+            </a:r>
+          </a:p>
+        </p:txBody>
+      </p:sp>
+      <p:sp>
+        <p:nvSpPr>
+          <p:cNvPr id="11" name="Rechteck 10"/>
+          <p:cNvSpPr/>
+          <p:nvPr/>
+        </p:nvSpPr>
+        <p:spPr>
+          <a:xfrm>
+            <a:off x="4499992" y="1520788"/>
+            <a:ext cx="2412268" cy="1620180"/>
+          </a:xfrm>
+          <a:prstGeom prst="rect">
+            <a:avLst/>
+          </a:prstGeom>
+          <a:noFill/>
+          <a:ln w="19050">
+            <a:solidFill>
+              <a:schemeClr val="tx1"/>
+            </a:solidFill>
+          </a:ln>
+        </p:spPr>
+        <p:style>
+          <a:lnRef idx="2">
+            <a:schemeClr val="accent1">
+              <a:shade val="50000"/>
+            </a:schemeClr>
+          </a:lnRef>
+          <a:fillRef idx="1">
+            <a:schemeClr val="accent1"/>
+          </a:fillRef>
+          <a:effectRef idx="0">
+            <a:schemeClr val="accent1"/>
+          </a:effectRef>
+          <a:fontRef idx="minor">
+            <a:schemeClr val="lt1"/>
+          </a:fontRef>
+        </p:style>
+        <p:txBody>
+          <a:bodyPr rtlCol="0" anchor="ctr"/>
+          <a:lstStyle/>
+          <a:p>
+            <a:pPr algn="ctr"/>
+            <a:endParaRPr lang="de-DE"/>
+          </a:p>
+        </p:txBody>
+      </p:sp>
+      <p:sp>
+        <p:nvSpPr>
+          <p:cNvPr id="12" name="Textfeld 11"/>
+          <p:cNvSpPr txBox="1"/>
+          <p:nvPr/>
+        </p:nvSpPr>
+        <p:spPr>
+          <a:xfrm>
+            <a:off x="4535995" y="1484784"/>
+            <a:ext cx="1072730" cy="276999"/>
+          </a:xfrm>
+          <a:prstGeom prst="rect">
+            <a:avLst/>
+          </a:prstGeom>
+          <a:noFill/>
+        </p:spPr>
+        <p:txBody>
+          <a:bodyPr wrap="none" rtlCol="0">
+            <a:spAutoFit/>
+          </a:bodyPr>
+          <a:lstStyle/>
+          <a:p>
+            <a:r>
+              <a:rPr lang="de-DE" sz="1200" b="1" dirty="0" err="1" smtClean="0"/>
+              <a:t>module</a:t>
+            </a:r>
+            <a:r>
+              <a:rPr lang="de-DE" sz="1200" b="1" dirty="0" smtClean="0"/>
+              <a:t> </a:t>
+            </a:r>
+            <a:r>
+              <a:rPr lang="de-DE" sz="1200" b="1" dirty="0" err="1" smtClean="0"/>
+              <a:t>scene</a:t>
+            </a:r>
+            <a:endParaRPr lang="de-DE" sz="1200" b="1" dirty="0"/>
+          </a:p>
+        </p:txBody>
+      </p:sp>
+      <p:sp>
+        <p:nvSpPr>
+          <p:cNvPr id="13" name="Rechteck 12"/>
+          <p:cNvSpPr/>
+          <p:nvPr/>
+        </p:nvSpPr>
+        <p:spPr>
+          <a:xfrm>
+            <a:off x="4573536" y="1700808"/>
+            <a:ext cx="2266715" cy="830997"/>
+          </a:xfrm>
+          <a:prstGeom prst="rect">
+            <a:avLst/>
+          </a:prstGeom>
+        </p:spPr>
+        <p:txBody>
+          <a:bodyPr wrap="square">
+            <a:spAutoFit/>
+          </a:bodyPr>
+          <a:lstStyle/>
+          <a:p>
+            <a:pPr marL="180975" lvl="1" indent="-180975">
+              <a:buFont typeface="Wingdings" panose="05000000000000000000" pitchFamily="2" charset="2"/>
+              <a:buChar char="§"/>
+            </a:pPr>
+            <a:r>
+              <a:rPr lang="de-DE" sz="1200" dirty="0" err="1" smtClean="0"/>
+              <a:t>ctor</a:t>
+            </a:r>
+            <a:r>
+              <a:rPr lang="de-DE" sz="1200" dirty="0" smtClean="0"/>
+              <a:t>: </a:t>
+            </a:r>
+            <a:r>
+              <a:rPr lang="de-DE" sz="1200" dirty="0" err="1" smtClean="0"/>
+              <a:t>ptr</a:t>
+            </a:r>
+            <a:r>
+              <a:rPr lang="de-DE" sz="1200" dirty="0" smtClean="0"/>
+              <a:t> </a:t>
+            </a:r>
+            <a:r>
+              <a:rPr lang="de-DE" sz="1200" dirty="0" err="1" smtClean="0"/>
+              <a:t>to</a:t>
+            </a:r>
+            <a:r>
+              <a:rPr lang="de-DE" sz="1200" dirty="0" smtClean="0"/>
+              <a:t> </a:t>
+            </a:r>
+            <a:r>
+              <a:rPr lang="de-DE" sz="1200" dirty="0" err="1" smtClean="0"/>
+              <a:t>config</a:t>
+            </a:r>
+            <a:endParaRPr lang="de-DE" sz="1200" dirty="0" smtClean="0"/>
+          </a:p>
+          <a:p>
+            <a:pPr marL="180975" lvl="1" indent="-180975">
+              <a:buFont typeface="Wingdings" panose="05000000000000000000" pitchFamily="2" charset="2"/>
+              <a:buChar char="§"/>
+            </a:pPr>
+            <a:r>
+              <a:rPr lang="de-DE" sz="1200" dirty="0" err="1" smtClean="0"/>
+              <a:t>read</a:t>
+            </a:r>
+            <a:r>
+              <a:rPr lang="de-DE" sz="1200" dirty="0" smtClean="0"/>
+              <a:t> </a:t>
+            </a:r>
+            <a:r>
+              <a:rPr lang="de-DE" sz="1200" dirty="0" err="1" smtClean="0"/>
+              <a:t>config</a:t>
+            </a:r>
+            <a:endParaRPr lang="de-DE" sz="1200" dirty="0" smtClean="0"/>
+          </a:p>
+          <a:p>
+            <a:pPr marL="638175" lvl="2" indent="-180975">
+              <a:buFont typeface="Wingdings" panose="05000000000000000000" pitchFamily="2" charset="2"/>
+              <a:buChar char="§"/>
+            </a:pPr>
+            <a:r>
+              <a:rPr lang="de-DE" sz="1200" dirty="0" smtClean="0"/>
+              <a:t>in </a:t>
+            </a:r>
+            <a:r>
+              <a:rPr lang="de-DE" sz="1200" dirty="0" err="1" smtClean="0"/>
+              <a:t>ctor</a:t>
+            </a:r>
+            <a:endParaRPr lang="de-DE" sz="1200" dirty="0" smtClean="0"/>
+          </a:p>
+          <a:p>
+            <a:pPr marL="638175" lvl="2" indent="-180975">
+              <a:buFont typeface="Wingdings" panose="05000000000000000000" pitchFamily="2" charset="2"/>
+              <a:buChar char="§"/>
+            </a:pPr>
+            <a:r>
+              <a:rPr lang="de-DE" sz="1200" dirty="0" smtClean="0"/>
+              <a:t>on </a:t>
+            </a:r>
+            <a:r>
+              <a:rPr lang="de-DE" sz="1200" dirty="0" err="1" smtClean="0"/>
+              <a:t>parameter</a:t>
+            </a:r>
+            <a:r>
+              <a:rPr lang="de-DE" sz="1200" dirty="0" smtClean="0"/>
+              <a:t> </a:t>
+            </a:r>
+            <a:r>
+              <a:rPr lang="de-DE" sz="1200" dirty="0" err="1" smtClean="0"/>
+              <a:t>change</a:t>
+            </a:r>
+            <a:endParaRPr lang="de-DE" sz="1200" dirty="0" smtClean="0"/>
+          </a:p>
+        </p:txBody>
+      </p:sp>
+      <p:cxnSp>
+        <p:nvCxnSpPr>
+          <p:cNvPr id="15" name="Gerade Verbindung 14"/>
+          <p:cNvCxnSpPr/>
+          <p:nvPr/>
+        </p:nvCxnSpPr>
+        <p:spPr>
+          <a:xfrm flipV="1">
+            <a:off x="5832140" y="1088740"/>
+            <a:ext cx="0" cy="534544"/>
+          </a:xfrm>
+          <a:prstGeom prst="line">
+            <a:avLst/>
+          </a:prstGeom>
+          <a:ln w="19050">
+            <a:solidFill>
+              <a:schemeClr val="tx1"/>
+            </a:solidFill>
+            <a:headEnd type="none" w="med" len="med"/>
+            <a:tailEnd type="none" w="med" len="med"/>
+          </a:ln>
+        </p:spPr>
+        <p:style>
+          <a:lnRef idx="1">
+            <a:schemeClr val="accent1"/>
+          </a:lnRef>
+          <a:fillRef idx="0">
+            <a:schemeClr val="accent1"/>
+          </a:fillRef>
+          <a:effectRef idx="0">
+            <a:schemeClr val="accent1"/>
+          </a:effectRef>
+          <a:fontRef idx="minor">
+            <a:schemeClr val="tx1"/>
+          </a:fontRef>
+        </p:style>
+      </p:cxnSp>
+      <p:cxnSp>
+        <p:nvCxnSpPr>
+          <p:cNvPr id="17" name="Gerade Verbindung mit Pfeil 16"/>
+          <p:cNvCxnSpPr/>
+          <p:nvPr/>
+        </p:nvCxnSpPr>
+        <p:spPr>
+          <a:xfrm flipH="1">
+            <a:off x="3131840" y="1088740"/>
+            <a:ext cx="2700300" cy="0"/>
+          </a:xfrm>
+          <a:prstGeom prst="straightConnector1">
+            <a:avLst/>
+          </a:prstGeom>
+          <a:ln w="19050">
+            <a:solidFill>
+              <a:schemeClr val="tx1"/>
+            </a:solidFill>
+            <a:headEnd type="none" w="med" len="med"/>
+            <a:tailEnd type="arrow"/>
+          </a:ln>
+        </p:spPr>
+        <p:style>
+          <a:lnRef idx="1">
+            <a:schemeClr val="accent1"/>
+          </a:lnRef>
+          <a:fillRef idx="0">
+            <a:schemeClr val="accent1"/>
+          </a:fillRef>
+          <a:effectRef idx="0">
+            <a:schemeClr val="accent1"/>
+          </a:effectRef>
+          <a:fontRef idx="minor">
+            <a:schemeClr val="tx1"/>
+          </a:fontRef>
+        </p:style>
+      </p:cxnSp>
+      <p:sp>
+        <p:nvSpPr>
+          <p:cNvPr id="21" name="Rechteck 20"/>
+          <p:cNvSpPr/>
+          <p:nvPr/>
+        </p:nvSpPr>
+        <p:spPr>
+          <a:xfrm>
+            <a:off x="575556" y="3284984"/>
+            <a:ext cx="5508612" cy="830997"/>
+          </a:xfrm>
+          <a:prstGeom prst="rect">
+            <a:avLst/>
+          </a:prstGeom>
+        </p:spPr>
+        <p:txBody>
+          <a:bodyPr wrap="square">
+            <a:spAutoFit/>
+          </a:bodyPr>
+          <a:lstStyle/>
+          <a:p>
+            <a:pPr marL="0" lvl="1"/>
+            <a:r>
+              <a:rPr lang="de-DE" sz="1200" dirty="0" err="1" smtClean="0"/>
+              <a:t>instantiate</a:t>
+            </a:r>
+            <a:r>
+              <a:rPr lang="de-DE" sz="1200" dirty="0" smtClean="0"/>
+              <a:t>:</a:t>
+            </a:r>
+          </a:p>
+          <a:p>
+            <a:pPr marL="180975" lvl="1" indent="-180975">
+              <a:buFont typeface="Wingdings" panose="05000000000000000000" pitchFamily="2" charset="2"/>
+              <a:buChar char="§"/>
+            </a:pPr>
+            <a:r>
+              <a:rPr lang="de-DE" sz="1200" dirty="0" smtClean="0"/>
+              <a:t>1. </a:t>
+            </a:r>
+            <a:r>
+              <a:rPr lang="de-DE" sz="1200" dirty="0" err="1" smtClean="0"/>
+              <a:t>instantiate</a:t>
+            </a:r>
+            <a:r>
+              <a:rPr lang="de-DE" sz="1200" dirty="0" smtClean="0"/>
+              <a:t> </a:t>
+            </a:r>
+            <a:r>
+              <a:rPr lang="de-DE" sz="1200" dirty="0" err="1" smtClean="0"/>
+              <a:t>config</a:t>
+            </a:r>
+            <a:r>
+              <a:rPr lang="de-DE" sz="1200" dirty="0" smtClean="0"/>
+              <a:t> (</a:t>
+            </a:r>
+            <a:r>
+              <a:rPr lang="de-DE" sz="1200" dirty="0" err="1" smtClean="0"/>
+              <a:t>subject</a:t>
+            </a:r>
+            <a:r>
+              <a:rPr lang="de-DE" sz="1200" dirty="0" smtClean="0"/>
+              <a:t>)</a:t>
+            </a:r>
+          </a:p>
+          <a:p>
+            <a:pPr marL="180975" lvl="1" indent="-180975">
+              <a:buFont typeface="Wingdings" panose="05000000000000000000" pitchFamily="2" charset="2"/>
+              <a:buChar char="§"/>
+            </a:pPr>
+            <a:r>
+              <a:rPr lang="de-DE" sz="1200" dirty="0" smtClean="0"/>
+              <a:t>2. </a:t>
+            </a:r>
+            <a:r>
+              <a:rPr lang="de-DE" sz="1200" dirty="0" err="1" smtClean="0"/>
+              <a:t>instantiate</a:t>
+            </a:r>
+            <a:r>
+              <a:rPr lang="de-DE" sz="1200" dirty="0" smtClean="0"/>
+              <a:t> </a:t>
+            </a:r>
+            <a:r>
+              <a:rPr lang="de-DE" sz="1200" dirty="0" err="1" smtClean="0"/>
+              <a:t>scene</a:t>
+            </a:r>
+            <a:r>
+              <a:rPr lang="de-DE" sz="1200" dirty="0" smtClean="0"/>
+              <a:t> (</a:t>
+            </a:r>
+            <a:r>
+              <a:rPr lang="de-DE" sz="1200" dirty="0" err="1" smtClean="0"/>
+              <a:t>observer</a:t>
+            </a:r>
+            <a:r>
+              <a:rPr lang="de-DE" sz="1200" dirty="0" smtClean="0"/>
+              <a:t>)</a:t>
+            </a:r>
+          </a:p>
+          <a:p>
+            <a:pPr marL="180975" lvl="1" indent="-180975">
+              <a:buFont typeface="Wingdings" panose="05000000000000000000" pitchFamily="2" charset="2"/>
+              <a:buChar char="§"/>
+            </a:pPr>
+            <a:r>
+              <a:rPr lang="de-DE" sz="1200" dirty="0" smtClean="0"/>
+              <a:t>3. </a:t>
+            </a:r>
+            <a:r>
+              <a:rPr lang="de-DE" sz="1200" dirty="0" err="1" smtClean="0"/>
+              <a:t>call</a:t>
+            </a:r>
+            <a:r>
+              <a:rPr lang="de-DE" sz="1200" dirty="0" smtClean="0"/>
+              <a:t> </a:t>
+            </a:r>
+            <a:r>
+              <a:rPr lang="de-DE" sz="1200" dirty="0" err="1" smtClean="0"/>
+              <a:t>config</a:t>
+            </a:r>
+            <a:r>
+              <a:rPr lang="de-DE" sz="1200" dirty="0" smtClean="0"/>
+              <a:t>::</a:t>
+            </a:r>
+            <a:r>
+              <a:rPr lang="de-DE" sz="1200" dirty="0" err="1" smtClean="0"/>
+              <a:t>attachObserver</a:t>
+            </a:r>
+            <a:r>
+              <a:rPr lang="de-DE" sz="1200" dirty="0" smtClean="0"/>
+              <a:t>(</a:t>
+            </a:r>
+            <a:r>
+              <a:rPr lang="de-DE" sz="1200" smtClean="0"/>
+              <a:t>pScene</a:t>
+            </a:r>
+            <a:r>
+              <a:rPr lang="de-DE" sz="1200" dirty="0" smtClean="0"/>
+              <a:t>)</a:t>
+            </a:r>
+          </a:p>
+        </p:txBody>
+      </p:sp>
+    </p:spTree>
+    <p:extLst>
+      <p:ext uri="{BB962C8B-B14F-4D97-AF65-F5344CB8AC3E}">
+        <p14:creationId xmlns:p14="http://schemas.microsoft.com/office/powerpoint/2010/main" val="529647351"/>
+      </p:ext>
+    </p:extLst>
+  </p:cSld>
+  <p:clrMapOvr>
+    <a:masterClrMapping/>
+  </p:clrMapOvr>
+</p:sld>
+</file>
+
+<file path=ppt/slides/slide4.xml><?xml version="1.0" encoding="utf-8"?>
 <p:sld xmlns:a="http://schemas.openxmlformats.org/drawingml/2006/main" xmlns:r="http://schemas.openxmlformats.org/officeDocument/2006/relationships" xmlns:p="http://schemas.openxmlformats.org/presentationml/2006/main">
   <p:cSld>
     <p:spTree>
@@ -9577,7 +11339,7 @@
 </p:sld>
 </file>
 
-<file path=ppt/slides/slide4.xml><?xml version="1.0" encoding="utf-8"?>
+<file path=ppt/slides/slide5.xml><?xml version="1.0" encoding="utf-8"?>
 <p:sld xmlns:a="http://schemas.openxmlformats.org/drawingml/2006/main" xmlns:r="http://schemas.openxmlformats.org/officeDocument/2006/relationships" xmlns:p="http://schemas.openxmlformats.org/presentationml/2006/main">
   <p:cSld>
     <p:spTree>
@@ -10972,7 +12734,7 @@
 </p:sld>
 </file>
 
-<file path=ppt/slides/slide5.xml><?xml version="1.0" encoding="utf-8"?>
+<file path=ppt/slides/slide6.xml><?xml version="1.0" encoding="utf-8"?>
 <p:sld xmlns:a="http://schemas.openxmlformats.org/drawingml/2006/main" xmlns:r="http://schemas.openxmlformats.org/officeDocument/2006/relationships" xmlns:p="http://schemas.openxmlformats.org/presentationml/2006/main">
   <p:cSld>
     <p:spTree>
@@ -13069,7 +14831,7 @@
 </p:sld>
 </file>
 
-<file path=ppt/slides/slide6.xml><?xml version="1.0" encoding="utf-8"?>
+<file path=ppt/slides/slide7.xml><?xml version="1.0" encoding="utf-8"?>
 <p:sld xmlns:a="http://schemas.openxmlformats.org/drawingml/2006/main" xmlns:r="http://schemas.openxmlformats.org/officeDocument/2006/relationships" xmlns:p="http://schemas.openxmlformats.org/presentationml/2006/main">
   <p:cSld>
     <p:spTree>
@@ -15875,7 +17637,7 @@
 </p:sld>
 </file>
 
-<file path=ppt/slides/slide7.xml><?xml version="1.0" encoding="utf-8"?>
+<file path=ppt/slides/slide8.xml><?xml version="1.0" encoding="utf-8"?>
 <p:sld xmlns:a="http://schemas.openxmlformats.org/drawingml/2006/main" xmlns:r="http://schemas.openxmlformats.org/officeDocument/2006/relationships" xmlns:p="http://schemas.openxmlformats.org/presentationml/2006/main">
   <p:cSld>
     <p:spTree>
@@ -17083,7 +18845,7 @@
 </p:sld>
 </file>
 
-<file path=ppt/slides/slide8.xml><?xml version="1.0" encoding="utf-8"?>
+<file path=ppt/slides/slide9.xml><?xml version="1.0" encoding="utf-8"?>
 <p:sld xmlns:a="http://schemas.openxmlformats.org/drawingml/2006/main" xmlns:r="http://schemas.openxmlformats.org/officeDocument/2006/relationships" xmlns:p="http://schemas.openxmlformats.org/presentationml/2006/main">
   <p:cSld>
     <p:spTree>
@@ -18582,990 +20344,6 @@
     <p:extLst>
       <p:ext uri="{BB962C8B-B14F-4D97-AF65-F5344CB8AC3E}">
         <p14:creationId xmlns:p14="http://schemas.microsoft.com/office/powerpoint/2010/main" val="175637426"/>
-      </p:ext>
-    </p:extLst>
-  </p:cSld>
-  <p:clrMapOvr>
-    <a:masterClrMapping/>
-  </p:clrMapOvr>
-  <p:timing>
-    <p:tnLst>
-      <p:par>
-        <p:cTn id="1" dur="indefinite" restart="never" nodeType="tmRoot"/>
-      </p:par>
-    </p:tnLst>
-  </p:timing>
-</p:sld>
-</file>
-
-<file path=ppt/slides/slide9.xml><?xml version="1.0" encoding="utf-8"?>
-<p:sld xmlns:a="http://schemas.openxmlformats.org/drawingml/2006/main" xmlns:r="http://schemas.openxmlformats.org/officeDocument/2006/relationships" xmlns:p="http://schemas.openxmlformats.org/presentationml/2006/main">
-  <p:cSld>
-    <p:spTree>
-      <p:nvGrpSpPr>
-        <p:cNvPr id="1" name=""/>
-        <p:cNvGrpSpPr/>
-        <p:nvPr/>
-      </p:nvGrpSpPr>
-      <p:grpSpPr>
-        <a:xfrm>
-          <a:off x="0" y="0"/>
-          <a:ext cx="0" cy="0"/>
-          <a:chOff x="0" y="0"/>
-          <a:chExt cx="0" cy="0"/>
-        </a:xfrm>
-      </p:grpSpPr>
-      <p:sp>
-        <p:nvSpPr>
-          <p:cNvPr id="2" name="Titel 1"/>
-          <p:cNvSpPr>
-            <a:spLocks noGrp="1"/>
-          </p:cNvSpPr>
-          <p:nvPr>
-            <p:ph type="title"/>
-          </p:nvPr>
-        </p:nvSpPr>
-        <p:spPr/>
-        <p:txBody>
-          <a:bodyPr/>
-          <a:lstStyle/>
-          <a:p>
-            <a:r>
-              <a:rPr lang="de-DE" dirty="0" smtClean="0"/>
-              <a:t>Testscenario</a:t>
-            </a:r>
-            <a:endParaRPr lang="de-DE" dirty="0"/>
-          </a:p>
-        </p:txBody>
-      </p:sp>
-      <p:sp>
-        <p:nvSpPr>
-          <p:cNvPr id="3" name="Inhaltsplatzhalter 2"/>
-          <p:cNvSpPr>
-            <a:spLocks noGrp="1"/>
-          </p:cNvSpPr>
-          <p:nvPr>
-            <p:ph idx="1"/>
-          </p:nvPr>
-        </p:nvSpPr>
-        <p:spPr>
-          <a:xfrm>
-            <a:off x="457200" y="836712"/>
-            <a:ext cx="4258816" cy="5289451"/>
-          </a:xfrm>
-        </p:spPr>
-        <p:txBody>
-          <a:bodyPr/>
-          <a:lstStyle/>
-          <a:p>
-            <a:r>
-              <a:rPr lang="de-DE" dirty="0" err="1" smtClean="0"/>
-              <a:t>Vehicle</a:t>
-            </a:r>
-            <a:r>
-              <a:rPr lang="de-DE" dirty="0" smtClean="0"/>
-              <a:t>::</a:t>
-            </a:r>
-            <a:r>
-              <a:rPr lang="de-DE" dirty="0" err="1" smtClean="0"/>
-              <a:t>IsClose</a:t>
-            </a:r>
-            <a:r>
-              <a:rPr lang="de-DE" dirty="0" smtClean="0"/>
-              <a:t>(</a:t>
-            </a:r>
-            <a:r>
-              <a:rPr lang="de-DE" dirty="0" err="1" smtClean="0"/>
-              <a:t>track</a:t>
-            </a:r>
-            <a:r>
-              <a:rPr lang="de-DE" dirty="0" smtClean="0"/>
-              <a:t>&amp;)</a:t>
-            </a:r>
-            <a:endParaRPr lang="de-DE" dirty="0"/>
-          </a:p>
-          <a:p>
-            <a:pPr marL="542925" lvl="1"/>
-            <a:r>
-              <a:rPr lang="de-DE" dirty="0" err="1" smtClean="0"/>
-              <a:t>dist</a:t>
-            </a:r>
-            <a:r>
-              <a:rPr lang="de-DE" dirty="0" smtClean="0"/>
-              <a:t> = 30</a:t>
-            </a:r>
-          </a:p>
-          <a:p>
-            <a:pPr marL="542925" lvl="1"/>
-            <a:r>
-              <a:rPr lang="de-DE" dirty="0" err="1" smtClean="0"/>
-              <a:t>vehicle</a:t>
-            </a:r>
-            <a:r>
-              <a:rPr lang="de-DE" dirty="0" smtClean="0"/>
-              <a:t>(0, 0, 100, 50)</a:t>
-            </a:r>
-          </a:p>
-          <a:p>
-            <a:pPr marL="542925" lvl="1">
-              <a:tabLst>
-                <a:tab pos="2509838" algn="l"/>
-              </a:tabLst>
-            </a:pPr>
-            <a:r>
-              <a:rPr lang="de-DE" dirty="0" smtClean="0"/>
-              <a:t>track1(120, 0, 100, 20) 	</a:t>
-            </a:r>
-            <a:r>
-              <a:rPr lang="de-DE" dirty="0" smtClean="0">
-                <a:sym typeface="Wingdings" panose="05000000000000000000" pitchFamily="2" charset="2"/>
-              </a:rPr>
-              <a:t> </a:t>
-            </a:r>
-            <a:r>
-              <a:rPr lang="de-DE" dirty="0" err="1" smtClean="0">
-                <a:sym typeface="Wingdings" panose="05000000000000000000" pitchFamily="2" charset="2"/>
-              </a:rPr>
-              <a:t>IsClose</a:t>
-            </a:r>
-            <a:r>
-              <a:rPr lang="de-DE" dirty="0" smtClean="0">
-                <a:sym typeface="Wingdings" panose="05000000000000000000" pitchFamily="2" charset="2"/>
-              </a:rPr>
-              <a:t> == </a:t>
-            </a:r>
-            <a:r>
-              <a:rPr lang="de-DE" dirty="0" err="1" smtClean="0">
-                <a:sym typeface="Wingdings" panose="05000000000000000000" pitchFamily="2" charset="2"/>
-              </a:rPr>
-              <a:t>true</a:t>
-            </a:r>
-            <a:endParaRPr lang="de-DE" dirty="0" smtClean="0"/>
-          </a:p>
-          <a:p>
-            <a:pPr marL="542925" lvl="1">
-              <a:tabLst>
-                <a:tab pos="2509838" algn="l"/>
-              </a:tabLst>
-            </a:pPr>
-            <a:r>
-              <a:rPr lang="de-DE" dirty="0" smtClean="0"/>
-              <a:t>track2(150</a:t>
-            </a:r>
-            <a:r>
-              <a:rPr lang="de-DE" smtClean="0"/>
-              <a:t>, 150</a:t>
-            </a:r>
-            <a:r>
-              <a:rPr lang="de-DE" dirty="0" smtClean="0"/>
-              <a:t>, 100, 100)	</a:t>
-            </a:r>
-            <a:r>
-              <a:rPr lang="de-DE" dirty="0" smtClean="0">
-                <a:sym typeface="Wingdings" panose="05000000000000000000" pitchFamily="2" charset="2"/>
-              </a:rPr>
-              <a:t> </a:t>
-            </a:r>
-            <a:r>
-              <a:rPr lang="de-DE" dirty="0" err="1" smtClean="0">
-                <a:sym typeface="Wingdings" panose="05000000000000000000" pitchFamily="2" charset="2"/>
-              </a:rPr>
-              <a:t>IsClose</a:t>
-            </a:r>
-            <a:r>
-              <a:rPr lang="de-DE" dirty="0" smtClean="0">
-                <a:sym typeface="Wingdings" panose="05000000000000000000" pitchFamily="2" charset="2"/>
-              </a:rPr>
-              <a:t> == </a:t>
-            </a:r>
-            <a:r>
-              <a:rPr lang="de-DE" dirty="0" err="1" smtClean="0">
-                <a:sym typeface="Wingdings" panose="05000000000000000000" pitchFamily="2" charset="2"/>
-              </a:rPr>
-              <a:t>false</a:t>
-            </a:r>
-            <a:endParaRPr lang="de-DE" dirty="0"/>
-          </a:p>
-          <a:p>
-            <a:endParaRPr lang="de-DE" dirty="0"/>
-          </a:p>
-        </p:txBody>
-      </p:sp>
-      <p:sp>
-        <p:nvSpPr>
-          <p:cNvPr id="4" name="Rechteck 3"/>
-          <p:cNvSpPr/>
-          <p:nvPr/>
-        </p:nvSpPr>
-        <p:spPr>
-          <a:xfrm>
-            <a:off x="5271389" y="944724"/>
-            <a:ext cx="877165" cy="540060"/>
-          </a:xfrm>
-          <a:prstGeom prst="rect">
-            <a:avLst/>
-          </a:prstGeom>
-          <a:noFill/>
-          <a:ln w="19050">
-            <a:solidFill>
-              <a:schemeClr val="tx1"/>
-            </a:solidFill>
-          </a:ln>
-        </p:spPr>
-        <p:style>
-          <a:lnRef idx="2">
-            <a:schemeClr val="accent1">
-              <a:shade val="50000"/>
-            </a:schemeClr>
-          </a:lnRef>
-          <a:fillRef idx="1">
-            <a:schemeClr val="accent1"/>
-          </a:fillRef>
-          <a:effectRef idx="0">
-            <a:schemeClr val="accent1"/>
-          </a:effectRef>
-          <a:fontRef idx="minor">
-            <a:schemeClr val="lt1"/>
-          </a:fontRef>
-        </p:style>
-        <p:txBody>
-          <a:bodyPr rtlCol="0" anchor="ctr"/>
-          <a:lstStyle/>
-          <a:p>
-            <a:pPr algn="ctr"/>
-            <a:endParaRPr lang="de-DE"/>
-          </a:p>
-        </p:txBody>
-      </p:sp>
-      <p:sp>
-        <p:nvSpPr>
-          <p:cNvPr id="5" name="Rechteck 4"/>
-          <p:cNvSpPr/>
-          <p:nvPr/>
-        </p:nvSpPr>
-        <p:spPr>
-          <a:xfrm>
-            <a:off x="6804248" y="1916832"/>
-            <a:ext cx="445117" cy="324036"/>
-          </a:xfrm>
-          <a:prstGeom prst="rect">
-            <a:avLst/>
-          </a:prstGeom>
-          <a:noFill/>
-          <a:ln w="19050">
-            <a:solidFill>
-              <a:srgbClr val="FF0000"/>
-            </a:solidFill>
-          </a:ln>
-        </p:spPr>
-        <p:style>
-          <a:lnRef idx="2">
-            <a:schemeClr val="accent1">
-              <a:shade val="50000"/>
-            </a:schemeClr>
-          </a:lnRef>
-          <a:fillRef idx="1">
-            <a:schemeClr val="accent1"/>
-          </a:fillRef>
-          <a:effectRef idx="0">
-            <a:schemeClr val="accent1"/>
-          </a:effectRef>
-          <a:fontRef idx="minor">
-            <a:schemeClr val="lt1"/>
-          </a:fontRef>
-        </p:style>
-        <p:txBody>
-          <a:bodyPr rtlCol="0" anchor="ctr"/>
-          <a:lstStyle/>
-          <a:p>
-            <a:pPr algn="ctr"/>
-            <a:endParaRPr lang="de-DE"/>
-          </a:p>
-        </p:txBody>
-      </p:sp>
-      <p:sp>
-        <p:nvSpPr>
-          <p:cNvPr id="6" name="Rechteck 5"/>
-          <p:cNvSpPr/>
-          <p:nvPr/>
-        </p:nvSpPr>
-        <p:spPr>
-          <a:xfrm>
-            <a:off x="6351509" y="872716"/>
-            <a:ext cx="524747" cy="162018"/>
-          </a:xfrm>
-          <a:prstGeom prst="rect">
-            <a:avLst/>
-          </a:prstGeom>
-          <a:noFill/>
-          <a:ln w="19050">
-            <a:solidFill>
-              <a:srgbClr val="FF0000"/>
-            </a:solidFill>
-          </a:ln>
-        </p:spPr>
-        <p:style>
-          <a:lnRef idx="2">
-            <a:schemeClr val="accent1">
-              <a:shade val="50000"/>
-            </a:schemeClr>
-          </a:lnRef>
-          <a:fillRef idx="1">
-            <a:schemeClr val="accent1"/>
-          </a:fillRef>
-          <a:effectRef idx="0">
-            <a:schemeClr val="accent1"/>
-          </a:effectRef>
-          <a:fontRef idx="minor">
-            <a:schemeClr val="lt1"/>
-          </a:fontRef>
-        </p:style>
-        <p:txBody>
-          <a:bodyPr rtlCol="0" anchor="ctr"/>
-          <a:lstStyle/>
-          <a:p>
-            <a:pPr algn="ctr"/>
-            <a:endParaRPr lang="de-DE"/>
-          </a:p>
-        </p:txBody>
-      </p:sp>
-      <p:sp>
-        <p:nvSpPr>
-          <p:cNvPr id="7" name="Rechteck 6"/>
-          <p:cNvSpPr/>
-          <p:nvPr/>
-        </p:nvSpPr>
-        <p:spPr>
-          <a:xfrm>
-            <a:off x="5271388" y="872716"/>
-            <a:ext cx="1604868" cy="612068"/>
-          </a:xfrm>
-          <a:prstGeom prst="rect">
-            <a:avLst/>
-          </a:prstGeom>
-          <a:noFill/>
-          <a:ln w="19050">
-            <a:solidFill>
-              <a:srgbClr val="00B050"/>
-            </a:solidFill>
-            <a:prstDash val="dash"/>
-          </a:ln>
-        </p:spPr>
-        <p:style>
-          <a:lnRef idx="2">
-            <a:schemeClr val="accent1">
-              <a:shade val="50000"/>
-            </a:schemeClr>
-          </a:lnRef>
-          <a:fillRef idx="1">
-            <a:schemeClr val="accent1"/>
-          </a:fillRef>
-          <a:effectRef idx="0">
-            <a:schemeClr val="accent1"/>
-          </a:effectRef>
-          <a:fontRef idx="minor">
-            <a:schemeClr val="lt1"/>
-          </a:fontRef>
-        </p:style>
-        <p:txBody>
-          <a:bodyPr rtlCol="0" anchor="ctr"/>
-          <a:lstStyle/>
-          <a:p>
-            <a:pPr algn="ctr"/>
-            <a:endParaRPr lang="de-DE"/>
-          </a:p>
-        </p:txBody>
-      </p:sp>
-      <p:sp>
-        <p:nvSpPr>
-          <p:cNvPr id="8" name="Ellipse 7"/>
-          <p:cNvSpPr/>
-          <p:nvPr/>
-        </p:nvSpPr>
-        <p:spPr>
-          <a:xfrm>
-            <a:off x="5693722" y="1187037"/>
-            <a:ext cx="45719" cy="45719"/>
-          </a:xfrm>
-          <a:prstGeom prst="ellipse">
-            <a:avLst/>
-          </a:prstGeom>
-          <a:solidFill>
-            <a:schemeClr val="tx1"/>
-          </a:solidFill>
-          <a:ln w="19050">
-            <a:solidFill>
-              <a:schemeClr val="tx1"/>
-            </a:solidFill>
-          </a:ln>
-        </p:spPr>
-        <p:style>
-          <a:lnRef idx="2">
-            <a:schemeClr val="accent1">
-              <a:shade val="50000"/>
-            </a:schemeClr>
-          </a:lnRef>
-          <a:fillRef idx="1">
-            <a:schemeClr val="accent1"/>
-          </a:fillRef>
-          <a:effectRef idx="0">
-            <a:schemeClr val="accent1"/>
-          </a:effectRef>
-          <a:fontRef idx="minor">
-            <a:schemeClr val="lt1"/>
-          </a:fontRef>
-        </p:style>
-        <p:txBody>
-          <a:bodyPr rtlCol="0" anchor="ctr"/>
-          <a:lstStyle/>
-          <a:p>
-            <a:pPr algn="ctr"/>
-            <a:endParaRPr lang="de-DE" sz="1400"/>
-          </a:p>
-        </p:txBody>
-      </p:sp>
-      <p:cxnSp>
-        <p:nvCxnSpPr>
-          <p:cNvPr id="9" name="Gerade Verbindung mit Pfeil 8"/>
-          <p:cNvCxnSpPr/>
-          <p:nvPr/>
-        </p:nvCxnSpPr>
-        <p:spPr>
-          <a:xfrm flipH="1">
-            <a:off x="5289391" y="1209896"/>
-            <a:ext cx="396044" cy="0"/>
-          </a:xfrm>
-          <a:prstGeom prst="straightConnector1">
-            <a:avLst/>
-          </a:prstGeom>
-          <a:ln w="19050">
-            <a:solidFill>
-              <a:schemeClr val="tx1"/>
-            </a:solidFill>
-            <a:tailEnd type="triangle" w="med" len="lg"/>
-          </a:ln>
-        </p:spPr>
-        <p:style>
-          <a:lnRef idx="1">
-            <a:schemeClr val="accent1"/>
-          </a:lnRef>
-          <a:fillRef idx="0">
-            <a:schemeClr val="accent1"/>
-          </a:fillRef>
-          <a:effectRef idx="0">
-            <a:schemeClr val="accent1"/>
-          </a:effectRef>
-          <a:fontRef idx="minor">
-            <a:schemeClr val="tx1"/>
-          </a:fontRef>
-        </p:style>
-      </p:cxnSp>
-      <p:sp>
-        <p:nvSpPr>
-          <p:cNvPr id="10" name="Ellipse 9"/>
-          <p:cNvSpPr/>
-          <p:nvPr/>
-        </p:nvSpPr>
-        <p:spPr>
-          <a:xfrm>
-            <a:off x="7023626" y="2051133"/>
-            <a:ext cx="45719" cy="45719"/>
-          </a:xfrm>
-          <a:prstGeom prst="ellipse">
-            <a:avLst/>
-          </a:prstGeom>
-          <a:solidFill>
-            <a:schemeClr val="tx1"/>
-          </a:solidFill>
-          <a:ln w="19050">
-            <a:solidFill>
-              <a:srgbClr val="FF0000"/>
-            </a:solidFill>
-          </a:ln>
-        </p:spPr>
-        <p:style>
-          <a:lnRef idx="2">
-            <a:schemeClr val="accent1">
-              <a:shade val="50000"/>
-            </a:schemeClr>
-          </a:lnRef>
-          <a:fillRef idx="1">
-            <a:schemeClr val="accent1"/>
-          </a:fillRef>
-          <a:effectRef idx="0">
-            <a:schemeClr val="accent1"/>
-          </a:effectRef>
-          <a:fontRef idx="minor">
-            <a:schemeClr val="lt1"/>
-          </a:fontRef>
-        </p:style>
-        <p:txBody>
-          <a:bodyPr rtlCol="0" anchor="ctr"/>
-          <a:lstStyle/>
-          <a:p>
-            <a:pPr algn="ctr"/>
-            <a:endParaRPr lang="de-DE" sz="1400"/>
-          </a:p>
-        </p:txBody>
-      </p:sp>
-      <p:cxnSp>
-        <p:nvCxnSpPr>
-          <p:cNvPr id="11" name="Gerade Verbindung mit Pfeil 10"/>
-          <p:cNvCxnSpPr/>
-          <p:nvPr/>
-        </p:nvCxnSpPr>
-        <p:spPr>
-          <a:xfrm flipH="1">
-            <a:off x="6619295" y="2073992"/>
-            <a:ext cx="396044" cy="0"/>
-          </a:xfrm>
-          <a:prstGeom prst="straightConnector1">
-            <a:avLst/>
-          </a:prstGeom>
-          <a:ln w="19050">
-            <a:solidFill>
-              <a:srgbClr val="FF0000"/>
-            </a:solidFill>
-            <a:tailEnd type="triangle" w="med" len="lg"/>
-          </a:ln>
-        </p:spPr>
-        <p:style>
-          <a:lnRef idx="1">
-            <a:schemeClr val="accent1"/>
-          </a:lnRef>
-          <a:fillRef idx="0">
-            <a:schemeClr val="accent1"/>
-          </a:fillRef>
-          <a:effectRef idx="0">
-            <a:schemeClr val="accent1"/>
-          </a:effectRef>
-          <a:fontRef idx="minor">
-            <a:schemeClr val="tx1"/>
-          </a:fontRef>
-        </p:style>
-      </p:cxnSp>
-      <p:sp>
-        <p:nvSpPr>
-          <p:cNvPr id="12" name="Ellipse 11"/>
-          <p:cNvSpPr/>
-          <p:nvPr/>
-        </p:nvSpPr>
-        <p:spPr>
-          <a:xfrm>
-            <a:off x="6611824" y="935009"/>
-            <a:ext cx="45719" cy="45719"/>
-          </a:xfrm>
-          <a:prstGeom prst="ellipse">
-            <a:avLst/>
-          </a:prstGeom>
-          <a:solidFill>
-            <a:schemeClr val="tx1"/>
-          </a:solidFill>
-          <a:ln w="19050">
-            <a:solidFill>
-              <a:srgbClr val="FF0000"/>
-            </a:solidFill>
-          </a:ln>
-        </p:spPr>
-        <p:style>
-          <a:lnRef idx="2">
-            <a:schemeClr val="accent1">
-              <a:shade val="50000"/>
-            </a:schemeClr>
-          </a:lnRef>
-          <a:fillRef idx="1">
-            <a:schemeClr val="accent1"/>
-          </a:fillRef>
-          <a:effectRef idx="0">
-            <a:schemeClr val="accent1"/>
-          </a:effectRef>
-          <a:fontRef idx="minor">
-            <a:schemeClr val="lt1"/>
-          </a:fontRef>
-        </p:style>
-        <p:txBody>
-          <a:bodyPr rtlCol="0" anchor="ctr"/>
-          <a:lstStyle/>
-          <a:p>
-            <a:pPr algn="ctr"/>
-            <a:endParaRPr lang="de-DE" sz="1400"/>
-          </a:p>
-        </p:txBody>
-      </p:sp>
-      <p:cxnSp>
-        <p:nvCxnSpPr>
-          <p:cNvPr id="13" name="Gerade Verbindung mit Pfeil 12"/>
-          <p:cNvCxnSpPr/>
-          <p:nvPr/>
-        </p:nvCxnSpPr>
-        <p:spPr>
-          <a:xfrm flipH="1">
-            <a:off x="6207493" y="957868"/>
-            <a:ext cx="396044" cy="0"/>
-          </a:xfrm>
-          <a:prstGeom prst="straightConnector1">
-            <a:avLst/>
-          </a:prstGeom>
-          <a:ln w="19050">
-            <a:solidFill>
-              <a:srgbClr val="FF0000"/>
-            </a:solidFill>
-            <a:tailEnd type="triangle" w="med" len="lg"/>
-          </a:ln>
-        </p:spPr>
-        <p:style>
-          <a:lnRef idx="1">
-            <a:schemeClr val="accent1"/>
-          </a:lnRef>
-          <a:fillRef idx="0">
-            <a:schemeClr val="accent1"/>
-          </a:fillRef>
-          <a:effectRef idx="0">
-            <a:schemeClr val="accent1"/>
-          </a:effectRef>
-          <a:fontRef idx="minor">
-            <a:schemeClr val="tx1"/>
-          </a:fontRef>
-        </p:style>
-      </p:cxnSp>
-      <p:sp>
-        <p:nvSpPr>
-          <p:cNvPr id="14" name="Textfeld 13"/>
-          <p:cNvSpPr txBox="1"/>
-          <p:nvPr/>
-        </p:nvSpPr>
-        <p:spPr>
-          <a:xfrm>
-            <a:off x="5184068" y="1207785"/>
-            <a:ext cx="1035861" cy="276999"/>
-          </a:xfrm>
-          <a:prstGeom prst="rect">
-            <a:avLst/>
-          </a:prstGeom>
-          <a:noFill/>
-        </p:spPr>
-        <p:txBody>
-          <a:bodyPr wrap="none" rtlCol="0">
-            <a:spAutoFit/>
-          </a:bodyPr>
-          <a:lstStyle/>
-          <a:p>
-            <a:r>
-              <a:rPr lang="de-DE" sz="1200" dirty="0" err="1" smtClean="0">
-                <a:latin typeface="Arial" panose="020B0604020202020204" pitchFamily="34" charset="0"/>
-                <a:cs typeface="Arial" panose="020B0604020202020204" pitchFamily="34" charset="0"/>
-              </a:rPr>
-              <a:t>vehicle.bbox</a:t>
-            </a:r>
-            <a:endParaRPr lang="de-DE" sz="1200" dirty="0">
-              <a:latin typeface="Arial" panose="020B0604020202020204" pitchFamily="34" charset="0"/>
-              <a:cs typeface="Arial" panose="020B0604020202020204" pitchFamily="34" charset="0"/>
-            </a:endParaRPr>
-          </a:p>
-        </p:txBody>
-      </p:sp>
-      <p:sp>
-        <p:nvSpPr>
-          <p:cNvPr id="15" name="Textfeld 14"/>
-          <p:cNvSpPr txBox="1"/>
-          <p:nvPr/>
-        </p:nvSpPr>
-        <p:spPr>
-          <a:xfrm>
-            <a:off x="6372329" y="615794"/>
-            <a:ext cx="603050" cy="276999"/>
-          </a:xfrm>
-          <a:prstGeom prst="rect">
-            <a:avLst/>
-          </a:prstGeom>
-          <a:noFill/>
-        </p:spPr>
-        <p:txBody>
-          <a:bodyPr wrap="none" rtlCol="0">
-            <a:spAutoFit/>
-          </a:bodyPr>
-          <a:lstStyle/>
-          <a:p>
-            <a:r>
-              <a:rPr lang="de-DE" sz="1200" dirty="0" smtClean="0">
-                <a:solidFill>
-                  <a:srgbClr val="FF0000"/>
-                </a:solidFill>
-                <a:latin typeface="Arial" panose="020B0604020202020204" pitchFamily="34" charset="0"/>
-                <a:cs typeface="Arial" panose="020B0604020202020204" pitchFamily="34" charset="0"/>
-              </a:rPr>
-              <a:t>track1</a:t>
-            </a:r>
-            <a:endParaRPr lang="de-DE" sz="1200" dirty="0">
-              <a:solidFill>
-                <a:srgbClr val="FF0000"/>
-              </a:solidFill>
-              <a:latin typeface="Arial" panose="020B0604020202020204" pitchFamily="34" charset="0"/>
-              <a:cs typeface="Arial" panose="020B0604020202020204" pitchFamily="34" charset="0"/>
-            </a:endParaRPr>
-          </a:p>
-        </p:txBody>
-      </p:sp>
-      <p:sp>
-        <p:nvSpPr>
-          <p:cNvPr id="16" name="Textfeld 15"/>
-          <p:cNvSpPr txBox="1"/>
-          <p:nvPr/>
-        </p:nvSpPr>
-        <p:spPr>
-          <a:xfrm>
-            <a:off x="6673854" y="1664804"/>
-            <a:ext cx="603050" cy="276999"/>
-          </a:xfrm>
-          <a:prstGeom prst="rect">
-            <a:avLst/>
-          </a:prstGeom>
-          <a:noFill/>
-        </p:spPr>
-        <p:txBody>
-          <a:bodyPr wrap="none" rtlCol="0">
-            <a:spAutoFit/>
-          </a:bodyPr>
-          <a:lstStyle/>
-          <a:p>
-            <a:r>
-              <a:rPr lang="de-DE" sz="1200" dirty="0" smtClean="0">
-                <a:solidFill>
-                  <a:srgbClr val="FF0000"/>
-                </a:solidFill>
-                <a:latin typeface="Arial" panose="020B0604020202020204" pitchFamily="34" charset="0"/>
-                <a:cs typeface="Arial" panose="020B0604020202020204" pitchFamily="34" charset="0"/>
-              </a:rPr>
-              <a:t>track2</a:t>
-            </a:r>
-            <a:endParaRPr lang="de-DE" sz="1200" dirty="0">
-              <a:solidFill>
-                <a:srgbClr val="FF0000"/>
-              </a:solidFill>
-              <a:latin typeface="Arial" panose="020B0604020202020204" pitchFamily="34" charset="0"/>
-              <a:cs typeface="Arial" panose="020B0604020202020204" pitchFamily="34" charset="0"/>
-            </a:endParaRPr>
-          </a:p>
-        </p:txBody>
-      </p:sp>
-      <p:cxnSp>
-        <p:nvCxnSpPr>
-          <p:cNvPr id="18" name="Gerade Verbindung 17"/>
-          <p:cNvCxnSpPr/>
-          <p:nvPr/>
-        </p:nvCxnSpPr>
-        <p:spPr>
-          <a:xfrm>
-            <a:off x="6148554" y="620688"/>
-            <a:ext cx="0" cy="2021409"/>
-          </a:xfrm>
-          <a:prstGeom prst="line">
-            <a:avLst/>
-          </a:prstGeom>
-          <a:ln w="9525">
-            <a:solidFill>
-              <a:schemeClr val="tx1"/>
-            </a:solidFill>
-            <a:tailEnd type="none" w="med" len="lg"/>
-          </a:ln>
-        </p:spPr>
-        <p:style>
-          <a:lnRef idx="1">
-            <a:schemeClr val="accent1"/>
-          </a:lnRef>
-          <a:fillRef idx="0">
-            <a:schemeClr val="accent1"/>
-          </a:fillRef>
-          <a:effectRef idx="0">
-            <a:schemeClr val="accent1"/>
-          </a:effectRef>
-          <a:fontRef idx="minor">
-            <a:schemeClr val="tx1"/>
-          </a:fontRef>
-        </p:style>
-      </p:cxnSp>
-      <p:cxnSp>
-        <p:nvCxnSpPr>
-          <p:cNvPr id="19" name="Gerade Verbindung 18"/>
-          <p:cNvCxnSpPr>
-            <a:endCxn id="6" idx="1"/>
-          </p:cNvCxnSpPr>
-          <p:nvPr/>
-        </p:nvCxnSpPr>
-        <p:spPr>
-          <a:xfrm>
-            <a:off x="6351509" y="620688"/>
-            <a:ext cx="0" cy="333037"/>
-          </a:xfrm>
-          <a:prstGeom prst="line">
-            <a:avLst/>
-          </a:prstGeom>
-          <a:ln w="9525">
-            <a:solidFill>
-              <a:schemeClr val="tx1"/>
-            </a:solidFill>
-            <a:tailEnd type="none" w="med" len="lg"/>
-          </a:ln>
-        </p:spPr>
-        <p:style>
-          <a:lnRef idx="1">
-            <a:schemeClr val="accent1"/>
-          </a:lnRef>
-          <a:fillRef idx="0">
-            <a:schemeClr val="accent1"/>
-          </a:fillRef>
-          <a:effectRef idx="0">
-            <a:schemeClr val="accent1"/>
-          </a:effectRef>
-          <a:fontRef idx="minor">
-            <a:schemeClr val="tx1"/>
-          </a:fontRef>
-        </p:style>
-      </p:cxnSp>
-      <p:sp>
-        <p:nvSpPr>
-          <p:cNvPr id="20" name="Textfeld 19"/>
-          <p:cNvSpPr txBox="1"/>
-          <p:nvPr/>
-        </p:nvSpPr>
-        <p:spPr>
-          <a:xfrm>
-            <a:off x="5839055" y="413888"/>
-            <a:ext cx="761747" cy="276999"/>
-          </a:xfrm>
-          <a:prstGeom prst="rect">
-            <a:avLst/>
-          </a:prstGeom>
-          <a:noFill/>
-        </p:spPr>
-        <p:txBody>
-          <a:bodyPr wrap="none" rtlCol="0">
-            <a:spAutoFit/>
-          </a:bodyPr>
-          <a:lstStyle/>
-          <a:p>
-            <a:r>
-              <a:rPr lang="de-DE" sz="1200" dirty="0" smtClean="0">
-                <a:solidFill>
-                  <a:srgbClr val="00B050"/>
-                </a:solidFill>
-                <a:latin typeface="Arial" panose="020B0604020202020204" pitchFamily="34" charset="0"/>
-                <a:cs typeface="Arial" panose="020B0604020202020204" pitchFamily="34" charset="0"/>
-              </a:rPr>
-              <a:t>dx &lt; </a:t>
-            </a:r>
-            <a:r>
-              <a:rPr lang="de-DE" sz="1200" dirty="0" err="1" smtClean="0">
-                <a:solidFill>
-                  <a:srgbClr val="00B050"/>
-                </a:solidFill>
-                <a:latin typeface="Arial" panose="020B0604020202020204" pitchFamily="34" charset="0"/>
-                <a:cs typeface="Arial" panose="020B0604020202020204" pitchFamily="34" charset="0"/>
-              </a:rPr>
-              <a:t>dist</a:t>
-            </a:r>
-            <a:endParaRPr lang="de-DE" sz="1200" dirty="0">
-              <a:solidFill>
-                <a:srgbClr val="00B050"/>
-              </a:solidFill>
-              <a:latin typeface="Arial" panose="020B0604020202020204" pitchFamily="34" charset="0"/>
-              <a:cs typeface="Arial" panose="020B0604020202020204" pitchFamily="34" charset="0"/>
-            </a:endParaRPr>
-          </a:p>
-        </p:txBody>
-      </p:sp>
-      <p:sp>
-        <p:nvSpPr>
-          <p:cNvPr id="25" name="Textfeld 24"/>
-          <p:cNvSpPr txBox="1"/>
-          <p:nvPr/>
-        </p:nvSpPr>
-        <p:spPr>
-          <a:xfrm>
-            <a:off x="6084168" y="2365098"/>
-            <a:ext cx="761747" cy="276999"/>
-          </a:xfrm>
-          <a:prstGeom prst="rect">
-            <a:avLst/>
-          </a:prstGeom>
-          <a:noFill/>
-        </p:spPr>
-        <p:txBody>
-          <a:bodyPr wrap="none" rtlCol="0">
-            <a:spAutoFit/>
-          </a:bodyPr>
-          <a:lstStyle/>
-          <a:p>
-            <a:r>
-              <a:rPr lang="de-DE" sz="1200" dirty="0" smtClean="0">
-                <a:solidFill>
-                  <a:srgbClr val="00B050"/>
-                </a:solidFill>
-                <a:latin typeface="Arial" panose="020B0604020202020204" pitchFamily="34" charset="0"/>
-                <a:cs typeface="Arial" panose="020B0604020202020204" pitchFamily="34" charset="0"/>
-              </a:rPr>
-              <a:t>dx &gt; </a:t>
-            </a:r>
-            <a:r>
-              <a:rPr lang="de-DE" sz="1200" dirty="0" err="1" smtClean="0">
-                <a:solidFill>
-                  <a:srgbClr val="00B050"/>
-                </a:solidFill>
-                <a:latin typeface="Arial" panose="020B0604020202020204" pitchFamily="34" charset="0"/>
-                <a:cs typeface="Arial" panose="020B0604020202020204" pitchFamily="34" charset="0"/>
-              </a:rPr>
-              <a:t>dist</a:t>
-            </a:r>
-            <a:endParaRPr lang="de-DE" sz="1200" dirty="0">
-              <a:solidFill>
-                <a:srgbClr val="00B050"/>
-              </a:solidFill>
-              <a:latin typeface="Arial" panose="020B0604020202020204" pitchFamily="34" charset="0"/>
-              <a:cs typeface="Arial" panose="020B0604020202020204" pitchFamily="34" charset="0"/>
-            </a:endParaRPr>
-          </a:p>
-        </p:txBody>
-      </p:sp>
-      <p:cxnSp>
-        <p:nvCxnSpPr>
-          <p:cNvPr id="26" name="Gerade Verbindung 25"/>
-          <p:cNvCxnSpPr/>
-          <p:nvPr/>
-        </p:nvCxnSpPr>
-        <p:spPr>
-          <a:xfrm flipH="1">
-            <a:off x="6817317" y="1916832"/>
-            <a:ext cx="1" cy="725265"/>
-          </a:xfrm>
-          <a:prstGeom prst="line">
-            <a:avLst/>
-          </a:prstGeom>
-          <a:ln w="9525">
-            <a:solidFill>
-              <a:schemeClr val="tx1"/>
-            </a:solidFill>
-            <a:tailEnd type="none" w="med" len="lg"/>
-          </a:ln>
-        </p:spPr>
-        <p:style>
-          <a:lnRef idx="1">
-            <a:schemeClr val="accent1"/>
-          </a:lnRef>
-          <a:fillRef idx="0">
-            <a:schemeClr val="accent1"/>
-          </a:fillRef>
-          <a:effectRef idx="0">
-            <a:schemeClr val="accent1"/>
-          </a:effectRef>
-          <a:fontRef idx="minor">
-            <a:schemeClr val="tx1"/>
-          </a:fontRef>
-        </p:style>
-      </p:cxnSp>
-    </p:spTree>
-    <p:extLst>
-      <p:ext uri="{BB962C8B-B14F-4D97-AF65-F5344CB8AC3E}">
-        <p14:creationId xmlns:p14="http://schemas.microsoft.com/office/powerpoint/2010/main" val="2266895831"/>
       </p:ext>
     </p:extLst>
   </p:cSld>

--- a/MotionDetection+ObjectTrackingV4.pptx
+++ b/MotionDetection+ObjectTrackingV4.pptx
@@ -304,7 +304,7 @@
           <a:p>
             <a:fld id="{7F847C87-CECF-4A9A-88F5-87615B577ED8}" type="datetimeFigureOut">
               <a:rPr lang="de-DE" smtClean="0"/>
-              <a:t>26.12.2017</a:t>
+              <a:t>30.12.2017</a:t>
             </a:fld>
             <a:endParaRPr lang="de-DE"/>
           </a:p>
@@ -474,7 +474,7 @@
           <a:p>
             <a:fld id="{7F847C87-CECF-4A9A-88F5-87615B577ED8}" type="datetimeFigureOut">
               <a:rPr lang="de-DE" smtClean="0"/>
-              <a:t>26.12.2017</a:t>
+              <a:t>30.12.2017</a:t>
             </a:fld>
             <a:endParaRPr lang="de-DE"/>
           </a:p>
@@ -654,7 +654,7 @@
           <a:p>
             <a:fld id="{7F847C87-CECF-4A9A-88F5-87615B577ED8}" type="datetimeFigureOut">
               <a:rPr lang="de-DE" smtClean="0"/>
-              <a:t>26.12.2017</a:t>
+              <a:t>30.12.2017</a:t>
             </a:fld>
             <a:endParaRPr lang="de-DE"/>
           </a:p>
@@ -881,7 +881,7 @@
           <a:p>
             <a:fld id="{7F847C87-CECF-4A9A-88F5-87615B577ED8}" type="datetimeFigureOut">
               <a:rPr lang="de-DE" smtClean="0"/>
-              <a:t>26.12.2017</a:t>
+              <a:t>30.12.2017</a:t>
             </a:fld>
             <a:endParaRPr lang="de-DE"/>
           </a:p>
@@ -1134,7 +1134,7 @@
           <a:p>
             <a:fld id="{7F847C87-CECF-4A9A-88F5-87615B577ED8}" type="datetimeFigureOut">
               <a:rPr lang="de-DE" smtClean="0"/>
-              <a:t>26.12.2017</a:t>
+              <a:t>30.12.2017</a:t>
             </a:fld>
             <a:endParaRPr lang="de-DE"/>
           </a:p>
@@ -1422,7 +1422,7 @@
           <a:p>
             <a:fld id="{7F847C87-CECF-4A9A-88F5-87615B577ED8}" type="datetimeFigureOut">
               <a:rPr lang="de-DE" smtClean="0"/>
-              <a:t>26.12.2017</a:t>
+              <a:t>30.12.2017</a:t>
             </a:fld>
             <a:endParaRPr lang="de-DE"/>
           </a:p>
@@ -1844,7 +1844,7 @@
           <a:p>
             <a:fld id="{7F847C87-CECF-4A9A-88F5-87615B577ED8}" type="datetimeFigureOut">
               <a:rPr lang="de-DE" smtClean="0"/>
-              <a:t>26.12.2017</a:t>
+              <a:t>30.12.2017</a:t>
             </a:fld>
             <a:endParaRPr lang="de-DE"/>
           </a:p>
@@ -1962,7 +1962,7 @@
           <a:p>
             <a:fld id="{7F847C87-CECF-4A9A-88F5-87615B577ED8}" type="datetimeFigureOut">
               <a:rPr lang="de-DE" smtClean="0"/>
-              <a:t>26.12.2017</a:t>
+              <a:t>30.12.2017</a:t>
             </a:fld>
             <a:endParaRPr lang="de-DE"/>
           </a:p>
@@ -2057,7 +2057,7 @@
           <a:p>
             <a:fld id="{7F847C87-CECF-4A9A-88F5-87615B577ED8}" type="datetimeFigureOut">
               <a:rPr lang="de-DE" smtClean="0"/>
-              <a:t>26.12.2017</a:t>
+              <a:t>30.12.2017</a:t>
             </a:fld>
             <a:endParaRPr lang="de-DE"/>
           </a:p>
@@ -2334,7 +2334,7 @@
           <a:p>
             <a:fld id="{7F847C87-CECF-4A9A-88F5-87615B577ED8}" type="datetimeFigureOut">
               <a:rPr lang="de-DE" smtClean="0"/>
-              <a:t>26.12.2017</a:t>
+              <a:t>30.12.2017</a:t>
             </a:fld>
             <a:endParaRPr lang="de-DE"/>
           </a:p>
@@ -2587,7 +2587,7 @@
           <a:p>
             <a:fld id="{7F847C87-CECF-4A9A-88F5-87615B577ED8}" type="datetimeFigureOut">
               <a:rPr lang="de-DE" smtClean="0"/>
-              <a:t>26.12.2017</a:t>
+              <a:t>30.12.2017</a:t>
             </a:fld>
             <a:endParaRPr lang="de-DE"/>
           </a:p>
@@ -2785,7 +2785,7 @@
           <a:p>
             <a:fld id="{7F847C87-CECF-4A9A-88F5-87615B577ED8}" type="datetimeFigureOut">
               <a:rPr lang="de-DE" smtClean="0"/>
-              <a:t>26.12.2017</a:t>
+              <a:t>30.12.2017</a:t>
             </a:fld>
             <a:endParaRPr lang="de-DE"/>
           </a:p>
@@ -10670,12 +10670,16 @@
           <a:p>
             <a:pPr marL="0" lvl="1"/>
             <a:r>
-              <a:rPr lang="de-DE" sz="1000" b="1" dirty="0">
-                <a:latin typeface="Arial" panose="020B0604020202020204" pitchFamily="34" charset="0"/>
-                <a:cs typeface="Arial" panose="020B0604020202020204" pitchFamily="34" charset="0"/>
-              </a:rPr>
-              <a:t>Scene</a:t>
-            </a:r>
+              <a:rPr lang="de-DE" sz="1000" b="1" dirty="0" err="1" smtClean="0">
+                <a:latin typeface="Arial" panose="020B0604020202020204" pitchFamily="34" charset="0"/>
+                <a:cs typeface="Arial" panose="020B0604020202020204" pitchFamily="34" charset="0"/>
+              </a:rPr>
+              <a:t>SceneTracker</a:t>
+            </a:r>
+            <a:endParaRPr lang="de-DE" sz="1000" b="1" dirty="0">
+              <a:latin typeface="Arial" panose="020B0604020202020204" pitchFamily="34" charset="0"/>
+              <a:cs typeface="Arial" panose="020B0604020202020204" pitchFamily="34" charset="0"/>
+            </a:endParaRPr>
           </a:p>
           <a:p>
             <a:pPr marL="171450" lvl="1" indent="-171450">
@@ -11153,7 +11157,7 @@
                 <a:latin typeface="Arial" panose="020B0604020202020204" pitchFamily="34" charset="0"/>
                 <a:cs typeface="Arial" panose="020B0604020202020204" pitchFamily="34" charset="0"/>
               </a:rPr>
-              <a:t>FrameHandling</a:t>
+              <a:t>FrameHandler</a:t>
             </a:r>
             <a:endParaRPr lang="de-DE" sz="1000" b="1" dirty="0">
               <a:latin typeface="Arial" panose="020B0604020202020204" pitchFamily="34" charset="0"/>
@@ -12026,11 +12030,11 @@
           <a:p>
             <a:pPr marL="0" lvl="1"/>
             <a:r>
-              <a:rPr lang="de-DE" sz="1000" b="1" dirty="0" err="1" smtClean="0">
-                <a:latin typeface="Arial" panose="020B0604020202020204" pitchFamily="34" charset="0"/>
-                <a:cs typeface="Arial" panose="020B0604020202020204" pitchFamily="34" charset="0"/>
-              </a:rPr>
-              <a:t>Persistence</a:t>
+              <a:rPr lang="de-DE" sz="1000" b="1" smtClean="0">
+                <a:latin typeface="Arial" panose="020B0604020202020204" pitchFamily="34" charset="0"/>
+                <a:cs typeface="Arial" panose="020B0604020202020204" pitchFamily="34" charset="0"/>
+              </a:rPr>
+              <a:t>CountRecorder</a:t>
             </a:r>
             <a:endParaRPr lang="de-DE" sz="1000" b="1" dirty="0">
               <a:latin typeface="Arial" panose="020B0604020202020204" pitchFamily="34" charset="0"/>
@@ -12352,222 +12356,6 @@
           </a:fontRef>
         </p:style>
       </p:cxnSp>
-      <p:sp>
-        <p:nvSpPr>
-          <p:cNvPr id="3" name="Rechteckige Legende 2"/>
-          <p:cNvSpPr/>
-          <p:nvPr/>
-        </p:nvSpPr>
-        <p:spPr>
-          <a:xfrm>
-            <a:off x="7479787" y="2362813"/>
-            <a:ext cx="1124661" cy="517423"/>
-          </a:xfrm>
-          <a:prstGeom prst="wedgeRectCallout">
-            <a:avLst/>
-          </a:prstGeom>
-          <a:solidFill>
-            <a:srgbClr val="FFFF00"/>
-          </a:solidFill>
-          <a:ln w="19050">
-            <a:solidFill>
-              <a:schemeClr val="tx1"/>
-            </a:solidFill>
-          </a:ln>
-        </p:spPr>
-        <p:style>
-          <a:lnRef idx="2">
-            <a:schemeClr val="accent1">
-              <a:shade val="50000"/>
-            </a:schemeClr>
-          </a:lnRef>
-          <a:fillRef idx="1">
-            <a:schemeClr val="accent1"/>
-          </a:fillRef>
-          <a:effectRef idx="0">
-            <a:schemeClr val="accent1"/>
-          </a:effectRef>
-          <a:fontRef idx="minor">
-            <a:schemeClr val="lt1"/>
-          </a:fontRef>
-        </p:style>
-        <p:txBody>
-          <a:bodyPr rtlCol="0" anchor="ctr"/>
-          <a:lstStyle/>
-          <a:p>
-            <a:pPr algn="ctr"/>
-            <a:r>
-              <a:rPr lang="de-DE" sz="1000" dirty="0" err="1" smtClean="0">
-                <a:solidFill>
-                  <a:srgbClr val="FF0000"/>
-                </a:solidFill>
-              </a:rPr>
-              <a:t>possibly</a:t>
-            </a:r>
-            <a:r>
-              <a:rPr lang="de-DE" sz="1000" dirty="0" smtClean="0">
-                <a:solidFill>
-                  <a:srgbClr val="FF0000"/>
-                </a:solidFill>
-              </a:rPr>
-              <a:t> </a:t>
-            </a:r>
-            <a:r>
-              <a:rPr lang="de-DE" sz="1000" dirty="0" err="1" smtClean="0">
-                <a:solidFill>
-                  <a:srgbClr val="FF0000"/>
-                </a:solidFill>
-              </a:rPr>
-              <a:t>rename</a:t>
-            </a:r>
-            <a:r>
-              <a:rPr lang="de-DE" sz="1000" dirty="0" smtClean="0">
-                <a:solidFill>
-                  <a:srgbClr val="FF0000"/>
-                </a:solidFill>
-              </a:rPr>
-              <a:t> </a:t>
-            </a:r>
-            <a:r>
-              <a:rPr lang="de-DE" sz="1000" dirty="0" err="1" smtClean="0">
-                <a:solidFill>
-                  <a:srgbClr val="FF0000"/>
-                </a:solidFill>
-              </a:rPr>
-              <a:t>into</a:t>
-            </a:r>
-            <a:r>
-              <a:rPr lang="de-DE" sz="1000" dirty="0" smtClean="0">
-                <a:solidFill>
-                  <a:srgbClr val="FF0000"/>
-                </a:solidFill>
-              </a:rPr>
-              <a:t> "</a:t>
-            </a:r>
-            <a:r>
-              <a:rPr lang="de-DE" sz="1000" dirty="0" err="1" smtClean="0">
-                <a:solidFill>
-                  <a:srgbClr val="FF0000"/>
-                </a:solidFill>
-              </a:rPr>
-              <a:t>Tracker</a:t>
-            </a:r>
-            <a:r>
-              <a:rPr lang="de-DE" sz="1000" dirty="0">
-                <a:solidFill>
-                  <a:srgbClr val="FF0000"/>
-                </a:solidFill>
-              </a:rPr>
-              <a:t>"</a:t>
-            </a:r>
-            <a:endParaRPr lang="de-DE" sz="1000" dirty="0">
-              <a:solidFill>
-                <a:srgbClr val="FF0000"/>
-              </a:solidFill>
-            </a:endParaRPr>
-          </a:p>
-        </p:txBody>
-      </p:sp>
-      <p:sp>
-        <p:nvSpPr>
-          <p:cNvPr id="31" name="Rechteckige Legende 30"/>
-          <p:cNvSpPr/>
-          <p:nvPr/>
-        </p:nvSpPr>
-        <p:spPr>
-          <a:xfrm>
-            <a:off x="3314573" y="2191052"/>
-            <a:ext cx="1124661" cy="517423"/>
-          </a:xfrm>
-          <a:prstGeom prst="wedgeRectCallout">
-            <a:avLst/>
-          </a:prstGeom>
-          <a:solidFill>
-            <a:srgbClr val="FFFF00"/>
-          </a:solidFill>
-          <a:ln w="19050">
-            <a:solidFill>
-              <a:schemeClr val="tx1"/>
-            </a:solidFill>
-          </a:ln>
-        </p:spPr>
-        <p:style>
-          <a:lnRef idx="2">
-            <a:schemeClr val="accent1">
-              <a:shade val="50000"/>
-            </a:schemeClr>
-          </a:lnRef>
-          <a:fillRef idx="1">
-            <a:schemeClr val="accent1"/>
-          </a:fillRef>
-          <a:effectRef idx="0">
-            <a:schemeClr val="accent1"/>
-          </a:effectRef>
-          <a:fontRef idx="minor">
-            <a:schemeClr val="lt1"/>
-          </a:fontRef>
-        </p:style>
-        <p:txBody>
-          <a:bodyPr rtlCol="0" anchor="ctr"/>
-          <a:lstStyle/>
-          <a:p>
-            <a:pPr algn="ctr"/>
-            <a:r>
-              <a:rPr lang="de-DE" sz="1000" dirty="0" err="1" smtClean="0">
-                <a:solidFill>
-                  <a:srgbClr val="FF0000"/>
-                </a:solidFill>
-              </a:rPr>
-              <a:t>rename</a:t>
-            </a:r>
-            <a:r>
-              <a:rPr lang="de-DE" sz="1000" dirty="0" smtClean="0">
-                <a:solidFill>
-                  <a:srgbClr val="FF0000"/>
-                </a:solidFill>
-              </a:rPr>
-              <a:t> </a:t>
-            </a:r>
-            <a:r>
-              <a:rPr lang="de-DE" sz="1000" dirty="0" err="1" smtClean="0">
-                <a:solidFill>
-                  <a:srgbClr val="FF0000"/>
-                </a:solidFill>
-              </a:rPr>
-              <a:t>into</a:t>
-            </a:r>
-            <a:r>
-              <a:rPr lang="de-DE" sz="1000" dirty="0" smtClean="0">
-                <a:solidFill>
-                  <a:srgbClr val="FF0000"/>
-                </a:solidFill>
-              </a:rPr>
-              <a:t> "</a:t>
-            </a:r>
-            <a:r>
-              <a:rPr lang="de-DE" sz="1000" dirty="0" err="1" smtClean="0">
-                <a:solidFill>
-                  <a:srgbClr val="FF0000"/>
-                </a:solidFill>
-              </a:rPr>
-              <a:t>FrameHandler</a:t>
-            </a:r>
-            <a:r>
-              <a:rPr lang="de-DE" sz="1000" smtClean="0">
-                <a:solidFill>
-                  <a:srgbClr val="FF0000"/>
-                </a:solidFill>
-              </a:rPr>
-              <a:t>"</a:t>
-            </a:r>
-            <a:endParaRPr lang="de-DE" sz="1000" dirty="0">
-              <a:solidFill>
-                <a:srgbClr val="FF0000"/>
-              </a:solidFill>
-            </a:endParaRPr>
-          </a:p>
-        </p:txBody>
-      </p:sp>
     </p:spTree>
     <p:extLst>
       <p:ext uri="{BB962C8B-B14F-4D97-AF65-F5344CB8AC3E}">

--- a/MotionDetection+ObjectTrackingV4.pptx
+++ b/MotionDetection+ObjectTrackingV4.pptx
@@ -304,7 +304,7 @@
           <a:p>
             <a:fld id="{7F847C87-CECF-4A9A-88F5-87615B577ED8}" type="datetimeFigureOut">
               <a:rPr lang="de-DE" smtClean="0"/>
-              <a:t>30.12.2017</a:t>
+              <a:t>14.01.2018</a:t>
             </a:fld>
             <a:endParaRPr lang="de-DE"/>
           </a:p>
@@ -474,7 +474,7 @@
           <a:p>
             <a:fld id="{7F847C87-CECF-4A9A-88F5-87615B577ED8}" type="datetimeFigureOut">
               <a:rPr lang="de-DE" smtClean="0"/>
-              <a:t>30.12.2017</a:t>
+              <a:t>14.01.2018</a:t>
             </a:fld>
             <a:endParaRPr lang="de-DE"/>
           </a:p>
@@ -654,7 +654,7 @@
           <a:p>
             <a:fld id="{7F847C87-CECF-4A9A-88F5-87615B577ED8}" type="datetimeFigureOut">
               <a:rPr lang="de-DE" smtClean="0"/>
-              <a:t>30.12.2017</a:t>
+              <a:t>14.01.2018</a:t>
             </a:fld>
             <a:endParaRPr lang="de-DE"/>
           </a:p>
@@ -881,7 +881,7 @@
           <a:p>
             <a:fld id="{7F847C87-CECF-4A9A-88F5-87615B577ED8}" type="datetimeFigureOut">
               <a:rPr lang="de-DE" smtClean="0"/>
-              <a:t>30.12.2017</a:t>
+              <a:t>14.01.2018</a:t>
             </a:fld>
             <a:endParaRPr lang="de-DE"/>
           </a:p>
@@ -1134,7 +1134,7 @@
           <a:p>
             <a:fld id="{7F847C87-CECF-4A9A-88F5-87615B577ED8}" type="datetimeFigureOut">
               <a:rPr lang="de-DE" smtClean="0"/>
-              <a:t>30.12.2017</a:t>
+              <a:t>14.01.2018</a:t>
             </a:fld>
             <a:endParaRPr lang="de-DE"/>
           </a:p>
@@ -1422,7 +1422,7 @@
           <a:p>
             <a:fld id="{7F847C87-CECF-4A9A-88F5-87615B577ED8}" type="datetimeFigureOut">
               <a:rPr lang="de-DE" smtClean="0"/>
-              <a:t>30.12.2017</a:t>
+              <a:t>14.01.2018</a:t>
             </a:fld>
             <a:endParaRPr lang="de-DE"/>
           </a:p>
@@ -1844,7 +1844,7 @@
           <a:p>
             <a:fld id="{7F847C87-CECF-4A9A-88F5-87615B577ED8}" type="datetimeFigureOut">
               <a:rPr lang="de-DE" smtClean="0"/>
-              <a:t>30.12.2017</a:t>
+              <a:t>14.01.2018</a:t>
             </a:fld>
             <a:endParaRPr lang="de-DE"/>
           </a:p>
@@ -1962,7 +1962,7 @@
           <a:p>
             <a:fld id="{7F847C87-CECF-4A9A-88F5-87615B577ED8}" type="datetimeFigureOut">
               <a:rPr lang="de-DE" smtClean="0"/>
-              <a:t>30.12.2017</a:t>
+              <a:t>14.01.2018</a:t>
             </a:fld>
             <a:endParaRPr lang="de-DE"/>
           </a:p>
@@ -2057,7 +2057,7 @@
           <a:p>
             <a:fld id="{7F847C87-CECF-4A9A-88F5-87615B577ED8}" type="datetimeFigureOut">
               <a:rPr lang="de-DE" smtClean="0"/>
-              <a:t>30.12.2017</a:t>
+              <a:t>14.01.2018</a:t>
             </a:fld>
             <a:endParaRPr lang="de-DE"/>
           </a:p>
@@ -2334,7 +2334,7 @@
           <a:p>
             <a:fld id="{7F847C87-CECF-4A9A-88F5-87615B577ED8}" type="datetimeFigureOut">
               <a:rPr lang="de-DE" smtClean="0"/>
-              <a:t>30.12.2017</a:t>
+              <a:t>14.01.2018</a:t>
             </a:fld>
             <a:endParaRPr lang="de-DE"/>
           </a:p>
@@ -2587,7 +2587,7 @@
           <a:p>
             <a:fld id="{7F847C87-CECF-4A9A-88F5-87615B577ED8}" type="datetimeFigureOut">
               <a:rPr lang="de-DE" smtClean="0"/>
-              <a:t>30.12.2017</a:t>
+              <a:t>14.01.2018</a:t>
             </a:fld>
             <a:endParaRPr lang="de-DE"/>
           </a:p>
@@ -2785,7 +2785,7 @@
           <a:p>
             <a:fld id="{7F847C87-CECF-4A9A-88F5-87615B577ED8}" type="datetimeFigureOut">
               <a:rPr lang="de-DE" smtClean="0"/>
-              <a:t>30.12.2017</a:t>
+              <a:t>14.01.2018</a:t>
             </a:fld>
             <a:endParaRPr lang="de-DE"/>
           </a:p>
@@ -2927,8 +2927,8 @@
         <a:spcBef>
           <a:spcPts val="300"/>
         </a:spcBef>
-        <a:buFont typeface="Wingdings" panose="05000000000000000000" pitchFamily="2" charset="2"/>
-        <a:buChar char="§"/>
+        <a:buFont typeface="Calibri" panose="020F0502020204030204" pitchFamily="34" charset="0"/>
+        <a:buChar char="-"/>
         <a:defRPr lang="de-DE" sz="1000" kern="1200" baseline="0" dirty="0" smtClean="0">
           <a:solidFill>
             <a:schemeClr val="tx1"/>
@@ -12356,6 +12356,93 @@
           </a:fontRef>
         </p:style>
       </p:cxnSp>
+      <p:pic>
+        <p:nvPicPr>
+          <p:cNvPr id="31" name="Picture 2" descr="https://upload.wikimedia.org/wikipedia/commons/0/01/W3sDesign_Observer_Design_Pattern_UML.jpg"/>
+          <p:cNvPicPr>
+            <a:picLocks noChangeAspect="1" noChangeArrowheads="1"/>
+          </p:cNvPicPr>
+          <p:nvPr/>
+        </p:nvPicPr>
+        <p:blipFill>
+          <a:blip r:embed="rId2">
+            <a:extLst>
+              <a:ext uri="{28A0092B-C50C-407E-A947-70E740481C1C}">
+                <a14:useLocalDpi xmlns:a14="http://schemas.microsoft.com/office/drawing/2010/main" val="0"/>
+              </a:ext>
+            </a:extLst>
+          </a:blip>
+          <a:srcRect/>
+          <a:stretch>
+            <a:fillRect/>
+          </a:stretch>
+        </p:blipFill>
+        <p:spPr bwMode="auto">
+          <a:xfrm>
+            <a:off x="433041" y="5085184"/>
+            <a:ext cx="3888432" cy="1555373"/>
+          </a:xfrm>
+          <a:prstGeom prst="rect">
+            <a:avLst/>
+          </a:prstGeom>
+          <a:noFill/>
+          <a:extLst>
+            <a:ext uri="{909E8E84-426E-40DD-AFC4-6F175D3DCCD1}">
+              <a14:hiddenFill xmlns:a14="http://schemas.microsoft.com/office/drawing/2010/main">
+                <a:solidFill>
+                  <a:srgbClr val="FFFFFF"/>
+                </a:solidFill>
+              </a14:hiddenFill>
+            </a:ext>
+          </a:extLst>
+        </p:spPr>
+      </p:pic>
+      <p:sp>
+        <p:nvSpPr>
+          <p:cNvPr id="3" name="Rechteck 2"/>
+          <p:cNvSpPr/>
+          <p:nvPr/>
+        </p:nvSpPr>
+        <p:spPr>
+          <a:xfrm>
+            <a:off x="397228" y="4982979"/>
+            <a:ext cx="1176925" cy="246221"/>
+          </a:xfrm>
+          <a:prstGeom prst="rect">
+            <a:avLst/>
+          </a:prstGeom>
+        </p:spPr>
+        <p:txBody>
+          <a:bodyPr wrap="none">
+            <a:spAutoFit/>
+          </a:bodyPr>
+          <a:lstStyle/>
+          <a:p>
+            <a:r>
+              <a:rPr lang="de-DE" sz="1000" dirty="0">
+                <a:latin typeface="Arial" panose="020B0604020202020204" pitchFamily="34" charset="0"/>
+                <a:cs typeface="Arial" panose="020B0604020202020204" pitchFamily="34" charset="0"/>
+              </a:rPr>
+              <a:t>Observer </a:t>
+            </a:r>
+            <a:r>
+              <a:rPr lang="de-DE" sz="1000" dirty="0" err="1">
+                <a:latin typeface="Arial" panose="020B0604020202020204" pitchFamily="34" charset="0"/>
+                <a:cs typeface="Arial" panose="020B0604020202020204" pitchFamily="34" charset="0"/>
+              </a:rPr>
+              <a:t>pattern</a:t>
+            </a:r>
+            <a:r>
+              <a:rPr lang="de-DE" sz="1000" dirty="0">
+                <a:latin typeface="Arial" panose="020B0604020202020204" pitchFamily="34" charset="0"/>
+                <a:cs typeface="Arial" panose="020B0604020202020204" pitchFamily="34" charset="0"/>
+              </a:rPr>
+              <a:t> </a:t>
+            </a:r>
+            <a:endParaRPr lang="de-DE" sz="1000" dirty="0"/>
+          </a:p>
+        </p:txBody>
+      </p:sp>
     </p:spTree>
     <p:extLst>
       <p:ext uri="{BB962C8B-B14F-4D97-AF65-F5344CB8AC3E}">
@@ -12418,47 +12505,6 @@
           </a:p>
         </p:txBody>
       </p:sp>
-      <p:pic>
-        <p:nvPicPr>
-          <p:cNvPr id="1026" name="Picture 2" descr="https://upload.wikimedia.org/wikipedia/commons/0/01/W3sDesign_Observer_Design_Pattern_UML.jpg"/>
-          <p:cNvPicPr>
-            <a:picLocks noChangeAspect="1" noChangeArrowheads="1"/>
-          </p:cNvPicPr>
-          <p:nvPr/>
-        </p:nvPicPr>
-        <p:blipFill>
-          <a:blip r:embed="rId2">
-            <a:extLst>
-              <a:ext uri="{28A0092B-C50C-407E-A947-70E740481C1C}">
-                <a14:useLocalDpi xmlns:a14="http://schemas.microsoft.com/office/drawing/2010/main" val="0"/>
-              </a:ext>
-            </a:extLst>
-          </a:blip>
-          <a:srcRect/>
-          <a:stretch>
-            <a:fillRect/>
-          </a:stretch>
-        </p:blipFill>
-        <p:spPr bwMode="auto">
-          <a:xfrm>
-            <a:off x="4463990" y="1016732"/>
-            <a:ext cx="4680518" cy="1872208"/>
-          </a:xfrm>
-          <a:prstGeom prst="rect">
-            <a:avLst/>
-          </a:prstGeom>
-          <a:noFill/>
-          <a:extLst>
-            <a:ext uri="{909E8E84-426E-40DD-AFC4-6F175D3DCCD1}">
-              <a14:hiddenFill xmlns:a14="http://schemas.microsoft.com/office/drawing/2010/main">
-                <a:solidFill>
-                  <a:srgbClr val="FFFFFF"/>
-                </a:solidFill>
-              </a14:hiddenFill>
-            </a:ext>
-          </a:extLst>
-        </p:spPr>
-      </p:pic>
       <p:sp>
         <p:nvSpPr>
           <p:cNvPr id="4" name="Inhaltsplatzhalter 2"/>
@@ -12617,8 +12663,12 @@
           </a:lstStyle>
           <a:p>
             <a:r>
-              <a:rPr lang="de-DE" dirty="0" err="1" smtClean="0"/>
-              <a:t>FrameHandling</a:t>
+              <a:rPr lang="de-DE" dirty="0" smtClean="0"/>
+              <a:t>State </a:t>
+            </a:r>
+            <a:r>
+              <a:rPr lang="de-DE" dirty="0" err="1" smtClean="0"/>
+              <a:t>machine</a:t>
             </a:r>
             <a:endParaRPr lang="de-DE" dirty="0" smtClean="0"/>
           </a:p>
@@ -12628,23 +12678,16 @@
               <a:buChar char="-"/>
             </a:pPr>
             <a:r>
-              <a:rPr lang="de-DE" dirty="0" smtClean="0"/>
-              <a:t>Data</a:t>
-            </a:r>
-          </a:p>
-          <a:p>
-            <a:pPr lvl="2"/>
-            <a:r>
-              <a:rPr lang="de-DE" dirty="0" err="1" smtClean="0"/>
-              <a:t>list</a:t>
-            </a:r>
-            <a:r>
-              <a:rPr lang="de-DE" dirty="0" smtClean="0"/>
-              <a:t> </a:t>
-            </a:r>
-            <a:r>
-              <a:rPr lang="de-DE" dirty="0" err="1" smtClean="0"/>
-              <a:t>of</a:t>
+              <a:rPr lang="de-DE" dirty="0" err="1" smtClean="0"/>
+              <a:t>init</a:t>
+            </a:r>
+            <a:r>
+              <a:rPr lang="de-DE" dirty="0" smtClean="0"/>
+              <a:t> </a:t>
+            </a:r>
+            <a:r>
+              <a:rPr lang="de-DE" dirty="0" err="1" smtClean="0"/>
+              <a:t>std</a:t>
             </a:r>
             <a:r>
               <a:rPr lang="de-DE" dirty="0" smtClean="0"/>
@@ -12653,57 +12696,6 @@
             <a:r>
               <a:rPr lang="de-DE" dirty="0" err="1" smtClean="0"/>
               <a:t>parameters</a:t>
-            </a:r>
-            <a:endParaRPr lang="de-DE" dirty="0" smtClean="0"/>
-          </a:p>
-          <a:p>
-            <a:pPr lvl="2"/>
-            <a:r>
-              <a:rPr lang="de-DE" dirty="0" err="1" smtClean="0"/>
-              <a:t>framesize</a:t>
-            </a:r>
-            <a:endParaRPr lang="de-DE" dirty="0" smtClean="0"/>
-          </a:p>
-          <a:p>
-            <a:pPr lvl="2"/>
-            <a:r>
-              <a:rPr lang="de-DE" dirty="0" err="1" smtClean="0"/>
-              <a:t>region</a:t>
-            </a:r>
-            <a:r>
-              <a:rPr lang="de-DE" dirty="0" smtClean="0"/>
-              <a:t> </a:t>
-            </a:r>
-            <a:r>
-              <a:rPr lang="de-DE" dirty="0" err="1" smtClean="0"/>
-              <a:t>of</a:t>
-            </a:r>
-            <a:r>
-              <a:rPr lang="de-DE" dirty="0" smtClean="0"/>
-              <a:t> </a:t>
-            </a:r>
-            <a:r>
-              <a:rPr lang="de-DE" dirty="0" err="1" smtClean="0"/>
-              <a:t>interest</a:t>
-            </a:r>
-            <a:r>
-              <a:rPr lang="de-DE" dirty="0" smtClean="0"/>
-              <a:t> (ROI)</a:t>
-            </a:r>
-          </a:p>
-          <a:p>
-            <a:pPr lvl="2"/>
-            <a:r>
-              <a:rPr lang="de-DE" dirty="0" err="1" smtClean="0"/>
-              <a:t>frame</a:t>
-            </a:r>
-            <a:endParaRPr lang="de-DE" dirty="0" smtClean="0"/>
-          </a:p>
-          <a:p>
-            <a:pPr lvl="2"/>
-            <a:r>
-              <a:rPr lang="de-DE" dirty="0" err="1" smtClean="0"/>
-              <a:t>roi_blobs</a:t>
             </a:r>
             <a:endParaRPr lang="de-DE" dirty="0" smtClean="0"/>
           </a:p>
@@ -12714,31 +12706,381 @@
             </a:pPr>
             <a:r>
               <a:rPr lang="de-DE" dirty="0" err="1" smtClean="0"/>
-              <a:t>Functions</a:t>
+              <a:t>read</a:t>
+            </a:r>
+            <a:r>
+              <a:rPr lang="de-DE" dirty="0" smtClean="0"/>
+              <a:t> </a:t>
+            </a:r>
+            <a:r>
+              <a:rPr lang="de-DE" dirty="0" err="1" smtClean="0"/>
+              <a:t>cmd</a:t>
+            </a:r>
+            <a:r>
+              <a:rPr lang="de-DE" dirty="0" smtClean="0"/>
+              <a:t> </a:t>
+            </a:r>
+            <a:r>
+              <a:rPr lang="de-DE" dirty="0" err="1" smtClean="0"/>
+              <a:t>line</a:t>
+            </a:r>
+            <a:r>
+              <a:rPr lang="de-DE" dirty="0" smtClean="0"/>
+              <a:t> </a:t>
+            </a:r>
+            <a:r>
+              <a:rPr lang="de-DE" dirty="0" err="1" smtClean="0"/>
+              <a:t>options</a:t>
             </a:r>
             <a:endParaRPr lang="de-DE" dirty="0" smtClean="0"/>
           </a:p>
           <a:p>
+            <a:pPr lvl="1">
+              <a:buFont typeface="Arial" panose="020B0604020202020204" pitchFamily="34" charset="0"/>
+              <a:buChar char="-"/>
+            </a:pPr>
+            <a:r>
+              <a:rPr lang="de-DE" dirty="0" err="1" smtClean="0"/>
+              <a:t>read</a:t>
+            </a:r>
+            <a:r>
+              <a:rPr lang="de-DE" dirty="0" smtClean="0"/>
+              <a:t> </a:t>
+            </a:r>
+            <a:r>
+              <a:rPr lang="de-DE" dirty="0" err="1" smtClean="0"/>
+              <a:t>config</a:t>
+            </a:r>
+            <a:r>
+              <a:rPr lang="de-DE" dirty="0" smtClean="0"/>
+              <a:t> </a:t>
+            </a:r>
+            <a:r>
+              <a:rPr lang="de-DE" dirty="0" err="1" smtClean="0"/>
+              <a:t>file</a:t>
+            </a:r>
+            <a:r>
+              <a:rPr lang="de-DE" dirty="0" smtClean="0"/>
+              <a:t> / </a:t>
+            </a:r>
+            <a:r>
+              <a:rPr lang="de-DE" dirty="0" err="1" smtClean="0"/>
+              <a:t>sqlite</a:t>
+            </a:r>
+            <a:r>
+              <a:rPr lang="de-DE" dirty="0" smtClean="0"/>
+              <a:t> </a:t>
+            </a:r>
+            <a:r>
+              <a:rPr lang="de-DE" dirty="0" err="1" smtClean="0"/>
+              <a:t>db</a:t>
+            </a:r>
+            <a:r>
+              <a:rPr lang="de-DE" dirty="0" smtClean="0"/>
+              <a:t> </a:t>
+            </a:r>
+            <a:endParaRPr lang="de-DE" dirty="0"/>
+          </a:p>
+          <a:p>
+            <a:r>
+              <a:rPr lang="de-DE" dirty="0" err="1" smtClean="0"/>
+              <a:t>Cmd</a:t>
+            </a:r>
+            <a:r>
+              <a:rPr lang="de-DE" dirty="0" smtClean="0"/>
+              <a:t> </a:t>
+            </a:r>
+            <a:r>
+              <a:rPr lang="de-DE" dirty="0" err="1" smtClean="0"/>
+              <a:t>line</a:t>
+            </a:r>
+            <a:r>
+              <a:rPr lang="de-DE" dirty="0" smtClean="0"/>
+              <a:t> </a:t>
+            </a:r>
+            <a:r>
+              <a:rPr lang="de-DE" dirty="0" err="1" smtClean="0"/>
+              <a:t>options</a:t>
+            </a:r>
+            <a:r>
+              <a:rPr lang="de-DE" dirty="0" smtClean="0"/>
+              <a:t>:</a:t>
+            </a:r>
+          </a:p>
+          <a:p>
+            <a:pPr lvl="1">
+              <a:buFont typeface="Calibri" panose="020F0502020204030204" pitchFamily="34" charset="0"/>
+              <a:buChar char="-"/>
+            </a:pPr>
+            <a:r>
+              <a:rPr lang="de-DE" dirty="0" smtClean="0"/>
+              <a:t>i(</a:t>
+            </a:r>
+            <a:r>
+              <a:rPr lang="de-DE" dirty="0" err="1" smtClean="0"/>
+              <a:t>nput</a:t>
+            </a:r>
+            <a:r>
+              <a:rPr lang="de-DE" dirty="0" smtClean="0"/>
+              <a:t>)</a:t>
+            </a:r>
+          </a:p>
+          <a:p>
             <a:pPr lvl="2"/>
             <a:r>
-              <a:rPr lang="de-DE" dirty="0" err="1" smtClean="0"/>
-              <a:t>applyROI</a:t>
+              <a:rPr lang="de-DE" dirty="0" smtClean="0"/>
+              <a:t>&lt;0&gt; </a:t>
+            </a:r>
+            <a:r>
+              <a:rPr lang="de-DE" dirty="0" err="1" smtClean="0"/>
+              <a:t>video</a:t>
+            </a:r>
+            <a:r>
+              <a:rPr lang="de-DE" dirty="0" smtClean="0"/>
+              <a:t> </a:t>
+            </a:r>
+            <a:r>
+              <a:rPr lang="de-DE" dirty="0" err="1" smtClean="0"/>
+              <a:t>device</a:t>
+            </a:r>
+            <a:r>
+              <a:rPr lang="de-DE" dirty="0" smtClean="0"/>
+              <a:t> (</a:t>
+            </a:r>
+            <a:r>
+              <a:rPr lang="de-DE" dirty="0" err="1" smtClean="0"/>
+              <a:t>if</a:t>
+            </a:r>
+            <a:r>
+              <a:rPr lang="de-DE" dirty="0" smtClean="0"/>
+              <a:t> </a:t>
+            </a:r>
+            <a:r>
+              <a:rPr lang="de-DE" dirty="0" err="1" smtClean="0"/>
+              <a:t>empty</a:t>
+            </a:r>
+            <a:r>
+              <a:rPr lang="de-DE" dirty="0" smtClean="0"/>
+              <a:t>, </a:t>
+            </a:r>
+            <a:r>
+              <a:rPr lang="de-DE" dirty="0" err="1" smtClean="0"/>
+              <a:t>take</a:t>
+            </a:r>
+            <a:r>
+              <a:rPr lang="de-DE" dirty="0" smtClean="0"/>
+              <a:t> </a:t>
+            </a:r>
+            <a:r>
+              <a:rPr lang="de-DE" dirty="0" err="1" smtClean="0"/>
+              <a:t>standard</a:t>
+            </a:r>
+            <a:r>
+              <a:rPr lang="de-DE" dirty="0" smtClean="0"/>
+              <a:t> </a:t>
+            </a:r>
+            <a:r>
+              <a:rPr lang="de-DE" dirty="0" err="1" smtClean="0"/>
+              <a:t>cam</a:t>
+            </a:r>
+            <a:r>
+              <a:rPr lang="de-DE" smtClean="0"/>
+              <a:t>)</a:t>
             </a:r>
             <a:endParaRPr lang="de-DE" dirty="0" smtClean="0"/>
           </a:p>
           <a:p>
             <a:pPr lvl="2"/>
             <a:r>
-              <a:rPr lang="de-DE" dirty="0" err="1" smtClean="0"/>
-              <a:t>segmentFrame</a:t>
+              <a:rPr lang="de-DE" dirty="0" smtClean="0"/>
+              <a:t>"</a:t>
+            </a:r>
+            <a:r>
+              <a:rPr lang="de-DE" dirty="0" err="1" smtClean="0"/>
+              <a:t>input</a:t>
+            </a:r>
+            <a:r>
+              <a:rPr lang="de-DE" dirty="0" smtClean="0"/>
+              <a:t> </a:t>
+            </a:r>
+            <a:r>
+              <a:rPr lang="de-DE" dirty="0" err="1" smtClean="0"/>
+              <a:t>file</a:t>
+            </a:r>
+            <a:r>
+              <a:rPr lang="de-DE" dirty="0" smtClean="0"/>
+              <a:t>": </a:t>
+            </a:r>
+            <a:r>
+              <a:rPr lang="de-DE" dirty="0" err="1" smtClean="0"/>
+              <a:t>file</a:t>
+            </a:r>
+            <a:r>
+              <a:rPr lang="de-DE" dirty="0" smtClean="0"/>
+              <a:t> </a:t>
+            </a:r>
+            <a:r>
+              <a:rPr lang="de-DE" dirty="0" err="1" smtClean="0"/>
+              <a:t>to</a:t>
+            </a:r>
+            <a:r>
+              <a:rPr lang="de-DE" dirty="0" smtClean="0"/>
+              <a:t> </a:t>
+            </a:r>
+            <a:r>
+              <a:rPr lang="de-DE" dirty="0" err="1" smtClean="0"/>
+              <a:t>read</a:t>
+            </a:r>
+            <a:r>
+              <a:rPr lang="de-DE" dirty="0" smtClean="0"/>
+              <a:t> </a:t>
+            </a:r>
+            <a:r>
+              <a:rPr lang="de-DE" dirty="0" err="1" smtClean="0"/>
+              <a:t>from</a:t>
             </a:r>
             <a:endParaRPr lang="de-DE" dirty="0" smtClean="0"/>
           </a:p>
           <a:p>
+            <a:pPr lvl="1">
+              <a:buFont typeface="Calibri" panose="020F0502020204030204" pitchFamily="34" charset="0"/>
+              <a:buChar char="-"/>
+            </a:pPr>
+            <a:r>
+              <a:rPr lang="de-DE" dirty="0" smtClean="0"/>
+              <a:t>w(</a:t>
+            </a:r>
+            <a:r>
+              <a:rPr lang="de-DE" dirty="0" err="1" smtClean="0"/>
+              <a:t>orking</a:t>
+            </a:r>
+            <a:r>
+              <a:rPr lang="de-DE" dirty="0" smtClean="0"/>
+              <a:t> </a:t>
+            </a:r>
+            <a:r>
+              <a:rPr lang="de-DE" dirty="0" err="1" smtClean="0"/>
+              <a:t>directory</a:t>
+            </a:r>
+            <a:r>
+              <a:rPr lang="de-DE" dirty="0" smtClean="0"/>
+              <a:t>)</a:t>
+            </a:r>
+          </a:p>
+          <a:p>
+            <a:pPr lvl="2">
+              <a:buFont typeface="Calibri" panose="020F0502020204030204" pitchFamily="34" charset="0"/>
+              <a:buChar char="-"/>
+            </a:pPr>
+            <a:r>
+              <a:rPr lang="de-DE" dirty="0" smtClean="0"/>
+              <a:t>"</a:t>
+            </a:r>
+            <a:r>
+              <a:rPr lang="de-DE" dirty="0" err="1" smtClean="0"/>
+              <a:t>working</a:t>
+            </a:r>
+            <a:r>
+              <a:rPr lang="de-DE" dirty="0" smtClean="0"/>
+              <a:t> </a:t>
+            </a:r>
+            <a:r>
+              <a:rPr lang="de-DE" dirty="0" err="1" smtClean="0"/>
+              <a:t>path</a:t>
+            </a:r>
+            <a:r>
+              <a:rPr lang="de-DE" dirty="0" smtClean="0"/>
+              <a:t>" </a:t>
+            </a:r>
+            <a:r>
+              <a:rPr lang="de-DE" dirty="0" err="1" smtClean="0"/>
+              <a:t>below</a:t>
+            </a:r>
+            <a:r>
+              <a:rPr lang="de-DE" dirty="0" smtClean="0"/>
+              <a:t> </a:t>
+            </a:r>
+            <a:r>
+              <a:rPr lang="de-DE" dirty="0" err="1" smtClean="0"/>
+              <a:t>home</a:t>
+            </a:r>
+            <a:endParaRPr lang="de-DE" dirty="0" smtClean="0"/>
+          </a:p>
+          <a:p>
+            <a:pPr lvl="1">
+              <a:buFont typeface="Calibri" panose="020F0502020204030204" pitchFamily="34" charset="0"/>
+              <a:buChar char="-"/>
+            </a:pPr>
+            <a:r>
+              <a:rPr lang="de-DE" dirty="0" smtClean="0"/>
+              <a:t>o(</a:t>
+            </a:r>
+            <a:r>
+              <a:rPr lang="de-DE" dirty="0" err="1" smtClean="0"/>
+              <a:t>utput</a:t>
+            </a:r>
+            <a:r>
+              <a:rPr lang="de-DE" dirty="0" smtClean="0"/>
+              <a:t> </a:t>
+            </a:r>
+            <a:r>
+              <a:rPr lang="de-DE" dirty="0" err="1" smtClean="0"/>
+              <a:t>file</a:t>
+            </a:r>
+            <a:r>
+              <a:rPr lang="de-DE" dirty="0" smtClean="0"/>
+              <a:t>)</a:t>
+            </a:r>
+          </a:p>
+          <a:p>
             <a:pPr lvl="2"/>
             <a:r>
-              <a:rPr lang="de-DE" dirty="0" err="1" smtClean="0"/>
-              <a:t>findBlobs</a:t>
+              <a:rPr lang="de-DE" dirty="0" smtClean="0"/>
+              <a:t>"</a:t>
+            </a:r>
+            <a:r>
+              <a:rPr lang="de-DE" dirty="0" err="1" smtClean="0"/>
+              <a:t>file</a:t>
+            </a:r>
+            <a:r>
+              <a:rPr lang="de-DE" dirty="0" smtClean="0"/>
+              <a:t> </a:t>
+            </a:r>
+            <a:r>
+              <a:rPr lang="de-DE" dirty="0" err="1" smtClean="0"/>
+              <a:t>name</a:t>
+            </a:r>
+            <a:r>
+              <a:rPr lang="de-DE" dirty="0" smtClean="0"/>
+              <a:t>": </a:t>
+            </a:r>
+            <a:r>
+              <a:rPr lang="de-DE" dirty="0" err="1" smtClean="0"/>
+              <a:t>file</a:t>
+            </a:r>
+            <a:r>
+              <a:rPr lang="de-DE" dirty="0" smtClean="0"/>
+              <a:t> </a:t>
+            </a:r>
+            <a:r>
+              <a:rPr lang="de-DE" dirty="0" err="1" smtClean="0"/>
+              <a:t>to</a:t>
+            </a:r>
+            <a:r>
+              <a:rPr lang="de-DE" dirty="0" smtClean="0"/>
+              <a:t> </a:t>
+            </a:r>
+            <a:r>
+              <a:rPr lang="de-DE" dirty="0" err="1" smtClean="0"/>
+              <a:t>write</a:t>
+            </a:r>
+            <a:r>
+              <a:rPr lang="de-DE" dirty="0" smtClean="0"/>
+              <a:t> </a:t>
+            </a:r>
+            <a:r>
+              <a:rPr lang="de-DE" dirty="0" err="1" smtClean="0"/>
+              <a:t>to</a:t>
             </a:r>
             <a:endParaRPr lang="de-DE" dirty="0" smtClean="0"/>
           </a:p>
@@ -12746,12 +13088,360 @@
             <a:pPr lvl="2"/>
             <a:r>
               <a:rPr lang="de-DE" dirty="0" err="1" smtClean="0"/>
-              <a:t>showFrame</a:t>
+              <a:t>roi_blobs</a:t>
             </a:r>
             <a:endParaRPr lang="de-DE" dirty="0" smtClean="0"/>
           </a:p>
           <a:p>
+            <a:pPr lvl="1">
+              <a:buFont typeface="Arial" panose="020B0604020202020204" pitchFamily="34" charset="0"/>
+              <a:buChar char="-"/>
+            </a:pPr>
+            <a:r>
+              <a:rPr lang="de-DE" dirty="0" smtClean="0"/>
+              <a:t>r(</a:t>
+            </a:r>
+            <a:r>
+              <a:rPr lang="de-DE" dirty="0" err="1" smtClean="0"/>
+              <a:t>ate</a:t>
+            </a:r>
+            <a:r>
+              <a:rPr lang="de-DE" dirty="0" smtClean="0"/>
+              <a:t>)</a:t>
+            </a:r>
+          </a:p>
+          <a:p>
             <a:pPr lvl="2"/>
+            <a:r>
+              <a:rPr lang="de-DE" dirty="0" smtClean="0"/>
+              <a:t>&lt;</a:t>
+            </a:r>
+            <a:r>
+              <a:rPr lang="de-DE" dirty="0" err="1" smtClean="0"/>
+              <a:t>fps</a:t>
+            </a:r>
+            <a:r>
+              <a:rPr lang="de-DE" dirty="0" smtClean="0"/>
+              <a:t>&gt; </a:t>
+            </a:r>
+            <a:r>
+              <a:rPr lang="de-DE" dirty="0" err="1" smtClean="0"/>
+              <a:t>frames</a:t>
+            </a:r>
+            <a:r>
+              <a:rPr lang="de-DE" dirty="0" smtClean="0"/>
+              <a:t> per </a:t>
+            </a:r>
+            <a:r>
+              <a:rPr lang="de-DE" dirty="0" err="1" smtClean="0"/>
+              <a:t>second</a:t>
+            </a:r>
+            <a:r>
+              <a:rPr lang="de-DE" dirty="0" smtClean="0"/>
+              <a:t> </a:t>
+            </a:r>
+            <a:r>
+              <a:rPr lang="de-DE" dirty="0" err="1" smtClean="0"/>
+              <a:t>for</a:t>
+            </a:r>
+            <a:r>
+              <a:rPr lang="de-DE" dirty="0" smtClean="0"/>
+              <a:t> </a:t>
+            </a:r>
+            <a:r>
+              <a:rPr lang="de-DE" dirty="0" err="1" smtClean="0"/>
+              <a:t>video</a:t>
+            </a:r>
+            <a:r>
+              <a:rPr lang="de-DE" dirty="0" smtClean="0"/>
+              <a:t> </a:t>
+            </a:r>
+            <a:r>
+              <a:rPr lang="de-DE" dirty="0" err="1" smtClean="0"/>
+              <a:t>device</a:t>
+            </a:r>
+            <a:endParaRPr lang="de-DE" dirty="0" smtClean="0"/>
+          </a:p>
+          <a:p>
+            <a:pPr lvl="1">
+              <a:buFont typeface="Calibri" panose="020F0502020204030204" pitchFamily="34" charset="0"/>
+              <a:buChar char="-"/>
+            </a:pPr>
+            <a:r>
+              <a:rPr lang="de-DE" dirty="0" smtClean="0"/>
+              <a:t>v(</a:t>
+            </a:r>
+            <a:r>
+              <a:rPr lang="de-DE" dirty="0" err="1" smtClean="0"/>
+              <a:t>ideo</a:t>
+            </a:r>
+            <a:r>
+              <a:rPr lang="de-DE" dirty="0" smtClean="0"/>
+              <a:t> </a:t>
+            </a:r>
+            <a:r>
+              <a:rPr lang="de-DE" dirty="0" err="1" smtClean="0"/>
+              <a:t>size</a:t>
+            </a:r>
+            <a:r>
+              <a:rPr lang="de-DE" dirty="0" smtClean="0"/>
+              <a:t>)</a:t>
+            </a:r>
+          </a:p>
+          <a:p>
+            <a:pPr lvl="2">
+              <a:buFont typeface="Calibri" panose="020F0502020204030204" pitchFamily="34" charset="0"/>
+              <a:buChar char="-"/>
+            </a:pPr>
+            <a:r>
+              <a:rPr lang="de-DE" dirty="0" smtClean="0"/>
+              <a:t>&lt;320x240&gt; </a:t>
+            </a:r>
+            <a:r>
+              <a:rPr lang="de-DE" dirty="0" err="1" smtClean="0"/>
+              <a:t>frame</a:t>
+            </a:r>
+            <a:r>
+              <a:rPr lang="de-DE" dirty="0" smtClean="0"/>
+              <a:t> </a:t>
+            </a:r>
+            <a:r>
+              <a:rPr lang="de-DE" dirty="0" err="1" smtClean="0"/>
+              <a:t>size</a:t>
+            </a:r>
+            <a:endParaRPr lang="de-DE" dirty="0" smtClean="0"/>
+          </a:p>
+          <a:p>
+            <a:pPr lvl="1">
+              <a:buFont typeface="Calibri" panose="020F0502020204030204" pitchFamily="34" charset="0"/>
+              <a:buChar char="-"/>
+            </a:pPr>
+            <a:r>
+              <a:rPr lang="de-DE" dirty="0" err="1" smtClean="0"/>
+              <a:t>if</a:t>
+            </a:r>
+            <a:r>
+              <a:rPr lang="de-DE" dirty="0"/>
+              <a:t> </a:t>
+            </a:r>
+            <a:r>
+              <a:rPr lang="de-DE" dirty="0" err="1" smtClean="0"/>
+              <a:t>the</a:t>
+            </a:r>
+            <a:r>
+              <a:rPr lang="de-DE" dirty="0" smtClean="0"/>
+              <a:t> same </a:t>
+            </a:r>
+            <a:r>
+              <a:rPr lang="de-DE" dirty="0" err="1" smtClean="0"/>
+              <a:t>option</a:t>
+            </a:r>
+            <a:r>
+              <a:rPr lang="de-DE" dirty="0" smtClean="0"/>
+              <a:t> </a:t>
+            </a:r>
+            <a:r>
+              <a:rPr lang="de-DE" dirty="0" err="1" smtClean="0"/>
+              <a:t>occurs</a:t>
+            </a:r>
+            <a:r>
+              <a:rPr lang="de-DE" dirty="0" smtClean="0"/>
+              <a:t> </a:t>
+            </a:r>
+            <a:r>
+              <a:rPr lang="de-DE" dirty="0" err="1" smtClean="0"/>
+              <a:t>more</a:t>
+            </a:r>
+            <a:r>
+              <a:rPr lang="de-DE" dirty="0" smtClean="0"/>
+              <a:t> </a:t>
+            </a:r>
+            <a:r>
+              <a:rPr lang="de-DE" dirty="0" err="1" smtClean="0"/>
+              <a:t>than</a:t>
+            </a:r>
+            <a:r>
+              <a:rPr lang="de-DE" dirty="0" smtClean="0"/>
+              <a:t> </a:t>
+            </a:r>
+            <a:r>
+              <a:rPr lang="de-DE" dirty="0" err="1" smtClean="0"/>
+              <a:t>once</a:t>
+            </a:r>
+            <a:r>
+              <a:rPr lang="de-DE" dirty="0" smtClean="0"/>
+              <a:t>, </a:t>
+            </a:r>
+            <a:r>
+              <a:rPr lang="de-DE" dirty="0" err="1" smtClean="0"/>
+              <a:t>the</a:t>
+            </a:r>
+            <a:r>
+              <a:rPr lang="de-DE" dirty="0" smtClean="0"/>
+              <a:t> </a:t>
+            </a:r>
+            <a:r>
+              <a:rPr lang="de-DE" dirty="0" err="1" smtClean="0"/>
+              <a:t>first</a:t>
+            </a:r>
+            <a:r>
+              <a:rPr lang="de-DE" dirty="0" smtClean="0"/>
+              <a:t> </a:t>
+            </a:r>
+            <a:r>
+              <a:rPr lang="de-DE" dirty="0" err="1" smtClean="0"/>
+              <a:t>option</a:t>
+            </a:r>
+            <a:r>
+              <a:rPr lang="de-DE" dirty="0" smtClean="0"/>
+              <a:t> (</a:t>
+            </a:r>
+            <a:r>
+              <a:rPr lang="de-DE" dirty="0" err="1" smtClean="0"/>
+              <a:t>and</a:t>
+            </a:r>
+            <a:r>
+              <a:rPr lang="de-DE" dirty="0" smtClean="0"/>
+              <a:t> </a:t>
+            </a:r>
+            <a:r>
+              <a:rPr lang="de-DE" dirty="0" err="1" smtClean="0"/>
+              <a:t>opt</a:t>
+            </a:r>
+            <a:r>
+              <a:rPr lang="de-DE" dirty="0" smtClean="0"/>
+              <a:t> arg) </a:t>
+            </a:r>
+            <a:r>
+              <a:rPr lang="de-DE" dirty="0" err="1" smtClean="0"/>
+              <a:t>is</a:t>
+            </a:r>
+            <a:r>
+              <a:rPr lang="de-DE" dirty="0" smtClean="0"/>
+              <a:t> </a:t>
+            </a:r>
+            <a:r>
+              <a:rPr lang="de-DE" dirty="0" err="1" smtClean="0"/>
+              <a:t>taken</a:t>
+            </a:r>
+            <a:endParaRPr lang="de-DE" dirty="0" smtClean="0"/>
+          </a:p>
+          <a:p>
+            <a:pPr lvl="2">
+              <a:buFont typeface="Calibri" panose="020F0502020204030204" pitchFamily="34" charset="0"/>
+              <a:buChar char="-"/>
+            </a:pPr>
+            <a:endParaRPr lang="de-DE" dirty="0"/>
+          </a:p>
+          <a:p>
+            <a:pPr>
+              <a:buFont typeface="Calibri" panose="020F0502020204030204" pitchFamily="34" charset="0"/>
+              <a:buChar char="-"/>
+            </a:pPr>
+            <a:r>
+              <a:rPr lang="de-DE" dirty="0" err="1" smtClean="0"/>
+              <a:t>path</a:t>
+            </a:r>
+            <a:r>
+              <a:rPr lang="de-DE" dirty="0" smtClean="0"/>
+              <a:t>: </a:t>
+            </a:r>
+            <a:r>
+              <a:rPr lang="de-DE" dirty="0" err="1" smtClean="0"/>
+              <a:t>look</a:t>
+            </a:r>
+            <a:r>
+              <a:rPr lang="de-DE" dirty="0" smtClean="0"/>
+              <a:t> </a:t>
+            </a:r>
+            <a:r>
+              <a:rPr lang="de-DE" dirty="0" err="1" smtClean="0"/>
+              <a:t>for</a:t>
+            </a:r>
+            <a:r>
+              <a:rPr lang="de-DE" dirty="0" smtClean="0"/>
+              <a:t> "</a:t>
+            </a:r>
+            <a:r>
+              <a:rPr lang="de-DE" dirty="0" err="1" smtClean="0"/>
+              <a:t>input</a:t>
+            </a:r>
+            <a:r>
+              <a:rPr lang="de-DE" dirty="0" smtClean="0"/>
+              <a:t> </a:t>
+            </a:r>
+            <a:r>
+              <a:rPr lang="de-DE" dirty="0" err="1" smtClean="0"/>
+              <a:t>file</a:t>
+            </a:r>
+            <a:r>
+              <a:rPr lang="de-DE" dirty="0" smtClean="0"/>
+              <a:t>" in</a:t>
+            </a:r>
+          </a:p>
+          <a:p>
+            <a:pPr lvl="1">
+              <a:buFont typeface="Calibri" panose="020F0502020204030204" pitchFamily="34" charset="0"/>
+              <a:buChar char="-"/>
+            </a:pPr>
+            <a:r>
+              <a:rPr lang="de-DE" dirty="0" err="1" smtClean="0"/>
+              <a:t>current</a:t>
+            </a:r>
+            <a:r>
+              <a:rPr lang="de-DE" dirty="0" smtClean="0"/>
+              <a:t> </a:t>
+            </a:r>
+            <a:r>
+              <a:rPr lang="de-DE" dirty="0" err="1" smtClean="0"/>
+              <a:t>directory</a:t>
+            </a:r>
+            <a:endParaRPr lang="de-DE" dirty="0" smtClean="0"/>
+          </a:p>
+          <a:p>
+            <a:pPr lvl="1">
+              <a:buFont typeface="Calibri" panose="020F0502020204030204" pitchFamily="34" charset="0"/>
+              <a:buChar char="-"/>
+            </a:pPr>
+            <a:r>
+              <a:rPr lang="de-DE" dirty="0" smtClean="0"/>
+              <a:t>/</a:t>
+            </a:r>
+            <a:r>
+              <a:rPr lang="de-DE" dirty="0" err="1" smtClean="0"/>
+              <a:t>home</a:t>
+            </a:r>
+            <a:endParaRPr lang="de-DE" dirty="0" smtClean="0"/>
+          </a:p>
+          <a:p>
+            <a:pPr lvl="1">
+              <a:buFont typeface="Calibri" panose="020F0502020204030204" pitchFamily="34" charset="0"/>
+              <a:buChar char="-"/>
+            </a:pPr>
+            <a:r>
+              <a:rPr lang="de-DE" dirty="0" smtClean="0"/>
+              <a:t>/</a:t>
+            </a:r>
+            <a:r>
+              <a:rPr lang="de-DE" dirty="0" err="1" smtClean="0"/>
+              <a:t>home</a:t>
+            </a:r>
+            <a:r>
+              <a:rPr lang="de-DE" dirty="0" smtClean="0"/>
+              <a:t>/</a:t>
+            </a:r>
+            <a:r>
+              <a:rPr lang="de-DE" dirty="0" err="1" smtClean="0"/>
+              <a:t>working</a:t>
+            </a:r>
+            <a:r>
+              <a:rPr lang="de-DE" dirty="0" smtClean="0"/>
+              <a:t> </a:t>
+            </a:r>
+            <a:r>
+              <a:rPr lang="de-DE" dirty="0" err="1" smtClean="0"/>
+              <a:t>path</a:t>
+            </a:r>
             <a:endParaRPr lang="de-DE" dirty="0" smtClean="0"/>
           </a:p>
           <a:p>

--- a/MotionDetection+ObjectTrackingV4.pptx
+++ b/MotionDetection+ObjectTrackingV4.pptx
@@ -306,7 +306,7 @@
           <a:p>
             <a:fld id="{7F847C87-CECF-4A9A-88F5-87615B577ED8}" type="datetimeFigureOut">
               <a:rPr lang="de-DE" smtClean="0"/>
-              <a:t>27.01.2018</a:t>
+              <a:t>03.02.2018</a:t>
             </a:fld>
             <a:endParaRPr lang="de-DE"/>
           </a:p>
@@ -476,7 +476,7 @@
           <a:p>
             <a:fld id="{7F847C87-CECF-4A9A-88F5-87615B577ED8}" type="datetimeFigureOut">
               <a:rPr lang="de-DE" smtClean="0"/>
-              <a:t>27.01.2018</a:t>
+              <a:t>03.02.2018</a:t>
             </a:fld>
             <a:endParaRPr lang="de-DE"/>
           </a:p>
@@ -656,7 +656,7 @@
           <a:p>
             <a:fld id="{7F847C87-CECF-4A9A-88F5-87615B577ED8}" type="datetimeFigureOut">
               <a:rPr lang="de-DE" smtClean="0"/>
-              <a:t>27.01.2018</a:t>
+              <a:t>03.02.2018</a:t>
             </a:fld>
             <a:endParaRPr lang="de-DE"/>
           </a:p>
@@ -883,7 +883,7 @@
           <a:p>
             <a:fld id="{7F847C87-CECF-4A9A-88F5-87615B577ED8}" type="datetimeFigureOut">
               <a:rPr lang="de-DE" smtClean="0"/>
-              <a:t>27.01.2018</a:t>
+              <a:t>03.02.2018</a:t>
             </a:fld>
             <a:endParaRPr lang="de-DE"/>
           </a:p>
@@ -1136,7 +1136,7 @@
           <a:p>
             <a:fld id="{7F847C87-CECF-4A9A-88F5-87615B577ED8}" type="datetimeFigureOut">
               <a:rPr lang="de-DE" smtClean="0"/>
-              <a:t>27.01.2018</a:t>
+              <a:t>03.02.2018</a:t>
             </a:fld>
             <a:endParaRPr lang="de-DE"/>
           </a:p>
@@ -1424,7 +1424,7 @@
           <a:p>
             <a:fld id="{7F847C87-CECF-4A9A-88F5-87615B577ED8}" type="datetimeFigureOut">
               <a:rPr lang="de-DE" smtClean="0"/>
-              <a:t>27.01.2018</a:t>
+              <a:t>03.02.2018</a:t>
             </a:fld>
             <a:endParaRPr lang="de-DE"/>
           </a:p>
@@ -1846,7 +1846,7 @@
           <a:p>
             <a:fld id="{7F847C87-CECF-4A9A-88F5-87615B577ED8}" type="datetimeFigureOut">
               <a:rPr lang="de-DE" smtClean="0"/>
-              <a:t>27.01.2018</a:t>
+              <a:t>03.02.2018</a:t>
             </a:fld>
             <a:endParaRPr lang="de-DE"/>
           </a:p>
@@ -1964,7 +1964,7 @@
           <a:p>
             <a:fld id="{7F847C87-CECF-4A9A-88F5-87615B577ED8}" type="datetimeFigureOut">
               <a:rPr lang="de-DE" smtClean="0"/>
-              <a:t>27.01.2018</a:t>
+              <a:t>03.02.2018</a:t>
             </a:fld>
             <a:endParaRPr lang="de-DE"/>
           </a:p>
@@ -2059,7 +2059,7 @@
           <a:p>
             <a:fld id="{7F847C87-CECF-4A9A-88F5-87615B577ED8}" type="datetimeFigureOut">
               <a:rPr lang="de-DE" smtClean="0"/>
-              <a:t>27.01.2018</a:t>
+              <a:t>03.02.2018</a:t>
             </a:fld>
             <a:endParaRPr lang="de-DE"/>
           </a:p>
@@ -2336,7 +2336,7 @@
           <a:p>
             <a:fld id="{7F847C87-CECF-4A9A-88F5-87615B577ED8}" type="datetimeFigureOut">
               <a:rPr lang="de-DE" smtClean="0"/>
-              <a:t>27.01.2018</a:t>
+              <a:t>03.02.2018</a:t>
             </a:fld>
             <a:endParaRPr lang="de-DE"/>
           </a:p>
@@ -2589,7 +2589,7 @@
           <a:p>
             <a:fld id="{7F847C87-CECF-4A9A-88F5-87615B577ED8}" type="datetimeFigureOut">
               <a:rPr lang="de-DE" smtClean="0"/>
-              <a:t>27.01.2018</a:t>
+              <a:t>03.02.2018</a:t>
             </a:fld>
             <a:endParaRPr lang="de-DE"/>
           </a:p>
@@ -2787,7 +2787,7 @@
           <a:p>
             <a:fld id="{7F847C87-CECF-4A9A-88F5-87615B577ED8}" type="datetimeFigureOut">
               <a:rPr lang="de-DE" smtClean="0"/>
-              <a:t>27.01.2018</a:t>
+              <a:t>03.02.2018</a:t>
             </a:fld>
             <a:endParaRPr lang="de-DE"/>
           </a:p>
@@ -16050,7 +16050,7 @@
                 <a:latin typeface="Arial" panose="020B0604020202020204" pitchFamily="34" charset="0"/>
                 <a:cs typeface="Arial" panose="020B0604020202020204" pitchFamily="34" charset="0"/>
               </a:rPr>
-              <a:t>CountRecorder</a:t>
+              <a:t>Recorder</a:t>
             </a:r>
             <a:endParaRPr lang="de-DE" sz="1000" b="1" dirty="0">
               <a:latin typeface="Arial" panose="020B0604020202020204" pitchFamily="34" charset="0"/>
@@ -19891,7 +19891,6 @@
               <a:rPr lang="de-DE" dirty="0" smtClean="0"/>
               <a:t> Track</a:t>
             </a:r>
-            <a:endParaRPr lang="de-DE" dirty="0" smtClean="0"/>
           </a:p>
           <a:p>
             <a:pPr lvl="1">

--- a/MotionDetection+ObjectTrackingV4.pptx
+++ b/MotionDetection+ObjectTrackingV4.pptx
@@ -307,7 +307,7 @@
           <a:p>
             <a:fld id="{7F847C87-CECF-4A9A-88F5-87615B577ED8}" type="datetimeFigureOut">
               <a:rPr lang="de-DE" smtClean="0"/>
-              <a:t>08.02.2018</a:t>
+              <a:t>13.02.2018</a:t>
             </a:fld>
             <a:endParaRPr lang="de-DE"/>
           </a:p>
@@ -477,7 +477,7 @@
           <a:p>
             <a:fld id="{7F847C87-CECF-4A9A-88F5-87615B577ED8}" type="datetimeFigureOut">
               <a:rPr lang="de-DE" smtClean="0"/>
-              <a:t>08.02.2018</a:t>
+              <a:t>13.02.2018</a:t>
             </a:fld>
             <a:endParaRPr lang="de-DE"/>
           </a:p>
@@ -657,7 +657,7 @@
           <a:p>
             <a:fld id="{7F847C87-CECF-4A9A-88F5-87615B577ED8}" type="datetimeFigureOut">
               <a:rPr lang="de-DE" smtClean="0"/>
-              <a:t>08.02.2018</a:t>
+              <a:t>13.02.2018</a:t>
             </a:fld>
             <a:endParaRPr lang="de-DE"/>
           </a:p>
@@ -884,7 +884,7 @@
           <a:p>
             <a:fld id="{7F847C87-CECF-4A9A-88F5-87615B577ED8}" type="datetimeFigureOut">
               <a:rPr lang="de-DE" smtClean="0"/>
-              <a:t>08.02.2018</a:t>
+              <a:t>13.02.2018</a:t>
             </a:fld>
             <a:endParaRPr lang="de-DE"/>
           </a:p>
@@ -1137,7 +1137,7 @@
           <a:p>
             <a:fld id="{7F847C87-CECF-4A9A-88F5-87615B577ED8}" type="datetimeFigureOut">
               <a:rPr lang="de-DE" smtClean="0"/>
-              <a:t>08.02.2018</a:t>
+              <a:t>13.02.2018</a:t>
             </a:fld>
             <a:endParaRPr lang="de-DE"/>
           </a:p>
@@ -1425,7 +1425,7 @@
           <a:p>
             <a:fld id="{7F847C87-CECF-4A9A-88F5-87615B577ED8}" type="datetimeFigureOut">
               <a:rPr lang="de-DE" smtClean="0"/>
-              <a:t>08.02.2018</a:t>
+              <a:t>13.02.2018</a:t>
             </a:fld>
             <a:endParaRPr lang="de-DE"/>
           </a:p>
@@ -1847,7 +1847,7 @@
           <a:p>
             <a:fld id="{7F847C87-CECF-4A9A-88F5-87615B577ED8}" type="datetimeFigureOut">
               <a:rPr lang="de-DE" smtClean="0"/>
-              <a:t>08.02.2018</a:t>
+              <a:t>13.02.2018</a:t>
             </a:fld>
             <a:endParaRPr lang="de-DE"/>
           </a:p>
@@ -1965,7 +1965,7 @@
           <a:p>
             <a:fld id="{7F847C87-CECF-4A9A-88F5-87615B577ED8}" type="datetimeFigureOut">
               <a:rPr lang="de-DE" smtClean="0"/>
-              <a:t>08.02.2018</a:t>
+              <a:t>13.02.2018</a:t>
             </a:fld>
             <a:endParaRPr lang="de-DE"/>
           </a:p>
@@ -2060,7 +2060,7 @@
           <a:p>
             <a:fld id="{7F847C87-CECF-4A9A-88F5-87615B577ED8}" type="datetimeFigureOut">
               <a:rPr lang="de-DE" smtClean="0"/>
-              <a:t>08.02.2018</a:t>
+              <a:t>13.02.2018</a:t>
             </a:fld>
             <a:endParaRPr lang="de-DE"/>
           </a:p>
@@ -2337,7 +2337,7 @@
           <a:p>
             <a:fld id="{7F847C87-CECF-4A9A-88F5-87615B577ED8}" type="datetimeFigureOut">
               <a:rPr lang="de-DE" smtClean="0"/>
-              <a:t>08.02.2018</a:t>
+              <a:t>13.02.2018</a:t>
             </a:fld>
             <a:endParaRPr lang="de-DE"/>
           </a:p>
@@ -2590,7 +2590,7 @@
           <a:p>
             <a:fld id="{7F847C87-CECF-4A9A-88F5-87615B577ED8}" type="datetimeFigureOut">
               <a:rPr lang="de-DE" smtClean="0"/>
-              <a:t>08.02.2018</a:t>
+              <a:t>13.02.2018</a:t>
             </a:fld>
             <a:endParaRPr lang="de-DE"/>
           </a:p>
@@ -2788,7 +2788,7 @@
           <a:p>
             <a:fld id="{7F847C87-CECF-4A9A-88F5-87615B577ED8}" type="datetimeFigureOut">
               <a:rPr lang="de-DE" smtClean="0"/>
-              <a:t>08.02.2018</a:t>
+              <a:t>13.02.2018</a:t>
             </a:fld>
             <a:endParaRPr lang="de-DE"/>
           </a:p>
@@ -18787,40 +18787,235 @@
             <a:endParaRPr lang="de-DE" dirty="0" smtClean="0"/>
           </a:p>
           <a:p>
-            <a:pPr lvl="1">
-              <a:buFont typeface="Arial" panose="020B0604020202020204" pitchFamily="34" charset="0"/>
-              <a:buChar char="-"/>
-            </a:pPr>
-            <a:r>
-              <a:rPr lang="de-DE" dirty="0" err="1" smtClean="0"/>
-              <a:t>init</a:t>
-            </a:r>
-            <a:r>
-              <a:rPr lang="de-DE" dirty="0" smtClean="0"/>
-              <a:t> </a:t>
-            </a:r>
-            <a:r>
-              <a:rPr lang="de-DE" dirty="0" err="1" smtClean="0"/>
-              <a:t>std</a:t>
-            </a:r>
-            <a:r>
-              <a:rPr lang="de-DE" dirty="0" smtClean="0"/>
-              <a:t> </a:t>
-            </a:r>
-            <a:r>
-              <a:rPr lang="de-DE" dirty="0" err="1" smtClean="0"/>
-              <a:t>parameters</a:t>
+            <a:pPr lvl="1"/>
+            <a:r>
+              <a:rPr lang="de-DE" dirty="0" err="1"/>
+              <a:t>readEnv</a:t>
+            </a:r>
+            <a:r>
+              <a:rPr lang="de-DE" dirty="0"/>
+              <a:t> (e.g. </a:t>
+            </a:r>
+            <a:r>
+              <a:rPr lang="de-DE" dirty="0" err="1"/>
+              <a:t>home</a:t>
+            </a:r>
+            <a:r>
+              <a:rPr lang="de-DE" dirty="0"/>
+              <a:t>)</a:t>
+            </a:r>
+          </a:p>
+          <a:p>
+            <a:pPr lvl="1"/>
+            <a:r>
+              <a:rPr lang="de-DE" dirty="0" err="1"/>
+              <a:t>readCmdLine</a:t>
+            </a:r>
+            <a:r>
+              <a:rPr lang="de-DE" dirty="0"/>
+              <a:t> (</a:t>
+            </a:r>
+            <a:r>
+              <a:rPr lang="de-DE" dirty="0" err="1"/>
+              <a:t>input</a:t>
+            </a:r>
+            <a:r>
+              <a:rPr lang="de-DE" dirty="0"/>
+              <a:t> </a:t>
+            </a:r>
+            <a:r>
+              <a:rPr lang="de-DE" dirty="0" err="1"/>
+              <a:t>device</a:t>
+            </a:r>
+            <a:r>
+              <a:rPr lang="de-DE" dirty="0"/>
+              <a:t> / </a:t>
+            </a:r>
+            <a:r>
+              <a:rPr lang="de-DE" dirty="0" err="1"/>
+              <a:t>file</a:t>
+            </a:r>
+            <a:r>
+              <a:rPr lang="de-DE" dirty="0"/>
+              <a:t>, </a:t>
+            </a:r>
+            <a:r>
+              <a:rPr lang="de-DE" dirty="0" err="1"/>
+              <a:t>working</a:t>
+            </a:r>
+            <a:r>
+              <a:rPr lang="de-DE" dirty="0"/>
+              <a:t> </a:t>
+            </a:r>
+            <a:r>
+              <a:rPr lang="de-DE" dirty="0" err="1"/>
+              <a:t>directory</a:t>
+            </a:r>
+            <a:r>
+              <a:rPr lang="de-DE" dirty="0"/>
+              <a:t>, </a:t>
+            </a:r>
+            <a:r>
+              <a:rPr lang="de-DE" dirty="0" err="1" smtClean="0"/>
+              <a:t>frame</a:t>
+            </a:r>
+            <a:r>
+              <a:rPr lang="de-DE" dirty="0" err="1"/>
+              <a:t>_</a:t>
+            </a:r>
+            <a:r>
+              <a:rPr lang="de-DE" dirty="0" err="1" smtClean="0"/>
+              <a:t>rate</a:t>
+            </a:r>
+            <a:r>
+              <a:rPr lang="de-DE" dirty="0"/>
+              <a:t>, </a:t>
+            </a:r>
+            <a:r>
+              <a:rPr lang="de-DE" dirty="0" err="1" smtClean="0"/>
+              <a:t>frame</a:t>
+            </a:r>
+            <a:r>
+              <a:rPr lang="de-DE" dirty="0" err="1"/>
+              <a:t>_</a:t>
+            </a:r>
+            <a:r>
+              <a:rPr lang="de-DE" dirty="0" err="1" smtClean="0"/>
+              <a:t>size</a:t>
+            </a:r>
+            <a:r>
+              <a:rPr lang="de-DE" dirty="0"/>
+              <a:t>)</a:t>
+            </a:r>
+          </a:p>
+          <a:p>
+            <a:pPr lvl="1"/>
+            <a:r>
+              <a:rPr lang="de-DE" dirty="0" err="1"/>
+              <a:t>read</a:t>
+            </a:r>
+            <a:r>
+              <a:rPr lang="de-DE" dirty="0"/>
+              <a:t> </a:t>
+            </a:r>
+            <a:r>
+              <a:rPr lang="de-DE" dirty="0" err="1"/>
+              <a:t>configFile</a:t>
+            </a:r>
+            <a:r>
+              <a:rPr lang="de-DE" dirty="0"/>
+              <a:t> (</a:t>
+            </a:r>
+            <a:r>
+              <a:rPr lang="de-DE" dirty="0" err="1"/>
+              <a:t>sqlite</a:t>
+            </a:r>
+            <a:r>
+              <a:rPr lang="de-DE" dirty="0"/>
+              <a:t> </a:t>
+            </a:r>
+            <a:r>
+              <a:rPr lang="de-DE" dirty="0" err="1"/>
+              <a:t>db</a:t>
+            </a:r>
+            <a:r>
+              <a:rPr lang="de-DE" dirty="0"/>
+              <a:t>)</a:t>
+            </a:r>
+          </a:p>
+          <a:p>
+            <a:pPr lvl="2"/>
+            <a:r>
+              <a:rPr lang="de-DE" dirty="0" err="1" smtClean="0"/>
+              <a:t>if</a:t>
+            </a:r>
+            <a:r>
+              <a:rPr lang="de-DE" dirty="0"/>
+              <a:t> </a:t>
+            </a:r>
+            <a:r>
+              <a:rPr lang="de-DE" dirty="0" err="1" smtClean="0"/>
+              <a:t>no</a:t>
+            </a:r>
+            <a:r>
+              <a:rPr lang="de-DE" dirty="0" smtClean="0"/>
+              <a:t> </a:t>
+            </a:r>
+            <a:r>
+              <a:rPr lang="de-DE" dirty="0" err="1" smtClean="0"/>
+              <a:t>config</a:t>
+            </a:r>
+            <a:r>
+              <a:rPr lang="de-DE" dirty="0" smtClean="0"/>
+              <a:t> </a:t>
+            </a:r>
+            <a:r>
+              <a:rPr lang="de-DE" dirty="0" err="1" smtClean="0"/>
+              <a:t>file</a:t>
+            </a:r>
+            <a:r>
+              <a:rPr lang="de-DE" dirty="0" smtClean="0"/>
+              <a:t> -&gt; </a:t>
+            </a:r>
+            <a:r>
+              <a:rPr lang="de-DE" dirty="0" err="1" smtClean="0"/>
+              <a:t>create</a:t>
+            </a:r>
+            <a:r>
+              <a:rPr lang="de-DE" dirty="0" smtClean="0"/>
+              <a:t> </a:t>
+            </a:r>
+            <a:r>
+              <a:rPr lang="de-DE" dirty="0" err="1" smtClean="0"/>
+              <a:t>it</a:t>
             </a:r>
             <a:endParaRPr lang="de-DE" dirty="0" smtClean="0"/>
           </a:p>
           <a:p>
-            <a:pPr lvl="1">
-              <a:buFont typeface="Arial" panose="020B0604020202020204" pitchFamily="34" charset="0"/>
-              <a:buChar char="-"/>
-            </a:pPr>
-            <a:r>
-              <a:rPr lang="de-DE" dirty="0" err="1" smtClean="0"/>
-              <a:t>read</a:t>
+            <a:pPr lvl="2"/>
+            <a:r>
+              <a:rPr lang="de-DE" dirty="0" err="1" smtClean="0"/>
+              <a:t>if</a:t>
+            </a:r>
+            <a:r>
+              <a:rPr lang="de-DE" dirty="0" smtClean="0"/>
+              <a:t> </a:t>
+            </a:r>
+            <a:r>
+              <a:rPr lang="de-DE" dirty="0" err="1" smtClean="0"/>
+              <a:t>config</a:t>
+            </a:r>
+            <a:r>
+              <a:rPr lang="de-DE" dirty="0" smtClean="0"/>
+              <a:t> </a:t>
+            </a:r>
+            <a:r>
+              <a:rPr lang="de-DE" dirty="0" err="1" smtClean="0"/>
+              <a:t>file</a:t>
+            </a:r>
+            <a:r>
+              <a:rPr lang="de-DE" dirty="0" smtClean="0"/>
+              <a:t> </a:t>
+            </a:r>
+            <a:r>
+              <a:rPr lang="de-DE" dirty="0" err="1" smtClean="0"/>
+              <a:t>options</a:t>
+            </a:r>
+            <a:r>
+              <a:rPr lang="de-DE" dirty="0" smtClean="0"/>
+              <a:t> </a:t>
+            </a:r>
+            <a:r>
+              <a:rPr lang="de-DE" dirty="0" err="1" smtClean="0"/>
+              <a:t>differ</a:t>
+            </a:r>
+            <a:r>
+              <a:rPr lang="de-DE" dirty="0" smtClean="0"/>
+              <a:t> </a:t>
+            </a:r>
+            <a:r>
+              <a:rPr lang="de-DE" dirty="0" err="1" smtClean="0"/>
+              <a:t>from</a:t>
             </a:r>
             <a:r>
               <a:rPr lang="de-DE" dirty="0" smtClean="0"/>
@@ -18846,52 +19041,164 @@
               <a:rPr lang="de-DE" dirty="0" err="1" smtClean="0"/>
               <a:t>options</a:t>
             </a:r>
+            <a:r>
+              <a:rPr lang="de-DE" dirty="0" smtClean="0"/>
+              <a:t> -&gt; </a:t>
+            </a:r>
+            <a:r>
+              <a:rPr lang="de-DE" dirty="0" err="1" smtClean="0"/>
+              <a:t>take</a:t>
+            </a:r>
+            <a:r>
+              <a:rPr lang="de-DE" dirty="0" smtClean="0"/>
+              <a:t> </a:t>
+            </a:r>
+            <a:r>
+              <a:rPr lang="de-DE" dirty="0" err="1" smtClean="0"/>
+              <a:t>cmd</a:t>
+            </a:r>
+            <a:r>
+              <a:rPr lang="de-DE" dirty="0" smtClean="0"/>
+              <a:t> </a:t>
+            </a:r>
+            <a:r>
+              <a:rPr lang="de-DE" dirty="0" err="1" smtClean="0"/>
+              <a:t>line</a:t>
+            </a:r>
+            <a:r>
+              <a:rPr lang="de-DE" dirty="0" smtClean="0"/>
+              <a:t> </a:t>
+            </a:r>
+            <a:r>
+              <a:rPr lang="de-DE" dirty="0" err="1" smtClean="0"/>
+              <a:t>options</a:t>
+            </a:r>
             <a:endParaRPr lang="de-DE" dirty="0" smtClean="0"/>
           </a:p>
           <a:p>
-            <a:pPr lvl="1">
-              <a:buFont typeface="Arial" panose="020B0604020202020204" pitchFamily="34" charset="0"/>
-              <a:buChar char="-"/>
-            </a:pPr>
-            <a:r>
-              <a:rPr lang="de-DE" dirty="0" err="1" smtClean="0"/>
-              <a:t>read</a:t>
-            </a:r>
-            <a:r>
-              <a:rPr lang="de-DE" dirty="0" smtClean="0"/>
-              <a:t> </a:t>
-            </a:r>
-            <a:r>
-              <a:rPr lang="de-DE" dirty="0" err="1" smtClean="0"/>
-              <a:t>config</a:t>
-            </a:r>
-            <a:r>
-              <a:rPr lang="de-DE" dirty="0" smtClean="0"/>
-              <a:t> </a:t>
-            </a:r>
-            <a:r>
-              <a:rPr lang="de-DE" dirty="0" err="1" smtClean="0"/>
-              <a:t>file</a:t>
-            </a:r>
-            <a:r>
-              <a:rPr lang="de-DE" dirty="0" smtClean="0"/>
-              <a:t> / </a:t>
-            </a:r>
-            <a:r>
-              <a:rPr lang="de-DE" dirty="0" err="1" smtClean="0"/>
-              <a:t>sqlite</a:t>
-            </a:r>
-            <a:r>
-              <a:rPr lang="de-DE" dirty="0" smtClean="0"/>
-              <a:t> </a:t>
-            </a:r>
-            <a:r>
-              <a:rPr lang="de-DE" dirty="0" err="1" smtClean="0"/>
-              <a:t>db</a:t>
-            </a:r>
-            <a:r>
-              <a:rPr lang="de-DE" dirty="0" smtClean="0"/>
-              <a:t> </a:t>
+            <a:pPr lvl="1"/>
+            <a:r>
+              <a:rPr lang="de-DE" dirty="0" smtClean="0"/>
+              <a:t>open </a:t>
+            </a:r>
+            <a:r>
+              <a:rPr lang="de-DE" dirty="0" err="1" smtClean="0"/>
+              <a:t>capSource</a:t>
+            </a:r>
+            <a:endParaRPr lang="de-DE" dirty="0" smtClean="0"/>
+          </a:p>
+          <a:p>
+            <a:pPr lvl="2"/>
+            <a:r>
+              <a:rPr lang="de-DE" dirty="0" err="1" smtClean="0"/>
+              <a:t>if</a:t>
+            </a:r>
+            <a:r>
+              <a:rPr lang="de-DE" dirty="0" smtClean="0"/>
+              <a:t> </a:t>
+            </a:r>
+            <a:r>
+              <a:rPr lang="de-DE" dirty="0" err="1" smtClean="0"/>
+              <a:t>is</a:t>
+            </a:r>
+            <a:r>
+              <a:rPr lang="de-DE" dirty="0" err="1" smtClean="0"/>
+              <a:t>Camera</a:t>
+            </a:r>
+            <a:r>
+              <a:rPr lang="de-DE" dirty="0" smtClean="0"/>
+              <a:t> -&gt; </a:t>
+            </a:r>
+            <a:r>
+              <a:rPr lang="de-DE" dirty="0" err="1" smtClean="0"/>
+              <a:t>setCameraParameters</a:t>
+            </a:r>
+            <a:r>
+              <a:rPr lang="de-DE" dirty="0" smtClean="0"/>
+              <a:t> (</a:t>
+            </a:r>
+            <a:r>
+              <a:rPr lang="de-DE" dirty="0" err="1" smtClean="0"/>
+              <a:t>frame</a:t>
+            </a:r>
+            <a:r>
+              <a:rPr lang="de-DE" dirty="0" err="1"/>
+              <a:t>_</a:t>
+            </a:r>
+            <a:r>
+              <a:rPr lang="de-DE" dirty="0" err="1" smtClean="0"/>
+              <a:t>size</a:t>
+            </a:r>
+            <a:r>
+              <a:rPr lang="de-DE" dirty="0" smtClean="0"/>
+              <a:t>, </a:t>
+            </a:r>
+            <a:r>
+              <a:rPr lang="de-DE" dirty="0" err="1" smtClean="0"/>
+              <a:t>frame</a:t>
+            </a:r>
+            <a:r>
+              <a:rPr lang="de-DE" dirty="0" err="1"/>
+              <a:t>_</a:t>
+            </a:r>
+            <a:r>
+              <a:rPr lang="de-DE" dirty="0" err="1" smtClean="0"/>
+              <a:t>rate</a:t>
+            </a:r>
+            <a:r>
+              <a:rPr lang="de-DE" dirty="0" smtClean="0"/>
+              <a:t>)</a:t>
+            </a:r>
+          </a:p>
+          <a:p>
+            <a:pPr lvl="2"/>
+            <a:r>
+              <a:rPr lang="de-DE" dirty="0" err="1" smtClean="0"/>
+              <a:t>if</a:t>
+            </a:r>
+            <a:r>
+              <a:rPr lang="de-DE" dirty="0" smtClean="0"/>
+              <a:t> </a:t>
+            </a:r>
+            <a:r>
+              <a:rPr lang="de-DE" dirty="0" err="1" smtClean="0"/>
+              <a:t>is</a:t>
+            </a:r>
+            <a:r>
+              <a:rPr lang="de-DE" dirty="0" err="1" smtClean="0"/>
+              <a:t>File</a:t>
+            </a:r>
+            <a:r>
+              <a:rPr lang="de-DE" dirty="0" smtClean="0"/>
+              <a:t> -&gt; </a:t>
+            </a:r>
+            <a:r>
+              <a:rPr lang="de-DE" dirty="0" err="1" smtClean="0"/>
+              <a:t>get</a:t>
+            </a:r>
+            <a:r>
+              <a:rPr lang="de-DE" dirty="0" smtClean="0"/>
+              <a:t> </a:t>
+            </a:r>
+            <a:r>
+              <a:rPr lang="de-DE" dirty="0" err="1" smtClean="0"/>
+              <a:t>frame_size</a:t>
+            </a:r>
+            <a:endParaRPr lang="de-DE" dirty="0" smtClean="0"/>
+          </a:p>
+          <a:p>
+            <a:pPr lvl="1"/>
+            <a:r>
+              <a:rPr lang="de-DE" dirty="0" err="1" smtClean="0"/>
+              <a:t>re-CalcFrameSizeDependentParameters</a:t>
+            </a:r>
+            <a:endParaRPr lang="de-DE" dirty="0" smtClean="0"/>
+          </a:p>
+          <a:p>
+            <a:pPr lvl="1"/>
+            <a:r>
+              <a:rPr lang="de-DE" smtClean="0"/>
+              <a:t>saveConfigToFile</a:t>
             </a:r>
             <a:endParaRPr lang="de-DE" dirty="0"/>
           </a:p>

--- a/MotionDetection+ObjectTrackingV4.pptx
+++ b/MotionDetection+ObjectTrackingV4.pptx
@@ -307,7 +307,7 @@
           <a:p>
             <a:fld id="{7F847C87-CECF-4A9A-88F5-87615B577ED8}" type="datetimeFigureOut">
               <a:rPr lang="de-DE" smtClean="0"/>
-              <a:t>13.02.2018</a:t>
+              <a:t>15.04.2018</a:t>
             </a:fld>
             <a:endParaRPr lang="de-DE"/>
           </a:p>
@@ -477,7 +477,7 @@
           <a:p>
             <a:fld id="{7F847C87-CECF-4A9A-88F5-87615B577ED8}" type="datetimeFigureOut">
               <a:rPr lang="de-DE" smtClean="0"/>
-              <a:t>13.02.2018</a:t>
+              <a:t>15.04.2018</a:t>
             </a:fld>
             <a:endParaRPr lang="de-DE"/>
           </a:p>
@@ -657,7 +657,7 @@
           <a:p>
             <a:fld id="{7F847C87-CECF-4A9A-88F5-87615B577ED8}" type="datetimeFigureOut">
               <a:rPr lang="de-DE" smtClean="0"/>
-              <a:t>13.02.2018</a:t>
+              <a:t>15.04.2018</a:t>
             </a:fld>
             <a:endParaRPr lang="de-DE"/>
           </a:p>
@@ -884,7 +884,7 @@
           <a:p>
             <a:fld id="{7F847C87-CECF-4A9A-88F5-87615B577ED8}" type="datetimeFigureOut">
               <a:rPr lang="de-DE" smtClean="0"/>
-              <a:t>13.02.2018</a:t>
+              <a:t>15.04.2018</a:t>
             </a:fld>
             <a:endParaRPr lang="de-DE"/>
           </a:p>
@@ -1137,7 +1137,7 @@
           <a:p>
             <a:fld id="{7F847C87-CECF-4A9A-88F5-87615B577ED8}" type="datetimeFigureOut">
               <a:rPr lang="de-DE" smtClean="0"/>
-              <a:t>13.02.2018</a:t>
+              <a:t>15.04.2018</a:t>
             </a:fld>
             <a:endParaRPr lang="de-DE"/>
           </a:p>
@@ -1425,7 +1425,7 @@
           <a:p>
             <a:fld id="{7F847C87-CECF-4A9A-88F5-87615B577ED8}" type="datetimeFigureOut">
               <a:rPr lang="de-DE" smtClean="0"/>
-              <a:t>13.02.2018</a:t>
+              <a:t>15.04.2018</a:t>
             </a:fld>
             <a:endParaRPr lang="de-DE"/>
           </a:p>
@@ -1847,7 +1847,7 @@
           <a:p>
             <a:fld id="{7F847C87-CECF-4A9A-88F5-87615B577ED8}" type="datetimeFigureOut">
               <a:rPr lang="de-DE" smtClean="0"/>
-              <a:t>13.02.2018</a:t>
+              <a:t>15.04.2018</a:t>
             </a:fld>
             <a:endParaRPr lang="de-DE"/>
           </a:p>
@@ -1965,7 +1965,7 @@
           <a:p>
             <a:fld id="{7F847C87-CECF-4A9A-88F5-87615B577ED8}" type="datetimeFigureOut">
               <a:rPr lang="de-DE" smtClean="0"/>
-              <a:t>13.02.2018</a:t>
+              <a:t>15.04.2018</a:t>
             </a:fld>
             <a:endParaRPr lang="de-DE"/>
           </a:p>
@@ -2060,7 +2060,7 @@
           <a:p>
             <a:fld id="{7F847C87-CECF-4A9A-88F5-87615B577ED8}" type="datetimeFigureOut">
               <a:rPr lang="de-DE" smtClean="0"/>
-              <a:t>13.02.2018</a:t>
+              <a:t>15.04.2018</a:t>
             </a:fld>
             <a:endParaRPr lang="de-DE"/>
           </a:p>
@@ -2337,7 +2337,7 @@
           <a:p>
             <a:fld id="{7F847C87-CECF-4A9A-88F5-87615B577ED8}" type="datetimeFigureOut">
               <a:rPr lang="de-DE" smtClean="0"/>
-              <a:t>13.02.2018</a:t>
+              <a:t>15.04.2018</a:t>
             </a:fld>
             <a:endParaRPr lang="de-DE"/>
           </a:p>
@@ -2590,7 +2590,7 @@
           <a:p>
             <a:fld id="{7F847C87-CECF-4A9A-88F5-87615B577ED8}" type="datetimeFigureOut">
               <a:rPr lang="de-DE" smtClean="0"/>
-              <a:t>13.02.2018</a:t>
+              <a:t>15.04.2018</a:t>
             </a:fld>
             <a:endParaRPr lang="de-DE"/>
           </a:p>
@@ -2788,7 +2788,7 @@
           <a:p>
             <a:fld id="{7F847C87-CECF-4A9A-88F5-87615B577ED8}" type="datetimeFigureOut">
               <a:rPr lang="de-DE" smtClean="0"/>
-              <a:t>13.02.2018</a:t>
+              <a:t>15.04.2018</a:t>
             </a:fld>
             <a:endParaRPr lang="de-DE"/>
           </a:p>
@@ -19099,11 +19099,7 @@
             </a:r>
             <a:r>
               <a:rPr lang="de-DE" dirty="0" err="1" smtClean="0"/>
-              <a:t>is</a:t>
-            </a:r>
-            <a:r>
-              <a:rPr lang="de-DE" dirty="0" err="1" smtClean="0"/>
-              <a:t>Camera</a:t>
+              <a:t>isCamera</a:t>
             </a:r>
             <a:r>
               <a:rPr lang="de-DE" dirty="0" smtClean="0"/>
@@ -19162,11 +19158,7 @@
             </a:r>
             <a:r>
               <a:rPr lang="de-DE" dirty="0" err="1" smtClean="0"/>
-              <a:t>is</a:t>
-            </a:r>
-            <a:r>
-              <a:rPr lang="de-DE" dirty="0" err="1" smtClean="0"/>
-              <a:t>File</a:t>
+              <a:t>isFile</a:t>
             </a:r>
             <a:r>
               <a:rPr lang="de-DE" dirty="0" smtClean="0"/>
@@ -19197,7 +19189,7 @@
           <a:p>
             <a:pPr lvl="1"/>
             <a:r>
-              <a:rPr lang="de-DE" smtClean="0"/>
+              <a:rPr lang="de-DE" dirty="0" err="1" smtClean="0"/>
               <a:t>saveConfigToFile</a:t>
             </a:r>
             <a:endParaRPr lang="de-DE" dirty="0"/>
@@ -19249,25 +19241,196 @@
           <a:p>
             <a:pPr lvl="2"/>
             <a:r>
-              <a:rPr lang="de-DE" dirty="0" smtClean="0"/>
-              <a:t>&lt;0&gt; </a:t>
-            </a:r>
-            <a:r>
-              <a:rPr lang="de-DE" dirty="0" err="1" smtClean="0"/>
+              <a:rPr lang="de-DE" dirty="0" smtClean="0">
+                <a:solidFill>
+                  <a:srgbClr val="FF0000"/>
+                </a:solidFill>
+              </a:rPr>
+              <a:t>arg: "0" </a:t>
+            </a:r>
+            <a:r>
+              <a:rPr lang="de-DE" dirty="0" err="1" smtClean="0">
+                <a:solidFill>
+                  <a:srgbClr val="FF0000"/>
+                </a:solidFill>
+              </a:rPr>
               <a:t>video</a:t>
             </a:r>
             <a:r>
-              <a:rPr lang="de-DE" dirty="0" smtClean="0"/>
-              <a:t> </a:t>
-            </a:r>
-            <a:r>
-              <a:rPr lang="de-DE" dirty="0" err="1" smtClean="0"/>
+              <a:rPr lang="de-DE" dirty="0" smtClean="0">
+                <a:solidFill>
+                  <a:srgbClr val="FF0000"/>
+                </a:solidFill>
+              </a:rPr>
+              <a:t> </a:t>
+            </a:r>
+            <a:r>
+              <a:rPr lang="de-DE" dirty="0" err="1" smtClean="0">
+                <a:solidFill>
+                  <a:srgbClr val="FF0000"/>
+                </a:solidFill>
+              </a:rPr>
               <a:t>device</a:t>
             </a:r>
             <a:r>
-              <a:rPr lang="de-DE" dirty="0" smtClean="0"/>
-              <a:t> (</a:t>
-            </a:r>
+              <a:rPr lang="de-DE" dirty="0" smtClean="0">
+                <a:solidFill>
+                  <a:srgbClr val="FF0000"/>
+                </a:solidFill>
+              </a:rPr>
+              <a:t> - </a:t>
+            </a:r>
+            <a:r>
+              <a:rPr lang="de-DE" dirty="0" err="1" smtClean="0">
+                <a:solidFill>
+                  <a:srgbClr val="FF0000"/>
+                </a:solidFill>
+              </a:rPr>
+              <a:t>number</a:t>
+            </a:r>
+            <a:r>
+              <a:rPr lang="de-DE" dirty="0" smtClean="0">
+                <a:solidFill>
+                  <a:srgbClr val="FF0000"/>
+                </a:solidFill>
+              </a:rPr>
+              <a:t> </a:t>
+            </a:r>
+            <a:r>
+              <a:rPr lang="de-DE" dirty="0" err="1" smtClean="0">
+                <a:solidFill>
+                  <a:srgbClr val="FF0000"/>
+                </a:solidFill>
+              </a:rPr>
+              <a:t>of</a:t>
+            </a:r>
+            <a:r>
+              <a:rPr lang="de-DE" dirty="0" smtClean="0">
+                <a:solidFill>
+                  <a:srgbClr val="FF0000"/>
+                </a:solidFill>
+              </a:rPr>
+              <a:t> </a:t>
+            </a:r>
+            <a:r>
+              <a:rPr lang="de-DE" dirty="0" err="1" smtClean="0">
+                <a:solidFill>
+                  <a:srgbClr val="FF0000"/>
+                </a:solidFill>
+              </a:rPr>
+              <a:t>device</a:t>
+            </a:r>
+            <a:r>
+              <a:rPr lang="de-DE" dirty="0" smtClean="0">
+                <a:solidFill>
+                  <a:srgbClr val="FF0000"/>
+                </a:solidFill>
+              </a:rPr>
+              <a:t> in pick </a:t>
+            </a:r>
+            <a:r>
+              <a:rPr lang="de-DE" dirty="0" err="1" smtClean="0">
+                <a:solidFill>
+                  <a:srgbClr val="FF0000"/>
+                </a:solidFill>
+              </a:rPr>
+              <a:t>list</a:t>
+            </a:r>
+            <a:r>
+              <a:rPr lang="de-DE" dirty="0" smtClean="0">
+                <a:solidFill>
+                  <a:srgbClr val="FF0000"/>
+                </a:solidFill>
+              </a:rPr>
+              <a:t>, </a:t>
+            </a:r>
+            <a:r>
+              <a:rPr lang="de-DE" dirty="0" smtClean="0">
+                <a:solidFill>
+                  <a:srgbClr val="FF0000"/>
+                </a:solidFill>
+              </a:rPr>
+              <a:t>e.g</a:t>
+            </a:r>
+            <a:r>
+              <a:rPr lang="de-DE" dirty="0" smtClean="0">
+                <a:solidFill>
+                  <a:srgbClr val="FF0000"/>
+                </a:solidFill>
+              </a:rPr>
+              <a:t>. 0 -&gt; "</a:t>
+            </a:r>
+            <a:r>
+              <a:rPr lang="de-DE" dirty="0" err="1" smtClean="0">
+                <a:solidFill>
+                  <a:srgbClr val="FF0000"/>
+                </a:solidFill>
+              </a:rPr>
+              <a:t>logitech</a:t>
+            </a:r>
+            <a:r>
+              <a:rPr lang="de-DE" dirty="0" smtClean="0">
+                <a:solidFill>
+                  <a:srgbClr val="FF0000"/>
+                </a:solidFill>
+              </a:rPr>
+              <a:t> S5500"</a:t>
+            </a:r>
+          </a:p>
+          <a:p>
+            <a:pPr lvl="2"/>
+            <a:r>
+              <a:rPr lang="de-DE" dirty="0" smtClean="0"/>
+              <a:t>arg: "</a:t>
+            </a:r>
+            <a:r>
+              <a:rPr lang="de-DE" dirty="0" err="1" smtClean="0"/>
+              <a:t>input</a:t>
+            </a:r>
+            <a:r>
+              <a:rPr lang="de-DE" dirty="0" smtClean="0"/>
+              <a:t> </a:t>
+            </a:r>
+            <a:r>
+              <a:rPr lang="de-DE" dirty="0" err="1"/>
+              <a:t>file</a:t>
+            </a:r>
+            <a:r>
+              <a:rPr lang="de-DE" dirty="0"/>
+              <a:t>": </a:t>
+            </a:r>
+            <a:r>
+              <a:rPr lang="de-DE" dirty="0" err="1"/>
+              <a:t>file</a:t>
+            </a:r>
+            <a:r>
+              <a:rPr lang="de-DE" dirty="0"/>
+              <a:t> </a:t>
+            </a:r>
+            <a:r>
+              <a:rPr lang="de-DE" dirty="0" err="1"/>
+              <a:t>to</a:t>
+            </a:r>
+            <a:r>
+              <a:rPr lang="de-DE" dirty="0"/>
+              <a:t> </a:t>
+            </a:r>
+            <a:r>
+              <a:rPr lang="de-DE" dirty="0" err="1"/>
+              <a:t>read</a:t>
+            </a:r>
+            <a:r>
+              <a:rPr lang="de-DE" dirty="0"/>
+              <a:t> </a:t>
+            </a:r>
+            <a:r>
+              <a:rPr lang="de-DE" dirty="0" err="1"/>
+              <a:t>from</a:t>
+            </a:r>
+            <a:endParaRPr lang="de-DE" dirty="0"/>
+          </a:p>
+          <a:p>
+            <a:pPr lvl="2"/>
             <a:r>
               <a:rPr lang="de-DE" dirty="0" err="1" smtClean="0"/>
               <a:t>if</a:t>
@@ -19303,61 +19466,6 @@
             <a:r>
               <a:rPr lang="de-DE" dirty="0" err="1" smtClean="0"/>
               <a:t>cam</a:t>
-            </a:r>
-            <a:r>
-              <a:rPr lang="de-DE" dirty="0" smtClean="0"/>
-              <a:t>)</a:t>
-            </a:r>
-          </a:p>
-          <a:p>
-            <a:pPr lvl="2"/>
-            <a:r>
-              <a:rPr lang="de-DE" dirty="0" smtClean="0"/>
-              <a:t>"</a:t>
-            </a:r>
-            <a:r>
-              <a:rPr lang="de-DE" dirty="0" err="1" smtClean="0"/>
-              <a:t>input</a:t>
-            </a:r>
-            <a:r>
-              <a:rPr lang="de-DE" dirty="0" smtClean="0"/>
-              <a:t> </a:t>
-            </a:r>
-            <a:r>
-              <a:rPr lang="de-DE" dirty="0" err="1" smtClean="0"/>
-              <a:t>file</a:t>
-            </a:r>
-            <a:r>
-              <a:rPr lang="de-DE" dirty="0" smtClean="0"/>
-              <a:t>": </a:t>
-            </a:r>
-            <a:r>
-              <a:rPr lang="de-DE" dirty="0" err="1" smtClean="0"/>
-              <a:t>file</a:t>
-            </a:r>
-            <a:r>
-              <a:rPr lang="de-DE" dirty="0" smtClean="0"/>
-              <a:t> </a:t>
-            </a:r>
-            <a:r>
-              <a:rPr lang="de-DE" dirty="0" err="1" smtClean="0"/>
-              <a:t>to</a:t>
-            </a:r>
-            <a:r>
-              <a:rPr lang="de-DE" dirty="0" smtClean="0"/>
-              <a:t> </a:t>
-            </a:r>
-            <a:r>
-              <a:rPr lang="de-DE" dirty="0" err="1" smtClean="0"/>
-              <a:t>read</a:t>
-            </a:r>
-            <a:r>
-              <a:rPr lang="de-DE" dirty="0" smtClean="0"/>
-              <a:t> </a:t>
-            </a:r>
-            <a:r>
-              <a:rPr lang="de-DE" dirty="0" err="1" smtClean="0"/>
-              <a:t>from</a:t>
             </a:r>
             <a:endParaRPr lang="de-DE" dirty="0" smtClean="0"/>
           </a:p>
@@ -19394,7 +19502,7 @@
             </a:pPr>
             <a:r>
               <a:rPr lang="de-DE" dirty="0" smtClean="0"/>
-              <a:t>"</a:t>
+              <a:t>arg: "</a:t>
             </a:r>
             <a:r>
               <a:rPr lang="de-DE" dirty="0" err="1" smtClean="0"/>
@@ -19456,7 +19564,7 @@
             <a:pPr lvl="2"/>
             <a:r>
               <a:rPr lang="de-DE" dirty="0" smtClean="0"/>
-              <a:t>"</a:t>
+              <a:t>arg: "</a:t>
             </a:r>
             <a:r>
               <a:rPr lang="de-DE" dirty="0" err="1" smtClean="0"/>
@@ -19501,14 +19609,6 @@
             <a:r>
               <a:rPr lang="de-DE" dirty="0" err="1" smtClean="0"/>
               <a:t>to</a:t>
-            </a:r>
-            <a:endParaRPr lang="de-DE" dirty="0" smtClean="0"/>
-          </a:p>
-          <a:p>
-            <a:pPr lvl="2"/>
-            <a:r>
-              <a:rPr lang="de-DE" dirty="0" err="1" smtClean="0"/>
-              <a:t>roi_blobs</a:t>
             </a:r>
             <a:endParaRPr lang="de-DE" dirty="0" smtClean="0"/>
           </a:p>
@@ -19518,6 +19618,228 @@
               <a:buChar char="-"/>
             </a:pPr>
             <a:r>
+              <a:rPr lang="de-DE" dirty="0" smtClean="0">
+                <a:solidFill>
+                  <a:srgbClr val="FF0000"/>
+                </a:solidFill>
+              </a:rPr>
+              <a:t>q(</a:t>
+            </a:r>
+            <a:r>
+              <a:rPr lang="de-DE" dirty="0" err="1" smtClean="0">
+                <a:solidFill>
+                  <a:srgbClr val="FF0000"/>
+                </a:solidFill>
+              </a:rPr>
+              <a:t>uiet</a:t>
+            </a:r>
+            <a:r>
+              <a:rPr lang="de-DE" dirty="0" smtClean="0">
+                <a:solidFill>
+                  <a:srgbClr val="FF0000"/>
+                </a:solidFill>
+              </a:rPr>
+              <a:t>)</a:t>
+            </a:r>
+          </a:p>
+          <a:p>
+            <a:pPr lvl="2"/>
+            <a:r>
+              <a:rPr lang="de-DE" dirty="0" err="1" smtClean="0">
+                <a:solidFill>
+                  <a:srgbClr val="FF0000"/>
+                </a:solidFill>
+              </a:rPr>
+              <a:t>no</a:t>
+            </a:r>
+            <a:r>
+              <a:rPr lang="de-DE" dirty="0" smtClean="0">
+                <a:solidFill>
+                  <a:srgbClr val="FF0000"/>
+                </a:solidFill>
+              </a:rPr>
+              <a:t> arg, </a:t>
+            </a:r>
+            <a:r>
+              <a:rPr lang="de-DE" dirty="0" err="1" smtClean="0">
+                <a:solidFill>
+                  <a:srgbClr val="FF0000"/>
+                </a:solidFill>
+              </a:rPr>
+              <a:t>take</a:t>
+            </a:r>
+            <a:r>
+              <a:rPr lang="de-DE" dirty="0" smtClean="0">
+                <a:solidFill>
+                  <a:srgbClr val="FF0000"/>
+                </a:solidFill>
+              </a:rPr>
+              <a:t> </a:t>
+            </a:r>
+            <a:r>
+              <a:rPr lang="de-DE" dirty="0" err="1" smtClean="0">
+                <a:solidFill>
+                  <a:srgbClr val="FF0000"/>
+                </a:solidFill>
+              </a:rPr>
+              <a:t>standard</a:t>
+            </a:r>
+            <a:r>
+              <a:rPr lang="de-DE" dirty="0" smtClean="0">
+                <a:solidFill>
+                  <a:srgbClr val="FF0000"/>
+                </a:solidFill>
+              </a:rPr>
+              <a:t> </a:t>
+            </a:r>
+            <a:r>
+              <a:rPr lang="de-DE" dirty="0" err="1" smtClean="0">
+                <a:solidFill>
+                  <a:srgbClr val="FF0000"/>
+                </a:solidFill>
+              </a:rPr>
+              <a:t>arguments</a:t>
+            </a:r>
+            <a:r>
+              <a:rPr lang="de-DE" dirty="0" smtClean="0">
+                <a:solidFill>
+                  <a:srgbClr val="FF0000"/>
+                </a:solidFill>
+              </a:rPr>
+              <a:t> </a:t>
+            </a:r>
+            <a:r>
+              <a:rPr lang="de-DE" dirty="0" err="1" smtClean="0">
+                <a:solidFill>
+                  <a:srgbClr val="FF0000"/>
+                </a:solidFill>
+              </a:rPr>
+              <a:t>without</a:t>
+            </a:r>
+            <a:r>
+              <a:rPr lang="de-DE" dirty="0" smtClean="0">
+                <a:solidFill>
+                  <a:srgbClr val="FF0000"/>
+                </a:solidFill>
+              </a:rPr>
+              <a:t> </a:t>
+            </a:r>
+            <a:r>
+              <a:rPr lang="de-DE" dirty="0" err="1" smtClean="0">
+                <a:solidFill>
+                  <a:srgbClr val="FF0000"/>
+                </a:solidFill>
+              </a:rPr>
+              <a:t>asking</a:t>
+            </a:r>
+            <a:r>
+              <a:rPr lang="de-DE" dirty="0" smtClean="0">
+                <a:solidFill>
+                  <a:srgbClr val="FF0000"/>
+                </a:solidFill>
+              </a:rPr>
+              <a:t> </a:t>
+            </a:r>
+            <a:r>
+              <a:rPr lang="de-DE" dirty="0" err="1" smtClean="0">
+                <a:solidFill>
+                  <a:srgbClr val="FF0000"/>
+                </a:solidFill>
+              </a:rPr>
+              <a:t>for</a:t>
+            </a:r>
+            <a:r>
+              <a:rPr lang="de-DE" dirty="0" smtClean="0">
+                <a:solidFill>
+                  <a:srgbClr val="FF0000"/>
+                </a:solidFill>
+              </a:rPr>
+              <a:t> </a:t>
+            </a:r>
+            <a:r>
+              <a:rPr lang="de-DE" dirty="0" err="1" smtClean="0">
+                <a:solidFill>
+                  <a:srgbClr val="FF0000"/>
+                </a:solidFill>
+              </a:rPr>
+              <a:t>user</a:t>
+            </a:r>
+            <a:r>
+              <a:rPr lang="de-DE" dirty="0" smtClean="0">
+                <a:solidFill>
+                  <a:srgbClr val="FF0000"/>
+                </a:solidFill>
+              </a:rPr>
+              <a:t> </a:t>
+            </a:r>
+            <a:r>
+              <a:rPr lang="de-DE" dirty="0" err="1" smtClean="0">
+                <a:solidFill>
+                  <a:srgbClr val="FF0000"/>
+                </a:solidFill>
+              </a:rPr>
+              <a:t>input</a:t>
+            </a:r>
+            <a:r>
+              <a:rPr lang="de-DE" dirty="0" smtClean="0">
+                <a:solidFill>
+                  <a:srgbClr val="FF0000"/>
+                </a:solidFill>
+              </a:rPr>
+              <a:t>, e.g. </a:t>
+            </a:r>
+            <a:r>
+              <a:rPr lang="de-DE" dirty="0" err="1" smtClean="0">
+                <a:solidFill>
+                  <a:srgbClr val="FF0000"/>
+                </a:solidFill>
+              </a:rPr>
+              <a:t>pre-selected</a:t>
+            </a:r>
+            <a:r>
+              <a:rPr lang="de-DE" dirty="0" smtClean="0">
+                <a:solidFill>
+                  <a:srgbClr val="FF0000"/>
+                </a:solidFill>
+              </a:rPr>
+              <a:t> </a:t>
+            </a:r>
+            <a:r>
+              <a:rPr lang="de-DE" dirty="0" err="1" smtClean="0">
+                <a:solidFill>
+                  <a:srgbClr val="FF0000"/>
+                </a:solidFill>
+              </a:rPr>
+              <a:t>items</a:t>
+            </a:r>
+            <a:r>
+              <a:rPr lang="de-DE" dirty="0" smtClean="0">
+                <a:solidFill>
+                  <a:srgbClr val="FF0000"/>
+                </a:solidFill>
+              </a:rPr>
+              <a:t> in pick </a:t>
+            </a:r>
+            <a:r>
+              <a:rPr lang="de-DE" dirty="0" err="1" smtClean="0">
+                <a:solidFill>
+                  <a:srgbClr val="FF0000"/>
+                </a:solidFill>
+              </a:rPr>
+              <a:t>lists</a:t>
+            </a:r>
+            <a:endParaRPr lang="de-DE" dirty="0" smtClean="0">
+              <a:solidFill>
+                <a:srgbClr val="FF0000"/>
+              </a:solidFill>
+            </a:endParaRPr>
+          </a:p>
+          <a:p>
+            <a:pPr lvl="1">
+              <a:buFont typeface="Arial" panose="020B0604020202020204" pitchFamily="34" charset="0"/>
+              <a:buChar char="-"/>
+            </a:pPr>
+            <a:r>
               <a:rPr lang="de-DE" dirty="0" smtClean="0"/>
               <a:t>r(</a:t>
             </a:r>
@@ -19533,8 +19855,48 @@
           <a:p>
             <a:pPr lvl="2"/>
             <a:r>
-              <a:rPr lang="de-DE" dirty="0" smtClean="0"/>
-              <a:t>&lt;</a:t>
+              <a:rPr lang="de-DE" dirty="0" smtClean="0">
+                <a:solidFill>
+                  <a:srgbClr val="FF0000"/>
+                </a:solidFill>
+              </a:rPr>
+              <a:t>not </a:t>
+            </a:r>
+            <a:r>
+              <a:rPr lang="de-DE" dirty="0" err="1" smtClean="0">
+                <a:solidFill>
+                  <a:srgbClr val="FF0000"/>
+                </a:solidFill>
+              </a:rPr>
+              <a:t>yet</a:t>
+            </a:r>
+            <a:r>
+              <a:rPr lang="de-DE" dirty="0" smtClean="0">
+                <a:solidFill>
+                  <a:srgbClr val="FF0000"/>
+                </a:solidFill>
+              </a:rPr>
+              <a:t> </a:t>
+            </a:r>
+            <a:r>
+              <a:rPr lang="de-DE" dirty="0" err="1" smtClean="0">
+                <a:solidFill>
+                  <a:srgbClr val="FF0000"/>
+                </a:solidFill>
+              </a:rPr>
+              <a:t>implemented</a:t>
+            </a:r>
+            <a:endParaRPr lang="de-DE" dirty="0" smtClean="0">
+              <a:solidFill>
+                <a:srgbClr val="FF0000"/>
+              </a:solidFill>
+            </a:endParaRPr>
+          </a:p>
+          <a:p>
+            <a:pPr lvl="2"/>
+            <a:r>
+              <a:rPr lang="de-DE" dirty="0" smtClean="0"/>
+              <a:t>arg: "</a:t>
             </a:r>
             <a:r>
               <a:rPr lang="de-DE" dirty="0" err="1" smtClean="0"/>
@@ -19542,7 +19904,7 @@
             </a:r>
             <a:r>
               <a:rPr lang="de-DE" dirty="0" smtClean="0"/>
-              <a:t>&gt; </a:t>
+              <a:t>" </a:t>
             </a:r>
             <a:r>
               <a:rPr lang="de-DE" dirty="0" err="1" smtClean="0"/>
@@ -19614,22 +19976,125 @@
               <a:buChar char="-"/>
             </a:pPr>
             <a:r>
-              <a:rPr lang="de-DE" dirty="0" smtClean="0"/>
-              <a:t>&lt;320x240&gt; </a:t>
-            </a:r>
-            <a:r>
-              <a:rPr lang="de-DE" dirty="0" err="1" smtClean="0"/>
+              <a:rPr lang="de-DE" smtClean="0">
+                <a:solidFill>
+                  <a:srgbClr val="FF0000"/>
+                </a:solidFill>
+              </a:rPr>
+              <a:t>arg: "0" </a:t>
+            </a:r>
+            <a:r>
+              <a:rPr lang="de-DE" dirty="0" err="1" smtClean="0">
+                <a:solidFill>
+                  <a:srgbClr val="FF0000"/>
+                </a:solidFill>
+              </a:rPr>
               <a:t>frame</a:t>
             </a:r>
             <a:r>
-              <a:rPr lang="de-DE" dirty="0" smtClean="0"/>
-              <a:t> </a:t>
-            </a:r>
-            <a:r>
-              <a:rPr lang="de-DE" dirty="0" err="1" smtClean="0"/>
+              <a:rPr lang="de-DE" dirty="0" smtClean="0">
+                <a:solidFill>
+                  <a:srgbClr val="FF0000"/>
+                </a:solidFill>
+              </a:rPr>
+              <a:t> </a:t>
+            </a:r>
+            <a:r>
+              <a:rPr lang="de-DE" dirty="0" err="1" smtClean="0">
+                <a:solidFill>
+                  <a:srgbClr val="FF0000"/>
+                </a:solidFill>
+              </a:rPr>
               <a:t>size</a:t>
             </a:r>
-            <a:endParaRPr lang="de-DE" dirty="0" smtClean="0"/>
+            <a:r>
+              <a:rPr lang="de-DE" dirty="0" smtClean="0">
+                <a:solidFill>
+                  <a:srgbClr val="FF0000"/>
+                </a:solidFill>
+              </a:rPr>
+              <a:t> - </a:t>
+            </a:r>
+            <a:r>
+              <a:rPr lang="de-DE" dirty="0" err="1" smtClean="0">
+                <a:solidFill>
+                  <a:srgbClr val="FF0000"/>
+                </a:solidFill>
+              </a:rPr>
+              <a:t>number</a:t>
+            </a:r>
+            <a:r>
+              <a:rPr lang="de-DE" dirty="0" smtClean="0">
+                <a:solidFill>
+                  <a:srgbClr val="FF0000"/>
+                </a:solidFill>
+              </a:rPr>
+              <a:t> </a:t>
+            </a:r>
+            <a:r>
+              <a:rPr lang="de-DE" dirty="0" err="1" smtClean="0">
+                <a:solidFill>
+                  <a:srgbClr val="FF0000"/>
+                </a:solidFill>
+              </a:rPr>
+              <a:t>of</a:t>
+            </a:r>
+            <a:r>
+              <a:rPr lang="de-DE" dirty="0" smtClean="0">
+                <a:solidFill>
+                  <a:srgbClr val="FF0000"/>
+                </a:solidFill>
+              </a:rPr>
+              <a:t> </a:t>
+            </a:r>
+            <a:r>
+              <a:rPr lang="de-DE" dirty="0" err="1" smtClean="0">
+                <a:solidFill>
+                  <a:srgbClr val="FF0000"/>
+                </a:solidFill>
+              </a:rPr>
+              <a:t>size</a:t>
+            </a:r>
+            <a:r>
+              <a:rPr lang="de-DE" dirty="0" smtClean="0">
+                <a:solidFill>
+                  <a:srgbClr val="FF0000"/>
+                </a:solidFill>
+              </a:rPr>
+              <a:t> in </a:t>
+            </a:r>
+            <a:r>
+              <a:rPr lang="de-DE" dirty="0" err="1" smtClean="0">
+                <a:solidFill>
+                  <a:srgbClr val="FF0000"/>
+                </a:solidFill>
+              </a:rPr>
+              <a:t>pick_list</a:t>
+            </a:r>
+            <a:r>
+              <a:rPr lang="de-DE" dirty="0" smtClean="0">
+                <a:solidFill>
+                  <a:srgbClr val="FF0000"/>
+                </a:solidFill>
+              </a:rPr>
+              <a:t> (e.g. </a:t>
+            </a:r>
+            <a:r>
+              <a:rPr lang="de-DE" dirty="0">
+                <a:solidFill>
+                  <a:srgbClr val="FF0000"/>
+                </a:solidFill>
+              </a:rPr>
+              <a:t>0 </a:t>
+            </a:r>
+            <a:r>
+              <a:rPr lang="de-DE" dirty="0" smtClean="0">
+                <a:solidFill>
+                  <a:srgbClr val="FF0000"/>
+                </a:solidFill>
+              </a:rPr>
+              <a:t>-&gt; 320x240)</a:t>
+            </a:r>
           </a:p>
           <a:p>
             <a:pPr lvl="1">

--- a/MotionDetection+ObjectTrackingV4.pptx
+++ b/MotionDetection+ObjectTrackingV4.pptx
@@ -308,7 +308,7 @@
           <a:p>
             <a:fld id="{7F847C87-CECF-4A9A-88F5-87615B577ED8}" type="datetimeFigureOut">
               <a:rPr lang="de-DE" smtClean="0"/>
-              <a:t>22.04.2018</a:t>
+              <a:t>01.05.2018</a:t>
             </a:fld>
             <a:endParaRPr lang="de-DE"/>
           </a:p>
@@ -478,7 +478,7 @@
           <a:p>
             <a:fld id="{7F847C87-CECF-4A9A-88F5-87615B577ED8}" type="datetimeFigureOut">
               <a:rPr lang="de-DE" smtClean="0"/>
-              <a:t>22.04.2018</a:t>
+              <a:t>01.05.2018</a:t>
             </a:fld>
             <a:endParaRPr lang="de-DE"/>
           </a:p>
@@ -658,7 +658,7 @@
           <a:p>
             <a:fld id="{7F847C87-CECF-4A9A-88F5-87615B577ED8}" type="datetimeFigureOut">
               <a:rPr lang="de-DE" smtClean="0"/>
-              <a:t>22.04.2018</a:t>
+              <a:t>01.05.2018</a:t>
             </a:fld>
             <a:endParaRPr lang="de-DE"/>
           </a:p>
@@ -885,7 +885,7 @@
           <a:p>
             <a:fld id="{7F847C87-CECF-4A9A-88F5-87615B577ED8}" type="datetimeFigureOut">
               <a:rPr lang="de-DE" smtClean="0"/>
-              <a:t>22.04.2018</a:t>
+              <a:t>01.05.2018</a:t>
             </a:fld>
             <a:endParaRPr lang="de-DE"/>
           </a:p>
@@ -1138,7 +1138,7 @@
           <a:p>
             <a:fld id="{7F847C87-CECF-4A9A-88F5-87615B577ED8}" type="datetimeFigureOut">
               <a:rPr lang="de-DE" smtClean="0"/>
-              <a:t>22.04.2018</a:t>
+              <a:t>01.05.2018</a:t>
             </a:fld>
             <a:endParaRPr lang="de-DE"/>
           </a:p>
@@ -1426,7 +1426,7 @@
           <a:p>
             <a:fld id="{7F847C87-CECF-4A9A-88F5-87615B577ED8}" type="datetimeFigureOut">
               <a:rPr lang="de-DE" smtClean="0"/>
-              <a:t>22.04.2018</a:t>
+              <a:t>01.05.2018</a:t>
             </a:fld>
             <a:endParaRPr lang="de-DE"/>
           </a:p>
@@ -1848,7 +1848,7 @@
           <a:p>
             <a:fld id="{7F847C87-CECF-4A9A-88F5-87615B577ED8}" type="datetimeFigureOut">
               <a:rPr lang="de-DE" smtClean="0"/>
-              <a:t>22.04.2018</a:t>
+              <a:t>01.05.2018</a:t>
             </a:fld>
             <a:endParaRPr lang="de-DE"/>
           </a:p>
@@ -1966,7 +1966,7 @@
           <a:p>
             <a:fld id="{7F847C87-CECF-4A9A-88F5-87615B577ED8}" type="datetimeFigureOut">
               <a:rPr lang="de-DE" smtClean="0"/>
-              <a:t>22.04.2018</a:t>
+              <a:t>01.05.2018</a:t>
             </a:fld>
             <a:endParaRPr lang="de-DE"/>
           </a:p>
@@ -2061,7 +2061,7 @@
           <a:p>
             <a:fld id="{7F847C87-CECF-4A9A-88F5-87615B577ED8}" type="datetimeFigureOut">
               <a:rPr lang="de-DE" smtClean="0"/>
-              <a:t>22.04.2018</a:t>
+              <a:t>01.05.2018</a:t>
             </a:fld>
             <a:endParaRPr lang="de-DE"/>
           </a:p>
@@ -2338,7 +2338,7 @@
           <a:p>
             <a:fld id="{7F847C87-CECF-4A9A-88F5-87615B577ED8}" type="datetimeFigureOut">
               <a:rPr lang="de-DE" smtClean="0"/>
-              <a:t>22.04.2018</a:t>
+              <a:t>01.05.2018</a:t>
             </a:fld>
             <a:endParaRPr lang="de-DE"/>
           </a:p>
@@ -2591,7 +2591,7 @@
           <a:p>
             <a:fld id="{7F847C87-CECF-4A9A-88F5-87615B577ED8}" type="datetimeFigureOut">
               <a:rPr lang="de-DE" smtClean="0"/>
-              <a:t>22.04.2018</a:t>
+              <a:t>01.05.2018</a:t>
             </a:fld>
             <a:endParaRPr lang="de-DE"/>
           </a:p>
@@ -2789,7 +2789,7 @@
           <a:p>
             <a:fld id="{7F847C87-CECF-4A9A-88F5-87615B577ED8}" type="datetimeFigureOut">
               <a:rPr lang="de-DE" smtClean="0"/>
-              <a:t>22.04.2018</a:t>
+              <a:t>01.05.2018</a:t>
             </a:fld>
             <a:endParaRPr lang="de-DE"/>
           </a:p>
@@ -20168,7 +20168,19 @@
             </a:r>
             <a:r>
               <a:rPr lang="de-DE" dirty="0" smtClean="0"/>
-              <a:t> 1/2</a:t>
+              <a:t>: </a:t>
+            </a:r>
+            <a:r>
+              <a:rPr lang="de-DE" dirty="0" err="1" smtClean="0"/>
+              <a:t>state</a:t>
+            </a:r>
+            <a:r>
+              <a:rPr lang="de-DE" dirty="0" smtClean="0"/>
+              <a:t> </a:t>
+            </a:r>
+            <a:r>
+              <a:rPr lang="de-DE" dirty="0" err="1" smtClean="0"/>
+              <a:t>machine</a:t>
             </a:r>
             <a:endParaRPr lang="de-DE" dirty="0"/>
           </a:p>
@@ -20331,17 +20343,6 @@
             </a:lvl9pPr>
           </a:lstStyle>
           <a:p>
-            <a:r>
-              <a:rPr lang="de-DE" dirty="0" smtClean="0"/>
-              <a:t>State </a:t>
-            </a:r>
-            <a:r>
-              <a:rPr lang="de-DE" dirty="0" err="1" smtClean="0"/>
-              <a:t>machine</a:t>
-            </a:r>
-            <a:endParaRPr lang="de-DE" dirty="0" smtClean="0"/>
-          </a:p>
-          <a:p>
             <a:pPr lvl="1"/>
             <a:r>
               <a:rPr lang="de-DE" dirty="0" err="1" smtClean="0"/>
@@ -20400,7 +20401,8 @@
           <a:p>
             <a:pPr lvl="1">
               <a:tabLst>
-                <a:tab pos="5381625" algn="l"/>
+                <a:tab pos="5018088" algn="l"/>
+                <a:tab pos="6461125" algn="l"/>
               </a:tabLst>
             </a:pPr>
             <a:r>
@@ -20416,7 +20418,7 @@
               <a:t>home</a:t>
             </a:r>
             <a:r>
-              <a:rPr lang="de-DE" dirty="0" smtClean="0"/>
+              <a:rPr lang="de-DE" dirty="0"/>
               <a:t>)	</a:t>
             </a:r>
             <a:r>
@@ -20425,45 +20427,725 @@
             </a:r>
             <a:r>
               <a:rPr lang="de-DE" dirty="0" smtClean="0"/>
-              <a:t> // </a:t>
-            </a:r>
-            <a:r>
-              <a:rPr lang="de-DE" dirty="0" err="1" smtClean="0"/>
+              <a:t>    	// </a:t>
+            </a:r>
+            <a:r>
+              <a:rPr lang="de-DE" dirty="0" err="1"/>
               <a:t>full</a:t>
             </a:r>
             <a:r>
-              <a:rPr lang="de-DE" dirty="0" smtClean="0"/>
-              <a:t> </a:t>
-            </a:r>
-            <a:r>
-              <a:rPr lang="de-DE" dirty="0" err="1" smtClean="0"/>
+              <a:rPr lang="de-DE" dirty="0"/>
+              <a:t> </a:t>
+            </a:r>
+            <a:r>
+              <a:rPr lang="de-DE" dirty="0" err="1"/>
               <a:t>path</a:t>
             </a:r>
             <a:r>
-              <a:rPr lang="de-DE" dirty="0" smtClean="0"/>
-              <a:t> </a:t>
-            </a:r>
-            <a:r>
-              <a:rPr lang="de-DE" dirty="0" err="1" smtClean="0"/>
+              <a:rPr lang="de-DE" dirty="0"/>
+              <a:t> </a:t>
+            </a:r>
+            <a:r>
+              <a:rPr lang="de-DE" dirty="0" err="1"/>
               <a:t>to</a:t>
             </a:r>
             <a:r>
-              <a:rPr lang="de-DE" dirty="0" smtClean="0"/>
+              <a:rPr lang="de-DE" dirty="0"/>
               <a:t> </a:t>
             </a:r>
             <a:r>
               <a:rPr lang="de-DE" dirty="0" err="1" smtClean="0"/>
               <a:t>home</a:t>
             </a:r>
+            <a:endParaRPr lang="de-DE" dirty="0" smtClean="0"/>
+          </a:p>
+          <a:p>
+            <a:pPr lvl="1">
+              <a:tabLst>
+                <a:tab pos="5018088" algn="l"/>
+                <a:tab pos="6461125" algn="l"/>
+              </a:tabLst>
+            </a:pPr>
+            <a:r>
+              <a:rPr lang="de-DE" dirty="0" err="1" smtClean="0"/>
+              <a:t>set</a:t>
+            </a:r>
+            <a:r>
+              <a:rPr lang="de-DE" dirty="0" smtClean="0"/>
+              <a:t> </a:t>
+            </a:r>
+            <a:r>
+              <a:rPr lang="de-DE" dirty="0" err="1" smtClean="0"/>
+              <a:t>application</a:t>
+            </a:r>
+            <a:r>
+              <a:rPr lang="de-DE" dirty="0" smtClean="0"/>
+              <a:t> </a:t>
+            </a:r>
+            <a:r>
+              <a:rPr lang="de-DE" dirty="0" err="1" smtClean="0"/>
+              <a:t>path</a:t>
+            </a:r>
+            <a:r>
+              <a:rPr lang="de-DE" dirty="0" smtClean="0"/>
+              <a:t> 	</a:t>
+            </a:r>
+            <a:r>
+              <a:rPr lang="de-DE" dirty="0" err="1" smtClean="0"/>
+              <a:t>m_appPath</a:t>
+            </a:r>
+            <a:r>
+              <a:rPr lang="de-DE" dirty="0" smtClean="0"/>
+              <a:t>	// /</a:t>
+            </a:r>
+            <a:r>
+              <a:rPr lang="de-DE" dirty="0" err="1" smtClean="0"/>
+              <a:t>home</a:t>
+            </a:r>
+            <a:r>
+              <a:rPr lang="de-DE" dirty="0" smtClean="0"/>
+              <a:t>/</a:t>
+            </a:r>
+            <a:r>
+              <a:rPr lang="de-DE" dirty="0" err="1" smtClean="0"/>
+              <a:t>counter</a:t>
+            </a:r>
+            <a:r>
+              <a:rPr lang="de-DE" dirty="0" smtClean="0"/>
+              <a:t>/</a:t>
+            </a:r>
+            <a:br>
+              <a:rPr lang="de-DE" dirty="0" smtClean="0"/>
+            </a:br>
+            <a:r>
+              <a:rPr lang="de-DE" dirty="0" smtClean="0"/>
+              <a:t>	</a:t>
+            </a:r>
+            <a:r>
+              <a:rPr lang="de-DE" dirty="0" err="1" smtClean="0"/>
+              <a:t>m_configFilePath</a:t>
+            </a:r>
+            <a:r>
+              <a:rPr lang="de-DE" dirty="0" smtClean="0"/>
+              <a:t>	// </a:t>
+            </a:r>
+            <a:r>
+              <a:rPr lang="de-DE" dirty="0" err="1" smtClean="0"/>
+              <a:t>home</a:t>
+            </a:r>
+            <a:r>
+              <a:rPr lang="de-DE" dirty="0" smtClean="0"/>
+              <a:t>/</a:t>
+            </a:r>
+            <a:r>
+              <a:rPr lang="de-DE" dirty="0" err="1" smtClean="0"/>
+              <a:t>counter</a:t>
+            </a:r>
+            <a:r>
+              <a:rPr lang="de-DE" dirty="0" smtClean="0"/>
+              <a:t>/</a:t>
+            </a:r>
+            <a:r>
+              <a:rPr lang="de-DE" dirty="0" err="1" smtClean="0"/>
+              <a:t>config.sqlite</a:t>
+            </a:r>
+            <a:endParaRPr lang="de-DE" dirty="0" smtClean="0"/>
+          </a:p>
+          <a:p>
+            <a:pPr lvl="1">
+              <a:tabLst>
+                <a:tab pos="5018088" algn="l"/>
+                <a:tab pos="6461125" algn="l"/>
+              </a:tabLst>
+            </a:pPr>
+            <a:r>
+              <a:rPr lang="de-DE" dirty="0" err="1" smtClean="0"/>
+              <a:t>read</a:t>
+            </a:r>
+            <a:r>
+              <a:rPr lang="de-DE" dirty="0" smtClean="0"/>
+              <a:t> </a:t>
+            </a:r>
+            <a:r>
+              <a:rPr lang="de-DE" dirty="0" err="1" smtClean="0"/>
+              <a:t>config</a:t>
+            </a:r>
+            <a:r>
+              <a:rPr lang="de-DE" dirty="0" smtClean="0"/>
+              <a:t> </a:t>
+            </a:r>
+            <a:r>
+              <a:rPr lang="de-DE" dirty="0" err="1" smtClean="0"/>
+              <a:t>file</a:t>
+            </a:r>
+            <a:endParaRPr lang="de-DE" dirty="0" smtClean="0"/>
+          </a:p>
+          <a:p>
+            <a:pPr lvl="2">
+              <a:tabLst>
+                <a:tab pos="5018088" algn="l"/>
+                <a:tab pos="6461125" algn="l"/>
+              </a:tabLst>
+            </a:pPr>
+            <a:r>
+              <a:rPr lang="de-DE" dirty="0" err="1" smtClean="0"/>
+              <a:t>config</a:t>
+            </a:r>
+            <a:r>
+              <a:rPr lang="de-DE" dirty="0" smtClean="0"/>
+              <a:t> </a:t>
+            </a:r>
+            <a:r>
+              <a:rPr lang="de-DE" dirty="0" err="1" smtClean="0"/>
+              <a:t>file</a:t>
+            </a:r>
+            <a:r>
+              <a:rPr lang="de-DE" dirty="0" smtClean="0"/>
+              <a:t> </a:t>
+            </a:r>
+            <a:r>
+              <a:rPr lang="de-DE" dirty="0" err="1" smtClean="0"/>
+              <a:t>path</a:t>
+            </a:r>
+            <a:r>
+              <a:rPr lang="de-DE" dirty="0" smtClean="0"/>
+              <a:t>: $</a:t>
+            </a:r>
+            <a:r>
+              <a:rPr lang="de-DE" dirty="0" err="1" smtClean="0"/>
+              <a:t>apppath</a:t>
+            </a:r>
+            <a:r>
+              <a:rPr lang="de-DE" dirty="0" smtClean="0"/>
+              <a:t>/</a:t>
+            </a:r>
+            <a:r>
+              <a:rPr lang="de-DE" dirty="0" err="1" smtClean="0"/>
+              <a:t>config</a:t>
+            </a:r>
+            <a:r>
+              <a:rPr lang="de-DE" dirty="0" smtClean="0"/>
+              <a:t>/</a:t>
+            </a:r>
+            <a:r>
+              <a:rPr lang="de-DE" dirty="0" err="1" smtClean="0"/>
+              <a:t>config.sqlite</a:t>
+            </a:r>
+            <a:endParaRPr lang="de-DE" dirty="0" smtClean="0"/>
+          </a:p>
+          <a:p>
+            <a:pPr lvl="2">
+              <a:tabLst>
+                <a:tab pos="5018088" algn="l"/>
+                <a:tab pos="6461125" algn="l"/>
+              </a:tabLst>
+            </a:pPr>
+            <a:r>
+              <a:rPr lang="de-DE" dirty="0" err="1" smtClean="0"/>
+              <a:t>if</a:t>
+            </a:r>
+            <a:r>
+              <a:rPr lang="de-DE" dirty="0" smtClean="0"/>
+              <a:t> </a:t>
+            </a:r>
+            <a:r>
+              <a:rPr lang="de-DE" dirty="0" err="1" smtClean="0"/>
+              <a:t>existConfigFile</a:t>
+            </a:r>
+            <a:r>
+              <a:rPr lang="de-DE" dirty="0" smtClean="0"/>
+              <a:t> </a:t>
+            </a:r>
+            <a:r>
+              <a:rPr lang="de-DE" dirty="0" smtClean="0">
+                <a:sym typeface="Wingdings" panose="05000000000000000000" pitchFamily="2" charset="2"/>
+              </a:rPr>
+              <a:t></a:t>
+            </a:r>
+            <a:r>
+              <a:rPr lang="de-DE" dirty="0" smtClean="0"/>
+              <a:t> </a:t>
+            </a:r>
+            <a:r>
+              <a:rPr lang="de-DE" dirty="0" err="1" smtClean="0"/>
+              <a:t>readConfigFile</a:t>
+            </a:r>
+            <a:r>
+              <a:rPr lang="de-DE" dirty="0" smtClean="0"/>
+              <a:t> </a:t>
+            </a:r>
+            <a:r>
+              <a:rPr lang="de-DE" dirty="0" err="1" smtClean="0"/>
+              <a:t>from</a:t>
+            </a:r>
+            <a:r>
+              <a:rPr lang="de-DE" dirty="0" smtClean="0"/>
+              <a:t> </a:t>
+            </a:r>
+            <a:r>
+              <a:rPr lang="de-DE" dirty="0" err="1" smtClean="0"/>
+              <a:t>currentPath</a:t>
+            </a:r>
+            <a:r>
+              <a:rPr lang="de-DE" dirty="0" smtClean="0"/>
+              <a:t> </a:t>
+            </a:r>
+            <a:r>
+              <a:rPr lang="de-DE" dirty="0" err="1" smtClean="0"/>
+              <a:t>or</a:t>
+            </a:r>
+            <a:r>
+              <a:rPr lang="de-DE" dirty="0" smtClean="0"/>
+              <a:t> </a:t>
+            </a:r>
+            <a:r>
+              <a:rPr lang="de-DE" dirty="0" err="1" smtClean="0"/>
+              <a:t>homePath</a:t>
+            </a:r>
+            <a:r>
+              <a:rPr lang="de-DE" dirty="0" smtClean="0"/>
+              <a:t>	</a:t>
+            </a:r>
+            <a:r>
+              <a:rPr lang="de-DE" dirty="0" err="1" smtClean="0"/>
+              <a:t>m_params</a:t>
+            </a:r>
+            <a:r>
+              <a:rPr lang="de-DE" dirty="0" smtClean="0"/>
+              <a:t/>
+            </a:r>
+            <a:br>
+              <a:rPr lang="de-DE" dirty="0" smtClean="0"/>
+            </a:br>
+            <a:r>
+              <a:rPr lang="de-DE" dirty="0" err="1" smtClean="0"/>
+              <a:t>else</a:t>
+            </a:r>
+            <a:r>
+              <a:rPr lang="de-DE" dirty="0" smtClean="0"/>
+              <a:t> </a:t>
+            </a:r>
+            <a:r>
+              <a:rPr lang="de-DE" dirty="0" smtClean="0">
+                <a:sym typeface="Wingdings" panose="05000000000000000000" pitchFamily="2" charset="2"/>
+              </a:rPr>
+              <a:t> </a:t>
+            </a:r>
+            <a:r>
+              <a:rPr lang="de-DE" dirty="0" err="1" smtClean="0">
+                <a:sym typeface="Wingdings" panose="05000000000000000000" pitchFamily="2" charset="2"/>
+              </a:rPr>
+              <a:t>createConfigFile</a:t>
+            </a:r>
+            <a:r>
+              <a:rPr lang="de-DE" dirty="0" smtClean="0">
+                <a:sym typeface="Wingdings" panose="05000000000000000000" pitchFamily="2" charset="2"/>
+              </a:rPr>
+              <a:t> </a:t>
+            </a:r>
+            <a:r>
+              <a:rPr lang="de-DE" dirty="0" err="1" smtClean="0">
+                <a:sym typeface="Wingdings" panose="05000000000000000000" pitchFamily="2" charset="2"/>
+              </a:rPr>
+              <a:t>with</a:t>
+            </a:r>
+            <a:r>
+              <a:rPr lang="de-DE" dirty="0" smtClean="0">
+                <a:sym typeface="Wingdings" panose="05000000000000000000" pitchFamily="2" charset="2"/>
+              </a:rPr>
+              <a:t> </a:t>
+            </a:r>
+            <a:r>
+              <a:rPr lang="de-DE" dirty="0" err="1" smtClean="0">
+                <a:sym typeface="Wingdings" panose="05000000000000000000" pitchFamily="2" charset="2"/>
+              </a:rPr>
+              <a:t>std.</a:t>
+            </a:r>
+            <a:r>
+              <a:rPr lang="de-DE" dirty="0" smtClean="0">
+                <a:sym typeface="Wingdings" panose="05000000000000000000" pitchFamily="2" charset="2"/>
+              </a:rPr>
+              <a:t> </a:t>
+            </a:r>
+            <a:r>
+              <a:rPr lang="de-DE" dirty="0" err="1" smtClean="0">
+                <a:sym typeface="Wingdings" panose="05000000000000000000" pitchFamily="2" charset="2"/>
+              </a:rPr>
+              <a:t>params</a:t>
+            </a:r>
+            <a:r>
+              <a:rPr lang="de-DE" dirty="0" smtClean="0">
+                <a:sym typeface="Wingdings" panose="05000000000000000000" pitchFamily="2" charset="2"/>
+              </a:rPr>
+              <a:t> in </a:t>
+            </a:r>
+            <a:r>
+              <a:rPr lang="de-DE" dirty="0" err="1" smtClean="0">
+                <a:sym typeface="Wingdings" panose="05000000000000000000" pitchFamily="2" charset="2"/>
+              </a:rPr>
+              <a:t>config</a:t>
+            </a:r>
+            <a:r>
+              <a:rPr lang="de-DE" dirty="0" smtClean="0">
+                <a:sym typeface="Wingdings" panose="05000000000000000000" pitchFamily="2" charset="2"/>
+              </a:rPr>
+              <a:t> </a:t>
+            </a:r>
+            <a:r>
+              <a:rPr lang="de-DE" dirty="0" err="1" smtClean="0">
+                <a:sym typeface="Wingdings" panose="05000000000000000000" pitchFamily="2" charset="2"/>
+              </a:rPr>
+              <a:t>file</a:t>
+            </a:r>
+            <a:r>
+              <a:rPr lang="de-DE" dirty="0" smtClean="0">
+                <a:sym typeface="Wingdings" panose="05000000000000000000" pitchFamily="2" charset="2"/>
+              </a:rPr>
+              <a:t> </a:t>
+            </a:r>
+            <a:r>
+              <a:rPr lang="de-DE" dirty="0" err="1" smtClean="0">
+                <a:sym typeface="Wingdings" panose="05000000000000000000" pitchFamily="2" charset="2"/>
+              </a:rPr>
+              <a:t>path</a:t>
+            </a:r>
+            <a:r>
+              <a:rPr lang="de-DE" dirty="0" smtClean="0"/>
+              <a:t>	</a:t>
+            </a:r>
             <a:endParaRPr lang="de-DE" dirty="0"/>
           </a:p>
           <a:p>
-            <a:pPr lvl="1"/>
+            <a:pPr lvl="1">
+              <a:tabLst>
+                <a:tab pos="5018088" algn="l"/>
+                <a:tab pos="6461125" algn="l"/>
+              </a:tabLst>
+            </a:pPr>
             <a:r>
               <a:rPr lang="de-DE" dirty="0" err="1" smtClean="0"/>
               <a:t>readCmdLine</a:t>
             </a:r>
             <a:endParaRPr lang="de-DE" dirty="0"/>
+          </a:p>
+          <a:p>
+            <a:pPr lvl="2">
+              <a:tabLst>
+                <a:tab pos="5018088" algn="l"/>
+                <a:tab pos="6461125" algn="l"/>
+              </a:tabLst>
+            </a:pPr>
+            <a:r>
+              <a:rPr lang="de-DE" dirty="0" err="1" smtClean="0"/>
+              <a:t>if</a:t>
+            </a:r>
+            <a:r>
+              <a:rPr lang="de-DE" dirty="0" smtClean="0"/>
+              <a:t> </a:t>
+            </a:r>
+            <a:r>
+              <a:rPr lang="de-DE" dirty="0" err="1" smtClean="0"/>
+              <a:t>param</a:t>
+            </a:r>
+            <a:r>
+              <a:rPr lang="de-DE" dirty="0" smtClean="0"/>
+              <a:t> </a:t>
+            </a:r>
+            <a:r>
+              <a:rPr lang="de-DE" dirty="0" err="1" smtClean="0"/>
+              <a:t>differs</a:t>
+            </a:r>
+            <a:endParaRPr lang="de-DE" dirty="0"/>
+          </a:p>
+          <a:p>
+            <a:pPr marL="1169988" lvl="3" indent="-180975">
+              <a:buFont typeface="Calibri" panose="020F0502020204030204" pitchFamily="34" charset="0"/>
+              <a:buChar char="-"/>
+              <a:tabLst>
+                <a:tab pos="5018088" algn="l"/>
+                <a:tab pos="6461125" algn="l"/>
+              </a:tabLst>
+            </a:pPr>
+            <a:r>
+              <a:rPr lang="de-DE" sz="1000" dirty="0" err="1" smtClean="0"/>
+              <a:t>work</a:t>
+            </a:r>
+            <a:r>
+              <a:rPr lang="de-DE" sz="1000" dirty="0" smtClean="0"/>
+              <a:t> </a:t>
+            </a:r>
+            <a:r>
+              <a:rPr lang="de-DE" sz="1000" dirty="0" err="1" smtClean="0"/>
+              <a:t>directory</a:t>
+            </a:r>
+            <a:r>
+              <a:rPr lang="de-DE" sz="1000" dirty="0" smtClean="0"/>
+              <a:t> (</a:t>
+            </a:r>
+            <a:r>
+              <a:rPr lang="de-DE" sz="1000" dirty="0" err="1" smtClean="0"/>
+              <a:t>usually</a:t>
+            </a:r>
+            <a:r>
+              <a:rPr lang="de-DE" sz="1000" dirty="0" smtClean="0"/>
+              <a:t> </a:t>
+            </a:r>
+            <a:r>
+              <a:rPr lang="de-DE" sz="1000" dirty="0" err="1" smtClean="0"/>
+              <a:t>app</a:t>
+            </a:r>
+            <a:r>
+              <a:rPr lang="de-DE" sz="1000" dirty="0" smtClean="0"/>
+              <a:t> </a:t>
+            </a:r>
+            <a:r>
+              <a:rPr lang="de-DE" sz="1000" dirty="0" err="1" smtClean="0"/>
+              <a:t>path</a:t>
+            </a:r>
+            <a:r>
+              <a:rPr lang="de-DE" sz="1000" dirty="0" smtClean="0"/>
+              <a:t>)	"</a:t>
+            </a:r>
+            <a:r>
+              <a:rPr lang="de-DE" sz="1000" dirty="0" err="1" smtClean="0"/>
+              <a:t>work_path</a:t>
+            </a:r>
+            <a:r>
+              <a:rPr lang="de-DE" sz="1000" dirty="0" smtClean="0"/>
+              <a:t>"</a:t>
+            </a:r>
+          </a:p>
+          <a:p>
+            <a:pPr marL="1169988" lvl="3" indent="-180975">
+              <a:buFont typeface="Calibri" panose="020F0502020204030204" pitchFamily="34" charset="0"/>
+              <a:buChar char="-"/>
+              <a:tabLst>
+                <a:tab pos="5018088" algn="l"/>
+                <a:tab pos="6461125" algn="l"/>
+              </a:tabLst>
+            </a:pPr>
+            <a:r>
+              <a:rPr lang="de-DE" sz="1000" dirty="0" err="1"/>
+              <a:t>video</a:t>
+            </a:r>
+            <a:r>
+              <a:rPr lang="de-DE" sz="1000" dirty="0"/>
+              <a:t> </a:t>
+            </a:r>
+            <a:r>
+              <a:rPr lang="de-DE" sz="1000" dirty="0" err="1"/>
+              <a:t>input</a:t>
+            </a:r>
+            <a:r>
+              <a:rPr lang="de-DE" sz="1000" dirty="0"/>
+              <a:t> </a:t>
+            </a:r>
+            <a:r>
+              <a:rPr lang="de-DE" sz="1000" dirty="0" err="1"/>
+              <a:t>file</a:t>
+            </a:r>
+            <a:r>
+              <a:rPr lang="de-DE" sz="1000" dirty="0"/>
+              <a:t> (</a:t>
+            </a:r>
+            <a:r>
+              <a:rPr lang="de-DE" sz="1000" dirty="0" err="1"/>
+              <a:t>call</a:t>
+            </a:r>
+            <a:r>
+              <a:rPr lang="de-DE" sz="1000" dirty="0"/>
+              <a:t> </a:t>
+            </a:r>
+            <a:r>
+              <a:rPr lang="de-DE" sz="1000" dirty="0" err="1"/>
+              <a:t>locateVideoFile</a:t>
+            </a:r>
+            <a:r>
+              <a:rPr lang="de-DE" sz="1000" dirty="0"/>
+              <a:t>)	"</a:t>
+            </a:r>
+            <a:r>
+              <a:rPr lang="de-DE" sz="1000" dirty="0" err="1"/>
+              <a:t>video_file_path</a:t>
+            </a:r>
+            <a:r>
+              <a:rPr lang="de-DE" sz="1000" dirty="0"/>
+              <a:t>" 	// </a:t>
+            </a:r>
+            <a:r>
+              <a:rPr lang="de-DE" sz="1000" dirty="0" err="1"/>
+              <a:t>full</a:t>
+            </a:r>
+            <a:r>
+              <a:rPr lang="de-DE" sz="1000" dirty="0"/>
+              <a:t> </a:t>
+            </a:r>
+            <a:r>
+              <a:rPr lang="de-DE" sz="1000" dirty="0" err="1"/>
+              <a:t>path</a:t>
+            </a:r>
+            <a:endParaRPr lang="de-DE" sz="1000" dirty="0"/>
+          </a:p>
+          <a:p>
+            <a:pPr marL="1169988" lvl="3" indent="-180975">
+              <a:buFont typeface="Calibri" panose="020F0502020204030204" pitchFamily="34" charset="0"/>
+              <a:buChar char="-"/>
+              <a:tabLst>
+                <a:tab pos="5018088" algn="l"/>
+                <a:tab pos="6461125" algn="l"/>
+              </a:tabLst>
+            </a:pPr>
+            <a:r>
+              <a:rPr lang="de-DE" sz="1000" dirty="0" err="1"/>
+              <a:t>take</a:t>
+            </a:r>
+            <a:r>
+              <a:rPr lang="de-DE" sz="1000" dirty="0"/>
+              <a:t> </a:t>
+            </a:r>
+            <a:r>
+              <a:rPr lang="de-DE" sz="1000" dirty="0" err="1"/>
+              <a:t>input</a:t>
+            </a:r>
+            <a:r>
+              <a:rPr lang="de-DE" sz="1000" dirty="0"/>
+              <a:t> </a:t>
+            </a:r>
+            <a:r>
+              <a:rPr lang="de-DE" sz="1000" dirty="0" err="1"/>
+              <a:t>from</a:t>
+            </a:r>
+            <a:r>
+              <a:rPr lang="de-DE" sz="1000" dirty="0"/>
+              <a:t> </a:t>
+            </a:r>
+            <a:r>
+              <a:rPr lang="de-DE" sz="1000" dirty="0" err="1"/>
+              <a:t>file</a:t>
+            </a:r>
+            <a:r>
+              <a:rPr lang="de-DE" sz="1000" dirty="0"/>
+              <a:t> 	"</a:t>
+            </a:r>
+            <a:r>
+              <a:rPr lang="de-DE" sz="1000" dirty="0" err="1"/>
+              <a:t>is_from_cam</a:t>
+            </a:r>
+            <a:r>
+              <a:rPr lang="de-DE" sz="1000" dirty="0"/>
+              <a:t>"</a:t>
+            </a:r>
+          </a:p>
+          <a:p>
+            <a:pPr marL="1169988" lvl="3" indent="-180975">
+              <a:buFont typeface="Calibri" panose="020F0502020204030204" pitchFamily="34" charset="0"/>
+              <a:buChar char="-"/>
+              <a:tabLst>
+                <a:tab pos="5018088" algn="l"/>
+                <a:tab pos="6461125" algn="l"/>
+              </a:tabLst>
+            </a:pPr>
+            <a:r>
+              <a:rPr lang="de-DE" sz="1000" dirty="0" err="1"/>
+              <a:t>input</a:t>
+            </a:r>
+            <a:r>
+              <a:rPr lang="de-DE" sz="1000" dirty="0"/>
+              <a:t> </a:t>
+            </a:r>
+            <a:r>
+              <a:rPr lang="de-DE" sz="1000" dirty="0" err="1"/>
+              <a:t>device</a:t>
+            </a:r>
+            <a:r>
+              <a:rPr lang="de-DE" sz="1000" dirty="0"/>
+              <a:t>	</a:t>
+            </a:r>
+            <a:r>
+              <a:rPr lang="de-DE" sz="1000" dirty="0"/>
+              <a:t>"</a:t>
+            </a:r>
+            <a:r>
+              <a:rPr lang="de-DE" sz="1000" dirty="0" err="1"/>
+              <a:t>cam_device_ID</a:t>
+            </a:r>
+            <a:r>
+              <a:rPr lang="de-DE" sz="1000" dirty="0"/>
+              <a:t>"</a:t>
+            </a:r>
+            <a:endParaRPr lang="de-DE" sz="1000" dirty="0"/>
+          </a:p>
+          <a:p>
+            <a:pPr marL="1169988" lvl="3" indent="-180975">
+              <a:buFont typeface="Calibri" panose="020F0502020204030204" pitchFamily="34" charset="0"/>
+              <a:buChar char="-"/>
+              <a:tabLst>
+                <a:tab pos="5018088" algn="l"/>
+                <a:tab pos="6461125" algn="l"/>
+              </a:tabLst>
+            </a:pPr>
+            <a:r>
+              <a:rPr lang="de-DE" sz="1000" dirty="0" err="1"/>
+              <a:t>resolution</a:t>
+            </a:r>
+            <a:r>
+              <a:rPr lang="de-DE" sz="1000" dirty="0"/>
+              <a:t> (</a:t>
+            </a:r>
+            <a:r>
+              <a:rPr lang="de-DE" sz="1000" dirty="0" err="1"/>
+              <a:t>frame</a:t>
+            </a:r>
+            <a:r>
+              <a:rPr lang="de-DE" sz="1000" dirty="0"/>
+              <a:t> </a:t>
+            </a:r>
+            <a:r>
+              <a:rPr lang="de-DE" sz="1000" dirty="0" err="1"/>
+              <a:t>size</a:t>
+            </a:r>
+            <a:r>
+              <a:rPr lang="de-DE" sz="1000" dirty="0"/>
+              <a:t>)	"</a:t>
+            </a:r>
+            <a:r>
+              <a:rPr lang="de-DE" sz="1000" dirty="0" err="1"/>
+              <a:t>cam_resolution_ID</a:t>
+            </a:r>
+            <a:r>
+              <a:rPr lang="de-DE" sz="1000" dirty="0"/>
+              <a:t>"</a:t>
+            </a:r>
+          </a:p>
+          <a:p>
+            <a:pPr marL="1169988" lvl="3" indent="-180975">
+              <a:buFont typeface="Calibri" panose="020F0502020204030204" pitchFamily="34" charset="0"/>
+              <a:buChar char="-"/>
+              <a:tabLst>
+                <a:tab pos="5018088" algn="l"/>
+                <a:tab pos="6461125" algn="l"/>
+              </a:tabLst>
+            </a:pPr>
+            <a:r>
+              <a:rPr lang="de-DE" sz="1000" dirty="0" err="1"/>
+              <a:t>frame</a:t>
+            </a:r>
+            <a:r>
+              <a:rPr lang="de-DE" sz="1000" dirty="0"/>
+              <a:t> </a:t>
+            </a:r>
+            <a:r>
+              <a:rPr lang="de-DE" sz="1000" dirty="0"/>
+              <a:t>rate	"</a:t>
+            </a:r>
+            <a:r>
+              <a:rPr lang="de-DE" sz="1000" dirty="0" err="1"/>
+              <a:t>cam_fps</a:t>
+            </a:r>
+            <a:r>
+              <a:rPr lang="de-DE" sz="1000" dirty="0" smtClean="0"/>
+              <a:t>"</a:t>
+            </a:r>
           </a:p>
           <a:p>
             <a:pPr lvl="2">
@@ -20472,26 +21154,10 @@
               </a:tabLst>
             </a:pPr>
             <a:r>
-              <a:rPr lang="de-DE" dirty="0" err="1" smtClean="0"/>
-              <a:t>work</a:t>
-            </a:r>
-            <a:r>
-              <a:rPr lang="de-DE" dirty="0" smtClean="0"/>
-              <a:t> </a:t>
-            </a:r>
-            <a:r>
-              <a:rPr lang="de-DE" dirty="0" err="1" smtClean="0"/>
-              <a:t>directory</a:t>
-            </a:r>
-            <a:r>
-              <a:rPr lang="de-DE" dirty="0" smtClean="0"/>
-              <a:t>	</a:t>
-            </a:r>
-            <a:r>
-              <a:rPr lang="de-DE" dirty="0" err="1" smtClean="0"/>
-              <a:t>m_workPath</a:t>
-            </a:r>
-            <a:endParaRPr lang="de-DE" dirty="0" smtClean="0"/>
+              <a:rPr lang="de-DE" dirty="0" err="1"/>
+              <a:t>recalcFrameSizeDependentParameters</a:t>
+            </a:r>
+            <a:endParaRPr lang="de-DE" dirty="0"/>
           </a:p>
           <a:p>
             <a:pPr lvl="2">
@@ -20500,32 +21166,183 @@
               </a:tabLst>
             </a:pPr>
             <a:r>
-              <a:rPr lang="de-DE" dirty="0" err="1" smtClean="0"/>
-              <a:t>input</a:t>
-            </a:r>
-            <a:r>
-              <a:rPr lang="de-DE" dirty="0" smtClean="0"/>
-              <a:t> </a:t>
-            </a:r>
-            <a:r>
-              <a:rPr lang="de-DE" dirty="0" err="1" smtClean="0"/>
-              <a:t>file</a:t>
-            </a:r>
-            <a:r>
-              <a:rPr lang="de-DE" dirty="0" smtClean="0"/>
-              <a:t> </a:t>
-            </a:r>
-            <a:r>
-              <a:rPr lang="de-DE" dirty="0" err="1" smtClean="0"/>
-              <a:t>file</a:t>
-            </a:r>
-            <a:r>
-              <a:rPr lang="de-DE" dirty="0" smtClean="0"/>
-              <a:t>	</a:t>
-            </a:r>
-            <a:r>
-              <a:rPr lang="de-DE" dirty="0" err="1" smtClean="0"/>
-              <a:t>m_videoFilePath</a:t>
+              <a:rPr lang="de-DE" dirty="0" err="1"/>
+              <a:t>write</a:t>
+            </a:r>
+            <a:r>
+              <a:rPr lang="de-DE" dirty="0"/>
+              <a:t> all </a:t>
+            </a:r>
+            <a:r>
+              <a:rPr lang="de-DE" dirty="0" err="1"/>
+              <a:t>params</a:t>
+            </a:r>
+            <a:r>
+              <a:rPr lang="de-DE" dirty="0"/>
+              <a:t> </a:t>
+            </a:r>
+            <a:r>
+              <a:rPr lang="de-DE" dirty="0" err="1"/>
+              <a:t>to</a:t>
+            </a:r>
+            <a:r>
+              <a:rPr lang="de-DE" dirty="0"/>
+              <a:t> </a:t>
+            </a:r>
+            <a:r>
+              <a:rPr lang="de-DE" dirty="0" err="1"/>
+              <a:t>config</a:t>
+            </a:r>
+            <a:endParaRPr lang="de-DE" dirty="0"/>
+          </a:p>
+          <a:p>
+            <a:pPr lvl="1"/>
+            <a:r>
+              <a:rPr lang="en-US" dirty="0" err="1"/>
+              <a:t>locateVideoFile</a:t>
+            </a:r>
+            <a:r>
+              <a:rPr lang="en-US" dirty="0"/>
+              <a:t>  in</a:t>
+            </a:r>
+          </a:p>
+          <a:p>
+            <a:pPr lvl="2"/>
+            <a:r>
+              <a:rPr lang="en-US" dirty="0"/>
+              <a:t>current directory</a:t>
+            </a:r>
+          </a:p>
+          <a:p>
+            <a:pPr lvl="2"/>
+            <a:r>
+              <a:rPr lang="en-US" dirty="0"/>
+              <a:t>/home</a:t>
+            </a:r>
+          </a:p>
+          <a:p>
+            <a:pPr lvl="2"/>
+            <a:r>
+              <a:rPr lang="en-US" dirty="0"/>
+              <a:t>/home/</a:t>
+            </a:r>
+            <a:r>
+              <a:rPr lang="en-US" dirty="0" err="1"/>
+              <a:t>work_path</a:t>
+            </a:r>
+            <a:endParaRPr lang="en-US" dirty="0"/>
+          </a:p>
+          <a:p>
+            <a:pPr lvl="2"/>
+            <a:r>
+              <a:rPr lang="en-US" dirty="0"/>
+              <a:t>check File permissions</a:t>
+            </a:r>
+          </a:p>
+          <a:p>
+            <a:pPr lvl="1"/>
+            <a:r>
+              <a:rPr lang="de-DE" dirty="0" err="1" smtClean="0"/>
+              <a:t>FrameHandler</a:t>
+            </a:r>
+            <a:r>
+              <a:rPr lang="de-DE" dirty="0" smtClean="0"/>
+              <a:t>::</a:t>
+            </a:r>
+            <a:r>
+              <a:rPr lang="de-DE" dirty="0" err="1" smtClean="0"/>
+              <a:t>openCapSource</a:t>
+            </a:r>
+            <a:endParaRPr lang="de-DE" dirty="0" smtClean="0"/>
+          </a:p>
+          <a:p>
+            <a:pPr lvl="2"/>
+            <a:r>
+              <a:rPr lang="de-DE" dirty="0" err="1" smtClean="0"/>
+              <a:t>if</a:t>
+            </a:r>
+            <a:r>
+              <a:rPr lang="de-DE" dirty="0" smtClean="0"/>
+              <a:t> </a:t>
+            </a:r>
+            <a:r>
+              <a:rPr lang="de-DE" dirty="0" err="1" smtClean="0"/>
+              <a:t>isCamera</a:t>
+            </a:r>
+            <a:r>
+              <a:rPr lang="de-DE" dirty="0" smtClean="0"/>
+              <a:t> -&gt; </a:t>
+            </a:r>
+            <a:r>
+              <a:rPr lang="de-DE" dirty="0" err="1" smtClean="0"/>
+              <a:t>setCameraParameters</a:t>
+            </a:r>
+            <a:r>
+              <a:rPr lang="de-DE" dirty="0" smtClean="0"/>
+              <a:t> (</a:t>
+            </a:r>
+            <a:r>
+              <a:rPr lang="de-DE" dirty="0" err="1" smtClean="0"/>
+              <a:t>frame</a:t>
+            </a:r>
+            <a:r>
+              <a:rPr lang="de-DE" dirty="0" err="1"/>
+              <a:t>_</a:t>
+            </a:r>
+            <a:r>
+              <a:rPr lang="de-DE" dirty="0" err="1" smtClean="0"/>
+              <a:t>size</a:t>
+            </a:r>
+            <a:r>
+              <a:rPr lang="de-DE" dirty="0" smtClean="0"/>
+              <a:t>, </a:t>
+            </a:r>
+            <a:r>
+              <a:rPr lang="de-DE" dirty="0" err="1" smtClean="0"/>
+              <a:t>frame</a:t>
+            </a:r>
+            <a:r>
+              <a:rPr lang="de-DE" dirty="0" err="1"/>
+              <a:t>_</a:t>
+            </a:r>
+            <a:r>
+              <a:rPr lang="de-DE" dirty="0" err="1" smtClean="0"/>
+              <a:t>rate</a:t>
+            </a:r>
+            <a:r>
+              <a:rPr lang="de-DE" dirty="0" smtClean="0"/>
+              <a:t>)</a:t>
+            </a:r>
+          </a:p>
+          <a:p>
+            <a:pPr lvl="2"/>
+            <a:r>
+              <a:rPr lang="de-DE" dirty="0" err="1" smtClean="0"/>
+              <a:t>if</a:t>
+            </a:r>
+            <a:r>
+              <a:rPr lang="de-DE" dirty="0" smtClean="0"/>
+              <a:t> </a:t>
+            </a:r>
+            <a:r>
+              <a:rPr lang="de-DE" dirty="0" err="1" smtClean="0"/>
+              <a:t>isFile</a:t>
+            </a:r>
+            <a:r>
+              <a:rPr lang="de-DE" dirty="0" smtClean="0"/>
+              <a:t> -&gt; </a:t>
+            </a:r>
+            <a:r>
+              <a:rPr lang="de-DE" dirty="0" err="1" smtClean="0"/>
+              <a:t>get</a:t>
+            </a:r>
+            <a:r>
+              <a:rPr lang="de-DE" dirty="0" smtClean="0"/>
+              <a:t> </a:t>
+            </a:r>
+            <a:r>
+              <a:rPr lang="de-DE" dirty="0" err="1" smtClean="0"/>
+              <a:t>frame_size</a:t>
             </a:r>
             <a:endParaRPr lang="de-DE" dirty="0" smtClean="0"/>
           </a:p>
@@ -20537,23 +21354,7 @@
             </a:pPr>
             <a:r>
               <a:rPr lang="de-DE" dirty="0" err="1"/>
-              <a:t>input</a:t>
-            </a:r>
-            <a:r>
-              <a:rPr lang="de-DE" dirty="0"/>
-              <a:t> </a:t>
-            </a:r>
-            <a:r>
-              <a:rPr lang="de-DE" dirty="0" err="1"/>
-              <a:t>device</a:t>
-            </a:r>
-            <a:r>
-              <a:rPr lang="de-DE" dirty="0"/>
-              <a:t>	</a:t>
-            </a:r>
-            <a:r>
-              <a:rPr lang="de-DE" dirty="0" err="1" smtClean="0"/>
-              <a:t>m_camID</a:t>
+              <a:t>re-CalcFrameSizeDependentParameters</a:t>
             </a:r>
             <a:endParaRPr lang="de-DE" dirty="0"/>
           </a:p>
@@ -20564,1495 +21365,14 @@
               </a:tabLst>
             </a:pPr>
             <a:r>
-              <a:rPr lang="de-DE" dirty="0" err="1" smtClean="0"/>
-              <a:t>resolution</a:t>
-            </a:r>
-            <a:r>
-              <a:rPr lang="de-DE" dirty="0" smtClean="0"/>
-              <a:t> (</a:t>
-            </a:r>
-            <a:r>
-              <a:rPr lang="de-DE" dirty="0" err="1" smtClean="0"/>
-              <a:t>frame</a:t>
-            </a:r>
-            <a:r>
-              <a:rPr lang="de-DE" dirty="0" smtClean="0"/>
-              <a:t> </a:t>
-            </a:r>
-            <a:r>
-              <a:rPr lang="de-DE" dirty="0" err="1" smtClean="0"/>
-              <a:t>size</a:t>
-            </a:r>
-            <a:r>
-              <a:rPr lang="de-DE" dirty="0" smtClean="0"/>
-              <a:t>)	</a:t>
-            </a:r>
-            <a:r>
-              <a:rPr lang="de-DE" dirty="0" err="1" smtClean="0"/>
-              <a:t>m_resolutionID</a:t>
-            </a:r>
-            <a:endParaRPr lang="de-DE" dirty="0" smtClean="0"/>
-          </a:p>
-          <a:p>
-            <a:pPr lvl="2">
-              <a:tabLst>
-                <a:tab pos="5381625" algn="l"/>
-              </a:tabLst>
-            </a:pPr>
-            <a:r>
-              <a:rPr lang="de-DE" dirty="0" err="1" smtClean="0"/>
-              <a:t>frame</a:t>
-            </a:r>
-            <a:r>
-              <a:rPr lang="de-DE" dirty="0"/>
-              <a:t> </a:t>
-            </a:r>
-            <a:r>
-              <a:rPr lang="de-DE" dirty="0" smtClean="0"/>
-              <a:t>rate	</a:t>
-            </a:r>
-            <a:r>
-              <a:rPr lang="de-DE" dirty="0" err="1" smtClean="0"/>
-              <a:t>m_fps</a:t>
+              <a:rPr lang="de-DE" dirty="0" err="1"/>
+              <a:t>saveConfigToFile</a:t>
             </a:r>
             <a:endParaRPr lang="de-DE" dirty="0"/>
           </a:p>
           <a:p>
-            <a:pPr lvl="1"/>
-            <a:r>
-              <a:rPr lang="de-DE" dirty="0" err="1"/>
-              <a:t>read</a:t>
-            </a:r>
-            <a:r>
-              <a:rPr lang="de-DE" dirty="0"/>
-              <a:t> </a:t>
-            </a:r>
-            <a:r>
-              <a:rPr lang="de-DE" dirty="0" err="1"/>
-              <a:t>configFile</a:t>
-            </a:r>
-            <a:r>
-              <a:rPr lang="de-DE" dirty="0"/>
-              <a:t> (</a:t>
-            </a:r>
-            <a:r>
-              <a:rPr lang="de-DE" dirty="0" err="1"/>
-              <a:t>sqlite</a:t>
-            </a:r>
-            <a:r>
-              <a:rPr lang="de-DE" dirty="0"/>
-              <a:t> </a:t>
-            </a:r>
-            <a:r>
-              <a:rPr lang="de-DE" dirty="0" err="1"/>
-              <a:t>db</a:t>
-            </a:r>
-            <a:r>
-              <a:rPr lang="de-DE" dirty="0"/>
-              <a:t>)</a:t>
-            </a:r>
-          </a:p>
-          <a:p>
             <a:pPr lvl="2"/>
-            <a:r>
-              <a:rPr lang="de-DE" dirty="0" err="1" smtClean="0"/>
-              <a:t>if</a:t>
-            </a:r>
-            <a:r>
-              <a:rPr lang="de-DE" dirty="0"/>
-              <a:t> </a:t>
-            </a:r>
-            <a:r>
-              <a:rPr lang="de-DE" dirty="0" err="1" smtClean="0"/>
-              <a:t>no</a:t>
-            </a:r>
-            <a:r>
-              <a:rPr lang="de-DE" dirty="0" smtClean="0"/>
-              <a:t> </a:t>
-            </a:r>
-            <a:r>
-              <a:rPr lang="de-DE" dirty="0" err="1" smtClean="0"/>
-              <a:t>config</a:t>
-            </a:r>
-            <a:r>
-              <a:rPr lang="de-DE" dirty="0" smtClean="0"/>
-              <a:t> </a:t>
-            </a:r>
-            <a:r>
-              <a:rPr lang="de-DE" dirty="0" err="1" smtClean="0"/>
-              <a:t>file</a:t>
-            </a:r>
-            <a:r>
-              <a:rPr lang="de-DE" dirty="0" smtClean="0"/>
-              <a:t> -&gt; </a:t>
-            </a:r>
-            <a:r>
-              <a:rPr lang="de-DE" dirty="0" err="1" smtClean="0"/>
-              <a:t>create</a:t>
-            </a:r>
-            <a:r>
-              <a:rPr lang="de-DE" dirty="0" smtClean="0"/>
-              <a:t> </a:t>
-            </a:r>
-            <a:r>
-              <a:rPr lang="de-DE" dirty="0" err="1" smtClean="0"/>
-              <a:t>it</a:t>
-            </a:r>
-            <a:endParaRPr lang="de-DE" dirty="0" smtClean="0"/>
-          </a:p>
-          <a:p>
-            <a:pPr lvl="2"/>
-            <a:r>
-              <a:rPr lang="de-DE" dirty="0" err="1" smtClean="0"/>
-              <a:t>if</a:t>
-            </a:r>
-            <a:r>
-              <a:rPr lang="de-DE" dirty="0" smtClean="0"/>
-              <a:t> </a:t>
-            </a:r>
-            <a:r>
-              <a:rPr lang="de-DE" dirty="0" err="1" smtClean="0"/>
-              <a:t>config</a:t>
-            </a:r>
-            <a:r>
-              <a:rPr lang="de-DE" dirty="0" smtClean="0"/>
-              <a:t> </a:t>
-            </a:r>
-            <a:r>
-              <a:rPr lang="de-DE" dirty="0" err="1" smtClean="0"/>
-              <a:t>file</a:t>
-            </a:r>
-            <a:r>
-              <a:rPr lang="de-DE" dirty="0" smtClean="0"/>
-              <a:t> </a:t>
-            </a:r>
-            <a:r>
-              <a:rPr lang="de-DE" dirty="0" err="1" smtClean="0"/>
-              <a:t>options</a:t>
-            </a:r>
-            <a:r>
-              <a:rPr lang="de-DE" dirty="0" smtClean="0"/>
-              <a:t> </a:t>
-            </a:r>
-            <a:r>
-              <a:rPr lang="de-DE" dirty="0" err="1" smtClean="0"/>
-              <a:t>differ</a:t>
-            </a:r>
-            <a:r>
-              <a:rPr lang="de-DE" dirty="0" smtClean="0"/>
-              <a:t> </a:t>
-            </a:r>
-            <a:r>
-              <a:rPr lang="de-DE" dirty="0" err="1" smtClean="0"/>
-              <a:t>from</a:t>
-            </a:r>
-            <a:r>
-              <a:rPr lang="de-DE" dirty="0" smtClean="0"/>
-              <a:t> </a:t>
-            </a:r>
-            <a:r>
-              <a:rPr lang="de-DE" dirty="0" err="1" smtClean="0"/>
-              <a:t>cmd</a:t>
-            </a:r>
-            <a:r>
-              <a:rPr lang="de-DE" dirty="0" smtClean="0"/>
-              <a:t> </a:t>
-            </a:r>
-            <a:r>
-              <a:rPr lang="de-DE" dirty="0" err="1" smtClean="0"/>
-              <a:t>line</a:t>
-            </a:r>
-            <a:r>
-              <a:rPr lang="de-DE" dirty="0" smtClean="0"/>
-              <a:t> </a:t>
-            </a:r>
-            <a:r>
-              <a:rPr lang="de-DE" dirty="0" err="1" smtClean="0"/>
-              <a:t>options</a:t>
-            </a:r>
-            <a:r>
-              <a:rPr lang="de-DE" dirty="0" smtClean="0"/>
-              <a:t> -&gt; </a:t>
-            </a:r>
-            <a:r>
-              <a:rPr lang="de-DE" dirty="0" err="1" smtClean="0"/>
-              <a:t>take</a:t>
-            </a:r>
-            <a:r>
-              <a:rPr lang="de-DE" dirty="0" smtClean="0"/>
-              <a:t> </a:t>
-            </a:r>
-            <a:r>
-              <a:rPr lang="de-DE" dirty="0" err="1" smtClean="0"/>
-              <a:t>cmd</a:t>
-            </a:r>
-            <a:r>
-              <a:rPr lang="de-DE" dirty="0" smtClean="0"/>
-              <a:t> </a:t>
-            </a:r>
-            <a:r>
-              <a:rPr lang="de-DE" dirty="0" err="1" smtClean="0"/>
-              <a:t>line</a:t>
-            </a:r>
-            <a:r>
-              <a:rPr lang="de-DE" dirty="0" smtClean="0"/>
-              <a:t> </a:t>
-            </a:r>
-            <a:r>
-              <a:rPr lang="de-DE" dirty="0" err="1" smtClean="0"/>
-              <a:t>options</a:t>
-            </a:r>
-            <a:endParaRPr lang="de-DE" dirty="0" smtClean="0"/>
-          </a:p>
-          <a:p>
-            <a:pPr lvl="1"/>
-            <a:r>
-              <a:rPr lang="de-DE" dirty="0" err="1" smtClean="0"/>
-              <a:t>FrameHandler</a:t>
-            </a:r>
-            <a:r>
-              <a:rPr lang="de-DE" dirty="0" smtClean="0"/>
-              <a:t>::</a:t>
-            </a:r>
-            <a:r>
-              <a:rPr lang="de-DE" smtClean="0"/>
-              <a:t>openCapSource</a:t>
-            </a:r>
-            <a:endParaRPr lang="de-DE" dirty="0" smtClean="0"/>
-          </a:p>
-          <a:p>
-            <a:pPr lvl="2"/>
-            <a:r>
-              <a:rPr lang="de-DE" dirty="0" err="1" smtClean="0"/>
-              <a:t>if</a:t>
-            </a:r>
-            <a:r>
-              <a:rPr lang="de-DE" dirty="0" smtClean="0"/>
-              <a:t> </a:t>
-            </a:r>
-            <a:r>
-              <a:rPr lang="de-DE" dirty="0" err="1" smtClean="0"/>
-              <a:t>isCamera</a:t>
-            </a:r>
-            <a:r>
-              <a:rPr lang="de-DE" dirty="0" smtClean="0"/>
-              <a:t> -&gt; </a:t>
-            </a:r>
-            <a:r>
-              <a:rPr lang="de-DE" dirty="0" err="1" smtClean="0"/>
-              <a:t>setCameraParameters</a:t>
-            </a:r>
-            <a:r>
-              <a:rPr lang="de-DE" dirty="0" smtClean="0"/>
-              <a:t> (</a:t>
-            </a:r>
-            <a:r>
-              <a:rPr lang="de-DE" dirty="0" err="1" smtClean="0"/>
-              <a:t>frame</a:t>
-            </a:r>
-            <a:r>
-              <a:rPr lang="de-DE" dirty="0" err="1"/>
-              <a:t>_</a:t>
-            </a:r>
-            <a:r>
-              <a:rPr lang="de-DE" dirty="0" err="1" smtClean="0"/>
-              <a:t>size</a:t>
-            </a:r>
-            <a:r>
-              <a:rPr lang="de-DE" dirty="0" smtClean="0"/>
-              <a:t>, </a:t>
-            </a:r>
-            <a:r>
-              <a:rPr lang="de-DE" dirty="0" err="1" smtClean="0"/>
-              <a:t>frame</a:t>
-            </a:r>
-            <a:r>
-              <a:rPr lang="de-DE" dirty="0" err="1"/>
-              <a:t>_</a:t>
-            </a:r>
-            <a:r>
-              <a:rPr lang="de-DE" dirty="0" err="1" smtClean="0"/>
-              <a:t>rate</a:t>
-            </a:r>
-            <a:r>
-              <a:rPr lang="de-DE" dirty="0" smtClean="0"/>
-              <a:t>)</a:t>
-            </a:r>
-          </a:p>
-          <a:p>
-            <a:pPr lvl="2"/>
-            <a:r>
-              <a:rPr lang="de-DE" dirty="0" err="1" smtClean="0"/>
-              <a:t>if</a:t>
-            </a:r>
-            <a:r>
-              <a:rPr lang="de-DE" dirty="0" smtClean="0"/>
-              <a:t> </a:t>
-            </a:r>
-            <a:r>
-              <a:rPr lang="de-DE" dirty="0" err="1" smtClean="0"/>
-              <a:t>isFile</a:t>
-            </a:r>
-            <a:r>
-              <a:rPr lang="de-DE" dirty="0" smtClean="0"/>
-              <a:t> -&gt; </a:t>
-            </a:r>
-            <a:r>
-              <a:rPr lang="de-DE" dirty="0" err="1" smtClean="0"/>
-              <a:t>get</a:t>
-            </a:r>
-            <a:r>
-              <a:rPr lang="de-DE" dirty="0" smtClean="0"/>
-              <a:t> </a:t>
-            </a:r>
-            <a:r>
-              <a:rPr lang="de-DE" dirty="0" err="1" smtClean="0"/>
-              <a:t>frame_size</a:t>
-            </a:r>
-            <a:endParaRPr lang="de-DE" dirty="0" smtClean="0"/>
-          </a:p>
-          <a:p>
-            <a:pPr lvl="1"/>
-            <a:r>
-              <a:rPr lang="de-DE" dirty="0" err="1" smtClean="0"/>
-              <a:t>re-CalcFrameSizeDependentParameters</a:t>
-            </a:r>
-            <a:endParaRPr lang="de-DE" dirty="0" smtClean="0"/>
-          </a:p>
-          <a:p>
-            <a:pPr lvl="1"/>
-            <a:r>
-              <a:rPr lang="de-DE" dirty="0" err="1" smtClean="0"/>
-              <a:t>saveConfigToFile</a:t>
-            </a:r>
-            <a:endParaRPr lang="de-DE" dirty="0"/>
-          </a:p>
-          <a:p>
-            <a:r>
-              <a:rPr lang="de-DE" dirty="0" err="1" smtClean="0"/>
-              <a:t>Cmd</a:t>
-            </a:r>
-            <a:r>
-              <a:rPr lang="de-DE" dirty="0" smtClean="0"/>
-              <a:t> </a:t>
-            </a:r>
-            <a:r>
-              <a:rPr lang="de-DE" dirty="0" err="1" smtClean="0"/>
-              <a:t>line</a:t>
-            </a:r>
-            <a:r>
-              <a:rPr lang="de-DE" dirty="0" smtClean="0"/>
-              <a:t> </a:t>
-            </a:r>
-            <a:r>
-              <a:rPr lang="de-DE" dirty="0" err="1" smtClean="0"/>
-              <a:t>options</a:t>
-            </a:r>
-            <a:r>
-              <a:rPr lang="de-DE" dirty="0" smtClean="0"/>
-              <a:t>:</a:t>
-            </a:r>
-          </a:p>
-          <a:p>
-            <a:pPr lvl="1">
-              <a:buFont typeface="Calibri" panose="020F0502020204030204" pitchFamily="34" charset="0"/>
-              <a:buChar char="-"/>
-            </a:pPr>
-            <a:r>
-              <a:rPr lang="de-DE" dirty="0" smtClean="0"/>
-              <a:t>i(</a:t>
-            </a:r>
-            <a:r>
-              <a:rPr lang="de-DE" dirty="0" err="1" smtClean="0"/>
-              <a:t>nput</a:t>
-            </a:r>
-            <a:r>
-              <a:rPr lang="de-DE" dirty="0" smtClean="0"/>
-              <a:t>)</a:t>
-            </a:r>
-          </a:p>
-          <a:p>
-            <a:pPr lvl="2"/>
-            <a:r>
-              <a:rPr lang="de-DE" dirty="0" smtClean="0">
-                <a:solidFill>
-                  <a:srgbClr val="FF0000"/>
-                </a:solidFill>
-              </a:rPr>
-              <a:t>arg: "0" </a:t>
-            </a:r>
-            <a:r>
-              <a:rPr lang="de-DE" dirty="0" err="1" smtClean="0">
-                <a:solidFill>
-                  <a:srgbClr val="FF0000"/>
-                </a:solidFill>
-              </a:rPr>
-              <a:t>video</a:t>
-            </a:r>
-            <a:r>
-              <a:rPr lang="de-DE" dirty="0" smtClean="0">
-                <a:solidFill>
-                  <a:srgbClr val="FF0000"/>
-                </a:solidFill>
-              </a:rPr>
-              <a:t> </a:t>
-            </a:r>
-            <a:r>
-              <a:rPr lang="de-DE" dirty="0" err="1" smtClean="0">
-                <a:solidFill>
-                  <a:srgbClr val="FF0000"/>
-                </a:solidFill>
-              </a:rPr>
-              <a:t>device</a:t>
-            </a:r>
-            <a:r>
-              <a:rPr lang="de-DE" dirty="0" smtClean="0">
-                <a:solidFill>
-                  <a:srgbClr val="FF0000"/>
-                </a:solidFill>
-              </a:rPr>
-              <a:t> - </a:t>
-            </a:r>
-            <a:r>
-              <a:rPr lang="de-DE" dirty="0" err="1" smtClean="0">
-                <a:solidFill>
-                  <a:srgbClr val="FF0000"/>
-                </a:solidFill>
-              </a:rPr>
-              <a:t>number</a:t>
-            </a:r>
-            <a:r>
-              <a:rPr lang="de-DE" dirty="0" smtClean="0">
-                <a:solidFill>
-                  <a:srgbClr val="FF0000"/>
-                </a:solidFill>
-              </a:rPr>
-              <a:t> </a:t>
-            </a:r>
-            <a:r>
-              <a:rPr lang="de-DE" dirty="0" err="1" smtClean="0">
-                <a:solidFill>
-                  <a:srgbClr val="FF0000"/>
-                </a:solidFill>
-              </a:rPr>
-              <a:t>of</a:t>
-            </a:r>
-            <a:r>
-              <a:rPr lang="de-DE" dirty="0" smtClean="0">
-                <a:solidFill>
-                  <a:srgbClr val="FF0000"/>
-                </a:solidFill>
-              </a:rPr>
-              <a:t> </a:t>
-            </a:r>
-            <a:r>
-              <a:rPr lang="de-DE" dirty="0" err="1" smtClean="0">
-                <a:solidFill>
-                  <a:srgbClr val="FF0000"/>
-                </a:solidFill>
-              </a:rPr>
-              <a:t>device</a:t>
-            </a:r>
-            <a:r>
-              <a:rPr lang="de-DE" dirty="0" smtClean="0">
-                <a:solidFill>
-                  <a:srgbClr val="FF0000"/>
-                </a:solidFill>
-              </a:rPr>
-              <a:t> in pick </a:t>
-            </a:r>
-            <a:r>
-              <a:rPr lang="de-DE" dirty="0" err="1" smtClean="0">
-                <a:solidFill>
-                  <a:srgbClr val="FF0000"/>
-                </a:solidFill>
-              </a:rPr>
-              <a:t>list</a:t>
-            </a:r>
-            <a:r>
-              <a:rPr lang="de-DE" dirty="0" smtClean="0">
-                <a:solidFill>
-                  <a:srgbClr val="FF0000"/>
-                </a:solidFill>
-              </a:rPr>
-              <a:t>, e.g. 0 -&gt; "</a:t>
-            </a:r>
-            <a:r>
-              <a:rPr lang="de-DE" dirty="0" err="1" smtClean="0">
-                <a:solidFill>
-                  <a:srgbClr val="FF0000"/>
-                </a:solidFill>
-              </a:rPr>
-              <a:t>logitech</a:t>
-            </a:r>
-            <a:r>
-              <a:rPr lang="de-DE" dirty="0" smtClean="0">
-                <a:solidFill>
-                  <a:srgbClr val="FF0000"/>
-                </a:solidFill>
-              </a:rPr>
-              <a:t> S5500"</a:t>
-            </a:r>
-          </a:p>
-          <a:p>
-            <a:pPr lvl="2"/>
-            <a:r>
-              <a:rPr lang="de-DE" dirty="0" smtClean="0"/>
-              <a:t>arg: "</a:t>
-            </a:r>
-            <a:r>
-              <a:rPr lang="de-DE" dirty="0" err="1" smtClean="0"/>
-              <a:t>input</a:t>
-            </a:r>
-            <a:r>
-              <a:rPr lang="de-DE" dirty="0" smtClean="0"/>
-              <a:t> </a:t>
-            </a:r>
-            <a:r>
-              <a:rPr lang="de-DE" dirty="0" err="1"/>
-              <a:t>file</a:t>
-            </a:r>
-            <a:r>
-              <a:rPr lang="de-DE" dirty="0"/>
-              <a:t>": </a:t>
-            </a:r>
-            <a:r>
-              <a:rPr lang="de-DE" dirty="0" err="1"/>
-              <a:t>file</a:t>
-            </a:r>
-            <a:r>
-              <a:rPr lang="de-DE" dirty="0"/>
-              <a:t> </a:t>
-            </a:r>
-            <a:r>
-              <a:rPr lang="de-DE" dirty="0" err="1"/>
-              <a:t>to</a:t>
-            </a:r>
-            <a:r>
-              <a:rPr lang="de-DE" dirty="0"/>
-              <a:t> </a:t>
-            </a:r>
-            <a:r>
-              <a:rPr lang="de-DE" dirty="0" err="1"/>
-              <a:t>read</a:t>
-            </a:r>
-            <a:r>
-              <a:rPr lang="de-DE" dirty="0"/>
-              <a:t> </a:t>
-            </a:r>
-            <a:r>
-              <a:rPr lang="de-DE" dirty="0" err="1"/>
-              <a:t>from</a:t>
-            </a:r>
-            <a:endParaRPr lang="de-DE" dirty="0"/>
-          </a:p>
-          <a:p>
-            <a:pPr lvl="2"/>
-            <a:r>
-              <a:rPr lang="de-DE" dirty="0" err="1" smtClean="0"/>
-              <a:t>if</a:t>
-            </a:r>
-            <a:r>
-              <a:rPr lang="de-DE" dirty="0" smtClean="0"/>
-              <a:t> </a:t>
-            </a:r>
-            <a:r>
-              <a:rPr lang="de-DE" dirty="0" err="1" smtClean="0"/>
-              <a:t>empty</a:t>
-            </a:r>
-            <a:r>
-              <a:rPr lang="de-DE" dirty="0" smtClean="0"/>
-              <a:t>, </a:t>
-            </a:r>
-            <a:r>
-              <a:rPr lang="de-DE" dirty="0" err="1" smtClean="0"/>
-              <a:t>take</a:t>
-            </a:r>
-            <a:r>
-              <a:rPr lang="de-DE" dirty="0" smtClean="0"/>
-              <a:t> </a:t>
-            </a:r>
-            <a:r>
-              <a:rPr lang="de-DE" dirty="0" err="1" smtClean="0"/>
-              <a:t>standard</a:t>
-            </a:r>
-            <a:r>
-              <a:rPr lang="de-DE" dirty="0" smtClean="0"/>
-              <a:t> </a:t>
-            </a:r>
-            <a:r>
-              <a:rPr lang="de-DE" dirty="0" err="1" smtClean="0"/>
-              <a:t>cam</a:t>
-            </a:r>
-            <a:endParaRPr lang="de-DE" dirty="0" smtClean="0"/>
-          </a:p>
-          <a:p>
-            <a:pPr lvl="1">
-              <a:buFont typeface="Calibri" panose="020F0502020204030204" pitchFamily="34" charset="0"/>
-              <a:buChar char="-"/>
-            </a:pPr>
-            <a:r>
-              <a:rPr lang="de-DE" dirty="0" smtClean="0"/>
-              <a:t>w(</a:t>
-            </a:r>
-            <a:r>
-              <a:rPr lang="de-DE" dirty="0" err="1" smtClean="0"/>
-              <a:t>orking</a:t>
-            </a:r>
-            <a:r>
-              <a:rPr lang="de-DE" dirty="0" smtClean="0"/>
-              <a:t> </a:t>
-            </a:r>
-            <a:r>
-              <a:rPr lang="de-DE" dirty="0" err="1" smtClean="0"/>
-              <a:t>directory</a:t>
-            </a:r>
-            <a:r>
-              <a:rPr lang="de-DE" dirty="0" smtClean="0"/>
-              <a:t>)</a:t>
-            </a:r>
-          </a:p>
-          <a:p>
-            <a:pPr lvl="2">
-              <a:buFont typeface="Calibri" panose="020F0502020204030204" pitchFamily="34" charset="0"/>
-              <a:buChar char="-"/>
-            </a:pPr>
-            <a:r>
-              <a:rPr lang="de-DE" dirty="0" smtClean="0"/>
-              <a:t>arg: "</a:t>
-            </a:r>
-            <a:r>
-              <a:rPr lang="de-DE" dirty="0" err="1" smtClean="0"/>
-              <a:t>working</a:t>
-            </a:r>
-            <a:r>
-              <a:rPr lang="de-DE" dirty="0" smtClean="0"/>
-              <a:t> </a:t>
-            </a:r>
-            <a:r>
-              <a:rPr lang="de-DE" dirty="0" err="1" smtClean="0"/>
-              <a:t>path</a:t>
-            </a:r>
-            <a:r>
-              <a:rPr lang="de-DE" dirty="0" smtClean="0"/>
-              <a:t>" </a:t>
-            </a:r>
-            <a:r>
-              <a:rPr lang="de-DE" dirty="0" err="1" smtClean="0"/>
-              <a:t>below</a:t>
-            </a:r>
-            <a:r>
-              <a:rPr lang="de-DE" dirty="0" smtClean="0"/>
-              <a:t> </a:t>
-            </a:r>
-            <a:r>
-              <a:rPr lang="de-DE" dirty="0" err="1" smtClean="0"/>
-              <a:t>home</a:t>
-            </a:r>
-            <a:endParaRPr lang="de-DE" dirty="0" smtClean="0"/>
-          </a:p>
-          <a:p>
-            <a:pPr lvl="1">
-              <a:buFont typeface="Calibri" panose="020F0502020204030204" pitchFamily="34" charset="0"/>
-              <a:buChar char="-"/>
-            </a:pPr>
-            <a:r>
-              <a:rPr lang="de-DE" dirty="0" smtClean="0"/>
-              <a:t>o(</a:t>
-            </a:r>
-            <a:r>
-              <a:rPr lang="de-DE" dirty="0" err="1" smtClean="0"/>
-              <a:t>utput</a:t>
-            </a:r>
-            <a:r>
-              <a:rPr lang="de-DE" dirty="0" smtClean="0"/>
-              <a:t> </a:t>
-            </a:r>
-            <a:r>
-              <a:rPr lang="de-DE" dirty="0" err="1" smtClean="0"/>
-              <a:t>file</a:t>
-            </a:r>
-            <a:r>
-              <a:rPr lang="de-DE" dirty="0" smtClean="0"/>
-              <a:t>)</a:t>
-            </a:r>
-          </a:p>
-          <a:p>
-            <a:pPr lvl="2"/>
-            <a:r>
-              <a:rPr lang="de-DE" dirty="0" smtClean="0"/>
-              <a:t>arg: "</a:t>
-            </a:r>
-            <a:r>
-              <a:rPr lang="de-DE" dirty="0" err="1" smtClean="0"/>
-              <a:t>file</a:t>
-            </a:r>
-            <a:r>
-              <a:rPr lang="de-DE" dirty="0" smtClean="0"/>
-              <a:t> </a:t>
-            </a:r>
-            <a:r>
-              <a:rPr lang="de-DE" dirty="0" err="1" smtClean="0"/>
-              <a:t>name</a:t>
-            </a:r>
-            <a:r>
-              <a:rPr lang="de-DE" dirty="0" smtClean="0"/>
-              <a:t>": </a:t>
-            </a:r>
-            <a:r>
-              <a:rPr lang="de-DE" dirty="0" err="1" smtClean="0"/>
-              <a:t>file</a:t>
-            </a:r>
-            <a:r>
-              <a:rPr lang="de-DE" dirty="0" smtClean="0"/>
-              <a:t> </a:t>
-            </a:r>
-            <a:r>
-              <a:rPr lang="de-DE" dirty="0" err="1" smtClean="0"/>
-              <a:t>to</a:t>
-            </a:r>
-            <a:r>
-              <a:rPr lang="de-DE" dirty="0" smtClean="0"/>
-              <a:t> </a:t>
-            </a:r>
-            <a:r>
-              <a:rPr lang="de-DE" dirty="0" err="1" smtClean="0"/>
-              <a:t>write</a:t>
-            </a:r>
-            <a:r>
-              <a:rPr lang="de-DE" dirty="0" smtClean="0"/>
-              <a:t> </a:t>
-            </a:r>
-            <a:r>
-              <a:rPr lang="de-DE" dirty="0" err="1" smtClean="0"/>
-              <a:t>to</a:t>
-            </a:r>
-            <a:endParaRPr lang="de-DE" dirty="0" smtClean="0"/>
-          </a:p>
-          <a:p>
-            <a:pPr lvl="1">
-              <a:buFont typeface="Arial" panose="020B0604020202020204" pitchFamily="34" charset="0"/>
-              <a:buChar char="-"/>
-            </a:pPr>
-            <a:r>
-              <a:rPr lang="de-DE" dirty="0" smtClean="0">
-                <a:solidFill>
-                  <a:srgbClr val="FF0000"/>
-                </a:solidFill>
-              </a:rPr>
-              <a:t>q(</a:t>
-            </a:r>
-            <a:r>
-              <a:rPr lang="de-DE" dirty="0" err="1" smtClean="0">
-                <a:solidFill>
-                  <a:srgbClr val="FF0000"/>
-                </a:solidFill>
-              </a:rPr>
-              <a:t>uiet</a:t>
-            </a:r>
-            <a:r>
-              <a:rPr lang="de-DE" dirty="0" smtClean="0">
-                <a:solidFill>
-                  <a:srgbClr val="FF0000"/>
-                </a:solidFill>
-              </a:rPr>
-              <a:t>)</a:t>
-            </a:r>
-          </a:p>
-          <a:p>
-            <a:pPr lvl="2"/>
-            <a:r>
-              <a:rPr lang="de-DE" dirty="0" err="1" smtClean="0">
-                <a:solidFill>
-                  <a:srgbClr val="FF0000"/>
-                </a:solidFill>
-              </a:rPr>
-              <a:t>no</a:t>
-            </a:r>
-            <a:r>
-              <a:rPr lang="de-DE" dirty="0" smtClean="0">
-                <a:solidFill>
-                  <a:srgbClr val="FF0000"/>
-                </a:solidFill>
-              </a:rPr>
-              <a:t> arg, </a:t>
-            </a:r>
-            <a:r>
-              <a:rPr lang="de-DE" dirty="0" err="1" smtClean="0">
-                <a:solidFill>
-                  <a:srgbClr val="FF0000"/>
-                </a:solidFill>
-              </a:rPr>
-              <a:t>take</a:t>
-            </a:r>
-            <a:r>
-              <a:rPr lang="de-DE" dirty="0" smtClean="0">
-                <a:solidFill>
-                  <a:srgbClr val="FF0000"/>
-                </a:solidFill>
-              </a:rPr>
-              <a:t> </a:t>
-            </a:r>
-            <a:r>
-              <a:rPr lang="de-DE" dirty="0" err="1" smtClean="0">
-                <a:solidFill>
-                  <a:srgbClr val="FF0000"/>
-                </a:solidFill>
-              </a:rPr>
-              <a:t>standard</a:t>
-            </a:r>
-            <a:r>
-              <a:rPr lang="de-DE" dirty="0" smtClean="0">
-                <a:solidFill>
-                  <a:srgbClr val="FF0000"/>
-                </a:solidFill>
-              </a:rPr>
-              <a:t> </a:t>
-            </a:r>
-            <a:r>
-              <a:rPr lang="de-DE" dirty="0" err="1" smtClean="0">
-                <a:solidFill>
-                  <a:srgbClr val="FF0000"/>
-                </a:solidFill>
-              </a:rPr>
-              <a:t>arguments</a:t>
-            </a:r>
-            <a:r>
-              <a:rPr lang="de-DE" dirty="0" smtClean="0">
-                <a:solidFill>
-                  <a:srgbClr val="FF0000"/>
-                </a:solidFill>
-              </a:rPr>
-              <a:t> </a:t>
-            </a:r>
-            <a:r>
-              <a:rPr lang="de-DE" dirty="0" err="1" smtClean="0">
-                <a:solidFill>
-                  <a:srgbClr val="FF0000"/>
-                </a:solidFill>
-              </a:rPr>
-              <a:t>without</a:t>
-            </a:r>
-            <a:r>
-              <a:rPr lang="de-DE" dirty="0" smtClean="0">
-                <a:solidFill>
-                  <a:srgbClr val="FF0000"/>
-                </a:solidFill>
-              </a:rPr>
-              <a:t> </a:t>
-            </a:r>
-            <a:r>
-              <a:rPr lang="de-DE" dirty="0" err="1" smtClean="0">
-                <a:solidFill>
-                  <a:srgbClr val="FF0000"/>
-                </a:solidFill>
-              </a:rPr>
-              <a:t>asking</a:t>
-            </a:r>
-            <a:r>
-              <a:rPr lang="de-DE" dirty="0" smtClean="0">
-                <a:solidFill>
-                  <a:srgbClr val="FF0000"/>
-                </a:solidFill>
-              </a:rPr>
-              <a:t> </a:t>
-            </a:r>
-            <a:r>
-              <a:rPr lang="de-DE" dirty="0" err="1" smtClean="0">
-                <a:solidFill>
-                  <a:srgbClr val="FF0000"/>
-                </a:solidFill>
-              </a:rPr>
-              <a:t>for</a:t>
-            </a:r>
-            <a:r>
-              <a:rPr lang="de-DE" dirty="0" smtClean="0">
-                <a:solidFill>
-                  <a:srgbClr val="FF0000"/>
-                </a:solidFill>
-              </a:rPr>
-              <a:t> </a:t>
-            </a:r>
-            <a:r>
-              <a:rPr lang="de-DE" dirty="0" err="1" smtClean="0">
-                <a:solidFill>
-                  <a:srgbClr val="FF0000"/>
-                </a:solidFill>
-              </a:rPr>
-              <a:t>user</a:t>
-            </a:r>
-            <a:r>
-              <a:rPr lang="de-DE" dirty="0" smtClean="0">
-                <a:solidFill>
-                  <a:srgbClr val="FF0000"/>
-                </a:solidFill>
-              </a:rPr>
-              <a:t> </a:t>
-            </a:r>
-            <a:r>
-              <a:rPr lang="de-DE" dirty="0" err="1" smtClean="0">
-                <a:solidFill>
-                  <a:srgbClr val="FF0000"/>
-                </a:solidFill>
-              </a:rPr>
-              <a:t>input</a:t>
-            </a:r>
-            <a:r>
-              <a:rPr lang="de-DE" dirty="0" smtClean="0">
-                <a:solidFill>
-                  <a:srgbClr val="FF0000"/>
-                </a:solidFill>
-              </a:rPr>
-              <a:t>, e.g. </a:t>
-            </a:r>
-            <a:r>
-              <a:rPr lang="de-DE" dirty="0" err="1" smtClean="0">
-                <a:solidFill>
-                  <a:srgbClr val="FF0000"/>
-                </a:solidFill>
-              </a:rPr>
-              <a:t>pre-selected</a:t>
-            </a:r>
-            <a:r>
-              <a:rPr lang="de-DE" dirty="0" smtClean="0">
-                <a:solidFill>
-                  <a:srgbClr val="FF0000"/>
-                </a:solidFill>
-              </a:rPr>
-              <a:t> </a:t>
-            </a:r>
-            <a:r>
-              <a:rPr lang="de-DE" dirty="0" err="1" smtClean="0">
-                <a:solidFill>
-                  <a:srgbClr val="FF0000"/>
-                </a:solidFill>
-              </a:rPr>
-              <a:t>items</a:t>
-            </a:r>
-            <a:r>
-              <a:rPr lang="de-DE" dirty="0" smtClean="0">
-                <a:solidFill>
-                  <a:srgbClr val="FF0000"/>
-                </a:solidFill>
-              </a:rPr>
-              <a:t> in pick </a:t>
-            </a:r>
-            <a:r>
-              <a:rPr lang="de-DE" dirty="0" err="1" smtClean="0">
-                <a:solidFill>
-                  <a:srgbClr val="FF0000"/>
-                </a:solidFill>
-              </a:rPr>
-              <a:t>lists</a:t>
-            </a:r>
-            <a:endParaRPr lang="de-DE" dirty="0" smtClean="0">
-              <a:solidFill>
-                <a:srgbClr val="FF0000"/>
-              </a:solidFill>
-            </a:endParaRPr>
-          </a:p>
-          <a:p>
-            <a:pPr lvl="1">
-              <a:buFont typeface="Arial" panose="020B0604020202020204" pitchFamily="34" charset="0"/>
-              <a:buChar char="-"/>
-            </a:pPr>
-            <a:r>
-              <a:rPr lang="de-DE" dirty="0" smtClean="0"/>
-              <a:t>r(</a:t>
-            </a:r>
-            <a:r>
-              <a:rPr lang="de-DE" dirty="0" err="1" smtClean="0"/>
-              <a:t>ate</a:t>
-            </a:r>
-            <a:r>
-              <a:rPr lang="de-DE" dirty="0" smtClean="0"/>
-              <a:t>)</a:t>
-            </a:r>
-          </a:p>
-          <a:p>
-            <a:pPr lvl="2"/>
-            <a:r>
-              <a:rPr lang="de-DE" dirty="0" smtClean="0">
-                <a:solidFill>
-                  <a:srgbClr val="FF0000"/>
-                </a:solidFill>
-              </a:rPr>
-              <a:t>not </a:t>
-            </a:r>
-            <a:r>
-              <a:rPr lang="de-DE" dirty="0" err="1" smtClean="0">
-                <a:solidFill>
-                  <a:srgbClr val="FF0000"/>
-                </a:solidFill>
-              </a:rPr>
-              <a:t>yet</a:t>
-            </a:r>
-            <a:r>
-              <a:rPr lang="de-DE" dirty="0" smtClean="0">
-                <a:solidFill>
-                  <a:srgbClr val="FF0000"/>
-                </a:solidFill>
-              </a:rPr>
-              <a:t> </a:t>
-            </a:r>
-            <a:r>
-              <a:rPr lang="de-DE" dirty="0" err="1" smtClean="0">
-                <a:solidFill>
-                  <a:srgbClr val="FF0000"/>
-                </a:solidFill>
-              </a:rPr>
-              <a:t>implemented</a:t>
-            </a:r>
-            <a:endParaRPr lang="de-DE" dirty="0" smtClean="0">
-              <a:solidFill>
-                <a:srgbClr val="FF0000"/>
-              </a:solidFill>
-            </a:endParaRPr>
-          </a:p>
-          <a:p>
-            <a:pPr lvl="2"/>
-            <a:r>
-              <a:rPr lang="de-DE" dirty="0" smtClean="0"/>
-              <a:t>arg: "</a:t>
-            </a:r>
-            <a:r>
-              <a:rPr lang="de-DE" dirty="0" err="1" smtClean="0"/>
-              <a:t>fps</a:t>
-            </a:r>
-            <a:r>
-              <a:rPr lang="de-DE" dirty="0" smtClean="0"/>
-              <a:t>" </a:t>
-            </a:r>
-            <a:r>
-              <a:rPr lang="de-DE" dirty="0" err="1" smtClean="0"/>
-              <a:t>frames</a:t>
-            </a:r>
-            <a:r>
-              <a:rPr lang="de-DE" dirty="0" smtClean="0"/>
-              <a:t> per </a:t>
-            </a:r>
-            <a:r>
-              <a:rPr lang="de-DE" dirty="0" err="1" smtClean="0"/>
-              <a:t>second</a:t>
-            </a:r>
-            <a:r>
-              <a:rPr lang="de-DE" dirty="0" smtClean="0"/>
-              <a:t> </a:t>
-            </a:r>
-            <a:r>
-              <a:rPr lang="de-DE" dirty="0" err="1" smtClean="0"/>
-              <a:t>for</a:t>
-            </a:r>
-            <a:r>
-              <a:rPr lang="de-DE" dirty="0" smtClean="0"/>
-              <a:t> </a:t>
-            </a:r>
-            <a:r>
-              <a:rPr lang="de-DE" dirty="0" err="1" smtClean="0"/>
-              <a:t>video</a:t>
-            </a:r>
-            <a:r>
-              <a:rPr lang="de-DE" dirty="0" smtClean="0"/>
-              <a:t> </a:t>
-            </a:r>
-            <a:r>
-              <a:rPr lang="de-DE" dirty="0" err="1" smtClean="0"/>
-              <a:t>device</a:t>
-            </a:r>
-            <a:endParaRPr lang="de-DE" dirty="0" smtClean="0"/>
-          </a:p>
-          <a:p>
-            <a:pPr lvl="1">
-              <a:buFont typeface="Calibri" panose="020F0502020204030204" pitchFamily="34" charset="0"/>
-              <a:buChar char="-"/>
-            </a:pPr>
-            <a:r>
-              <a:rPr lang="de-DE" dirty="0" smtClean="0"/>
-              <a:t>v(</a:t>
-            </a:r>
-            <a:r>
-              <a:rPr lang="de-DE" dirty="0" err="1" smtClean="0"/>
-              <a:t>ideo</a:t>
-            </a:r>
-            <a:r>
-              <a:rPr lang="de-DE" dirty="0" smtClean="0"/>
-              <a:t> </a:t>
-            </a:r>
-            <a:r>
-              <a:rPr lang="de-DE" dirty="0" err="1" smtClean="0"/>
-              <a:t>size</a:t>
-            </a:r>
-            <a:r>
-              <a:rPr lang="de-DE" dirty="0" smtClean="0"/>
-              <a:t>)</a:t>
-            </a:r>
-          </a:p>
-          <a:p>
-            <a:pPr lvl="2">
-              <a:buFont typeface="Calibri" panose="020F0502020204030204" pitchFamily="34" charset="0"/>
-              <a:buChar char="-"/>
-            </a:pPr>
-            <a:r>
-              <a:rPr lang="de-DE" dirty="0" smtClean="0">
-                <a:solidFill>
-                  <a:srgbClr val="FF0000"/>
-                </a:solidFill>
-              </a:rPr>
-              <a:t>arg: "0" </a:t>
-            </a:r>
-            <a:r>
-              <a:rPr lang="de-DE" dirty="0" err="1" smtClean="0">
-                <a:solidFill>
-                  <a:srgbClr val="FF0000"/>
-                </a:solidFill>
-              </a:rPr>
-              <a:t>frame</a:t>
-            </a:r>
-            <a:r>
-              <a:rPr lang="de-DE" dirty="0" smtClean="0">
-                <a:solidFill>
-                  <a:srgbClr val="FF0000"/>
-                </a:solidFill>
-              </a:rPr>
-              <a:t> </a:t>
-            </a:r>
-            <a:r>
-              <a:rPr lang="de-DE" dirty="0" err="1" smtClean="0">
-                <a:solidFill>
-                  <a:srgbClr val="FF0000"/>
-                </a:solidFill>
-              </a:rPr>
-              <a:t>size</a:t>
-            </a:r>
-            <a:r>
-              <a:rPr lang="de-DE" dirty="0" smtClean="0">
-                <a:solidFill>
-                  <a:srgbClr val="FF0000"/>
-                </a:solidFill>
-              </a:rPr>
-              <a:t> - </a:t>
-            </a:r>
-            <a:r>
-              <a:rPr lang="de-DE" dirty="0" err="1" smtClean="0">
-                <a:solidFill>
-                  <a:srgbClr val="FF0000"/>
-                </a:solidFill>
-              </a:rPr>
-              <a:t>number</a:t>
-            </a:r>
-            <a:r>
-              <a:rPr lang="de-DE" dirty="0" smtClean="0">
-                <a:solidFill>
-                  <a:srgbClr val="FF0000"/>
-                </a:solidFill>
-              </a:rPr>
-              <a:t> </a:t>
-            </a:r>
-            <a:r>
-              <a:rPr lang="de-DE" dirty="0" err="1" smtClean="0">
-                <a:solidFill>
-                  <a:srgbClr val="FF0000"/>
-                </a:solidFill>
-              </a:rPr>
-              <a:t>of</a:t>
-            </a:r>
-            <a:r>
-              <a:rPr lang="de-DE" dirty="0" smtClean="0">
-                <a:solidFill>
-                  <a:srgbClr val="FF0000"/>
-                </a:solidFill>
-              </a:rPr>
-              <a:t> </a:t>
-            </a:r>
-            <a:r>
-              <a:rPr lang="de-DE" dirty="0" err="1" smtClean="0">
-                <a:solidFill>
-                  <a:srgbClr val="FF0000"/>
-                </a:solidFill>
-              </a:rPr>
-              <a:t>size</a:t>
-            </a:r>
-            <a:r>
-              <a:rPr lang="de-DE" dirty="0" smtClean="0">
-                <a:solidFill>
-                  <a:srgbClr val="FF0000"/>
-                </a:solidFill>
-              </a:rPr>
-              <a:t> in </a:t>
-            </a:r>
-            <a:r>
-              <a:rPr lang="de-DE" dirty="0" err="1" smtClean="0">
-                <a:solidFill>
-                  <a:srgbClr val="FF0000"/>
-                </a:solidFill>
-              </a:rPr>
-              <a:t>pick_list</a:t>
-            </a:r>
-            <a:r>
-              <a:rPr lang="de-DE" dirty="0" smtClean="0">
-                <a:solidFill>
-                  <a:srgbClr val="FF0000"/>
-                </a:solidFill>
-              </a:rPr>
-              <a:t> (e.g. </a:t>
-            </a:r>
-            <a:r>
-              <a:rPr lang="de-DE" dirty="0">
-                <a:solidFill>
-                  <a:srgbClr val="FF0000"/>
-                </a:solidFill>
-              </a:rPr>
-              <a:t>0 </a:t>
-            </a:r>
-            <a:r>
-              <a:rPr lang="de-DE" dirty="0" smtClean="0">
-                <a:solidFill>
-                  <a:srgbClr val="FF0000"/>
-                </a:solidFill>
-              </a:rPr>
-              <a:t>-&gt; 320x240)</a:t>
-            </a:r>
-          </a:p>
-          <a:p>
-            <a:pPr lvl="1">
-              <a:buFont typeface="Calibri" panose="020F0502020204030204" pitchFamily="34" charset="0"/>
-              <a:buChar char="-"/>
-            </a:pPr>
-            <a:r>
-              <a:rPr lang="de-DE" dirty="0" err="1" smtClean="0"/>
-              <a:t>if</a:t>
-            </a:r>
-            <a:r>
-              <a:rPr lang="de-DE" dirty="0"/>
-              <a:t> </a:t>
-            </a:r>
-            <a:r>
-              <a:rPr lang="de-DE" dirty="0" err="1" smtClean="0"/>
-              <a:t>the</a:t>
-            </a:r>
-            <a:r>
-              <a:rPr lang="de-DE" dirty="0" smtClean="0"/>
-              <a:t> same </a:t>
-            </a:r>
-            <a:r>
-              <a:rPr lang="de-DE" dirty="0" err="1" smtClean="0"/>
-              <a:t>option</a:t>
-            </a:r>
-            <a:r>
-              <a:rPr lang="de-DE" dirty="0" smtClean="0"/>
-              <a:t> </a:t>
-            </a:r>
-            <a:r>
-              <a:rPr lang="de-DE" dirty="0" err="1" smtClean="0"/>
-              <a:t>occurs</a:t>
-            </a:r>
-            <a:r>
-              <a:rPr lang="de-DE" dirty="0" smtClean="0"/>
-              <a:t> </a:t>
-            </a:r>
-            <a:r>
-              <a:rPr lang="de-DE" dirty="0" err="1" smtClean="0"/>
-              <a:t>more</a:t>
-            </a:r>
-            <a:r>
-              <a:rPr lang="de-DE" dirty="0" smtClean="0"/>
-              <a:t> </a:t>
-            </a:r>
-            <a:r>
-              <a:rPr lang="de-DE" dirty="0" err="1" smtClean="0"/>
-              <a:t>than</a:t>
-            </a:r>
-            <a:r>
-              <a:rPr lang="de-DE" dirty="0" smtClean="0"/>
-              <a:t> </a:t>
-            </a:r>
-            <a:r>
-              <a:rPr lang="de-DE" dirty="0" err="1" smtClean="0"/>
-              <a:t>once</a:t>
-            </a:r>
-            <a:r>
-              <a:rPr lang="de-DE" dirty="0" smtClean="0"/>
-              <a:t>, </a:t>
-            </a:r>
-            <a:r>
-              <a:rPr lang="de-DE" dirty="0" err="1" smtClean="0"/>
-              <a:t>the</a:t>
-            </a:r>
-            <a:r>
-              <a:rPr lang="de-DE" dirty="0" smtClean="0"/>
-              <a:t> </a:t>
-            </a:r>
-            <a:r>
-              <a:rPr lang="de-DE" dirty="0" err="1" smtClean="0"/>
-              <a:t>first</a:t>
-            </a:r>
-            <a:r>
-              <a:rPr lang="de-DE" dirty="0" smtClean="0"/>
-              <a:t> </a:t>
-            </a:r>
-            <a:r>
-              <a:rPr lang="de-DE" dirty="0" err="1" smtClean="0"/>
-              <a:t>option</a:t>
-            </a:r>
-            <a:r>
-              <a:rPr lang="de-DE" dirty="0" smtClean="0"/>
-              <a:t> (</a:t>
-            </a:r>
-            <a:r>
-              <a:rPr lang="de-DE" dirty="0" err="1" smtClean="0"/>
-              <a:t>and</a:t>
-            </a:r>
-            <a:r>
-              <a:rPr lang="de-DE" dirty="0" smtClean="0"/>
-              <a:t> </a:t>
-            </a:r>
-            <a:r>
-              <a:rPr lang="de-DE" dirty="0" err="1" smtClean="0"/>
-              <a:t>opt</a:t>
-            </a:r>
-            <a:r>
-              <a:rPr lang="de-DE" dirty="0" smtClean="0"/>
-              <a:t> arg) </a:t>
-            </a:r>
-            <a:r>
-              <a:rPr lang="de-DE" dirty="0" err="1" smtClean="0"/>
-              <a:t>is</a:t>
-            </a:r>
-            <a:r>
-              <a:rPr lang="de-DE" dirty="0" smtClean="0"/>
-              <a:t> </a:t>
-            </a:r>
-            <a:r>
-              <a:rPr lang="de-DE" dirty="0" err="1" smtClean="0"/>
-              <a:t>taken</a:t>
-            </a:r>
-            <a:endParaRPr lang="de-DE" dirty="0" smtClean="0"/>
-          </a:p>
-          <a:p>
-            <a:pPr lvl="2">
-              <a:buFont typeface="Calibri" panose="020F0502020204030204" pitchFamily="34" charset="0"/>
-              <a:buChar char="-"/>
-            </a:pPr>
-            <a:endParaRPr lang="de-DE" dirty="0"/>
-          </a:p>
-          <a:p>
-            <a:pPr>
-              <a:buFont typeface="Calibri" panose="020F0502020204030204" pitchFamily="34" charset="0"/>
-              <a:buChar char="-"/>
-            </a:pPr>
-            <a:r>
-              <a:rPr lang="de-DE" dirty="0" err="1" smtClean="0"/>
-              <a:t>path</a:t>
-            </a:r>
-            <a:r>
-              <a:rPr lang="de-DE" dirty="0" smtClean="0"/>
-              <a:t>: </a:t>
-            </a:r>
-            <a:r>
-              <a:rPr lang="de-DE" dirty="0" err="1" smtClean="0"/>
-              <a:t>look</a:t>
-            </a:r>
-            <a:r>
-              <a:rPr lang="de-DE" dirty="0" smtClean="0"/>
-              <a:t> </a:t>
-            </a:r>
-            <a:r>
-              <a:rPr lang="de-DE" dirty="0" err="1" smtClean="0"/>
-              <a:t>for</a:t>
-            </a:r>
-            <a:r>
-              <a:rPr lang="de-DE" dirty="0" smtClean="0"/>
-              <a:t> "</a:t>
-            </a:r>
-            <a:r>
-              <a:rPr lang="de-DE" dirty="0" err="1" smtClean="0"/>
-              <a:t>input</a:t>
-            </a:r>
-            <a:r>
-              <a:rPr lang="de-DE" dirty="0" smtClean="0"/>
-              <a:t> </a:t>
-            </a:r>
-            <a:r>
-              <a:rPr lang="de-DE" dirty="0" err="1" smtClean="0"/>
-              <a:t>file</a:t>
-            </a:r>
-            <a:r>
-              <a:rPr lang="de-DE" dirty="0" smtClean="0"/>
-              <a:t>" in</a:t>
-            </a:r>
-          </a:p>
-          <a:p>
-            <a:pPr lvl="1">
-              <a:buFont typeface="Calibri" panose="020F0502020204030204" pitchFamily="34" charset="0"/>
-              <a:buChar char="-"/>
-            </a:pPr>
-            <a:r>
-              <a:rPr lang="de-DE" dirty="0" err="1" smtClean="0"/>
-              <a:t>current</a:t>
-            </a:r>
-            <a:r>
-              <a:rPr lang="de-DE" dirty="0" smtClean="0"/>
-              <a:t> </a:t>
-            </a:r>
-            <a:r>
-              <a:rPr lang="de-DE" dirty="0" err="1" smtClean="0"/>
-              <a:t>directory</a:t>
-            </a:r>
-            <a:endParaRPr lang="de-DE" dirty="0" smtClean="0"/>
-          </a:p>
-          <a:p>
-            <a:pPr lvl="1">
-              <a:buFont typeface="Calibri" panose="020F0502020204030204" pitchFamily="34" charset="0"/>
-              <a:buChar char="-"/>
-            </a:pPr>
-            <a:r>
-              <a:rPr lang="de-DE" dirty="0" smtClean="0"/>
-              <a:t>/</a:t>
-            </a:r>
-            <a:r>
-              <a:rPr lang="de-DE" dirty="0" err="1" smtClean="0"/>
-              <a:t>home</a:t>
-            </a:r>
-            <a:endParaRPr lang="de-DE" dirty="0" smtClean="0"/>
-          </a:p>
-          <a:p>
-            <a:pPr lvl="1">
-              <a:buFont typeface="Calibri" panose="020F0502020204030204" pitchFamily="34" charset="0"/>
-              <a:buChar char="-"/>
-            </a:pPr>
-            <a:r>
-              <a:rPr lang="de-DE" dirty="0" smtClean="0"/>
-              <a:t>/</a:t>
-            </a:r>
-            <a:r>
-              <a:rPr lang="de-DE" dirty="0" err="1" smtClean="0"/>
-              <a:t>home</a:t>
-            </a:r>
-            <a:r>
-              <a:rPr lang="de-DE" dirty="0" smtClean="0"/>
-              <a:t>/</a:t>
-            </a:r>
-            <a:r>
-              <a:rPr lang="de-DE" dirty="0" err="1" smtClean="0"/>
-              <a:t>working</a:t>
-            </a:r>
-            <a:r>
-              <a:rPr lang="de-DE" dirty="0" smtClean="0"/>
-              <a:t> </a:t>
-            </a:r>
-            <a:r>
-              <a:rPr lang="de-DE" dirty="0" err="1" smtClean="0"/>
-              <a:t>path</a:t>
-            </a:r>
-            <a:endParaRPr lang="de-DE" dirty="0" smtClean="0"/>
-          </a:p>
-          <a:p>
-            <a:pPr lvl="1"/>
-            <a:endParaRPr lang="de-DE" dirty="0" smtClean="0"/>
-          </a:p>
-          <a:p>
-            <a:pPr lvl="2"/>
-            <a:endParaRPr lang="de-DE" dirty="0"/>
+            <a:endParaRPr lang="en-US" dirty="0" smtClean="0"/>
           </a:p>
         </p:txBody>
       </p:sp>
@@ -22102,13 +21422,34 @@
           <a:lstStyle/>
           <a:p>
             <a:r>
-              <a:rPr lang="de-DE" dirty="0" err="1"/>
+              <a:rPr lang="de-DE" dirty="0" err="1" smtClean="0"/>
               <a:t>Config</a:t>
             </a:r>
             <a:r>
-              <a:rPr lang="de-DE" dirty="0"/>
-              <a:t> 1/2</a:t>
-            </a:r>
+              <a:rPr lang="de-DE" dirty="0" smtClean="0"/>
+              <a:t>: </a:t>
+            </a:r>
+            <a:r>
+              <a:rPr lang="de-DE" dirty="0" err="1" smtClean="0"/>
+              <a:t>command</a:t>
+            </a:r>
+            <a:r>
+              <a:rPr lang="de-DE" dirty="0" smtClean="0"/>
+              <a:t> </a:t>
+            </a:r>
+            <a:r>
+              <a:rPr lang="de-DE" dirty="0" err="1" smtClean="0"/>
+              <a:t>line</a:t>
+            </a:r>
+            <a:r>
+              <a:rPr lang="de-DE" dirty="0" smtClean="0"/>
+              <a:t> </a:t>
+            </a:r>
+            <a:r>
+              <a:rPr lang="de-DE" dirty="0" err="1" smtClean="0"/>
+              <a:t>options</a:t>
+            </a:r>
+            <a:endParaRPr lang="de-DE" dirty="0"/>
           </a:p>
         </p:txBody>
       </p:sp>
@@ -22269,49 +21610,29 @@
             </a:lvl9pPr>
           </a:lstStyle>
           <a:p>
-            <a:pPr>
-              <a:buFont typeface="Calibri" panose="020F0502020204030204" pitchFamily="34" charset="0"/>
-              <a:buChar char="-"/>
-            </a:pPr>
-            <a:r>
-              <a:rPr lang="de-DE" dirty="0" err="1" smtClean="0"/>
-              <a:t>VideoPath</a:t>
-            </a:r>
-            <a:r>
-              <a:rPr lang="de-DE" dirty="0" smtClean="0"/>
-              <a:t>: </a:t>
-            </a:r>
-            <a:r>
-              <a:rPr lang="de-DE" dirty="0" err="1" smtClean="0"/>
-              <a:t>look</a:t>
-            </a:r>
-            <a:r>
-              <a:rPr lang="de-DE" dirty="0" smtClean="0"/>
-              <a:t> </a:t>
-            </a:r>
-            <a:r>
-              <a:rPr lang="de-DE" dirty="0" err="1" smtClean="0"/>
-              <a:t>for</a:t>
-            </a:r>
-            <a:r>
-              <a:rPr lang="de-DE" dirty="0" smtClean="0"/>
-              <a:t> "</a:t>
-            </a:r>
-            <a:r>
-              <a:rPr lang="de-DE" dirty="0" err="1" smtClean="0"/>
-              <a:t>input</a:t>
-            </a:r>
-            <a:r>
-              <a:rPr lang="de-DE" dirty="0" smtClean="0"/>
-              <a:t> </a:t>
-            </a:r>
-            <a:r>
-              <a:rPr lang="de-DE" dirty="0" err="1" smtClean="0"/>
-              <a:t>file</a:t>
-            </a:r>
-            <a:r>
-              <a:rPr lang="de-DE" dirty="0" smtClean="0"/>
-              <a:t>" in</a:t>
+            <a:r>
+              <a:rPr lang="de-DE" dirty="0" err="1"/>
+              <a:t>Cmd</a:t>
+            </a:r>
+            <a:r>
+              <a:rPr lang="de-DE" dirty="0"/>
+              <a:t> </a:t>
+            </a:r>
+            <a:r>
+              <a:rPr lang="de-DE" dirty="0" err="1"/>
+              <a:t>line</a:t>
+            </a:r>
+            <a:r>
+              <a:rPr lang="de-DE" dirty="0"/>
+              <a:t> </a:t>
+            </a:r>
+            <a:r>
+              <a:rPr lang="de-DE" dirty="0" err="1"/>
+              <a:t>options</a:t>
+            </a:r>
+            <a:r>
+              <a:rPr lang="de-DE" dirty="0"/>
+              <a:t>:</a:t>
             </a:r>
           </a:p>
           <a:p>
@@ -22320,18 +21641,66 @@
               <a:buChar char="-"/>
             </a:pPr>
             <a:r>
-              <a:rPr lang="de-DE" dirty="0" err="1" smtClean="0"/>
-              <a:t>current</a:t>
-            </a:r>
-            <a:r>
-              <a:rPr lang="de-DE" dirty="0" smtClean="0"/>
-              <a:t> </a:t>
-            </a:r>
-            <a:r>
-              <a:rPr lang="de-DE" dirty="0" err="1" smtClean="0"/>
-              <a:t>directory</a:t>
-            </a:r>
-            <a:endParaRPr lang="de-DE" dirty="0" smtClean="0"/>
+              <a:rPr lang="de-DE" dirty="0" err="1"/>
+              <a:t>if</a:t>
+            </a:r>
+            <a:r>
+              <a:rPr lang="de-DE" dirty="0"/>
+              <a:t> </a:t>
+            </a:r>
+            <a:r>
+              <a:rPr lang="de-DE" dirty="0" err="1"/>
+              <a:t>no</a:t>
+            </a:r>
+            <a:r>
+              <a:rPr lang="de-DE" dirty="0"/>
+              <a:t> </a:t>
+            </a:r>
+            <a:r>
+              <a:rPr lang="de-DE" dirty="0" err="1"/>
+              <a:t>argument</a:t>
+            </a:r>
+            <a:r>
+              <a:rPr lang="de-DE" dirty="0"/>
+              <a:t> </a:t>
+            </a:r>
+            <a:r>
+              <a:rPr lang="de-DE" dirty="0" err="1"/>
+              <a:t>is</a:t>
+            </a:r>
+            <a:r>
+              <a:rPr lang="de-DE" dirty="0"/>
+              <a:t> </a:t>
+            </a:r>
+            <a:r>
+              <a:rPr lang="de-DE" dirty="0" err="1"/>
+              <a:t>given</a:t>
+            </a:r>
+            <a:r>
+              <a:rPr lang="de-DE" dirty="0"/>
+              <a:t>, </a:t>
+            </a:r>
+            <a:r>
+              <a:rPr lang="de-DE" dirty="0" err="1"/>
+              <a:t>take</a:t>
+            </a:r>
+            <a:r>
+              <a:rPr lang="de-DE" dirty="0"/>
+              <a:t> </a:t>
+            </a:r>
+            <a:r>
+              <a:rPr lang="de-DE" dirty="0" err="1"/>
+              <a:t>from</a:t>
+            </a:r>
+            <a:r>
+              <a:rPr lang="de-DE" dirty="0"/>
+              <a:t> </a:t>
+            </a:r>
+            <a:r>
+              <a:rPr lang="de-DE" dirty="0" err="1"/>
+              <a:t>config.sqlite</a:t>
+            </a:r>
+            <a:endParaRPr lang="de-DE" dirty="0"/>
           </a:p>
           <a:p>
             <a:pPr lvl="1">
@@ -22340,13 +21709,231 @@
             </a:pPr>
             <a:r>
               <a:rPr lang="de-DE" dirty="0" smtClean="0"/>
-              <a:t>/</a:t>
-            </a:r>
-            <a:r>
-              <a:rPr lang="de-DE" dirty="0" err="1" smtClean="0"/>
-              <a:t>home</a:t>
-            </a:r>
-            <a:endParaRPr lang="de-DE" dirty="0" smtClean="0"/>
+              <a:t>i(</a:t>
+            </a:r>
+            <a:r>
+              <a:rPr lang="de-DE" dirty="0" err="1" smtClean="0"/>
+              <a:t>nput</a:t>
+            </a:r>
+            <a:r>
+              <a:rPr lang="de-DE" dirty="0"/>
+              <a:t>)</a:t>
+            </a:r>
+          </a:p>
+          <a:p>
+            <a:pPr lvl="2"/>
+            <a:r>
+              <a:rPr lang="de-DE" dirty="0">
+                <a:solidFill>
+                  <a:srgbClr val="FF0000"/>
+                </a:solidFill>
+              </a:rPr>
+              <a:t>arg: "0" </a:t>
+            </a:r>
+            <a:r>
+              <a:rPr lang="de-DE" dirty="0" err="1">
+                <a:solidFill>
+                  <a:srgbClr val="FF0000"/>
+                </a:solidFill>
+              </a:rPr>
+              <a:t>video</a:t>
+            </a:r>
+            <a:r>
+              <a:rPr lang="de-DE" dirty="0">
+                <a:solidFill>
+                  <a:srgbClr val="FF0000"/>
+                </a:solidFill>
+              </a:rPr>
+              <a:t> </a:t>
+            </a:r>
+            <a:r>
+              <a:rPr lang="de-DE" dirty="0" err="1">
+                <a:solidFill>
+                  <a:srgbClr val="FF0000"/>
+                </a:solidFill>
+              </a:rPr>
+              <a:t>device</a:t>
+            </a:r>
+            <a:r>
+              <a:rPr lang="de-DE" dirty="0">
+                <a:solidFill>
+                  <a:srgbClr val="FF0000"/>
+                </a:solidFill>
+              </a:rPr>
+              <a:t> - </a:t>
+            </a:r>
+            <a:r>
+              <a:rPr lang="de-DE" dirty="0" err="1">
+                <a:solidFill>
+                  <a:srgbClr val="FF0000"/>
+                </a:solidFill>
+              </a:rPr>
+              <a:t>number</a:t>
+            </a:r>
+            <a:r>
+              <a:rPr lang="de-DE" dirty="0">
+                <a:solidFill>
+                  <a:srgbClr val="FF0000"/>
+                </a:solidFill>
+              </a:rPr>
+              <a:t> </a:t>
+            </a:r>
+            <a:r>
+              <a:rPr lang="de-DE" dirty="0" err="1">
+                <a:solidFill>
+                  <a:srgbClr val="FF0000"/>
+                </a:solidFill>
+              </a:rPr>
+              <a:t>of</a:t>
+            </a:r>
+            <a:r>
+              <a:rPr lang="de-DE" dirty="0">
+                <a:solidFill>
+                  <a:srgbClr val="FF0000"/>
+                </a:solidFill>
+              </a:rPr>
+              <a:t> </a:t>
+            </a:r>
+            <a:r>
+              <a:rPr lang="de-DE" dirty="0" err="1">
+                <a:solidFill>
+                  <a:srgbClr val="FF0000"/>
+                </a:solidFill>
+              </a:rPr>
+              <a:t>device</a:t>
+            </a:r>
+            <a:r>
+              <a:rPr lang="de-DE" dirty="0">
+                <a:solidFill>
+                  <a:srgbClr val="FF0000"/>
+                </a:solidFill>
+              </a:rPr>
+              <a:t> in pick </a:t>
+            </a:r>
+            <a:r>
+              <a:rPr lang="de-DE" dirty="0" err="1">
+                <a:solidFill>
+                  <a:srgbClr val="FF0000"/>
+                </a:solidFill>
+              </a:rPr>
+              <a:t>list</a:t>
+            </a:r>
+            <a:r>
+              <a:rPr lang="de-DE" dirty="0">
+                <a:solidFill>
+                  <a:srgbClr val="FF0000"/>
+                </a:solidFill>
+              </a:rPr>
+              <a:t>, e.g. 0 -&gt; "</a:t>
+            </a:r>
+            <a:r>
+              <a:rPr lang="de-DE" dirty="0" err="1">
+                <a:solidFill>
+                  <a:srgbClr val="FF0000"/>
+                </a:solidFill>
+              </a:rPr>
+              <a:t>logitech</a:t>
+            </a:r>
+            <a:r>
+              <a:rPr lang="de-DE" dirty="0">
+                <a:solidFill>
+                  <a:srgbClr val="FF0000"/>
+                </a:solidFill>
+              </a:rPr>
+              <a:t> S5500"</a:t>
+            </a:r>
+          </a:p>
+          <a:p>
+            <a:pPr lvl="2"/>
+            <a:r>
+              <a:rPr lang="de-DE" dirty="0"/>
+              <a:t>arg: "</a:t>
+            </a:r>
+            <a:r>
+              <a:rPr lang="de-DE" dirty="0" err="1"/>
+              <a:t>input</a:t>
+            </a:r>
+            <a:r>
+              <a:rPr lang="de-DE" dirty="0"/>
+              <a:t> </a:t>
+            </a:r>
+            <a:r>
+              <a:rPr lang="de-DE" dirty="0" err="1"/>
+              <a:t>file</a:t>
+            </a:r>
+            <a:r>
+              <a:rPr lang="de-DE" dirty="0"/>
+              <a:t>": </a:t>
+            </a:r>
+            <a:r>
+              <a:rPr lang="de-DE" dirty="0" err="1"/>
+              <a:t>file</a:t>
+            </a:r>
+            <a:r>
+              <a:rPr lang="de-DE" dirty="0"/>
+              <a:t> </a:t>
+            </a:r>
+            <a:r>
+              <a:rPr lang="de-DE" dirty="0" err="1"/>
+              <a:t>to</a:t>
+            </a:r>
+            <a:r>
+              <a:rPr lang="de-DE" dirty="0"/>
+              <a:t> </a:t>
+            </a:r>
+            <a:r>
+              <a:rPr lang="de-DE" dirty="0" err="1"/>
+              <a:t>read</a:t>
+            </a:r>
+            <a:r>
+              <a:rPr lang="de-DE" dirty="0"/>
+              <a:t> </a:t>
+            </a:r>
+            <a:r>
+              <a:rPr lang="de-DE" dirty="0" err="1"/>
+              <a:t>from</a:t>
+            </a:r>
+            <a:endParaRPr lang="de-DE" dirty="0"/>
+          </a:p>
+          <a:p>
+            <a:pPr lvl="2"/>
+            <a:r>
+              <a:rPr lang="de-DE" dirty="0" err="1"/>
+              <a:t>if</a:t>
+            </a:r>
+            <a:r>
+              <a:rPr lang="de-DE" dirty="0"/>
+              <a:t> </a:t>
+            </a:r>
+            <a:r>
+              <a:rPr lang="de-DE" dirty="0" err="1"/>
+              <a:t>empty</a:t>
+            </a:r>
+            <a:r>
+              <a:rPr lang="de-DE" dirty="0"/>
+              <a:t>, </a:t>
+            </a:r>
+            <a:r>
+              <a:rPr lang="de-DE" dirty="0" err="1"/>
+              <a:t>take</a:t>
+            </a:r>
+            <a:r>
+              <a:rPr lang="de-DE" dirty="0"/>
+              <a:t> </a:t>
+            </a:r>
+            <a:r>
+              <a:rPr lang="de-DE" dirty="0" err="1"/>
+              <a:t>standard</a:t>
+            </a:r>
+            <a:r>
+              <a:rPr lang="de-DE" dirty="0"/>
+              <a:t> </a:t>
+            </a:r>
+            <a:r>
+              <a:rPr lang="de-DE" dirty="0" err="1"/>
+              <a:t>cam</a:t>
+            </a:r>
+            <a:endParaRPr lang="de-DE" dirty="0"/>
           </a:p>
           <a:p>
             <a:pPr lvl="1">
@@ -22354,33 +21941,77 @@
               <a:buChar char="-"/>
             </a:pPr>
             <a:r>
-              <a:rPr lang="de-DE" dirty="0" smtClean="0"/>
-              <a:t>/</a:t>
-            </a:r>
-            <a:r>
-              <a:rPr lang="de-DE" dirty="0" err="1" smtClean="0"/>
-              <a:t>home</a:t>
-            </a:r>
-            <a:r>
-              <a:rPr lang="de-DE" dirty="0" smtClean="0"/>
-              <a:t>/</a:t>
-            </a:r>
-            <a:r>
-              <a:rPr lang="de-DE" dirty="0" err="1" smtClean="0"/>
-              <a:t>work_path</a:t>
-            </a:r>
-            <a:endParaRPr lang="de-DE" dirty="0" smtClean="0"/>
-          </a:p>
-          <a:p>
-            <a:pPr lvl="1"/>
-            <a:endParaRPr lang="de-DE" dirty="0" smtClean="0"/>
-          </a:p>
-          <a:p>
-            <a:r>
-              <a:rPr lang="de-DE" dirty="0" err="1" smtClean="0"/>
-              <a:t>openVideoFile</a:t>
-            </a:r>
-            <a:endParaRPr lang="de-DE" dirty="0" smtClean="0"/>
+              <a:rPr lang="de-DE" smtClean="0"/>
+              <a:t>o(</a:t>
+            </a:r>
+            <a:r>
+              <a:rPr lang="de-DE" dirty="0" err="1" smtClean="0"/>
+              <a:t>utput</a:t>
+            </a:r>
+            <a:r>
+              <a:rPr lang="de-DE" dirty="0" smtClean="0"/>
+              <a:t> </a:t>
+            </a:r>
+            <a:r>
+              <a:rPr lang="de-DE" dirty="0" err="1"/>
+              <a:t>file</a:t>
+            </a:r>
+            <a:r>
+              <a:rPr lang="de-DE" dirty="0"/>
+              <a:t>)</a:t>
+            </a:r>
+          </a:p>
+          <a:p>
+            <a:pPr lvl="2"/>
+            <a:r>
+              <a:rPr lang="de-DE" dirty="0"/>
+              <a:t>arg: "</a:t>
+            </a:r>
+            <a:r>
+              <a:rPr lang="de-DE" dirty="0" err="1"/>
+              <a:t>file</a:t>
+            </a:r>
+            <a:r>
+              <a:rPr lang="de-DE" dirty="0"/>
+              <a:t> </a:t>
+            </a:r>
+            <a:r>
+              <a:rPr lang="de-DE" dirty="0" err="1"/>
+              <a:t>name</a:t>
+            </a:r>
+            <a:r>
+              <a:rPr lang="de-DE" dirty="0"/>
+              <a:t>": </a:t>
+            </a:r>
+            <a:r>
+              <a:rPr lang="de-DE" dirty="0" err="1"/>
+              <a:t>file</a:t>
+            </a:r>
+            <a:r>
+              <a:rPr lang="de-DE" dirty="0"/>
+              <a:t> </a:t>
+            </a:r>
+            <a:r>
+              <a:rPr lang="de-DE" dirty="0" err="1"/>
+              <a:t>to</a:t>
+            </a:r>
+            <a:r>
+              <a:rPr lang="de-DE" dirty="0"/>
+              <a:t> </a:t>
+            </a:r>
+            <a:r>
+              <a:rPr lang="de-DE" dirty="0" err="1"/>
+              <a:t>write</a:t>
+            </a:r>
+            <a:r>
+              <a:rPr lang="de-DE" dirty="0"/>
+              <a:t> </a:t>
+            </a:r>
+            <a:r>
+              <a:rPr lang="de-DE" dirty="0" err="1"/>
+              <a:t>to</a:t>
+            </a:r>
+            <a:endParaRPr lang="de-DE" dirty="0"/>
           </a:p>
           <a:p>
             <a:pPr lvl="1">
@@ -22388,38 +22019,221 @@
               <a:buChar char="-"/>
             </a:pPr>
             <a:r>
-              <a:rPr lang="de-DE" dirty="0" smtClean="0"/>
-              <a:t>check, </a:t>
-            </a:r>
-            <a:r>
-              <a:rPr lang="de-DE" dirty="0" err="1" smtClean="0"/>
-              <a:t>if</a:t>
-            </a:r>
-            <a:r>
-              <a:rPr lang="de-DE" dirty="0" smtClean="0"/>
-              <a:t> </a:t>
-            </a:r>
-            <a:r>
-              <a:rPr lang="de-DE" dirty="0" err="1" smtClean="0"/>
-              <a:t>file</a:t>
-            </a:r>
-            <a:r>
-              <a:rPr lang="de-DE" dirty="0" smtClean="0"/>
-              <a:t> </a:t>
-            </a:r>
-            <a:r>
-              <a:rPr lang="de-DE" dirty="0" err="1" smtClean="0"/>
-              <a:t>exists</a:t>
-            </a:r>
-            <a:r>
-              <a:rPr lang="de-DE" dirty="0" smtClean="0"/>
-              <a:t> in </a:t>
-            </a:r>
-            <a:r>
-              <a:rPr lang="de-DE" dirty="0" err="1" smtClean="0"/>
-              <a:t>lookup</a:t>
-            </a:r>
-            <a:endParaRPr lang="de-DE" dirty="0" smtClean="0"/>
+              <a:rPr lang="de-DE" dirty="0">
+                <a:solidFill>
+                  <a:srgbClr val="FF0000"/>
+                </a:solidFill>
+              </a:rPr>
+              <a:t>q(</a:t>
+            </a:r>
+            <a:r>
+              <a:rPr lang="de-DE" dirty="0" err="1">
+                <a:solidFill>
+                  <a:srgbClr val="FF0000"/>
+                </a:solidFill>
+              </a:rPr>
+              <a:t>uiet</a:t>
+            </a:r>
+            <a:r>
+              <a:rPr lang="de-DE" dirty="0">
+                <a:solidFill>
+                  <a:srgbClr val="FF0000"/>
+                </a:solidFill>
+              </a:rPr>
+              <a:t>)</a:t>
+            </a:r>
+          </a:p>
+          <a:p>
+            <a:pPr lvl="2"/>
+            <a:r>
+              <a:rPr lang="de-DE" dirty="0" err="1">
+                <a:solidFill>
+                  <a:srgbClr val="FF0000"/>
+                </a:solidFill>
+              </a:rPr>
+              <a:t>no</a:t>
+            </a:r>
+            <a:r>
+              <a:rPr lang="de-DE" dirty="0">
+                <a:solidFill>
+                  <a:srgbClr val="FF0000"/>
+                </a:solidFill>
+              </a:rPr>
+              <a:t> arg, </a:t>
+            </a:r>
+            <a:r>
+              <a:rPr lang="de-DE" dirty="0" err="1">
+                <a:solidFill>
+                  <a:srgbClr val="FF0000"/>
+                </a:solidFill>
+              </a:rPr>
+              <a:t>take</a:t>
+            </a:r>
+            <a:r>
+              <a:rPr lang="de-DE" dirty="0">
+                <a:solidFill>
+                  <a:srgbClr val="FF0000"/>
+                </a:solidFill>
+              </a:rPr>
+              <a:t> </a:t>
+            </a:r>
+            <a:r>
+              <a:rPr lang="de-DE" dirty="0" err="1">
+                <a:solidFill>
+                  <a:srgbClr val="FF0000"/>
+                </a:solidFill>
+              </a:rPr>
+              <a:t>standard</a:t>
+            </a:r>
+            <a:r>
+              <a:rPr lang="de-DE" dirty="0">
+                <a:solidFill>
+                  <a:srgbClr val="FF0000"/>
+                </a:solidFill>
+              </a:rPr>
+              <a:t> </a:t>
+            </a:r>
+            <a:r>
+              <a:rPr lang="de-DE" dirty="0" err="1">
+                <a:solidFill>
+                  <a:srgbClr val="FF0000"/>
+                </a:solidFill>
+              </a:rPr>
+              <a:t>arguments</a:t>
+            </a:r>
+            <a:r>
+              <a:rPr lang="de-DE" dirty="0">
+                <a:solidFill>
+                  <a:srgbClr val="FF0000"/>
+                </a:solidFill>
+              </a:rPr>
+              <a:t> </a:t>
+            </a:r>
+            <a:r>
+              <a:rPr lang="de-DE" dirty="0" err="1">
+                <a:solidFill>
+                  <a:srgbClr val="FF0000"/>
+                </a:solidFill>
+              </a:rPr>
+              <a:t>without</a:t>
+            </a:r>
+            <a:r>
+              <a:rPr lang="de-DE" dirty="0">
+                <a:solidFill>
+                  <a:srgbClr val="FF0000"/>
+                </a:solidFill>
+              </a:rPr>
+              <a:t> </a:t>
+            </a:r>
+            <a:r>
+              <a:rPr lang="de-DE" dirty="0" err="1">
+                <a:solidFill>
+                  <a:srgbClr val="FF0000"/>
+                </a:solidFill>
+              </a:rPr>
+              <a:t>asking</a:t>
+            </a:r>
+            <a:r>
+              <a:rPr lang="de-DE" dirty="0">
+                <a:solidFill>
+                  <a:srgbClr val="FF0000"/>
+                </a:solidFill>
+              </a:rPr>
+              <a:t> </a:t>
+            </a:r>
+            <a:r>
+              <a:rPr lang="de-DE" dirty="0" err="1">
+                <a:solidFill>
+                  <a:srgbClr val="FF0000"/>
+                </a:solidFill>
+              </a:rPr>
+              <a:t>for</a:t>
+            </a:r>
+            <a:r>
+              <a:rPr lang="de-DE" dirty="0">
+                <a:solidFill>
+                  <a:srgbClr val="FF0000"/>
+                </a:solidFill>
+              </a:rPr>
+              <a:t> </a:t>
+            </a:r>
+            <a:r>
+              <a:rPr lang="de-DE" dirty="0" err="1">
+                <a:solidFill>
+                  <a:srgbClr val="FF0000"/>
+                </a:solidFill>
+              </a:rPr>
+              <a:t>user</a:t>
+            </a:r>
+            <a:r>
+              <a:rPr lang="de-DE" dirty="0">
+                <a:solidFill>
+                  <a:srgbClr val="FF0000"/>
+                </a:solidFill>
+              </a:rPr>
+              <a:t> </a:t>
+            </a:r>
+            <a:r>
+              <a:rPr lang="de-DE" dirty="0" err="1">
+                <a:solidFill>
+                  <a:srgbClr val="FF0000"/>
+                </a:solidFill>
+              </a:rPr>
+              <a:t>input</a:t>
+            </a:r>
+            <a:r>
+              <a:rPr lang="de-DE" dirty="0">
+                <a:solidFill>
+                  <a:srgbClr val="FF0000"/>
+                </a:solidFill>
+              </a:rPr>
+              <a:t>, e.g. </a:t>
+            </a:r>
+            <a:r>
+              <a:rPr lang="de-DE" dirty="0" err="1">
+                <a:solidFill>
+                  <a:srgbClr val="FF0000"/>
+                </a:solidFill>
+              </a:rPr>
+              <a:t>pre-selected</a:t>
+            </a:r>
+            <a:r>
+              <a:rPr lang="de-DE" dirty="0">
+                <a:solidFill>
+                  <a:srgbClr val="FF0000"/>
+                </a:solidFill>
+              </a:rPr>
+              <a:t> </a:t>
+            </a:r>
+            <a:r>
+              <a:rPr lang="de-DE" dirty="0" err="1">
+                <a:solidFill>
+                  <a:srgbClr val="FF0000"/>
+                </a:solidFill>
+              </a:rPr>
+              <a:t>items</a:t>
+            </a:r>
+            <a:r>
+              <a:rPr lang="de-DE" dirty="0">
+                <a:solidFill>
+                  <a:srgbClr val="FF0000"/>
+                </a:solidFill>
+              </a:rPr>
+              <a:t> in pick </a:t>
+            </a:r>
+            <a:r>
+              <a:rPr lang="de-DE" dirty="0" err="1">
+                <a:solidFill>
+                  <a:srgbClr val="FF0000"/>
+                </a:solidFill>
+              </a:rPr>
+              <a:t>lists</a:t>
+            </a:r>
+            <a:endParaRPr lang="de-DE" dirty="0">
+              <a:solidFill>
+                <a:srgbClr val="FF0000"/>
+              </a:solidFill>
+            </a:endParaRPr>
           </a:p>
           <a:p>
             <a:pPr lvl="1">
@@ -22427,123 +22241,360 @@
               <a:buChar char="-"/>
             </a:pPr>
             <a:r>
-              <a:rPr lang="de-DE" dirty="0" err="1" smtClean="0"/>
-              <a:t>if</a:t>
-            </a:r>
-            <a:r>
-              <a:rPr lang="de-DE" dirty="0" smtClean="0"/>
-              <a:t> </a:t>
-            </a:r>
-            <a:r>
-              <a:rPr lang="de-DE" dirty="0" err="1" smtClean="0"/>
-              <a:t>specified</a:t>
-            </a:r>
-            <a:r>
-              <a:rPr lang="de-DE" dirty="0" smtClean="0"/>
-              <a:t> in </a:t>
-            </a:r>
-            <a:r>
-              <a:rPr lang="de-DE" dirty="0" err="1" smtClean="0"/>
-              <a:t>cmd</a:t>
-            </a:r>
-            <a:r>
-              <a:rPr lang="de-DE" dirty="0" smtClean="0"/>
-              <a:t> </a:t>
-            </a:r>
-            <a:r>
-              <a:rPr lang="de-DE" dirty="0" err="1" smtClean="0"/>
-              <a:t>line</a:t>
-            </a:r>
-            <a:r>
-              <a:rPr lang="de-DE" dirty="0" smtClean="0"/>
-              <a:t> -&gt; </a:t>
-            </a:r>
-            <a:r>
-              <a:rPr lang="de-DE" dirty="0" err="1" smtClean="0"/>
-              <a:t>write</a:t>
-            </a:r>
-            <a:r>
-              <a:rPr lang="de-DE" dirty="0" smtClean="0"/>
-              <a:t> </a:t>
-            </a:r>
-            <a:r>
-              <a:rPr lang="de-DE" dirty="0" err="1" smtClean="0"/>
-              <a:t>to</a:t>
-            </a:r>
-            <a:r>
-              <a:rPr lang="de-DE" dirty="0" smtClean="0"/>
-              <a:t> </a:t>
-            </a:r>
-            <a:r>
-              <a:rPr lang="de-DE" dirty="0" err="1" smtClean="0"/>
-              <a:t>db</a:t>
-            </a:r>
-            <a:endParaRPr lang="de-DE" dirty="0" smtClean="0"/>
+              <a:rPr lang="de-DE" dirty="0"/>
+              <a:t>r(</a:t>
+            </a:r>
+            <a:r>
+              <a:rPr lang="de-DE" dirty="0" err="1"/>
+              <a:t>ate</a:t>
+            </a:r>
+            <a:r>
+              <a:rPr lang="de-DE" dirty="0"/>
+              <a:t>)</a:t>
+            </a:r>
+          </a:p>
+          <a:p>
+            <a:pPr lvl="2"/>
+            <a:r>
+              <a:rPr lang="de-DE" dirty="0">
+                <a:solidFill>
+                  <a:srgbClr val="FF0000"/>
+                </a:solidFill>
+              </a:rPr>
+              <a:t>not </a:t>
+            </a:r>
+            <a:r>
+              <a:rPr lang="de-DE" dirty="0" err="1">
+                <a:solidFill>
+                  <a:srgbClr val="FF0000"/>
+                </a:solidFill>
+              </a:rPr>
+              <a:t>yet</a:t>
+            </a:r>
+            <a:r>
+              <a:rPr lang="de-DE" dirty="0">
+                <a:solidFill>
+                  <a:srgbClr val="FF0000"/>
+                </a:solidFill>
+              </a:rPr>
+              <a:t> </a:t>
+            </a:r>
+            <a:r>
+              <a:rPr lang="de-DE" dirty="0" err="1">
+                <a:solidFill>
+                  <a:srgbClr val="FF0000"/>
+                </a:solidFill>
+              </a:rPr>
+              <a:t>implemented</a:t>
+            </a:r>
+            <a:endParaRPr lang="de-DE" dirty="0">
+              <a:solidFill>
+                <a:srgbClr val="FF0000"/>
+              </a:solidFill>
+            </a:endParaRPr>
+          </a:p>
+          <a:p>
+            <a:pPr lvl="2"/>
+            <a:r>
+              <a:rPr lang="de-DE" dirty="0"/>
+              <a:t>arg: "</a:t>
+            </a:r>
+            <a:r>
+              <a:rPr lang="de-DE" dirty="0" err="1"/>
+              <a:t>fps</a:t>
+            </a:r>
+            <a:r>
+              <a:rPr lang="de-DE" dirty="0"/>
+              <a:t>" </a:t>
+            </a:r>
+            <a:r>
+              <a:rPr lang="de-DE" dirty="0" err="1"/>
+              <a:t>frames</a:t>
+            </a:r>
+            <a:r>
+              <a:rPr lang="de-DE" dirty="0"/>
+              <a:t> per </a:t>
+            </a:r>
+            <a:r>
+              <a:rPr lang="de-DE" dirty="0" err="1"/>
+              <a:t>second</a:t>
+            </a:r>
+            <a:r>
+              <a:rPr lang="de-DE" dirty="0"/>
+              <a:t> </a:t>
+            </a:r>
+            <a:r>
+              <a:rPr lang="de-DE" dirty="0" err="1"/>
+              <a:t>for</a:t>
+            </a:r>
+            <a:r>
+              <a:rPr lang="de-DE" dirty="0"/>
+              <a:t> </a:t>
+            </a:r>
+            <a:r>
+              <a:rPr lang="de-DE" dirty="0" err="1"/>
+              <a:t>video</a:t>
+            </a:r>
+            <a:r>
+              <a:rPr lang="de-DE" dirty="0"/>
+              <a:t> </a:t>
+            </a:r>
+            <a:r>
+              <a:rPr lang="de-DE" dirty="0" err="1"/>
+              <a:t>device</a:t>
+            </a:r>
+            <a:endParaRPr lang="de-DE" dirty="0"/>
           </a:p>
           <a:p>
             <a:pPr lvl="1">
-              <a:buFont typeface="Arial" panose="020B0604020202020204" pitchFamily="34" charset="0"/>
+              <a:buFont typeface="Calibri" panose="020F0502020204030204" pitchFamily="34" charset="0"/>
               <a:buChar char="-"/>
             </a:pPr>
             <a:r>
-              <a:rPr lang="de-DE" dirty="0" err="1" smtClean="0"/>
+              <a:rPr lang="de-DE" dirty="0"/>
+              <a:t>v(</a:t>
+            </a:r>
+            <a:r>
+              <a:rPr lang="de-DE" dirty="0" err="1"/>
+              <a:t>ideo</a:t>
+            </a:r>
+            <a:r>
+              <a:rPr lang="de-DE" dirty="0"/>
+              <a:t> </a:t>
+            </a:r>
+            <a:r>
+              <a:rPr lang="de-DE" dirty="0" err="1"/>
+              <a:t>size</a:t>
+            </a:r>
+            <a:r>
+              <a:rPr lang="de-DE" dirty="0"/>
+              <a:t>)</a:t>
+            </a:r>
+          </a:p>
+          <a:p>
+            <a:pPr lvl="2">
+              <a:buFont typeface="Calibri" panose="020F0502020204030204" pitchFamily="34" charset="0"/>
+              <a:buChar char="-"/>
+            </a:pPr>
+            <a:r>
+              <a:rPr lang="de-DE" dirty="0">
+                <a:solidFill>
+                  <a:srgbClr val="FF0000"/>
+                </a:solidFill>
+              </a:rPr>
+              <a:t>arg: "0" </a:t>
+            </a:r>
+            <a:r>
+              <a:rPr lang="de-DE" dirty="0" err="1">
+                <a:solidFill>
+                  <a:srgbClr val="FF0000"/>
+                </a:solidFill>
+              </a:rPr>
+              <a:t>frame</a:t>
+            </a:r>
+            <a:r>
+              <a:rPr lang="de-DE" dirty="0">
+                <a:solidFill>
+                  <a:srgbClr val="FF0000"/>
+                </a:solidFill>
+              </a:rPr>
+              <a:t> </a:t>
+            </a:r>
+            <a:r>
+              <a:rPr lang="de-DE" dirty="0" err="1">
+                <a:solidFill>
+                  <a:srgbClr val="FF0000"/>
+                </a:solidFill>
+              </a:rPr>
+              <a:t>size</a:t>
+            </a:r>
+            <a:r>
+              <a:rPr lang="de-DE" dirty="0">
+                <a:solidFill>
+                  <a:srgbClr val="FF0000"/>
+                </a:solidFill>
+              </a:rPr>
+              <a:t> - </a:t>
+            </a:r>
+            <a:r>
+              <a:rPr lang="de-DE" dirty="0" err="1">
+                <a:solidFill>
+                  <a:srgbClr val="FF0000"/>
+                </a:solidFill>
+              </a:rPr>
+              <a:t>number</a:t>
+            </a:r>
+            <a:r>
+              <a:rPr lang="de-DE" dirty="0">
+                <a:solidFill>
+                  <a:srgbClr val="FF0000"/>
+                </a:solidFill>
+              </a:rPr>
+              <a:t> </a:t>
+            </a:r>
+            <a:r>
+              <a:rPr lang="de-DE" dirty="0" err="1">
+                <a:solidFill>
+                  <a:srgbClr val="FF0000"/>
+                </a:solidFill>
+              </a:rPr>
+              <a:t>of</a:t>
+            </a:r>
+            <a:r>
+              <a:rPr lang="de-DE" dirty="0">
+                <a:solidFill>
+                  <a:srgbClr val="FF0000"/>
+                </a:solidFill>
+              </a:rPr>
+              <a:t> </a:t>
+            </a:r>
+            <a:r>
+              <a:rPr lang="de-DE" dirty="0" err="1">
+                <a:solidFill>
+                  <a:srgbClr val="FF0000"/>
+                </a:solidFill>
+              </a:rPr>
+              <a:t>size</a:t>
+            </a:r>
+            <a:r>
+              <a:rPr lang="de-DE" dirty="0">
+                <a:solidFill>
+                  <a:srgbClr val="FF0000"/>
+                </a:solidFill>
+              </a:rPr>
+              <a:t> in </a:t>
+            </a:r>
+            <a:r>
+              <a:rPr lang="de-DE" dirty="0" err="1">
+                <a:solidFill>
+                  <a:srgbClr val="FF0000"/>
+                </a:solidFill>
+              </a:rPr>
+              <a:t>pick_list</a:t>
+            </a:r>
+            <a:r>
+              <a:rPr lang="de-DE" dirty="0">
+                <a:solidFill>
+                  <a:srgbClr val="FF0000"/>
+                </a:solidFill>
+              </a:rPr>
+              <a:t> (e.g. 0 -&gt; 320x240)</a:t>
+            </a:r>
+          </a:p>
+          <a:p>
+            <a:pPr lvl="1">
+              <a:buFont typeface="Calibri" panose="020F0502020204030204" pitchFamily="34" charset="0"/>
+              <a:buChar char="-"/>
+            </a:pPr>
+            <a:r>
+              <a:rPr lang="de-DE" dirty="0" err="1"/>
               <a:t>if</a:t>
             </a:r>
             <a:r>
-              <a:rPr lang="de-DE" dirty="0" smtClean="0"/>
-              <a:t> not </a:t>
-            </a:r>
-            <a:r>
-              <a:rPr lang="de-DE" dirty="0" err="1" smtClean="0"/>
-              <a:t>specified</a:t>
+              <a:rPr lang="de-DE" dirty="0"/>
+              <a:t> </a:t>
+            </a:r>
+            <a:r>
+              <a:rPr lang="de-DE" dirty="0" err="1"/>
+              <a:t>the</a:t>
+            </a:r>
+            <a:r>
+              <a:rPr lang="de-DE" dirty="0"/>
+              <a:t> same </a:t>
+            </a:r>
+            <a:r>
+              <a:rPr lang="de-DE" dirty="0" err="1"/>
+              <a:t>option</a:t>
+            </a:r>
+            <a:r>
+              <a:rPr lang="de-DE" dirty="0"/>
+              <a:t> </a:t>
+            </a:r>
+            <a:r>
+              <a:rPr lang="de-DE" dirty="0" err="1"/>
+              <a:t>occurs</a:t>
+            </a:r>
+            <a:r>
+              <a:rPr lang="de-DE" dirty="0"/>
+              <a:t> </a:t>
+            </a:r>
+            <a:r>
+              <a:rPr lang="de-DE" dirty="0" err="1"/>
+              <a:t>more</a:t>
+            </a:r>
+            <a:r>
+              <a:rPr lang="de-DE" dirty="0"/>
+              <a:t> </a:t>
+            </a:r>
+            <a:r>
+              <a:rPr lang="de-DE" dirty="0" err="1"/>
+              <a:t>than</a:t>
+            </a:r>
+            <a:r>
+              <a:rPr lang="de-DE" dirty="0"/>
+              <a:t> </a:t>
+            </a:r>
+            <a:r>
+              <a:rPr lang="de-DE" dirty="0" err="1"/>
+              <a:t>once</a:t>
+            </a:r>
+            <a:r>
+              <a:rPr lang="de-DE" dirty="0"/>
+              <a:t>, </a:t>
+            </a:r>
+            <a:r>
+              <a:rPr lang="de-DE" dirty="0" err="1"/>
+              <a:t>the</a:t>
+            </a:r>
+            <a:r>
+              <a:rPr lang="de-DE" dirty="0"/>
+              <a:t> </a:t>
+            </a:r>
+            <a:r>
+              <a:rPr lang="de-DE" dirty="0" err="1"/>
+              <a:t>first</a:t>
+            </a:r>
+            <a:r>
+              <a:rPr lang="de-DE" dirty="0"/>
+              <a:t> </a:t>
+            </a:r>
+            <a:r>
+              <a:rPr lang="de-DE" dirty="0" err="1"/>
+              <a:t>option</a:t>
+            </a:r>
+            <a:r>
+              <a:rPr lang="de-DE" dirty="0"/>
+              <a:t> (</a:t>
+            </a:r>
+            <a:r>
+              <a:rPr lang="de-DE" dirty="0" err="1"/>
+              <a:t>and</a:t>
+            </a:r>
+            <a:r>
+              <a:rPr lang="de-DE" dirty="0"/>
+              <a:t> </a:t>
+            </a:r>
+            <a:r>
+              <a:rPr lang="de-DE" dirty="0" err="1"/>
+              <a:t>opt</a:t>
+            </a:r>
+            <a:r>
+              <a:rPr lang="de-DE" dirty="0"/>
+              <a:t> arg) </a:t>
+            </a:r>
+            <a:r>
+              <a:rPr lang="de-DE" dirty="0" err="1"/>
+              <a:t>is</a:t>
+            </a:r>
+            <a:r>
+              <a:rPr lang="de-DE" dirty="0"/>
+              <a:t> </a:t>
+            </a:r>
+            <a:r>
+              <a:rPr lang="de-DE" dirty="0" err="1" smtClean="0"/>
+              <a:t>taken</a:t>
             </a:r>
             <a:endParaRPr lang="de-DE" dirty="0" smtClean="0"/>
-          </a:p>
-          <a:p>
-            <a:pPr lvl="1">
-              <a:buFont typeface="Arial" panose="020B0604020202020204" pitchFamily="34" charset="0"/>
-              <a:buChar char="-"/>
-              <a:tabLst>
-                <a:tab pos="5381625" algn="l"/>
-              </a:tabLst>
-            </a:pPr>
-            <a:r>
-              <a:rPr lang="de-DE" dirty="0" smtClean="0"/>
-              <a:t>save </a:t>
-            </a:r>
-            <a:r>
-              <a:rPr lang="de-DE" dirty="0" err="1" smtClean="0"/>
-              <a:t>path</a:t>
-            </a:r>
-            <a:r>
-              <a:rPr lang="de-DE" dirty="0" smtClean="0"/>
-              <a:t> </a:t>
-            </a:r>
-            <a:r>
-              <a:rPr lang="de-DE" dirty="0" err="1" smtClean="0"/>
-              <a:t>to</a:t>
-            </a:r>
-            <a:r>
-              <a:rPr lang="de-DE" dirty="0" smtClean="0"/>
-              <a:t> </a:t>
-            </a:r>
-            <a:r>
-              <a:rPr lang="de-DE" dirty="0" err="1" smtClean="0"/>
-              <a:t>file</a:t>
-            </a:r>
-            <a:r>
-              <a:rPr lang="de-DE" dirty="0" smtClean="0"/>
-              <a:t>	</a:t>
-            </a:r>
-            <a:r>
-              <a:rPr lang="de-DE" dirty="0" err="1" smtClean="0"/>
-              <a:t>m_videoFilePath</a:t>
-            </a:r>
-            <a:endParaRPr lang="de-DE" dirty="0" smtClean="0"/>
-          </a:p>
-          <a:p>
-            <a:pPr lvl="2"/>
-            <a:endParaRPr lang="de-DE" dirty="0"/>
           </a:p>
         </p:txBody>
       </p:sp>

--- a/MotionDetection+ObjectTrackingV4.pptx
+++ b/MotionDetection+ObjectTrackingV4.pptx
@@ -8,25 +8,26 @@
     <p:sldId id="275" r:id="rId2"/>
     <p:sldId id="278" r:id="rId3"/>
     <p:sldId id="279" r:id="rId4"/>
-    <p:sldId id="284" r:id="rId5"/>
-    <p:sldId id="283" r:id="rId6"/>
-    <p:sldId id="280" r:id="rId7"/>
-    <p:sldId id="277" r:id="rId8"/>
-    <p:sldId id="262" r:id="rId9"/>
-    <p:sldId id="281" r:id="rId10"/>
-    <p:sldId id="282" r:id="rId11"/>
-    <p:sldId id="266" r:id="rId12"/>
-    <p:sldId id="273" r:id="rId13"/>
-    <p:sldId id="274" r:id="rId14"/>
-    <p:sldId id="265" r:id="rId15"/>
-    <p:sldId id="269" r:id="rId16"/>
-    <p:sldId id="271" r:id="rId17"/>
-    <p:sldId id="263" r:id="rId18"/>
-    <p:sldId id="261" r:id="rId19"/>
-    <p:sldId id="267" r:id="rId20"/>
-    <p:sldId id="268" r:id="rId21"/>
-    <p:sldId id="259" r:id="rId22"/>
-    <p:sldId id="260" r:id="rId23"/>
+    <p:sldId id="283" r:id="rId5"/>
+    <p:sldId id="280" r:id="rId6"/>
+    <p:sldId id="277" r:id="rId7"/>
+    <p:sldId id="284" r:id="rId8"/>
+    <p:sldId id="285" r:id="rId9"/>
+    <p:sldId id="262" r:id="rId10"/>
+    <p:sldId id="281" r:id="rId11"/>
+    <p:sldId id="282" r:id="rId12"/>
+    <p:sldId id="266" r:id="rId13"/>
+    <p:sldId id="273" r:id="rId14"/>
+    <p:sldId id="274" r:id="rId15"/>
+    <p:sldId id="265" r:id="rId16"/>
+    <p:sldId id="269" r:id="rId17"/>
+    <p:sldId id="271" r:id="rId18"/>
+    <p:sldId id="263" r:id="rId19"/>
+    <p:sldId id="261" r:id="rId20"/>
+    <p:sldId id="267" r:id="rId21"/>
+    <p:sldId id="268" r:id="rId22"/>
+    <p:sldId id="259" r:id="rId23"/>
+    <p:sldId id="260" r:id="rId24"/>
   </p:sldIdLst>
   <p:sldSz cx="9144000" cy="6858000" type="screen4x3"/>
   <p:notesSz cx="6865938" cy="9996488"/>
@@ -309,7 +310,7 @@
           <a:p>
             <a:fld id="{7F847C87-CECF-4A9A-88F5-87615B577ED8}" type="datetimeFigureOut">
               <a:rPr lang="de-DE" smtClean="0"/>
-              <a:t>21.05.2018</a:t>
+              <a:t>28.05.2018</a:t>
             </a:fld>
             <a:endParaRPr lang="de-DE"/>
           </a:p>
@@ -488,7 +489,7 @@
           <a:p>
             <a:fld id="{7F847C87-CECF-4A9A-88F5-87615B577ED8}" type="datetimeFigureOut">
               <a:rPr lang="de-DE" smtClean="0"/>
-              <a:t>21.05.2018</a:t>
+              <a:t>28.05.2018</a:t>
             </a:fld>
             <a:endParaRPr lang="de-DE"/>
           </a:p>
@@ -668,7 +669,7 @@
           <a:p>
             <a:fld id="{7F847C87-CECF-4A9A-88F5-87615B577ED8}" type="datetimeFigureOut">
               <a:rPr lang="de-DE" smtClean="0"/>
-              <a:t>21.05.2018</a:t>
+              <a:t>28.05.2018</a:t>
             </a:fld>
             <a:endParaRPr lang="de-DE"/>
           </a:p>
@@ -902,7 +903,7 @@
           <a:p>
             <a:fld id="{7F847C87-CECF-4A9A-88F5-87615B577ED8}" type="datetimeFigureOut">
               <a:rPr lang="de-DE" smtClean="0"/>
-              <a:t>21.05.2018</a:t>
+              <a:t>28.05.2018</a:t>
             </a:fld>
             <a:endParaRPr lang="de-DE"/>
           </a:p>
@@ -1155,7 +1156,7 @@
           <a:p>
             <a:fld id="{7F847C87-CECF-4A9A-88F5-87615B577ED8}" type="datetimeFigureOut">
               <a:rPr lang="de-DE" smtClean="0"/>
-              <a:t>21.05.2018</a:t>
+              <a:t>28.05.2018</a:t>
             </a:fld>
             <a:endParaRPr lang="de-DE"/>
           </a:p>
@@ -1443,7 +1444,7 @@
           <a:p>
             <a:fld id="{7F847C87-CECF-4A9A-88F5-87615B577ED8}" type="datetimeFigureOut">
               <a:rPr lang="de-DE" smtClean="0"/>
-              <a:t>21.05.2018</a:t>
+              <a:t>28.05.2018</a:t>
             </a:fld>
             <a:endParaRPr lang="de-DE"/>
           </a:p>
@@ -1865,7 +1866,7 @@
           <a:p>
             <a:fld id="{7F847C87-CECF-4A9A-88F5-87615B577ED8}" type="datetimeFigureOut">
               <a:rPr lang="de-DE" smtClean="0"/>
-              <a:t>21.05.2018</a:t>
+              <a:t>28.05.2018</a:t>
             </a:fld>
             <a:endParaRPr lang="de-DE"/>
           </a:p>
@@ -1983,7 +1984,7 @@
           <a:p>
             <a:fld id="{7F847C87-CECF-4A9A-88F5-87615B577ED8}" type="datetimeFigureOut">
               <a:rPr lang="de-DE" smtClean="0"/>
-              <a:t>21.05.2018</a:t>
+              <a:t>28.05.2018</a:t>
             </a:fld>
             <a:endParaRPr lang="de-DE"/>
           </a:p>
@@ -2078,7 +2079,7 @@
           <a:p>
             <a:fld id="{7F847C87-CECF-4A9A-88F5-87615B577ED8}" type="datetimeFigureOut">
               <a:rPr lang="de-DE" smtClean="0"/>
-              <a:t>21.05.2018</a:t>
+              <a:t>28.05.2018</a:t>
             </a:fld>
             <a:endParaRPr lang="de-DE"/>
           </a:p>
@@ -2355,7 +2356,7 @@
           <a:p>
             <a:fld id="{7F847C87-CECF-4A9A-88F5-87615B577ED8}" type="datetimeFigureOut">
               <a:rPr lang="de-DE" smtClean="0"/>
-              <a:t>21.05.2018</a:t>
+              <a:t>28.05.2018</a:t>
             </a:fld>
             <a:endParaRPr lang="de-DE"/>
           </a:p>
@@ -2608,7 +2609,7 @@
           <a:p>
             <a:fld id="{7F847C87-CECF-4A9A-88F5-87615B577ED8}" type="datetimeFigureOut">
               <a:rPr lang="de-DE" smtClean="0"/>
-              <a:t>21.05.2018</a:t>
+              <a:t>28.05.2018</a:t>
             </a:fld>
             <a:endParaRPr lang="de-DE"/>
           </a:p>
@@ -2814,7 +2815,7 @@
           <a:p>
             <a:fld id="{7F847C87-CECF-4A9A-88F5-87615B577ED8}" type="datetimeFigureOut">
               <a:rPr lang="de-DE" smtClean="0"/>
-              <a:t>21.05.2018</a:t>
+              <a:t>28.05.2018</a:t>
             </a:fld>
             <a:endParaRPr lang="de-DE"/>
           </a:p>
@@ -4529,6 +4530,563 @@
             </a:r>
             <a:r>
               <a:rPr lang="de-DE" dirty="0" smtClean="0"/>
+              <a:t> - Test Cases</a:t>
+            </a:r>
+            <a:endParaRPr lang="de-DE" dirty="0"/>
+          </a:p>
+        </p:txBody>
+      </p:sp>
+      <p:sp>
+        <p:nvSpPr>
+          <p:cNvPr id="3" name="Inhaltsplatzhalter 2"/>
+          <p:cNvSpPr txBox="1">
+            <a:spLocks/>
+          </p:cNvSpPr>
+          <p:nvPr/>
+        </p:nvSpPr>
+        <p:spPr>
+          <a:xfrm>
+            <a:off x="457200" y="836712"/>
+            <a:ext cx="8229600" cy="5289451"/>
+          </a:xfrm>
+          <a:prstGeom prst="rect">
+            <a:avLst/>
+          </a:prstGeom>
+        </p:spPr>
+        <p:txBody>
+          <a:bodyPr/>
+          <a:lstStyle>
+            <a:lvl1pPr marL="180975" indent="-180975" algn="l" defTabSz="914400" rtl="0" eaLnBrk="1" latinLnBrk="0" hangingPunct="1">
+              <a:spcBef>
+                <a:spcPts val="300"/>
+              </a:spcBef>
+              <a:buFont typeface="Wingdings" panose="05000000000000000000" pitchFamily="2" charset="2"/>
+              <a:buChar char="§"/>
+              <a:defRPr lang="de-DE" sz="1200" kern="1200" baseline="0" dirty="0" smtClean="0">
+                <a:solidFill>
+                  <a:schemeClr val="tx1"/>
+                </a:solidFill>
+                <a:latin typeface="Arial" panose="020B0604020202020204" pitchFamily="34" charset="0"/>
+                <a:ea typeface="+mn-ea"/>
+                <a:cs typeface="Arial" panose="020B0604020202020204" pitchFamily="34" charset="0"/>
+              </a:defRPr>
+            </a:lvl1pPr>
+            <a:lvl2pPr marL="447675" indent="-180975" algn="l" defTabSz="914400" rtl="0" eaLnBrk="1" latinLnBrk="0" hangingPunct="1">
+              <a:spcBef>
+                <a:spcPts val="300"/>
+              </a:spcBef>
+              <a:buFont typeface="Wingdings" panose="05000000000000000000" pitchFamily="2" charset="2"/>
+              <a:buChar char="§"/>
+              <a:defRPr lang="de-DE" sz="1000" kern="1200" baseline="0" dirty="0" smtClean="0">
+                <a:solidFill>
+                  <a:schemeClr val="tx1"/>
+                </a:solidFill>
+                <a:latin typeface="Arial" panose="020B0604020202020204" pitchFamily="34" charset="0"/>
+                <a:ea typeface="+mn-ea"/>
+                <a:cs typeface="Arial" panose="020B0604020202020204" pitchFamily="34" charset="0"/>
+              </a:defRPr>
+            </a:lvl2pPr>
+            <a:lvl3pPr marL="712788" indent="-169863" algn="l" defTabSz="914400" rtl="0" eaLnBrk="1" latinLnBrk="0" hangingPunct="1">
+              <a:spcBef>
+                <a:spcPts val="0"/>
+              </a:spcBef>
+              <a:buFont typeface="Arial" panose="020B0604020202020204" pitchFamily="34" charset="0"/>
+              <a:buChar char="-"/>
+              <a:defRPr lang="de-DE" sz="1000" kern="1200" baseline="0" dirty="0" smtClean="0">
+                <a:solidFill>
+                  <a:schemeClr val="tx1"/>
+                </a:solidFill>
+                <a:latin typeface="Arial" panose="020B0604020202020204" pitchFamily="34" charset="0"/>
+                <a:ea typeface="+mn-ea"/>
+                <a:cs typeface="Arial" panose="020B0604020202020204" pitchFamily="34" charset="0"/>
+              </a:defRPr>
+            </a:lvl3pPr>
+            <a:lvl4pPr marL="1600200" indent="-228600" algn="l" defTabSz="914400" rtl="0" eaLnBrk="1" latinLnBrk="0" hangingPunct="1">
+              <a:spcBef>
+                <a:spcPct val="20000"/>
+              </a:spcBef>
+              <a:buFont typeface="Wingdings" panose="05000000000000000000" pitchFamily="2" charset="2"/>
+              <a:buChar char="§"/>
+              <a:defRPr lang="de-DE" sz="1400" kern="1200" baseline="0" dirty="0" smtClean="0">
+                <a:solidFill>
+                  <a:schemeClr val="tx1"/>
+                </a:solidFill>
+                <a:latin typeface="Arial" panose="020B0604020202020204" pitchFamily="34" charset="0"/>
+                <a:ea typeface="+mn-ea"/>
+                <a:cs typeface="Arial" panose="020B0604020202020204" pitchFamily="34" charset="0"/>
+              </a:defRPr>
+            </a:lvl4pPr>
+            <a:lvl5pPr marL="2057400" indent="-228600" algn="l" defTabSz="914400" rtl="0" eaLnBrk="1" latinLnBrk="0" hangingPunct="1">
+              <a:spcBef>
+                <a:spcPct val="20000"/>
+              </a:spcBef>
+              <a:buFont typeface="Wingdings" panose="05000000000000000000" pitchFamily="2" charset="2"/>
+              <a:buChar char="§"/>
+              <a:defRPr lang="de-DE" sz="1400" kern="1200" baseline="0" dirty="0">
+                <a:solidFill>
+                  <a:schemeClr val="tx1"/>
+                </a:solidFill>
+                <a:latin typeface="Arial" panose="020B0604020202020204" pitchFamily="34" charset="0"/>
+                <a:ea typeface="+mn-ea"/>
+                <a:cs typeface="Arial" panose="020B0604020202020204" pitchFamily="34" charset="0"/>
+              </a:defRPr>
+            </a:lvl5pPr>
+            <a:lvl6pPr marL="2514600" indent="-228600" algn="l" defTabSz="914400" rtl="0" eaLnBrk="1" latinLnBrk="0" hangingPunct="1">
+              <a:spcBef>
+                <a:spcPct val="20000"/>
+              </a:spcBef>
+              <a:buFont typeface="Arial" panose="020B0604020202020204" pitchFamily="34" charset="0"/>
+              <a:buChar char="•"/>
+              <a:defRPr sz="2000" kern="1200">
+                <a:solidFill>
+                  <a:schemeClr val="tx1"/>
+                </a:solidFill>
+                <a:latin typeface="+mn-lt"/>
+                <a:ea typeface="+mn-ea"/>
+                <a:cs typeface="+mn-cs"/>
+              </a:defRPr>
+            </a:lvl6pPr>
+            <a:lvl7pPr marL="2971800" indent="-228600" algn="l" defTabSz="914400" rtl="0" eaLnBrk="1" latinLnBrk="0" hangingPunct="1">
+              <a:spcBef>
+                <a:spcPct val="20000"/>
+              </a:spcBef>
+              <a:buFont typeface="Arial" panose="020B0604020202020204" pitchFamily="34" charset="0"/>
+              <a:buChar char="•"/>
+              <a:defRPr sz="2000" kern="1200">
+                <a:solidFill>
+                  <a:schemeClr val="tx1"/>
+                </a:solidFill>
+                <a:latin typeface="+mn-lt"/>
+                <a:ea typeface="+mn-ea"/>
+                <a:cs typeface="+mn-cs"/>
+              </a:defRPr>
+            </a:lvl7pPr>
+            <a:lvl8pPr marL="3429000" indent="-228600" algn="l" defTabSz="914400" rtl="0" eaLnBrk="1" latinLnBrk="0" hangingPunct="1">
+              <a:spcBef>
+                <a:spcPct val="20000"/>
+              </a:spcBef>
+              <a:buFont typeface="Arial" panose="020B0604020202020204" pitchFamily="34" charset="0"/>
+              <a:buChar char="•"/>
+              <a:defRPr sz="2000" kern="1200">
+                <a:solidFill>
+                  <a:schemeClr val="tx1"/>
+                </a:solidFill>
+                <a:latin typeface="+mn-lt"/>
+                <a:ea typeface="+mn-ea"/>
+                <a:cs typeface="+mn-cs"/>
+              </a:defRPr>
+            </a:lvl8pPr>
+            <a:lvl9pPr marL="3886200" indent="-228600" algn="l" defTabSz="914400" rtl="0" eaLnBrk="1" latinLnBrk="0" hangingPunct="1">
+              <a:spcBef>
+                <a:spcPct val="20000"/>
+              </a:spcBef>
+              <a:buFont typeface="Arial" panose="020B0604020202020204" pitchFamily="34" charset="0"/>
+              <a:buChar char="•"/>
+              <a:defRPr sz="2000" kern="1200">
+                <a:solidFill>
+                  <a:schemeClr val="tx1"/>
+                </a:solidFill>
+                <a:latin typeface="+mn-lt"/>
+                <a:ea typeface="+mn-ea"/>
+                <a:cs typeface="+mn-cs"/>
+              </a:defRPr>
+            </a:lvl9pPr>
+          </a:lstStyle>
+          <a:p>
+            <a:r>
+              <a:rPr lang="de-DE" dirty="0" err="1" smtClean="0"/>
+              <a:t>class</a:t>
+            </a:r>
+            <a:r>
+              <a:rPr lang="de-DE" dirty="0" smtClean="0"/>
+              <a:t> </a:t>
+            </a:r>
+            <a:r>
+              <a:rPr lang="de-DE" dirty="0" err="1" smtClean="0"/>
+              <a:t>TrackEntry</a:t>
+            </a:r>
+            <a:endParaRPr lang="de-DE" dirty="0" smtClean="0"/>
+          </a:p>
+          <a:p>
+            <a:pPr lvl="1">
+              <a:buFont typeface="Arial" panose="020B0604020202020204" pitchFamily="34" charset="0"/>
+              <a:buChar char="-"/>
+            </a:pPr>
+            <a:r>
+              <a:rPr lang="de-DE" dirty="0" err="1" smtClean="0"/>
+              <a:t>centroid</a:t>
+            </a:r>
+            <a:r>
+              <a:rPr lang="de-DE" dirty="0" smtClean="0"/>
+              <a:t> </a:t>
+            </a:r>
+            <a:r>
+              <a:rPr lang="de-DE" dirty="0" err="1" smtClean="0"/>
+              <a:t>calculation</a:t>
+            </a:r>
+            <a:endParaRPr lang="de-DE" dirty="0" smtClean="0"/>
+          </a:p>
+          <a:p>
+            <a:pPr lvl="1">
+              <a:buFont typeface="Arial" panose="020B0604020202020204" pitchFamily="34" charset="0"/>
+              <a:buChar char="-"/>
+            </a:pPr>
+            <a:r>
+              <a:rPr lang="de-DE" dirty="0" err="1" smtClean="0"/>
+              <a:t>hasSimilarSize</a:t>
+            </a:r>
+            <a:endParaRPr lang="de-DE" dirty="0" smtClean="0"/>
+          </a:p>
+          <a:p>
+            <a:pPr lvl="1">
+              <a:buFont typeface="Arial" panose="020B0604020202020204" pitchFamily="34" charset="0"/>
+              <a:buChar char="-"/>
+            </a:pPr>
+            <a:endParaRPr lang="de-DE" dirty="0"/>
+          </a:p>
+          <a:p>
+            <a:r>
+              <a:rPr lang="de-DE" dirty="0" err="1" smtClean="0"/>
+              <a:t>class</a:t>
+            </a:r>
+            <a:r>
+              <a:rPr lang="de-DE" dirty="0" smtClean="0"/>
+              <a:t> Track</a:t>
+            </a:r>
+          </a:p>
+          <a:p>
+            <a:pPr lvl="1">
+              <a:buFont typeface="Calibri" panose="020F0502020204030204" pitchFamily="34" charset="0"/>
+              <a:buChar char="-"/>
+            </a:pPr>
+            <a:r>
+              <a:rPr lang="de-DE" dirty="0" err="1" smtClean="0"/>
+              <a:t>velocity</a:t>
+            </a:r>
+            <a:r>
+              <a:rPr lang="de-DE" dirty="0" smtClean="0"/>
+              <a:t> </a:t>
+            </a:r>
+            <a:r>
+              <a:rPr lang="de-DE" dirty="0" err="1" smtClean="0"/>
+              <a:t>calculation</a:t>
+            </a:r>
+            <a:endParaRPr lang="de-DE" dirty="0" smtClean="0"/>
+          </a:p>
+          <a:p>
+            <a:pPr lvl="1">
+              <a:buFont typeface="Calibri" panose="020F0502020204030204" pitchFamily="34" charset="0"/>
+              <a:buChar char="-"/>
+            </a:pPr>
+            <a:r>
+              <a:rPr lang="de-DE" dirty="0" err="1" smtClean="0"/>
+              <a:t>substitute</a:t>
+            </a:r>
+            <a:r>
+              <a:rPr lang="de-DE" dirty="0" smtClean="0"/>
+              <a:t> </a:t>
+            </a:r>
+            <a:r>
+              <a:rPr lang="de-DE" dirty="0" err="1" smtClean="0"/>
+              <a:t>track</a:t>
+            </a:r>
+            <a:r>
+              <a:rPr lang="de-DE" dirty="0" smtClean="0"/>
+              <a:t> </a:t>
+            </a:r>
+            <a:r>
+              <a:rPr lang="de-DE" dirty="0" err="1" smtClean="0"/>
+              <a:t>entry</a:t>
+            </a:r>
+            <a:endParaRPr lang="de-DE" dirty="0" smtClean="0"/>
+          </a:p>
+          <a:p>
+            <a:pPr lvl="1">
+              <a:buFont typeface="Calibri" panose="020F0502020204030204" pitchFamily="34" charset="0"/>
+              <a:buChar char="-"/>
+            </a:pPr>
+            <a:r>
+              <a:rPr lang="de-DE" dirty="0" err="1" smtClean="0"/>
+              <a:t>updateTrack</a:t>
+            </a:r>
+            <a:endParaRPr lang="de-DE" dirty="0" smtClean="0"/>
+          </a:p>
+          <a:p>
+            <a:pPr lvl="2">
+              <a:buFont typeface="Calibri" panose="020F0502020204030204" pitchFamily="34" charset="0"/>
+              <a:buChar char="-"/>
+            </a:pPr>
+            <a:r>
+              <a:rPr lang="de-DE" dirty="0" err="1" smtClean="0"/>
+              <a:t>take</a:t>
+            </a:r>
+            <a:r>
+              <a:rPr lang="de-DE" dirty="0" smtClean="0"/>
+              <a:t> </a:t>
+            </a:r>
+            <a:r>
+              <a:rPr lang="de-DE" dirty="0" err="1" smtClean="0"/>
+              <a:t>closest</a:t>
+            </a:r>
+            <a:endParaRPr lang="de-DE" dirty="0" smtClean="0"/>
+          </a:p>
+          <a:p>
+            <a:pPr lvl="2">
+              <a:buFont typeface="Calibri" panose="020F0502020204030204" pitchFamily="34" charset="0"/>
+              <a:buChar char="-"/>
+            </a:pPr>
+            <a:r>
+              <a:rPr lang="de-DE" dirty="0" err="1" smtClean="0"/>
+              <a:t>take</a:t>
+            </a:r>
+            <a:r>
+              <a:rPr lang="de-DE" dirty="0" smtClean="0"/>
+              <a:t> </a:t>
+            </a:r>
+            <a:r>
+              <a:rPr lang="de-DE" dirty="0" err="1" smtClean="0"/>
+              <a:t>similar</a:t>
+            </a:r>
+            <a:endParaRPr lang="de-DE" dirty="0" smtClean="0"/>
+          </a:p>
+          <a:p>
+            <a:pPr lvl="1">
+              <a:buFont typeface="Calibri" panose="020F0502020204030204" pitchFamily="34" charset="0"/>
+              <a:buChar char="-"/>
+            </a:pPr>
+            <a:r>
+              <a:rPr lang="de-DE" dirty="0" err="1" smtClean="0"/>
+              <a:t>delete</a:t>
+            </a:r>
+            <a:r>
+              <a:rPr lang="de-DE" dirty="0" smtClean="0"/>
+              <a:t> </a:t>
+            </a:r>
+            <a:r>
+              <a:rPr lang="de-DE" dirty="0" err="1" smtClean="0"/>
+              <a:t>track</a:t>
+            </a:r>
+            <a:r>
+              <a:rPr lang="de-DE" dirty="0" smtClean="0"/>
+              <a:t>, </a:t>
+            </a:r>
+            <a:r>
+              <a:rPr lang="de-DE" dirty="0" err="1" smtClean="0"/>
+              <a:t>if</a:t>
+            </a:r>
+            <a:r>
+              <a:rPr lang="de-DE" dirty="0" smtClean="0"/>
+              <a:t> </a:t>
+            </a:r>
+            <a:r>
+              <a:rPr lang="de-DE" dirty="0" err="1" smtClean="0"/>
+              <a:t>confidence</a:t>
+            </a:r>
+            <a:r>
+              <a:rPr lang="de-DE" dirty="0" smtClean="0"/>
+              <a:t> </a:t>
+            </a:r>
+            <a:r>
+              <a:rPr lang="de-DE" dirty="0" err="1" smtClean="0"/>
+              <a:t>drops</a:t>
+            </a:r>
+            <a:r>
+              <a:rPr lang="de-DE" dirty="0" smtClean="0"/>
+              <a:t> </a:t>
+            </a:r>
+            <a:r>
+              <a:rPr lang="de-DE" dirty="0" err="1" smtClean="0"/>
+              <a:t>below</a:t>
+            </a:r>
+            <a:r>
+              <a:rPr lang="de-DE" dirty="0" smtClean="0"/>
+              <a:t> </a:t>
+            </a:r>
+            <a:r>
+              <a:rPr lang="de-DE" dirty="0" err="1" smtClean="0"/>
+              <a:t>zero</a:t>
+            </a:r>
+            <a:endParaRPr lang="de-DE" dirty="0" smtClean="0"/>
+          </a:p>
+          <a:p>
+            <a:pPr lvl="1">
+              <a:buFont typeface="Calibri" panose="020F0502020204030204" pitchFamily="34" charset="0"/>
+              <a:buChar char="-"/>
+            </a:pPr>
+            <a:endParaRPr lang="de-DE" dirty="0" smtClean="0"/>
+          </a:p>
+          <a:p>
+            <a:pPr lvl="1">
+              <a:buFont typeface="Calibri" panose="020F0502020204030204" pitchFamily="34" charset="0"/>
+              <a:buChar char="-"/>
+            </a:pPr>
+            <a:endParaRPr lang="de-DE" dirty="0"/>
+          </a:p>
+          <a:p>
+            <a:r>
+              <a:rPr lang="de-DE" dirty="0" err="1" smtClean="0"/>
+              <a:t>class</a:t>
+            </a:r>
+            <a:r>
+              <a:rPr lang="de-DE" dirty="0" smtClean="0"/>
+              <a:t> </a:t>
+            </a:r>
+            <a:r>
+              <a:rPr lang="de-DE" dirty="0" err="1" smtClean="0"/>
+              <a:t>SceneTracker</a:t>
+            </a:r>
+            <a:endParaRPr lang="de-DE" dirty="0" smtClean="0"/>
+          </a:p>
+          <a:p>
+            <a:pPr lvl="1">
+              <a:buFont typeface="Arial" panose="020B0604020202020204" pitchFamily="34" charset="0"/>
+              <a:buChar char="-"/>
+            </a:pPr>
+            <a:r>
+              <a:rPr lang="de-DE" dirty="0" err="1" smtClean="0"/>
+              <a:t>allow</a:t>
+            </a:r>
+            <a:r>
+              <a:rPr lang="de-DE" dirty="0" smtClean="0"/>
+              <a:t> </a:t>
+            </a:r>
+            <a:r>
+              <a:rPr lang="de-DE" dirty="0" err="1" smtClean="0"/>
+              <a:t>for</a:t>
+            </a:r>
+            <a:r>
+              <a:rPr lang="de-DE" dirty="0" smtClean="0"/>
+              <a:t> </a:t>
+            </a:r>
+            <a:r>
+              <a:rPr lang="de-DE" dirty="0" err="1" smtClean="0"/>
+              <a:t>max</a:t>
+            </a:r>
+            <a:r>
+              <a:rPr lang="de-DE" dirty="0" smtClean="0"/>
+              <a:t> 10 Tracks (Track-ID)</a:t>
+            </a:r>
+          </a:p>
+          <a:p>
+            <a:pPr lvl="1">
+              <a:buFont typeface="Arial" panose="020B0604020202020204" pitchFamily="34" charset="0"/>
+              <a:buChar char="-"/>
+            </a:pPr>
+            <a:r>
+              <a:rPr lang="de-DE" dirty="0" err="1" smtClean="0"/>
+              <a:t>updateTracks</a:t>
+            </a:r>
+            <a:endParaRPr lang="de-DE" dirty="0" smtClean="0"/>
+          </a:p>
+          <a:p>
+            <a:pPr lvl="2"/>
+            <a:r>
+              <a:rPr lang="de-DE" dirty="0" err="1" smtClean="0"/>
+              <a:t>max</a:t>
+            </a:r>
+            <a:r>
+              <a:rPr lang="de-DE" dirty="0" smtClean="0"/>
+              <a:t> 10 Tracks</a:t>
+            </a:r>
+          </a:p>
+          <a:p>
+            <a:pPr lvl="2"/>
+            <a:r>
+              <a:rPr lang="de-DE" dirty="0" err="1" smtClean="0"/>
+              <a:t>delete</a:t>
+            </a:r>
+            <a:r>
+              <a:rPr lang="de-DE" dirty="0" smtClean="0"/>
+              <a:t> </a:t>
+            </a:r>
+            <a:r>
+              <a:rPr lang="de-DE" dirty="0" err="1" smtClean="0"/>
+              <a:t>orphaned</a:t>
+            </a:r>
+            <a:endParaRPr lang="de-DE" dirty="0" smtClean="0"/>
+          </a:p>
+          <a:p>
+            <a:pPr lvl="2"/>
+            <a:r>
+              <a:rPr lang="de-DE" dirty="0" smtClean="0"/>
+              <a:t>update </a:t>
+            </a:r>
+            <a:r>
+              <a:rPr lang="de-DE" smtClean="0"/>
+              <a:t>new</a:t>
+            </a:r>
+          </a:p>
+          <a:p>
+            <a:pPr lvl="1">
+              <a:buFont typeface="Arial" panose="020B0604020202020204" pitchFamily="34" charset="0"/>
+              <a:buChar char="-"/>
+            </a:pPr>
+            <a:endParaRPr lang="de-DE" dirty="0"/>
+          </a:p>
+          <a:p>
+            <a:pPr lvl="2"/>
+            <a:endParaRPr lang="de-DE" dirty="0"/>
+          </a:p>
+        </p:txBody>
+      </p:sp>
+    </p:spTree>
+    <p:extLst>
+      <p:ext uri="{BB962C8B-B14F-4D97-AF65-F5344CB8AC3E}">
+        <p14:creationId xmlns:p14="http://schemas.microsoft.com/office/powerpoint/2010/main" val="2150305663"/>
+      </p:ext>
+    </p:extLst>
+  </p:cSld>
+  <p:clrMapOvr>
+    <a:masterClrMapping/>
+  </p:clrMapOvr>
+  <p:timing>
+    <p:tnLst>
+      <p:par>
+        <p:cTn id="1" dur="indefinite" restart="never" nodeType="tmRoot"/>
+      </p:par>
+    </p:tnLst>
+  </p:timing>
+</p:sld>
+</file>
+
+<file path=ppt/slides/slide11.xml><?xml version="1.0" encoding="utf-8"?>
+<p:sld xmlns:a="http://schemas.openxmlformats.org/drawingml/2006/main" xmlns:r="http://schemas.openxmlformats.org/officeDocument/2006/relationships" xmlns:p="http://schemas.openxmlformats.org/presentationml/2006/main">
+  <p:cSld>
+    <p:spTree>
+      <p:nvGrpSpPr>
+        <p:cNvPr id="1" name=""/>
+        <p:cNvGrpSpPr/>
+        <p:nvPr/>
+      </p:nvGrpSpPr>
+      <p:grpSpPr>
+        <a:xfrm>
+          <a:off x="0" y="0"/>
+          <a:ext cx="0" cy="0"/>
+          <a:chOff x="0" y="0"/>
+          <a:chExt cx="0" cy="0"/>
+        </a:xfrm>
+      </p:grpSpPr>
+      <p:sp>
+        <p:nvSpPr>
+          <p:cNvPr id="2" name="Titel 1"/>
+          <p:cNvSpPr>
+            <a:spLocks noGrp="1"/>
+          </p:cNvSpPr>
+          <p:nvPr>
+            <p:ph type="title"/>
+          </p:nvPr>
+        </p:nvSpPr>
+        <p:spPr/>
+        <p:txBody>
+          <a:bodyPr/>
+          <a:lstStyle/>
+          <a:p>
+            <a:r>
+              <a:rPr lang="de-DE" dirty="0" err="1" smtClean="0"/>
+              <a:t>Tracker</a:t>
+            </a:r>
+            <a:r>
+              <a:rPr lang="de-DE" dirty="0" smtClean="0"/>
               <a:t> - Parameters</a:t>
             </a:r>
             <a:endParaRPr lang="de-DE" dirty="0"/>
@@ -5007,7 +5565,7 @@
 </p:sld>
 </file>
 
-<file path=ppt/slides/slide11.xml><?xml version="1.0" encoding="utf-8"?>
+<file path=ppt/slides/slide12.xml><?xml version="1.0" encoding="utf-8"?>
 <p:sld xmlns:a="http://schemas.openxmlformats.org/drawingml/2006/main" xmlns:r="http://schemas.openxmlformats.org/officeDocument/2006/relationships" xmlns:p="http://schemas.openxmlformats.org/presentationml/2006/main">
   <p:cSld>
     <p:spTree>
@@ -6402,7 +6960,7 @@
 </p:sld>
 </file>
 
-<file path=ppt/slides/slide12.xml><?xml version="1.0" encoding="utf-8"?>
+<file path=ppt/slides/slide13.xml><?xml version="1.0" encoding="utf-8"?>
 <p:sld xmlns:a="http://schemas.openxmlformats.org/drawingml/2006/main" xmlns:r="http://schemas.openxmlformats.org/officeDocument/2006/relationships" xmlns:p="http://schemas.openxmlformats.org/presentationml/2006/main">
   <p:cSld>
     <p:spTree>
@@ -8499,7 +9057,7 @@
 </p:sld>
 </file>
 
-<file path=ppt/slides/slide13.xml><?xml version="1.0" encoding="utf-8"?>
+<file path=ppt/slides/slide14.xml><?xml version="1.0" encoding="utf-8"?>
 <p:sld xmlns:a="http://schemas.openxmlformats.org/drawingml/2006/main" xmlns:r="http://schemas.openxmlformats.org/officeDocument/2006/relationships" xmlns:p="http://schemas.openxmlformats.org/presentationml/2006/main">
   <p:cSld>
     <p:spTree>
@@ -11305,7 +11863,7 @@
 </p:sld>
 </file>
 
-<file path=ppt/slides/slide14.xml><?xml version="1.0" encoding="utf-8"?>
+<file path=ppt/slides/slide15.xml><?xml version="1.0" encoding="utf-8"?>
 <p:sld xmlns:a="http://schemas.openxmlformats.org/drawingml/2006/main" xmlns:r="http://schemas.openxmlformats.org/officeDocument/2006/relationships" xmlns:p="http://schemas.openxmlformats.org/presentationml/2006/main">
   <p:cSld>
     <p:spTree>
@@ -12513,7 +13071,7 @@
 </p:sld>
 </file>
 
-<file path=ppt/slides/slide15.xml><?xml version="1.0" encoding="utf-8"?>
+<file path=ppt/slides/slide16.xml><?xml version="1.0" encoding="utf-8"?>
 <p:sld xmlns:a="http://schemas.openxmlformats.org/drawingml/2006/main" xmlns:r="http://schemas.openxmlformats.org/officeDocument/2006/relationships" xmlns:p="http://schemas.openxmlformats.org/presentationml/2006/main">
   <p:cSld>
     <p:spTree>
@@ -14028,7 +14586,7 @@
 </p:sld>
 </file>
 
-<file path=ppt/slides/slide16.xml><?xml version="1.0" encoding="utf-8"?>
+<file path=ppt/slides/slide17.xml><?xml version="1.0" encoding="utf-8"?>
 <p:sld xmlns:a="http://schemas.openxmlformats.org/drawingml/2006/main" xmlns:r="http://schemas.openxmlformats.org/officeDocument/2006/relationships" xmlns:p="http://schemas.openxmlformats.org/presentationml/2006/main">
   <p:cSld>
     <p:spTree>
@@ -15012,7 +15570,7 @@
 </p:sld>
 </file>
 
-<file path=ppt/slides/slide17.xml><?xml version="1.0" encoding="utf-8"?>
+<file path=ppt/slides/slide18.xml><?xml version="1.0" encoding="utf-8"?>
 <p:sld xmlns:a="http://schemas.openxmlformats.org/drawingml/2006/main" xmlns:r="http://schemas.openxmlformats.org/officeDocument/2006/relationships" xmlns:p="http://schemas.openxmlformats.org/presentationml/2006/main">
   <p:cSld>
     <p:spTree>
@@ -15370,68 +15928,6 @@
     <p:extLst>
       <p:ext uri="{BB962C8B-B14F-4D97-AF65-F5344CB8AC3E}">
         <p14:creationId xmlns:p14="http://schemas.microsoft.com/office/powerpoint/2010/main" val="3183068548"/>
-      </p:ext>
-    </p:extLst>
-  </p:cSld>
-  <p:clrMapOvr>
-    <a:masterClrMapping/>
-  </p:clrMapOvr>
-  <p:timing>
-    <p:tnLst>
-      <p:par>
-        <p:cTn id="1" dur="indefinite" restart="never" nodeType="tmRoot"/>
-      </p:par>
-    </p:tnLst>
-  </p:timing>
-</p:sld>
-</file>
-
-<file path=ppt/slides/slide18.xml><?xml version="1.0" encoding="utf-8"?>
-<p:sld xmlns:a="http://schemas.openxmlformats.org/drawingml/2006/main" xmlns:r="http://schemas.openxmlformats.org/officeDocument/2006/relationships" xmlns:p="http://schemas.openxmlformats.org/presentationml/2006/main">
-  <p:cSld>
-    <p:spTree>
-      <p:nvGrpSpPr>
-        <p:cNvPr id="1" name=""/>
-        <p:cNvGrpSpPr/>
-        <p:nvPr/>
-      </p:nvGrpSpPr>
-      <p:grpSpPr>
-        <a:xfrm>
-          <a:off x="0" y="0"/>
-          <a:ext cx="0" cy="0"/>
-          <a:chOff x="0" y="0"/>
-          <a:chExt cx="0" cy="0"/>
-        </a:xfrm>
-      </p:grpSpPr>
-      <p:sp>
-        <p:nvSpPr>
-          <p:cNvPr id="2" name="Titel 1"/>
-          <p:cNvSpPr>
-            <a:spLocks noGrp="1"/>
-          </p:cNvSpPr>
-          <p:nvPr>
-            <p:ph type="title"/>
-          </p:nvPr>
-        </p:nvSpPr>
-        <p:spPr/>
-        <p:txBody>
-          <a:bodyPr>
-            <a:normAutofit/>
-          </a:bodyPr>
-          <a:lstStyle/>
-          <a:p>
-            <a:r>
-              <a:rPr lang="de-DE" dirty="0" smtClean="0"/>
-              <a:t>Backup</a:t>
-            </a:r>
-            <a:endParaRPr lang="de-DE" dirty="0"/>
-          </a:p>
-        </p:txBody>
-      </p:sp>
-    </p:spTree>
-    <p:extLst>
-      <p:ext uri="{BB962C8B-B14F-4D97-AF65-F5344CB8AC3E}">
-        <p14:creationId xmlns:p14="http://schemas.microsoft.com/office/powerpoint/2010/main" val="3758006189"/>
       </p:ext>
     </p:extLst>
   </p:cSld>
@@ -15484,698 +15980,16 @@
           <a:p>
             <a:r>
               <a:rPr lang="de-DE" dirty="0" smtClean="0"/>
-              <a:t>Motion </a:t>
-            </a:r>
-            <a:r>
-              <a:rPr lang="de-DE" dirty="0" err="1" smtClean="0"/>
-              <a:t>based</a:t>
-            </a:r>
-            <a:r>
-              <a:rPr lang="de-DE" dirty="0" smtClean="0"/>
-              <a:t> multiple </a:t>
-            </a:r>
-            <a:r>
-              <a:rPr lang="de-DE" dirty="0" err="1" smtClean="0"/>
-              <a:t>object</a:t>
-            </a:r>
-            <a:r>
-              <a:rPr lang="de-DE" dirty="0" smtClean="0"/>
-              <a:t> </a:t>
-            </a:r>
-            <a:r>
-              <a:rPr lang="de-DE" dirty="0" err="1" smtClean="0"/>
-              <a:t>tracking</a:t>
-            </a:r>
-            <a:r>
-              <a:rPr lang="de-DE" dirty="0" smtClean="0"/>
-              <a:t> </a:t>
-            </a:r>
-            <a:r>
-              <a:rPr lang="de-DE" dirty="0" err="1" smtClean="0"/>
-              <a:t>with</a:t>
-            </a:r>
-            <a:r>
-              <a:rPr lang="de-DE" dirty="0" smtClean="0"/>
-              <a:t> </a:t>
-            </a:r>
-            <a:r>
-              <a:rPr lang="de-DE" dirty="0" err="1" smtClean="0"/>
-              <a:t>stationary</a:t>
-            </a:r>
-            <a:r>
-              <a:rPr lang="de-DE" dirty="0" smtClean="0"/>
-              <a:t> </a:t>
-            </a:r>
-            <a:r>
-              <a:rPr lang="de-DE" dirty="0" err="1" smtClean="0"/>
-              <a:t>camera</a:t>
+              <a:t>Backup</a:t>
             </a:r>
             <a:endParaRPr lang="de-DE" dirty="0"/>
-          </a:p>
-        </p:txBody>
-      </p:sp>
-      <p:sp>
-        <p:nvSpPr>
-          <p:cNvPr id="3" name="Inhaltsplatzhalter 2"/>
-          <p:cNvSpPr>
-            <a:spLocks noGrp="1"/>
-          </p:cNvSpPr>
-          <p:nvPr>
-            <p:ph idx="1"/>
-          </p:nvPr>
-        </p:nvSpPr>
-        <p:spPr>
-          <a:xfrm>
-            <a:off x="457200" y="836712"/>
-            <a:ext cx="6131024" cy="5289451"/>
-          </a:xfrm>
-        </p:spPr>
-        <p:txBody>
-          <a:bodyPr/>
-          <a:lstStyle/>
-          <a:p>
-            <a:r>
-              <a:rPr lang="de-DE" dirty="0" smtClean="0"/>
-              <a:t>Initialize </a:t>
-            </a:r>
-            <a:r>
-              <a:rPr lang="de-DE" dirty="0" err="1" smtClean="0"/>
-              <a:t>tracks</a:t>
-            </a:r>
-            <a:endParaRPr lang="de-DE" dirty="0" smtClean="0"/>
-          </a:p>
-          <a:p>
-            <a:r>
-              <a:rPr lang="de-DE" dirty="0" smtClean="0"/>
-              <a:t>Read </a:t>
-            </a:r>
-            <a:r>
-              <a:rPr lang="de-DE" dirty="0" err="1" smtClean="0"/>
-              <a:t>video</a:t>
-            </a:r>
-            <a:r>
-              <a:rPr lang="de-DE" dirty="0" smtClean="0"/>
-              <a:t> </a:t>
-            </a:r>
-            <a:r>
-              <a:rPr lang="de-DE" dirty="0" err="1" smtClean="0"/>
-              <a:t>frame</a:t>
-            </a:r>
-            <a:endParaRPr lang="de-DE" dirty="0" smtClean="0"/>
-          </a:p>
-          <a:p>
-            <a:r>
-              <a:rPr lang="de-DE" dirty="0" err="1" smtClean="0"/>
-              <a:t>Detecting</a:t>
-            </a:r>
-            <a:r>
-              <a:rPr lang="de-DE" dirty="0" smtClean="0"/>
-              <a:t> </a:t>
-            </a:r>
-            <a:r>
-              <a:rPr lang="de-DE" dirty="0" err="1" smtClean="0"/>
-              <a:t>moving</a:t>
-            </a:r>
-            <a:r>
-              <a:rPr lang="de-DE" dirty="0" smtClean="0"/>
-              <a:t> </a:t>
-            </a:r>
-            <a:r>
-              <a:rPr lang="de-DE" dirty="0" err="1" smtClean="0"/>
-              <a:t>objects</a:t>
-            </a:r>
-            <a:r>
-              <a:rPr lang="de-DE" dirty="0" smtClean="0"/>
-              <a:t> in </a:t>
-            </a:r>
-            <a:r>
-              <a:rPr lang="de-DE" dirty="0" err="1" smtClean="0"/>
-              <a:t>each</a:t>
-            </a:r>
-            <a:r>
-              <a:rPr lang="de-DE" dirty="0" smtClean="0"/>
-              <a:t> </a:t>
-            </a:r>
-            <a:r>
-              <a:rPr lang="de-DE" dirty="0" err="1" smtClean="0"/>
-              <a:t>frame</a:t>
-            </a:r>
-            <a:r>
-              <a:rPr lang="de-DE" dirty="0" smtClean="0"/>
-              <a:t>, </a:t>
-            </a:r>
-            <a:r>
-              <a:rPr lang="de-DE" dirty="0" err="1" smtClean="0"/>
-              <a:t>using</a:t>
-            </a:r>
-            <a:r>
-              <a:rPr lang="de-DE" dirty="0" smtClean="0"/>
-              <a:t> </a:t>
-            </a:r>
-            <a:r>
-              <a:rPr lang="de-DE" dirty="0" err="1" smtClean="0"/>
-              <a:t>background</a:t>
-            </a:r>
-            <a:r>
-              <a:rPr lang="de-DE" dirty="0" smtClean="0"/>
-              <a:t> </a:t>
-            </a:r>
-            <a:r>
-              <a:rPr lang="de-DE" dirty="0" err="1" smtClean="0"/>
-              <a:t>subtraction</a:t>
-            </a:r>
-            <a:endParaRPr lang="de-DE" dirty="0" smtClean="0"/>
-          </a:p>
-          <a:p>
-            <a:pPr lvl="1"/>
-            <a:r>
-              <a:rPr lang="de-DE" dirty="0" smtClean="0"/>
-              <a:t>Background </a:t>
-            </a:r>
-            <a:r>
-              <a:rPr lang="de-DE" dirty="0" err="1" smtClean="0"/>
-              <a:t>mdeling</a:t>
-            </a:r>
-            <a:endParaRPr lang="de-DE" dirty="0" smtClean="0"/>
-          </a:p>
-          <a:p>
-            <a:pPr lvl="1"/>
-            <a:r>
-              <a:rPr lang="de-DE" dirty="0" smtClean="0"/>
-              <a:t>Background </a:t>
-            </a:r>
-            <a:r>
-              <a:rPr lang="de-DE" dirty="0" err="1" smtClean="0"/>
-              <a:t>initializaiton</a:t>
-            </a:r>
-            <a:endParaRPr lang="de-DE" dirty="0" smtClean="0"/>
-          </a:p>
-          <a:p>
-            <a:pPr lvl="1"/>
-            <a:r>
-              <a:rPr lang="de-DE" dirty="0" smtClean="0"/>
-              <a:t>Background </a:t>
-            </a:r>
-            <a:r>
-              <a:rPr lang="de-DE" dirty="0" err="1" smtClean="0"/>
-              <a:t>maintenance</a:t>
-            </a:r>
-            <a:endParaRPr lang="de-DE" dirty="0" smtClean="0"/>
-          </a:p>
-          <a:p>
-            <a:pPr lvl="1"/>
-            <a:r>
-              <a:rPr lang="de-DE" dirty="0" err="1" smtClean="0"/>
-              <a:t>Foreground</a:t>
-            </a:r>
-            <a:r>
-              <a:rPr lang="de-DE" dirty="0" smtClean="0"/>
-              <a:t>  </a:t>
-            </a:r>
-            <a:r>
-              <a:rPr lang="de-DE" dirty="0" err="1" smtClean="0"/>
-              <a:t>detection</a:t>
-            </a:r>
-            <a:endParaRPr lang="de-DE" dirty="0" smtClean="0"/>
-          </a:p>
-          <a:p>
-            <a:r>
-              <a:rPr lang="de-DE" dirty="0" err="1" smtClean="0"/>
-              <a:t>Associating</a:t>
-            </a:r>
-            <a:r>
-              <a:rPr lang="de-DE" dirty="0" smtClean="0"/>
-              <a:t> </a:t>
-            </a:r>
-            <a:r>
-              <a:rPr lang="de-DE" dirty="0" err="1" smtClean="0"/>
-              <a:t>the</a:t>
-            </a:r>
-            <a:r>
-              <a:rPr lang="de-DE" dirty="0" smtClean="0"/>
-              <a:t> </a:t>
-            </a:r>
-            <a:r>
-              <a:rPr lang="de-DE" dirty="0" err="1" smtClean="0"/>
-              <a:t>detections</a:t>
-            </a:r>
-            <a:r>
-              <a:rPr lang="de-DE" dirty="0" smtClean="0"/>
-              <a:t> </a:t>
-            </a:r>
-            <a:r>
-              <a:rPr lang="de-DE" dirty="0" err="1" smtClean="0"/>
-              <a:t>corresponding</a:t>
-            </a:r>
-            <a:r>
-              <a:rPr lang="de-DE" dirty="0" smtClean="0"/>
-              <a:t> </a:t>
-            </a:r>
-            <a:r>
-              <a:rPr lang="de-DE" dirty="0" err="1" smtClean="0"/>
-              <a:t>to</a:t>
-            </a:r>
-            <a:r>
-              <a:rPr lang="de-DE" dirty="0" smtClean="0"/>
-              <a:t> </a:t>
-            </a:r>
-            <a:r>
-              <a:rPr lang="de-DE" dirty="0" err="1" smtClean="0"/>
-              <a:t>the</a:t>
-            </a:r>
-            <a:r>
-              <a:rPr lang="de-DE" dirty="0" smtClean="0"/>
-              <a:t> same </a:t>
-            </a:r>
-            <a:r>
-              <a:rPr lang="de-DE" dirty="0" err="1" smtClean="0"/>
-              <a:t>object</a:t>
-            </a:r>
-            <a:r>
-              <a:rPr lang="de-DE" dirty="0" smtClean="0"/>
-              <a:t> </a:t>
-            </a:r>
-            <a:r>
-              <a:rPr lang="de-DE" dirty="0" err="1" smtClean="0"/>
-              <a:t>over</a:t>
-            </a:r>
-            <a:r>
-              <a:rPr lang="de-DE" dirty="0" smtClean="0"/>
-              <a:t> time</a:t>
-            </a:r>
-          </a:p>
-          <a:p>
-            <a:pPr lvl="1"/>
-            <a:r>
-              <a:rPr lang="de-DE" dirty="0" err="1" smtClean="0"/>
-              <a:t>Assign</a:t>
-            </a:r>
-            <a:r>
-              <a:rPr lang="de-DE" dirty="0" smtClean="0"/>
-              <a:t> </a:t>
-            </a:r>
-            <a:r>
-              <a:rPr lang="de-DE" dirty="0" err="1"/>
-              <a:t>d</a:t>
-            </a:r>
-            <a:r>
-              <a:rPr lang="de-DE" dirty="0" err="1" smtClean="0"/>
-              <a:t>etections</a:t>
-            </a:r>
-            <a:r>
-              <a:rPr lang="de-DE" dirty="0" smtClean="0"/>
-              <a:t> </a:t>
-            </a:r>
-            <a:r>
-              <a:rPr lang="de-DE" dirty="0" err="1" smtClean="0"/>
-              <a:t>to</a:t>
-            </a:r>
-            <a:r>
-              <a:rPr lang="de-DE" dirty="0" smtClean="0"/>
-              <a:t> </a:t>
-            </a:r>
-            <a:r>
-              <a:rPr lang="de-DE" dirty="0" err="1" smtClean="0"/>
-              <a:t>track</a:t>
-            </a:r>
-            <a:endParaRPr lang="de-DE" dirty="0" smtClean="0"/>
-          </a:p>
-          <a:p>
-            <a:pPr lvl="1"/>
-            <a:r>
-              <a:rPr lang="de-DE" dirty="0" smtClean="0"/>
-              <a:t>Update </a:t>
-            </a:r>
-            <a:r>
-              <a:rPr lang="de-DE" dirty="0" err="1"/>
-              <a:t>a</a:t>
-            </a:r>
-            <a:r>
-              <a:rPr lang="de-DE" dirty="0" err="1" smtClean="0"/>
-              <a:t>ssigned</a:t>
-            </a:r>
-            <a:r>
-              <a:rPr lang="de-DE" dirty="0" smtClean="0"/>
-              <a:t> </a:t>
-            </a:r>
-            <a:r>
-              <a:rPr lang="de-DE" dirty="0" err="1" smtClean="0"/>
-              <a:t>tracks</a:t>
-            </a:r>
-            <a:endParaRPr lang="de-DE" dirty="0" smtClean="0"/>
-          </a:p>
-          <a:p>
-            <a:pPr lvl="1"/>
-            <a:r>
-              <a:rPr lang="de-DE" dirty="0" smtClean="0"/>
-              <a:t>Update </a:t>
-            </a:r>
-            <a:r>
-              <a:rPr lang="de-DE" dirty="0" err="1" smtClean="0"/>
-              <a:t>unassigned</a:t>
-            </a:r>
-            <a:r>
-              <a:rPr lang="de-DE" dirty="0" smtClean="0"/>
-              <a:t> </a:t>
-            </a:r>
-            <a:r>
-              <a:rPr lang="de-DE" dirty="0" err="1" smtClean="0"/>
-              <a:t>tracks</a:t>
-            </a:r>
-            <a:endParaRPr lang="de-DE" dirty="0" smtClean="0"/>
-          </a:p>
-          <a:p>
-            <a:pPr lvl="1"/>
-            <a:r>
-              <a:rPr lang="de-DE" dirty="0" smtClean="0"/>
-              <a:t>Delete lost </a:t>
-            </a:r>
-            <a:r>
-              <a:rPr lang="de-DE" dirty="0" err="1" smtClean="0"/>
-              <a:t>tracks</a:t>
-            </a:r>
-            <a:endParaRPr lang="de-DE" dirty="0" smtClean="0"/>
-          </a:p>
-          <a:p>
-            <a:pPr lvl="1"/>
-            <a:r>
-              <a:rPr lang="de-DE" dirty="0" smtClean="0"/>
-              <a:t>Create </a:t>
-            </a:r>
-            <a:r>
-              <a:rPr lang="de-DE" dirty="0" err="1" smtClean="0"/>
-              <a:t>new</a:t>
-            </a:r>
-            <a:r>
-              <a:rPr lang="de-DE" dirty="0" smtClean="0"/>
-              <a:t> </a:t>
-            </a:r>
-            <a:r>
-              <a:rPr lang="de-DE" dirty="0" err="1" smtClean="0"/>
-              <a:t>tracks</a:t>
-            </a:r>
-            <a:endParaRPr lang="de-DE" dirty="0" smtClean="0"/>
-          </a:p>
-          <a:p>
-            <a:pPr lvl="2"/>
-            <a:r>
-              <a:rPr lang="de-DE" dirty="0" err="1" smtClean="0"/>
-              <a:t>Assumption</a:t>
-            </a:r>
-            <a:r>
-              <a:rPr lang="de-DE" dirty="0" smtClean="0"/>
-              <a:t>: </a:t>
-            </a:r>
-            <a:r>
-              <a:rPr lang="de-DE" dirty="0" err="1" smtClean="0"/>
-              <a:t>each</a:t>
-            </a:r>
-            <a:r>
-              <a:rPr lang="de-DE" dirty="0" smtClean="0"/>
-              <a:t> </a:t>
-            </a:r>
-            <a:r>
-              <a:rPr lang="de-DE" dirty="0" err="1" smtClean="0"/>
-              <a:t>newly</a:t>
-            </a:r>
-            <a:r>
-              <a:rPr lang="de-DE" dirty="0" smtClean="0"/>
-              <a:t> </a:t>
-            </a:r>
-            <a:r>
-              <a:rPr lang="de-DE" dirty="0" err="1" smtClean="0"/>
-              <a:t>detected</a:t>
-            </a:r>
-            <a:r>
-              <a:rPr lang="de-DE" dirty="0" smtClean="0"/>
-              <a:t> </a:t>
-            </a:r>
-            <a:r>
-              <a:rPr lang="de-DE" dirty="0" err="1" smtClean="0"/>
-              <a:t>object</a:t>
-            </a:r>
-            <a:r>
-              <a:rPr lang="de-DE" dirty="0" smtClean="0"/>
-              <a:t> </a:t>
-            </a:r>
-            <a:r>
-              <a:rPr lang="de-DE" dirty="0" err="1" smtClean="0"/>
-              <a:t>starts</a:t>
-            </a:r>
-            <a:r>
-              <a:rPr lang="de-DE" dirty="0" smtClean="0"/>
-              <a:t> a </a:t>
-            </a:r>
-            <a:r>
-              <a:rPr lang="de-DE" dirty="0" err="1" smtClean="0"/>
-              <a:t>new</a:t>
-            </a:r>
-            <a:r>
-              <a:rPr lang="de-DE" dirty="0" smtClean="0"/>
-              <a:t> </a:t>
-            </a:r>
-            <a:r>
-              <a:rPr lang="de-DE" dirty="0" err="1" smtClean="0"/>
-              <a:t>track</a:t>
-            </a:r>
-            <a:r>
-              <a:rPr lang="de-DE" dirty="0" smtClean="0"/>
-              <a:t> (</a:t>
-            </a:r>
-            <a:r>
-              <a:rPr lang="de-DE" dirty="0" err="1" smtClean="0"/>
-              <a:t>judged</a:t>
-            </a:r>
-            <a:r>
-              <a:rPr lang="de-DE" dirty="0" smtClean="0"/>
-              <a:t> </a:t>
-            </a:r>
-            <a:r>
-              <a:rPr lang="de-DE" dirty="0" err="1" smtClean="0"/>
-              <a:t>by</a:t>
-            </a:r>
-            <a:r>
-              <a:rPr lang="de-DE" dirty="0" smtClean="0"/>
-              <a:t> </a:t>
-            </a:r>
-            <a:r>
-              <a:rPr lang="de-DE" dirty="0" err="1" smtClean="0"/>
-              <a:t>size</a:t>
-            </a:r>
-            <a:r>
-              <a:rPr lang="de-DE" dirty="0" smtClean="0"/>
-              <a:t> </a:t>
-            </a:r>
-            <a:r>
-              <a:rPr lang="de-DE" dirty="0" err="1" smtClean="0"/>
-              <a:t>and</a:t>
-            </a:r>
-            <a:r>
-              <a:rPr lang="de-DE" dirty="0" smtClean="0"/>
-              <a:t> </a:t>
-            </a:r>
-            <a:r>
-              <a:rPr lang="de-DE" dirty="0" err="1" smtClean="0"/>
-              <a:t>location</a:t>
-            </a:r>
-            <a:r>
-              <a:rPr lang="de-DE" dirty="0" smtClean="0"/>
-              <a:t>) </a:t>
-            </a:r>
-          </a:p>
-          <a:p>
-            <a:r>
-              <a:rPr lang="de-DE" dirty="0" smtClean="0"/>
-              <a:t>Display </a:t>
-            </a:r>
-            <a:r>
-              <a:rPr lang="de-DE" dirty="0" err="1" smtClean="0"/>
-              <a:t>tracking</a:t>
-            </a:r>
-            <a:r>
-              <a:rPr lang="de-DE" dirty="0" smtClean="0"/>
-              <a:t> </a:t>
-            </a:r>
-            <a:r>
-              <a:rPr lang="de-DE" dirty="0" err="1" smtClean="0"/>
-              <a:t>results</a:t>
-            </a:r>
-            <a:endParaRPr lang="de-DE" dirty="0" smtClean="0"/>
-          </a:p>
-          <a:p>
-            <a:pPr lvl="1"/>
-            <a:endParaRPr lang="de-DE" dirty="0"/>
-          </a:p>
-        </p:txBody>
-      </p:sp>
-      <p:sp>
-        <p:nvSpPr>
-          <p:cNvPr id="4" name="Textfeld 3"/>
-          <p:cNvSpPr txBox="1"/>
-          <p:nvPr/>
-        </p:nvSpPr>
-        <p:spPr>
-          <a:xfrm>
-            <a:off x="7164288" y="2132856"/>
-            <a:ext cx="1827231" cy="369332"/>
-          </a:xfrm>
-          <a:prstGeom prst="rect">
-            <a:avLst/>
-          </a:prstGeom>
-          <a:noFill/>
-        </p:spPr>
-        <p:txBody>
-          <a:bodyPr wrap="none" rtlCol="0">
-            <a:spAutoFit/>
-          </a:bodyPr>
-          <a:lstStyle/>
-          <a:p>
-            <a:r>
-              <a:rPr lang="de-DE" dirty="0" smtClean="0"/>
-              <a:t>Motion </a:t>
-            </a:r>
-            <a:r>
-              <a:rPr lang="de-DE" dirty="0" err="1" smtClean="0"/>
-              <a:t>detection</a:t>
-            </a:r>
-            <a:endParaRPr lang="de-DE" dirty="0"/>
-          </a:p>
-        </p:txBody>
-      </p:sp>
-      <p:sp>
-        <p:nvSpPr>
-          <p:cNvPr id="5" name="Textfeld 4"/>
-          <p:cNvSpPr txBox="1"/>
-          <p:nvPr/>
-        </p:nvSpPr>
-        <p:spPr>
-          <a:xfrm>
-            <a:off x="7315973" y="4067780"/>
-            <a:ext cx="1604991" cy="369332"/>
-          </a:xfrm>
-          <a:prstGeom prst="rect">
-            <a:avLst/>
-          </a:prstGeom>
-          <a:noFill/>
-        </p:spPr>
-        <p:txBody>
-          <a:bodyPr wrap="none" rtlCol="0">
-            <a:spAutoFit/>
-          </a:bodyPr>
-          <a:lstStyle/>
-          <a:p>
-            <a:r>
-              <a:rPr lang="de-DE" dirty="0" err="1" smtClean="0"/>
-              <a:t>Object</a:t>
-            </a:r>
-            <a:r>
-              <a:rPr lang="de-DE" dirty="0" smtClean="0"/>
-              <a:t> </a:t>
-            </a:r>
-            <a:r>
-              <a:rPr lang="de-DE" dirty="0" err="1" smtClean="0"/>
-              <a:t>tracking</a:t>
-            </a:r>
-            <a:endParaRPr lang="de-DE" dirty="0"/>
-          </a:p>
-        </p:txBody>
-      </p:sp>
-      <p:sp>
-        <p:nvSpPr>
-          <p:cNvPr id="7" name="Geschweifte Klammer rechts 6"/>
-          <p:cNvSpPr/>
-          <p:nvPr/>
-        </p:nvSpPr>
-        <p:spPr>
-          <a:xfrm>
-            <a:off x="6804248" y="1700808"/>
-            <a:ext cx="288032" cy="1224136"/>
-          </a:xfrm>
-          <a:prstGeom prst="rightBrace">
-            <a:avLst>
-              <a:gd name="adj1" fmla="val 15548"/>
-              <a:gd name="adj2" fmla="val 50000"/>
-            </a:avLst>
-          </a:prstGeom>
-          <a:ln w="19050">
-            <a:solidFill>
-              <a:schemeClr val="tx1"/>
-            </a:solidFill>
-          </a:ln>
-        </p:spPr>
-        <p:style>
-          <a:lnRef idx="1">
-            <a:schemeClr val="accent1"/>
-          </a:lnRef>
-          <a:fillRef idx="0">
-            <a:schemeClr val="accent1"/>
-          </a:fillRef>
-          <a:effectRef idx="0">
-            <a:schemeClr val="accent1"/>
-          </a:effectRef>
-          <a:fontRef idx="minor">
-            <a:schemeClr val="tx1"/>
-          </a:fontRef>
-        </p:style>
-        <p:txBody>
-          <a:bodyPr rtlCol="0" anchor="ctr"/>
-          <a:lstStyle/>
-          <a:p>
-            <a:pPr algn="ctr"/>
-            <a:endParaRPr lang="de-DE"/>
-          </a:p>
-        </p:txBody>
-      </p:sp>
-      <p:sp>
-        <p:nvSpPr>
-          <p:cNvPr id="8" name="Geschweifte Klammer rechts 7"/>
-          <p:cNvSpPr/>
-          <p:nvPr/>
-        </p:nvSpPr>
-        <p:spPr>
-          <a:xfrm>
-            <a:off x="6804248" y="3284984"/>
-            <a:ext cx="288032" cy="1872208"/>
-          </a:xfrm>
-          <a:prstGeom prst="rightBrace">
-            <a:avLst>
-              <a:gd name="adj1" fmla="val 15548"/>
-              <a:gd name="adj2" fmla="val 50000"/>
-            </a:avLst>
-          </a:prstGeom>
-          <a:ln w="19050">
-            <a:solidFill>
-              <a:schemeClr val="tx1"/>
-            </a:solidFill>
-          </a:ln>
-        </p:spPr>
-        <p:style>
-          <a:lnRef idx="1">
-            <a:schemeClr val="accent1"/>
-          </a:lnRef>
-          <a:fillRef idx="0">
-            <a:schemeClr val="accent1"/>
-          </a:fillRef>
-          <a:effectRef idx="0">
-            <a:schemeClr val="accent1"/>
-          </a:effectRef>
-          <a:fontRef idx="minor">
-            <a:schemeClr val="tx1"/>
-          </a:fontRef>
-        </p:style>
-        <p:txBody>
-          <a:bodyPr rtlCol="0" anchor="ctr"/>
-          <a:lstStyle/>
-          <a:p>
-            <a:pPr algn="ctr"/>
-            <a:endParaRPr lang="de-DE"/>
           </a:p>
         </p:txBody>
       </p:sp>
     </p:spTree>
     <p:extLst>
       <p:ext uri="{BB962C8B-B14F-4D97-AF65-F5344CB8AC3E}">
-        <p14:creationId xmlns:p14="http://schemas.microsoft.com/office/powerpoint/2010/main" val="1657402375"/>
+        <p14:creationId xmlns:p14="http://schemas.microsoft.com/office/powerpoint/2010/main" val="3758006189"/>
       </p:ext>
     </p:extLst>
   </p:cSld>
@@ -18358,28 +18172,58 @@
         </p:nvSpPr>
         <p:spPr/>
         <p:txBody>
-          <a:bodyPr/>
+          <a:bodyPr>
+            <a:normAutofit/>
+          </a:bodyPr>
           <a:lstStyle/>
           <a:p>
             <a:r>
               <a:rPr lang="de-DE" dirty="0" smtClean="0"/>
-              <a:t>Read </a:t>
-            </a:r>
-            <a:r>
-              <a:rPr lang="de-DE" dirty="0" err="1" smtClean="0"/>
-              <a:t>video</a:t>
-            </a:r>
-            <a:r>
-              <a:rPr lang="de-DE" dirty="0" smtClean="0"/>
-              <a:t> </a:t>
-            </a:r>
-            <a:r>
-              <a:rPr lang="de-DE" dirty="0" err="1" smtClean="0"/>
-              <a:t>frame</a:t>
-            </a:r>
-            <a:r>
-              <a:rPr lang="de-DE" dirty="0" smtClean="0"/>
-              <a:t>: Test</a:t>
+              <a:t>Motion </a:t>
+            </a:r>
+            <a:r>
+              <a:rPr lang="de-DE" dirty="0" err="1" smtClean="0"/>
+              <a:t>based</a:t>
+            </a:r>
+            <a:r>
+              <a:rPr lang="de-DE" dirty="0" smtClean="0"/>
+              <a:t> multiple </a:t>
+            </a:r>
+            <a:r>
+              <a:rPr lang="de-DE" dirty="0" err="1" smtClean="0"/>
+              <a:t>object</a:t>
+            </a:r>
+            <a:r>
+              <a:rPr lang="de-DE" dirty="0" smtClean="0"/>
+              <a:t> </a:t>
+            </a:r>
+            <a:r>
+              <a:rPr lang="de-DE" dirty="0" err="1" smtClean="0"/>
+              <a:t>tracking</a:t>
+            </a:r>
+            <a:r>
+              <a:rPr lang="de-DE" dirty="0" smtClean="0"/>
+              <a:t> </a:t>
+            </a:r>
+            <a:r>
+              <a:rPr lang="de-DE" dirty="0" err="1" smtClean="0"/>
+              <a:t>with</a:t>
+            </a:r>
+            <a:r>
+              <a:rPr lang="de-DE" dirty="0" smtClean="0"/>
+              <a:t> </a:t>
+            </a:r>
+            <a:r>
+              <a:rPr lang="de-DE" dirty="0" err="1" smtClean="0"/>
+              <a:t>stationary</a:t>
+            </a:r>
+            <a:r>
+              <a:rPr lang="de-DE" dirty="0" smtClean="0"/>
+              <a:t> </a:t>
+            </a:r>
+            <a:r>
+              <a:rPr lang="de-DE" dirty="0" err="1" smtClean="0"/>
+              <a:t>camera</a:t>
             </a:r>
             <a:endParaRPr lang="de-DE" dirty="0"/>
           </a:p>
@@ -18395,723 +18239,453 @@
             <p:ph idx="1"/>
           </p:nvPr>
         </p:nvSpPr>
-        <p:spPr/>
+        <p:spPr>
+          <a:xfrm>
+            <a:off x="457200" y="836712"/>
+            <a:ext cx="6131024" cy="5289451"/>
+          </a:xfrm>
+        </p:spPr>
         <p:txBody>
           <a:bodyPr/>
           <a:lstStyle/>
           <a:p>
             <a:r>
-              <a:rPr lang="de-DE" dirty="0" smtClean="0">
-                <a:solidFill>
-                  <a:schemeClr val="accent3">
-                    <a:lumMod val="75000"/>
-                  </a:schemeClr>
-                </a:solidFill>
-              </a:rPr>
-              <a:t>Single </a:t>
-            </a:r>
-            <a:r>
-              <a:rPr lang="de-DE" dirty="0" err="1" smtClean="0">
-                <a:solidFill>
-                  <a:schemeClr val="accent3">
-                    <a:lumMod val="75000"/>
-                  </a:schemeClr>
-                </a:solidFill>
-              </a:rPr>
-              <a:t>step</a:t>
-            </a:r>
-            <a:r>
-              <a:rPr lang="de-DE" dirty="0" smtClean="0">
-                <a:solidFill>
-                  <a:schemeClr val="accent3">
-                    <a:lumMod val="75000"/>
-                  </a:schemeClr>
-                </a:solidFill>
-              </a:rPr>
-              <a:t> </a:t>
-            </a:r>
-            <a:r>
-              <a:rPr lang="de-DE" dirty="0" err="1" smtClean="0">
-                <a:solidFill>
-                  <a:schemeClr val="accent3">
-                    <a:lumMod val="75000"/>
-                  </a:schemeClr>
-                </a:solidFill>
-              </a:rPr>
-              <a:t>mode</a:t>
-            </a:r>
-            <a:r>
-              <a:rPr lang="de-DE" dirty="0" smtClean="0">
-                <a:solidFill>
-                  <a:schemeClr val="accent3">
-                    <a:lumMod val="75000"/>
-                  </a:schemeClr>
-                </a:solidFill>
-              </a:rPr>
-              <a:t> </a:t>
-            </a:r>
-            <a:r>
-              <a:rPr lang="de-DE" dirty="0" err="1" smtClean="0">
-                <a:solidFill>
-                  <a:schemeClr val="accent3">
-                    <a:lumMod val="75000"/>
-                  </a:schemeClr>
-                </a:solidFill>
-              </a:rPr>
-              <a:t>for</a:t>
-            </a:r>
-            <a:r>
-              <a:rPr lang="de-DE" dirty="0" smtClean="0">
-                <a:solidFill>
-                  <a:schemeClr val="accent3">
-                    <a:lumMod val="75000"/>
-                  </a:schemeClr>
-                </a:solidFill>
-              </a:rPr>
-              <a:t> </a:t>
-            </a:r>
-            <a:r>
-              <a:rPr lang="de-DE" dirty="0" err="1" smtClean="0">
-                <a:solidFill>
-                  <a:schemeClr val="accent3">
-                    <a:lumMod val="75000"/>
-                  </a:schemeClr>
-                </a:solidFill>
-              </a:rPr>
-              <a:t>reading</a:t>
-            </a:r>
-            <a:r>
-              <a:rPr lang="de-DE" dirty="0" smtClean="0">
-                <a:solidFill>
-                  <a:schemeClr val="accent3">
-                    <a:lumMod val="75000"/>
-                  </a:schemeClr>
-                </a:solidFill>
-              </a:rPr>
-              <a:t> </a:t>
-            </a:r>
-            <a:r>
-              <a:rPr lang="de-DE" dirty="0" err="1" smtClean="0">
-                <a:solidFill>
-                  <a:schemeClr val="accent3">
-                    <a:lumMod val="75000"/>
-                  </a:schemeClr>
-                </a:solidFill>
-              </a:rPr>
+              <a:rPr lang="de-DE" dirty="0" smtClean="0"/>
+              <a:t>Initialize </a:t>
+            </a:r>
+            <a:r>
+              <a:rPr lang="de-DE" dirty="0" err="1" smtClean="0"/>
+              <a:t>tracks</a:t>
+            </a:r>
+            <a:endParaRPr lang="de-DE" dirty="0" smtClean="0"/>
+          </a:p>
+          <a:p>
+            <a:r>
+              <a:rPr lang="de-DE" dirty="0" smtClean="0"/>
+              <a:t>Read </a:t>
+            </a:r>
+            <a:r>
+              <a:rPr lang="de-DE" dirty="0" err="1" smtClean="0"/>
+              <a:t>video</a:t>
+            </a:r>
+            <a:r>
+              <a:rPr lang="de-DE" dirty="0" smtClean="0"/>
+              <a:t> </a:t>
+            </a:r>
+            <a:r>
+              <a:rPr lang="de-DE" dirty="0" err="1" smtClean="0"/>
+              <a:t>frame</a:t>
+            </a:r>
+            <a:endParaRPr lang="de-DE" dirty="0" smtClean="0"/>
+          </a:p>
+          <a:p>
+            <a:r>
+              <a:rPr lang="de-DE" dirty="0" err="1" smtClean="0"/>
+              <a:t>Detecting</a:t>
+            </a:r>
+            <a:r>
+              <a:rPr lang="de-DE" dirty="0" smtClean="0"/>
+              <a:t> </a:t>
+            </a:r>
+            <a:r>
+              <a:rPr lang="de-DE" dirty="0" err="1" smtClean="0"/>
+              <a:t>moving</a:t>
+            </a:r>
+            <a:r>
+              <a:rPr lang="de-DE" dirty="0" smtClean="0"/>
+              <a:t> </a:t>
+            </a:r>
+            <a:r>
+              <a:rPr lang="de-DE" dirty="0" err="1" smtClean="0"/>
+              <a:t>objects</a:t>
+            </a:r>
+            <a:r>
+              <a:rPr lang="de-DE" dirty="0" smtClean="0"/>
+              <a:t> in </a:t>
+            </a:r>
+            <a:r>
+              <a:rPr lang="de-DE" dirty="0" err="1" smtClean="0"/>
+              <a:t>each</a:t>
+            </a:r>
+            <a:r>
+              <a:rPr lang="de-DE" dirty="0" smtClean="0"/>
+              <a:t> </a:t>
+            </a:r>
+            <a:r>
+              <a:rPr lang="de-DE" dirty="0" err="1" smtClean="0"/>
+              <a:t>frame</a:t>
+            </a:r>
+            <a:r>
+              <a:rPr lang="de-DE" dirty="0" smtClean="0"/>
+              <a:t>, </a:t>
+            </a:r>
+            <a:r>
+              <a:rPr lang="de-DE" dirty="0" err="1" smtClean="0"/>
+              <a:t>using</a:t>
+            </a:r>
+            <a:r>
+              <a:rPr lang="de-DE" dirty="0" smtClean="0"/>
+              <a:t> </a:t>
+            </a:r>
+            <a:r>
+              <a:rPr lang="de-DE" dirty="0" err="1" smtClean="0"/>
+              <a:t>background</a:t>
+            </a:r>
+            <a:r>
+              <a:rPr lang="de-DE" dirty="0" smtClean="0"/>
+              <a:t> </a:t>
+            </a:r>
+            <a:r>
+              <a:rPr lang="de-DE" dirty="0" err="1" smtClean="0"/>
+              <a:t>subtraction</a:t>
+            </a:r>
+            <a:endParaRPr lang="de-DE" dirty="0" smtClean="0"/>
+          </a:p>
+          <a:p>
+            <a:pPr lvl="1"/>
+            <a:r>
+              <a:rPr lang="de-DE" dirty="0" smtClean="0"/>
+              <a:t>Background </a:t>
+            </a:r>
+            <a:r>
+              <a:rPr lang="de-DE" dirty="0" err="1" smtClean="0"/>
+              <a:t>mdeling</a:t>
+            </a:r>
+            <a:endParaRPr lang="de-DE" dirty="0" smtClean="0"/>
+          </a:p>
+          <a:p>
+            <a:pPr lvl="1"/>
+            <a:r>
+              <a:rPr lang="de-DE" dirty="0" smtClean="0"/>
+              <a:t>Background </a:t>
+            </a:r>
+            <a:r>
+              <a:rPr lang="de-DE" dirty="0" err="1" smtClean="0"/>
+              <a:t>initializaiton</a:t>
+            </a:r>
+            <a:endParaRPr lang="de-DE" dirty="0" smtClean="0"/>
+          </a:p>
+          <a:p>
+            <a:pPr lvl="1"/>
+            <a:r>
+              <a:rPr lang="de-DE" dirty="0" smtClean="0"/>
+              <a:t>Background </a:t>
+            </a:r>
+            <a:r>
+              <a:rPr lang="de-DE" dirty="0" err="1" smtClean="0"/>
+              <a:t>maintenance</a:t>
+            </a:r>
+            <a:endParaRPr lang="de-DE" dirty="0" smtClean="0"/>
+          </a:p>
+          <a:p>
+            <a:pPr lvl="1"/>
+            <a:r>
+              <a:rPr lang="de-DE" dirty="0" err="1" smtClean="0"/>
+              <a:t>Foreground</a:t>
+            </a:r>
+            <a:r>
+              <a:rPr lang="de-DE" dirty="0" smtClean="0"/>
+              <a:t>  </a:t>
+            </a:r>
+            <a:r>
+              <a:rPr lang="de-DE" dirty="0" err="1" smtClean="0"/>
+              <a:t>detection</a:t>
+            </a:r>
+            <a:endParaRPr lang="de-DE" dirty="0" smtClean="0"/>
+          </a:p>
+          <a:p>
+            <a:r>
+              <a:rPr lang="de-DE" dirty="0" err="1" smtClean="0"/>
+              <a:t>Associating</a:t>
+            </a:r>
+            <a:r>
+              <a:rPr lang="de-DE" dirty="0" smtClean="0"/>
+              <a:t> </a:t>
+            </a:r>
+            <a:r>
+              <a:rPr lang="de-DE" dirty="0" err="1" smtClean="0"/>
+              <a:t>the</a:t>
+            </a:r>
+            <a:r>
+              <a:rPr lang="de-DE" dirty="0" smtClean="0"/>
+              <a:t> </a:t>
+            </a:r>
+            <a:r>
+              <a:rPr lang="de-DE" dirty="0" err="1" smtClean="0"/>
+              <a:t>detections</a:t>
+            </a:r>
+            <a:r>
+              <a:rPr lang="de-DE" dirty="0" smtClean="0"/>
+              <a:t> </a:t>
+            </a:r>
+            <a:r>
+              <a:rPr lang="de-DE" dirty="0" err="1" smtClean="0"/>
+              <a:t>corresponding</a:t>
+            </a:r>
+            <a:r>
+              <a:rPr lang="de-DE" dirty="0" smtClean="0"/>
+              <a:t> </a:t>
+            </a:r>
+            <a:r>
+              <a:rPr lang="de-DE" dirty="0" err="1" smtClean="0"/>
+              <a:t>to</a:t>
+            </a:r>
+            <a:r>
+              <a:rPr lang="de-DE" dirty="0" smtClean="0"/>
+              <a:t> </a:t>
+            </a:r>
+            <a:r>
+              <a:rPr lang="de-DE" dirty="0" err="1" smtClean="0"/>
+              <a:t>the</a:t>
+            </a:r>
+            <a:r>
+              <a:rPr lang="de-DE" dirty="0" smtClean="0"/>
+              <a:t> same </a:t>
+            </a:r>
+            <a:r>
+              <a:rPr lang="de-DE" dirty="0" err="1" smtClean="0"/>
+              <a:t>object</a:t>
+            </a:r>
+            <a:r>
+              <a:rPr lang="de-DE" dirty="0" smtClean="0"/>
+              <a:t> </a:t>
+            </a:r>
+            <a:r>
+              <a:rPr lang="de-DE" dirty="0" err="1" smtClean="0"/>
+              <a:t>over</a:t>
+            </a:r>
+            <a:r>
+              <a:rPr lang="de-DE" dirty="0" smtClean="0"/>
+              <a:t> time</a:t>
+            </a:r>
+          </a:p>
+          <a:p>
+            <a:pPr lvl="1"/>
+            <a:r>
+              <a:rPr lang="de-DE" dirty="0" err="1" smtClean="0"/>
+              <a:t>Assign</a:t>
+            </a:r>
+            <a:r>
+              <a:rPr lang="de-DE" dirty="0" smtClean="0"/>
+              <a:t> </a:t>
+            </a:r>
+            <a:r>
+              <a:rPr lang="de-DE" dirty="0" err="1"/>
+              <a:t>d</a:t>
+            </a:r>
+            <a:r>
+              <a:rPr lang="de-DE" dirty="0" err="1" smtClean="0"/>
+              <a:t>etections</a:t>
+            </a:r>
+            <a:r>
+              <a:rPr lang="de-DE" dirty="0" smtClean="0"/>
+              <a:t> </a:t>
+            </a:r>
+            <a:r>
+              <a:rPr lang="de-DE" dirty="0" err="1" smtClean="0"/>
+              <a:t>to</a:t>
+            </a:r>
+            <a:r>
+              <a:rPr lang="de-DE" dirty="0" smtClean="0"/>
+              <a:t> </a:t>
+            </a:r>
+            <a:r>
+              <a:rPr lang="de-DE" dirty="0" err="1" smtClean="0"/>
+              <a:t>track</a:t>
+            </a:r>
+            <a:endParaRPr lang="de-DE" dirty="0" smtClean="0"/>
+          </a:p>
+          <a:p>
+            <a:pPr lvl="1"/>
+            <a:r>
+              <a:rPr lang="de-DE" dirty="0" smtClean="0"/>
+              <a:t>Update </a:t>
+            </a:r>
+            <a:r>
+              <a:rPr lang="de-DE" dirty="0" err="1"/>
+              <a:t>a</a:t>
+            </a:r>
+            <a:r>
+              <a:rPr lang="de-DE" dirty="0" err="1" smtClean="0"/>
+              <a:t>ssigned</a:t>
+            </a:r>
+            <a:r>
+              <a:rPr lang="de-DE" dirty="0" smtClean="0"/>
+              <a:t> </a:t>
+            </a:r>
+            <a:r>
+              <a:rPr lang="de-DE" dirty="0" err="1" smtClean="0"/>
+              <a:t>tracks</a:t>
+            </a:r>
+            <a:endParaRPr lang="de-DE" dirty="0" smtClean="0"/>
+          </a:p>
+          <a:p>
+            <a:pPr lvl="1"/>
+            <a:r>
+              <a:rPr lang="de-DE" dirty="0" smtClean="0"/>
+              <a:t>Update </a:t>
+            </a:r>
+            <a:r>
+              <a:rPr lang="de-DE" dirty="0" err="1" smtClean="0"/>
+              <a:t>unassigned</a:t>
+            </a:r>
+            <a:r>
+              <a:rPr lang="de-DE" dirty="0" smtClean="0"/>
+              <a:t> </a:t>
+            </a:r>
+            <a:r>
+              <a:rPr lang="de-DE" dirty="0" err="1" smtClean="0"/>
+              <a:t>tracks</a:t>
+            </a:r>
+            <a:endParaRPr lang="de-DE" dirty="0" smtClean="0"/>
+          </a:p>
+          <a:p>
+            <a:pPr lvl="1"/>
+            <a:r>
+              <a:rPr lang="de-DE" dirty="0" smtClean="0"/>
+              <a:t>Delete lost </a:t>
+            </a:r>
+            <a:r>
+              <a:rPr lang="de-DE" dirty="0" err="1" smtClean="0"/>
+              <a:t>tracks</a:t>
+            </a:r>
+            <a:endParaRPr lang="de-DE" dirty="0" smtClean="0"/>
+          </a:p>
+          <a:p>
+            <a:pPr lvl="1"/>
+            <a:r>
+              <a:rPr lang="de-DE" dirty="0" smtClean="0"/>
+              <a:t>Create </a:t>
+            </a:r>
+            <a:r>
+              <a:rPr lang="de-DE" dirty="0" err="1" smtClean="0"/>
+              <a:t>new</a:t>
+            </a:r>
+            <a:r>
+              <a:rPr lang="de-DE" dirty="0" smtClean="0"/>
+              <a:t> </a:t>
+            </a:r>
+            <a:r>
+              <a:rPr lang="de-DE" dirty="0" err="1" smtClean="0"/>
+              <a:t>tracks</a:t>
+            </a:r>
+            <a:endParaRPr lang="de-DE" dirty="0" smtClean="0"/>
+          </a:p>
+          <a:p>
+            <a:pPr lvl="2"/>
+            <a:r>
+              <a:rPr lang="de-DE" dirty="0" err="1" smtClean="0"/>
+              <a:t>Assumption</a:t>
+            </a:r>
+            <a:r>
+              <a:rPr lang="de-DE" dirty="0" smtClean="0"/>
+              <a:t>: </a:t>
+            </a:r>
+            <a:r>
+              <a:rPr lang="de-DE" dirty="0" err="1" smtClean="0"/>
+              <a:t>each</a:t>
+            </a:r>
+            <a:r>
+              <a:rPr lang="de-DE" dirty="0" smtClean="0"/>
+              <a:t> </a:t>
+            </a:r>
+            <a:r>
+              <a:rPr lang="de-DE" dirty="0" err="1" smtClean="0"/>
+              <a:t>newly</a:t>
+            </a:r>
+            <a:r>
+              <a:rPr lang="de-DE" dirty="0" smtClean="0"/>
+              <a:t> </a:t>
+            </a:r>
+            <a:r>
+              <a:rPr lang="de-DE" dirty="0" err="1" smtClean="0"/>
+              <a:t>detected</a:t>
+            </a:r>
+            <a:r>
+              <a:rPr lang="de-DE" dirty="0" smtClean="0"/>
+              <a:t> </a:t>
+            </a:r>
+            <a:r>
+              <a:rPr lang="de-DE" dirty="0" err="1" smtClean="0"/>
+              <a:t>object</a:t>
+            </a:r>
+            <a:r>
+              <a:rPr lang="de-DE" dirty="0" smtClean="0"/>
+              <a:t> </a:t>
+            </a:r>
+            <a:r>
+              <a:rPr lang="de-DE" dirty="0" err="1" smtClean="0"/>
+              <a:t>starts</a:t>
+            </a:r>
+            <a:r>
+              <a:rPr lang="de-DE" dirty="0" smtClean="0"/>
+              <a:t> a </a:t>
+            </a:r>
+            <a:r>
+              <a:rPr lang="de-DE" dirty="0" err="1" smtClean="0"/>
+              <a:t>new</a:t>
+            </a:r>
+            <a:r>
+              <a:rPr lang="de-DE" dirty="0" smtClean="0"/>
+              <a:t> </a:t>
+            </a:r>
+            <a:r>
+              <a:rPr lang="de-DE" dirty="0" err="1" smtClean="0"/>
+              <a:t>track</a:t>
+            </a:r>
+            <a:r>
+              <a:rPr lang="de-DE" dirty="0" smtClean="0"/>
+              <a:t> (</a:t>
+            </a:r>
+            <a:r>
+              <a:rPr lang="de-DE" dirty="0" err="1" smtClean="0"/>
+              <a:t>judged</a:t>
+            </a:r>
+            <a:r>
+              <a:rPr lang="de-DE" dirty="0" smtClean="0"/>
+              <a:t> </a:t>
+            </a:r>
+            <a:r>
+              <a:rPr lang="de-DE" dirty="0" err="1" smtClean="0"/>
+              <a:t>by</a:t>
+            </a:r>
+            <a:r>
+              <a:rPr lang="de-DE" dirty="0" smtClean="0"/>
+              <a:t> </a:t>
+            </a:r>
+            <a:r>
+              <a:rPr lang="de-DE" dirty="0" err="1" smtClean="0"/>
+              <a:t>size</a:t>
+            </a:r>
+            <a:r>
+              <a:rPr lang="de-DE" dirty="0" smtClean="0"/>
+              <a:t> </a:t>
+            </a:r>
+            <a:r>
+              <a:rPr lang="de-DE" dirty="0" err="1" smtClean="0"/>
               <a:t>and</a:t>
             </a:r>
             <a:r>
-              <a:rPr lang="de-DE" dirty="0" smtClean="0">
-                <a:solidFill>
-                  <a:schemeClr val="accent3">
-                    <a:lumMod val="75000"/>
-                  </a:schemeClr>
-                </a:solidFill>
-              </a:rPr>
-              <a:t> </a:t>
-            </a:r>
-            <a:r>
-              <a:rPr lang="de-DE" dirty="0" err="1" smtClean="0">
-                <a:solidFill>
-                  <a:schemeClr val="accent3">
-                    <a:lumMod val="75000"/>
-                  </a:schemeClr>
-                </a:solidFill>
-              </a:rPr>
-              <a:t>displaying</a:t>
-            </a:r>
-            <a:r>
-              <a:rPr lang="de-DE" dirty="0" smtClean="0">
-                <a:solidFill>
-                  <a:schemeClr val="accent3">
-                    <a:lumMod val="75000"/>
-                  </a:schemeClr>
-                </a:solidFill>
-              </a:rPr>
-              <a:t> </a:t>
-            </a:r>
-            <a:r>
-              <a:rPr lang="de-DE" dirty="0" err="1" smtClean="0">
-                <a:solidFill>
-                  <a:schemeClr val="accent3">
-                    <a:lumMod val="75000"/>
-                  </a:schemeClr>
-                </a:solidFill>
-              </a:rPr>
-              <a:t>frames</a:t>
-            </a:r>
-            <a:r>
-              <a:rPr lang="de-DE" dirty="0" smtClean="0">
-                <a:solidFill>
-                  <a:schemeClr val="accent3">
-                    <a:lumMod val="75000"/>
-                  </a:schemeClr>
-                </a:solidFill>
-              </a:rPr>
-              <a:t> </a:t>
-            </a:r>
-            <a:r>
-              <a:rPr lang="de-DE" dirty="0" smtClean="0">
-                <a:solidFill>
-                  <a:schemeClr val="accent3">
-                    <a:lumMod val="75000"/>
-                  </a:schemeClr>
-                </a:solidFill>
-                <a:sym typeface="Wingdings" panose="05000000000000000000" pitchFamily="2" charset="2"/>
-              </a:rPr>
-              <a:t></a:t>
-            </a:r>
-            <a:r>
-              <a:rPr lang="de-DE" dirty="0" smtClean="0">
-                <a:solidFill>
-                  <a:schemeClr val="accent3">
-                    <a:lumMod val="75000"/>
-                  </a:schemeClr>
-                </a:solidFill>
-              </a:rPr>
-              <a:t> </a:t>
-            </a:r>
-            <a:r>
-              <a:rPr lang="de-DE" dirty="0" err="1" smtClean="0">
-                <a:solidFill>
-                  <a:schemeClr val="accent3">
-                    <a:lumMod val="75000"/>
-                  </a:schemeClr>
-                </a:solidFill>
-              </a:rPr>
-              <a:t>done</a:t>
-            </a:r>
-            <a:endParaRPr lang="de-DE" dirty="0" smtClean="0">
-              <a:solidFill>
-                <a:schemeClr val="accent3">
-                  <a:lumMod val="75000"/>
-                </a:schemeClr>
-              </a:solidFill>
-            </a:endParaRPr>
-          </a:p>
-          <a:p>
-            <a:r>
-              <a:rPr lang="de-DE" dirty="0" err="1" smtClean="0">
-                <a:solidFill>
-                  <a:schemeClr val="accent3">
-                    <a:lumMod val="75000"/>
-                  </a:schemeClr>
-                </a:solidFill>
-              </a:rPr>
-              <a:t>Continuous</a:t>
-            </a:r>
-            <a:r>
-              <a:rPr lang="de-DE" dirty="0" smtClean="0">
-                <a:solidFill>
-                  <a:schemeClr val="accent3">
-                    <a:lumMod val="75000"/>
-                  </a:schemeClr>
-                </a:solidFill>
-              </a:rPr>
-              <a:t> </a:t>
-            </a:r>
-            <a:r>
-              <a:rPr lang="de-DE" dirty="0" err="1" smtClean="0">
-                <a:solidFill>
-                  <a:schemeClr val="accent3">
-                    <a:lumMod val="75000"/>
-                  </a:schemeClr>
-                </a:solidFill>
-              </a:rPr>
-              <a:t>mode</a:t>
-            </a:r>
-            <a:r>
-              <a:rPr lang="de-DE" dirty="0" smtClean="0">
-                <a:solidFill>
-                  <a:schemeClr val="accent3">
-                    <a:lumMod val="75000"/>
-                  </a:schemeClr>
-                </a:solidFill>
-              </a:rPr>
-              <a:t>, </a:t>
-            </a:r>
-            <a:r>
-              <a:rPr lang="de-DE" dirty="0" err="1" smtClean="0">
-                <a:solidFill>
-                  <a:schemeClr val="accent3">
-                    <a:lumMod val="75000"/>
-                  </a:schemeClr>
-                </a:solidFill>
-              </a:rPr>
-              <a:t>based</a:t>
-            </a:r>
-            <a:r>
-              <a:rPr lang="de-DE" dirty="0" smtClean="0">
-                <a:solidFill>
-                  <a:schemeClr val="accent3">
-                    <a:lumMod val="75000"/>
-                  </a:schemeClr>
-                </a:solidFill>
-              </a:rPr>
-              <a:t> on </a:t>
-            </a:r>
-            <a:r>
-              <a:rPr lang="de-DE" dirty="0" err="1" smtClean="0">
-                <a:solidFill>
-                  <a:schemeClr val="accent3">
-                    <a:lumMod val="75000"/>
-                  </a:schemeClr>
-                </a:solidFill>
-              </a:rPr>
-              <a:t>timer</a:t>
-            </a:r>
-            <a:r>
-              <a:rPr lang="de-DE" dirty="0" smtClean="0">
-                <a:solidFill>
-                  <a:schemeClr val="accent3">
-                    <a:lumMod val="75000"/>
-                  </a:schemeClr>
-                </a:solidFill>
-              </a:rPr>
-              <a:t> (100 </a:t>
-            </a:r>
-            <a:r>
-              <a:rPr lang="de-DE" dirty="0" err="1" smtClean="0">
-                <a:solidFill>
-                  <a:schemeClr val="accent3">
-                    <a:lumMod val="75000"/>
-                  </a:schemeClr>
-                </a:solidFill>
-              </a:rPr>
-              <a:t>ms</a:t>
-            </a:r>
-            <a:r>
-              <a:rPr lang="de-DE" dirty="0" smtClean="0">
-                <a:solidFill>
-                  <a:schemeClr val="accent3">
-                    <a:lumMod val="75000"/>
-                  </a:schemeClr>
-                </a:solidFill>
-              </a:rPr>
-              <a:t> / </a:t>
-            </a:r>
-            <a:r>
-              <a:rPr lang="de-DE" dirty="0" err="1" smtClean="0">
-                <a:solidFill>
-                  <a:schemeClr val="accent3">
-                    <a:lumMod val="75000"/>
-                  </a:schemeClr>
-                </a:solidFill>
-              </a:rPr>
-              <a:t>frame</a:t>
-            </a:r>
-            <a:r>
-              <a:rPr lang="de-DE" dirty="0" smtClean="0">
-                <a:solidFill>
-                  <a:schemeClr val="accent3">
-                    <a:lumMod val="75000"/>
-                  </a:schemeClr>
-                </a:solidFill>
-              </a:rPr>
+              <a:rPr lang="de-DE" dirty="0" smtClean="0"/>
+              <a:t> </a:t>
+            </a:r>
+            <a:r>
+              <a:rPr lang="de-DE" dirty="0" err="1" smtClean="0"/>
+              <a:t>location</a:t>
+            </a:r>
+            <a:r>
+              <a:rPr lang="de-DE" dirty="0" smtClean="0"/>
               <a:t>) </a:t>
             </a:r>
-            <a:r>
-              <a:rPr lang="de-DE" dirty="0" smtClean="0">
-                <a:solidFill>
-                  <a:schemeClr val="accent3">
-                    <a:lumMod val="75000"/>
-                  </a:schemeClr>
-                </a:solidFill>
-                <a:sym typeface="Wingdings" panose="05000000000000000000" pitchFamily="2" charset="2"/>
-              </a:rPr>
-              <a:t> </a:t>
-            </a:r>
-            <a:r>
-              <a:rPr lang="de-DE" dirty="0" err="1" smtClean="0">
-                <a:solidFill>
-                  <a:schemeClr val="accent3">
-                    <a:lumMod val="75000"/>
-                  </a:schemeClr>
-                </a:solidFill>
-                <a:sym typeface="Wingdings" panose="05000000000000000000" pitchFamily="2" charset="2"/>
-              </a:rPr>
-              <a:t>done</a:t>
-            </a:r>
-            <a:endParaRPr lang="de-DE" dirty="0" smtClean="0">
-              <a:solidFill>
-                <a:schemeClr val="accent3">
-                  <a:lumMod val="75000"/>
-                </a:schemeClr>
-              </a:solidFill>
-              <a:sym typeface="Wingdings" panose="05000000000000000000" pitchFamily="2" charset="2"/>
-            </a:endParaRPr>
-          </a:p>
-          <a:p>
-            <a:r>
-              <a:rPr lang="de-DE" dirty="0" smtClean="0">
-                <a:solidFill>
-                  <a:schemeClr val="accent3">
-                    <a:lumMod val="75000"/>
-                  </a:schemeClr>
-                </a:solidFill>
-                <a:sym typeface="Wingdings" panose="05000000000000000000" pitchFamily="2" charset="2"/>
-              </a:rPr>
-              <a:t>Reference </a:t>
-            </a:r>
-            <a:r>
-              <a:rPr lang="de-DE" dirty="0" err="1" smtClean="0">
-                <a:solidFill>
-                  <a:schemeClr val="accent3">
-                    <a:lumMod val="75000"/>
-                  </a:schemeClr>
-                </a:solidFill>
-                <a:sym typeface="Wingdings" panose="05000000000000000000" pitchFamily="2" charset="2"/>
-              </a:rPr>
-              <a:t>videos</a:t>
-            </a:r>
-            <a:r>
-              <a:rPr lang="de-DE" dirty="0" smtClean="0">
-                <a:solidFill>
-                  <a:schemeClr val="accent3">
-                    <a:lumMod val="75000"/>
-                  </a:schemeClr>
-                </a:solidFill>
-                <a:sym typeface="Wingdings" panose="05000000000000000000" pitchFamily="2" charset="2"/>
-              </a:rPr>
-              <a:t>  </a:t>
-            </a:r>
-            <a:r>
-              <a:rPr lang="de-DE" dirty="0" err="1" smtClean="0">
-                <a:solidFill>
-                  <a:schemeClr val="accent3">
-                    <a:lumMod val="75000"/>
-                  </a:schemeClr>
-                </a:solidFill>
-                <a:sym typeface="Wingdings" panose="05000000000000000000" pitchFamily="2" charset="2"/>
-              </a:rPr>
-              <a:t>done</a:t>
-            </a:r>
-            <a:r>
-              <a:rPr lang="de-DE" dirty="0" smtClean="0">
-                <a:solidFill>
-                  <a:schemeClr val="accent3">
-                    <a:lumMod val="75000"/>
-                  </a:schemeClr>
-                </a:solidFill>
-                <a:sym typeface="Wingdings" panose="05000000000000000000" pitchFamily="2" charset="2"/>
-              </a:rPr>
-              <a:t> (</a:t>
-            </a:r>
-            <a:r>
-              <a:rPr lang="de-DE" dirty="0" err="1" smtClean="0">
-                <a:solidFill>
-                  <a:schemeClr val="accent3">
-                    <a:lumMod val="75000"/>
-                  </a:schemeClr>
-                </a:solidFill>
-                <a:sym typeface="Wingdings" panose="05000000000000000000" pitchFamily="2" charset="2"/>
-              </a:rPr>
-              <a:t>c#</a:t>
-            </a:r>
-            <a:r>
-              <a:rPr lang="de-DE" dirty="0" smtClean="0">
-                <a:solidFill>
-                  <a:schemeClr val="accent3">
-                    <a:lumMod val="75000"/>
-                  </a:schemeClr>
-                </a:solidFill>
-                <a:sym typeface="Wingdings" panose="05000000000000000000" pitchFamily="2" charset="2"/>
-              </a:rPr>
-              <a:t>\</a:t>
-            </a:r>
-            <a:r>
-              <a:rPr lang="de-DE" dirty="0" err="1" smtClean="0">
-                <a:solidFill>
-                  <a:schemeClr val="accent3">
-                    <a:lumMod val="75000"/>
-                  </a:schemeClr>
-                </a:solidFill>
-                <a:sym typeface="Wingdings" panose="05000000000000000000" pitchFamily="2" charset="2"/>
-              </a:rPr>
-              <a:t>recordings</a:t>
-            </a:r>
-            <a:r>
-              <a:rPr lang="de-DE" dirty="0" smtClean="0">
-                <a:solidFill>
-                  <a:schemeClr val="accent3">
-                    <a:lumMod val="75000"/>
-                  </a:schemeClr>
-                </a:solidFill>
-                <a:sym typeface="Wingdings" panose="05000000000000000000" pitchFamily="2" charset="2"/>
-              </a:rPr>
-              <a:t>\2015-03-30_Überschneidung_V2.wmv – 1:20 min)</a:t>
-            </a:r>
-            <a:endParaRPr lang="de-DE" dirty="0" smtClean="0">
-              <a:solidFill>
-                <a:schemeClr val="accent3">
-                  <a:lumMod val="75000"/>
-                </a:schemeClr>
-              </a:solidFill>
-            </a:endParaRPr>
-          </a:p>
-          <a:p>
-            <a:r>
-              <a:rPr lang="de-DE" dirty="0" err="1" smtClean="0">
-                <a:solidFill>
-                  <a:schemeClr val="accent3">
-                    <a:lumMod val="75000"/>
-                  </a:schemeClr>
-                </a:solidFill>
-              </a:rPr>
-              <a:t>Comparison</a:t>
-            </a:r>
-            <a:r>
-              <a:rPr lang="de-DE" dirty="0" smtClean="0">
-                <a:solidFill>
-                  <a:schemeClr val="accent3">
-                    <a:lumMod val="75000"/>
-                  </a:schemeClr>
-                </a:solidFill>
-              </a:rPr>
-              <a:t> </a:t>
-            </a:r>
-            <a:r>
-              <a:rPr lang="de-DE" dirty="0" err="1" smtClean="0">
-                <a:solidFill>
-                  <a:schemeClr val="accent3">
-                    <a:lumMod val="75000"/>
-                  </a:schemeClr>
-                </a:solidFill>
-              </a:rPr>
-              <a:t>of</a:t>
-            </a:r>
-            <a:r>
-              <a:rPr lang="de-DE" dirty="0" smtClean="0">
-                <a:solidFill>
-                  <a:schemeClr val="accent3">
-                    <a:lumMod val="75000"/>
-                  </a:schemeClr>
-                </a:solidFill>
-              </a:rPr>
-              <a:t> different </a:t>
-            </a:r>
-            <a:r>
-              <a:rPr lang="de-DE" dirty="0" err="1" smtClean="0">
-                <a:solidFill>
-                  <a:schemeClr val="accent3">
-                    <a:lumMod val="75000"/>
-                  </a:schemeClr>
-                </a:solidFill>
-              </a:rPr>
-              <a:t>background</a:t>
-            </a:r>
-            <a:r>
-              <a:rPr lang="de-DE" dirty="0" smtClean="0">
-                <a:solidFill>
-                  <a:schemeClr val="accent3">
-                    <a:lumMod val="75000"/>
-                  </a:schemeClr>
-                </a:solidFill>
-              </a:rPr>
-              <a:t> </a:t>
-            </a:r>
-            <a:r>
-              <a:rPr lang="de-DE" dirty="0" err="1" smtClean="0">
-                <a:solidFill>
-                  <a:schemeClr val="accent3">
-                    <a:lumMod val="75000"/>
-                  </a:schemeClr>
-                </a:solidFill>
-              </a:rPr>
-              <a:t>modeling</a:t>
-            </a:r>
-            <a:r>
-              <a:rPr lang="de-DE" dirty="0" smtClean="0">
-                <a:solidFill>
-                  <a:schemeClr val="accent3">
-                    <a:lumMod val="75000"/>
-                  </a:schemeClr>
-                </a:solidFill>
-              </a:rPr>
-              <a:t> </a:t>
-            </a:r>
-            <a:r>
-              <a:rPr lang="de-DE" dirty="0" err="1" smtClean="0">
-                <a:solidFill>
-                  <a:schemeClr val="accent3">
-                    <a:lumMod val="75000"/>
-                  </a:schemeClr>
-                </a:solidFill>
-              </a:rPr>
-              <a:t>algorithms</a:t>
-            </a:r>
-            <a:r>
-              <a:rPr lang="de-DE" dirty="0" smtClean="0">
-                <a:solidFill>
-                  <a:schemeClr val="accent3">
-                    <a:lumMod val="75000"/>
-                  </a:schemeClr>
-                </a:solidFill>
-              </a:rPr>
-              <a:t> (</a:t>
-            </a:r>
-            <a:r>
-              <a:rPr lang="de-DE" dirty="0" err="1" smtClean="0">
-                <a:solidFill>
-                  <a:schemeClr val="accent3">
-                    <a:lumMod val="75000"/>
-                  </a:schemeClr>
-                </a:solidFill>
-              </a:rPr>
-              <a:t>Aforge</a:t>
-            </a:r>
-            <a:r>
-              <a:rPr lang="de-DE" dirty="0" smtClean="0">
-                <a:solidFill>
-                  <a:schemeClr val="accent3">
-                    <a:lumMod val="75000"/>
-                  </a:schemeClr>
-                </a:solidFill>
-              </a:rPr>
-              <a:t> simple </a:t>
-            </a:r>
-            <a:r>
-              <a:rPr lang="de-DE" dirty="0" err="1" smtClean="0">
-                <a:solidFill>
-                  <a:schemeClr val="accent3">
-                    <a:lumMod val="75000"/>
-                  </a:schemeClr>
-                </a:solidFill>
-              </a:rPr>
-              <a:t>background</a:t>
-            </a:r>
-            <a:r>
-              <a:rPr lang="de-DE" dirty="0" smtClean="0">
-                <a:solidFill>
-                  <a:schemeClr val="accent3">
-                    <a:lumMod val="75000"/>
-                  </a:schemeClr>
-                </a:solidFill>
-              </a:rPr>
-              <a:t> </a:t>
-            </a:r>
-            <a:r>
-              <a:rPr lang="de-DE" dirty="0" err="1" smtClean="0">
-                <a:solidFill>
-                  <a:schemeClr val="accent3">
-                    <a:lumMod val="75000"/>
-                  </a:schemeClr>
-                </a:solidFill>
-              </a:rPr>
-              <a:t>modeling</a:t>
-            </a:r>
-            <a:r>
-              <a:rPr lang="de-DE" dirty="0" smtClean="0">
-                <a:solidFill>
-                  <a:schemeClr val="accent3">
-                    <a:lumMod val="75000"/>
-                  </a:schemeClr>
-                </a:solidFill>
-              </a:rPr>
-              <a:t>, CV MOG, CV MOG2) </a:t>
-            </a:r>
-            <a:r>
-              <a:rPr lang="de-DE" dirty="0" smtClean="0">
-                <a:solidFill>
-                  <a:schemeClr val="accent3">
-                    <a:lumMod val="75000"/>
-                  </a:schemeClr>
-                </a:solidFill>
-                <a:sym typeface="Wingdings" panose="05000000000000000000" pitchFamily="2" charset="2"/>
-              </a:rPr>
-              <a:t> </a:t>
-            </a:r>
-            <a:r>
-              <a:rPr lang="de-DE" dirty="0" err="1" smtClean="0">
-                <a:solidFill>
-                  <a:schemeClr val="accent3">
-                    <a:lumMod val="75000"/>
-                  </a:schemeClr>
-                </a:solidFill>
-                <a:sym typeface="Wingdings" panose="05000000000000000000" pitchFamily="2" charset="2"/>
-              </a:rPr>
-              <a:t>done</a:t>
-            </a:r>
-            <a:r>
-              <a:rPr lang="de-DE" dirty="0" smtClean="0">
-                <a:solidFill>
-                  <a:schemeClr val="accent3">
-                    <a:lumMod val="75000"/>
-                  </a:schemeClr>
-                </a:solidFill>
-                <a:sym typeface="Wingdings" panose="05000000000000000000" pitchFamily="2" charset="2"/>
-              </a:rPr>
-              <a:t>, MOG2 </a:t>
-            </a:r>
-            <a:r>
-              <a:rPr lang="de-DE" dirty="0" err="1" smtClean="0">
-                <a:solidFill>
-                  <a:schemeClr val="accent3">
-                    <a:lumMod val="75000"/>
-                  </a:schemeClr>
-                </a:solidFill>
-                <a:sym typeface="Wingdings" panose="05000000000000000000" pitchFamily="2" charset="2"/>
-              </a:rPr>
-              <a:t>is</a:t>
-            </a:r>
-            <a:r>
-              <a:rPr lang="de-DE" dirty="0" smtClean="0">
-                <a:solidFill>
-                  <a:schemeClr val="accent3">
-                    <a:lumMod val="75000"/>
-                  </a:schemeClr>
-                </a:solidFill>
-                <a:sym typeface="Wingdings" panose="05000000000000000000" pitchFamily="2" charset="2"/>
-              </a:rPr>
-              <a:t> </a:t>
-            </a:r>
-            <a:r>
-              <a:rPr lang="de-DE" dirty="0" err="1" smtClean="0">
-                <a:solidFill>
-                  <a:schemeClr val="accent3">
-                    <a:lumMod val="75000"/>
-                  </a:schemeClr>
-                </a:solidFill>
-                <a:sym typeface="Wingdings" panose="05000000000000000000" pitchFamily="2" charset="2"/>
-              </a:rPr>
-              <a:t>best</a:t>
-            </a:r>
-            <a:endParaRPr lang="de-DE" dirty="0" smtClean="0">
-              <a:solidFill>
-                <a:schemeClr val="accent3">
-                  <a:lumMod val="75000"/>
-                </a:schemeClr>
-              </a:solidFill>
-            </a:endParaRPr>
-          </a:p>
-          <a:p>
-            <a:r>
-              <a:rPr lang="de-DE" dirty="0" err="1" smtClean="0"/>
-              <a:t>Apply</a:t>
-            </a:r>
-            <a:r>
-              <a:rPr lang="de-DE" dirty="0" smtClean="0"/>
-              <a:t> </a:t>
-            </a:r>
-            <a:r>
-              <a:rPr lang="de-DE" dirty="0" err="1" smtClean="0"/>
-              <a:t>filters</a:t>
-            </a:r>
-            <a:r>
-              <a:rPr lang="de-DE" dirty="0" smtClean="0"/>
-              <a:t> </a:t>
-            </a:r>
-            <a:r>
-              <a:rPr lang="de-DE" dirty="0" err="1" smtClean="0"/>
-              <a:t>to</a:t>
-            </a:r>
-            <a:r>
-              <a:rPr lang="de-DE" dirty="0" smtClean="0"/>
-              <a:t> </a:t>
-            </a:r>
-            <a:r>
-              <a:rPr lang="de-DE" dirty="0" err="1" smtClean="0"/>
-              <a:t>improve</a:t>
+          </a:p>
+          <a:p>
+            <a:r>
+              <a:rPr lang="de-DE" dirty="0" smtClean="0"/>
+              <a:t>Display </a:t>
+            </a:r>
+            <a:r>
+              <a:rPr lang="de-DE" dirty="0" err="1" smtClean="0"/>
+              <a:t>tracking</a:t>
             </a:r>
             <a:r>
               <a:rPr lang="de-DE" dirty="0" smtClean="0"/>
@@ -19121,171 +18695,182 @@
               <a:rPr lang="de-DE" dirty="0" err="1" smtClean="0"/>
               <a:t>results</a:t>
             </a:r>
-            <a:r>
-              <a:rPr lang="de-DE" dirty="0" smtClean="0"/>
-              <a:t> (e.g. </a:t>
-            </a:r>
-            <a:r>
-              <a:rPr lang="de-DE" dirty="0" err="1" smtClean="0"/>
-              <a:t>busses</a:t>
-            </a:r>
-            <a:r>
-              <a:rPr lang="de-DE" dirty="0" smtClean="0"/>
-              <a:t> </a:t>
-            </a:r>
-            <a:r>
-              <a:rPr lang="de-DE" dirty="0" err="1" smtClean="0"/>
-              <a:t>contain</a:t>
-            </a:r>
-            <a:r>
-              <a:rPr lang="de-DE" dirty="0" smtClean="0"/>
-              <a:t> </a:t>
-            </a:r>
-            <a:r>
-              <a:rPr lang="de-DE" dirty="0" err="1" smtClean="0"/>
-              <a:t>of</a:t>
-            </a:r>
-            <a:r>
-              <a:rPr lang="de-DE" dirty="0" smtClean="0"/>
-              <a:t> multiple </a:t>
-            </a:r>
-            <a:r>
-              <a:rPr lang="de-DE" dirty="0" err="1" smtClean="0"/>
-              <a:t>blobs</a:t>
-            </a:r>
-            <a:r>
-              <a:rPr lang="de-DE" dirty="0" smtClean="0"/>
-              <a:t>, </a:t>
-            </a:r>
-            <a:r>
-              <a:rPr lang="de-DE" dirty="0" err="1" smtClean="0"/>
-              <a:t>as</a:t>
-            </a:r>
-            <a:r>
-              <a:rPr lang="de-DE" dirty="0" smtClean="0"/>
-              <a:t> </a:t>
-            </a:r>
-            <a:r>
-              <a:rPr lang="de-DE" dirty="0" err="1" smtClean="0"/>
-              <a:t>windows</a:t>
-            </a:r>
-            <a:r>
-              <a:rPr lang="de-DE" dirty="0" smtClean="0"/>
-              <a:t> </a:t>
-            </a:r>
-            <a:r>
-              <a:rPr lang="de-DE" dirty="0" err="1" smtClean="0"/>
-              <a:t>are</a:t>
-            </a:r>
-            <a:r>
-              <a:rPr lang="de-DE" dirty="0" smtClean="0"/>
-              <a:t> not </a:t>
-            </a:r>
-            <a:r>
-              <a:rPr lang="de-DE" dirty="0" err="1" smtClean="0"/>
-              <a:t>recognized</a:t>
-            </a:r>
-            <a:r>
-              <a:rPr lang="de-DE" dirty="0" smtClean="0"/>
-              <a:t> </a:t>
-            </a:r>
-            <a:r>
-              <a:rPr lang="de-DE" dirty="0" err="1" smtClean="0"/>
-              <a:t>as</a:t>
-            </a:r>
-            <a:r>
-              <a:rPr lang="de-DE" dirty="0" smtClean="0"/>
-              <a:t> </a:t>
-            </a:r>
-            <a:r>
-              <a:rPr lang="de-DE" dirty="0" err="1" smtClean="0"/>
-              <a:t>foreground</a:t>
-            </a:r>
-            <a:r>
-              <a:rPr lang="de-DE" dirty="0" smtClean="0"/>
-              <a:t>)</a:t>
-            </a:r>
-          </a:p>
-          <a:p>
-            <a:r>
-              <a:rPr lang="de-DE" dirty="0" smtClean="0"/>
-              <a:t>Filter </a:t>
-            </a:r>
-            <a:r>
-              <a:rPr lang="de-DE" dirty="0" err="1" smtClean="0"/>
-              <a:t>sequence</a:t>
-            </a:r>
-            <a:r>
-              <a:rPr lang="de-DE" dirty="0" smtClean="0"/>
-              <a:t>: </a:t>
-            </a:r>
-            <a:r>
-              <a:rPr lang="de-DE" dirty="0" err="1" smtClean="0"/>
-              <a:t>blur</a:t>
-            </a:r>
-            <a:r>
-              <a:rPr lang="de-DE" dirty="0" smtClean="0"/>
-              <a:t>, MOG, </a:t>
-            </a:r>
-            <a:r>
-              <a:rPr lang="de-DE" dirty="0" err="1" smtClean="0"/>
-              <a:t>erosion</a:t>
-            </a:r>
-            <a:r>
-              <a:rPr lang="de-DE" dirty="0" smtClean="0"/>
-              <a:t>, </a:t>
-            </a:r>
-            <a:r>
-              <a:rPr lang="de-DE" dirty="0" err="1" smtClean="0"/>
-              <a:t>combine</a:t>
-            </a:r>
-            <a:r>
-              <a:rPr lang="de-DE" dirty="0" smtClean="0"/>
-              <a:t> </a:t>
-            </a:r>
-            <a:r>
-              <a:rPr lang="de-DE" dirty="0" err="1" smtClean="0"/>
-              <a:t>blobs</a:t>
-            </a:r>
             <a:endParaRPr lang="de-DE" dirty="0" smtClean="0"/>
           </a:p>
           <a:p>
-            <a:r>
-              <a:rPr lang="de-DE" dirty="0" err="1" smtClean="0"/>
-              <a:t>Testinfrastructure</a:t>
-            </a:r>
-            <a:r>
-              <a:rPr lang="de-DE" dirty="0" smtClean="0"/>
-              <a:t>, </a:t>
-            </a:r>
-            <a:r>
-              <a:rPr lang="de-DE" dirty="0" err="1" smtClean="0"/>
-              <a:t>to</a:t>
-            </a:r>
-            <a:r>
-              <a:rPr lang="de-DE" dirty="0" smtClean="0"/>
-              <a:t> </a:t>
-            </a:r>
-            <a:r>
-              <a:rPr lang="de-DE" dirty="0" err="1" smtClean="0"/>
-              <a:t>compare</a:t>
-            </a:r>
-            <a:r>
-              <a:rPr lang="de-DE" dirty="0" smtClean="0"/>
-              <a:t> </a:t>
-            </a:r>
-            <a:r>
-              <a:rPr lang="de-DE" dirty="0" err="1" smtClean="0"/>
-              <a:t>results</a:t>
-            </a:r>
+            <a:pPr lvl="1"/>
             <a:endParaRPr lang="de-DE" dirty="0"/>
+          </a:p>
+        </p:txBody>
+      </p:sp>
+      <p:sp>
+        <p:nvSpPr>
+          <p:cNvPr id="4" name="Textfeld 3"/>
+          <p:cNvSpPr txBox="1"/>
+          <p:nvPr/>
+        </p:nvSpPr>
+        <p:spPr>
+          <a:xfrm>
+            <a:off x="7164288" y="2132856"/>
+            <a:ext cx="1827231" cy="369332"/>
+          </a:xfrm>
+          <a:prstGeom prst="rect">
+            <a:avLst/>
+          </a:prstGeom>
+          <a:noFill/>
+        </p:spPr>
+        <p:txBody>
+          <a:bodyPr wrap="none" rtlCol="0">
+            <a:spAutoFit/>
+          </a:bodyPr>
+          <a:lstStyle/>
+          <a:p>
+            <a:r>
+              <a:rPr lang="de-DE" dirty="0" smtClean="0"/>
+              <a:t>Motion </a:t>
+            </a:r>
+            <a:r>
+              <a:rPr lang="de-DE" dirty="0" err="1" smtClean="0"/>
+              <a:t>detection</a:t>
+            </a:r>
+            <a:endParaRPr lang="de-DE" dirty="0"/>
+          </a:p>
+        </p:txBody>
+      </p:sp>
+      <p:sp>
+        <p:nvSpPr>
+          <p:cNvPr id="5" name="Textfeld 4"/>
+          <p:cNvSpPr txBox="1"/>
+          <p:nvPr/>
+        </p:nvSpPr>
+        <p:spPr>
+          <a:xfrm>
+            <a:off x="7315973" y="4067780"/>
+            <a:ext cx="1604991" cy="369332"/>
+          </a:xfrm>
+          <a:prstGeom prst="rect">
+            <a:avLst/>
+          </a:prstGeom>
+          <a:noFill/>
+        </p:spPr>
+        <p:txBody>
+          <a:bodyPr wrap="none" rtlCol="0">
+            <a:spAutoFit/>
+          </a:bodyPr>
+          <a:lstStyle/>
+          <a:p>
+            <a:r>
+              <a:rPr lang="de-DE" dirty="0" err="1" smtClean="0"/>
+              <a:t>Object</a:t>
+            </a:r>
+            <a:r>
+              <a:rPr lang="de-DE" dirty="0" smtClean="0"/>
+              <a:t> </a:t>
+            </a:r>
+            <a:r>
+              <a:rPr lang="de-DE" dirty="0" err="1" smtClean="0"/>
+              <a:t>tracking</a:t>
+            </a:r>
+            <a:endParaRPr lang="de-DE" dirty="0"/>
+          </a:p>
+        </p:txBody>
+      </p:sp>
+      <p:sp>
+        <p:nvSpPr>
+          <p:cNvPr id="7" name="Geschweifte Klammer rechts 6"/>
+          <p:cNvSpPr/>
+          <p:nvPr/>
+        </p:nvSpPr>
+        <p:spPr>
+          <a:xfrm>
+            <a:off x="6804248" y="1700808"/>
+            <a:ext cx="288032" cy="1224136"/>
+          </a:xfrm>
+          <a:prstGeom prst="rightBrace">
+            <a:avLst>
+              <a:gd name="adj1" fmla="val 15548"/>
+              <a:gd name="adj2" fmla="val 50000"/>
+            </a:avLst>
+          </a:prstGeom>
+          <a:ln w="19050">
+            <a:solidFill>
+              <a:schemeClr val="tx1"/>
+            </a:solidFill>
+          </a:ln>
+        </p:spPr>
+        <p:style>
+          <a:lnRef idx="1">
+            <a:schemeClr val="accent1"/>
+          </a:lnRef>
+          <a:fillRef idx="0">
+            <a:schemeClr val="accent1"/>
+          </a:fillRef>
+          <a:effectRef idx="0">
+            <a:schemeClr val="accent1"/>
+          </a:effectRef>
+          <a:fontRef idx="minor">
+            <a:schemeClr val="tx1"/>
+          </a:fontRef>
+        </p:style>
+        <p:txBody>
+          <a:bodyPr rtlCol="0" anchor="ctr"/>
+          <a:lstStyle/>
+          <a:p>
+            <a:pPr algn="ctr"/>
+            <a:endParaRPr lang="de-DE"/>
+          </a:p>
+        </p:txBody>
+      </p:sp>
+      <p:sp>
+        <p:nvSpPr>
+          <p:cNvPr id="8" name="Geschweifte Klammer rechts 7"/>
+          <p:cNvSpPr/>
+          <p:nvPr/>
+        </p:nvSpPr>
+        <p:spPr>
+          <a:xfrm>
+            <a:off x="6804248" y="3284984"/>
+            <a:ext cx="288032" cy="1872208"/>
+          </a:xfrm>
+          <a:prstGeom prst="rightBrace">
+            <a:avLst>
+              <a:gd name="adj1" fmla="val 15548"/>
+              <a:gd name="adj2" fmla="val 50000"/>
+            </a:avLst>
+          </a:prstGeom>
+          <a:ln w="19050">
+            <a:solidFill>
+              <a:schemeClr val="tx1"/>
+            </a:solidFill>
+          </a:ln>
+        </p:spPr>
+        <p:style>
+          <a:lnRef idx="1">
+            <a:schemeClr val="accent1"/>
+          </a:lnRef>
+          <a:fillRef idx="0">
+            <a:schemeClr val="accent1"/>
+          </a:fillRef>
+          <a:effectRef idx="0">
+            <a:schemeClr val="accent1"/>
+          </a:effectRef>
+          <a:fontRef idx="minor">
+            <a:schemeClr val="tx1"/>
+          </a:fontRef>
+        </p:style>
+        <p:txBody>
+          <a:bodyPr rtlCol="0" anchor="ctr"/>
+          <a:lstStyle/>
+          <a:p>
+            <a:pPr algn="ctr"/>
+            <a:endParaRPr lang="de-DE"/>
           </a:p>
         </p:txBody>
       </p:sp>
     </p:spTree>
     <p:extLst>
       <p:ext uri="{BB962C8B-B14F-4D97-AF65-F5344CB8AC3E}">
-        <p14:creationId xmlns:p14="http://schemas.microsoft.com/office/powerpoint/2010/main" val="2840652439"/>
+        <p14:creationId xmlns:p14="http://schemas.microsoft.com/office/powerpoint/2010/main" val="1657402375"/>
       </p:ext>
     </p:extLst>
   </p:cSld>
@@ -19335,6 +18920,979 @@
           <a:lstStyle/>
           <a:p>
             <a:r>
+              <a:rPr lang="de-DE" dirty="0" smtClean="0"/>
+              <a:t>Read </a:t>
+            </a:r>
+            <a:r>
+              <a:rPr lang="de-DE" dirty="0" err="1" smtClean="0"/>
+              <a:t>video</a:t>
+            </a:r>
+            <a:r>
+              <a:rPr lang="de-DE" dirty="0" smtClean="0"/>
+              <a:t> </a:t>
+            </a:r>
+            <a:r>
+              <a:rPr lang="de-DE" dirty="0" err="1" smtClean="0"/>
+              <a:t>frame</a:t>
+            </a:r>
+            <a:r>
+              <a:rPr lang="de-DE" dirty="0" smtClean="0"/>
+              <a:t>: Test</a:t>
+            </a:r>
+            <a:endParaRPr lang="de-DE" dirty="0"/>
+          </a:p>
+        </p:txBody>
+      </p:sp>
+      <p:sp>
+        <p:nvSpPr>
+          <p:cNvPr id="3" name="Inhaltsplatzhalter 2"/>
+          <p:cNvSpPr>
+            <a:spLocks noGrp="1"/>
+          </p:cNvSpPr>
+          <p:nvPr>
+            <p:ph idx="1"/>
+          </p:nvPr>
+        </p:nvSpPr>
+        <p:spPr/>
+        <p:txBody>
+          <a:bodyPr/>
+          <a:lstStyle/>
+          <a:p>
+            <a:r>
+              <a:rPr lang="de-DE" dirty="0" smtClean="0">
+                <a:solidFill>
+                  <a:schemeClr val="accent3">
+                    <a:lumMod val="75000"/>
+                  </a:schemeClr>
+                </a:solidFill>
+              </a:rPr>
+              <a:t>Single </a:t>
+            </a:r>
+            <a:r>
+              <a:rPr lang="de-DE" dirty="0" err="1" smtClean="0">
+                <a:solidFill>
+                  <a:schemeClr val="accent3">
+                    <a:lumMod val="75000"/>
+                  </a:schemeClr>
+                </a:solidFill>
+              </a:rPr>
+              <a:t>step</a:t>
+            </a:r>
+            <a:r>
+              <a:rPr lang="de-DE" dirty="0" smtClean="0">
+                <a:solidFill>
+                  <a:schemeClr val="accent3">
+                    <a:lumMod val="75000"/>
+                  </a:schemeClr>
+                </a:solidFill>
+              </a:rPr>
+              <a:t> </a:t>
+            </a:r>
+            <a:r>
+              <a:rPr lang="de-DE" dirty="0" err="1" smtClean="0">
+                <a:solidFill>
+                  <a:schemeClr val="accent3">
+                    <a:lumMod val="75000"/>
+                  </a:schemeClr>
+                </a:solidFill>
+              </a:rPr>
+              <a:t>mode</a:t>
+            </a:r>
+            <a:r>
+              <a:rPr lang="de-DE" dirty="0" smtClean="0">
+                <a:solidFill>
+                  <a:schemeClr val="accent3">
+                    <a:lumMod val="75000"/>
+                  </a:schemeClr>
+                </a:solidFill>
+              </a:rPr>
+              <a:t> </a:t>
+            </a:r>
+            <a:r>
+              <a:rPr lang="de-DE" dirty="0" err="1" smtClean="0">
+                <a:solidFill>
+                  <a:schemeClr val="accent3">
+                    <a:lumMod val="75000"/>
+                  </a:schemeClr>
+                </a:solidFill>
+              </a:rPr>
+              <a:t>for</a:t>
+            </a:r>
+            <a:r>
+              <a:rPr lang="de-DE" dirty="0" smtClean="0">
+                <a:solidFill>
+                  <a:schemeClr val="accent3">
+                    <a:lumMod val="75000"/>
+                  </a:schemeClr>
+                </a:solidFill>
+              </a:rPr>
+              <a:t> </a:t>
+            </a:r>
+            <a:r>
+              <a:rPr lang="de-DE" dirty="0" err="1" smtClean="0">
+                <a:solidFill>
+                  <a:schemeClr val="accent3">
+                    <a:lumMod val="75000"/>
+                  </a:schemeClr>
+                </a:solidFill>
+              </a:rPr>
+              <a:t>reading</a:t>
+            </a:r>
+            <a:r>
+              <a:rPr lang="de-DE" dirty="0" smtClean="0">
+                <a:solidFill>
+                  <a:schemeClr val="accent3">
+                    <a:lumMod val="75000"/>
+                  </a:schemeClr>
+                </a:solidFill>
+              </a:rPr>
+              <a:t> </a:t>
+            </a:r>
+            <a:r>
+              <a:rPr lang="de-DE" dirty="0" err="1" smtClean="0">
+                <a:solidFill>
+                  <a:schemeClr val="accent3">
+                    <a:lumMod val="75000"/>
+                  </a:schemeClr>
+                </a:solidFill>
+              </a:rPr>
+              <a:t>and</a:t>
+            </a:r>
+            <a:r>
+              <a:rPr lang="de-DE" dirty="0" smtClean="0">
+                <a:solidFill>
+                  <a:schemeClr val="accent3">
+                    <a:lumMod val="75000"/>
+                  </a:schemeClr>
+                </a:solidFill>
+              </a:rPr>
+              <a:t> </a:t>
+            </a:r>
+            <a:r>
+              <a:rPr lang="de-DE" dirty="0" err="1" smtClean="0">
+                <a:solidFill>
+                  <a:schemeClr val="accent3">
+                    <a:lumMod val="75000"/>
+                  </a:schemeClr>
+                </a:solidFill>
+              </a:rPr>
+              <a:t>displaying</a:t>
+            </a:r>
+            <a:r>
+              <a:rPr lang="de-DE" dirty="0" smtClean="0">
+                <a:solidFill>
+                  <a:schemeClr val="accent3">
+                    <a:lumMod val="75000"/>
+                  </a:schemeClr>
+                </a:solidFill>
+              </a:rPr>
+              <a:t> </a:t>
+            </a:r>
+            <a:r>
+              <a:rPr lang="de-DE" dirty="0" err="1" smtClean="0">
+                <a:solidFill>
+                  <a:schemeClr val="accent3">
+                    <a:lumMod val="75000"/>
+                  </a:schemeClr>
+                </a:solidFill>
+              </a:rPr>
+              <a:t>frames</a:t>
+            </a:r>
+            <a:r>
+              <a:rPr lang="de-DE" dirty="0" smtClean="0">
+                <a:solidFill>
+                  <a:schemeClr val="accent3">
+                    <a:lumMod val="75000"/>
+                  </a:schemeClr>
+                </a:solidFill>
+              </a:rPr>
+              <a:t> </a:t>
+            </a:r>
+            <a:r>
+              <a:rPr lang="de-DE" dirty="0" smtClean="0">
+                <a:solidFill>
+                  <a:schemeClr val="accent3">
+                    <a:lumMod val="75000"/>
+                  </a:schemeClr>
+                </a:solidFill>
+                <a:sym typeface="Wingdings" panose="05000000000000000000" pitchFamily="2" charset="2"/>
+              </a:rPr>
+              <a:t></a:t>
+            </a:r>
+            <a:r>
+              <a:rPr lang="de-DE" dirty="0" smtClean="0">
+                <a:solidFill>
+                  <a:schemeClr val="accent3">
+                    <a:lumMod val="75000"/>
+                  </a:schemeClr>
+                </a:solidFill>
+              </a:rPr>
+              <a:t> </a:t>
+            </a:r>
+            <a:r>
+              <a:rPr lang="de-DE" dirty="0" err="1" smtClean="0">
+                <a:solidFill>
+                  <a:schemeClr val="accent3">
+                    <a:lumMod val="75000"/>
+                  </a:schemeClr>
+                </a:solidFill>
+              </a:rPr>
+              <a:t>done</a:t>
+            </a:r>
+            <a:endParaRPr lang="de-DE" dirty="0" smtClean="0">
+              <a:solidFill>
+                <a:schemeClr val="accent3">
+                  <a:lumMod val="75000"/>
+                </a:schemeClr>
+              </a:solidFill>
+            </a:endParaRPr>
+          </a:p>
+          <a:p>
+            <a:r>
+              <a:rPr lang="de-DE" dirty="0" err="1" smtClean="0">
+                <a:solidFill>
+                  <a:schemeClr val="accent3">
+                    <a:lumMod val="75000"/>
+                  </a:schemeClr>
+                </a:solidFill>
+              </a:rPr>
+              <a:t>Continuous</a:t>
+            </a:r>
+            <a:r>
+              <a:rPr lang="de-DE" dirty="0" smtClean="0">
+                <a:solidFill>
+                  <a:schemeClr val="accent3">
+                    <a:lumMod val="75000"/>
+                  </a:schemeClr>
+                </a:solidFill>
+              </a:rPr>
+              <a:t> </a:t>
+            </a:r>
+            <a:r>
+              <a:rPr lang="de-DE" dirty="0" err="1" smtClean="0">
+                <a:solidFill>
+                  <a:schemeClr val="accent3">
+                    <a:lumMod val="75000"/>
+                  </a:schemeClr>
+                </a:solidFill>
+              </a:rPr>
+              <a:t>mode</a:t>
+            </a:r>
+            <a:r>
+              <a:rPr lang="de-DE" dirty="0" smtClean="0">
+                <a:solidFill>
+                  <a:schemeClr val="accent3">
+                    <a:lumMod val="75000"/>
+                  </a:schemeClr>
+                </a:solidFill>
+              </a:rPr>
+              <a:t>, </a:t>
+            </a:r>
+            <a:r>
+              <a:rPr lang="de-DE" dirty="0" err="1" smtClean="0">
+                <a:solidFill>
+                  <a:schemeClr val="accent3">
+                    <a:lumMod val="75000"/>
+                  </a:schemeClr>
+                </a:solidFill>
+              </a:rPr>
+              <a:t>based</a:t>
+            </a:r>
+            <a:r>
+              <a:rPr lang="de-DE" dirty="0" smtClean="0">
+                <a:solidFill>
+                  <a:schemeClr val="accent3">
+                    <a:lumMod val="75000"/>
+                  </a:schemeClr>
+                </a:solidFill>
+              </a:rPr>
+              <a:t> on </a:t>
+            </a:r>
+            <a:r>
+              <a:rPr lang="de-DE" dirty="0" err="1" smtClean="0">
+                <a:solidFill>
+                  <a:schemeClr val="accent3">
+                    <a:lumMod val="75000"/>
+                  </a:schemeClr>
+                </a:solidFill>
+              </a:rPr>
+              <a:t>timer</a:t>
+            </a:r>
+            <a:r>
+              <a:rPr lang="de-DE" dirty="0" smtClean="0">
+                <a:solidFill>
+                  <a:schemeClr val="accent3">
+                    <a:lumMod val="75000"/>
+                  </a:schemeClr>
+                </a:solidFill>
+              </a:rPr>
+              <a:t> (100 </a:t>
+            </a:r>
+            <a:r>
+              <a:rPr lang="de-DE" dirty="0" err="1" smtClean="0">
+                <a:solidFill>
+                  <a:schemeClr val="accent3">
+                    <a:lumMod val="75000"/>
+                  </a:schemeClr>
+                </a:solidFill>
+              </a:rPr>
+              <a:t>ms</a:t>
+            </a:r>
+            <a:r>
+              <a:rPr lang="de-DE" dirty="0" smtClean="0">
+                <a:solidFill>
+                  <a:schemeClr val="accent3">
+                    <a:lumMod val="75000"/>
+                  </a:schemeClr>
+                </a:solidFill>
+              </a:rPr>
+              <a:t> / </a:t>
+            </a:r>
+            <a:r>
+              <a:rPr lang="de-DE" dirty="0" err="1" smtClean="0">
+                <a:solidFill>
+                  <a:schemeClr val="accent3">
+                    <a:lumMod val="75000"/>
+                  </a:schemeClr>
+                </a:solidFill>
+              </a:rPr>
+              <a:t>frame</a:t>
+            </a:r>
+            <a:r>
+              <a:rPr lang="de-DE" dirty="0" smtClean="0">
+                <a:solidFill>
+                  <a:schemeClr val="accent3">
+                    <a:lumMod val="75000"/>
+                  </a:schemeClr>
+                </a:solidFill>
+              </a:rPr>
+              <a:t>) </a:t>
+            </a:r>
+            <a:r>
+              <a:rPr lang="de-DE" dirty="0" smtClean="0">
+                <a:solidFill>
+                  <a:schemeClr val="accent3">
+                    <a:lumMod val="75000"/>
+                  </a:schemeClr>
+                </a:solidFill>
+                <a:sym typeface="Wingdings" panose="05000000000000000000" pitchFamily="2" charset="2"/>
+              </a:rPr>
+              <a:t> </a:t>
+            </a:r>
+            <a:r>
+              <a:rPr lang="de-DE" dirty="0" err="1" smtClean="0">
+                <a:solidFill>
+                  <a:schemeClr val="accent3">
+                    <a:lumMod val="75000"/>
+                  </a:schemeClr>
+                </a:solidFill>
+                <a:sym typeface="Wingdings" panose="05000000000000000000" pitchFamily="2" charset="2"/>
+              </a:rPr>
+              <a:t>done</a:t>
+            </a:r>
+            <a:endParaRPr lang="de-DE" dirty="0" smtClean="0">
+              <a:solidFill>
+                <a:schemeClr val="accent3">
+                  <a:lumMod val="75000"/>
+                </a:schemeClr>
+              </a:solidFill>
+              <a:sym typeface="Wingdings" panose="05000000000000000000" pitchFamily="2" charset="2"/>
+            </a:endParaRPr>
+          </a:p>
+          <a:p>
+            <a:r>
+              <a:rPr lang="de-DE" dirty="0" smtClean="0">
+                <a:solidFill>
+                  <a:schemeClr val="accent3">
+                    <a:lumMod val="75000"/>
+                  </a:schemeClr>
+                </a:solidFill>
+                <a:sym typeface="Wingdings" panose="05000000000000000000" pitchFamily="2" charset="2"/>
+              </a:rPr>
+              <a:t>Reference </a:t>
+            </a:r>
+            <a:r>
+              <a:rPr lang="de-DE" dirty="0" err="1" smtClean="0">
+                <a:solidFill>
+                  <a:schemeClr val="accent3">
+                    <a:lumMod val="75000"/>
+                  </a:schemeClr>
+                </a:solidFill>
+                <a:sym typeface="Wingdings" panose="05000000000000000000" pitchFamily="2" charset="2"/>
+              </a:rPr>
+              <a:t>videos</a:t>
+            </a:r>
+            <a:r>
+              <a:rPr lang="de-DE" dirty="0" smtClean="0">
+                <a:solidFill>
+                  <a:schemeClr val="accent3">
+                    <a:lumMod val="75000"/>
+                  </a:schemeClr>
+                </a:solidFill>
+                <a:sym typeface="Wingdings" panose="05000000000000000000" pitchFamily="2" charset="2"/>
+              </a:rPr>
+              <a:t>  </a:t>
+            </a:r>
+            <a:r>
+              <a:rPr lang="de-DE" dirty="0" err="1" smtClean="0">
+                <a:solidFill>
+                  <a:schemeClr val="accent3">
+                    <a:lumMod val="75000"/>
+                  </a:schemeClr>
+                </a:solidFill>
+                <a:sym typeface="Wingdings" panose="05000000000000000000" pitchFamily="2" charset="2"/>
+              </a:rPr>
+              <a:t>done</a:t>
+            </a:r>
+            <a:r>
+              <a:rPr lang="de-DE" dirty="0" smtClean="0">
+                <a:solidFill>
+                  <a:schemeClr val="accent3">
+                    <a:lumMod val="75000"/>
+                  </a:schemeClr>
+                </a:solidFill>
+                <a:sym typeface="Wingdings" panose="05000000000000000000" pitchFamily="2" charset="2"/>
+              </a:rPr>
+              <a:t> (</a:t>
+            </a:r>
+            <a:r>
+              <a:rPr lang="de-DE" dirty="0" err="1" smtClean="0">
+                <a:solidFill>
+                  <a:schemeClr val="accent3">
+                    <a:lumMod val="75000"/>
+                  </a:schemeClr>
+                </a:solidFill>
+                <a:sym typeface="Wingdings" panose="05000000000000000000" pitchFamily="2" charset="2"/>
+              </a:rPr>
+              <a:t>c#</a:t>
+            </a:r>
+            <a:r>
+              <a:rPr lang="de-DE" dirty="0" smtClean="0">
+                <a:solidFill>
+                  <a:schemeClr val="accent3">
+                    <a:lumMod val="75000"/>
+                  </a:schemeClr>
+                </a:solidFill>
+                <a:sym typeface="Wingdings" panose="05000000000000000000" pitchFamily="2" charset="2"/>
+              </a:rPr>
+              <a:t>\</a:t>
+            </a:r>
+            <a:r>
+              <a:rPr lang="de-DE" dirty="0" err="1" smtClean="0">
+                <a:solidFill>
+                  <a:schemeClr val="accent3">
+                    <a:lumMod val="75000"/>
+                  </a:schemeClr>
+                </a:solidFill>
+                <a:sym typeface="Wingdings" panose="05000000000000000000" pitchFamily="2" charset="2"/>
+              </a:rPr>
+              <a:t>recordings</a:t>
+            </a:r>
+            <a:r>
+              <a:rPr lang="de-DE" dirty="0" smtClean="0">
+                <a:solidFill>
+                  <a:schemeClr val="accent3">
+                    <a:lumMod val="75000"/>
+                  </a:schemeClr>
+                </a:solidFill>
+                <a:sym typeface="Wingdings" panose="05000000000000000000" pitchFamily="2" charset="2"/>
+              </a:rPr>
+              <a:t>\2015-03-30_Überschneidung_V2.wmv – 1:20 min)</a:t>
+            </a:r>
+            <a:endParaRPr lang="de-DE" dirty="0" smtClean="0">
+              <a:solidFill>
+                <a:schemeClr val="accent3">
+                  <a:lumMod val="75000"/>
+                </a:schemeClr>
+              </a:solidFill>
+            </a:endParaRPr>
+          </a:p>
+          <a:p>
+            <a:r>
+              <a:rPr lang="de-DE" dirty="0" err="1" smtClean="0">
+                <a:solidFill>
+                  <a:schemeClr val="accent3">
+                    <a:lumMod val="75000"/>
+                  </a:schemeClr>
+                </a:solidFill>
+              </a:rPr>
+              <a:t>Comparison</a:t>
+            </a:r>
+            <a:r>
+              <a:rPr lang="de-DE" dirty="0" smtClean="0">
+                <a:solidFill>
+                  <a:schemeClr val="accent3">
+                    <a:lumMod val="75000"/>
+                  </a:schemeClr>
+                </a:solidFill>
+              </a:rPr>
+              <a:t> </a:t>
+            </a:r>
+            <a:r>
+              <a:rPr lang="de-DE" dirty="0" err="1" smtClean="0">
+                <a:solidFill>
+                  <a:schemeClr val="accent3">
+                    <a:lumMod val="75000"/>
+                  </a:schemeClr>
+                </a:solidFill>
+              </a:rPr>
+              <a:t>of</a:t>
+            </a:r>
+            <a:r>
+              <a:rPr lang="de-DE" dirty="0" smtClean="0">
+                <a:solidFill>
+                  <a:schemeClr val="accent3">
+                    <a:lumMod val="75000"/>
+                  </a:schemeClr>
+                </a:solidFill>
+              </a:rPr>
+              <a:t> different </a:t>
+            </a:r>
+            <a:r>
+              <a:rPr lang="de-DE" dirty="0" err="1" smtClean="0">
+                <a:solidFill>
+                  <a:schemeClr val="accent3">
+                    <a:lumMod val="75000"/>
+                  </a:schemeClr>
+                </a:solidFill>
+              </a:rPr>
+              <a:t>background</a:t>
+            </a:r>
+            <a:r>
+              <a:rPr lang="de-DE" dirty="0" smtClean="0">
+                <a:solidFill>
+                  <a:schemeClr val="accent3">
+                    <a:lumMod val="75000"/>
+                  </a:schemeClr>
+                </a:solidFill>
+              </a:rPr>
+              <a:t> </a:t>
+            </a:r>
+            <a:r>
+              <a:rPr lang="de-DE" dirty="0" err="1" smtClean="0">
+                <a:solidFill>
+                  <a:schemeClr val="accent3">
+                    <a:lumMod val="75000"/>
+                  </a:schemeClr>
+                </a:solidFill>
+              </a:rPr>
+              <a:t>modeling</a:t>
+            </a:r>
+            <a:r>
+              <a:rPr lang="de-DE" dirty="0" smtClean="0">
+                <a:solidFill>
+                  <a:schemeClr val="accent3">
+                    <a:lumMod val="75000"/>
+                  </a:schemeClr>
+                </a:solidFill>
+              </a:rPr>
+              <a:t> </a:t>
+            </a:r>
+            <a:r>
+              <a:rPr lang="de-DE" dirty="0" err="1" smtClean="0">
+                <a:solidFill>
+                  <a:schemeClr val="accent3">
+                    <a:lumMod val="75000"/>
+                  </a:schemeClr>
+                </a:solidFill>
+              </a:rPr>
+              <a:t>algorithms</a:t>
+            </a:r>
+            <a:r>
+              <a:rPr lang="de-DE" dirty="0" smtClean="0">
+                <a:solidFill>
+                  <a:schemeClr val="accent3">
+                    <a:lumMod val="75000"/>
+                  </a:schemeClr>
+                </a:solidFill>
+              </a:rPr>
+              <a:t> (</a:t>
+            </a:r>
+            <a:r>
+              <a:rPr lang="de-DE" dirty="0" err="1" smtClean="0">
+                <a:solidFill>
+                  <a:schemeClr val="accent3">
+                    <a:lumMod val="75000"/>
+                  </a:schemeClr>
+                </a:solidFill>
+              </a:rPr>
+              <a:t>Aforge</a:t>
+            </a:r>
+            <a:r>
+              <a:rPr lang="de-DE" dirty="0" smtClean="0">
+                <a:solidFill>
+                  <a:schemeClr val="accent3">
+                    <a:lumMod val="75000"/>
+                  </a:schemeClr>
+                </a:solidFill>
+              </a:rPr>
+              <a:t> simple </a:t>
+            </a:r>
+            <a:r>
+              <a:rPr lang="de-DE" dirty="0" err="1" smtClean="0">
+                <a:solidFill>
+                  <a:schemeClr val="accent3">
+                    <a:lumMod val="75000"/>
+                  </a:schemeClr>
+                </a:solidFill>
+              </a:rPr>
+              <a:t>background</a:t>
+            </a:r>
+            <a:r>
+              <a:rPr lang="de-DE" dirty="0" smtClean="0">
+                <a:solidFill>
+                  <a:schemeClr val="accent3">
+                    <a:lumMod val="75000"/>
+                  </a:schemeClr>
+                </a:solidFill>
+              </a:rPr>
+              <a:t> </a:t>
+            </a:r>
+            <a:r>
+              <a:rPr lang="de-DE" dirty="0" err="1" smtClean="0">
+                <a:solidFill>
+                  <a:schemeClr val="accent3">
+                    <a:lumMod val="75000"/>
+                  </a:schemeClr>
+                </a:solidFill>
+              </a:rPr>
+              <a:t>modeling</a:t>
+            </a:r>
+            <a:r>
+              <a:rPr lang="de-DE" dirty="0" smtClean="0">
+                <a:solidFill>
+                  <a:schemeClr val="accent3">
+                    <a:lumMod val="75000"/>
+                  </a:schemeClr>
+                </a:solidFill>
+              </a:rPr>
+              <a:t>, CV MOG, CV MOG2) </a:t>
+            </a:r>
+            <a:r>
+              <a:rPr lang="de-DE" dirty="0" smtClean="0">
+                <a:solidFill>
+                  <a:schemeClr val="accent3">
+                    <a:lumMod val="75000"/>
+                  </a:schemeClr>
+                </a:solidFill>
+                <a:sym typeface="Wingdings" panose="05000000000000000000" pitchFamily="2" charset="2"/>
+              </a:rPr>
+              <a:t> </a:t>
+            </a:r>
+            <a:r>
+              <a:rPr lang="de-DE" dirty="0" err="1" smtClean="0">
+                <a:solidFill>
+                  <a:schemeClr val="accent3">
+                    <a:lumMod val="75000"/>
+                  </a:schemeClr>
+                </a:solidFill>
+                <a:sym typeface="Wingdings" panose="05000000000000000000" pitchFamily="2" charset="2"/>
+              </a:rPr>
+              <a:t>done</a:t>
+            </a:r>
+            <a:r>
+              <a:rPr lang="de-DE" dirty="0" smtClean="0">
+                <a:solidFill>
+                  <a:schemeClr val="accent3">
+                    <a:lumMod val="75000"/>
+                  </a:schemeClr>
+                </a:solidFill>
+                <a:sym typeface="Wingdings" panose="05000000000000000000" pitchFamily="2" charset="2"/>
+              </a:rPr>
+              <a:t>, MOG2 </a:t>
+            </a:r>
+            <a:r>
+              <a:rPr lang="de-DE" dirty="0" err="1" smtClean="0">
+                <a:solidFill>
+                  <a:schemeClr val="accent3">
+                    <a:lumMod val="75000"/>
+                  </a:schemeClr>
+                </a:solidFill>
+                <a:sym typeface="Wingdings" panose="05000000000000000000" pitchFamily="2" charset="2"/>
+              </a:rPr>
+              <a:t>is</a:t>
+            </a:r>
+            <a:r>
+              <a:rPr lang="de-DE" dirty="0" smtClean="0">
+                <a:solidFill>
+                  <a:schemeClr val="accent3">
+                    <a:lumMod val="75000"/>
+                  </a:schemeClr>
+                </a:solidFill>
+                <a:sym typeface="Wingdings" panose="05000000000000000000" pitchFamily="2" charset="2"/>
+              </a:rPr>
+              <a:t> </a:t>
+            </a:r>
+            <a:r>
+              <a:rPr lang="de-DE" dirty="0" err="1" smtClean="0">
+                <a:solidFill>
+                  <a:schemeClr val="accent3">
+                    <a:lumMod val="75000"/>
+                  </a:schemeClr>
+                </a:solidFill>
+                <a:sym typeface="Wingdings" panose="05000000000000000000" pitchFamily="2" charset="2"/>
+              </a:rPr>
+              <a:t>best</a:t>
+            </a:r>
+            <a:endParaRPr lang="de-DE" dirty="0" smtClean="0">
+              <a:solidFill>
+                <a:schemeClr val="accent3">
+                  <a:lumMod val="75000"/>
+                </a:schemeClr>
+              </a:solidFill>
+            </a:endParaRPr>
+          </a:p>
+          <a:p>
+            <a:r>
+              <a:rPr lang="de-DE" dirty="0" err="1" smtClean="0"/>
+              <a:t>Apply</a:t>
+            </a:r>
+            <a:r>
+              <a:rPr lang="de-DE" dirty="0" smtClean="0"/>
+              <a:t> </a:t>
+            </a:r>
+            <a:r>
+              <a:rPr lang="de-DE" dirty="0" err="1" smtClean="0"/>
+              <a:t>filters</a:t>
+            </a:r>
+            <a:r>
+              <a:rPr lang="de-DE" dirty="0" smtClean="0"/>
+              <a:t> </a:t>
+            </a:r>
+            <a:r>
+              <a:rPr lang="de-DE" dirty="0" err="1" smtClean="0"/>
+              <a:t>to</a:t>
+            </a:r>
+            <a:r>
+              <a:rPr lang="de-DE" dirty="0" smtClean="0"/>
+              <a:t> </a:t>
+            </a:r>
+            <a:r>
+              <a:rPr lang="de-DE" dirty="0" err="1" smtClean="0"/>
+              <a:t>improve</a:t>
+            </a:r>
+            <a:r>
+              <a:rPr lang="de-DE" dirty="0" smtClean="0"/>
+              <a:t> </a:t>
+            </a:r>
+            <a:r>
+              <a:rPr lang="de-DE" dirty="0" err="1" smtClean="0"/>
+              <a:t>results</a:t>
+            </a:r>
+            <a:r>
+              <a:rPr lang="de-DE" dirty="0" smtClean="0"/>
+              <a:t> (e.g. </a:t>
+            </a:r>
+            <a:r>
+              <a:rPr lang="de-DE" dirty="0" err="1" smtClean="0"/>
+              <a:t>busses</a:t>
+            </a:r>
+            <a:r>
+              <a:rPr lang="de-DE" dirty="0" smtClean="0"/>
+              <a:t> </a:t>
+            </a:r>
+            <a:r>
+              <a:rPr lang="de-DE" dirty="0" err="1" smtClean="0"/>
+              <a:t>contain</a:t>
+            </a:r>
+            <a:r>
+              <a:rPr lang="de-DE" dirty="0" smtClean="0"/>
+              <a:t> </a:t>
+            </a:r>
+            <a:r>
+              <a:rPr lang="de-DE" dirty="0" err="1" smtClean="0"/>
+              <a:t>of</a:t>
+            </a:r>
+            <a:r>
+              <a:rPr lang="de-DE" dirty="0" smtClean="0"/>
+              <a:t> multiple </a:t>
+            </a:r>
+            <a:r>
+              <a:rPr lang="de-DE" dirty="0" err="1" smtClean="0"/>
+              <a:t>blobs</a:t>
+            </a:r>
+            <a:r>
+              <a:rPr lang="de-DE" dirty="0" smtClean="0"/>
+              <a:t>, </a:t>
+            </a:r>
+            <a:r>
+              <a:rPr lang="de-DE" dirty="0" err="1" smtClean="0"/>
+              <a:t>as</a:t>
+            </a:r>
+            <a:r>
+              <a:rPr lang="de-DE" dirty="0" smtClean="0"/>
+              <a:t> </a:t>
+            </a:r>
+            <a:r>
+              <a:rPr lang="de-DE" dirty="0" err="1" smtClean="0"/>
+              <a:t>windows</a:t>
+            </a:r>
+            <a:r>
+              <a:rPr lang="de-DE" dirty="0" smtClean="0"/>
+              <a:t> </a:t>
+            </a:r>
+            <a:r>
+              <a:rPr lang="de-DE" dirty="0" err="1" smtClean="0"/>
+              <a:t>are</a:t>
+            </a:r>
+            <a:r>
+              <a:rPr lang="de-DE" dirty="0" smtClean="0"/>
+              <a:t> not </a:t>
+            </a:r>
+            <a:r>
+              <a:rPr lang="de-DE" dirty="0" err="1" smtClean="0"/>
+              <a:t>recognized</a:t>
+            </a:r>
+            <a:r>
+              <a:rPr lang="de-DE" dirty="0" smtClean="0"/>
+              <a:t> </a:t>
+            </a:r>
+            <a:r>
+              <a:rPr lang="de-DE" dirty="0" err="1" smtClean="0"/>
+              <a:t>as</a:t>
+            </a:r>
+            <a:r>
+              <a:rPr lang="de-DE" dirty="0" smtClean="0"/>
+              <a:t> </a:t>
+            </a:r>
+            <a:r>
+              <a:rPr lang="de-DE" dirty="0" err="1" smtClean="0"/>
+              <a:t>foreground</a:t>
+            </a:r>
+            <a:r>
+              <a:rPr lang="de-DE" dirty="0" smtClean="0"/>
+              <a:t>)</a:t>
+            </a:r>
+          </a:p>
+          <a:p>
+            <a:r>
+              <a:rPr lang="de-DE" dirty="0" smtClean="0"/>
+              <a:t>Filter </a:t>
+            </a:r>
+            <a:r>
+              <a:rPr lang="de-DE" dirty="0" err="1" smtClean="0"/>
+              <a:t>sequence</a:t>
+            </a:r>
+            <a:r>
+              <a:rPr lang="de-DE" dirty="0" smtClean="0"/>
+              <a:t>: </a:t>
+            </a:r>
+            <a:r>
+              <a:rPr lang="de-DE" dirty="0" err="1" smtClean="0"/>
+              <a:t>blur</a:t>
+            </a:r>
+            <a:r>
+              <a:rPr lang="de-DE" dirty="0" smtClean="0"/>
+              <a:t>, MOG, </a:t>
+            </a:r>
+            <a:r>
+              <a:rPr lang="de-DE" dirty="0" err="1" smtClean="0"/>
+              <a:t>erosion</a:t>
+            </a:r>
+            <a:r>
+              <a:rPr lang="de-DE" dirty="0" smtClean="0"/>
+              <a:t>, </a:t>
+            </a:r>
+            <a:r>
+              <a:rPr lang="de-DE" dirty="0" err="1" smtClean="0"/>
+              <a:t>combine</a:t>
+            </a:r>
+            <a:r>
+              <a:rPr lang="de-DE" dirty="0" smtClean="0"/>
+              <a:t> </a:t>
+            </a:r>
+            <a:r>
+              <a:rPr lang="de-DE" dirty="0" err="1" smtClean="0"/>
+              <a:t>blobs</a:t>
+            </a:r>
+            <a:endParaRPr lang="de-DE" dirty="0" smtClean="0"/>
+          </a:p>
+          <a:p>
+            <a:r>
+              <a:rPr lang="de-DE" dirty="0" err="1" smtClean="0"/>
+              <a:t>Testinfrastructure</a:t>
+            </a:r>
+            <a:r>
+              <a:rPr lang="de-DE" dirty="0" smtClean="0"/>
+              <a:t>, </a:t>
+            </a:r>
+            <a:r>
+              <a:rPr lang="de-DE" dirty="0" err="1" smtClean="0"/>
+              <a:t>to</a:t>
+            </a:r>
+            <a:r>
+              <a:rPr lang="de-DE" dirty="0" smtClean="0"/>
+              <a:t> </a:t>
+            </a:r>
+            <a:r>
+              <a:rPr lang="de-DE" dirty="0" err="1" smtClean="0"/>
+              <a:t>compare</a:t>
+            </a:r>
+            <a:r>
+              <a:rPr lang="de-DE" dirty="0" smtClean="0"/>
+              <a:t> </a:t>
+            </a:r>
+            <a:r>
+              <a:rPr lang="de-DE" dirty="0" err="1" smtClean="0"/>
+              <a:t>results</a:t>
+            </a:r>
+            <a:endParaRPr lang="de-DE" dirty="0"/>
+          </a:p>
+        </p:txBody>
+      </p:sp>
+    </p:spTree>
+    <p:extLst>
+      <p:ext uri="{BB962C8B-B14F-4D97-AF65-F5344CB8AC3E}">
+        <p14:creationId xmlns:p14="http://schemas.microsoft.com/office/powerpoint/2010/main" val="2840652439"/>
+      </p:ext>
+    </p:extLst>
+  </p:cSld>
+  <p:clrMapOvr>
+    <a:masterClrMapping/>
+  </p:clrMapOvr>
+  <p:timing>
+    <p:tnLst>
+      <p:par>
+        <p:cTn id="1" dur="indefinite" restart="never" nodeType="tmRoot"/>
+      </p:par>
+    </p:tnLst>
+  </p:timing>
+</p:sld>
+</file>
+
+<file path=ppt/slides/slide22.xml><?xml version="1.0" encoding="utf-8"?>
+<p:sld xmlns:a="http://schemas.openxmlformats.org/drawingml/2006/main" xmlns:r="http://schemas.openxmlformats.org/officeDocument/2006/relationships" xmlns:p="http://schemas.openxmlformats.org/presentationml/2006/main">
+  <p:cSld>
+    <p:spTree>
+      <p:nvGrpSpPr>
+        <p:cNvPr id="1" name=""/>
+        <p:cNvGrpSpPr/>
+        <p:nvPr/>
+      </p:nvGrpSpPr>
+      <p:grpSpPr>
+        <a:xfrm>
+          <a:off x="0" y="0"/>
+          <a:ext cx="0" cy="0"/>
+          <a:chOff x="0" y="0"/>
+          <a:chExt cx="0" cy="0"/>
+        </a:xfrm>
+      </p:grpSpPr>
+      <p:sp>
+        <p:nvSpPr>
+          <p:cNvPr id="2" name="Titel 1"/>
+          <p:cNvSpPr>
+            <a:spLocks noGrp="1"/>
+          </p:cNvSpPr>
+          <p:nvPr>
+            <p:ph type="title"/>
+          </p:nvPr>
+        </p:nvSpPr>
+        <p:spPr/>
+        <p:txBody>
+          <a:bodyPr/>
+          <a:lstStyle/>
+          <a:p>
+            <a:r>
               <a:rPr lang="de-DE" dirty="0" err="1" smtClean="0"/>
               <a:t>Detecting</a:t>
             </a:r>
@@ -19931,7 +20489,7 @@
 </p:sld>
 </file>
 
-<file path=ppt/slides/slide22.xml><?xml version="1.0" encoding="utf-8"?>
+<file path=ppt/slides/slide23.xml><?xml version="1.0" encoding="utf-8"?>
 <p:sld xmlns:a="http://schemas.openxmlformats.org/drawingml/2006/main" xmlns:r="http://schemas.openxmlformats.org/officeDocument/2006/relationships" xmlns:p="http://schemas.openxmlformats.org/presentationml/2006/main">
   <p:cSld>
     <p:spTree>
@@ -22625,57 +23183,1187 @@
           <a:bodyPr/>
           <a:lstStyle/>
           <a:p>
-            <a:endParaRPr lang="de-DE"/>
+            <a:r>
+              <a:rPr lang="de-DE" dirty="0" err="1" smtClean="0"/>
+              <a:t>Config</a:t>
+            </a:r>
+            <a:r>
+              <a:rPr lang="de-DE" dirty="0" smtClean="0"/>
+              <a:t>: </a:t>
+            </a:r>
+            <a:r>
+              <a:rPr lang="de-DE" dirty="0" err="1" smtClean="0"/>
+              <a:t>command</a:t>
+            </a:r>
+            <a:r>
+              <a:rPr lang="de-DE" dirty="0" smtClean="0"/>
+              <a:t> </a:t>
+            </a:r>
+            <a:r>
+              <a:rPr lang="de-DE" dirty="0" err="1" smtClean="0"/>
+              <a:t>line</a:t>
+            </a:r>
+            <a:r>
+              <a:rPr lang="de-DE" dirty="0" smtClean="0"/>
+              <a:t> </a:t>
+            </a:r>
+            <a:r>
+              <a:rPr lang="de-DE" dirty="0" err="1" smtClean="0"/>
+              <a:t>options</a:t>
+            </a:r>
+            <a:endParaRPr lang="de-DE" dirty="0"/>
           </a:p>
         </p:txBody>
       </p:sp>
       <p:sp>
         <p:nvSpPr>
           <p:cNvPr id="3" name="Inhaltsplatzhalter 2"/>
-          <p:cNvSpPr>
-            <a:spLocks noGrp="1"/>
+          <p:cNvSpPr txBox="1">
+            <a:spLocks/>
           </p:cNvSpPr>
-          <p:nvPr>
-            <p:ph idx="1"/>
-          </p:nvPr>
+          <p:nvPr/>
         </p:nvSpPr>
-        <p:spPr/>
+        <p:spPr>
+          <a:xfrm>
+            <a:off x="457200" y="836712"/>
+            <a:ext cx="8229600" cy="5289451"/>
+          </a:xfrm>
+          <a:prstGeom prst="rect">
+            <a:avLst/>
+          </a:prstGeom>
+        </p:spPr>
         <p:txBody>
           <a:bodyPr/>
-          <a:lstStyle/>
-          <a:p>
-            <a:r>
-              <a:rPr lang="de-DE" dirty="0" smtClean="0"/>
-              <a:t>1</a:t>
-            </a:r>
-          </a:p>
-          <a:p>
-            <a:pPr lvl="1"/>
-            <a:r>
-              <a:rPr lang="de-DE" dirty="0" smtClean="0"/>
-              <a:t>2</a:t>
+          <a:lstStyle>
+            <a:lvl1pPr marL="180975" indent="-180975" algn="l" defTabSz="914400" rtl="0" eaLnBrk="1" latinLnBrk="0" hangingPunct="1">
+              <a:spcBef>
+                <a:spcPts val="300"/>
+              </a:spcBef>
+              <a:buFont typeface="Wingdings" panose="05000000000000000000" pitchFamily="2" charset="2"/>
+              <a:buChar char="§"/>
+              <a:defRPr lang="de-DE" sz="1200" kern="1200" baseline="0" dirty="0" smtClean="0">
+                <a:solidFill>
+                  <a:schemeClr val="tx1"/>
+                </a:solidFill>
+                <a:latin typeface="Arial" panose="020B0604020202020204" pitchFamily="34" charset="0"/>
+                <a:ea typeface="+mn-ea"/>
+                <a:cs typeface="Arial" panose="020B0604020202020204" pitchFamily="34" charset="0"/>
+              </a:defRPr>
+            </a:lvl1pPr>
+            <a:lvl2pPr marL="447675" indent="-180975" algn="l" defTabSz="914400" rtl="0" eaLnBrk="1" latinLnBrk="0" hangingPunct="1">
+              <a:spcBef>
+                <a:spcPts val="300"/>
+              </a:spcBef>
+              <a:buFont typeface="Wingdings" panose="05000000000000000000" pitchFamily="2" charset="2"/>
+              <a:buChar char="§"/>
+              <a:defRPr lang="de-DE" sz="1000" kern="1200" baseline="0" dirty="0" smtClean="0">
+                <a:solidFill>
+                  <a:schemeClr val="tx1"/>
+                </a:solidFill>
+                <a:latin typeface="Arial" panose="020B0604020202020204" pitchFamily="34" charset="0"/>
+                <a:ea typeface="+mn-ea"/>
+                <a:cs typeface="Arial" panose="020B0604020202020204" pitchFamily="34" charset="0"/>
+              </a:defRPr>
+            </a:lvl2pPr>
+            <a:lvl3pPr marL="712788" indent="-169863" algn="l" defTabSz="914400" rtl="0" eaLnBrk="1" latinLnBrk="0" hangingPunct="1">
+              <a:spcBef>
+                <a:spcPts val="0"/>
+              </a:spcBef>
+              <a:buFont typeface="Arial" panose="020B0604020202020204" pitchFamily="34" charset="0"/>
+              <a:buChar char="-"/>
+              <a:defRPr lang="de-DE" sz="1000" kern="1200" baseline="0" dirty="0" smtClean="0">
+                <a:solidFill>
+                  <a:schemeClr val="tx1"/>
+                </a:solidFill>
+                <a:latin typeface="Arial" panose="020B0604020202020204" pitchFamily="34" charset="0"/>
+                <a:ea typeface="+mn-ea"/>
+                <a:cs typeface="Arial" panose="020B0604020202020204" pitchFamily="34" charset="0"/>
+              </a:defRPr>
+            </a:lvl3pPr>
+            <a:lvl4pPr marL="1600200" indent="-228600" algn="l" defTabSz="914400" rtl="0" eaLnBrk="1" latinLnBrk="0" hangingPunct="1">
+              <a:spcBef>
+                <a:spcPct val="20000"/>
+              </a:spcBef>
+              <a:buFont typeface="Wingdings" panose="05000000000000000000" pitchFamily="2" charset="2"/>
+              <a:buChar char="§"/>
+              <a:defRPr lang="de-DE" sz="1400" kern="1200" baseline="0" dirty="0" smtClean="0">
+                <a:solidFill>
+                  <a:schemeClr val="tx1"/>
+                </a:solidFill>
+                <a:latin typeface="Arial" panose="020B0604020202020204" pitchFamily="34" charset="0"/>
+                <a:ea typeface="+mn-ea"/>
+                <a:cs typeface="Arial" panose="020B0604020202020204" pitchFamily="34" charset="0"/>
+              </a:defRPr>
+            </a:lvl4pPr>
+            <a:lvl5pPr marL="2057400" indent="-228600" algn="l" defTabSz="914400" rtl="0" eaLnBrk="1" latinLnBrk="0" hangingPunct="1">
+              <a:spcBef>
+                <a:spcPct val="20000"/>
+              </a:spcBef>
+              <a:buFont typeface="Wingdings" panose="05000000000000000000" pitchFamily="2" charset="2"/>
+              <a:buChar char="§"/>
+              <a:defRPr lang="de-DE" sz="1400" kern="1200" baseline="0" dirty="0">
+                <a:solidFill>
+                  <a:schemeClr val="tx1"/>
+                </a:solidFill>
+                <a:latin typeface="Arial" panose="020B0604020202020204" pitchFamily="34" charset="0"/>
+                <a:ea typeface="+mn-ea"/>
+                <a:cs typeface="Arial" panose="020B0604020202020204" pitchFamily="34" charset="0"/>
+              </a:defRPr>
+            </a:lvl5pPr>
+            <a:lvl6pPr marL="2514600" indent="-228600" algn="l" defTabSz="914400" rtl="0" eaLnBrk="1" latinLnBrk="0" hangingPunct="1">
+              <a:spcBef>
+                <a:spcPct val="20000"/>
+              </a:spcBef>
+              <a:buFont typeface="Arial" panose="020B0604020202020204" pitchFamily="34" charset="0"/>
+              <a:buChar char="•"/>
+              <a:defRPr sz="2000" kern="1200">
+                <a:solidFill>
+                  <a:schemeClr val="tx1"/>
+                </a:solidFill>
+                <a:latin typeface="+mn-lt"/>
+                <a:ea typeface="+mn-ea"/>
+                <a:cs typeface="+mn-cs"/>
+              </a:defRPr>
+            </a:lvl6pPr>
+            <a:lvl7pPr marL="2971800" indent="-228600" algn="l" defTabSz="914400" rtl="0" eaLnBrk="1" latinLnBrk="0" hangingPunct="1">
+              <a:spcBef>
+                <a:spcPct val="20000"/>
+              </a:spcBef>
+              <a:buFont typeface="Arial" panose="020B0604020202020204" pitchFamily="34" charset="0"/>
+              <a:buChar char="•"/>
+              <a:defRPr sz="2000" kern="1200">
+                <a:solidFill>
+                  <a:schemeClr val="tx1"/>
+                </a:solidFill>
+                <a:latin typeface="+mn-lt"/>
+                <a:ea typeface="+mn-ea"/>
+                <a:cs typeface="+mn-cs"/>
+              </a:defRPr>
+            </a:lvl7pPr>
+            <a:lvl8pPr marL="3429000" indent="-228600" algn="l" defTabSz="914400" rtl="0" eaLnBrk="1" latinLnBrk="0" hangingPunct="1">
+              <a:spcBef>
+                <a:spcPct val="20000"/>
+              </a:spcBef>
+              <a:buFont typeface="Arial" panose="020B0604020202020204" pitchFamily="34" charset="0"/>
+              <a:buChar char="•"/>
+              <a:defRPr sz="2000" kern="1200">
+                <a:solidFill>
+                  <a:schemeClr val="tx1"/>
+                </a:solidFill>
+                <a:latin typeface="+mn-lt"/>
+                <a:ea typeface="+mn-ea"/>
+                <a:cs typeface="+mn-cs"/>
+              </a:defRPr>
+            </a:lvl8pPr>
+            <a:lvl9pPr marL="3886200" indent="-228600" algn="l" defTabSz="914400" rtl="0" eaLnBrk="1" latinLnBrk="0" hangingPunct="1">
+              <a:spcBef>
+                <a:spcPct val="20000"/>
+              </a:spcBef>
+              <a:buFont typeface="Arial" panose="020B0604020202020204" pitchFamily="34" charset="0"/>
+              <a:buChar char="•"/>
+              <a:defRPr sz="2000" kern="1200">
+                <a:solidFill>
+                  <a:schemeClr val="tx1"/>
+                </a:solidFill>
+                <a:latin typeface="+mn-lt"/>
+                <a:ea typeface="+mn-ea"/>
+                <a:cs typeface="+mn-cs"/>
+              </a:defRPr>
+            </a:lvl9pPr>
+          </a:lstStyle>
+          <a:p>
+            <a:r>
+              <a:rPr lang="de-DE" dirty="0" err="1"/>
+              <a:t>Cmd</a:t>
+            </a:r>
+            <a:r>
+              <a:rPr lang="de-DE" dirty="0"/>
+              <a:t> </a:t>
+            </a:r>
+            <a:r>
+              <a:rPr lang="de-DE" dirty="0" err="1"/>
+              <a:t>line</a:t>
+            </a:r>
+            <a:r>
+              <a:rPr lang="de-DE" dirty="0"/>
+              <a:t> </a:t>
+            </a:r>
+            <a:r>
+              <a:rPr lang="de-DE" dirty="0" err="1"/>
+              <a:t>options</a:t>
+            </a:r>
+            <a:r>
+              <a:rPr lang="de-DE" dirty="0"/>
+              <a:t>:</a:t>
+            </a:r>
+          </a:p>
+          <a:p>
+            <a:pPr lvl="1">
+              <a:buFont typeface="Calibri" panose="020F0502020204030204" pitchFamily="34" charset="0"/>
+              <a:buChar char="-"/>
+            </a:pPr>
+            <a:r>
+              <a:rPr lang="de-DE" dirty="0" err="1"/>
+              <a:t>if</a:t>
+            </a:r>
+            <a:r>
+              <a:rPr lang="de-DE" dirty="0"/>
+              <a:t> </a:t>
+            </a:r>
+            <a:r>
+              <a:rPr lang="de-DE" dirty="0" err="1"/>
+              <a:t>no</a:t>
+            </a:r>
+            <a:r>
+              <a:rPr lang="de-DE" dirty="0"/>
+              <a:t> </a:t>
+            </a:r>
+            <a:r>
+              <a:rPr lang="de-DE" dirty="0" err="1"/>
+              <a:t>argument</a:t>
+            </a:r>
+            <a:r>
+              <a:rPr lang="de-DE" dirty="0"/>
+              <a:t> </a:t>
+            </a:r>
+            <a:r>
+              <a:rPr lang="de-DE" dirty="0" err="1"/>
+              <a:t>is</a:t>
+            </a:r>
+            <a:r>
+              <a:rPr lang="de-DE" dirty="0"/>
+              <a:t> </a:t>
+            </a:r>
+            <a:r>
+              <a:rPr lang="de-DE" dirty="0" err="1"/>
+              <a:t>given</a:t>
+            </a:r>
+            <a:r>
+              <a:rPr lang="de-DE" dirty="0"/>
+              <a:t>, </a:t>
+            </a:r>
+            <a:r>
+              <a:rPr lang="de-DE" dirty="0" err="1"/>
+              <a:t>take</a:t>
+            </a:r>
+            <a:r>
+              <a:rPr lang="de-DE" dirty="0"/>
+              <a:t> </a:t>
+            </a:r>
+            <a:r>
+              <a:rPr lang="de-DE" dirty="0" err="1"/>
+              <a:t>from</a:t>
+            </a:r>
+            <a:r>
+              <a:rPr lang="de-DE" dirty="0"/>
+              <a:t> </a:t>
+            </a:r>
+            <a:r>
+              <a:rPr lang="de-DE" dirty="0" err="1"/>
+              <a:t>config.sqlite</a:t>
+            </a:r>
+            <a:endParaRPr lang="de-DE" dirty="0"/>
+          </a:p>
+          <a:p>
+            <a:pPr lvl="1">
+              <a:buFont typeface="Calibri" panose="020F0502020204030204" pitchFamily="34" charset="0"/>
+              <a:buChar char="-"/>
+            </a:pPr>
+            <a:r>
+              <a:rPr lang="de-DE" dirty="0" smtClean="0"/>
+              <a:t>i(</a:t>
+            </a:r>
+            <a:r>
+              <a:rPr lang="de-DE" dirty="0" err="1" smtClean="0"/>
+              <a:t>nput</a:t>
+            </a:r>
+            <a:r>
+              <a:rPr lang="de-DE" dirty="0"/>
+              <a:t>)</a:t>
             </a:r>
           </a:p>
           <a:p>
             <a:pPr lvl="2"/>
             <a:r>
-              <a:rPr lang="de-DE" dirty="0" smtClean="0"/>
-              <a:t>3</a:t>
-            </a:r>
-          </a:p>
-          <a:p>
-            <a:pPr lvl="3"/>
+              <a:rPr lang="de-DE" dirty="0">
+                <a:solidFill>
+                  <a:srgbClr val="FF0000"/>
+                </a:solidFill>
+              </a:rPr>
+              <a:t>arg: "0" </a:t>
+            </a:r>
+            <a:r>
+              <a:rPr lang="de-DE" dirty="0" err="1">
+                <a:solidFill>
+                  <a:srgbClr val="FF0000"/>
+                </a:solidFill>
+              </a:rPr>
+              <a:t>video</a:t>
+            </a:r>
+            <a:r>
+              <a:rPr lang="de-DE" dirty="0">
+                <a:solidFill>
+                  <a:srgbClr val="FF0000"/>
+                </a:solidFill>
+              </a:rPr>
+              <a:t> </a:t>
+            </a:r>
+            <a:r>
+              <a:rPr lang="de-DE" dirty="0" err="1">
+                <a:solidFill>
+                  <a:srgbClr val="FF0000"/>
+                </a:solidFill>
+              </a:rPr>
+              <a:t>device</a:t>
+            </a:r>
+            <a:r>
+              <a:rPr lang="de-DE" dirty="0">
+                <a:solidFill>
+                  <a:srgbClr val="FF0000"/>
+                </a:solidFill>
+              </a:rPr>
+              <a:t> - </a:t>
+            </a:r>
+            <a:r>
+              <a:rPr lang="de-DE" dirty="0" err="1">
+                <a:solidFill>
+                  <a:srgbClr val="FF0000"/>
+                </a:solidFill>
+              </a:rPr>
+              <a:t>number</a:t>
+            </a:r>
+            <a:r>
+              <a:rPr lang="de-DE" dirty="0">
+                <a:solidFill>
+                  <a:srgbClr val="FF0000"/>
+                </a:solidFill>
+              </a:rPr>
+              <a:t> </a:t>
+            </a:r>
+            <a:r>
+              <a:rPr lang="de-DE" dirty="0" err="1">
+                <a:solidFill>
+                  <a:srgbClr val="FF0000"/>
+                </a:solidFill>
+              </a:rPr>
+              <a:t>of</a:t>
+            </a:r>
+            <a:r>
+              <a:rPr lang="de-DE" dirty="0">
+                <a:solidFill>
+                  <a:srgbClr val="FF0000"/>
+                </a:solidFill>
+              </a:rPr>
+              <a:t> </a:t>
+            </a:r>
+            <a:r>
+              <a:rPr lang="de-DE" dirty="0" err="1">
+                <a:solidFill>
+                  <a:srgbClr val="FF0000"/>
+                </a:solidFill>
+              </a:rPr>
+              <a:t>device</a:t>
+            </a:r>
+            <a:r>
+              <a:rPr lang="de-DE" dirty="0">
+                <a:solidFill>
+                  <a:srgbClr val="FF0000"/>
+                </a:solidFill>
+              </a:rPr>
+              <a:t> in pick </a:t>
+            </a:r>
+            <a:r>
+              <a:rPr lang="de-DE" dirty="0" err="1">
+                <a:solidFill>
+                  <a:srgbClr val="FF0000"/>
+                </a:solidFill>
+              </a:rPr>
+              <a:t>list</a:t>
+            </a:r>
+            <a:r>
+              <a:rPr lang="de-DE" dirty="0">
+                <a:solidFill>
+                  <a:srgbClr val="FF0000"/>
+                </a:solidFill>
+              </a:rPr>
+              <a:t>, e.g. 0 -&gt; "</a:t>
+            </a:r>
+            <a:r>
+              <a:rPr lang="de-DE" dirty="0" err="1">
+                <a:solidFill>
+                  <a:srgbClr val="FF0000"/>
+                </a:solidFill>
+              </a:rPr>
+              <a:t>logitech</a:t>
+            </a:r>
+            <a:r>
+              <a:rPr lang="de-DE" dirty="0">
+                <a:solidFill>
+                  <a:srgbClr val="FF0000"/>
+                </a:solidFill>
+              </a:rPr>
+              <a:t> S5500"</a:t>
+            </a:r>
+          </a:p>
+          <a:p>
+            <a:pPr lvl="2"/>
             <a:r>
               <a:rPr lang="de-DE" dirty="0"/>
-              <a:t>4</a:t>
-            </a:r>
+              <a:t>arg: "</a:t>
+            </a:r>
+            <a:r>
+              <a:rPr lang="de-DE" dirty="0" err="1"/>
+              <a:t>input</a:t>
+            </a:r>
+            <a:r>
+              <a:rPr lang="de-DE" dirty="0"/>
+              <a:t> </a:t>
+            </a:r>
+            <a:r>
+              <a:rPr lang="de-DE" dirty="0" err="1"/>
+              <a:t>file</a:t>
+            </a:r>
+            <a:r>
+              <a:rPr lang="de-DE" dirty="0"/>
+              <a:t>": </a:t>
+            </a:r>
+            <a:r>
+              <a:rPr lang="de-DE" dirty="0" err="1"/>
+              <a:t>file</a:t>
+            </a:r>
+            <a:r>
+              <a:rPr lang="de-DE" dirty="0"/>
+              <a:t> </a:t>
+            </a:r>
+            <a:r>
+              <a:rPr lang="de-DE" dirty="0" err="1"/>
+              <a:t>to</a:t>
+            </a:r>
+            <a:r>
+              <a:rPr lang="de-DE" dirty="0"/>
+              <a:t> </a:t>
+            </a:r>
+            <a:r>
+              <a:rPr lang="de-DE" dirty="0" err="1"/>
+              <a:t>read</a:t>
+            </a:r>
+            <a:r>
+              <a:rPr lang="de-DE" dirty="0"/>
+              <a:t> </a:t>
+            </a:r>
+            <a:r>
+              <a:rPr lang="de-DE" dirty="0" err="1"/>
+              <a:t>from</a:t>
+            </a:r>
+            <a:endParaRPr lang="de-DE" dirty="0"/>
+          </a:p>
+          <a:p>
+            <a:pPr lvl="2"/>
+            <a:r>
+              <a:rPr lang="de-DE" dirty="0" err="1"/>
+              <a:t>if</a:t>
+            </a:r>
+            <a:r>
+              <a:rPr lang="de-DE" dirty="0"/>
+              <a:t> </a:t>
+            </a:r>
+            <a:r>
+              <a:rPr lang="de-DE" dirty="0" err="1"/>
+              <a:t>empty</a:t>
+            </a:r>
+            <a:r>
+              <a:rPr lang="de-DE" dirty="0"/>
+              <a:t>, </a:t>
+            </a:r>
+            <a:r>
+              <a:rPr lang="de-DE" dirty="0" err="1"/>
+              <a:t>take</a:t>
+            </a:r>
+            <a:r>
+              <a:rPr lang="de-DE" dirty="0"/>
+              <a:t> </a:t>
+            </a:r>
+            <a:r>
+              <a:rPr lang="de-DE" dirty="0" err="1"/>
+              <a:t>standard</a:t>
+            </a:r>
+            <a:r>
+              <a:rPr lang="de-DE" dirty="0"/>
+              <a:t> </a:t>
+            </a:r>
+            <a:r>
+              <a:rPr lang="de-DE" dirty="0" err="1"/>
+              <a:t>cam</a:t>
+            </a:r>
+            <a:endParaRPr lang="de-DE" dirty="0"/>
+          </a:p>
+          <a:p>
+            <a:pPr lvl="1">
+              <a:buFont typeface="Calibri" panose="020F0502020204030204" pitchFamily="34" charset="0"/>
+              <a:buChar char="-"/>
+            </a:pPr>
+            <a:r>
+              <a:rPr lang="de-DE" smtClean="0"/>
+              <a:t>o(</a:t>
+            </a:r>
+            <a:r>
+              <a:rPr lang="de-DE" dirty="0" err="1" smtClean="0"/>
+              <a:t>utput</a:t>
+            </a:r>
+            <a:r>
+              <a:rPr lang="de-DE" dirty="0" smtClean="0"/>
+              <a:t> </a:t>
+            </a:r>
+            <a:r>
+              <a:rPr lang="de-DE" dirty="0" err="1"/>
+              <a:t>file</a:t>
+            </a:r>
+            <a:r>
+              <a:rPr lang="de-DE" dirty="0"/>
+              <a:t>)</a:t>
+            </a:r>
+          </a:p>
+          <a:p>
+            <a:pPr lvl="2"/>
+            <a:r>
+              <a:rPr lang="de-DE" dirty="0"/>
+              <a:t>arg: "</a:t>
+            </a:r>
+            <a:r>
+              <a:rPr lang="de-DE" dirty="0" err="1"/>
+              <a:t>file</a:t>
+            </a:r>
+            <a:r>
+              <a:rPr lang="de-DE" dirty="0"/>
+              <a:t> </a:t>
+            </a:r>
+            <a:r>
+              <a:rPr lang="de-DE" dirty="0" err="1"/>
+              <a:t>name</a:t>
+            </a:r>
+            <a:r>
+              <a:rPr lang="de-DE" dirty="0"/>
+              <a:t>": </a:t>
+            </a:r>
+            <a:r>
+              <a:rPr lang="de-DE" dirty="0" err="1"/>
+              <a:t>file</a:t>
+            </a:r>
+            <a:r>
+              <a:rPr lang="de-DE" dirty="0"/>
+              <a:t> </a:t>
+            </a:r>
+            <a:r>
+              <a:rPr lang="de-DE" dirty="0" err="1"/>
+              <a:t>to</a:t>
+            </a:r>
+            <a:r>
+              <a:rPr lang="de-DE" dirty="0"/>
+              <a:t> </a:t>
+            </a:r>
+            <a:r>
+              <a:rPr lang="de-DE" dirty="0" err="1"/>
+              <a:t>write</a:t>
+            </a:r>
+            <a:r>
+              <a:rPr lang="de-DE" dirty="0"/>
+              <a:t> </a:t>
+            </a:r>
+            <a:r>
+              <a:rPr lang="de-DE" dirty="0" err="1"/>
+              <a:t>to</a:t>
+            </a:r>
+            <a:endParaRPr lang="de-DE" dirty="0"/>
+          </a:p>
+          <a:p>
+            <a:pPr lvl="1">
+              <a:buFont typeface="Arial" panose="020B0604020202020204" pitchFamily="34" charset="0"/>
+              <a:buChar char="-"/>
+            </a:pPr>
+            <a:r>
+              <a:rPr lang="de-DE" dirty="0">
+                <a:solidFill>
+                  <a:srgbClr val="FF0000"/>
+                </a:solidFill>
+              </a:rPr>
+              <a:t>q(</a:t>
+            </a:r>
+            <a:r>
+              <a:rPr lang="de-DE" dirty="0" err="1">
+                <a:solidFill>
+                  <a:srgbClr val="FF0000"/>
+                </a:solidFill>
+              </a:rPr>
+              <a:t>uiet</a:t>
+            </a:r>
+            <a:r>
+              <a:rPr lang="de-DE" dirty="0">
+                <a:solidFill>
+                  <a:srgbClr val="FF0000"/>
+                </a:solidFill>
+              </a:rPr>
+              <a:t>)</a:t>
+            </a:r>
+          </a:p>
+          <a:p>
+            <a:pPr lvl="2"/>
+            <a:r>
+              <a:rPr lang="de-DE" dirty="0" err="1">
+                <a:solidFill>
+                  <a:srgbClr val="FF0000"/>
+                </a:solidFill>
+              </a:rPr>
+              <a:t>no</a:t>
+            </a:r>
+            <a:r>
+              <a:rPr lang="de-DE" dirty="0">
+                <a:solidFill>
+                  <a:srgbClr val="FF0000"/>
+                </a:solidFill>
+              </a:rPr>
+              <a:t> arg, </a:t>
+            </a:r>
+            <a:r>
+              <a:rPr lang="de-DE" dirty="0" err="1">
+                <a:solidFill>
+                  <a:srgbClr val="FF0000"/>
+                </a:solidFill>
+              </a:rPr>
+              <a:t>take</a:t>
+            </a:r>
+            <a:r>
+              <a:rPr lang="de-DE" dirty="0">
+                <a:solidFill>
+                  <a:srgbClr val="FF0000"/>
+                </a:solidFill>
+              </a:rPr>
+              <a:t> </a:t>
+            </a:r>
+            <a:r>
+              <a:rPr lang="de-DE" dirty="0" err="1">
+                <a:solidFill>
+                  <a:srgbClr val="FF0000"/>
+                </a:solidFill>
+              </a:rPr>
+              <a:t>standard</a:t>
+            </a:r>
+            <a:r>
+              <a:rPr lang="de-DE" dirty="0">
+                <a:solidFill>
+                  <a:srgbClr val="FF0000"/>
+                </a:solidFill>
+              </a:rPr>
+              <a:t> </a:t>
+            </a:r>
+            <a:r>
+              <a:rPr lang="de-DE" dirty="0" err="1">
+                <a:solidFill>
+                  <a:srgbClr val="FF0000"/>
+                </a:solidFill>
+              </a:rPr>
+              <a:t>arguments</a:t>
+            </a:r>
+            <a:r>
+              <a:rPr lang="de-DE" dirty="0">
+                <a:solidFill>
+                  <a:srgbClr val="FF0000"/>
+                </a:solidFill>
+              </a:rPr>
+              <a:t> </a:t>
+            </a:r>
+            <a:r>
+              <a:rPr lang="de-DE" dirty="0" err="1">
+                <a:solidFill>
+                  <a:srgbClr val="FF0000"/>
+                </a:solidFill>
+              </a:rPr>
+              <a:t>without</a:t>
+            </a:r>
+            <a:r>
+              <a:rPr lang="de-DE" dirty="0">
+                <a:solidFill>
+                  <a:srgbClr val="FF0000"/>
+                </a:solidFill>
+              </a:rPr>
+              <a:t> </a:t>
+            </a:r>
+            <a:r>
+              <a:rPr lang="de-DE" dirty="0" err="1">
+                <a:solidFill>
+                  <a:srgbClr val="FF0000"/>
+                </a:solidFill>
+              </a:rPr>
+              <a:t>asking</a:t>
+            </a:r>
+            <a:r>
+              <a:rPr lang="de-DE" dirty="0">
+                <a:solidFill>
+                  <a:srgbClr val="FF0000"/>
+                </a:solidFill>
+              </a:rPr>
+              <a:t> </a:t>
+            </a:r>
+            <a:r>
+              <a:rPr lang="de-DE" dirty="0" err="1">
+                <a:solidFill>
+                  <a:srgbClr val="FF0000"/>
+                </a:solidFill>
+              </a:rPr>
+              <a:t>for</a:t>
+            </a:r>
+            <a:r>
+              <a:rPr lang="de-DE" dirty="0">
+                <a:solidFill>
+                  <a:srgbClr val="FF0000"/>
+                </a:solidFill>
+              </a:rPr>
+              <a:t> </a:t>
+            </a:r>
+            <a:r>
+              <a:rPr lang="de-DE" dirty="0" err="1">
+                <a:solidFill>
+                  <a:srgbClr val="FF0000"/>
+                </a:solidFill>
+              </a:rPr>
+              <a:t>user</a:t>
+            </a:r>
+            <a:r>
+              <a:rPr lang="de-DE" dirty="0">
+                <a:solidFill>
+                  <a:srgbClr val="FF0000"/>
+                </a:solidFill>
+              </a:rPr>
+              <a:t> </a:t>
+            </a:r>
+            <a:r>
+              <a:rPr lang="de-DE" dirty="0" err="1">
+                <a:solidFill>
+                  <a:srgbClr val="FF0000"/>
+                </a:solidFill>
+              </a:rPr>
+              <a:t>input</a:t>
+            </a:r>
+            <a:r>
+              <a:rPr lang="de-DE" dirty="0">
+                <a:solidFill>
+                  <a:srgbClr val="FF0000"/>
+                </a:solidFill>
+              </a:rPr>
+              <a:t>, e.g. </a:t>
+            </a:r>
+            <a:r>
+              <a:rPr lang="de-DE" dirty="0" err="1">
+                <a:solidFill>
+                  <a:srgbClr val="FF0000"/>
+                </a:solidFill>
+              </a:rPr>
+              <a:t>pre-selected</a:t>
+            </a:r>
+            <a:r>
+              <a:rPr lang="de-DE" dirty="0">
+                <a:solidFill>
+                  <a:srgbClr val="FF0000"/>
+                </a:solidFill>
+              </a:rPr>
+              <a:t> </a:t>
+            </a:r>
+            <a:r>
+              <a:rPr lang="de-DE" dirty="0" err="1">
+                <a:solidFill>
+                  <a:srgbClr val="FF0000"/>
+                </a:solidFill>
+              </a:rPr>
+              <a:t>items</a:t>
+            </a:r>
+            <a:r>
+              <a:rPr lang="de-DE" dirty="0">
+                <a:solidFill>
+                  <a:srgbClr val="FF0000"/>
+                </a:solidFill>
+              </a:rPr>
+              <a:t> in pick </a:t>
+            </a:r>
+            <a:r>
+              <a:rPr lang="de-DE" dirty="0" err="1">
+                <a:solidFill>
+                  <a:srgbClr val="FF0000"/>
+                </a:solidFill>
+              </a:rPr>
+              <a:t>lists</a:t>
+            </a:r>
+            <a:endParaRPr lang="de-DE" dirty="0">
+              <a:solidFill>
+                <a:srgbClr val="FF0000"/>
+              </a:solidFill>
+            </a:endParaRPr>
+          </a:p>
+          <a:p>
+            <a:pPr lvl="1">
+              <a:buFont typeface="Arial" panose="020B0604020202020204" pitchFamily="34" charset="0"/>
+              <a:buChar char="-"/>
+            </a:pPr>
+            <a:r>
+              <a:rPr lang="de-DE" dirty="0"/>
+              <a:t>r(</a:t>
+            </a:r>
+            <a:r>
+              <a:rPr lang="de-DE" dirty="0" err="1"/>
+              <a:t>ate</a:t>
+            </a:r>
+            <a:r>
+              <a:rPr lang="de-DE" dirty="0"/>
+              <a:t>)</a:t>
+            </a:r>
+          </a:p>
+          <a:p>
+            <a:pPr lvl="2"/>
+            <a:r>
+              <a:rPr lang="de-DE" dirty="0">
+                <a:solidFill>
+                  <a:srgbClr val="FF0000"/>
+                </a:solidFill>
+              </a:rPr>
+              <a:t>not </a:t>
+            </a:r>
+            <a:r>
+              <a:rPr lang="de-DE" dirty="0" err="1">
+                <a:solidFill>
+                  <a:srgbClr val="FF0000"/>
+                </a:solidFill>
+              </a:rPr>
+              <a:t>yet</a:t>
+            </a:r>
+            <a:r>
+              <a:rPr lang="de-DE" dirty="0">
+                <a:solidFill>
+                  <a:srgbClr val="FF0000"/>
+                </a:solidFill>
+              </a:rPr>
+              <a:t> </a:t>
+            </a:r>
+            <a:r>
+              <a:rPr lang="de-DE" dirty="0" err="1">
+                <a:solidFill>
+                  <a:srgbClr val="FF0000"/>
+                </a:solidFill>
+              </a:rPr>
+              <a:t>implemented</a:t>
+            </a:r>
+            <a:endParaRPr lang="de-DE" dirty="0">
+              <a:solidFill>
+                <a:srgbClr val="FF0000"/>
+              </a:solidFill>
+            </a:endParaRPr>
+          </a:p>
+          <a:p>
+            <a:pPr lvl="2"/>
+            <a:r>
+              <a:rPr lang="de-DE" dirty="0"/>
+              <a:t>arg: "</a:t>
+            </a:r>
+            <a:r>
+              <a:rPr lang="de-DE" dirty="0" err="1"/>
+              <a:t>fps</a:t>
+            </a:r>
+            <a:r>
+              <a:rPr lang="de-DE" dirty="0"/>
+              <a:t>" </a:t>
+            </a:r>
+            <a:r>
+              <a:rPr lang="de-DE" dirty="0" err="1"/>
+              <a:t>frames</a:t>
+            </a:r>
+            <a:r>
+              <a:rPr lang="de-DE" dirty="0"/>
+              <a:t> per </a:t>
+            </a:r>
+            <a:r>
+              <a:rPr lang="de-DE" dirty="0" err="1"/>
+              <a:t>second</a:t>
+            </a:r>
+            <a:r>
+              <a:rPr lang="de-DE" dirty="0"/>
+              <a:t> </a:t>
+            </a:r>
+            <a:r>
+              <a:rPr lang="de-DE" dirty="0" err="1"/>
+              <a:t>for</a:t>
+            </a:r>
+            <a:r>
+              <a:rPr lang="de-DE" dirty="0"/>
+              <a:t> </a:t>
+            </a:r>
+            <a:r>
+              <a:rPr lang="de-DE" dirty="0" err="1"/>
+              <a:t>video</a:t>
+            </a:r>
+            <a:r>
+              <a:rPr lang="de-DE" dirty="0"/>
+              <a:t> </a:t>
+            </a:r>
+            <a:r>
+              <a:rPr lang="de-DE" dirty="0" err="1"/>
+              <a:t>device</a:t>
+            </a:r>
+            <a:endParaRPr lang="de-DE" dirty="0"/>
+          </a:p>
+          <a:p>
+            <a:pPr lvl="1">
+              <a:buFont typeface="Calibri" panose="020F0502020204030204" pitchFamily="34" charset="0"/>
+              <a:buChar char="-"/>
+            </a:pPr>
+            <a:r>
+              <a:rPr lang="de-DE" dirty="0"/>
+              <a:t>v(</a:t>
+            </a:r>
+            <a:r>
+              <a:rPr lang="de-DE" dirty="0" err="1"/>
+              <a:t>ideo</a:t>
+            </a:r>
+            <a:r>
+              <a:rPr lang="de-DE" dirty="0"/>
+              <a:t> </a:t>
+            </a:r>
+            <a:r>
+              <a:rPr lang="de-DE" dirty="0" err="1"/>
+              <a:t>size</a:t>
+            </a:r>
+            <a:r>
+              <a:rPr lang="de-DE" dirty="0"/>
+              <a:t>)</a:t>
+            </a:r>
+          </a:p>
+          <a:p>
+            <a:pPr lvl="2">
+              <a:buFont typeface="Calibri" panose="020F0502020204030204" pitchFamily="34" charset="0"/>
+              <a:buChar char="-"/>
+            </a:pPr>
+            <a:r>
+              <a:rPr lang="de-DE" dirty="0">
+                <a:solidFill>
+                  <a:srgbClr val="FF0000"/>
+                </a:solidFill>
+              </a:rPr>
+              <a:t>arg: "0" </a:t>
+            </a:r>
+            <a:r>
+              <a:rPr lang="de-DE" dirty="0" err="1">
+                <a:solidFill>
+                  <a:srgbClr val="FF0000"/>
+                </a:solidFill>
+              </a:rPr>
+              <a:t>frame</a:t>
+            </a:r>
+            <a:r>
+              <a:rPr lang="de-DE" dirty="0">
+                <a:solidFill>
+                  <a:srgbClr val="FF0000"/>
+                </a:solidFill>
+              </a:rPr>
+              <a:t> </a:t>
+            </a:r>
+            <a:r>
+              <a:rPr lang="de-DE" dirty="0" err="1">
+                <a:solidFill>
+                  <a:srgbClr val="FF0000"/>
+                </a:solidFill>
+              </a:rPr>
+              <a:t>size</a:t>
+            </a:r>
+            <a:r>
+              <a:rPr lang="de-DE" dirty="0">
+                <a:solidFill>
+                  <a:srgbClr val="FF0000"/>
+                </a:solidFill>
+              </a:rPr>
+              <a:t> - </a:t>
+            </a:r>
+            <a:r>
+              <a:rPr lang="de-DE" dirty="0" err="1">
+                <a:solidFill>
+                  <a:srgbClr val="FF0000"/>
+                </a:solidFill>
+              </a:rPr>
+              <a:t>number</a:t>
+            </a:r>
+            <a:r>
+              <a:rPr lang="de-DE" dirty="0">
+                <a:solidFill>
+                  <a:srgbClr val="FF0000"/>
+                </a:solidFill>
+              </a:rPr>
+              <a:t> </a:t>
+            </a:r>
+            <a:r>
+              <a:rPr lang="de-DE" dirty="0" err="1">
+                <a:solidFill>
+                  <a:srgbClr val="FF0000"/>
+                </a:solidFill>
+              </a:rPr>
+              <a:t>of</a:t>
+            </a:r>
+            <a:r>
+              <a:rPr lang="de-DE" dirty="0">
+                <a:solidFill>
+                  <a:srgbClr val="FF0000"/>
+                </a:solidFill>
+              </a:rPr>
+              <a:t> </a:t>
+            </a:r>
+            <a:r>
+              <a:rPr lang="de-DE" dirty="0" err="1">
+                <a:solidFill>
+                  <a:srgbClr val="FF0000"/>
+                </a:solidFill>
+              </a:rPr>
+              <a:t>size</a:t>
+            </a:r>
+            <a:r>
+              <a:rPr lang="de-DE" dirty="0">
+                <a:solidFill>
+                  <a:srgbClr val="FF0000"/>
+                </a:solidFill>
+              </a:rPr>
+              <a:t> in </a:t>
+            </a:r>
+            <a:r>
+              <a:rPr lang="de-DE" dirty="0" err="1">
+                <a:solidFill>
+                  <a:srgbClr val="FF0000"/>
+                </a:solidFill>
+              </a:rPr>
+              <a:t>pick_list</a:t>
+            </a:r>
+            <a:r>
+              <a:rPr lang="de-DE" dirty="0">
+                <a:solidFill>
+                  <a:srgbClr val="FF0000"/>
+                </a:solidFill>
+              </a:rPr>
+              <a:t> (e.g. 0 -&gt; 320x240)</a:t>
+            </a:r>
+          </a:p>
+          <a:p>
+            <a:pPr lvl="1">
+              <a:buFont typeface="Calibri" panose="020F0502020204030204" pitchFamily="34" charset="0"/>
+              <a:buChar char="-"/>
+            </a:pPr>
+            <a:r>
+              <a:rPr lang="de-DE" dirty="0" err="1"/>
+              <a:t>if</a:t>
+            </a:r>
+            <a:r>
+              <a:rPr lang="de-DE" dirty="0"/>
+              <a:t> </a:t>
+            </a:r>
+            <a:r>
+              <a:rPr lang="de-DE" dirty="0" err="1"/>
+              <a:t>the</a:t>
+            </a:r>
+            <a:r>
+              <a:rPr lang="de-DE" dirty="0"/>
+              <a:t> same </a:t>
+            </a:r>
+            <a:r>
+              <a:rPr lang="de-DE" dirty="0" err="1"/>
+              <a:t>option</a:t>
+            </a:r>
+            <a:r>
+              <a:rPr lang="de-DE" dirty="0"/>
+              <a:t> </a:t>
+            </a:r>
+            <a:r>
+              <a:rPr lang="de-DE" dirty="0" err="1"/>
+              <a:t>occurs</a:t>
+            </a:r>
+            <a:r>
+              <a:rPr lang="de-DE" dirty="0"/>
+              <a:t> </a:t>
+            </a:r>
+            <a:r>
+              <a:rPr lang="de-DE" dirty="0" err="1"/>
+              <a:t>more</a:t>
+            </a:r>
+            <a:r>
+              <a:rPr lang="de-DE" dirty="0"/>
+              <a:t> </a:t>
+            </a:r>
+            <a:r>
+              <a:rPr lang="de-DE" dirty="0" err="1"/>
+              <a:t>than</a:t>
+            </a:r>
+            <a:r>
+              <a:rPr lang="de-DE" dirty="0"/>
+              <a:t> </a:t>
+            </a:r>
+            <a:r>
+              <a:rPr lang="de-DE" dirty="0" err="1"/>
+              <a:t>once</a:t>
+            </a:r>
+            <a:r>
+              <a:rPr lang="de-DE" dirty="0"/>
+              <a:t>, </a:t>
+            </a:r>
+            <a:r>
+              <a:rPr lang="de-DE" dirty="0" err="1"/>
+              <a:t>the</a:t>
+            </a:r>
+            <a:r>
+              <a:rPr lang="de-DE" dirty="0"/>
+              <a:t> </a:t>
+            </a:r>
+            <a:r>
+              <a:rPr lang="de-DE" dirty="0" err="1"/>
+              <a:t>first</a:t>
+            </a:r>
+            <a:r>
+              <a:rPr lang="de-DE" dirty="0"/>
+              <a:t> </a:t>
+            </a:r>
+            <a:r>
+              <a:rPr lang="de-DE" dirty="0" err="1"/>
+              <a:t>option</a:t>
+            </a:r>
+            <a:r>
+              <a:rPr lang="de-DE" dirty="0"/>
+              <a:t> (</a:t>
+            </a:r>
+            <a:r>
+              <a:rPr lang="de-DE" dirty="0" err="1"/>
+              <a:t>and</a:t>
+            </a:r>
+            <a:r>
+              <a:rPr lang="de-DE" dirty="0"/>
+              <a:t> </a:t>
+            </a:r>
+            <a:r>
+              <a:rPr lang="de-DE" dirty="0" err="1"/>
+              <a:t>opt</a:t>
+            </a:r>
+            <a:r>
+              <a:rPr lang="de-DE" dirty="0"/>
+              <a:t> arg) </a:t>
+            </a:r>
+            <a:r>
+              <a:rPr lang="de-DE" dirty="0" err="1"/>
+              <a:t>is</a:t>
+            </a:r>
+            <a:r>
+              <a:rPr lang="de-DE" dirty="0"/>
+              <a:t> </a:t>
+            </a:r>
+            <a:r>
+              <a:rPr lang="de-DE" dirty="0" err="1" smtClean="0"/>
+              <a:t>taken</a:t>
+            </a:r>
+            <a:endParaRPr lang="de-DE" dirty="0" smtClean="0"/>
           </a:p>
         </p:txBody>
       </p:sp>
     </p:spTree>
     <p:extLst>
       <p:ext uri="{BB962C8B-B14F-4D97-AF65-F5344CB8AC3E}">
-        <p14:creationId xmlns:p14="http://schemas.microsoft.com/office/powerpoint/2010/main" val="3025862061"/>
+        <p14:creationId xmlns:p14="http://schemas.microsoft.com/office/powerpoint/2010/main" val="2481677440"/>
       </p:ext>
     </p:extLst>
   </p:cSld>
@@ -22723,27 +24411,7 @@
             </a:r>
             <a:r>
               <a:rPr lang="de-DE" dirty="0" smtClean="0"/>
-              <a:t>: </a:t>
-            </a:r>
-            <a:r>
-              <a:rPr lang="de-DE" dirty="0" err="1" smtClean="0"/>
-              <a:t>command</a:t>
-            </a:r>
-            <a:r>
-              <a:rPr lang="de-DE" dirty="0" smtClean="0"/>
-              <a:t> </a:t>
-            </a:r>
-            <a:r>
-              <a:rPr lang="de-DE" dirty="0" err="1" smtClean="0"/>
-              <a:t>line</a:t>
-            </a:r>
-            <a:r>
-              <a:rPr lang="de-DE" dirty="0" smtClean="0"/>
-              <a:t> </a:t>
-            </a:r>
-            <a:r>
-              <a:rPr lang="de-DE" dirty="0" err="1" smtClean="0"/>
-              <a:t>options</a:t>
+              <a:t> - Test Cases</a:t>
             </a:r>
             <a:endParaRPr lang="de-DE" dirty="0"/>
           </a:p>
@@ -22907,29 +24575,108 @@
           </a:lstStyle>
           <a:p>
             <a:r>
-              <a:rPr lang="de-DE" dirty="0" err="1"/>
-              <a:t>Cmd</a:t>
-            </a:r>
-            <a:r>
-              <a:rPr lang="de-DE" dirty="0"/>
-              <a:t> </a:t>
-            </a:r>
-            <a:r>
-              <a:rPr lang="de-DE" dirty="0" err="1"/>
-              <a:t>line</a:t>
-            </a:r>
-            <a:r>
-              <a:rPr lang="de-DE" dirty="0"/>
-              <a:t> </a:t>
-            </a:r>
-            <a:r>
-              <a:rPr lang="de-DE" dirty="0" err="1"/>
+              <a:rPr lang="de-DE" dirty="0" err="1" smtClean="0"/>
+              <a:t>program_options</a:t>
+            </a:r>
+            <a:endParaRPr lang="de-DE" dirty="0" smtClean="0"/>
+          </a:p>
+          <a:p>
+            <a:pPr lvl="1">
+              <a:buFont typeface="Arial" panose="020B0604020202020204" pitchFamily="34" charset="0"/>
+              <a:buChar char="-"/>
+            </a:pPr>
+            <a:r>
+              <a:rPr lang="de-DE" dirty="0" err="1" smtClean="0"/>
+              <a:t>no</a:t>
+            </a:r>
+            <a:r>
+              <a:rPr lang="de-DE" dirty="0" smtClean="0"/>
+              <a:t> </a:t>
+            </a:r>
+            <a:r>
+              <a:rPr lang="de-DE" dirty="0" err="1" smtClean="0"/>
               <a:t>options</a:t>
             </a:r>
-            <a:r>
-              <a:rPr lang="de-DE" dirty="0"/>
-              <a:t>:</a:t>
-            </a:r>
+            <a:endParaRPr lang="de-DE" dirty="0" smtClean="0"/>
+          </a:p>
+          <a:p>
+            <a:pPr lvl="1">
+              <a:buFont typeface="Arial" panose="020B0604020202020204" pitchFamily="34" charset="0"/>
+              <a:buChar char="-"/>
+            </a:pPr>
+            <a:r>
+              <a:rPr lang="de-DE" dirty="0" smtClean="0"/>
+              <a:t>not </a:t>
+            </a:r>
+            <a:r>
+              <a:rPr lang="de-DE" dirty="0" err="1" smtClean="0"/>
+              <a:t>specified</a:t>
+            </a:r>
+            <a:r>
+              <a:rPr lang="de-DE" dirty="0" smtClean="0"/>
+              <a:t> </a:t>
+            </a:r>
+            <a:r>
+              <a:rPr lang="de-DE" dirty="0" err="1" smtClean="0"/>
+              <a:t>options</a:t>
+            </a:r>
+            <a:r>
+              <a:rPr lang="de-DE" dirty="0" smtClean="0"/>
+              <a:t> </a:t>
+            </a:r>
+            <a:r>
+              <a:rPr lang="de-DE" dirty="0" smtClean="0">
+                <a:sym typeface="Wingdings" panose="05000000000000000000" pitchFamily="2" charset="2"/>
+              </a:rPr>
+              <a:t> </a:t>
+            </a:r>
+            <a:r>
+              <a:rPr lang="de-DE" dirty="0" err="1" smtClean="0">
+                <a:sym typeface="Wingdings" panose="05000000000000000000" pitchFamily="2" charset="2"/>
+              </a:rPr>
+              <a:t>are</a:t>
+            </a:r>
+            <a:r>
+              <a:rPr lang="de-DE" dirty="0" smtClean="0">
+                <a:sym typeface="Wingdings" panose="05000000000000000000" pitchFamily="2" charset="2"/>
+              </a:rPr>
+              <a:t> not </a:t>
+            </a:r>
+            <a:r>
+              <a:rPr lang="de-DE" dirty="0" err="1" smtClean="0">
+                <a:sym typeface="Wingdings" panose="05000000000000000000" pitchFamily="2" charset="2"/>
+              </a:rPr>
+              <a:t>considered</a:t>
+            </a:r>
+            <a:endParaRPr lang="de-DE" dirty="0" smtClean="0">
+              <a:sym typeface="Wingdings" panose="05000000000000000000" pitchFamily="2" charset="2"/>
+            </a:endParaRPr>
+          </a:p>
+          <a:p>
+            <a:pPr lvl="1">
+              <a:buFont typeface="Arial" panose="020B0604020202020204" pitchFamily="34" charset="0"/>
+              <a:buChar char="-"/>
+            </a:pPr>
+            <a:r>
+              <a:rPr lang="de-DE" dirty="0" err="1" smtClean="0"/>
+              <a:t>opt</a:t>
+            </a:r>
+            <a:r>
+              <a:rPr lang="de-DE" dirty="0" smtClean="0"/>
+              <a:t> </a:t>
+            </a:r>
+            <a:r>
+              <a:rPr lang="de-DE" dirty="0" err="1" smtClean="0"/>
+              <a:t>arguments</a:t>
+            </a:r>
+            <a:endParaRPr lang="de-DE" dirty="0"/>
+          </a:p>
+          <a:p>
+            <a:r>
+              <a:rPr lang="de-DE" dirty="0" err="1" smtClean="0"/>
+              <a:t>config</a:t>
+            </a:r>
+            <a:endParaRPr lang="de-DE" dirty="0" smtClean="0"/>
           </a:p>
           <a:p>
             <a:pPr lvl="1">
@@ -22937,66 +24684,14 @@
               <a:buChar char="-"/>
             </a:pPr>
             <a:r>
-              <a:rPr lang="de-DE" dirty="0" err="1"/>
-              <a:t>if</a:t>
-            </a:r>
-            <a:r>
-              <a:rPr lang="de-DE" dirty="0"/>
-              <a:t> </a:t>
-            </a:r>
-            <a:r>
-              <a:rPr lang="de-DE" dirty="0" err="1"/>
-              <a:t>no</a:t>
-            </a:r>
-            <a:r>
-              <a:rPr lang="de-DE" dirty="0"/>
-              <a:t> </a:t>
-            </a:r>
-            <a:r>
-              <a:rPr lang="de-DE" dirty="0" err="1"/>
-              <a:t>argument</a:t>
-            </a:r>
-            <a:r>
-              <a:rPr lang="de-DE" dirty="0"/>
-              <a:t> </a:t>
-            </a:r>
-            <a:r>
-              <a:rPr lang="de-DE" dirty="0" err="1"/>
-              <a:t>is</a:t>
-            </a:r>
-            <a:r>
-              <a:rPr lang="de-DE" dirty="0"/>
-              <a:t> </a:t>
-            </a:r>
-            <a:r>
-              <a:rPr lang="de-DE" dirty="0" err="1"/>
-              <a:t>given</a:t>
-            </a:r>
-            <a:r>
-              <a:rPr lang="de-DE" dirty="0"/>
-              <a:t>, </a:t>
-            </a:r>
-            <a:r>
-              <a:rPr lang="de-DE" dirty="0" err="1"/>
-              <a:t>take</a:t>
-            </a:r>
-            <a:r>
-              <a:rPr lang="de-DE" dirty="0"/>
-              <a:t> </a:t>
-            </a:r>
-            <a:r>
-              <a:rPr lang="de-DE" dirty="0" err="1"/>
-              <a:t>from</a:t>
-            </a:r>
-            <a:r>
-              <a:rPr lang="de-DE" dirty="0"/>
-              <a:t> </a:t>
-            </a:r>
-            <a:r>
-              <a:rPr lang="de-DE" dirty="0" err="1"/>
-              <a:t>config.sqlite</a:t>
-            </a:r>
-            <a:endParaRPr lang="de-DE" dirty="0"/>
+              <a:rPr lang="de-DE" dirty="0" smtClean="0"/>
+              <a:t>check /</a:t>
+            </a:r>
+            <a:r>
+              <a:rPr lang="de-DE" dirty="0" err="1" smtClean="0"/>
+              <a:t>home</a:t>
+            </a:r>
+            <a:endParaRPr lang="de-DE" dirty="0" smtClean="0"/>
           </a:p>
           <a:p>
             <a:pPr lvl="1">
@@ -23004,232 +24699,37 @@
               <a:buChar char="-"/>
             </a:pPr>
             <a:r>
-              <a:rPr lang="de-DE" dirty="0" smtClean="0"/>
-              <a:t>i(</a:t>
-            </a:r>
-            <a:r>
-              <a:rPr lang="de-DE" dirty="0" err="1" smtClean="0"/>
-              <a:t>nput</a:t>
-            </a:r>
-            <a:r>
-              <a:rPr lang="de-DE" dirty="0"/>
+              <a:rPr lang="de-DE" dirty="0" err="1" smtClean="0"/>
+              <a:t>create</a:t>
+            </a:r>
+            <a:r>
+              <a:rPr lang="de-DE" dirty="0" smtClean="0"/>
+              <a:t> </a:t>
+            </a:r>
+            <a:r>
+              <a:rPr lang="de-DE" dirty="0" err="1" smtClean="0"/>
+              <a:t>config</a:t>
+            </a:r>
+            <a:r>
+              <a:rPr lang="de-DE" dirty="0" smtClean="0"/>
+              <a:t> </a:t>
+            </a:r>
+            <a:r>
+              <a:rPr lang="de-DE" dirty="0" err="1" smtClean="0"/>
+              <a:t>file</a:t>
+            </a:r>
+            <a:r>
+              <a:rPr lang="de-DE" dirty="0" smtClean="0"/>
+              <a:t> (</a:t>
+            </a:r>
+            <a:r>
+              <a:rPr lang="de-DE" dirty="0" err="1" smtClean="0"/>
+              <a:t>sqlite</a:t>
+            </a:r>
+            <a:r>
+              <a:rPr lang="de-DE" dirty="0" smtClean="0"/>
               <a:t>)</a:t>
             </a:r>
-          </a:p>
-          <a:p>
-            <a:pPr lvl="2"/>
-            <a:r>
-              <a:rPr lang="de-DE" dirty="0">
-                <a:solidFill>
-                  <a:srgbClr val="FF0000"/>
-                </a:solidFill>
-              </a:rPr>
-              <a:t>arg: "0" </a:t>
-            </a:r>
-            <a:r>
-              <a:rPr lang="de-DE" dirty="0" err="1">
-                <a:solidFill>
-                  <a:srgbClr val="FF0000"/>
-                </a:solidFill>
-              </a:rPr>
-              <a:t>video</a:t>
-            </a:r>
-            <a:r>
-              <a:rPr lang="de-DE" dirty="0">
-                <a:solidFill>
-                  <a:srgbClr val="FF0000"/>
-                </a:solidFill>
-              </a:rPr>
-              <a:t> </a:t>
-            </a:r>
-            <a:r>
-              <a:rPr lang="de-DE" dirty="0" err="1">
-                <a:solidFill>
-                  <a:srgbClr val="FF0000"/>
-                </a:solidFill>
-              </a:rPr>
-              <a:t>device</a:t>
-            </a:r>
-            <a:r>
-              <a:rPr lang="de-DE" dirty="0">
-                <a:solidFill>
-                  <a:srgbClr val="FF0000"/>
-                </a:solidFill>
-              </a:rPr>
-              <a:t> - </a:t>
-            </a:r>
-            <a:r>
-              <a:rPr lang="de-DE" dirty="0" err="1">
-                <a:solidFill>
-                  <a:srgbClr val="FF0000"/>
-                </a:solidFill>
-              </a:rPr>
-              <a:t>number</a:t>
-            </a:r>
-            <a:r>
-              <a:rPr lang="de-DE" dirty="0">
-                <a:solidFill>
-                  <a:srgbClr val="FF0000"/>
-                </a:solidFill>
-              </a:rPr>
-              <a:t> </a:t>
-            </a:r>
-            <a:r>
-              <a:rPr lang="de-DE" dirty="0" err="1">
-                <a:solidFill>
-                  <a:srgbClr val="FF0000"/>
-                </a:solidFill>
-              </a:rPr>
-              <a:t>of</a:t>
-            </a:r>
-            <a:r>
-              <a:rPr lang="de-DE" dirty="0">
-                <a:solidFill>
-                  <a:srgbClr val="FF0000"/>
-                </a:solidFill>
-              </a:rPr>
-              <a:t> </a:t>
-            </a:r>
-            <a:r>
-              <a:rPr lang="de-DE" dirty="0" err="1">
-                <a:solidFill>
-                  <a:srgbClr val="FF0000"/>
-                </a:solidFill>
-              </a:rPr>
-              <a:t>device</a:t>
-            </a:r>
-            <a:r>
-              <a:rPr lang="de-DE" dirty="0">
-                <a:solidFill>
-                  <a:srgbClr val="FF0000"/>
-                </a:solidFill>
-              </a:rPr>
-              <a:t> in pick </a:t>
-            </a:r>
-            <a:r>
-              <a:rPr lang="de-DE" dirty="0" err="1">
-                <a:solidFill>
-                  <a:srgbClr val="FF0000"/>
-                </a:solidFill>
-              </a:rPr>
-              <a:t>list</a:t>
-            </a:r>
-            <a:r>
-              <a:rPr lang="de-DE" dirty="0">
-                <a:solidFill>
-                  <a:srgbClr val="FF0000"/>
-                </a:solidFill>
-              </a:rPr>
-              <a:t>, e.g. 0 -&gt; "</a:t>
-            </a:r>
-            <a:r>
-              <a:rPr lang="de-DE" dirty="0" err="1">
-                <a:solidFill>
-                  <a:srgbClr val="FF0000"/>
-                </a:solidFill>
-              </a:rPr>
-              <a:t>logitech</a:t>
-            </a:r>
-            <a:r>
-              <a:rPr lang="de-DE" dirty="0">
-                <a:solidFill>
-                  <a:srgbClr val="FF0000"/>
-                </a:solidFill>
-              </a:rPr>
-              <a:t> S5500"</a:t>
-            </a:r>
-          </a:p>
-          <a:p>
-            <a:pPr lvl="2"/>
-            <a:r>
-              <a:rPr lang="de-DE" dirty="0"/>
-              <a:t>arg: "</a:t>
-            </a:r>
-            <a:r>
-              <a:rPr lang="de-DE" dirty="0" err="1"/>
-              <a:t>input</a:t>
-            </a:r>
-            <a:r>
-              <a:rPr lang="de-DE" dirty="0"/>
-              <a:t> </a:t>
-            </a:r>
-            <a:r>
-              <a:rPr lang="de-DE" dirty="0" err="1"/>
-              <a:t>file</a:t>
-            </a:r>
-            <a:r>
-              <a:rPr lang="de-DE" dirty="0"/>
-              <a:t>": </a:t>
-            </a:r>
-            <a:r>
-              <a:rPr lang="de-DE" dirty="0" err="1"/>
-              <a:t>file</a:t>
-            </a:r>
-            <a:r>
-              <a:rPr lang="de-DE" dirty="0"/>
-              <a:t> </a:t>
-            </a:r>
-            <a:r>
-              <a:rPr lang="de-DE" dirty="0" err="1"/>
-              <a:t>to</a:t>
-            </a:r>
-            <a:r>
-              <a:rPr lang="de-DE" dirty="0"/>
-              <a:t> </a:t>
-            </a:r>
-            <a:r>
-              <a:rPr lang="de-DE" dirty="0" err="1"/>
-              <a:t>read</a:t>
-            </a:r>
-            <a:r>
-              <a:rPr lang="de-DE" dirty="0"/>
-              <a:t> </a:t>
-            </a:r>
-            <a:r>
-              <a:rPr lang="de-DE" dirty="0" err="1"/>
-              <a:t>from</a:t>
-            </a:r>
-            <a:endParaRPr lang="de-DE" dirty="0"/>
-          </a:p>
-          <a:p>
-            <a:pPr lvl="2"/>
-            <a:r>
-              <a:rPr lang="de-DE" dirty="0" err="1"/>
-              <a:t>if</a:t>
-            </a:r>
-            <a:r>
-              <a:rPr lang="de-DE" dirty="0"/>
-              <a:t> </a:t>
-            </a:r>
-            <a:r>
-              <a:rPr lang="de-DE" dirty="0" err="1"/>
-              <a:t>empty</a:t>
-            </a:r>
-            <a:r>
-              <a:rPr lang="de-DE" dirty="0"/>
-              <a:t>, </a:t>
-            </a:r>
-            <a:r>
-              <a:rPr lang="de-DE" dirty="0" err="1"/>
-              <a:t>take</a:t>
-            </a:r>
-            <a:r>
-              <a:rPr lang="de-DE" dirty="0"/>
-              <a:t> </a:t>
-            </a:r>
-            <a:r>
-              <a:rPr lang="de-DE" dirty="0" err="1"/>
-              <a:t>standard</a:t>
-            </a:r>
-            <a:r>
-              <a:rPr lang="de-DE" dirty="0"/>
-              <a:t> </a:t>
-            </a:r>
-            <a:r>
-              <a:rPr lang="de-DE" dirty="0" err="1"/>
-              <a:t>cam</a:t>
-            </a:r>
-            <a:endParaRPr lang="de-DE" dirty="0"/>
           </a:p>
           <a:p>
             <a:pPr lvl="1">
@@ -23237,667 +24737,56 @@
               <a:buChar char="-"/>
             </a:pPr>
             <a:r>
-              <a:rPr lang="de-DE" smtClean="0"/>
-              <a:t>o(</a:t>
-            </a:r>
-            <a:r>
-              <a:rPr lang="de-DE" dirty="0" err="1" smtClean="0"/>
-              <a:t>utput</a:t>
-            </a:r>
-            <a:r>
-              <a:rPr lang="de-DE" dirty="0" smtClean="0"/>
-              <a:t> </a:t>
-            </a:r>
-            <a:r>
-              <a:rPr lang="de-DE" dirty="0" err="1"/>
-              <a:t>file</a:t>
-            </a:r>
-            <a:r>
-              <a:rPr lang="de-DE" dirty="0"/>
-              <a:t>)</a:t>
-            </a:r>
-          </a:p>
-          <a:p>
-            <a:pPr lvl="2"/>
-            <a:r>
-              <a:rPr lang="de-DE" dirty="0"/>
-              <a:t>arg: "</a:t>
-            </a:r>
-            <a:r>
-              <a:rPr lang="de-DE" dirty="0" err="1"/>
-              <a:t>file</a:t>
-            </a:r>
-            <a:r>
-              <a:rPr lang="de-DE" dirty="0"/>
-              <a:t> </a:t>
-            </a:r>
-            <a:r>
-              <a:rPr lang="de-DE" dirty="0" err="1"/>
-              <a:t>name</a:t>
-            </a:r>
-            <a:r>
-              <a:rPr lang="de-DE" dirty="0"/>
-              <a:t>": </a:t>
-            </a:r>
-            <a:r>
-              <a:rPr lang="de-DE" dirty="0" err="1"/>
-              <a:t>file</a:t>
-            </a:r>
-            <a:r>
-              <a:rPr lang="de-DE" dirty="0"/>
-              <a:t> </a:t>
-            </a:r>
-            <a:r>
-              <a:rPr lang="de-DE" dirty="0" err="1"/>
-              <a:t>to</a:t>
-            </a:r>
-            <a:r>
-              <a:rPr lang="de-DE" dirty="0"/>
-              <a:t> </a:t>
-            </a:r>
-            <a:r>
-              <a:rPr lang="de-DE" dirty="0" err="1"/>
-              <a:t>write</a:t>
-            </a:r>
-            <a:r>
-              <a:rPr lang="de-DE" dirty="0"/>
-              <a:t> </a:t>
-            </a:r>
-            <a:r>
-              <a:rPr lang="de-DE" dirty="0" err="1"/>
-              <a:t>to</a:t>
-            </a:r>
-            <a:endParaRPr lang="de-DE" dirty="0"/>
-          </a:p>
-          <a:p>
-            <a:pPr lvl="1">
-              <a:buFont typeface="Arial" panose="020B0604020202020204" pitchFamily="34" charset="0"/>
-              <a:buChar char="-"/>
-            </a:pPr>
-            <a:r>
-              <a:rPr lang="de-DE" dirty="0">
-                <a:solidFill>
-                  <a:srgbClr val="FF0000"/>
-                </a:solidFill>
-              </a:rPr>
-              <a:t>q(</a:t>
-            </a:r>
-            <a:r>
-              <a:rPr lang="de-DE" dirty="0" err="1">
-                <a:solidFill>
-                  <a:srgbClr val="FF0000"/>
-                </a:solidFill>
-              </a:rPr>
-              <a:t>uiet</a:t>
-            </a:r>
-            <a:r>
-              <a:rPr lang="de-DE" dirty="0">
-                <a:solidFill>
-                  <a:srgbClr val="FF0000"/>
-                </a:solidFill>
-              </a:rPr>
-              <a:t>)</a:t>
-            </a:r>
-          </a:p>
-          <a:p>
-            <a:pPr lvl="2"/>
-            <a:r>
-              <a:rPr lang="de-DE" dirty="0" err="1">
-                <a:solidFill>
-                  <a:srgbClr val="FF0000"/>
-                </a:solidFill>
-              </a:rPr>
-              <a:t>no</a:t>
-            </a:r>
-            <a:r>
-              <a:rPr lang="de-DE" dirty="0">
-                <a:solidFill>
-                  <a:srgbClr val="FF0000"/>
-                </a:solidFill>
-              </a:rPr>
-              <a:t> arg, </a:t>
-            </a:r>
-            <a:r>
-              <a:rPr lang="de-DE" dirty="0" err="1">
-                <a:solidFill>
-                  <a:srgbClr val="FF0000"/>
-                </a:solidFill>
-              </a:rPr>
-              <a:t>take</a:t>
-            </a:r>
-            <a:r>
-              <a:rPr lang="de-DE" dirty="0">
-                <a:solidFill>
-                  <a:srgbClr val="FF0000"/>
-                </a:solidFill>
-              </a:rPr>
-              <a:t> </a:t>
-            </a:r>
-            <a:r>
-              <a:rPr lang="de-DE" dirty="0" err="1">
-                <a:solidFill>
-                  <a:srgbClr val="FF0000"/>
-                </a:solidFill>
-              </a:rPr>
-              <a:t>standard</a:t>
-            </a:r>
-            <a:r>
-              <a:rPr lang="de-DE" dirty="0">
-                <a:solidFill>
-                  <a:srgbClr val="FF0000"/>
-                </a:solidFill>
-              </a:rPr>
-              <a:t> </a:t>
-            </a:r>
-            <a:r>
-              <a:rPr lang="de-DE" dirty="0" err="1">
-                <a:solidFill>
-                  <a:srgbClr val="FF0000"/>
-                </a:solidFill>
-              </a:rPr>
-              <a:t>arguments</a:t>
-            </a:r>
-            <a:r>
-              <a:rPr lang="de-DE" dirty="0">
-                <a:solidFill>
-                  <a:srgbClr val="FF0000"/>
-                </a:solidFill>
-              </a:rPr>
-              <a:t> </a:t>
-            </a:r>
-            <a:r>
-              <a:rPr lang="de-DE" dirty="0" err="1">
-                <a:solidFill>
-                  <a:srgbClr val="FF0000"/>
-                </a:solidFill>
-              </a:rPr>
-              <a:t>without</a:t>
-            </a:r>
-            <a:r>
-              <a:rPr lang="de-DE" dirty="0">
-                <a:solidFill>
-                  <a:srgbClr val="FF0000"/>
-                </a:solidFill>
-              </a:rPr>
-              <a:t> </a:t>
-            </a:r>
-            <a:r>
-              <a:rPr lang="de-DE" dirty="0" err="1">
-                <a:solidFill>
-                  <a:srgbClr val="FF0000"/>
-                </a:solidFill>
-              </a:rPr>
-              <a:t>asking</a:t>
-            </a:r>
-            <a:r>
-              <a:rPr lang="de-DE" dirty="0">
-                <a:solidFill>
-                  <a:srgbClr val="FF0000"/>
-                </a:solidFill>
-              </a:rPr>
-              <a:t> </a:t>
-            </a:r>
-            <a:r>
-              <a:rPr lang="de-DE" dirty="0" err="1">
-                <a:solidFill>
-                  <a:srgbClr val="FF0000"/>
-                </a:solidFill>
-              </a:rPr>
-              <a:t>for</a:t>
-            </a:r>
-            <a:r>
-              <a:rPr lang="de-DE" dirty="0">
-                <a:solidFill>
-                  <a:srgbClr val="FF0000"/>
-                </a:solidFill>
-              </a:rPr>
-              <a:t> </a:t>
-            </a:r>
-            <a:r>
-              <a:rPr lang="de-DE" dirty="0" err="1">
-                <a:solidFill>
-                  <a:srgbClr val="FF0000"/>
-                </a:solidFill>
-              </a:rPr>
-              <a:t>user</a:t>
-            </a:r>
-            <a:r>
-              <a:rPr lang="de-DE" dirty="0">
-                <a:solidFill>
-                  <a:srgbClr val="FF0000"/>
-                </a:solidFill>
-              </a:rPr>
-              <a:t> </a:t>
-            </a:r>
-            <a:r>
-              <a:rPr lang="de-DE" dirty="0" err="1">
-                <a:solidFill>
-                  <a:srgbClr val="FF0000"/>
-                </a:solidFill>
-              </a:rPr>
-              <a:t>input</a:t>
-            </a:r>
-            <a:r>
-              <a:rPr lang="de-DE" dirty="0">
-                <a:solidFill>
-                  <a:srgbClr val="FF0000"/>
-                </a:solidFill>
-              </a:rPr>
-              <a:t>, e.g. </a:t>
-            </a:r>
-            <a:r>
-              <a:rPr lang="de-DE" dirty="0" err="1">
-                <a:solidFill>
-                  <a:srgbClr val="FF0000"/>
-                </a:solidFill>
-              </a:rPr>
-              <a:t>pre-selected</a:t>
-            </a:r>
-            <a:r>
-              <a:rPr lang="de-DE" dirty="0">
-                <a:solidFill>
-                  <a:srgbClr val="FF0000"/>
-                </a:solidFill>
-              </a:rPr>
-              <a:t> </a:t>
-            </a:r>
-            <a:r>
-              <a:rPr lang="de-DE" dirty="0" err="1">
-                <a:solidFill>
-                  <a:srgbClr val="FF0000"/>
-                </a:solidFill>
-              </a:rPr>
-              <a:t>items</a:t>
-            </a:r>
-            <a:r>
-              <a:rPr lang="de-DE" dirty="0">
-                <a:solidFill>
-                  <a:srgbClr val="FF0000"/>
-                </a:solidFill>
-              </a:rPr>
-              <a:t> in pick </a:t>
-            </a:r>
-            <a:r>
-              <a:rPr lang="de-DE" dirty="0" err="1">
-                <a:solidFill>
-                  <a:srgbClr val="FF0000"/>
-                </a:solidFill>
-              </a:rPr>
-              <a:t>lists</a:t>
-            </a:r>
-            <a:endParaRPr lang="de-DE" dirty="0">
-              <a:solidFill>
-                <a:srgbClr val="FF0000"/>
-              </a:solidFill>
-            </a:endParaRPr>
-          </a:p>
-          <a:p>
-            <a:pPr lvl="1">
-              <a:buFont typeface="Arial" panose="020B0604020202020204" pitchFamily="34" charset="0"/>
-              <a:buChar char="-"/>
-            </a:pPr>
-            <a:r>
-              <a:rPr lang="de-DE" dirty="0"/>
-              <a:t>r(</a:t>
-            </a:r>
-            <a:r>
-              <a:rPr lang="de-DE" dirty="0" err="1"/>
-              <a:t>ate</a:t>
-            </a:r>
-            <a:r>
-              <a:rPr lang="de-DE" dirty="0"/>
-              <a:t>)</a:t>
-            </a:r>
-          </a:p>
-          <a:p>
-            <a:pPr lvl="2"/>
-            <a:r>
-              <a:rPr lang="de-DE" dirty="0">
-                <a:solidFill>
-                  <a:srgbClr val="FF0000"/>
-                </a:solidFill>
-              </a:rPr>
-              <a:t>not </a:t>
-            </a:r>
-            <a:r>
-              <a:rPr lang="de-DE" dirty="0" err="1">
-                <a:solidFill>
-                  <a:srgbClr val="FF0000"/>
-                </a:solidFill>
-              </a:rPr>
-              <a:t>yet</a:t>
-            </a:r>
-            <a:r>
-              <a:rPr lang="de-DE" dirty="0">
-                <a:solidFill>
-                  <a:srgbClr val="FF0000"/>
-                </a:solidFill>
-              </a:rPr>
-              <a:t> </a:t>
-            </a:r>
-            <a:r>
-              <a:rPr lang="de-DE" dirty="0" err="1">
-                <a:solidFill>
-                  <a:srgbClr val="FF0000"/>
-                </a:solidFill>
-              </a:rPr>
-              <a:t>implemented</a:t>
-            </a:r>
-            <a:endParaRPr lang="de-DE" dirty="0">
-              <a:solidFill>
-                <a:srgbClr val="FF0000"/>
-              </a:solidFill>
-            </a:endParaRPr>
-          </a:p>
-          <a:p>
-            <a:pPr lvl="2"/>
-            <a:r>
-              <a:rPr lang="de-DE" dirty="0"/>
-              <a:t>arg: "</a:t>
-            </a:r>
-            <a:r>
-              <a:rPr lang="de-DE" dirty="0" err="1"/>
-              <a:t>fps</a:t>
-            </a:r>
-            <a:r>
-              <a:rPr lang="de-DE" dirty="0"/>
-              <a:t>" </a:t>
-            </a:r>
-            <a:r>
-              <a:rPr lang="de-DE" dirty="0" err="1"/>
-              <a:t>frames</a:t>
-            </a:r>
-            <a:r>
-              <a:rPr lang="de-DE" dirty="0"/>
-              <a:t> per </a:t>
-            </a:r>
-            <a:r>
-              <a:rPr lang="de-DE" dirty="0" err="1"/>
-              <a:t>second</a:t>
-            </a:r>
-            <a:r>
-              <a:rPr lang="de-DE" dirty="0"/>
-              <a:t> </a:t>
-            </a:r>
-            <a:r>
-              <a:rPr lang="de-DE" dirty="0" err="1"/>
-              <a:t>for</a:t>
-            </a:r>
-            <a:r>
-              <a:rPr lang="de-DE" dirty="0"/>
-              <a:t> </a:t>
-            </a:r>
-            <a:r>
-              <a:rPr lang="de-DE" dirty="0" err="1"/>
-              <a:t>video</a:t>
-            </a:r>
-            <a:r>
-              <a:rPr lang="de-DE" dirty="0"/>
-              <a:t> </a:t>
-            </a:r>
-            <a:r>
-              <a:rPr lang="de-DE" dirty="0" err="1"/>
-              <a:t>device</a:t>
-            </a:r>
-            <a:endParaRPr lang="de-DE" dirty="0"/>
+              <a:rPr lang="de-DE" dirty="0" err="1" smtClean="0"/>
+              <a:t>store</a:t>
+            </a:r>
+            <a:r>
+              <a:rPr lang="de-DE" dirty="0" smtClean="0"/>
+              <a:t> </a:t>
+            </a:r>
+            <a:r>
+              <a:rPr lang="de-DE" dirty="0" err="1" smtClean="0"/>
+              <a:t>and</a:t>
+            </a:r>
+            <a:r>
+              <a:rPr lang="de-DE" dirty="0" smtClean="0"/>
+              <a:t> </a:t>
+            </a:r>
+            <a:r>
+              <a:rPr lang="de-DE" dirty="0" err="1" smtClean="0"/>
+              <a:t>retrieve</a:t>
+            </a:r>
+            <a:r>
+              <a:rPr lang="de-DE" dirty="0" smtClean="0"/>
+              <a:t> </a:t>
+            </a:r>
+            <a:r>
+              <a:rPr lang="de-DE" dirty="0" err="1" smtClean="0"/>
+              <a:t>data</a:t>
+            </a:r>
+            <a:endParaRPr lang="de-DE" dirty="0" smtClean="0"/>
           </a:p>
           <a:p>
             <a:pPr lvl="1">
               <a:buFont typeface="Calibri" panose="020F0502020204030204" pitchFamily="34" charset="0"/>
               <a:buChar char="-"/>
             </a:pPr>
-            <a:r>
-              <a:rPr lang="de-DE" dirty="0"/>
-              <a:t>v(</a:t>
-            </a:r>
-            <a:r>
-              <a:rPr lang="de-DE" dirty="0" err="1"/>
-              <a:t>ideo</a:t>
-            </a:r>
-            <a:r>
-              <a:rPr lang="de-DE" dirty="0"/>
-              <a:t> </a:t>
-            </a:r>
-            <a:r>
-              <a:rPr lang="de-DE" dirty="0" err="1"/>
-              <a:t>size</a:t>
-            </a:r>
-            <a:r>
-              <a:rPr lang="de-DE" dirty="0"/>
-              <a:t>)</a:t>
-            </a:r>
-          </a:p>
-          <a:p>
-            <a:pPr lvl="2">
-              <a:buFont typeface="Calibri" panose="020F0502020204030204" pitchFamily="34" charset="0"/>
-              <a:buChar char="-"/>
-            </a:pPr>
-            <a:r>
-              <a:rPr lang="de-DE" dirty="0">
-                <a:solidFill>
-                  <a:srgbClr val="FF0000"/>
-                </a:solidFill>
-              </a:rPr>
-              <a:t>arg: "0" </a:t>
-            </a:r>
-            <a:r>
-              <a:rPr lang="de-DE" dirty="0" err="1">
-                <a:solidFill>
-                  <a:srgbClr val="FF0000"/>
-                </a:solidFill>
-              </a:rPr>
-              <a:t>frame</a:t>
-            </a:r>
-            <a:r>
-              <a:rPr lang="de-DE" dirty="0">
-                <a:solidFill>
-                  <a:srgbClr val="FF0000"/>
-                </a:solidFill>
-              </a:rPr>
-              <a:t> </a:t>
-            </a:r>
-            <a:r>
-              <a:rPr lang="de-DE" dirty="0" err="1">
-                <a:solidFill>
-                  <a:srgbClr val="FF0000"/>
-                </a:solidFill>
-              </a:rPr>
-              <a:t>size</a:t>
-            </a:r>
-            <a:r>
-              <a:rPr lang="de-DE" dirty="0">
-                <a:solidFill>
-                  <a:srgbClr val="FF0000"/>
-                </a:solidFill>
-              </a:rPr>
-              <a:t> - </a:t>
-            </a:r>
-            <a:r>
-              <a:rPr lang="de-DE" dirty="0" err="1">
-                <a:solidFill>
-                  <a:srgbClr val="FF0000"/>
-                </a:solidFill>
-              </a:rPr>
-              <a:t>number</a:t>
-            </a:r>
-            <a:r>
-              <a:rPr lang="de-DE" dirty="0">
-                <a:solidFill>
-                  <a:srgbClr val="FF0000"/>
-                </a:solidFill>
-              </a:rPr>
-              <a:t> </a:t>
-            </a:r>
-            <a:r>
-              <a:rPr lang="de-DE" dirty="0" err="1">
-                <a:solidFill>
-                  <a:srgbClr val="FF0000"/>
-                </a:solidFill>
-              </a:rPr>
-              <a:t>of</a:t>
-            </a:r>
-            <a:r>
-              <a:rPr lang="de-DE" dirty="0">
-                <a:solidFill>
-                  <a:srgbClr val="FF0000"/>
-                </a:solidFill>
-              </a:rPr>
-              <a:t> </a:t>
-            </a:r>
-            <a:r>
-              <a:rPr lang="de-DE" dirty="0" err="1">
-                <a:solidFill>
-                  <a:srgbClr val="FF0000"/>
-                </a:solidFill>
-              </a:rPr>
-              <a:t>size</a:t>
-            </a:r>
-            <a:r>
-              <a:rPr lang="de-DE" dirty="0">
-                <a:solidFill>
-                  <a:srgbClr val="FF0000"/>
-                </a:solidFill>
-              </a:rPr>
-              <a:t> in </a:t>
-            </a:r>
-            <a:r>
-              <a:rPr lang="de-DE" dirty="0" err="1">
-                <a:solidFill>
-                  <a:srgbClr val="FF0000"/>
-                </a:solidFill>
-              </a:rPr>
-              <a:t>pick_list</a:t>
-            </a:r>
-            <a:r>
-              <a:rPr lang="de-DE" dirty="0">
-                <a:solidFill>
-                  <a:srgbClr val="FF0000"/>
-                </a:solidFill>
-              </a:rPr>
-              <a:t> (e.g. 0 -&gt; 320x240)</a:t>
-            </a:r>
-          </a:p>
-          <a:p>
-            <a:pPr lvl="1">
-              <a:buFont typeface="Calibri" panose="020F0502020204030204" pitchFamily="34" charset="0"/>
-              <a:buChar char="-"/>
-            </a:pPr>
-            <a:r>
-              <a:rPr lang="de-DE" dirty="0" err="1"/>
-              <a:t>if</a:t>
-            </a:r>
-            <a:r>
-              <a:rPr lang="de-DE" dirty="0"/>
-              <a:t> </a:t>
-            </a:r>
-            <a:r>
-              <a:rPr lang="de-DE" dirty="0" err="1"/>
-              <a:t>the</a:t>
-            </a:r>
-            <a:r>
-              <a:rPr lang="de-DE" dirty="0"/>
-              <a:t> same </a:t>
-            </a:r>
-            <a:r>
-              <a:rPr lang="de-DE" dirty="0" err="1"/>
-              <a:t>option</a:t>
-            </a:r>
-            <a:r>
-              <a:rPr lang="de-DE" dirty="0"/>
-              <a:t> </a:t>
-            </a:r>
-            <a:r>
-              <a:rPr lang="de-DE" dirty="0" err="1"/>
-              <a:t>occurs</a:t>
-            </a:r>
-            <a:r>
-              <a:rPr lang="de-DE" dirty="0"/>
-              <a:t> </a:t>
-            </a:r>
-            <a:r>
-              <a:rPr lang="de-DE" dirty="0" err="1"/>
-              <a:t>more</a:t>
-            </a:r>
-            <a:r>
-              <a:rPr lang="de-DE" dirty="0"/>
-              <a:t> </a:t>
-            </a:r>
-            <a:r>
-              <a:rPr lang="de-DE" dirty="0" err="1"/>
-              <a:t>than</a:t>
-            </a:r>
-            <a:r>
-              <a:rPr lang="de-DE" dirty="0"/>
-              <a:t> </a:t>
-            </a:r>
-            <a:r>
-              <a:rPr lang="de-DE" dirty="0" err="1"/>
-              <a:t>once</a:t>
-            </a:r>
-            <a:r>
-              <a:rPr lang="de-DE" dirty="0"/>
-              <a:t>, </a:t>
-            </a:r>
-            <a:r>
-              <a:rPr lang="de-DE" dirty="0" err="1"/>
-              <a:t>the</a:t>
-            </a:r>
-            <a:r>
-              <a:rPr lang="de-DE" dirty="0"/>
-              <a:t> </a:t>
-            </a:r>
-            <a:r>
-              <a:rPr lang="de-DE" dirty="0" err="1"/>
-              <a:t>first</a:t>
-            </a:r>
-            <a:r>
-              <a:rPr lang="de-DE" dirty="0"/>
-              <a:t> </a:t>
-            </a:r>
-            <a:r>
-              <a:rPr lang="de-DE" dirty="0" err="1"/>
-              <a:t>option</a:t>
-            </a:r>
-            <a:r>
-              <a:rPr lang="de-DE" dirty="0"/>
-              <a:t> (</a:t>
-            </a:r>
-            <a:r>
-              <a:rPr lang="de-DE" dirty="0" err="1"/>
-              <a:t>and</a:t>
-            </a:r>
-            <a:r>
-              <a:rPr lang="de-DE" dirty="0"/>
-              <a:t> </a:t>
-            </a:r>
-            <a:r>
-              <a:rPr lang="de-DE" dirty="0" err="1"/>
-              <a:t>opt</a:t>
-            </a:r>
-            <a:r>
-              <a:rPr lang="de-DE" dirty="0"/>
-              <a:t> arg) </a:t>
-            </a:r>
-            <a:r>
-              <a:rPr lang="de-DE" dirty="0" err="1"/>
-              <a:t>is</a:t>
-            </a:r>
-            <a:r>
-              <a:rPr lang="de-DE" dirty="0"/>
-              <a:t> </a:t>
-            </a:r>
-            <a:r>
-              <a:rPr lang="de-DE" dirty="0" err="1" smtClean="0"/>
-              <a:t>taken</a:t>
-            </a:r>
+            <a:endParaRPr lang="de-DE" dirty="0"/>
+          </a:p>
+          <a:p>
+            <a:pPr lvl="1"/>
             <a:endParaRPr lang="de-DE" dirty="0" smtClean="0"/>
+          </a:p>
+          <a:p>
+            <a:pPr lvl="2"/>
+            <a:endParaRPr lang="de-DE" dirty="0"/>
           </a:p>
         </p:txBody>
       </p:sp>
     </p:spTree>
     <p:extLst>
       <p:ext uri="{BB962C8B-B14F-4D97-AF65-F5344CB8AC3E}">
-        <p14:creationId xmlns:p14="http://schemas.microsoft.com/office/powerpoint/2010/main" val="2481677440"/>
+        <p14:creationId xmlns:p14="http://schemas.microsoft.com/office/powerpoint/2010/main" val="3700887437"/>
       </p:ext>
     </p:extLst>
   </p:cSld>
@@ -23941,11 +24830,11 @@
           <a:p>
             <a:r>
               <a:rPr lang="de-DE" dirty="0" err="1" smtClean="0"/>
-              <a:t>Config</a:t>
-            </a:r>
-            <a:r>
-              <a:rPr lang="de-DE" dirty="0" smtClean="0"/>
-              <a:t> - Test Cases</a:t>
+              <a:t>FrameHandling</a:t>
+            </a:r>
+            <a:r>
+              <a:rPr lang="de-DE" dirty="0" smtClean="0"/>
+              <a:t> </a:t>
             </a:r>
             <a:endParaRPr lang="de-DE" dirty="0"/>
           </a:p>
@@ -23954,362 +24843,159 @@
       <p:sp>
         <p:nvSpPr>
           <p:cNvPr id="3" name="Inhaltsplatzhalter 2"/>
-          <p:cNvSpPr txBox="1">
-            <a:spLocks/>
+          <p:cNvSpPr>
+            <a:spLocks noGrp="1"/>
           </p:cNvSpPr>
-          <p:nvPr/>
+          <p:nvPr>
+            <p:ph idx="1"/>
+          </p:nvPr>
         </p:nvSpPr>
-        <p:spPr>
-          <a:xfrm>
-            <a:off x="457200" y="836712"/>
-            <a:ext cx="8229600" cy="5289451"/>
-          </a:xfrm>
-          <a:prstGeom prst="rect">
-            <a:avLst/>
-          </a:prstGeom>
-        </p:spPr>
+        <p:spPr/>
         <p:txBody>
           <a:bodyPr/>
-          <a:lstStyle>
-            <a:lvl1pPr marL="180975" indent="-180975" algn="l" defTabSz="914400" rtl="0" eaLnBrk="1" latinLnBrk="0" hangingPunct="1">
-              <a:spcBef>
-                <a:spcPts val="300"/>
-              </a:spcBef>
+          <a:lstStyle/>
+          <a:p>
+            <a:pPr>
               <a:buFont typeface="Wingdings" panose="05000000000000000000" pitchFamily="2" charset="2"/>
               <a:buChar char="§"/>
-              <a:defRPr lang="de-DE" sz="1200" kern="1200" baseline="0" dirty="0" smtClean="0">
-                <a:solidFill>
-                  <a:schemeClr val="tx1"/>
-                </a:solidFill>
-                <a:latin typeface="Arial" panose="020B0604020202020204" pitchFamily="34" charset="0"/>
-                <a:ea typeface="+mn-ea"/>
-                <a:cs typeface="Arial" panose="020B0604020202020204" pitchFamily="34" charset="0"/>
-              </a:defRPr>
-            </a:lvl1pPr>
-            <a:lvl2pPr marL="447675" indent="-180975" algn="l" defTabSz="914400" rtl="0" eaLnBrk="1" latinLnBrk="0" hangingPunct="1">
-              <a:spcBef>
-                <a:spcPts val="300"/>
-              </a:spcBef>
-              <a:buFont typeface="Wingdings" panose="05000000000000000000" pitchFamily="2" charset="2"/>
-              <a:buChar char="§"/>
-              <a:defRPr lang="de-DE" sz="1000" kern="1200" baseline="0" dirty="0" smtClean="0">
-                <a:solidFill>
-                  <a:schemeClr val="tx1"/>
-                </a:solidFill>
-                <a:latin typeface="Arial" panose="020B0604020202020204" pitchFamily="34" charset="0"/>
-                <a:ea typeface="+mn-ea"/>
-                <a:cs typeface="Arial" panose="020B0604020202020204" pitchFamily="34" charset="0"/>
-              </a:defRPr>
-            </a:lvl2pPr>
-            <a:lvl3pPr marL="712788" indent="-169863" algn="l" defTabSz="914400" rtl="0" eaLnBrk="1" latinLnBrk="0" hangingPunct="1">
-              <a:spcBef>
-                <a:spcPts val="0"/>
-              </a:spcBef>
-              <a:buFont typeface="Arial" panose="020B0604020202020204" pitchFamily="34" charset="0"/>
-              <a:buChar char="-"/>
-              <a:defRPr lang="de-DE" sz="1000" kern="1200" baseline="0" dirty="0" smtClean="0">
-                <a:solidFill>
-                  <a:schemeClr val="tx1"/>
-                </a:solidFill>
-                <a:latin typeface="Arial" panose="020B0604020202020204" pitchFamily="34" charset="0"/>
-                <a:ea typeface="+mn-ea"/>
-                <a:cs typeface="Arial" panose="020B0604020202020204" pitchFamily="34" charset="0"/>
-              </a:defRPr>
-            </a:lvl3pPr>
-            <a:lvl4pPr marL="1600200" indent="-228600" algn="l" defTabSz="914400" rtl="0" eaLnBrk="1" latinLnBrk="0" hangingPunct="1">
-              <a:spcBef>
-                <a:spcPct val="20000"/>
-              </a:spcBef>
-              <a:buFont typeface="Wingdings" panose="05000000000000000000" pitchFamily="2" charset="2"/>
-              <a:buChar char="§"/>
-              <a:defRPr lang="de-DE" sz="1400" kern="1200" baseline="0" dirty="0" smtClean="0">
-                <a:solidFill>
-                  <a:schemeClr val="tx1"/>
-                </a:solidFill>
-                <a:latin typeface="Arial" panose="020B0604020202020204" pitchFamily="34" charset="0"/>
-                <a:ea typeface="+mn-ea"/>
-                <a:cs typeface="Arial" panose="020B0604020202020204" pitchFamily="34" charset="0"/>
-              </a:defRPr>
-            </a:lvl4pPr>
-            <a:lvl5pPr marL="2057400" indent="-228600" algn="l" defTabSz="914400" rtl="0" eaLnBrk="1" latinLnBrk="0" hangingPunct="1">
-              <a:spcBef>
-                <a:spcPct val="20000"/>
-              </a:spcBef>
-              <a:buFont typeface="Wingdings" panose="05000000000000000000" pitchFamily="2" charset="2"/>
-              <a:buChar char="§"/>
-              <a:defRPr lang="de-DE" sz="1400" kern="1200" baseline="0" dirty="0">
-                <a:solidFill>
-                  <a:schemeClr val="tx1"/>
-                </a:solidFill>
-                <a:latin typeface="Arial" panose="020B0604020202020204" pitchFamily="34" charset="0"/>
-                <a:ea typeface="+mn-ea"/>
-                <a:cs typeface="Arial" panose="020B0604020202020204" pitchFamily="34" charset="0"/>
-              </a:defRPr>
-            </a:lvl5pPr>
-            <a:lvl6pPr marL="2514600" indent="-228600" algn="l" defTabSz="914400" rtl="0" eaLnBrk="1" latinLnBrk="0" hangingPunct="1">
-              <a:spcBef>
-                <a:spcPct val="20000"/>
-              </a:spcBef>
-              <a:buFont typeface="Arial" panose="020B0604020202020204" pitchFamily="34" charset="0"/>
-              <a:buChar char="•"/>
-              <a:defRPr sz="2000" kern="1200">
-                <a:solidFill>
-                  <a:schemeClr val="tx1"/>
-                </a:solidFill>
-                <a:latin typeface="+mn-lt"/>
-                <a:ea typeface="+mn-ea"/>
-                <a:cs typeface="+mn-cs"/>
-              </a:defRPr>
-            </a:lvl6pPr>
-            <a:lvl7pPr marL="2971800" indent="-228600" algn="l" defTabSz="914400" rtl="0" eaLnBrk="1" latinLnBrk="0" hangingPunct="1">
-              <a:spcBef>
-                <a:spcPct val="20000"/>
-              </a:spcBef>
-              <a:buFont typeface="Arial" panose="020B0604020202020204" pitchFamily="34" charset="0"/>
-              <a:buChar char="•"/>
-              <a:defRPr sz="2000" kern="1200">
-                <a:solidFill>
-                  <a:schemeClr val="tx1"/>
-                </a:solidFill>
-                <a:latin typeface="+mn-lt"/>
-                <a:ea typeface="+mn-ea"/>
-                <a:cs typeface="+mn-cs"/>
-              </a:defRPr>
-            </a:lvl7pPr>
-            <a:lvl8pPr marL="3429000" indent="-228600" algn="l" defTabSz="914400" rtl="0" eaLnBrk="1" latinLnBrk="0" hangingPunct="1">
-              <a:spcBef>
-                <a:spcPct val="20000"/>
-              </a:spcBef>
-              <a:buFont typeface="Arial" panose="020B0604020202020204" pitchFamily="34" charset="0"/>
-              <a:buChar char="•"/>
-              <a:defRPr sz="2000" kern="1200">
-                <a:solidFill>
-                  <a:schemeClr val="tx1"/>
-                </a:solidFill>
-                <a:latin typeface="+mn-lt"/>
-                <a:ea typeface="+mn-ea"/>
-                <a:cs typeface="+mn-cs"/>
-              </a:defRPr>
-            </a:lvl8pPr>
-            <a:lvl9pPr marL="3886200" indent="-228600" algn="l" defTabSz="914400" rtl="0" eaLnBrk="1" latinLnBrk="0" hangingPunct="1">
-              <a:spcBef>
-                <a:spcPct val="20000"/>
-              </a:spcBef>
-              <a:buFont typeface="Arial" panose="020B0604020202020204" pitchFamily="34" charset="0"/>
-              <a:buChar char="•"/>
-              <a:defRPr sz="2000" kern="1200">
-                <a:solidFill>
-                  <a:schemeClr val="tx1"/>
-                </a:solidFill>
-                <a:latin typeface="+mn-lt"/>
-                <a:ea typeface="+mn-ea"/>
-                <a:cs typeface="+mn-cs"/>
-              </a:defRPr>
-            </a:lvl9pPr>
-          </a:lstStyle>
-          <a:p>
-            <a:r>
-              <a:rPr lang="de-DE" dirty="0" err="1" smtClean="0"/>
-              <a:t>program_options</a:t>
+            </a:pPr>
+            <a:r>
+              <a:rPr lang="de-DE" sz="1200" dirty="0" smtClean="0"/>
+              <a:t>Data</a:t>
+            </a:r>
+          </a:p>
+          <a:p>
+            <a:pPr lvl="1"/>
+            <a:r>
+              <a:rPr lang="de-DE" dirty="0" err="1" smtClean="0"/>
+              <a:t>capSource</a:t>
+            </a:r>
+            <a:r>
+              <a:rPr lang="de-DE" dirty="0" smtClean="0"/>
+              <a:t> (</a:t>
+            </a:r>
+            <a:r>
+              <a:rPr lang="de-DE" dirty="0" err="1" smtClean="0"/>
+              <a:t>isFromFile</a:t>
+            </a:r>
+            <a:r>
+              <a:rPr lang="de-DE" dirty="0" smtClean="0"/>
+              <a:t>, </a:t>
+            </a:r>
+            <a:r>
+              <a:rPr lang="de-DE" dirty="0" err="1" smtClean="0"/>
+              <a:t>fileName</a:t>
+            </a:r>
+            <a:r>
+              <a:rPr lang="de-DE" dirty="0" smtClean="0"/>
+              <a:t>, </a:t>
+            </a:r>
+            <a:r>
+              <a:rPr lang="de-DE" dirty="0" err="1" smtClean="0"/>
+              <a:t>deviceName</a:t>
+            </a:r>
+            <a:r>
+              <a:rPr lang="de-DE" dirty="0" smtClean="0"/>
+              <a:t>)</a:t>
+            </a:r>
+          </a:p>
+          <a:p>
+            <a:pPr lvl="1"/>
+            <a:r>
+              <a:rPr lang="de-DE" dirty="0" err="1" smtClean="0"/>
+              <a:t>framesize</a:t>
             </a:r>
             <a:endParaRPr lang="de-DE" dirty="0" smtClean="0"/>
           </a:p>
           <a:p>
-            <a:pPr lvl="1">
-              <a:buFont typeface="Arial" panose="020B0604020202020204" pitchFamily="34" charset="0"/>
-              <a:buChar char="-"/>
-            </a:pPr>
-            <a:r>
-              <a:rPr lang="de-DE" dirty="0" err="1" smtClean="0"/>
-              <a:t>no</a:t>
-            </a:r>
-            <a:r>
-              <a:rPr lang="de-DE" dirty="0" smtClean="0"/>
-              <a:t> </a:t>
-            </a:r>
-            <a:r>
-              <a:rPr lang="de-DE" dirty="0" err="1" smtClean="0"/>
-              <a:t>options</a:t>
+            <a:pPr lvl="1"/>
+            <a:r>
+              <a:rPr lang="de-DE" dirty="0" err="1" smtClean="0"/>
+              <a:t>region</a:t>
+            </a:r>
+            <a:r>
+              <a:rPr lang="de-DE" dirty="0" smtClean="0"/>
+              <a:t> </a:t>
+            </a:r>
+            <a:r>
+              <a:rPr lang="de-DE" dirty="0" err="1" smtClean="0"/>
+              <a:t>of</a:t>
+            </a:r>
+            <a:r>
+              <a:rPr lang="de-DE" dirty="0" smtClean="0"/>
+              <a:t> </a:t>
+            </a:r>
+            <a:r>
+              <a:rPr lang="de-DE" dirty="0" err="1" smtClean="0"/>
+              <a:t>interest</a:t>
+            </a:r>
+            <a:r>
+              <a:rPr lang="de-DE" dirty="0" smtClean="0"/>
+              <a:t> (ROI)</a:t>
+            </a:r>
+          </a:p>
+          <a:p>
+            <a:pPr lvl="1"/>
+            <a:r>
+              <a:rPr lang="de-DE" dirty="0" err="1" smtClean="0"/>
+              <a:t>frame</a:t>
             </a:r>
             <a:endParaRPr lang="de-DE" dirty="0" smtClean="0"/>
           </a:p>
           <a:p>
-            <a:pPr lvl="1">
-              <a:buFont typeface="Arial" panose="020B0604020202020204" pitchFamily="34" charset="0"/>
-              <a:buChar char="-"/>
-            </a:pPr>
-            <a:r>
-              <a:rPr lang="de-DE" dirty="0" smtClean="0"/>
-              <a:t>not </a:t>
-            </a:r>
-            <a:r>
-              <a:rPr lang="de-DE" dirty="0" err="1" smtClean="0"/>
-              <a:t>specified</a:t>
-            </a:r>
-            <a:r>
-              <a:rPr lang="de-DE" dirty="0" smtClean="0"/>
-              <a:t> </a:t>
-            </a:r>
-            <a:r>
-              <a:rPr lang="de-DE" dirty="0" err="1" smtClean="0"/>
-              <a:t>options</a:t>
-            </a:r>
-            <a:r>
-              <a:rPr lang="de-DE" dirty="0" smtClean="0"/>
-              <a:t> </a:t>
-            </a:r>
-            <a:r>
-              <a:rPr lang="de-DE" dirty="0" smtClean="0">
-                <a:sym typeface="Wingdings" panose="05000000000000000000" pitchFamily="2" charset="2"/>
-              </a:rPr>
-              <a:t> </a:t>
-            </a:r>
-            <a:r>
-              <a:rPr lang="de-DE" dirty="0" err="1" smtClean="0">
-                <a:sym typeface="Wingdings" panose="05000000000000000000" pitchFamily="2" charset="2"/>
-              </a:rPr>
-              <a:t>are</a:t>
-            </a:r>
-            <a:r>
-              <a:rPr lang="de-DE" dirty="0" smtClean="0">
-                <a:sym typeface="Wingdings" panose="05000000000000000000" pitchFamily="2" charset="2"/>
-              </a:rPr>
-              <a:t> not </a:t>
-            </a:r>
-            <a:r>
-              <a:rPr lang="de-DE" dirty="0" err="1" smtClean="0">
-                <a:sym typeface="Wingdings" panose="05000000000000000000" pitchFamily="2" charset="2"/>
-              </a:rPr>
-              <a:t>considered</a:t>
-            </a:r>
-            <a:endParaRPr lang="de-DE" dirty="0" smtClean="0">
-              <a:sym typeface="Wingdings" panose="05000000000000000000" pitchFamily="2" charset="2"/>
-            </a:endParaRPr>
-          </a:p>
-          <a:p>
-            <a:pPr lvl="1">
-              <a:buFont typeface="Arial" panose="020B0604020202020204" pitchFamily="34" charset="0"/>
-              <a:buChar char="-"/>
-            </a:pPr>
-            <a:r>
-              <a:rPr lang="de-DE" dirty="0" err="1" smtClean="0"/>
-              <a:t>opt</a:t>
-            </a:r>
-            <a:r>
-              <a:rPr lang="de-DE" dirty="0" smtClean="0"/>
-              <a:t> </a:t>
-            </a:r>
-            <a:r>
-              <a:rPr lang="de-DE" dirty="0" err="1" smtClean="0"/>
-              <a:t>arguments</a:t>
-            </a:r>
+            <a:pPr lvl="1"/>
+            <a:r>
+              <a:rPr lang="de-DE" dirty="0" err="1" smtClean="0"/>
+              <a:t>roi_blobs</a:t>
+            </a:r>
+            <a:endParaRPr lang="de-DE" dirty="0" smtClean="0"/>
+          </a:p>
+          <a:p>
+            <a:r>
+              <a:rPr lang="de-DE" dirty="0" err="1" smtClean="0"/>
+              <a:t>Functions</a:t>
+            </a:r>
+            <a:endParaRPr lang="de-DE" dirty="0" smtClean="0"/>
+          </a:p>
+          <a:p>
+            <a:pPr lvl="1"/>
+            <a:r>
+              <a:rPr lang="de-DE" dirty="0" err="1" smtClean="0"/>
+              <a:t>applyROI</a:t>
+            </a:r>
+            <a:endParaRPr lang="de-DE" dirty="0" smtClean="0"/>
+          </a:p>
+          <a:p>
+            <a:pPr lvl="1"/>
+            <a:r>
+              <a:rPr lang="de-DE" dirty="0" err="1" smtClean="0"/>
+              <a:t>segmentFrame</a:t>
+            </a:r>
+            <a:endParaRPr lang="de-DE" dirty="0" smtClean="0"/>
+          </a:p>
+          <a:p>
+            <a:pPr lvl="1"/>
+            <a:r>
+              <a:rPr lang="de-DE" dirty="0" err="1" smtClean="0"/>
+              <a:t>findBlobs</a:t>
+            </a:r>
+            <a:endParaRPr lang="de-DE" dirty="0" smtClean="0"/>
+          </a:p>
+          <a:p>
+            <a:pPr lvl="1"/>
+            <a:r>
+              <a:rPr lang="de-DE" dirty="0" err="1" smtClean="0"/>
+              <a:t>showFrame</a:t>
+            </a:r>
+            <a:endParaRPr lang="de-DE" dirty="0" smtClean="0"/>
+          </a:p>
+          <a:p>
+            <a:pPr lvl="2"/>
+            <a:endParaRPr lang="de-DE" dirty="0" smtClean="0"/>
+          </a:p>
+          <a:p>
+            <a:pPr lvl="1"/>
             <a:endParaRPr lang="de-DE" dirty="0"/>
-          </a:p>
-          <a:p>
-            <a:r>
-              <a:rPr lang="de-DE" dirty="0" err="1" smtClean="0"/>
-              <a:t>config</a:t>
-            </a:r>
-            <a:endParaRPr lang="de-DE" dirty="0" smtClean="0"/>
-          </a:p>
-          <a:p>
-            <a:pPr lvl="1">
-              <a:buFont typeface="Calibri" panose="020F0502020204030204" pitchFamily="34" charset="0"/>
-              <a:buChar char="-"/>
-            </a:pPr>
-            <a:r>
-              <a:rPr lang="de-DE" dirty="0" smtClean="0"/>
-              <a:t>check /</a:t>
-            </a:r>
-            <a:r>
-              <a:rPr lang="de-DE" dirty="0" err="1" smtClean="0"/>
-              <a:t>home</a:t>
-            </a:r>
-            <a:endParaRPr lang="de-DE" dirty="0" smtClean="0"/>
-          </a:p>
-          <a:p>
-            <a:pPr lvl="1">
-              <a:buFont typeface="Calibri" panose="020F0502020204030204" pitchFamily="34" charset="0"/>
-              <a:buChar char="-"/>
-            </a:pPr>
-            <a:r>
-              <a:rPr lang="de-DE" dirty="0" err="1" smtClean="0"/>
-              <a:t>create</a:t>
-            </a:r>
-            <a:r>
-              <a:rPr lang="de-DE" dirty="0" smtClean="0"/>
-              <a:t> </a:t>
-            </a:r>
-            <a:r>
-              <a:rPr lang="de-DE" dirty="0" err="1" smtClean="0"/>
-              <a:t>config</a:t>
-            </a:r>
-            <a:r>
-              <a:rPr lang="de-DE" dirty="0" smtClean="0"/>
-              <a:t> </a:t>
-            </a:r>
-            <a:r>
-              <a:rPr lang="de-DE" dirty="0" err="1" smtClean="0"/>
-              <a:t>file</a:t>
-            </a:r>
-            <a:r>
-              <a:rPr lang="de-DE" dirty="0" smtClean="0"/>
-              <a:t> (</a:t>
-            </a:r>
-            <a:r>
-              <a:rPr lang="de-DE" dirty="0" err="1" smtClean="0"/>
-              <a:t>sqlite</a:t>
-            </a:r>
-            <a:r>
-              <a:rPr lang="de-DE" dirty="0" smtClean="0"/>
-              <a:t>)</a:t>
-            </a:r>
-          </a:p>
-          <a:p>
-            <a:pPr lvl="1">
-              <a:buFont typeface="Calibri" panose="020F0502020204030204" pitchFamily="34" charset="0"/>
-              <a:buChar char="-"/>
-            </a:pPr>
-            <a:r>
-              <a:rPr lang="de-DE" dirty="0" err="1" smtClean="0"/>
-              <a:t>store</a:t>
-            </a:r>
-            <a:r>
-              <a:rPr lang="de-DE" dirty="0" smtClean="0"/>
-              <a:t> </a:t>
-            </a:r>
-            <a:r>
-              <a:rPr lang="de-DE" dirty="0" err="1" smtClean="0"/>
-              <a:t>and</a:t>
-            </a:r>
-            <a:r>
-              <a:rPr lang="de-DE" dirty="0" smtClean="0"/>
-              <a:t> </a:t>
-            </a:r>
-            <a:r>
-              <a:rPr lang="de-DE" dirty="0" err="1" smtClean="0"/>
-              <a:t>retrieve</a:t>
-            </a:r>
-            <a:r>
-              <a:rPr lang="de-DE" dirty="0" smtClean="0"/>
-              <a:t> </a:t>
-            </a:r>
-            <a:r>
-              <a:rPr lang="de-DE" dirty="0" err="1" smtClean="0"/>
-              <a:t>data</a:t>
-            </a:r>
-            <a:endParaRPr lang="de-DE" dirty="0" smtClean="0"/>
-          </a:p>
-          <a:p>
-            <a:pPr lvl="1">
-              <a:buFont typeface="Calibri" panose="020F0502020204030204" pitchFamily="34" charset="0"/>
-              <a:buChar char="-"/>
-            </a:pPr>
-            <a:endParaRPr lang="de-DE" dirty="0"/>
-          </a:p>
-          <a:p>
-            <a:pPr lvl="1"/>
-            <a:endParaRPr lang="de-DE" dirty="0" smtClean="0"/>
           </a:p>
           <a:p>
             <a:pPr lvl="2"/>
@@ -24320,13 +25006,20 @@
     </p:spTree>
     <p:extLst>
       <p:ext uri="{BB962C8B-B14F-4D97-AF65-F5344CB8AC3E}">
-        <p14:creationId xmlns:p14="http://schemas.microsoft.com/office/powerpoint/2010/main" val="3700887437"/>
+        <p14:creationId xmlns:p14="http://schemas.microsoft.com/office/powerpoint/2010/main" val="1995332017"/>
       </p:ext>
     </p:extLst>
   </p:cSld>
   <p:clrMapOvr>
     <a:masterClrMapping/>
   </p:clrMapOvr>
+  <p:timing>
+    <p:tnLst>
+      <p:par>
+        <p:cTn id="1" dur="indefinite" restart="never" nodeType="tmRoot"/>
+      </p:par>
+    </p:tnLst>
+  </p:timing>
 </p:sld>
 </file>
 
@@ -24363,8 +25056,48 @@
           <a:lstStyle/>
           <a:p>
             <a:r>
-              <a:rPr lang="de-DE" dirty="0" err="1"/>
-              <a:t>FrameHandling</a:t>
+              <a:rPr lang="de-DE" dirty="0" err="1" smtClean="0"/>
+              <a:t>frame_handler</a:t>
+            </a:r>
+            <a:r>
+              <a:rPr lang="de-DE" dirty="0" smtClean="0"/>
+              <a:t>: </a:t>
+            </a:r>
+            <a:r>
+              <a:rPr lang="de-DE" dirty="0" err="1" smtClean="0"/>
+              <a:t>text</a:t>
+            </a:r>
+            <a:r>
+              <a:rPr lang="de-DE" dirty="0" smtClean="0"/>
+              <a:t> </a:t>
+            </a:r>
+            <a:r>
+              <a:rPr lang="de-DE" dirty="0" err="1" smtClean="0"/>
+              <a:t>column</a:t>
+            </a:r>
+            <a:r>
+              <a:rPr lang="de-DE" dirty="0" smtClean="0"/>
+              <a:t> </a:t>
+            </a:r>
+            <a:r>
+              <a:rPr lang="de-DE" dirty="0" err="1" smtClean="0"/>
+              <a:t>layout</a:t>
+            </a:r>
+            <a:r>
+              <a:rPr lang="de-DE" dirty="0" smtClean="0"/>
+              <a:t> </a:t>
+            </a:r>
+            <a:r>
+              <a:rPr lang="de-DE" dirty="0" err="1" smtClean="0"/>
+              <a:t>for</a:t>
+            </a:r>
+            <a:r>
+              <a:rPr lang="de-DE" dirty="0" smtClean="0"/>
+              <a:t> </a:t>
+            </a:r>
+            <a:r>
+              <a:rPr lang="de-DE" dirty="0" err="1" smtClean="0"/>
+              <a:t>inset</a:t>
             </a:r>
             <a:endParaRPr lang="de-DE" dirty="0"/>
           </a:p>
@@ -24372,171 +25105,645 @@
       </p:sp>
       <p:sp>
         <p:nvSpPr>
-          <p:cNvPr id="3" name="Inhaltsplatzhalter 2"/>
-          <p:cNvSpPr>
-            <a:spLocks noGrp="1"/>
+          <p:cNvPr id="4" name="Inhaltsplatzhalter 2"/>
+          <p:cNvSpPr txBox="1">
+            <a:spLocks/>
           </p:cNvSpPr>
-          <p:nvPr>
-            <p:ph idx="1"/>
-          </p:nvPr>
+          <p:nvPr/>
         </p:nvSpPr>
-        <p:spPr/>
+        <p:spPr>
+          <a:xfrm>
+            <a:off x="457200" y="836713"/>
+            <a:ext cx="4114800" cy="1260140"/>
+          </a:xfrm>
+          <a:prstGeom prst="rect">
+            <a:avLst/>
+          </a:prstGeom>
+        </p:spPr>
         <p:txBody>
           <a:bodyPr/>
-          <a:lstStyle/>
-          <a:p>
-            <a:pPr>
+          <a:lstStyle>
+            <a:lvl1pPr marL="180975" indent="-180975" algn="l" defTabSz="914400" rtl="0" eaLnBrk="1" latinLnBrk="0" hangingPunct="1">
+              <a:spcBef>
+                <a:spcPts val="300"/>
+              </a:spcBef>
               <a:buFont typeface="Wingdings" panose="05000000000000000000" pitchFamily="2" charset="2"/>
               <a:buChar char="§"/>
-            </a:pPr>
-            <a:r>
-              <a:rPr lang="de-DE" sz="1200" dirty="0" smtClean="0"/>
-              <a:t>Data</a:t>
-            </a:r>
-          </a:p>
-          <a:p>
-            <a:pPr lvl="1"/>
-            <a:r>
-              <a:rPr lang="de-DE" dirty="0" err="1" smtClean="0"/>
-              <a:t>capSource</a:t>
-            </a:r>
-            <a:r>
-              <a:rPr lang="de-DE" dirty="0" smtClean="0"/>
-              <a:t> (</a:t>
-            </a:r>
-            <a:r>
-              <a:rPr lang="de-DE" dirty="0" err="1" smtClean="0"/>
-              <a:t>isFromFile</a:t>
-            </a:r>
-            <a:r>
-              <a:rPr lang="de-DE" dirty="0" smtClean="0"/>
-              <a:t>, </a:t>
-            </a:r>
-            <a:r>
-              <a:rPr lang="de-DE" dirty="0" err="1" smtClean="0"/>
-              <a:t>fileName</a:t>
-            </a:r>
-            <a:r>
-              <a:rPr lang="de-DE" dirty="0" smtClean="0"/>
-              <a:t>, </a:t>
-            </a:r>
-            <a:r>
-              <a:rPr lang="de-DE" dirty="0" err="1" smtClean="0"/>
-              <a:t>deviceName</a:t>
-            </a:r>
-            <a:r>
-              <a:rPr lang="de-DE" dirty="0" smtClean="0"/>
-              <a:t>)</a:t>
-            </a:r>
-          </a:p>
-          <a:p>
-            <a:pPr lvl="1"/>
-            <a:r>
-              <a:rPr lang="de-DE" dirty="0" err="1" smtClean="0"/>
-              <a:t>framesize</a:t>
-            </a:r>
-            <a:endParaRPr lang="de-DE" dirty="0" smtClean="0"/>
-          </a:p>
-          <a:p>
-            <a:pPr lvl="1"/>
-            <a:r>
-              <a:rPr lang="de-DE" dirty="0" err="1" smtClean="0"/>
-              <a:t>region</a:t>
-            </a:r>
-            <a:r>
-              <a:rPr lang="de-DE" dirty="0" smtClean="0"/>
-              <a:t> </a:t>
-            </a:r>
-            <a:r>
-              <a:rPr lang="de-DE" dirty="0" err="1" smtClean="0"/>
-              <a:t>of</a:t>
-            </a:r>
-            <a:r>
-              <a:rPr lang="de-DE" dirty="0" smtClean="0"/>
-              <a:t> </a:t>
-            </a:r>
-            <a:r>
-              <a:rPr lang="de-DE" dirty="0" err="1" smtClean="0"/>
-              <a:t>interest</a:t>
-            </a:r>
-            <a:r>
-              <a:rPr lang="de-DE" dirty="0" smtClean="0"/>
-              <a:t> (ROI)</a:t>
-            </a:r>
-          </a:p>
-          <a:p>
-            <a:pPr lvl="1"/>
-            <a:r>
-              <a:rPr lang="de-DE" dirty="0" err="1" smtClean="0"/>
-              <a:t>frame</a:t>
-            </a:r>
-            <a:endParaRPr lang="de-DE" dirty="0" smtClean="0"/>
-          </a:p>
-          <a:p>
-            <a:pPr lvl="1"/>
-            <a:r>
-              <a:rPr lang="de-DE" dirty="0" err="1" smtClean="0"/>
-              <a:t>roi_blobs</a:t>
-            </a:r>
-            <a:endParaRPr lang="de-DE" dirty="0" smtClean="0"/>
-          </a:p>
-          <a:p>
-            <a:r>
-              <a:rPr lang="de-DE" dirty="0" err="1" smtClean="0"/>
-              <a:t>Functions</a:t>
-            </a:r>
-            <a:endParaRPr lang="de-DE" dirty="0" smtClean="0"/>
-          </a:p>
-          <a:p>
-            <a:pPr lvl="1"/>
-            <a:r>
-              <a:rPr lang="de-DE" dirty="0" err="1" smtClean="0"/>
-              <a:t>applyROI</a:t>
-            </a:r>
-            <a:endParaRPr lang="de-DE" dirty="0" smtClean="0"/>
-          </a:p>
-          <a:p>
-            <a:pPr lvl="1"/>
-            <a:r>
-              <a:rPr lang="de-DE" dirty="0" err="1" smtClean="0"/>
-              <a:t>segmentFrame</a:t>
-            </a:r>
-            <a:endParaRPr lang="de-DE" dirty="0" smtClean="0"/>
-          </a:p>
-          <a:p>
-            <a:pPr lvl="1"/>
-            <a:r>
-              <a:rPr lang="de-DE" dirty="0" err="1" smtClean="0"/>
-              <a:t>findBlobs</a:t>
-            </a:r>
-            <a:endParaRPr lang="de-DE" dirty="0" smtClean="0"/>
-          </a:p>
-          <a:p>
-            <a:pPr lvl="1"/>
-            <a:r>
-              <a:rPr lang="de-DE" dirty="0" err="1" smtClean="0"/>
-              <a:t>showFrame</a:t>
-            </a:r>
-            <a:endParaRPr lang="de-DE" dirty="0" smtClean="0"/>
-          </a:p>
-          <a:p>
-            <a:pPr lvl="2"/>
-            <a:endParaRPr lang="de-DE" dirty="0" smtClean="0"/>
-          </a:p>
-          <a:p>
-            <a:pPr lvl="1"/>
+              <a:defRPr lang="de-DE" sz="1200" kern="1200" baseline="0" dirty="0" smtClean="0">
+                <a:solidFill>
+                  <a:schemeClr val="tx1"/>
+                </a:solidFill>
+                <a:latin typeface="Arial" panose="020B0604020202020204" pitchFamily="34" charset="0"/>
+                <a:ea typeface="+mn-ea"/>
+                <a:cs typeface="Arial" panose="020B0604020202020204" pitchFamily="34" charset="0"/>
+              </a:defRPr>
+            </a:lvl1pPr>
+            <a:lvl2pPr marL="447675" indent="-180975" algn="l" defTabSz="914400" rtl="0" eaLnBrk="1" latinLnBrk="0" hangingPunct="1">
+              <a:spcBef>
+                <a:spcPts val="300"/>
+              </a:spcBef>
+              <a:buFont typeface="Wingdings" panose="05000000000000000000" pitchFamily="2" charset="2"/>
+              <a:buChar char="§"/>
+              <a:defRPr lang="de-DE" sz="1000" kern="1200" baseline="0" dirty="0" smtClean="0">
+                <a:solidFill>
+                  <a:schemeClr val="tx1"/>
+                </a:solidFill>
+                <a:latin typeface="Arial" panose="020B0604020202020204" pitchFamily="34" charset="0"/>
+                <a:ea typeface="+mn-ea"/>
+                <a:cs typeface="Arial" panose="020B0604020202020204" pitchFamily="34" charset="0"/>
+              </a:defRPr>
+            </a:lvl2pPr>
+            <a:lvl3pPr marL="712788" indent="-169863" algn="l" defTabSz="914400" rtl="0" eaLnBrk="1" latinLnBrk="0" hangingPunct="1">
+              <a:spcBef>
+                <a:spcPts val="0"/>
+              </a:spcBef>
+              <a:buFont typeface="Arial" panose="020B0604020202020204" pitchFamily="34" charset="0"/>
+              <a:buChar char="-"/>
+              <a:defRPr lang="de-DE" sz="1000" kern="1200" baseline="0" dirty="0" smtClean="0">
+                <a:solidFill>
+                  <a:schemeClr val="tx1"/>
+                </a:solidFill>
+                <a:latin typeface="Arial" panose="020B0604020202020204" pitchFamily="34" charset="0"/>
+                <a:ea typeface="+mn-ea"/>
+                <a:cs typeface="Arial" panose="020B0604020202020204" pitchFamily="34" charset="0"/>
+              </a:defRPr>
+            </a:lvl3pPr>
+            <a:lvl4pPr marL="1600200" indent="-228600" algn="l" defTabSz="914400" rtl="0" eaLnBrk="1" latinLnBrk="0" hangingPunct="1">
+              <a:spcBef>
+                <a:spcPct val="20000"/>
+              </a:spcBef>
+              <a:buFont typeface="Wingdings" panose="05000000000000000000" pitchFamily="2" charset="2"/>
+              <a:buChar char="§"/>
+              <a:defRPr lang="de-DE" sz="1400" kern="1200" baseline="0" dirty="0" smtClean="0">
+                <a:solidFill>
+                  <a:schemeClr val="tx1"/>
+                </a:solidFill>
+                <a:latin typeface="Arial" panose="020B0604020202020204" pitchFamily="34" charset="0"/>
+                <a:ea typeface="+mn-ea"/>
+                <a:cs typeface="Arial" panose="020B0604020202020204" pitchFamily="34" charset="0"/>
+              </a:defRPr>
+            </a:lvl4pPr>
+            <a:lvl5pPr marL="2057400" indent="-228600" algn="l" defTabSz="914400" rtl="0" eaLnBrk="1" latinLnBrk="0" hangingPunct="1">
+              <a:spcBef>
+                <a:spcPct val="20000"/>
+              </a:spcBef>
+              <a:buFont typeface="Wingdings" panose="05000000000000000000" pitchFamily="2" charset="2"/>
+              <a:buChar char="§"/>
+              <a:defRPr lang="de-DE" sz="1400" kern="1200" baseline="0" dirty="0">
+                <a:solidFill>
+                  <a:schemeClr val="tx1"/>
+                </a:solidFill>
+                <a:latin typeface="Arial" panose="020B0604020202020204" pitchFamily="34" charset="0"/>
+                <a:ea typeface="+mn-ea"/>
+                <a:cs typeface="Arial" panose="020B0604020202020204" pitchFamily="34" charset="0"/>
+              </a:defRPr>
+            </a:lvl5pPr>
+            <a:lvl6pPr marL="2514600" indent="-228600" algn="l" defTabSz="914400" rtl="0" eaLnBrk="1" latinLnBrk="0" hangingPunct="1">
+              <a:spcBef>
+                <a:spcPct val="20000"/>
+              </a:spcBef>
+              <a:buFont typeface="Arial" panose="020B0604020202020204" pitchFamily="34" charset="0"/>
+              <a:buChar char="•"/>
+              <a:defRPr sz="2000" kern="1200">
+                <a:solidFill>
+                  <a:schemeClr val="tx1"/>
+                </a:solidFill>
+                <a:latin typeface="+mn-lt"/>
+                <a:ea typeface="+mn-ea"/>
+                <a:cs typeface="+mn-cs"/>
+              </a:defRPr>
+            </a:lvl6pPr>
+            <a:lvl7pPr marL="2971800" indent="-228600" algn="l" defTabSz="914400" rtl="0" eaLnBrk="1" latinLnBrk="0" hangingPunct="1">
+              <a:spcBef>
+                <a:spcPct val="20000"/>
+              </a:spcBef>
+              <a:buFont typeface="Arial" panose="020B0604020202020204" pitchFamily="34" charset="0"/>
+              <a:buChar char="•"/>
+              <a:defRPr sz="2000" kern="1200">
+                <a:solidFill>
+                  <a:schemeClr val="tx1"/>
+                </a:solidFill>
+                <a:latin typeface="+mn-lt"/>
+                <a:ea typeface="+mn-ea"/>
+                <a:cs typeface="+mn-cs"/>
+              </a:defRPr>
+            </a:lvl7pPr>
+            <a:lvl8pPr marL="3429000" indent="-228600" algn="l" defTabSz="914400" rtl="0" eaLnBrk="1" latinLnBrk="0" hangingPunct="1">
+              <a:spcBef>
+                <a:spcPct val="20000"/>
+              </a:spcBef>
+              <a:buFont typeface="Arial" panose="020B0604020202020204" pitchFamily="34" charset="0"/>
+              <a:buChar char="•"/>
+              <a:defRPr sz="2000" kern="1200">
+                <a:solidFill>
+                  <a:schemeClr val="tx1"/>
+                </a:solidFill>
+                <a:latin typeface="+mn-lt"/>
+                <a:ea typeface="+mn-ea"/>
+                <a:cs typeface="+mn-cs"/>
+              </a:defRPr>
+            </a:lvl8pPr>
+            <a:lvl9pPr marL="3886200" indent="-228600" algn="l" defTabSz="914400" rtl="0" eaLnBrk="1" latinLnBrk="0" hangingPunct="1">
+              <a:spcBef>
+                <a:spcPct val="20000"/>
+              </a:spcBef>
+              <a:buFont typeface="Arial" panose="020B0604020202020204" pitchFamily="34" charset="0"/>
+              <a:buChar char="•"/>
+              <a:defRPr sz="2000" kern="1200">
+                <a:solidFill>
+                  <a:schemeClr val="tx1"/>
+                </a:solidFill>
+                <a:latin typeface="+mn-lt"/>
+                <a:ea typeface="+mn-ea"/>
+                <a:cs typeface="+mn-cs"/>
+              </a:defRPr>
+            </a:lvl9pPr>
+          </a:lstStyle>
+          <a:p>
+            <a:r>
+              <a:rPr lang="de-DE" dirty="0" err="1" smtClean="0"/>
+              <a:t>class</a:t>
+            </a:r>
+            <a:r>
+              <a:rPr lang="de-DE" dirty="0" smtClean="0"/>
+              <a:t> </a:t>
+            </a:r>
+            <a:r>
+              <a:rPr lang="de-DE" dirty="0" err="1" smtClean="0"/>
+              <a:t>TextColumn</a:t>
+            </a:r>
             <a:endParaRPr lang="de-DE" dirty="0"/>
           </a:p>
-          <a:p>
-            <a:pPr lvl="2"/>
-            <a:endParaRPr lang="de-DE" dirty="0"/>
+        </p:txBody>
+      </p:sp>
+      <p:sp>
+        <p:nvSpPr>
+          <p:cNvPr id="5" name="Rechteck 4"/>
+          <p:cNvSpPr/>
+          <p:nvPr/>
+        </p:nvSpPr>
+        <p:spPr>
+          <a:xfrm>
+            <a:off x="791580" y="1610799"/>
+            <a:ext cx="1224136" cy="1746193"/>
+          </a:xfrm>
+          <a:prstGeom prst="rect">
+            <a:avLst/>
+          </a:prstGeom>
+          <a:noFill/>
+          <a:ln w="19050">
+            <a:solidFill>
+              <a:schemeClr val="tx1"/>
+            </a:solidFill>
+          </a:ln>
+        </p:spPr>
+        <p:style>
+          <a:lnRef idx="2">
+            <a:schemeClr val="accent1">
+              <a:shade val="50000"/>
+            </a:schemeClr>
+          </a:lnRef>
+          <a:fillRef idx="1">
+            <a:schemeClr val="accent1"/>
+          </a:fillRef>
+          <a:effectRef idx="0">
+            <a:schemeClr val="accent1"/>
+          </a:effectRef>
+          <a:fontRef idx="minor">
+            <a:schemeClr val="lt1"/>
+          </a:fontRef>
+        </p:style>
+        <p:txBody>
+          <a:bodyPr rtlCol="0" anchor="ctr"/>
+          <a:lstStyle/>
+          <a:p>
+            <a:pPr algn="ctr"/>
+            <a:endParaRPr lang="de-DE"/>
+          </a:p>
+        </p:txBody>
+      </p:sp>
+      <p:sp>
+        <p:nvSpPr>
+          <p:cNvPr id="6" name="Rechteck 5"/>
+          <p:cNvSpPr/>
+          <p:nvPr/>
+        </p:nvSpPr>
+        <p:spPr>
+          <a:xfrm>
+            <a:off x="807110" y="1844824"/>
+            <a:ext cx="614512" cy="144016"/>
+          </a:xfrm>
+          <a:prstGeom prst="rect">
+            <a:avLst/>
+          </a:prstGeom>
+          <a:solidFill>
+            <a:schemeClr val="bg1">
+              <a:lumMod val="85000"/>
+            </a:schemeClr>
+          </a:solidFill>
+          <a:ln w="19050">
+            <a:solidFill>
+              <a:schemeClr val="tx1"/>
+            </a:solidFill>
+          </a:ln>
+        </p:spPr>
+        <p:style>
+          <a:lnRef idx="2">
+            <a:schemeClr val="accent1">
+              <a:shade val="50000"/>
+            </a:schemeClr>
+          </a:lnRef>
+          <a:fillRef idx="1">
+            <a:schemeClr val="accent1"/>
+          </a:fillRef>
+          <a:effectRef idx="0">
+            <a:schemeClr val="accent1"/>
+          </a:effectRef>
+          <a:fontRef idx="minor">
+            <a:schemeClr val="lt1"/>
+          </a:fontRef>
+        </p:style>
+        <p:txBody>
+          <a:bodyPr rtlCol="0" anchor="ctr"/>
+          <a:lstStyle/>
+          <a:p>
+            <a:pPr algn="ctr"/>
+            <a:endParaRPr lang="de-DE"/>
+          </a:p>
+        </p:txBody>
+      </p:sp>
+      <p:cxnSp>
+        <p:nvCxnSpPr>
+          <p:cNvPr id="8" name="Gerade Verbindung 7"/>
+          <p:cNvCxnSpPr/>
+          <p:nvPr/>
+        </p:nvCxnSpPr>
+        <p:spPr>
+          <a:xfrm>
+            <a:off x="791580" y="1610799"/>
+            <a:ext cx="0" cy="2106233"/>
+          </a:xfrm>
+          <a:prstGeom prst="line">
+            <a:avLst/>
+          </a:prstGeom>
+          <a:ln w="38100">
+            <a:solidFill>
+              <a:srgbClr val="00B050"/>
+            </a:solidFill>
+            <a:headEnd type="none" w="med" len="med"/>
+            <a:tailEnd type="none" w="med" len="med"/>
+          </a:ln>
+        </p:spPr>
+        <p:style>
+          <a:lnRef idx="1">
+            <a:schemeClr val="accent1"/>
+          </a:lnRef>
+          <a:fillRef idx="0">
+            <a:schemeClr val="accent1"/>
+          </a:fillRef>
+          <a:effectRef idx="0">
+            <a:schemeClr val="accent1"/>
+          </a:effectRef>
+          <a:fontRef idx="minor">
+            <a:schemeClr val="tx1"/>
+          </a:fontRef>
+        </p:style>
+      </p:cxnSp>
+      <p:cxnSp>
+        <p:nvCxnSpPr>
+          <p:cNvPr id="10" name="Gerade Verbindung mit Pfeil 9"/>
+          <p:cNvCxnSpPr/>
+          <p:nvPr/>
+        </p:nvCxnSpPr>
+        <p:spPr>
+          <a:xfrm flipH="1">
+            <a:off x="791580" y="3609020"/>
+            <a:ext cx="792088" cy="0"/>
+          </a:xfrm>
+          <a:prstGeom prst="straightConnector1">
+            <a:avLst/>
+          </a:prstGeom>
+          <a:ln w="19050">
+            <a:solidFill>
+              <a:srgbClr val="00B050"/>
+            </a:solidFill>
+            <a:headEnd type="none" w="med" len="med"/>
+            <a:tailEnd type="arrow"/>
+          </a:ln>
+        </p:spPr>
+        <p:style>
+          <a:lnRef idx="1">
+            <a:schemeClr val="accent1"/>
+          </a:lnRef>
+          <a:fillRef idx="0">
+            <a:schemeClr val="accent1"/>
+          </a:fillRef>
+          <a:effectRef idx="0">
+            <a:schemeClr val="accent1"/>
+          </a:effectRef>
+          <a:fontRef idx="minor">
+            <a:schemeClr val="tx1"/>
+          </a:fontRef>
+        </p:style>
+      </p:cxnSp>
+      <p:sp>
+        <p:nvSpPr>
+          <p:cNvPr id="12" name="Textfeld 11"/>
+          <p:cNvSpPr txBox="1"/>
+          <p:nvPr/>
+        </p:nvSpPr>
+        <p:spPr>
+          <a:xfrm>
+            <a:off x="1007604" y="3398803"/>
+            <a:ext cx="689612" cy="246221"/>
+          </a:xfrm>
+          <a:prstGeom prst="rect">
+            <a:avLst/>
+          </a:prstGeom>
+          <a:noFill/>
+        </p:spPr>
+        <p:txBody>
+          <a:bodyPr wrap="none" rtlCol="0">
+            <a:spAutoFit/>
+          </a:bodyPr>
+          <a:lstStyle/>
+          <a:p>
+            <a:r>
+              <a:rPr lang="de-DE" sz="1000" b="1" dirty="0" err="1" smtClean="0">
+                <a:solidFill>
+                  <a:srgbClr val="00B050"/>
+                </a:solidFill>
+                <a:latin typeface="Arial" panose="020B0604020202020204" pitchFamily="34" charset="0"/>
+                <a:cs typeface="Arial" panose="020B0604020202020204" pitchFamily="34" charset="0"/>
+              </a:rPr>
+              <a:t>colAlign</a:t>
+            </a:r>
+            <a:endParaRPr lang="de-DE" sz="1000" b="1" dirty="0" smtClean="0">
+              <a:solidFill>
+                <a:srgbClr val="00B050"/>
+              </a:solidFill>
+              <a:latin typeface="Arial" panose="020B0604020202020204" pitchFamily="34" charset="0"/>
+              <a:cs typeface="Arial" panose="020B0604020202020204" pitchFamily="34" charset="0"/>
+            </a:endParaRPr>
+          </a:p>
+        </p:txBody>
+      </p:sp>
+      <p:sp>
+        <p:nvSpPr>
+          <p:cNvPr id="13" name="Rechteck 12"/>
+          <p:cNvSpPr/>
+          <p:nvPr/>
+        </p:nvSpPr>
+        <p:spPr>
+          <a:xfrm>
+            <a:off x="1169622" y="2182362"/>
+            <a:ext cx="252000" cy="144016"/>
+          </a:xfrm>
+          <a:prstGeom prst="rect">
+            <a:avLst/>
+          </a:prstGeom>
+          <a:solidFill>
+            <a:schemeClr val="bg1">
+              <a:lumMod val="85000"/>
+            </a:schemeClr>
+          </a:solidFill>
+          <a:ln w="19050">
+            <a:solidFill>
+              <a:schemeClr val="tx1"/>
+            </a:solidFill>
+          </a:ln>
+        </p:spPr>
+        <p:style>
+          <a:lnRef idx="2">
+            <a:schemeClr val="accent1">
+              <a:shade val="50000"/>
+            </a:schemeClr>
+          </a:lnRef>
+          <a:fillRef idx="1">
+            <a:schemeClr val="accent1"/>
+          </a:fillRef>
+          <a:effectRef idx="0">
+            <a:schemeClr val="accent1"/>
+          </a:effectRef>
+          <a:fontRef idx="minor">
+            <a:schemeClr val="lt1"/>
+          </a:fontRef>
+        </p:style>
+        <p:txBody>
+          <a:bodyPr rtlCol="0" anchor="ctr"/>
+          <a:lstStyle/>
+          <a:p>
+            <a:pPr algn="ctr"/>
+            <a:endParaRPr lang="de-DE"/>
+          </a:p>
+        </p:txBody>
+      </p:sp>
+      <p:sp>
+        <p:nvSpPr>
+          <p:cNvPr id="14" name="Rechteck 13"/>
+          <p:cNvSpPr/>
+          <p:nvPr/>
+        </p:nvSpPr>
+        <p:spPr>
+          <a:xfrm>
+            <a:off x="1011253" y="2519899"/>
+            <a:ext cx="410369" cy="144016"/>
+          </a:xfrm>
+          <a:prstGeom prst="rect">
+            <a:avLst/>
+          </a:prstGeom>
+          <a:solidFill>
+            <a:schemeClr val="bg1">
+              <a:lumMod val="85000"/>
+            </a:schemeClr>
+          </a:solidFill>
+          <a:ln w="19050">
+            <a:solidFill>
+              <a:schemeClr val="tx1"/>
+            </a:solidFill>
+          </a:ln>
+        </p:spPr>
+        <p:style>
+          <a:lnRef idx="2">
+            <a:schemeClr val="accent1">
+              <a:shade val="50000"/>
+            </a:schemeClr>
+          </a:lnRef>
+          <a:fillRef idx="1">
+            <a:schemeClr val="accent1"/>
+          </a:fillRef>
+          <a:effectRef idx="0">
+            <a:schemeClr val="accent1"/>
+          </a:effectRef>
+          <a:fontRef idx="minor">
+            <a:schemeClr val="lt1"/>
+          </a:fontRef>
+        </p:style>
+        <p:txBody>
+          <a:bodyPr rtlCol="0" anchor="ctr"/>
+          <a:lstStyle/>
+          <a:p>
+            <a:pPr algn="ctr"/>
+            <a:endParaRPr lang="de-DE"/>
+          </a:p>
+        </p:txBody>
+      </p:sp>
+      <p:sp>
+        <p:nvSpPr>
+          <p:cNvPr id="15" name="Textfeld 14"/>
+          <p:cNvSpPr txBox="1"/>
+          <p:nvPr/>
+        </p:nvSpPr>
+        <p:spPr>
+          <a:xfrm>
+            <a:off x="791580" y="1793721"/>
+            <a:ext cx="756084" cy="246221"/>
+          </a:xfrm>
+          <a:prstGeom prst="rect">
+            <a:avLst/>
+          </a:prstGeom>
+          <a:noFill/>
+        </p:spPr>
+        <p:txBody>
+          <a:bodyPr wrap="square" rtlCol="0">
+            <a:spAutoFit/>
+          </a:bodyPr>
+          <a:lstStyle/>
+          <a:p>
+            <a:r>
+              <a:rPr lang="de-DE" sz="1000" dirty="0" err="1" smtClean="0">
+                <a:latin typeface="Arial" panose="020B0604020202020204" pitchFamily="34" charset="0"/>
+                <a:cs typeface="Arial" panose="020B0604020202020204" pitchFamily="34" charset="0"/>
+              </a:rPr>
+              <a:t>textRow</a:t>
+            </a:r>
+            <a:endParaRPr lang="de-DE" sz="1000" dirty="0" smtClean="0">
+              <a:latin typeface="Arial" panose="020B0604020202020204" pitchFamily="34" charset="0"/>
+              <a:cs typeface="Arial" panose="020B0604020202020204" pitchFamily="34" charset="0"/>
+            </a:endParaRPr>
+          </a:p>
+        </p:txBody>
+      </p:sp>
+      <p:cxnSp>
+        <p:nvCxnSpPr>
+          <p:cNvPr id="16" name="Gerade Verbindung 15"/>
+          <p:cNvCxnSpPr/>
+          <p:nvPr/>
+        </p:nvCxnSpPr>
+        <p:spPr>
+          <a:xfrm>
+            <a:off x="1432152" y="1332384"/>
+            <a:ext cx="0" cy="656456"/>
+          </a:xfrm>
+          <a:prstGeom prst="line">
+            <a:avLst/>
+          </a:prstGeom>
+          <a:ln w="38100">
+            <a:solidFill>
+              <a:srgbClr val="C00000"/>
+            </a:solidFill>
+            <a:headEnd type="none" w="med" len="med"/>
+            <a:tailEnd type="none" w="med" len="med"/>
+          </a:ln>
+        </p:spPr>
+        <p:style>
+          <a:lnRef idx="1">
+            <a:schemeClr val="accent1"/>
+          </a:lnRef>
+          <a:fillRef idx="0">
+            <a:schemeClr val="accent1"/>
+          </a:fillRef>
+          <a:effectRef idx="0">
+            <a:schemeClr val="accent1"/>
+          </a:effectRef>
+          <a:fontRef idx="minor">
+            <a:schemeClr val="tx1"/>
+          </a:fontRef>
+        </p:style>
+      </p:cxnSp>
+      <p:cxnSp>
+        <p:nvCxnSpPr>
+          <p:cNvPr id="18" name="Gerade Verbindung mit Pfeil 17"/>
+          <p:cNvCxnSpPr/>
+          <p:nvPr/>
+        </p:nvCxnSpPr>
+        <p:spPr>
+          <a:xfrm>
+            <a:off x="807110" y="1506597"/>
+            <a:ext cx="632542" cy="0"/>
+          </a:xfrm>
+          <a:prstGeom prst="straightConnector1">
+            <a:avLst/>
+          </a:prstGeom>
+          <a:ln w="19050">
+            <a:solidFill>
+              <a:srgbClr val="C00000"/>
+            </a:solidFill>
+            <a:headEnd type="none" w="med" len="med"/>
+            <a:tailEnd type="arrow"/>
+          </a:ln>
+        </p:spPr>
+        <p:style>
+          <a:lnRef idx="1">
+            <a:schemeClr val="accent1"/>
+          </a:lnRef>
+          <a:fillRef idx="0">
+            <a:schemeClr val="accent1"/>
+          </a:fillRef>
+          <a:effectRef idx="0">
+            <a:schemeClr val="accent1"/>
+          </a:effectRef>
+          <a:fontRef idx="minor">
+            <a:schemeClr val="tx1"/>
+          </a:fontRef>
+        </p:style>
+      </p:cxnSp>
+      <p:sp>
+        <p:nvSpPr>
+          <p:cNvPr id="19" name="Textfeld 18"/>
+          <p:cNvSpPr txBox="1"/>
+          <p:nvPr/>
+        </p:nvSpPr>
+        <p:spPr>
+          <a:xfrm>
+            <a:off x="755576" y="1268760"/>
+            <a:ext cx="732893" cy="246221"/>
+          </a:xfrm>
+          <a:prstGeom prst="rect">
+            <a:avLst/>
+          </a:prstGeom>
+          <a:noFill/>
+        </p:spPr>
+        <p:txBody>
+          <a:bodyPr wrap="none" rtlCol="0">
+            <a:spAutoFit/>
+          </a:bodyPr>
+          <a:lstStyle/>
+          <a:p>
+            <a:r>
+              <a:rPr lang="de-DE" sz="1000" b="1" dirty="0" err="1" smtClean="0">
+                <a:solidFill>
+                  <a:srgbClr val="C00000"/>
+                </a:solidFill>
+                <a:latin typeface="Arial" panose="020B0604020202020204" pitchFamily="34" charset="0"/>
+                <a:cs typeface="Arial" panose="020B0604020202020204" pitchFamily="34" charset="0"/>
+              </a:rPr>
+              <a:t>rowAlign</a:t>
+            </a:r>
+            <a:endParaRPr lang="de-DE" sz="1000" b="1" dirty="0" smtClean="0">
+              <a:solidFill>
+                <a:srgbClr val="C00000"/>
+              </a:solidFill>
+              <a:latin typeface="Arial" panose="020B0604020202020204" pitchFamily="34" charset="0"/>
+              <a:cs typeface="Arial" panose="020B0604020202020204" pitchFamily="34" charset="0"/>
+            </a:endParaRPr>
           </a:p>
         </p:txBody>
       </p:sp>
     </p:spTree>
     <p:extLst>
       <p:ext uri="{BB962C8B-B14F-4D97-AF65-F5344CB8AC3E}">
-        <p14:creationId xmlns:p14="http://schemas.microsoft.com/office/powerpoint/2010/main" val="1995332017"/>
+        <p14:creationId xmlns:p14="http://schemas.microsoft.com/office/powerpoint/2010/main" val="2856066366"/>
       </p:ext>
     </p:extLst>
   </p:cSld>
@@ -24554,6 +25761,1215 @@
 </file>
 
 <file path=ppt/slides/slide8.xml><?xml version="1.0" encoding="utf-8"?>
+<p:sld xmlns:a="http://schemas.openxmlformats.org/drawingml/2006/main" xmlns:r="http://schemas.openxmlformats.org/officeDocument/2006/relationships" xmlns:p="http://schemas.openxmlformats.org/presentationml/2006/main">
+  <p:cSld>
+    <p:spTree>
+      <p:nvGrpSpPr>
+        <p:cNvPr id="1" name=""/>
+        <p:cNvGrpSpPr/>
+        <p:nvPr/>
+      </p:nvGrpSpPr>
+      <p:grpSpPr>
+        <a:xfrm>
+          <a:off x="0" y="0"/>
+          <a:ext cx="0" cy="0"/>
+          <a:chOff x="0" y="0"/>
+          <a:chExt cx="0" cy="0"/>
+        </a:xfrm>
+      </p:grpSpPr>
+      <p:sp>
+        <p:nvSpPr>
+          <p:cNvPr id="2" name="Titel 1"/>
+          <p:cNvSpPr>
+            <a:spLocks noGrp="1"/>
+          </p:cNvSpPr>
+          <p:nvPr>
+            <p:ph type="title"/>
+          </p:nvPr>
+        </p:nvSpPr>
+        <p:spPr/>
+        <p:txBody>
+          <a:bodyPr/>
+          <a:lstStyle/>
+          <a:p>
+            <a:r>
+              <a:rPr lang="de-DE" dirty="0" err="1" smtClean="0"/>
+              <a:t>frame_handler</a:t>
+            </a:r>
+            <a:r>
+              <a:rPr lang="de-DE" dirty="0" smtClean="0"/>
+              <a:t>: </a:t>
+            </a:r>
+            <a:r>
+              <a:rPr lang="de-DE" dirty="0" err="1" smtClean="0"/>
+              <a:t>inset</a:t>
+            </a:r>
+            <a:r>
+              <a:rPr lang="de-DE" dirty="0" smtClean="0"/>
+              <a:t> </a:t>
+            </a:r>
+            <a:r>
+              <a:rPr lang="de-DE" dirty="0" err="1" smtClean="0"/>
+              <a:t>layout</a:t>
+            </a:r>
+            <a:endParaRPr lang="de-DE" dirty="0"/>
+          </a:p>
+        </p:txBody>
+      </p:sp>
+      <p:sp>
+        <p:nvSpPr>
+          <p:cNvPr id="3" name="Rechteck 2"/>
+          <p:cNvSpPr/>
+          <p:nvPr/>
+        </p:nvSpPr>
+        <p:spPr>
+          <a:xfrm>
+            <a:off x="457200" y="1484784"/>
+            <a:ext cx="8229600" cy="1800200"/>
+          </a:xfrm>
+          <a:prstGeom prst="rect">
+            <a:avLst/>
+          </a:prstGeom>
+          <a:noFill/>
+          <a:ln w="38100">
+            <a:solidFill>
+              <a:schemeClr val="tx1"/>
+            </a:solidFill>
+          </a:ln>
+        </p:spPr>
+        <p:style>
+          <a:lnRef idx="2">
+            <a:schemeClr val="accent1">
+              <a:shade val="50000"/>
+            </a:schemeClr>
+          </a:lnRef>
+          <a:fillRef idx="1">
+            <a:schemeClr val="accent1"/>
+          </a:fillRef>
+          <a:effectRef idx="0">
+            <a:schemeClr val="accent1"/>
+          </a:effectRef>
+          <a:fontRef idx="minor">
+            <a:schemeClr val="lt1"/>
+          </a:fontRef>
+        </p:style>
+        <p:txBody>
+          <a:bodyPr rtlCol="0" anchor="ctr"/>
+          <a:lstStyle/>
+          <a:p>
+            <a:pPr algn="ctr"/>
+            <a:endParaRPr lang="de-DE"/>
+          </a:p>
+        </p:txBody>
+      </p:sp>
+      <p:cxnSp>
+        <p:nvCxnSpPr>
+          <p:cNvPr id="5" name="Gerade Verbindung mit Pfeil 4"/>
+          <p:cNvCxnSpPr/>
+          <p:nvPr/>
+        </p:nvCxnSpPr>
+        <p:spPr>
+          <a:xfrm>
+            <a:off x="4572000" y="3825044"/>
+            <a:ext cx="4114800" cy="0"/>
+          </a:xfrm>
+          <a:prstGeom prst="straightConnector1">
+            <a:avLst/>
+          </a:prstGeom>
+          <a:ln w="19050">
+            <a:solidFill>
+              <a:schemeClr val="tx1"/>
+            </a:solidFill>
+            <a:headEnd type="arrow"/>
+            <a:tailEnd type="arrow"/>
+          </a:ln>
+        </p:spPr>
+        <p:style>
+          <a:lnRef idx="1">
+            <a:schemeClr val="accent1"/>
+          </a:lnRef>
+          <a:fillRef idx="0">
+            <a:schemeClr val="accent1"/>
+          </a:fillRef>
+          <a:effectRef idx="0">
+            <a:schemeClr val="accent1"/>
+          </a:effectRef>
+          <a:fontRef idx="minor">
+            <a:schemeClr val="tx1"/>
+          </a:fontRef>
+        </p:style>
+      </p:cxnSp>
+      <p:cxnSp>
+        <p:nvCxnSpPr>
+          <p:cNvPr id="7" name="Gerade Verbindung 6"/>
+          <p:cNvCxnSpPr/>
+          <p:nvPr/>
+        </p:nvCxnSpPr>
+        <p:spPr>
+          <a:xfrm>
+            <a:off x="4572000" y="980728"/>
+            <a:ext cx="0" cy="2988332"/>
+          </a:xfrm>
+          <a:prstGeom prst="line">
+            <a:avLst/>
+          </a:prstGeom>
+          <a:ln w="19050">
+            <a:solidFill>
+              <a:schemeClr val="tx1"/>
+            </a:solidFill>
+            <a:headEnd type="none" w="med" len="med"/>
+            <a:tailEnd type="none" w="med" len="med"/>
+          </a:ln>
+        </p:spPr>
+        <p:style>
+          <a:lnRef idx="1">
+            <a:schemeClr val="accent1"/>
+          </a:lnRef>
+          <a:fillRef idx="0">
+            <a:schemeClr val="accent1"/>
+          </a:fillRef>
+          <a:effectRef idx="0">
+            <a:schemeClr val="accent1"/>
+          </a:effectRef>
+          <a:fontRef idx="minor">
+            <a:schemeClr val="tx1"/>
+          </a:fontRef>
+        </p:style>
+      </p:cxnSp>
+      <p:sp>
+        <p:nvSpPr>
+          <p:cNvPr id="9" name="Textfeld 8"/>
+          <p:cNvSpPr txBox="1"/>
+          <p:nvPr/>
+        </p:nvSpPr>
+        <p:spPr>
+          <a:xfrm>
+            <a:off x="4932040" y="3578823"/>
+            <a:ext cx="1368152" cy="246221"/>
+          </a:xfrm>
+          <a:prstGeom prst="rect">
+            <a:avLst/>
+          </a:prstGeom>
+          <a:noFill/>
+        </p:spPr>
+        <p:txBody>
+          <a:bodyPr wrap="square" rtlCol="0">
+            <a:spAutoFit/>
+          </a:bodyPr>
+          <a:lstStyle/>
+          <a:p>
+            <a:r>
+              <a:rPr lang="de-DE" sz="1000" dirty="0" err="1" smtClean="0">
+                <a:latin typeface="Arial" panose="020B0604020202020204" pitchFamily="34" charset="0"/>
+                <a:cs typeface="Arial" panose="020B0604020202020204" pitchFamily="34" charset="0"/>
+              </a:rPr>
+              <a:t>inset.width</a:t>
+            </a:r>
+            <a:r>
+              <a:rPr lang="de-DE" sz="1000" dirty="0" smtClean="0">
+                <a:latin typeface="Arial" panose="020B0604020202020204" pitchFamily="34" charset="0"/>
+                <a:cs typeface="Arial" panose="020B0604020202020204" pitchFamily="34" charset="0"/>
+              </a:rPr>
+              <a:t> / 2</a:t>
+            </a:r>
+            <a:endParaRPr lang="de-DE" sz="1000" dirty="0" smtClean="0">
+              <a:latin typeface="Arial" panose="020B0604020202020204" pitchFamily="34" charset="0"/>
+              <a:cs typeface="Arial" panose="020B0604020202020204" pitchFamily="34" charset="0"/>
+            </a:endParaRPr>
+          </a:p>
+        </p:txBody>
+      </p:sp>
+      <p:cxnSp>
+        <p:nvCxnSpPr>
+          <p:cNvPr id="10" name="Gerade Verbindung 9"/>
+          <p:cNvCxnSpPr/>
+          <p:nvPr/>
+        </p:nvCxnSpPr>
+        <p:spPr>
+          <a:xfrm>
+            <a:off x="5148064" y="980728"/>
+            <a:ext cx="0" cy="1008112"/>
+          </a:xfrm>
+          <a:prstGeom prst="line">
+            <a:avLst/>
+          </a:prstGeom>
+          <a:ln w="19050">
+            <a:solidFill>
+              <a:schemeClr val="tx1"/>
+            </a:solidFill>
+            <a:headEnd type="none" w="med" len="med"/>
+            <a:tailEnd type="none" w="med" len="med"/>
+          </a:ln>
+        </p:spPr>
+        <p:style>
+          <a:lnRef idx="1">
+            <a:schemeClr val="accent1"/>
+          </a:lnRef>
+          <a:fillRef idx="0">
+            <a:schemeClr val="accent1"/>
+          </a:fillRef>
+          <a:effectRef idx="0">
+            <a:schemeClr val="accent1"/>
+          </a:effectRef>
+          <a:fontRef idx="minor">
+            <a:schemeClr val="tx1"/>
+          </a:fontRef>
+        </p:style>
+      </p:cxnSp>
+      <p:cxnSp>
+        <p:nvCxnSpPr>
+          <p:cNvPr id="14" name="Gerade Verbindung 13"/>
+          <p:cNvCxnSpPr/>
+          <p:nvPr/>
+        </p:nvCxnSpPr>
+        <p:spPr>
+          <a:xfrm>
+            <a:off x="8686800" y="980728"/>
+            <a:ext cx="0" cy="2988332"/>
+          </a:xfrm>
+          <a:prstGeom prst="line">
+            <a:avLst/>
+          </a:prstGeom>
+          <a:ln w="19050">
+            <a:solidFill>
+              <a:schemeClr val="tx1"/>
+            </a:solidFill>
+            <a:headEnd type="none" w="med" len="med"/>
+            <a:tailEnd type="none" w="med" len="med"/>
+          </a:ln>
+        </p:spPr>
+        <p:style>
+          <a:lnRef idx="1">
+            <a:schemeClr val="accent1"/>
+          </a:lnRef>
+          <a:fillRef idx="0">
+            <a:schemeClr val="accent1"/>
+          </a:fillRef>
+          <a:effectRef idx="0">
+            <a:schemeClr val="accent1"/>
+          </a:effectRef>
+          <a:fontRef idx="minor">
+            <a:schemeClr val="tx1"/>
+          </a:fontRef>
+        </p:style>
+      </p:cxnSp>
+      <p:cxnSp>
+        <p:nvCxnSpPr>
+          <p:cNvPr id="15" name="Gerade Verbindung 14"/>
+          <p:cNvCxnSpPr/>
+          <p:nvPr/>
+        </p:nvCxnSpPr>
+        <p:spPr>
+          <a:xfrm>
+            <a:off x="6732240" y="980728"/>
+            <a:ext cx="0" cy="1008112"/>
+          </a:xfrm>
+          <a:prstGeom prst="line">
+            <a:avLst/>
+          </a:prstGeom>
+          <a:ln w="19050">
+            <a:solidFill>
+              <a:schemeClr val="tx1"/>
+            </a:solidFill>
+            <a:headEnd type="none" w="med" len="med"/>
+            <a:tailEnd type="none" w="med" len="med"/>
+          </a:ln>
+        </p:spPr>
+        <p:style>
+          <a:lnRef idx="1">
+            <a:schemeClr val="accent1"/>
+          </a:lnRef>
+          <a:fillRef idx="0">
+            <a:schemeClr val="accent1"/>
+          </a:fillRef>
+          <a:effectRef idx="0">
+            <a:schemeClr val="accent1"/>
+          </a:effectRef>
+          <a:fontRef idx="minor">
+            <a:schemeClr val="tx1"/>
+          </a:fontRef>
+        </p:style>
+      </p:cxnSp>
+      <p:sp>
+        <p:nvSpPr>
+          <p:cNvPr id="18" name="Textfeld 17"/>
+          <p:cNvSpPr txBox="1"/>
+          <p:nvPr/>
+        </p:nvSpPr>
+        <p:spPr>
+          <a:xfrm>
+            <a:off x="4463988" y="944724"/>
+            <a:ext cx="756084" cy="553998"/>
+          </a:xfrm>
+          <a:prstGeom prst="rect">
+            <a:avLst/>
+          </a:prstGeom>
+          <a:noFill/>
+        </p:spPr>
+        <p:txBody>
+          <a:bodyPr wrap="square" rtlCol="0">
+            <a:spAutoFit/>
+          </a:bodyPr>
+          <a:lstStyle/>
+          <a:p>
+            <a:pPr algn="ctr"/>
+            <a:r>
+              <a:rPr lang="de-DE" sz="1000" dirty="0" err="1" smtClean="0">
+                <a:latin typeface="Arial" panose="020B0604020202020204" pitchFamily="34" charset="0"/>
+                <a:cs typeface="Arial" panose="020B0604020202020204" pitchFamily="34" charset="0"/>
+              </a:rPr>
+              <a:t>separator</a:t>
+            </a:r>
+            <a:endParaRPr lang="de-DE" sz="1000" dirty="0" smtClean="0">
+              <a:latin typeface="Arial" panose="020B0604020202020204" pitchFamily="34" charset="0"/>
+              <a:cs typeface="Arial" panose="020B0604020202020204" pitchFamily="34" charset="0"/>
+            </a:endParaRPr>
+          </a:p>
+          <a:p>
+            <a:pPr algn="ctr"/>
+            <a:r>
+              <a:rPr lang="de-DE" sz="1000" dirty="0">
+                <a:latin typeface="Arial" panose="020B0604020202020204" pitchFamily="34" charset="0"/>
+                <a:cs typeface="Arial" panose="020B0604020202020204" pitchFamily="34" charset="0"/>
+              </a:rPr>
+              <a:t>=</a:t>
+            </a:r>
+            <a:endParaRPr lang="de-DE" sz="1000" dirty="0" smtClean="0">
+              <a:latin typeface="Arial" panose="020B0604020202020204" pitchFamily="34" charset="0"/>
+              <a:cs typeface="Arial" panose="020B0604020202020204" pitchFamily="34" charset="0"/>
+            </a:endParaRPr>
+          </a:p>
+          <a:p>
+            <a:pPr algn="ctr"/>
+            <a:r>
+              <a:rPr lang="de-DE" sz="1000" dirty="0" smtClean="0">
+                <a:latin typeface="Arial" panose="020B0604020202020204" pitchFamily="34" charset="0"/>
+                <a:cs typeface="Arial" panose="020B0604020202020204" pitchFamily="34" charset="0"/>
+              </a:rPr>
+              <a:t>1</a:t>
+            </a:r>
+            <a:r>
+              <a:rPr lang="de-DE" sz="1000" dirty="0" smtClean="0">
+                <a:latin typeface="Arial" panose="020B0604020202020204" pitchFamily="34" charset="0"/>
+                <a:cs typeface="Arial" panose="020B0604020202020204" pitchFamily="34" charset="0"/>
+              </a:rPr>
+              <a:t> / 12</a:t>
+            </a:r>
+            <a:endParaRPr lang="de-DE" sz="1000" dirty="0" smtClean="0">
+              <a:latin typeface="Arial" panose="020B0604020202020204" pitchFamily="34" charset="0"/>
+              <a:cs typeface="Arial" panose="020B0604020202020204" pitchFamily="34" charset="0"/>
+            </a:endParaRPr>
+          </a:p>
+        </p:txBody>
+      </p:sp>
+      <p:sp>
+        <p:nvSpPr>
+          <p:cNvPr id="19" name="Textfeld 18"/>
+          <p:cNvSpPr txBox="1"/>
+          <p:nvPr/>
+        </p:nvSpPr>
+        <p:spPr>
+          <a:xfrm>
+            <a:off x="5436096" y="944724"/>
+            <a:ext cx="972108" cy="553998"/>
+          </a:xfrm>
+          <a:prstGeom prst="rect">
+            <a:avLst/>
+          </a:prstGeom>
+          <a:noFill/>
+        </p:spPr>
+        <p:txBody>
+          <a:bodyPr wrap="square" rtlCol="0">
+            <a:spAutoFit/>
+          </a:bodyPr>
+          <a:lstStyle/>
+          <a:p>
+            <a:pPr algn="ctr"/>
+            <a:r>
+              <a:rPr lang="de-DE" sz="1000" dirty="0" err="1" smtClean="0">
+                <a:latin typeface="Arial" panose="020B0604020202020204" pitchFamily="34" charset="0"/>
+                <a:cs typeface="Arial" panose="020B0604020202020204" pitchFamily="34" charset="0"/>
+              </a:rPr>
+              <a:t>textColumn</a:t>
+            </a:r>
+            <a:endParaRPr lang="de-DE" sz="1000" dirty="0" smtClean="0">
+              <a:latin typeface="Arial" panose="020B0604020202020204" pitchFamily="34" charset="0"/>
+              <a:cs typeface="Arial" panose="020B0604020202020204" pitchFamily="34" charset="0"/>
+            </a:endParaRPr>
+          </a:p>
+          <a:p>
+            <a:pPr algn="ctr"/>
+            <a:r>
+              <a:rPr lang="de-DE" sz="1000" dirty="0">
+                <a:latin typeface="Arial" panose="020B0604020202020204" pitchFamily="34" charset="0"/>
+                <a:cs typeface="Arial" panose="020B0604020202020204" pitchFamily="34" charset="0"/>
+              </a:rPr>
+              <a:t>=</a:t>
+            </a:r>
+            <a:endParaRPr lang="de-DE" sz="1000" dirty="0" smtClean="0">
+              <a:latin typeface="Arial" panose="020B0604020202020204" pitchFamily="34" charset="0"/>
+              <a:cs typeface="Arial" panose="020B0604020202020204" pitchFamily="34" charset="0"/>
+            </a:endParaRPr>
+          </a:p>
+          <a:p>
+            <a:pPr algn="ctr"/>
+            <a:r>
+              <a:rPr lang="de-DE" sz="1000" dirty="0">
+                <a:latin typeface="Arial" panose="020B0604020202020204" pitchFamily="34" charset="0"/>
+                <a:cs typeface="Arial" panose="020B0604020202020204" pitchFamily="34" charset="0"/>
+              </a:rPr>
+              <a:t>2</a:t>
+            </a:r>
+            <a:r>
+              <a:rPr lang="de-DE" sz="1000" dirty="0" smtClean="0">
+                <a:latin typeface="Arial" panose="020B0604020202020204" pitchFamily="34" charset="0"/>
+                <a:cs typeface="Arial" panose="020B0604020202020204" pitchFamily="34" charset="0"/>
+              </a:rPr>
+              <a:t> / 12</a:t>
+            </a:r>
+            <a:endParaRPr lang="de-DE" sz="1000" dirty="0" smtClean="0">
+              <a:latin typeface="Arial" panose="020B0604020202020204" pitchFamily="34" charset="0"/>
+              <a:cs typeface="Arial" panose="020B0604020202020204" pitchFamily="34" charset="0"/>
+            </a:endParaRPr>
+          </a:p>
+        </p:txBody>
+      </p:sp>
+      <p:sp>
+        <p:nvSpPr>
+          <p:cNvPr id="20" name="Textfeld 19"/>
+          <p:cNvSpPr txBox="1"/>
+          <p:nvPr/>
+        </p:nvSpPr>
+        <p:spPr>
+          <a:xfrm>
+            <a:off x="7236296" y="944724"/>
+            <a:ext cx="1116124" cy="553998"/>
+          </a:xfrm>
+          <a:prstGeom prst="rect">
+            <a:avLst/>
+          </a:prstGeom>
+          <a:noFill/>
+        </p:spPr>
+        <p:txBody>
+          <a:bodyPr wrap="square" rtlCol="0">
+            <a:spAutoFit/>
+          </a:bodyPr>
+          <a:lstStyle/>
+          <a:p>
+            <a:pPr algn="ctr"/>
+            <a:r>
+              <a:rPr lang="de-DE" sz="1000" dirty="0" err="1" smtClean="0">
+                <a:latin typeface="Arial" panose="020B0604020202020204" pitchFamily="34" charset="0"/>
+                <a:cs typeface="Arial" panose="020B0604020202020204" pitchFamily="34" charset="0"/>
+              </a:rPr>
+              <a:t>image</a:t>
+            </a:r>
+            <a:r>
+              <a:rPr lang="de-DE" sz="1000" dirty="0" smtClean="0">
+                <a:latin typeface="Arial" panose="020B0604020202020204" pitchFamily="34" charset="0"/>
+                <a:cs typeface="Arial" panose="020B0604020202020204" pitchFamily="34" charset="0"/>
+              </a:rPr>
+              <a:t> </a:t>
+            </a:r>
+            <a:r>
+              <a:rPr lang="de-DE" sz="1000" dirty="0" err="1" smtClean="0">
+                <a:latin typeface="Arial" panose="020B0604020202020204" pitchFamily="34" charset="0"/>
+                <a:cs typeface="Arial" panose="020B0604020202020204" pitchFamily="34" charset="0"/>
+              </a:rPr>
+              <a:t>Column</a:t>
+            </a:r>
+            <a:endParaRPr lang="de-DE" sz="1000" dirty="0" smtClean="0">
+              <a:latin typeface="Arial" panose="020B0604020202020204" pitchFamily="34" charset="0"/>
+              <a:cs typeface="Arial" panose="020B0604020202020204" pitchFamily="34" charset="0"/>
+            </a:endParaRPr>
+          </a:p>
+          <a:p>
+            <a:pPr algn="ctr"/>
+            <a:r>
+              <a:rPr lang="de-DE" sz="1000" dirty="0">
+                <a:latin typeface="Arial" panose="020B0604020202020204" pitchFamily="34" charset="0"/>
+                <a:cs typeface="Arial" panose="020B0604020202020204" pitchFamily="34" charset="0"/>
+              </a:rPr>
+              <a:t>=</a:t>
+            </a:r>
+            <a:endParaRPr lang="de-DE" sz="1000" dirty="0" smtClean="0">
+              <a:latin typeface="Arial" panose="020B0604020202020204" pitchFamily="34" charset="0"/>
+              <a:cs typeface="Arial" panose="020B0604020202020204" pitchFamily="34" charset="0"/>
+            </a:endParaRPr>
+          </a:p>
+          <a:p>
+            <a:pPr algn="ctr"/>
+            <a:r>
+              <a:rPr lang="de-DE" sz="1000" dirty="0">
+                <a:latin typeface="Arial" panose="020B0604020202020204" pitchFamily="34" charset="0"/>
+                <a:cs typeface="Arial" panose="020B0604020202020204" pitchFamily="34" charset="0"/>
+              </a:rPr>
+              <a:t>2</a:t>
+            </a:r>
+            <a:r>
+              <a:rPr lang="de-DE" sz="1000" dirty="0" smtClean="0">
+                <a:latin typeface="Arial" panose="020B0604020202020204" pitchFamily="34" charset="0"/>
+                <a:cs typeface="Arial" panose="020B0604020202020204" pitchFamily="34" charset="0"/>
+              </a:rPr>
+              <a:t> / 12</a:t>
+            </a:r>
+            <a:endParaRPr lang="de-DE" sz="1000" dirty="0" smtClean="0">
+              <a:latin typeface="Arial" panose="020B0604020202020204" pitchFamily="34" charset="0"/>
+              <a:cs typeface="Arial" panose="020B0604020202020204" pitchFamily="34" charset="0"/>
+            </a:endParaRPr>
+          </a:p>
+        </p:txBody>
+      </p:sp>
+      <p:sp>
+        <p:nvSpPr>
+          <p:cNvPr id="21" name="Textfeld 20"/>
+          <p:cNvSpPr txBox="1"/>
+          <p:nvPr/>
+        </p:nvSpPr>
+        <p:spPr>
+          <a:xfrm>
+            <a:off x="5580112" y="1760047"/>
+            <a:ext cx="1164101" cy="400110"/>
+          </a:xfrm>
+          <a:prstGeom prst="rect">
+            <a:avLst/>
+          </a:prstGeom>
+          <a:noFill/>
+        </p:spPr>
+        <p:txBody>
+          <a:bodyPr wrap="none" rtlCol="0">
+            <a:spAutoFit/>
+          </a:bodyPr>
+          <a:lstStyle/>
+          <a:p>
+            <a:r>
+              <a:rPr lang="de-DE" sz="1000" b="1" dirty="0" err="1" smtClean="0">
+                <a:solidFill>
+                  <a:srgbClr val="C00000"/>
+                </a:solidFill>
+                <a:latin typeface="Arial" panose="020B0604020202020204" pitchFamily="34" charset="0"/>
+                <a:cs typeface="Arial" panose="020B0604020202020204" pitchFamily="34" charset="0"/>
+              </a:rPr>
+              <a:t>rowAlign</a:t>
+            </a:r>
+            <a:r>
+              <a:rPr lang="de-DE" sz="1000" b="1" dirty="0" smtClean="0">
+                <a:solidFill>
+                  <a:srgbClr val="C00000"/>
+                </a:solidFill>
+                <a:latin typeface="Arial" panose="020B0604020202020204" pitchFamily="34" charset="0"/>
+                <a:cs typeface="Arial" panose="020B0604020202020204" pitchFamily="34" charset="0"/>
+              </a:rPr>
+              <a:t> = </a:t>
+            </a:r>
+            <a:r>
+              <a:rPr lang="de-DE" sz="1000" b="1" dirty="0" err="1" smtClean="0">
+                <a:solidFill>
+                  <a:srgbClr val="C00000"/>
+                </a:solidFill>
+                <a:latin typeface="Arial" panose="020B0604020202020204" pitchFamily="34" charset="0"/>
+                <a:cs typeface="Arial" panose="020B0604020202020204" pitchFamily="34" charset="0"/>
+              </a:rPr>
+              <a:t>right</a:t>
+            </a:r>
+            <a:endParaRPr lang="de-DE" sz="1000" b="1" dirty="0" smtClean="0">
+              <a:solidFill>
+                <a:srgbClr val="C00000"/>
+              </a:solidFill>
+              <a:latin typeface="Arial" panose="020B0604020202020204" pitchFamily="34" charset="0"/>
+              <a:cs typeface="Arial" panose="020B0604020202020204" pitchFamily="34" charset="0"/>
+            </a:endParaRPr>
+          </a:p>
+          <a:p>
+            <a:r>
+              <a:rPr lang="de-DE" sz="1000" b="1" dirty="0" err="1" smtClean="0">
+                <a:solidFill>
+                  <a:srgbClr val="00B050"/>
+                </a:solidFill>
+                <a:latin typeface="Arial" panose="020B0604020202020204" pitchFamily="34" charset="0"/>
+                <a:cs typeface="Arial" panose="020B0604020202020204" pitchFamily="34" charset="0"/>
+              </a:rPr>
+              <a:t>colAlign</a:t>
+            </a:r>
+            <a:r>
+              <a:rPr lang="de-DE" sz="1000" b="1" dirty="0" smtClean="0">
+                <a:solidFill>
+                  <a:srgbClr val="00B050"/>
+                </a:solidFill>
+                <a:latin typeface="Arial" panose="020B0604020202020204" pitchFamily="34" charset="0"/>
+                <a:cs typeface="Arial" panose="020B0604020202020204" pitchFamily="34" charset="0"/>
+              </a:rPr>
+              <a:t> = </a:t>
+            </a:r>
+            <a:r>
+              <a:rPr lang="de-DE" sz="1000" b="1" dirty="0" err="1" smtClean="0">
+                <a:solidFill>
+                  <a:srgbClr val="00B050"/>
+                </a:solidFill>
+                <a:latin typeface="Arial" panose="020B0604020202020204" pitchFamily="34" charset="0"/>
+                <a:cs typeface="Arial" panose="020B0604020202020204" pitchFamily="34" charset="0"/>
+              </a:rPr>
+              <a:t>right</a:t>
+            </a:r>
+            <a:endParaRPr lang="de-DE" sz="1000" b="1" dirty="0" smtClean="0">
+              <a:solidFill>
+                <a:srgbClr val="00B050"/>
+              </a:solidFill>
+              <a:latin typeface="Arial" panose="020B0604020202020204" pitchFamily="34" charset="0"/>
+              <a:cs typeface="Arial" panose="020B0604020202020204" pitchFamily="34" charset="0"/>
+            </a:endParaRPr>
+          </a:p>
+        </p:txBody>
+      </p:sp>
+      <p:sp>
+        <p:nvSpPr>
+          <p:cNvPr id="22" name="Textfeld 21"/>
+          <p:cNvSpPr txBox="1"/>
+          <p:nvPr/>
+        </p:nvSpPr>
+        <p:spPr>
+          <a:xfrm>
+            <a:off x="2147759" y="1789336"/>
+            <a:ext cx="1164101" cy="400110"/>
+          </a:xfrm>
+          <a:prstGeom prst="rect">
+            <a:avLst/>
+          </a:prstGeom>
+          <a:noFill/>
+        </p:spPr>
+        <p:txBody>
+          <a:bodyPr wrap="none" rtlCol="0">
+            <a:spAutoFit/>
+          </a:bodyPr>
+          <a:lstStyle/>
+          <a:p>
+            <a:r>
+              <a:rPr lang="de-DE" sz="1000" b="1" dirty="0" err="1" smtClean="0">
+                <a:solidFill>
+                  <a:srgbClr val="C00000"/>
+                </a:solidFill>
+                <a:latin typeface="Arial" panose="020B0604020202020204" pitchFamily="34" charset="0"/>
+                <a:cs typeface="Arial" panose="020B0604020202020204" pitchFamily="34" charset="0"/>
+              </a:rPr>
+              <a:t>rowAlign</a:t>
+            </a:r>
+            <a:r>
+              <a:rPr lang="de-DE" sz="1000" b="1" dirty="0" smtClean="0">
+                <a:solidFill>
+                  <a:srgbClr val="C00000"/>
+                </a:solidFill>
+                <a:latin typeface="Arial" panose="020B0604020202020204" pitchFamily="34" charset="0"/>
+                <a:cs typeface="Arial" panose="020B0604020202020204" pitchFamily="34" charset="0"/>
+              </a:rPr>
+              <a:t> = </a:t>
+            </a:r>
+            <a:r>
+              <a:rPr lang="de-DE" sz="1000" b="1" dirty="0" err="1" smtClean="0">
+                <a:solidFill>
+                  <a:srgbClr val="C00000"/>
+                </a:solidFill>
+                <a:latin typeface="Arial" panose="020B0604020202020204" pitchFamily="34" charset="0"/>
+                <a:cs typeface="Arial" panose="020B0604020202020204" pitchFamily="34" charset="0"/>
+              </a:rPr>
+              <a:t>right</a:t>
+            </a:r>
+            <a:endParaRPr lang="de-DE" sz="1000" b="1" dirty="0" smtClean="0">
+              <a:solidFill>
+                <a:srgbClr val="C00000"/>
+              </a:solidFill>
+              <a:latin typeface="Arial" panose="020B0604020202020204" pitchFamily="34" charset="0"/>
+              <a:cs typeface="Arial" panose="020B0604020202020204" pitchFamily="34" charset="0"/>
+            </a:endParaRPr>
+          </a:p>
+          <a:p>
+            <a:r>
+              <a:rPr lang="de-DE" sz="1000" b="1" dirty="0" err="1" smtClean="0">
+                <a:solidFill>
+                  <a:srgbClr val="00B050"/>
+                </a:solidFill>
+                <a:latin typeface="Arial" panose="020B0604020202020204" pitchFamily="34" charset="0"/>
+                <a:cs typeface="Arial" panose="020B0604020202020204" pitchFamily="34" charset="0"/>
+              </a:rPr>
+              <a:t>colAlign</a:t>
+            </a:r>
+            <a:r>
+              <a:rPr lang="de-DE" sz="1000" b="1" dirty="0" smtClean="0">
+                <a:solidFill>
+                  <a:srgbClr val="00B050"/>
+                </a:solidFill>
+                <a:latin typeface="Arial" panose="020B0604020202020204" pitchFamily="34" charset="0"/>
+                <a:cs typeface="Arial" panose="020B0604020202020204" pitchFamily="34" charset="0"/>
+              </a:rPr>
+              <a:t> = </a:t>
+            </a:r>
+            <a:r>
+              <a:rPr lang="de-DE" sz="1000" b="1" dirty="0" err="1" smtClean="0">
+                <a:solidFill>
+                  <a:srgbClr val="00B050"/>
+                </a:solidFill>
+                <a:latin typeface="Arial" panose="020B0604020202020204" pitchFamily="34" charset="0"/>
+                <a:cs typeface="Arial" panose="020B0604020202020204" pitchFamily="34" charset="0"/>
+              </a:rPr>
+              <a:t>left</a:t>
+            </a:r>
+            <a:endParaRPr lang="de-DE" sz="1000" b="1" dirty="0" smtClean="0">
+              <a:solidFill>
+                <a:srgbClr val="00B050"/>
+              </a:solidFill>
+              <a:latin typeface="Arial" panose="020B0604020202020204" pitchFamily="34" charset="0"/>
+              <a:cs typeface="Arial" panose="020B0604020202020204" pitchFamily="34" charset="0"/>
+            </a:endParaRPr>
+          </a:p>
+        </p:txBody>
+      </p:sp>
+      <p:sp>
+        <p:nvSpPr>
+          <p:cNvPr id="23" name="Rechteck 22"/>
+          <p:cNvSpPr/>
+          <p:nvPr/>
+        </p:nvSpPr>
+        <p:spPr>
+          <a:xfrm>
+            <a:off x="6162163" y="2276872"/>
+            <a:ext cx="569846" cy="144016"/>
+          </a:xfrm>
+          <a:prstGeom prst="rect">
+            <a:avLst/>
+          </a:prstGeom>
+          <a:solidFill>
+            <a:schemeClr val="bg1">
+              <a:lumMod val="85000"/>
+            </a:schemeClr>
+          </a:solidFill>
+          <a:ln w="19050">
+            <a:solidFill>
+              <a:schemeClr val="tx1"/>
+            </a:solidFill>
+          </a:ln>
+        </p:spPr>
+        <p:style>
+          <a:lnRef idx="2">
+            <a:schemeClr val="accent1">
+              <a:shade val="50000"/>
+            </a:schemeClr>
+          </a:lnRef>
+          <a:fillRef idx="1">
+            <a:schemeClr val="accent1"/>
+          </a:fillRef>
+          <a:effectRef idx="0">
+            <a:schemeClr val="accent1"/>
+          </a:effectRef>
+          <a:fontRef idx="minor">
+            <a:schemeClr val="lt1"/>
+          </a:fontRef>
+        </p:style>
+        <p:txBody>
+          <a:bodyPr rtlCol="0" anchor="ctr"/>
+          <a:lstStyle/>
+          <a:p>
+            <a:pPr algn="ctr"/>
+            <a:endParaRPr lang="de-DE"/>
+          </a:p>
+        </p:txBody>
+      </p:sp>
+      <p:sp>
+        <p:nvSpPr>
+          <p:cNvPr id="24" name="Rechteck 23"/>
+          <p:cNvSpPr/>
+          <p:nvPr/>
+        </p:nvSpPr>
+        <p:spPr>
+          <a:xfrm>
+            <a:off x="6333844" y="2888940"/>
+            <a:ext cx="410369" cy="144016"/>
+          </a:xfrm>
+          <a:prstGeom prst="rect">
+            <a:avLst/>
+          </a:prstGeom>
+          <a:solidFill>
+            <a:schemeClr val="bg1">
+              <a:lumMod val="85000"/>
+            </a:schemeClr>
+          </a:solidFill>
+          <a:ln w="19050">
+            <a:solidFill>
+              <a:schemeClr val="tx1"/>
+            </a:solidFill>
+          </a:ln>
+        </p:spPr>
+        <p:style>
+          <a:lnRef idx="2">
+            <a:schemeClr val="accent1">
+              <a:shade val="50000"/>
+            </a:schemeClr>
+          </a:lnRef>
+          <a:fillRef idx="1">
+            <a:schemeClr val="accent1"/>
+          </a:fillRef>
+          <a:effectRef idx="0">
+            <a:schemeClr val="accent1"/>
+          </a:effectRef>
+          <a:fontRef idx="minor">
+            <a:schemeClr val="lt1"/>
+          </a:fontRef>
+        </p:style>
+        <p:txBody>
+          <a:bodyPr rtlCol="0" anchor="ctr"/>
+          <a:lstStyle/>
+          <a:p>
+            <a:pPr algn="ctr"/>
+            <a:endParaRPr lang="de-DE"/>
+          </a:p>
+        </p:txBody>
+      </p:sp>
+      <p:sp>
+        <p:nvSpPr>
+          <p:cNvPr id="25" name="Rechteck 24"/>
+          <p:cNvSpPr/>
+          <p:nvPr/>
+        </p:nvSpPr>
+        <p:spPr>
+          <a:xfrm>
+            <a:off x="2213927" y="2276872"/>
+            <a:ext cx="569846" cy="144016"/>
+          </a:xfrm>
+          <a:prstGeom prst="rect">
+            <a:avLst/>
+          </a:prstGeom>
+          <a:solidFill>
+            <a:schemeClr val="bg1">
+              <a:lumMod val="85000"/>
+            </a:schemeClr>
+          </a:solidFill>
+          <a:ln w="19050">
+            <a:solidFill>
+              <a:schemeClr val="tx1"/>
+            </a:solidFill>
+          </a:ln>
+        </p:spPr>
+        <p:style>
+          <a:lnRef idx="2">
+            <a:schemeClr val="accent1">
+              <a:shade val="50000"/>
+            </a:schemeClr>
+          </a:lnRef>
+          <a:fillRef idx="1">
+            <a:schemeClr val="accent1"/>
+          </a:fillRef>
+          <a:effectRef idx="0">
+            <a:schemeClr val="accent1"/>
+          </a:effectRef>
+          <a:fontRef idx="minor">
+            <a:schemeClr val="lt1"/>
+          </a:fontRef>
+        </p:style>
+        <p:txBody>
+          <a:bodyPr rtlCol="0" anchor="ctr"/>
+          <a:lstStyle/>
+          <a:p>
+            <a:pPr algn="ctr"/>
+            <a:endParaRPr lang="de-DE"/>
+          </a:p>
+        </p:txBody>
+      </p:sp>
+      <p:sp>
+        <p:nvSpPr>
+          <p:cNvPr id="26" name="Rechteck 25"/>
+          <p:cNvSpPr/>
+          <p:nvPr/>
+        </p:nvSpPr>
+        <p:spPr>
+          <a:xfrm>
+            <a:off x="2385608" y="2888940"/>
+            <a:ext cx="410369" cy="144016"/>
+          </a:xfrm>
+          <a:prstGeom prst="rect">
+            <a:avLst/>
+          </a:prstGeom>
+          <a:solidFill>
+            <a:schemeClr val="bg1">
+              <a:lumMod val="85000"/>
+            </a:schemeClr>
+          </a:solidFill>
+          <a:ln w="19050">
+            <a:solidFill>
+              <a:schemeClr val="tx1"/>
+            </a:solidFill>
+          </a:ln>
+        </p:spPr>
+        <p:style>
+          <a:lnRef idx="2">
+            <a:schemeClr val="accent1">
+              <a:shade val="50000"/>
+            </a:schemeClr>
+          </a:lnRef>
+          <a:fillRef idx="1">
+            <a:schemeClr val="accent1"/>
+          </a:fillRef>
+          <a:effectRef idx="0">
+            <a:schemeClr val="accent1"/>
+          </a:effectRef>
+          <a:fontRef idx="minor">
+            <a:schemeClr val="lt1"/>
+          </a:fontRef>
+        </p:style>
+        <p:txBody>
+          <a:bodyPr rtlCol="0" anchor="ctr"/>
+          <a:lstStyle/>
+          <a:p>
+            <a:pPr algn="ctr"/>
+            <a:endParaRPr lang="de-DE"/>
+          </a:p>
+        </p:txBody>
+      </p:sp>
+      <p:cxnSp>
+        <p:nvCxnSpPr>
+          <p:cNvPr id="27" name="Gerade Verbindung mit Pfeil 26"/>
+          <p:cNvCxnSpPr/>
+          <p:nvPr/>
+        </p:nvCxnSpPr>
+        <p:spPr>
+          <a:xfrm flipV="1">
+            <a:off x="1835696" y="1484784"/>
+            <a:ext cx="0" cy="936104"/>
+          </a:xfrm>
+          <a:prstGeom prst="straightConnector1">
+            <a:avLst/>
+          </a:prstGeom>
+          <a:ln w="19050">
+            <a:solidFill>
+              <a:schemeClr val="tx1"/>
+            </a:solidFill>
+            <a:headEnd type="arrow"/>
+            <a:tailEnd type="arrow"/>
+          </a:ln>
+        </p:spPr>
+        <p:style>
+          <a:lnRef idx="1">
+            <a:schemeClr val="accent1"/>
+          </a:lnRef>
+          <a:fillRef idx="0">
+            <a:schemeClr val="accent1"/>
+          </a:fillRef>
+          <a:effectRef idx="0">
+            <a:schemeClr val="accent1"/>
+          </a:effectRef>
+          <a:fontRef idx="minor">
+            <a:schemeClr val="tx1"/>
+          </a:fontRef>
+        </p:style>
+      </p:cxnSp>
+      <p:cxnSp>
+        <p:nvCxnSpPr>
+          <p:cNvPr id="30" name="Gerade Verbindung 29"/>
+          <p:cNvCxnSpPr/>
+          <p:nvPr/>
+        </p:nvCxnSpPr>
+        <p:spPr>
+          <a:xfrm>
+            <a:off x="1702423" y="2420888"/>
+            <a:ext cx="5245841" cy="0"/>
+          </a:xfrm>
+          <a:prstGeom prst="line">
+            <a:avLst/>
+          </a:prstGeom>
+          <a:ln w="19050">
+            <a:solidFill>
+              <a:schemeClr val="tx1"/>
+            </a:solidFill>
+            <a:headEnd type="none" w="med" len="med"/>
+            <a:tailEnd type="none" w="med" len="med"/>
+          </a:ln>
+        </p:spPr>
+        <p:style>
+          <a:lnRef idx="1">
+            <a:schemeClr val="accent1"/>
+          </a:lnRef>
+          <a:fillRef idx="0">
+            <a:schemeClr val="accent1"/>
+          </a:fillRef>
+          <a:effectRef idx="0">
+            <a:schemeClr val="accent1"/>
+          </a:effectRef>
+          <a:fontRef idx="minor">
+            <a:schemeClr val="tx1"/>
+          </a:fontRef>
+        </p:style>
+      </p:cxnSp>
+      <p:cxnSp>
+        <p:nvCxnSpPr>
+          <p:cNvPr id="33" name="Gerade Verbindung 32"/>
+          <p:cNvCxnSpPr/>
+          <p:nvPr/>
+        </p:nvCxnSpPr>
+        <p:spPr>
+          <a:xfrm>
+            <a:off x="1043608" y="3032956"/>
+            <a:ext cx="5813346" cy="0"/>
+          </a:xfrm>
+          <a:prstGeom prst="line">
+            <a:avLst/>
+          </a:prstGeom>
+          <a:ln w="19050">
+            <a:solidFill>
+              <a:schemeClr val="tx1"/>
+            </a:solidFill>
+            <a:headEnd type="none" w="med" len="med"/>
+            <a:tailEnd type="none" w="med" len="med"/>
+          </a:ln>
+        </p:spPr>
+        <p:style>
+          <a:lnRef idx="1">
+            <a:schemeClr val="accent1"/>
+          </a:lnRef>
+          <a:fillRef idx="0">
+            <a:schemeClr val="accent1"/>
+          </a:fillRef>
+          <a:effectRef idx="0">
+            <a:schemeClr val="accent1"/>
+          </a:effectRef>
+          <a:fontRef idx="minor">
+            <a:schemeClr val="tx1"/>
+          </a:fontRef>
+        </p:style>
+      </p:cxnSp>
+      <p:sp>
+        <p:nvSpPr>
+          <p:cNvPr id="34" name="Textfeld 33"/>
+          <p:cNvSpPr txBox="1"/>
+          <p:nvPr/>
+        </p:nvSpPr>
+        <p:spPr>
+          <a:xfrm>
+            <a:off x="1533146" y="1376772"/>
+            <a:ext cx="338554" cy="1008112"/>
+          </a:xfrm>
+          <a:prstGeom prst="rect">
+            <a:avLst/>
+          </a:prstGeom>
+          <a:noFill/>
+        </p:spPr>
+        <p:txBody>
+          <a:bodyPr vert="vert270" wrap="square" rtlCol="0">
+            <a:spAutoFit/>
+          </a:bodyPr>
+          <a:lstStyle/>
+          <a:p>
+            <a:r>
+              <a:rPr lang="de-DE" sz="1000" dirty="0" err="1" smtClean="0">
+                <a:latin typeface="Arial" panose="020B0604020202020204" pitchFamily="34" charset="0"/>
+                <a:cs typeface="Arial" panose="020B0604020202020204" pitchFamily="34" charset="0"/>
+              </a:rPr>
+              <a:t>inset.height</a:t>
+            </a:r>
+            <a:r>
+              <a:rPr lang="de-DE" sz="1000" dirty="0" smtClean="0">
+                <a:latin typeface="Arial" panose="020B0604020202020204" pitchFamily="34" charset="0"/>
+                <a:cs typeface="Arial" panose="020B0604020202020204" pitchFamily="34" charset="0"/>
+              </a:rPr>
+              <a:t> / 2</a:t>
+            </a:r>
+            <a:endParaRPr lang="de-DE" sz="1000" dirty="0" smtClean="0">
+              <a:latin typeface="Arial" panose="020B0604020202020204" pitchFamily="34" charset="0"/>
+              <a:cs typeface="Arial" panose="020B0604020202020204" pitchFamily="34" charset="0"/>
+            </a:endParaRPr>
+          </a:p>
+        </p:txBody>
+      </p:sp>
+      <p:cxnSp>
+        <p:nvCxnSpPr>
+          <p:cNvPr id="36" name="Gerade Verbindung mit Pfeil 35"/>
+          <p:cNvCxnSpPr/>
+          <p:nvPr/>
+        </p:nvCxnSpPr>
+        <p:spPr>
+          <a:xfrm flipV="1">
+            <a:off x="1259632" y="1498722"/>
+            <a:ext cx="0" cy="1552354"/>
+          </a:xfrm>
+          <a:prstGeom prst="straightConnector1">
+            <a:avLst/>
+          </a:prstGeom>
+          <a:ln w="19050">
+            <a:solidFill>
+              <a:schemeClr val="tx1"/>
+            </a:solidFill>
+            <a:headEnd type="arrow"/>
+            <a:tailEnd type="arrow"/>
+          </a:ln>
+        </p:spPr>
+        <p:style>
+          <a:lnRef idx="1">
+            <a:schemeClr val="accent1"/>
+          </a:lnRef>
+          <a:fillRef idx="0">
+            <a:schemeClr val="accent1"/>
+          </a:fillRef>
+          <a:effectRef idx="0">
+            <a:schemeClr val="accent1"/>
+          </a:effectRef>
+          <a:fontRef idx="minor">
+            <a:schemeClr val="tx1"/>
+          </a:fontRef>
+        </p:style>
+      </p:cxnSp>
+      <p:sp>
+        <p:nvSpPr>
+          <p:cNvPr id="38" name="Textfeld 37"/>
+          <p:cNvSpPr txBox="1"/>
+          <p:nvPr/>
+        </p:nvSpPr>
+        <p:spPr>
+          <a:xfrm>
+            <a:off x="971600" y="1592796"/>
+            <a:ext cx="338554" cy="1296144"/>
+          </a:xfrm>
+          <a:prstGeom prst="rect">
+            <a:avLst/>
+          </a:prstGeom>
+          <a:noFill/>
+        </p:spPr>
+        <p:txBody>
+          <a:bodyPr vert="vert270" wrap="square" rtlCol="0">
+            <a:spAutoFit/>
+          </a:bodyPr>
+          <a:lstStyle/>
+          <a:p>
+            <a:r>
+              <a:rPr lang="de-DE" sz="1000" dirty="0" err="1" smtClean="0">
+                <a:latin typeface="Arial" panose="020B0604020202020204" pitchFamily="34" charset="0"/>
+                <a:cs typeface="Arial" panose="020B0604020202020204" pitchFamily="34" charset="0"/>
+              </a:rPr>
+              <a:t>inset.height</a:t>
+            </a:r>
+            <a:r>
+              <a:rPr lang="de-DE" sz="1000" dirty="0" smtClean="0">
+                <a:latin typeface="Arial" panose="020B0604020202020204" pitchFamily="34" charset="0"/>
+                <a:cs typeface="Arial" panose="020B0604020202020204" pitchFamily="34" charset="0"/>
+              </a:rPr>
+              <a:t> * 11 / 12</a:t>
+            </a:r>
+            <a:endParaRPr lang="de-DE" sz="1000" dirty="0" smtClean="0">
+              <a:latin typeface="Arial" panose="020B0604020202020204" pitchFamily="34" charset="0"/>
+              <a:cs typeface="Arial" panose="020B0604020202020204" pitchFamily="34" charset="0"/>
+            </a:endParaRPr>
+          </a:p>
+        </p:txBody>
+      </p:sp>
+    </p:spTree>
+    <p:extLst>
+      <p:ext uri="{BB962C8B-B14F-4D97-AF65-F5344CB8AC3E}">
+        <p14:creationId xmlns:p14="http://schemas.microsoft.com/office/powerpoint/2010/main" val="1281668219"/>
+      </p:ext>
+    </p:extLst>
+  </p:cSld>
+  <p:clrMapOvr>
+    <a:masterClrMapping/>
+  </p:clrMapOvr>
+</p:sld>
+</file>
+
+<file path=ppt/slides/slide9.xml><?xml version="1.0" encoding="utf-8"?>
 <p:sld xmlns:a="http://schemas.openxmlformats.org/drawingml/2006/main" xmlns:r="http://schemas.openxmlformats.org/officeDocument/2006/relationships" xmlns:p="http://schemas.openxmlformats.org/presentationml/2006/main">
   <p:cSld>
     <p:spTree>
@@ -26052,556 +28468,6 @@
       </p:par>
     </p:tnLst>
   </p:timing>
-</p:sld>
-</file>
-
-<file path=ppt/slides/slide9.xml><?xml version="1.0" encoding="utf-8"?>
-<p:sld xmlns:a="http://schemas.openxmlformats.org/drawingml/2006/main" xmlns:r="http://schemas.openxmlformats.org/officeDocument/2006/relationships" xmlns:p="http://schemas.openxmlformats.org/presentationml/2006/main">
-  <p:cSld>
-    <p:spTree>
-      <p:nvGrpSpPr>
-        <p:cNvPr id="1" name=""/>
-        <p:cNvGrpSpPr/>
-        <p:nvPr/>
-      </p:nvGrpSpPr>
-      <p:grpSpPr>
-        <a:xfrm>
-          <a:off x="0" y="0"/>
-          <a:ext cx="0" cy="0"/>
-          <a:chOff x="0" y="0"/>
-          <a:chExt cx="0" cy="0"/>
-        </a:xfrm>
-      </p:grpSpPr>
-      <p:sp>
-        <p:nvSpPr>
-          <p:cNvPr id="2" name="Titel 1"/>
-          <p:cNvSpPr>
-            <a:spLocks noGrp="1"/>
-          </p:cNvSpPr>
-          <p:nvPr>
-            <p:ph type="title"/>
-          </p:nvPr>
-        </p:nvSpPr>
-        <p:spPr/>
-        <p:txBody>
-          <a:bodyPr/>
-          <a:lstStyle/>
-          <a:p>
-            <a:r>
-              <a:rPr lang="de-DE" dirty="0" err="1" smtClean="0"/>
-              <a:t>Tracker</a:t>
-            </a:r>
-            <a:r>
-              <a:rPr lang="de-DE" dirty="0" smtClean="0"/>
-              <a:t> - Test Cases</a:t>
-            </a:r>
-            <a:endParaRPr lang="de-DE" dirty="0"/>
-          </a:p>
-        </p:txBody>
-      </p:sp>
-      <p:sp>
-        <p:nvSpPr>
-          <p:cNvPr id="3" name="Inhaltsplatzhalter 2"/>
-          <p:cNvSpPr txBox="1">
-            <a:spLocks/>
-          </p:cNvSpPr>
-          <p:nvPr/>
-        </p:nvSpPr>
-        <p:spPr>
-          <a:xfrm>
-            <a:off x="457200" y="836712"/>
-            <a:ext cx="8229600" cy="5289451"/>
-          </a:xfrm>
-          <a:prstGeom prst="rect">
-            <a:avLst/>
-          </a:prstGeom>
-        </p:spPr>
-        <p:txBody>
-          <a:bodyPr/>
-          <a:lstStyle>
-            <a:lvl1pPr marL="180975" indent="-180975" algn="l" defTabSz="914400" rtl="0" eaLnBrk="1" latinLnBrk="0" hangingPunct="1">
-              <a:spcBef>
-                <a:spcPts val="300"/>
-              </a:spcBef>
-              <a:buFont typeface="Wingdings" panose="05000000000000000000" pitchFamily="2" charset="2"/>
-              <a:buChar char="§"/>
-              <a:defRPr lang="de-DE" sz="1200" kern="1200" baseline="0" dirty="0" smtClean="0">
-                <a:solidFill>
-                  <a:schemeClr val="tx1"/>
-                </a:solidFill>
-                <a:latin typeface="Arial" panose="020B0604020202020204" pitchFamily="34" charset="0"/>
-                <a:ea typeface="+mn-ea"/>
-                <a:cs typeface="Arial" panose="020B0604020202020204" pitchFamily="34" charset="0"/>
-              </a:defRPr>
-            </a:lvl1pPr>
-            <a:lvl2pPr marL="447675" indent="-180975" algn="l" defTabSz="914400" rtl="0" eaLnBrk="1" latinLnBrk="0" hangingPunct="1">
-              <a:spcBef>
-                <a:spcPts val="300"/>
-              </a:spcBef>
-              <a:buFont typeface="Wingdings" panose="05000000000000000000" pitchFamily="2" charset="2"/>
-              <a:buChar char="§"/>
-              <a:defRPr lang="de-DE" sz="1000" kern="1200" baseline="0" dirty="0" smtClean="0">
-                <a:solidFill>
-                  <a:schemeClr val="tx1"/>
-                </a:solidFill>
-                <a:latin typeface="Arial" panose="020B0604020202020204" pitchFamily="34" charset="0"/>
-                <a:ea typeface="+mn-ea"/>
-                <a:cs typeface="Arial" panose="020B0604020202020204" pitchFamily="34" charset="0"/>
-              </a:defRPr>
-            </a:lvl2pPr>
-            <a:lvl3pPr marL="712788" indent="-169863" algn="l" defTabSz="914400" rtl="0" eaLnBrk="1" latinLnBrk="0" hangingPunct="1">
-              <a:spcBef>
-                <a:spcPts val="0"/>
-              </a:spcBef>
-              <a:buFont typeface="Arial" panose="020B0604020202020204" pitchFamily="34" charset="0"/>
-              <a:buChar char="-"/>
-              <a:defRPr lang="de-DE" sz="1000" kern="1200" baseline="0" dirty="0" smtClean="0">
-                <a:solidFill>
-                  <a:schemeClr val="tx1"/>
-                </a:solidFill>
-                <a:latin typeface="Arial" panose="020B0604020202020204" pitchFamily="34" charset="0"/>
-                <a:ea typeface="+mn-ea"/>
-                <a:cs typeface="Arial" panose="020B0604020202020204" pitchFamily="34" charset="0"/>
-              </a:defRPr>
-            </a:lvl3pPr>
-            <a:lvl4pPr marL="1600200" indent="-228600" algn="l" defTabSz="914400" rtl="0" eaLnBrk="1" latinLnBrk="0" hangingPunct="1">
-              <a:spcBef>
-                <a:spcPct val="20000"/>
-              </a:spcBef>
-              <a:buFont typeface="Wingdings" panose="05000000000000000000" pitchFamily="2" charset="2"/>
-              <a:buChar char="§"/>
-              <a:defRPr lang="de-DE" sz="1400" kern="1200" baseline="0" dirty="0" smtClean="0">
-                <a:solidFill>
-                  <a:schemeClr val="tx1"/>
-                </a:solidFill>
-                <a:latin typeface="Arial" panose="020B0604020202020204" pitchFamily="34" charset="0"/>
-                <a:ea typeface="+mn-ea"/>
-                <a:cs typeface="Arial" panose="020B0604020202020204" pitchFamily="34" charset="0"/>
-              </a:defRPr>
-            </a:lvl4pPr>
-            <a:lvl5pPr marL="2057400" indent="-228600" algn="l" defTabSz="914400" rtl="0" eaLnBrk="1" latinLnBrk="0" hangingPunct="1">
-              <a:spcBef>
-                <a:spcPct val="20000"/>
-              </a:spcBef>
-              <a:buFont typeface="Wingdings" panose="05000000000000000000" pitchFamily="2" charset="2"/>
-              <a:buChar char="§"/>
-              <a:defRPr lang="de-DE" sz="1400" kern="1200" baseline="0" dirty="0">
-                <a:solidFill>
-                  <a:schemeClr val="tx1"/>
-                </a:solidFill>
-                <a:latin typeface="Arial" panose="020B0604020202020204" pitchFamily="34" charset="0"/>
-                <a:ea typeface="+mn-ea"/>
-                <a:cs typeface="Arial" panose="020B0604020202020204" pitchFamily="34" charset="0"/>
-              </a:defRPr>
-            </a:lvl5pPr>
-            <a:lvl6pPr marL="2514600" indent="-228600" algn="l" defTabSz="914400" rtl="0" eaLnBrk="1" latinLnBrk="0" hangingPunct="1">
-              <a:spcBef>
-                <a:spcPct val="20000"/>
-              </a:spcBef>
-              <a:buFont typeface="Arial" panose="020B0604020202020204" pitchFamily="34" charset="0"/>
-              <a:buChar char="•"/>
-              <a:defRPr sz="2000" kern="1200">
-                <a:solidFill>
-                  <a:schemeClr val="tx1"/>
-                </a:solidFill>
-                <a:latin typeface="+mn-lt"/>
-                <a:ea typeface="+mn-ea"/>
-                <a:cs typeface="+mn-cs"/>
-              </a:defRPr>
-            </a:lvl6pPr>
-            <a:lvl7pPr marL="2971800" indent="-228600" algn="l" defTabSz="914400" rtl="0" eaLnBrk="1" latinLnBrk="0" hangingPunct="1">
-              <a:spcBef>
-                <a:spcPct val="20000"/>
-              </a:spcBef>
-              <a:buFont typeface="Arial" panose="020B0604020202020204" pitchFamily="34" charset="0"/>
-              <a:buChar char="•"/>
-              <a:defRPr sz="2000" kern="1200">
-                <a:solidFill>
-                  <a:schemeClr val="tx1"/>
-                </a:solidFill>
-                <a:latin typeface="+mn-lt"/>
-                <a:ea typeface="+mn-ea"/>
-                <a:cs typeface="+mn-cs"/>
-              </a:defRPr>
-            </a:lvl7pPr>
-            <a:lvl8pPr marL="3429000" indent="-228600" algn="l" defTabSz="914400" rtl="0" eaLnBrk="1" latinLnBrk="0" hangingPunct="1">
-              <a:spcBef>
-                <a:spcPct val="20000"/>
-              </a:spcBef>
-              <a:buFont typeface="Arial" panose="020B0604020202020204" pitchFamily="34" charset="0"/>
-              <a:buChar char="•"/>
-              <a:defRPr sz="2000" kern="1200">
-                <a:solidFill>
-                  <a:schemeClr val="tx1"/>
-                </a:solidFill>
-                <a:latin typeface="+mn-lt"/>
-                <a:ea typeface="+mn-ea"/>
-                <a:cs typeface="+mn-cs"/>
-              </a:defRPr>
-            </a:lvl8pPr>
-            <a:lvl9pPr marL="3886200" indent="-228600" algn="l" defTabSz="914400" rtl="0" eaLnBrk="1" latinLnBrk="0" hangingPunct="1">
-              <a:spcBef>
-                <a:spcPct val="20000"/>
-              </a:spcBef>
-              <a:buFont typeface="Arial" panose="020B0604020202020204" pitchFamily="34" charset="0"/>
-              <a:buChar char="•"/>
-              <a:defRPr sz="2000" kern="1200">
-                <a:solidFill>
-                  <a:schemeClr val="tx1"/>
-                </a:solidFill>
-                <a:latin typeface="+mn-lt"/>
-                <a:ea typeface="+mn-ea"/>
-                <a:cs typeface="+mn-cs"/>
-              </a:defRPr>
-            </a:lvl9pPr>
-          </a:lstStyle>
-          <a:p>
-            <a:r>
-              <a:rPr lang="de-DE" dirty="0" err="1" smtClean="0"/>
-              <a:t>class</a:t>
-            </a:r>
-            <a:r>
-              <a:rPr lang="de-DE" dirty="0" smtClean="0"/>
-              <a:t> </a:t>
-            </a:r>
-            <a:r>
-              <a:rPr lang="de-DE" dirty="0" err="1" smtClean="0"/>
-              <a:t>TrackEntry</a:t>
-            </a:r>
-            <a:endParaRPr lang="de-DE" dirty="0" smtClean="0"/>
-          </a:p>
-          <a:p>
-            <a:pPr lvl="1">
-              <a:buFont typeface="Arial" panose="020B0604020202020204" pitchFamily="34" charset="0"/>
-              <a:buChar char="-"/>
-            </a:pPr>
-            <a:r>
-              <a:rPr lang="de-DE" dirty="0" err="1" smtClean="0"/>
-              <a:t>centroid</a:t>
-            </a:r>
-            <a:r>
-              <a:rPr lang="de-DE" dirty="0" smtClean="0"/>
-              <a:t> </a:t>
-            </a:r>
-            <a:r>
-              <a:rPr lang="de-DE" dirty="0" err="1" smtClean="0"/>
-              <a:t>calculation</a:t>
-            </a:r>
-            <a:endParaRPr lang="de-DE" dirty="0" smtClean="0"/>
-          </a:p>
-          <a:p>
-            <a:pPr lvl="1">
-              <a:buFont typeface="Arial" panose="020B0604020202020204" pitchFamily="34" charset="0"/>
-              <a:buChar char="-"/>
-            </a:pPr>
-            <a:r>
-              <a:rPr lang="de-DE" dirty="0" err="1" smtClean="0"/>
-              <a:t>hasSimilarSize</a:t>
-            </a:r>
-            <a:endParaRPr lang="de-DE" dirty="0" smtClean="0"/>
-          </a:p>
-          <a:p>
-            <a:pPr lvl="1">
-              <a:buFont typeface="Arial" panose="020B0604020202020204" pitchFamily="34" charset="0"/>
-              <a:buChar char="-"/>
-            </a:pPr>
-            <a:endParaRPr lang="de-DE" dirty="0"/>
-          </a:p>
-          <a:p>
-            <a:r>
-              <a:rPr lang="de-DE" dirty="0" err="1" smtClean="0"/>
-              <a:t>class</a:t>
-            </a:r>
-            <a:r>
-              <a:rPr lang="de-DE" dirty="0" smtClean="0"/>
-              <a:t> Track</a:t>
-            </a:r>
-          </a:p>
-          <a:p>
-            <a:pPr lvl="1">
-              <a:buFont typeface="Calibri" panose="020F0502020204030204" pitchFamily="34" charset="0"/>
-              <a:buChar char="-"/>
-            </a:pPr>
-            <a:r>
-              <a:rPr lang="de-DE" dirty="0" err="1" smtClean="0"/>
-              <a:t>velocity</a:t>
-            </a:r>
-            <a:r>
-              <a:rPr lang="de-DE" dirty="0" smtClean="0"/>
-              <a:t> </a:t>
-            </a:r>
-            <a:r>
-              <a:rPr lang="de-DE" dirty="0" err="1" smtClean="0"/>
-              <a:t>calculation</a:t>
-            </a:r>
-            <a:endParaRPr lang="de-DE" dirty="0" smtClean="0"/>
-          </a:p>
-          <a:p>
-            <a:pPr lvl="1">
-              <a:buFont typeface="Calibri" panose="020F0502020204030204" pitchFamily="34" charset="0"/>
-              <a:buChar char="-"/>
-            </a:pPr>
-            <a:r>
-              <a:rPr lang="de-DE" dirty="0" err="1" smtClean="0"/>
-              <a:t>substitute</a:t>
-            </a:r>
-            <a:r>
-              <a:rPr lang="de-DE" dirty="0" smtClean="0"/>
-              <a:t> </a:t>
-            </a:r>
-            <a:r>
-              <a:rPr lang="de-DE" dirty="0" err="1" smtClean="0"/>
-              <a:t>track</a:t>
-            </a:r>
-            <a:r>
-              <a:rPr lang="de-DE" dirty="0" smtClean="0"/>
-              <a:t> </a:t>
-            </a:r>
-            <a:r>
-              <a:rPr lang="de-DE" dirty="0" err="1" smtClean="0"/>
-              <a:t>entry</a:t>
-            </a:r>
-            <a:endParaRPr lang="de-DE" dirty="0" smtClean="0"/>
-          </a:p>
-          <a:p>
-            <a:pPr lvl="1">
-              <a:buFont typeface="Calibri" panose="020F0502020204030204" pitchFamily="34" charset="0"/>
-              <a:buChar char="-"/>
-            </a:pPr>
-            <a:r>
-              <a:rPr lang="de-DE" dirty="0" err="1" smtClean="0"/>
-              <a:t>updateTrack</a:t>
-            </a:r>
-            <a:endParaRPr lang="de-DE" dirty="0" smtClean="0"/>
-          </a:p>
-          <a:p>
-            <a:pPr lvl="2">
-              <a:buFont typeface="Calibri" panose="020F0502020204030204" pitchFamily="34" charset="0"/>
-              <a:buChar char="-"/>
-            </a:pPr>
-            <a:r>
-              <a:rPr lang="de-DE" dirty="0" err="1" smtClean="0"/>
-              <a:t>take</a:t>
-            </a:r>
-            <a:r>
-              <a:rPr lang="de-DE" dirty="0" smtClean="0"/>
-              <a:t> </a:t>
-            </a:r>
-            <a:r>
-              <a:rPr lang="de-DE" dirty="0" err="1" smtClean="0"/>
-              <a:t>closest</a:t>
-            </a:r>
-            <a:endParaRPr lang="de-DE" dirty="0" smtClean="0"/>
-          </a:p>
-          <a:p>
-            <a:pPr lvl="2">
-              <a:buFont typeface="Calibri" panose="020F0502020204030204" pitchFamily="34" charset="0"/>
-              <a:buChar char="-"/>
-            </a:pPr>
-            <a:r>
-              <a:rPr lang="de-DE" dirty="0" err="1" smtClean="0"/>
-              <a:t>take</a:t>
-            </a:r>
-            <a:r>
-              <a:rPr lang="de-DE" dirty="0" smtClean="0"/>
-              <a:t> </a:t>
-            </a:r>
-            <a:r>
-              <a:rPr lang="de-DE" dirty="0" err="1" smtClean="0"/>
-              <a:t>similar</a:t>
-            </a:r>
-            <a:endParaRPr lang="de-DE" dirty="0" smtClean="0"/>
-          </a:p>
-          <a:p>
-            <a:pPr lvl="1">
-              <a:buFont typeface="Calibri" panose="020F0502020204030204" pitchFamily="34" charset="0"/>
-              <a:buChar char="-"/>
-            </a:pPr>
-            <a:r>
-              <a:rPr lang="de-DE" dirty="0" err="1" smtClean="0"/>
-              <a:t>delete</a:t>
-            </a:r>
-            <a:r>
-              <a:rPr lang="de-DE" dirty="0" smtClean="0"/>
-              <a:t> </a:t>
-            </a:r>
-            <a:r>
-              <a:rPr lang="de-DE" dirty="0" err="1" smtClean="0"/>
-              <a:t>track</a:t>
-            </a:r>
-            <a:r>
-              <a:rPr lang="de-DE" dirty="0" smtClean="0"/>
-              <a:t>, </a:t>
-            </a:r>
-            <a:r>
-              <a:rPr lang="de-DE" dirty="0" err="1" smtClean="0"/>
-              <a:t>if</a:t>
-            </a:r>
-            <a:r>
-              <a:rPr lang="de-DE" dirty="0" smtClean="0"/>
-              <a:t> </a:t>
-            </a:r>
-            <a:r>
-              <a:rPr lang="de-DE" dirty="0" err="1" smtClean="0"/>
-              <a:t>confidence</a:t>
-            </a:r>
-            <a:r>
-              <a:rPr lang="de-DE" dirty="0" smtClean="0"/>
-              <a:t> </a:t>
-            </a:r>
-            <a:r>
-              <a:rPr lang="de-DE" dirty="0" err="1" smtClean="0"/>
-              <a:t>drops</a:t>
-            </a:r>
-            <a:r>
-              <a:rPr lang="de-DE" dirty="0" smtClean="0"/>
-              <a:t> </a:t>
-            </a:r>
-            <a:r>
-              <a:rPr lang="de-DE" dirty="0" err="1" smtClean="0"/>
-              <a:t>below</a:t>
-            </a:r>
-            <a:r>
-              <a:rPr lang="de-DE" dirty="0" smtClean="0"/>
-              <a:t> </a:t>
-            </a:r>
-            <a:r>
-              <a:rPr lang="de-DE" dirty="0" err="1" smtClean="0"/>
-              <a:t>zero</a:t>
-            </a:r>
-            <a:endParaRPr lang="de-DE" dirty="0" smtClean="0"/>
-          </a:p>
-          <a:p>
-            <a:pPr lvl="1">
-              <a:buFont typeface="Calibri" panose="020F0502020204030204" pitchFamily="34" charset="0"/>
-              <a:buChar char="-"/>
-            </a:pPr>
-            <a:endParaRPr lang="de-DE" dirty="0" smtClean="0"/>
-          </a:p>
-          <a:p>
-            <a:pPr lvl="1">
-              <a:buFont typeface="Calibri" panose="020F0502020204030204" pitchFamily="34" charset="0"/>
-              <a:buChar char="-"/>
-            </a:pPr>
-            <a:endParaRPr lang="de-DE" dirty="0"/>
-          </a:p>
-          <a:p>
-            <a:r>
-              <a:rPr lang="de-DE" dirty="0" err="1" smtClean="0"/>
-              <a:t>class</a:t>
-            </a:r>
-            <a:r>
-              <a:rPr lang="de-DE" dirty="0" smtClean="0"/>
-              <a:t> </a:t>
-            </a:r>
-            <a:r>
-              <a:rPr lang="de-DE" dirty="0" err="1" smtClean="0"/>
-              <a:t>SceneTracker</a:t>
-            </a:r>
-            <a:endParaRPr lang="de-DE" dirty="0" smtClean="0"/>
-          </a:p>
-          <a:p>
-            <a:pPr lvl="1">
-              <a:buFont typeface="Arial" panose="020B0604020202020204" pitchFamily="34" charset="0"/>
-              <a:buChar char="-"/>
-            </a:pPr>
-            <a:r>
-              <a:rPr lang="de-DE" dirty="0" err="1" smtClean="0"/>
-              <a:t>allow</a:t>
-            </a:r>
-            <a:r>
-              <a:rPr lang="de-DE" dirty="0" smtClean="0"/>
-              <a:t> </a:t>
-            </a:r>
-            <a:r>
-              <a:rPr lang="de-DE" dirty="0" err="1" smtClean="0"/>
-              <a:t>for</a:t>
-            </a:r>
-            <a:r>
-              <a:rPr lang="de-DE" dirty="0" smtClean="0"/>
-              <a:t> </a:t>
-            </a:r>
-            <a:r>
-              <a:rPr lang="de-DE" dirty="0" err="1" smtClean="0"/>
-              <a:t>max</a:t>
-            </a:r>
-            <a:r>
-              <a:rPr lang="de-DE" dirty="0" smtClean="0"/>
-              <a:t> 10 Tracks (Track-ID)</a:t>
-            </a:r>
-          </a:p>
-          <a:p>
-            <a:pPr lvl="1">
-              <a:buFont typeface="Arial" panose="020B0604020202020204" pitchFamily="34" charset="0"/>
-              <a:buChar char="-"/>
-            </a:pPr>
-            <a:r>
-              <a:rPr lang="de-DE" dirty="0" err="1" smtClean="0"/>
-              <a:t>updateTracks</a:t>
-            </a:r>
-            <a:endParaRPr lang="de-DE" dirty="0" smtClean="0"/>
-          </a:p>
-          <a:p>
-            <a:pPr lvl="2"/>
-            <a:r>
-              <a:rPr lang="de-DE" dirty="0" err="1" smtClean="0"/>
-              <a:t>max</a:t>
-            </a:r>
-            <a:r>
-              <a:rPr lang="de-DE" dirty="0" smtClean="0"/>
-              <a:t> 10 Tracks</a:t>
-            </a:r>
-          </a:p>
-          <a:p>
-            <a:pPr lvl="2"/>
-            <a:r>
-              <a:rPr lang="de-DE" dirty="0" err="1" smtClean="0"/>
-              <a:t>delete</a:t>
-            </a:r>
-            <a:r>
-              <a:rPr lang="de-DE" dirty="0" smtClean="0"/>
-              <a:t> </a:t>
-            </a:r>
-            <a:r>
-              <a:rPr lang="de-DE" dirty="0" err="1" smtClean="0"/>
-              <a:t>orphaned</a:t>
-            </a:r>
-            <a:endParaRPr lang="de-DE" dirty="0" smtClean="0"/>
-          </a:p>
-          <a:p>
-            <a:pPr lvl="2"/>
-            <a:r>
-              <a:rPr lang="de-DE" dirty="0" smtClean="0"/>
-              <a:t>update </a:t>
-            </a:r>
-            <a:r>
-              <a:rPr lang="de-DE" smtClean="0"/>
-              <a:t>new</a:t>
-            </a:r>
-          </a:p>
-          <a:p>
-            <a:pPr lvl="1">
-              <a:buFont typeface="Arial" panose="020B0604020202020204" pitchFamily="34" charset="0"/>
-              <a:buChar char="-"/>
-            </a:pPr>
-            <a:endParaRPr lang="de-DE" dirty="0"/>
-          </a:p>
-          <a:p>
-            <a:pPr lvl="2"/>
-            <a:endParaRPr lang="de-DE" dirty="0"/>
-          </a:p>
-        </p:txBody>
-      </p:sp>
-    </p:spTree>
-    <p:extLst>
-      <p:ext uri="{BB962C8B-B14F-4D97-AF65-F5344CB8AC3E}">
-        <p14:creationId xmlns:p14="http://schemas.microsoft.com/office/powerpoint/2010/main" val="2150305663"/>
-      </p:ext>
-    </p:extLst>
-  </p:cSld>
-  <p:clrMapOvr>
-    <a:masterClrMapping/>
-  </p:clrMapOvr>
 </p:sld>
 </file>
 

--- a/MotionDetection+ObjectTrackingV4.pptx
+++ b/MotionDetection+ObjectTrackingV4.pptx
@@ -310,7 +310,7 @@
           <a:p>
             <a:fld id="{7F847C87-CECF-4A9A-88F5-87615B577ED8}" type="datetimeFigureOut">
               <a:rPr lang="de-DE" smtClean="0"/>
-              <a:t>28.05.2018</a:t>
+              <a:t>02.06.2018</a:t>
             </a:fld>
             <a:endParaRPr lang="de-DE"/>
           </a:p>
@@ -489,7 +489,7 @@
           <a:p>
             <a:fld id="{7F847C87-CECF-4A9A-88F5-87615B577ED8}" type="datetimeFigureOut">
               <a:rPr lang="de-DE" smtClean="0"/>
-              <a:t>28.05.2018</a:t>
+              <a:t>02.06.2018</a:t>
             </a:fld>
             <a:endParaRPr lang="de-DE"/>
           </a:p>
@@ -669,7 +669,7 @@
           <a:p>
             <a:fld id="{7F847C87-CECF-4A9A-88F5-87615B577ED8}" type="datetimeFigureOut">
               <a:rPr lang="de-DE" smtClean="0"/>
-              <a:t>28.05.2018</a:t>
+              <a:t>02.06.2018</a:t>
             </a:fld>
             <a:endParaRPr lang="de-DE"/>
           </a:p>
@@ -903,7 +903,7 @@
           <a:p>
             <a:fld id="{7F847C87-CECF-4A9A-88F5-87615B577ED8}" type="datetimeFigureOut">
               <a:rPr lang="de-DE" smtClean="0"/>
-              <a:t>28.05.2018</a:t>
+              <a:t>02.06.2018</a:t>
             </a:fld>
             <a:endParaRPr lang="de-DE"/>
           </a:p>
@@ -1156,7 +1156,7 @@
           <a:p>
             <a:fld id="{7F847C87-CECF-4A9A-88F5-87615B577ED8}" type="datetimeFigureOut">
               <a:rPr lang="de-DE" smtClean="0"/>
-              <a:t>28.05.2018</a:t>
+              <a:t>02.06.2018</a:t>
             </a:fld>
             <a:endParaRPr lang="de-DE"/>
           </a:p>
@@ -1444,7 +1444,7 @@
           <a:p>
             <a:fld id="{7F847C87-CECF-4A9A-88F5-87615B577ED8}" type="datetimeFigureOut">
               <a:rPr lang="de-DE" smtClean="0"/>
-              <a:t>28.05.2018</a:t>
+              <a:t>02.06.2018</a:t>
             </a:fld>
             <a:endParaRPr lang="de-DE"/>
           </a:p>
@@ -1866,7 +1866,7 @@
           <a:p>
             <a:fld id="{7F847C87-CECF-4A9A-88F5-87615B577ED8}" type="datetimeFigureOut">
               <a:rPr lang="de-DE" smtClean="0"/>
-              <a:t>28.05.2018</a:t>
+              <a:t>02.06.2018</a:t>
             </a:fld>
             <a:endParaRPr lang="de-DE"/>
           </a:p>
@@ -1984,7 +1984,7 @@
           <a:p>
             <a:fld id="{7F847C87-CECF-4A9A-88F5-87615B577ED8}" type="datetimeFigureOut">
               <a:rPr lang="de-DE" smtClean="0"/>
-              <a:t>28.05.2018</a:t>
+              <a:t>02.06.2018</a:t>
             </a:fld>
             <a:endParaRPr lang="de-DE"/>
           </a:p>
@@ -2079,7 +2079,7 @@
           <a:p>
             <a:fld id="{7F847C87-CECF-4A9A-88F5-87615B577ED8}" type="datetimeFigureOut">
               <a:rPr lang="de-DE" smtClean="0"/>
-              <a:t>28.05.2018</a:t>
+              <a:t>02.06.2018</a:t>
             </a:fld>
             <a:endParaRPr lang="de-DE"/>
           </a:p>
@@ -2356,7 +2356,7 @@
           <a:p>
             <a:fld id="{7F847C87-CECF-4A9A-88F5-87615B577ED8}" type="datetimeFigureOut">
               <a:rPr lang="de-DE" smtClean="0"/>
-              <a:t>28.05.2018</a:t>
+              <a:t>02.06.2018</a:t>
             </a:fld>
             <a:endParaRPr lang="de-DE"/>
           </a:p>
@@ -2609,7 +2609,7 @@
           <a:p>
             <a:fld id="{7F847C87-CECF-4A9A-88F5-87615B577ED8}" type="datetimeFigureOut">
               <a:rPr lang="de-DE" smtClean="0"/>
-              <a:t>28.05.2018</a:t>
+              <a:t>02.06.2018</a:t>
             </a:fld>
             <a:endParaRPr lang="de-DE"/>
           </a:p>
@@ -2815,7 +2815,7 @@
           <a:p>
             <a:fld id="{7F847C87-CECF-4A9A-88F5-87615B577ED8}" type="datetimeFigureOut">
               <a:rPr lang="de-DE" smtClean="0"/>
-              <a:t>28.05.2018</a:t>
+              <a:t>02.06.2018</a:t>
             </a:fld>
             <a:endParaRPr lang="de-DE"/>
           </a:p>
@@ -25824,8 +25824,8 @@
         </p:nvSpPr>
         <p:spPr>
           <a:xfrm>
-            <a:off x="457200" y="1484784"/>
-            <a:ext cx="8229600" cy="1800200"/>
+            <a:off x="457200" y="1638557"/>
+            <a:ext cx="8229600" cy="2150483"/>
           </a:xfrm>
           <a:prstGeom prst="rect">
             <a:avLst/>
@@ -25870,7 +25870,7 @@
         </p:nvCxnSpPr>
         <p:spPr>
           <a:xfrm>
-            <a:off x="4572000" y="3825044"/>
+            <a:off x="4572000" y="4329100"/>
             <a:ext cx="4114800" cy="0"/>
           </a:xfrm>
           <a:prstGeom prst="straightConnector1">
@@ -25907,8 +25907,8 @@
         </p:nvCxnSpPr>
         <p:spPr>
           <a:xfrm>
-            <a:off x="4572000" y="980728"/>
-            <a:ext cx="0" cy="2988332"/>
+            <a:off x="4572000" y="1125538"/>
+            <a:ext cx="0" cy="3347578"/>
           </a:xfrm>
           <a:prstGeom prst="line">
             <a:avLst/>
@@ -25944,7 +25944,7 @@
         </p:nvSpPr>
         <p:spPr>
           <a:xfrm>
-            <a:off x="4932040" y="3578823"/>
+            <a:off x="4932040" y="4082879"/>
             <a:ext cx="1368152" cy="246221"/>
           </a:xfrm>
           <a:prstGeom prst="rect">
@@ -25972,10 +25972,6 @@
               </a:rPr>
               <a:t> / 2</a:t>
             </a:r>
-            <a:endParaRPr lang="de-DE" sz="1000" dirty="0" smtClean="0">
-              <a:latin typeface="Arial" panose="020B0604020202020204" pitchFamily="34" charset="0"/>
-              <a:cs typeface="Arial" panose="020B0604020202020204" pitchFamily="34" charset="0"/>
-            </a:endParaRPr>
           </a:p>
         </p:txBody>
       </p:sp>
@@ -25987,8 +25983,8 @@
         </p:nvCxnSpPr>
         <p:spPr>
           <a:xfrm>
-            <a:off x="5148064" y="980728"/>
-            <a:ext cx="0" cy="1008112"/>
+            <a:off x="5148064" y="1124744"/>
+            <a:ext cx="0" cy="2664296"/>
           </a:xfrm>
           <a:prstGeom prst="line">
             <a:avLst/>
@@ -26024,8 +26020,8 @@
         </p:nvCxnSpPr>
         <p:spPr>
           <a:xfrm>
-            <a:off x="8686800" y="980728"/>
-            <a:ext cx="0" cy="2988332"/>
+            <a:off x="8686800" y="1110806"/>
+            <a:ext cx="0" cy="3362310"/>
           </a:xfrm>
           <a:prstGeom prst="line">
             <a:avLst/>
@@ -26061,8 +26057,8 @@
         </p:nvCxnSpPr>
         <p:spPr>
           <a:xfrm>
-            <a:off x="6732240" y="980728"/>
-            <a:ext cx="0" cy="1008112"/>
+            <a:off x="6732240" y="1114468"/>
+            <a:ext cx="0" cy="2674895"/>
           </a:xfrm>
           <a:prstGeom prst="line">
             <a:avLst/>
@@ -26098,7 +26094,7 @@
         </p:nvSpPr>
         <p:spPr>
           <a:xfrm>
-            <a:off x="4463988" y="944724"/>
+            <a:off x="4463988" y="1110806"/>
             <a:ext cx="756084" cy="553998"/>
           </a:xfrm>
           <a:prstGeom prst="rect">
@@ -26146,19 +26142,8 @@
                 <a:latin typeface="Arial" panose="020B0604020202020204" pitchFamily="34" charset="0"/>
                 <a:cs typeface="Arial" panose="020B0604020202020204" pitchFamily="34" charset="0"/>
               </a:rPr>
-              <a:t>1</a:t>
-            </a:r>
-            <a:r>
-              <a:rPr lang="de-DE" sz="1000" dirty="0" smtClean="0">
-                <a:latin typeface="Arial" panose="020B0604020202020204" pitchFamily="34" charset="0"/>
-                <a:cs typeface="Arial" panose="020B0604020202020204" pitchFamily="34" charset="0"/>
-              </a:rPr>
-              <a:t> / 12</a:t>
-            </a:r>
-            <a:endParaRPr lang="de-DE" sz="1000" dirty="0" smtClean="0">
-              <a:latin typeface="Arial" panose="020B0604020202020204" pitchFamily="34" charset="0"/>
-              <a:cs typeface="Arial" panose="020B0604020202020204" pitchFamily="34" charset="0"/>
-            </a:endParaRPr>
+              <a:t>1 / 12</a:t>
+            </a:r>
           </a:p>
         </p:txBody>
       </p:sp>
@@ -26170,7 +26155,7 @@
         </p:nvSpPr>
         <p:spPr>
           <a:xfrm>
-            <a:off x="5436096" y="944724"/>
+            <a:off x="5436096" y="1110806"/>
             <a:ext cx="972108" cy="553998"/>
           </a:xfrm>
           <a:prstGeom prst="rect">
@@ -26227,10 +26212,6 @@
               </a:rPr>
               <a:t> / 12</a:t>
             </a:r>
-            <a:endParaRPr lang="de-DE" sz="1000" dirty="0" smtClean="0">
-              <a:latin typeface="Arial" panose="020B0604020202020204" pitchFamily="34" charset="0"/>
-              <a:cs typeface="Arial" panose="020B0604020202020204" pitchFamily="34" charset="0"/>
-            </a:endParaRPr>
           </a:p>
         </p:txBody>
       </p:sp>
@@ -26242,7 +26223,7 @@
         </p:nvSpPr>
         <p:spPr>
           <a:xfrm>
-            <a:off x="7236296" y="944724"/>
+            <a:off x="7236296" y="1110806"/>
             <a:ext cx="1116124" cy="553998"/>
           </a:xfrm>
           <a:prstGeom prst="rect">
@@ -26304,19 +26285,22 @@
                 <a:latin typeface="Arial" panose="020B0604020202020204" pitchFamily="34" charset="0"/>
                 <a:cs typeface="Arial" panose="020B0604020202020204" pitchFamily="34" charset="0"/>
               </a:rPr>
-              <a:t>2</a:t>
+              <a:t>3</a:t>
             </a:r>
             <a:r>
               <a:rPr lang="de-DE" sz="1000" dirty="0" smtClean="0">
                 <a:latin typeface="Arial" panose="020B0604020202020204" pitchFamily="34" charset="0"/>
                 <a:cs typeface="Arial" panose="020B0604020202020204" pitchFamily="34" charset="0"/>
               </a:rPr>
-              <a:t> / 12</a:t>
-            </a:r>
-            <a:endParaRPr lang="de-DE" sz="1000" dirty="0" smtClean="0">
-              <a:latin typeface="Arial" panose="020B0604020202020204" pitchFamily="34" charset="0"/>
-              <a:cs typeface="Arial" panose="020B0604020202020204" pitchFamily="34" charset="0"/>
-            </a:endParaRPr>
+              <a:t> </a:t>
+            </a:r>
+            <a:r>
+              <a:rPr lang="de-DE" sz="1000" dirty="0" smtClean="0">
+                <a:latin typeface="Arial" panose="020B0604020202020204" pitchFamily="34" charset="0"/>
+                <a:cs typeface="Arial" panose="020B0604020202020204" pitchFamily="34" charset="0"/>
+              </a:rPr>
+              <a:t>/ 12</a:t>
+            </a:r>
           </a:p>
         </p:txBody>
       </p:sp>
@@ -26328,7 +26312,7 @@
         </p:nvSpPr>
         <p:spPr>
           <a:xfrm>
-            <a:off x="5580112" y="1760047"/>
+            <a:off x="5400092" y="1736812"/>
             <a:ext cx="1164101" cy="400110"/>
           </a:xfrm>
           <a:prstGeom prst="rect">
@@ -26343,19 +26327,19 @@
           <a:lstStyle/>
           <a:p>
             <a:r>
-              <a:rPr lang="de-DE" sz="1000" b="1" dirty="0" err="1" smtClean="0">
-                <a:solidFill>
-                  <a:srgbClr val="C00000"/>
-                </a:solidFill>
-                <a:latin typeface="Arial" panose="020B0604020202020204" pitchFamily="34" charset="0"/>
-                <a:cs typeface="Arial" panose="020B0604020202020204" pitchFamily="34" charset="0"/>
-              </a:rPr>
-              <a:t>rowAlign</a:t>
-            </a:r>
-            <a:r>
-              <a:rPr lang="de-DE" sz="1000" b="1" dirty="0" smtClean="0">
-                <a:solidFill>
-                  <a:srgbClr val="C00000"/>
+              <a:rPr lang="de-DE" sz="1000" b="1" dirty="0" err="1">
+                <a:solidFill>
+                  <a:srgbClr val="00B050"/>
+                </a:solidFill>
+                <a:latin typeface="Arial" panose="020B0604020202020204" pitchFamily="34" charset="0"/>
+                <a:cs typeface="Arial" panose="020B0604020202020204" pitchFamily="34" charset="0"/>
+              </a:rPr>
+              <a:t>colAlign</a:t>
+            </a:r>
+            <a:r>
+              <a:rPr lang="de-DE" sz="1000" b="1" dirty="0">
+                <a:solidFill>
+                  <a:srgbClr val="00B050"/>
                 </a:solidFill>
                 <a:latin typeface="Arial" panose="020B0604020202020204" pitchFamily="34" charset="0"/>
                 <a:cs typeface="Arial" panose="020B0604020202020204" pitchFamily="34" charset="0"/>
@@ -26363,18 +26347,18 @@
               <a:t> = </a:t>
             </a:r>
             <a:r>
-              <a:rPr lang="de-DE" sz="1000" b="1" dirty="0" err="1" smtClean="0">
-                <a:solidFill>
-                  <a:srgbClr val="C00000"/>
+              <a:rPr lang="de-DE" sz="1000" b="1" dirty="0" err="1">
+                <a:solidFill>
+                  <a:srgbClr val="00B050"/>
                 </a:solidFill>
                 <a:latin typeface="Arial" panose="020B0604020202020204" pitchFamily="34" charset="0"/>
                 <a:cs typeface="Arial" panose="020B0604020202020204" pitchFamily="34" charset="0"/>
               </a:rPr>
               <a:t>right</a:t>
             </a:r>
-            <a:endParaRPr lang="de-DE" sz="1000" b="1" dirty="0" smtClean="0">
+            <a:endParaRPr lang="de-DE" sz="1000" b="1" dirty="0">
               <a:solidFill>
-                <a:srgbClr val="C00000"/>
+                <a:srgbClr val="00B050"/>
               </a:solidFill>
               <a:latin typeface="Arial" panose="020B0604020202020204" pitchFamily="34" charset="0"/>
               <a:cs typeface="Arial" panose="020B0604020202020204" pitchFamily="34" charset="0"/>
@@ -26384,27 +26368,37 @@
             <a:r>
               <a:rPr lang="de-DE" sz="1000" b="1" dirty="0" err="1" smtClean="0">
                 <a:solidFill>
-                  <a:srgbClr val="00B050"/>
-                </a:solidFill>
-                <a:latin typeface="Arial" panose="020B0604020202020204" pitchFamily="34" charset="0"/>
-                <a:cs typeface="Arial" panose="020B0604020202020204" pitchFamily="34" charset="0"/>
-              </a:rPr>
-              <a:t>colAlign</a:t>
+                  <a:srgbClr val="C00000"/>
+                </a:solidFill>
+                <a:latin typeface="Arial" panose="020B0604020202020204" pitchFamily="34" charset="0"/>
+                <a:cs typeface="Arial" panose="020B0604020202020204" pitchFamily="34" charset="0"/>
+              </a:rPr>
+              <a:t>rowAlign</a:t>
             </a:r>
             <a:r>
               <a:rPr lang="de-DE" sz="1000" b="1" dirty="0" smtClean="0">
                 <a:solidFill>
-                  <a:srgbClr val="00B050"/>
-                </a:solidFill>
-                <a:latin typeface="Arial" panose="020B0604020202020204" pitchFamily="34" charset="0"/>
-                <a:cs typeface="Arial" panose="020B0604020202020204" pitchFamily="34" charset="0"/>
-              </a:rPr>
-              <a:t> = </a:t>
+                  <a:srgbClr val="C00000"/>
+                </a:solidFill>
+                <a:latin typeface="Arial" panose="020B0604020202020204" pitchFamily="34" charset="0"/>
+                <a:cs typeface="Arial" panose="020B0604020202020204" pitchFamily="34" charset="0"/>
+              </a:rPr>
+              <a:t> </a:t>
+            </a:r>
+            <a:r>
+              <a:rPr lang="de-DE" sz="1000" b="1" dirty="0" smtClean="0">
+                <a:solidFill>
+                  <a:srgbClr val="C00000"/>
+                </a:solidFill>
+                <a:latin typeface="Arial" panose="020B0604020202020204" pitchFamily="34" charset="0"/>
+                <a:cs typeface="Arial" panose="020B0604020202020204" pitchFamily="34" charset="0"/>
+              </a:rPr>
+              <a:t>= </a:t>
             </a:r>
             <a:r>
               <a:rPr lang="de-DE" sz="1000" b="1" dirty="0" err="1" smtClean="0">
                 <a:solidFill>
-                  <a:srgbClr val="00B050"/>
+                  <a:srgbClr val="C00000"/>
                 </a:solidFill>
                 <a:latin typeface="Arial" panose="020B0604020202020204" pitchFamily="34" charset="0"/>
                 <a:cs typeface="Arial" panose="020B0604020202020204" pitchFamily="34" charset="0"/>
@@ -26413,7 +26407,7 @@
             </a:r>
             <a:endParaRPr lang="de-DE" sz="1000" b="1" dirty="0" smtClean="0">
               <a:solidFill>
-                <a:srgbClr val="00B050"/>
+                <a:srgbClr val="C00000"/>
               </a:solidFill>
               <a:latin typeface="Arial" panose="020B0604020202020204" pitchFamily="34" charset="0"/>
               <a:cs typeface="Arial" panose="020B0604020202020204" pitchFamily="34" charset="0"/>
@@ -26429,7 +26423,7 @@
         </p:nvSpPr>
         <p:spPr>
           <a:xfrm>
-            <a:off x="2147759" y="1789336"/>
+            <a:off x="2708775" y="1736812"/>
             <a:ext cx="1164101" cy="400110"/>
           </a:xfrm>
           <a:prstGeom prst="rect">
@@ -26444,19 +26438,19 @@
           <a:lstStyle/>
           <a:p>
             <a:r>
-              <a:rPr lang="de-DE" sz="1000" b="1" dirty="0" err="1" smtClean="0">
-                <a:solidFill>
-                  <a:srgbClr val="C00000"/>
-                </a:solidFill>
-                <a:latin typeface="Arial" panose="020B0604020202020204" pitchFamily="34" charset="0"/>
-                <a:cs typeface="Arial" panose="020B0604020202020204" pitchFamily="34" charset="0"/>
-              </a:rPr>
-              <a:t>rowAlign</a:t>
-            </a:r>
-            <a:r>
-              <a:rPr lang="de-DE" sz="1000" b="1" dirty="0" smtClean="0">
-                <a:solidFill>
-                  <a:srgbClr val="C00000"/>
+              <a:rPr lang="de-DE" sz="1000" b="1" dirty="0" err="1">
+                <a:solidFill>
+                  <a:srgbClr val="00B050"/>
+                </a:solidFill>
+                <a:latin typeface="Arial" panose="020B0604020202020204" pitchFamily="34" charset="0"/>
+                <a:cs typeface="Arial" panose="020B0604020202020204" pitchFamily="34" charset="0"/>
+              </a:rPr>
+              <a:t>colAlign</a:t>
+            </a:r>
+            <a:r>
+              <a:rPr lang="de-DE" sz="1000" b="1" dirty="0">
+                <a:solidFill>
+                  <a:srgbClr val="00B050"/>
                 </a:solidFill>
                 <a:latin typeface="Arial" panose="020B0604020202020204" pitchFamily="34" charset="0"/>
                 <a:cs typeface="Arial" panose="020B0604020202020204" pitchFamily="34" charset="0"/>
@@ -26464,18 +26458,18 @@
               <a:t> = </a:t>
             </a:r>
             <a:r>
-              <a:rPr lang="de-DE" sz="1000" b="1" dirty="0" err="1" smtClean="0">
-                <a:solidFill>
-                  <a:srgbClr val="C00000"/>
-                </a:solidFill>
-                <a:latin typeface="Arial" panose="020B0604020202020204" pitchFamily="34" charset="0"/>
-                <a:cs typeface="Arial" panose="020B0604020202020204" pitchFamily="34" charset="0"/>
-              </a:rPr>
-              <a:t>right</a:t>
-            </a:r>
-            <a:endParaRPr lang="de-DE" sz="1000" b="1" dirty="0" smtClean="0">
+              <a:rPr lang="de-DE" sz="1000" b="1" dirty="0" err="1">
+                <a:solidFill>
+                  <a:srgbClr val="00B050"/>
+                </a:solidFill>
+                <a:latin typeface="Arial" panose="020B0604020202020204" pitchFamily="34" charset="0"/>
+                <a:cs typeface="Arial" panose="020B0604020202020204" pitchFamily="34" charset="0"/>
+              </a:rPr>
+              <a:t>left</a:t>
+            </a:r>
+            <a:endParaRPr lang="de-DE" sz="1000" b="1" dirty="0">
               <a:solidFill>
-                <a:srgbClr val="C00000"/>
+                <a:srgbClr val="00B050"/>
               </a:solidFill>
               <a:latin typeface="Arial" panose="020B0604020202020204" pitchFamily="34" charset="0"/>
               <a:cs typeface="Arial" panose="020B0604020202020204" pitchFamily="34" charset="0"/>
@@ -26485,36 +26479,46 @@
             <a:r>
               <a:rPr lang="de-DE" sz="1000" b="1" dirty="0" err="1" smtClean="0">
                 <a:solidFill>
-                  <a:srgbClr val="00B050"/>
-                </a:solidFill>
-                <a:latin typeface="Arial" panose="020B0604020202020204" pitchFamily="34" charset="0"/>
-                <a:cs typeface="Arial" panose="020B0604020202020204" pitchFamily="34" charset="0"/>
-              </a:rPr>
-              <a:t>colAlign</a:t>
+                  <a:srgbClr val="C00000"/>
+                </a:solidFill>
+                <a:latin typeface="Arial" panose="020B0604020202020204" pitchFamily="34" charset="0"/>
+                <a:cs typeface="Arial" panose="020B0604020202020204" pitchFamily="34" charset="0"/>
+              </a:rPr>
+              <a:t>rowAlign</a:t>
             </a:r>
             <a:r>
               <a:rPr lang="de-DE" sz="1000" b="1" dirty="0" smtClean="0">
                 <a:solidFill>
-                  <a:srgbClr val="00B050"/>
-                </a:solidFill>
-                <a:latin typeface="Arial" panose="020B0604020202020204" pitchFamily="34" charset="0"/>
-                <a:cs typeface="Arial" panose="020B0604020202020204" pitchFamily="34" charset="0"/>
-              </a:rPr>
-              <a:t> = </a:t>
+                  <a:srgbClr val="C00000"/>
+                </a:solidFill>
+                <a:latin typeface="Arial" panose="020B0604020202020204" pitchFamily="34" charset="0"/>
+                <a:cs typeface="Arial" panose="020B0604020202020204" pitchFamily="34" charset="0"/>
+              </a:rPr>
+              <a:t> </a:t>
+            </a:r>
+            <a:r>
+              <a:rPr lang="de-DE" sz="1000" b="1" dirty="0" smtClean="0">
+                <a:solidFill>
+                  <a:srgbClr val="C00000"/>
+                </a:solidFill>
+                <a:latin typeface="Arial" panose="020B0604020202020204" pitchFamily="34" charset="0"/>
+                <a:cs typeface="Arial" panose="020B0604020202020204" pitchFamily="34" charset="0"/>
+              </a:rPr>
+              <a:t>= </a:t>
             </a:r>
             <a:r>
               <a:rPr lang="de-DE" sz="1000" b="1" dirty="0" err="1" smtClean="0">
                 <a:solidFill>
-                  <a:srgbClr val="00B050"/>
-                </a:solidFill>
-                <a:latin typeface="Arial" panose="020B0604020202020204" pitchFamily="34" charset="0"/>
-                <a:cs typeface="Arial" panose="020B0604020202020204" pitchFamily="34" charset="0"/>
-              </a:rPr>
-              <a:t>left</a:t>
+                  <a:srgbClr val="C00000"/>
+                </a:solidFill>
+                <a:latin typeface="Arial" panose="020B0604020202020204" pitchFamily="34" charset="0"/>
+                <a:cs typeface="Arial" panose="020B0604020202020204" pitchFamily="34" charset="0"/>
+              </a:rPr>
+              <a:t>right</a:t>
             </a:r>
             <a:endParaRPr lang="de-DE" sz="1000" b="1" dirty="0" smtClean="0">
               <a:solidFill>
-                <a:srgbClr val="00B050"/>
+                <a:srgbClr val="C00000"/>
               </a:solidFill>
               <a:latin typeface="Arial" panose="020B0604020202020204" pitchFamily="34" charset="0"/>
               <a:cs typeface="Arial" panose="020B0604020202020204" pitchFamily="34" charset="0"/>
@@ -26530,7 +26534,7 @@
         </p:nvSpPr>
         <p:spPr>
           <a:xfrm>
-            <a:off x="6162163" y="2276872"/>
+            <a:off x="6162163" y="2744924"/>
             <a:ext cx="569846" cy="144016"/>
           </a:xfrm>
           <a:prstGeom prst="rect">
@@ -26580,7 +26584,7 @@
         </p:nvSpPr>
         <p:spPr>
           <a:xfrm>
-            <a:off x="6333844" y="2888940"/>
+            <a:off x="6321640" y="3465004"/>
             <a:ext cx="410369" cy="144016"/>
           </a:xfrm>
           <a:prstGeom prst="rect">
@@ -26630,7 +26634,7 @@
         </p:nvSpPr>
         <p:spPr>
           <a:xfrm>
-            <a:off x="2213927" y="2276872"/>
+            <a:off x="2501959" y="2744924"/>
             <a:ext cx="569846" cy="144016"/>
           </a:xfrm>
           <a:prstGeom prst="rect">
@@ -26680,7 +26684,7 @@
         </p:nvSpPr>
         <p:spPr>
           <a:xfrm>
-            <a:off x="2385608" y="2888940"/>
+            <a:off x="2661436" y="3465004"/>
             <a:ext cx="410369" cy="144016"/>
           </a:xfrm>
           <a:prstGeom prst="rect">
@@ -26730,8 +26734,8 @@
         </p:nvCxnSpPr>
         <p:spPr>
           <a:xfrm flipV="1">
-            <a:off x="1835696" y="1484784"/>
-            <a:ext cx="0" cy="936104"/>
+            <a:off x="1875388" y="1638558"/>
+            <a:ext cx="0" cy="1250382"/>
           </a:xfrm>
           <a:prstGeom prst="straightConnector1">
             <a:avLst/>
@@ -26767,7 +26771,7 @@
         </p:nvCxnSpPr>
         <p:spPr>
           <a:xfrm>
-            <a:off x="1702423" y="2420888"/>
+            <a:off x="1702423" y="2888940"/>
             <a:ext cx="5245841" cy="0"/>
           </a:xfrm>
           <a:prstGeom prst="line">
@@ -26804,7 +26808,7 @@
         </p:nvCxnSpPr>
         <p:spPr>
           <a:xfrm>
-            <a:off x="1043608" y="3032956"/>
+            <a:off x="1043608" y="3609020"/>
             <a:ext cx="5813346" cy="0"/>
           </a:xfrm>
           <a:prstGeom prst="line">
@@ -26841,8 +26845,8 @@
         </p:nvSpPr>
         <p:spPr>
           <a:xfrm>
-            <a:off x="1533146" y="1376772"/>
-            <a:ext cx="338554" cy="1008112"/>
+            <a:off x="1583668" y="1457840"/>
+            <a:ext cx="338554" cy="1395096"/>
           </a:xfrm>
           <a:prstGeom prst="rect">
             <a:avLst/>
@@ -26867,7 +26871,14 @@
                 <a:latin typeface="Arial" panose="020B0604020202020204" pitchFamily="34" charset="0"/>
                 <a:cs typeface="Arial" panose="020B0604020202020204" pitchFamily="34" charset="0"/>
               </a:rPr>
-              <a:t> / 2</a:t>
+              <a:t> </a:t>
+            </a:r>
+            <a:r>
+              <a:rPr lang="de-DE" sz="1000" dirty="0" smtClean="0">
+                <a:latin typeface="Arial" panose="020B0604020202020204" pitchFamily="34" charset="0"/>
+                <a:cs typeface="Arial" panose="020B0604020202020204" pitchFamily="34" charset="0"/>
+              </a:rPr>
+              <a:t>* 7 / 12</a:t>
             </a:r>
             <a:endParaRPr lang="de-DE" sz="1000" dirty="0" smtClean="0">
               <a:latin typeface="Arial" panose="020B0604020202020204" pitchFamily="34" charset="0"/>
@@ -26884,8 +26895,8 @@
         </p:nvCxnSpPr>
         <p:spPr>
           <a:xfrm flipV="1">
-            <a:off x="1259632" y="1498722"/>
-            <a:ext cx="0" cy="1552354"/>
+            <a:off x="1223628" y="1628776"/>
+            <a:ext cx="0" cy="1980244"/>
           </a:xfrm>
           <a:prstGeom prst="straightConnector1">
             <a:avLst/>
@@ -26921,7 +26932,7 @@
         </p:nvSpPr>
         <p:spPr>
           <a:xfrm>
-            <a:off x="971600" y="1592796"/>
+            <a:off x="935596" y="1974902"/>
             <a:ext cx="338554" cy="1296144"/>
           </a:xfrm>
           <a:prstGeom prst="rect">
@@ -26947,9 +26958,577 @@
                 <a:latin typeface="Arial" panose="020B0604020202020204" pitchFamily="34" charset="0"/>
                 <a:cs typeface="Arial" panose="020B0604020202020204" pitchFamily="34" charset="0"/>
               </a:rPr>
-              <a:t> * 11 / 12</a:t>
+              <a:t> * </a:t>
+            </a:r>
+            <a:r>
+              <a:rPr lang="de-DE" sz="1000" dirty="0" smtClean="0">
+                <a:latin typeface="Arial" panose="020B0604020202020204" pitchFamily="34" charset="0"/>
+                <a:cs typeface="Arial" panose="020B0604020202020204" pitchFamily="34" charset="0"/>
+              </a:rPr>
+              <a:t>11 </a:t>
+            </a:r>
+            <a:r>
+              <a:rPr lang="de-DE" sz="1000" dirty="0" smtClean="0">
+                <a:latin typeface="Arial" panose="020B0604020202020204" pitchFamily="34" charset="0"/>
+                <a:cs typeface="Arial" panose="020B0604020202020204" pitchFamily="34" charset="0"/>
+              </a:rPr>
+              <a:t>/ 12</a:t>
+            </a:r>
+          </a:p>
+        </p:txBody>
+      </p:sp>
+      <p:sp>
+        <p:nvSpPr>
+          <p:cNvPr id="8" name="Rechteck 7"/>
+          <p:cNvSpPr/>
+          <p:nvPr/>
+        </p:nvSpPr>
+        <p:spPr>
+          <a:xfrm>
+            <a:off x="2498850" y="1125538"/>
+            <a:ext cx="1583953" cy="2663502"/>
+          </a:xfrm>
+          <a:prstGeom prst="rect">
+            <a:avLst/>
+          </a:prstGeom>
+          <a:noFill/>
+          <a:ln w="19050">
+            <a:solidFill>
+              <a:schemeClr val="tx1"/>
+            </a:solidFill>
+          </a:ln>
+        </p:spPr>
+        <p:style>
+          <a:lnRef idx="2">
+            <a:schemeClr val="accent1">
+              <a:shade val="50000"/>
+            </a:schemeClr>
+          </a:lnRef>
+          <a:fillRef idx="1">
+            <a:schemeClr val="accent1"/>
+          </a:fillRef>
+          <a:effectRef idx="0">
+            <a:schemeClr val="accent1"/>
+          </a:effectRef>
+          <a:fontRef idx="minor">
+            <a:schemeClr val="lt1"/>
+          </a:fontRef>
+        </p:style>
+        <p:txBody>
+          <a:bodyPr rtlCol="0" anchor="ctr"/>
+          <a:lstStyle/>
+          <a:p>
+            <a:pPr algn="ctr"/>
+            <a:endParaRPr lang="de-DE"/>
+          </a:p>
+        </p:txBody>
+      </p:sp>
+      <p:sp>
+        <p:nvSpPr>
+          <p:cNvPr id="6" name="Ellipse 5"/>
+          <p:cNvSpPr/>
+          <p:nvPr/>
+        </p:nvSpPr>
+        <p:spPr>
+          <a:xfrm>
+            <a:off x="2426850" y="1556792"/>
+            <a:ext cx="144000" cy="144000"/>
+          </a:xfrm>
+          <a:prstGeom prst="ellipse">
+            <a:avLst/>
+          </a:prstGeom>
+          <a:solidFill>
+            <a:srgbClr val="00B050"/>
+          </a:solidFill>
+          <a:ln w="19050">
+            <a:solidFill>
+              <a:schemeClr val="tx1"/>
+            </a:solidFill>
+          </a:ln>
+        </p:spPr>
+        <p:style>
+          <a:lnRef idx="2">
+            <a:schemeClr val="accent1">
+              <a:shade val="50000"/>
+            </a:schemeClr>
+          </a:lnRef>
+          <a:fillRef idx="1">
+            <a:schemeClr val="accent1"/>
+          </a:fillRef>
+          <a:effectRef idx="0">
+            <a:schemeClr val="accent1"/>
+          </a:effectRef>
+          <a:fontRef idx="minor">
+            <a:schemeClr val="lt1"/>
+          </a:fontRef>
+        </p:style>
+        <p:txBody>
+          <a:bodyPr rtlCol="0" anchor="ctr"/>
+          <a:lstStyle/>
+          <a:p>
+            <a:pPr algn="ctr"/>
+            <a:endParaRPr lang="de-DE"/>
+          </a:p>
+        </p:txBody>
+      </p:sp>
+      <p:sp>
+        <p:nvSpPr>
+          <p:cNvPr id="28" name="Textfeld 27"/>
+          <p:cNvSpPr txBox="1"/>
+          <p:nvPr/>
+        </p:nvSpPr>
+        <p:spPr>
+          <a:xfrm>
+            <a:off x="791580" y="1160748"/>
+            <a:ext cx="745717" cy="246221"/>
+          </a:xfrm>
+          <a:prstGeom prst="rect">
+            <a:avLst/>
+          </a:prstGeom>
+          <a:noFill/>
+        </p:spPr>
+        <p:txBody>
+          <a:bodyPr wrap="none" rtlCol="0">
+            <a:spAutoFit/>
+          </a:bodyPr>
+          <a:lstStyle/>
+          <a:p>
+            <a:r>
+              <a:rPr lang="de-DE" sz="1000" b="1" dirty="0" err="1" smtClean="0">
+                <a:solidFill>
+                  <a:srgbClr val="00B050"/>
+                </a:solidFill>
+                <a:latin typeface="Arial" panose="020B0604020202020204" pitchFamily="34" charset="0"/>
+                <a:cs typeface="Arial" panose="020B0604020202020204" pitchFamily="34" charset="0"/>
+              </a:rPr>
+              <a:t>colOrigin</a:t>
+            </a:r>
+            <a:endParaRPr lang="de-DE" sz="1000" b="1" dirty="0" smtClean="0">
+              <a:solidFill>
+                <a:srgbClr val="00B050"/>
+              </a:solidFill>
+              <a:latin typeface="Arial" panose="020B0604020202020204" pitchFamily="34" charset="0"/>
+              <a:cs typeface="Arial" panose="020B0604020202020204" pitchFamily="34" charset="0"/>
+            </a:endParaRPr>
+          </a:p>
+        </p:txBody>
+      </p:sp>
+      <p:cxnSp>
+        <p:nvCxnSpPr>
+          <p:cNvPr id="12" name="Gerade Verbindung 11"/>
+          <p:cNvCxnSpPr/>
+          <p:nvPr/>
+        </p:nvCxnSpPr>
+        <p:spPr>
+          <a:xfrm>
+            <a:off x="1482234" y="1304764"/>
+            <a:ext cx="1016616" cy="323577"/>
+          </a:xfrm>
+          <a:prstGeom prst="line">
+            <a:avLst/>
+          </a:prstGeom>
+          <a:ln w="19050">
+            <a:solidFill>
+              <a:srgbClr val="00B050"/>
+            </a:solidFill>
+            <a:headEnd type="none" w="med" len="med"/>
+            <a:tailEnd type="none" w="med" len="med"/>
+          </a:ln>
+        </p:spPr>
+        <p:style>
+          <a:lnRef idx="1">
+            <a:schemeClr val="accent1"/>
+          </a:lnRef>
+          <a:fillRef idx="0">
+            <a:schemeClr val="accent1"/>
+          </a:fillRef>
+          <a:effectRef idx="0">
+            <a:schemeClr val="accent1"/>
+          </a:effectRef>
+          <a:fontRef idx="minor">
+            <a:schemeClr val="tx1"/>
+          </a:fontRef>
+        </p:style>
+      </p:cxnSp>
+      <p:sp>
+        <p:nvSpPr>
+          <p:cNvPr id="35" name="Textfeld 34"/>
+          <p:cNvSpPr txBox="1"/>
+          <p:nvPr/>
+        </p:nvSpPr>
+        <p:spPr>
+          <a:xfrm>
+            <a:off x="2804771" y="1088740"/>
+            <a:ext cx="972108" cy="246221"/>
+          </a:xfrm>
+          <a:prstGeom prst="rect">
+            <a:avLst/>
+          </a:prstGeom>
+          <a:noFill/>
+        </p:spPr>
+        <p:txBody>
+          <a:bodyPr wrap="square" rtlCol="0">
+            <a:spAutoFit/>
+          </a:bodyPr>
+          <a:lstStyle/>
+          <a:p>
+            <a:pPr algn="ctr"/>
+            <a:r>
+              <a:rPr lang="de-DE" sz="1000" dirty="0" err="1" smtClean="0">
+                <a:latin typeface="Arial" panose="020B0604020202020204" pitchFamily="34" charset="0"/>
+                <a:cs typeface="Arial" panose="020B0604020202020204" pitchFamily="34" charset="0"/>
+              </a:rPr>
+              <a:t>textColumn</a:t>
             </a:r>
             <a:endParaRPr lang="de-DE" sz="1000" dirty="0" smtClean="0">
+              <a:latin typeface="Arial" panose="020B0604020202020204" pitchFamily="34" charset="0"/>
+              <a:cs typeface="Arial" panose="020B0604020202020204" pitchFamily="34" charset="0"/>
+            </a:endParaRPr>
+          </a:p>
+        </p:txBody>
+      </p:sp>
+      <p:sp>
+        <p:nvSpPr>
+          <p:cNvPr id="43" name="Ellipse 42"/>
+          <p:cNvSpPr/>
+          <p:nvPr/>
+        </p:nvSpPr>
+        <p:spPr>
+          <a:xfrm>
+            <a:off x="2426850" y="2670959"/>
+            <a:ext cx="144000" cy="144000"/>
+          </a:xfrm>
+          <a:prstGeom prst="ellipse">
+            <a:avLst/>
+          </a:prstGeom>
+          <a:solidFill>
+            <a:srgbClr val="C00000"/>
+          </a:solidFill>
+          <a:ln w="19050">
+            <a:solidFill>
+              <a:schemeClr val="tx1"/>
+            </a:solidFill>
+          </a:ln>
+        </p:spPr>
+        <p:style>
+          <a:lnRef idx="2">
+            <a:schemeClr val="accent1">
+              <a:shade val="50000"/>
+            </a:schemeClr>
+          </a:lnRef>
+          <a:fillRef idx="1">
+            <a:schemeClr val="accent1"/>
+          </a:fillRef>
+          <a:effectRef idx="0">
+            <a:schemeClr val="accent1"/>
+          </a:effectRef>
+          <a:fontRef idx="minor">
+            <a:schemeClr val="lt1"/>
+          </a:fontRef>
+        </p:style>
+        <p:txBody>
+          <a:bodyPr rtlCol="0" anchor="ctr"/>
+          <a:lstStyle/>
+          <a:p>
+            <a:pPr algn="ctr"/>
+            <a:endParaRPr lang="de-DE"/>
+          </a:p>
+        </p:txBody>
+      </p:sp>
+      <p:sp>
+        <p:nvSpPr>
+          <p:cNvPr id="44" name="Ellipse 43"/>
+          <p:cNvSpPr/>
+          <p:nvPr/>
+        </p:nvSpPr>
+        <p:spPr>
+          <a:xfrm>
+            <a:off x="2579250" y="3393004"/>
+            <a:ext cx="144000" cy="144000"/>
+          </a:xfrm>
+          <a:prstGeom prst="ellipse">
+            <a:avLst/>
+          </a:prstGeom>
+          <a:solidFill>
+            <a:srgbClr val="C00000"/>
+          </a:solidFill>
+          <a:ln w="19050">
+            <a:solidFill>
+              <a:schemeClr val="tx1"/>
+            </a:solidFill>
+          </a:ln>
+        </p:spPr>
+        <p:style>
+          <a:lnRef idx="2">
+            <a:schemeClr val="accent1">
+              <a:shade val="50000"/>
+            </a:schemeClr>
+          </a:lnRef>
+          <a:fillRef idx="1">
+            <a:schemeClr val="accent1"/>
+          </a:fillRef>
+          <a:effectRef idx="0">
+            <a:schemeClr val="accent1"/>
+          </a:effectRef>
+          <a:fontRef idx="minor">
+            <a:schemeClr val="lt1"/>
+          </a:fontRef>
+        </p:style>
+        <p:txBody>
+          <a:bodyPr rtlCol="0" anchor="ctr"/>
+          <a:lstStyle/>
+          <a:p>
+            <a:pPr algn="ctr"/>
+            <a:endParaRPr lang="de-DE"/>
+          </a:p>
+        </p:txBody>
+      </p:sp>
+      <p:sp>
+        <p:nvSpPr>
+          <p:cNvPr id="45" name="Textfeld 44"/>
+          <p:cNvSpPr txBox="1"/>
+          <p:nvPr/>
+        </p:nvSpPr>
+        <p:spPr>
+          <a:xfrm>
+            <a:off x="2411287" y="3181477"/>
+            <a:ext cx="540533" cy="246221"/>
+          </a:xfrm>
+          <a:prstGeom prst="rect">
+            <a:avLst/>
+          </a:prstGeom>
+          <a:noFill/>
+        </p:spPr>
+        <p:txBody>
+          <a:bodyPr wrap="none" rtlCol="0">
+            <a:spAutoFit/>
+          </a:bodyPr>
+          <a:lstStyle/>
+          <a:p>
+            <a:r>
+              <a:rPr lang="de-DE" sz="1000" b="1" dirty="0" err="1" smtClean="0">
+                <a:solidFill>
+                  <a:srgbClr val="C00000"/>
+                </a:solidFill>
+                <a:latin typeface="Arial" panose="020B0604020202020204" pitchFamily="34" charset="0"/>
+                <a:cs typeface="Arial" panose="020B0604020202020204" pitchFamily="34" charset="0"/>
+              </a:rPr>
+              <a:t>origin</a:t>
+            </a:r>
+            <a:endParaRPr lang="de-DE" sz="1000" b="1" dirty="0" smtClean="0">
+              <a:solidFill>
+                <a:srgbClr val="00B050"/>
+              </a:solidFill>
+              <a:latin typeface="Arial" panose="020B0604020202020204" pitchFamily="34" charset="0"/>
+              <a:cs typeface="Arial" panose="020B0604020202020204" pitchFamily="34" charset="0"/>
+            </a:endParaRPr>
+          </a:p>
+        </p:txBody>
+      </p:sp>
+      <p:sp>
+        <p:nvSpPr>
+          <p:cNvPr id="46" name="Textfeld 45"/>
+          <p:cNvSpPr txBox="1"/>
+          <p:nvPr/>
+        </p:nvSpPr>
+        <p:spPr>
+          <a:xfrm>
+            <a:off x="2231267" y="2445979"/>
+            <a:ext cx="540533" cy="246221"/>
+          </a:xfrm>
+          <a:prstGeom prst="rect">
+            <a:avLst/>
+          </a:prstGeom>
+          <a:noFill/>
+        </p:spPr>
+        <p:txBody>
+          <a:bodyPr wrap="none" rtlCol="0">
+            <a:spAutoFit/>
+          </a:bodyPr>
+          <a:lstStyle/>
+          <a:p>
+            <a:r>
+              <a:rPr lang="de-DE" sz="1000" b="1" dirty="0" err="1" smtClean="0">
+                <a:solidFill>
+                  <a:srgbClr val="C00000"/>
+                </a:solidFill>
+                <a:latin typeface="Arial" panose="020B0604020202020204" pitchFamily="34" charset="0"/>
+                <a:cs typeface="Arial" panose="020B0604020202020204" pitchFamily="34" charset="0"/>
+              </a:rPr>
+              <a:t>origin</a:t>
+            </a:r>
+            <a:endParaRPr lang="de-DE" sz="1000" b="1" dirty="0" smtClean="0">
+              <a:solidFill>
+                <a:srgbClr val="00B050"/>
+              </a:solidFill>
+              <a:latin typeface="Arial" panose="020B0604020202020204" pitchFamily="34" charset="0"/>
+              <a:cs typeface="Arial" panose="020B0604020202020204" pitchFamily="34" charset="0"/>
+            </a:endParaRPr>
+          </a:p>
+        </p:txBody>
+      </p:sp>
+      <p:cxnSp>
+        <p:nvCxnSpPr>
+          <p:cNvPr id="49" name="Gerade Verbindung 48"/>
+          <p:cNvCxnSpPr/>
+          <p:nvPr/>
+        </p:nvCxnSpPr>
+        <p:spPr>
+          <a:xfrm>
+            <a:off x="6162163" y="2348880"/>
+            <a:ext cx="0" cy="1440160"/>
+          </a:xfrm>
+          <a:prstGeom prst="line">
+            <a:avLst/>
+          </a:prstGeom>
+          <a:ln w="19050">
+            <a:solidFill>
+              <a:srgbClr val="00B050"/>
+            </a:solidFill>
+            <a:headEnd type="none" w="med" len="med"/>
+            <a:tailEnd type="none" w="med" len="med"/>
+          </a:ln>
+        </p:spPr>
+        <p:style>
+          <a:lnRef idx="1">
+            <a:schemeClr val="accent1"/>
+          </a:lnRef>
+          <a:fillRef idx="0">
+            <a:schemeClr val="accent1"/>
+          </a:fillRef>
+          <a:effectRef idx="0">
+            <a:schemeClr val="accent1"/>
+          </a:effectRef>
+          <a:fontRef idx="minor">
+            <a:schemeClr val="tx1"/>
+          </a:fontRef>
+        </p:style>
+      </p:cxnSp>
+      <p:cxnSp>
+        <p:nvCxnSpPr>
+          <p:cNvPr id="50" name="Gerade Verbindung mit Pfeil 49"/>
+          <p:cNvCxnSpPr/>
+          <p:nvPr/>
+        </p:nvCxnSpPr>
+        <p:spPr>
+          <a:xfrm>
+            <a:off x="5112759" y="2471564"/>
+            <a:ext cx="1049404" cy="0"/>
+          </a:xfrm>
+          <a:prstGeom prst="straightConnector1">
+            <a:avLst/>
+          </a:prstGeom>
+          <a:ln w="19050">
+            <a:solidFill>
+              <a:srgbClr val="00B050"/>
+            </a:solidFill>
+            <a:headEnd type="arrow"/>
+            <a:tailEnd type="arrow"/>
+          </a:ln>
+        </p:spPr>
+        <p:style>
+          <a:lnRef idx="1">
+            <a:schemeClr val="accent1"/>
+          </a:lnRef>
+          <a:fillRef idx="0">
+            <a:schemeClr val="accent1"/>
+          </a:fillRef>
+          <a:effectRef idx="0">
+            <a:schemeClr val="accent1"/>
+          </a:effectRef>
+          <a:fontRef idx="minor">
+            <a:schemeClr val="tx1"/>
+          </a:fontRef>
+        </p:style>
+      </p:cxnSp>
+      <p:sp>
+        <p:nvSpPr>
+          <p:cNvPr id="52" name="Textfeld 51"/>
+          <p:cNvSpPr txBox="1"/>
+          <p:nvPr/>
+        </p:nvSpPr>
+        <p:spPr>
+          <a:xfrm>
+            <a:off x="5285068" y="2251860"/>
+            <a:ext cx="639919" cy="246221"/>
+          </a:xfrm>
+          <a:prstGeom prst="rect">
+            <a:avLst/>
+          </a:prstGeom>
+          <a:noFill/>
+        </p:spPr>
+        <p:txBody>
+          <a:bodyPr wrap="none" rtlCol="0">
+            <a:spAutoFit/>
+          </a:bodyPr>
+          <a:lstStyle/>
+          <a:p>
+            <a:r>
+              <a:rPr lang="de-DE" sz="1000" b="1" dirty="0" err="1" smtClean="0">
+                <a:solidFill>
+                  <a:srgbClr val="00B050"/>
+                </a:solidFill>
+                <a:latin typeface="Arial" panose="020B0604020202020204" pitchFamily="34" charset="0"/>
+                <a:cs typeface="Arial" panose="020B0604020202020204" pitchFamily="34" charset="0"/>
+              </a:rPr>
+              <a:t>offset.x</a:t>
+            </a:r>
+            <a:endParaRPr lang="de-DE" sz="1000" b="1" dirty="0">
+              <a:solidFill>
+                <a:srgbClr val="00B050"/>
+              </a:solidFill>
+              <a:latin typeface="Arial" panose="020B0604020202020204" pitchFamily="34" charset="0"/>
+              <a:cs typeface="Arial" panose="020B0604020202020204" pitchFamily="34" charset="0"/>
+            </a:endParaRPr>
+          </a:p>
+        </p:txBody>
+      </p:sp>
+      <p:sp>
+        <p:nvSpPr>
+          <p:cNvPr id="53" name="Textfeld 52"/>
+          <p:cNvSpPr txBox="1"/>
+          <p:nvPr/>
+        </p:nvSpPr>
+        <p:spPr>
+          <a:xfrm>
+            <a:off x="2447764" y="2102659"/>
+            <a:ext cx="856325" cy="246221"/>
+          </a:xfrm>
+          <a:prstGeom prst="rect">
+            <a:avLst/>
+          </a:prstGeom>
+          <a:noFill/>
+        </p:spPr>
+        <p:txBody>
+          <a:bodyPr wrap="none" rtlCol="0">
+            <a:spAutoFit/>
+          </a:bodyPr>
+          <a:lstStyle/>
+          <a:p>
+            <a:r>
+              <a:rPr lang="de-DE" sz="1000" b="1" dirty="0" err="1" smtClean="0">
+                <a:solidFill>
+                  <a:srgbClr val="00B050"/>
+                </a:solidFill>
+                <a:latin typeface="Arial" panose="020B0604020202020204" pitchFamily="34" charset="0"/>
+                <a:cs typeface="Arial" panose="020B0604020202020204" pitchFamily="34" charset="0"/>
+              </a:rPr>
+              <a:t>offset.x</a:t>
+            </a:r>
+            <a:r>
+              <a:rPr lang="de-DE" sz="1000" b="1" dirty="0" smtClean="0">
+                <a:solidFill>
+                  <a:srgbClr val="00B050"/>
+                </a:solidFill>
+                <a:latin typeface="Arial" panose="020B0604020202020204" pitchFamily="34" charset="0"/>
+                <a:cs typeface="Arial" panose="020B0604020202020204" pitchFamily="34" charset="0"/>
+              </a:rPr>
+              <a:t> = 0</a:t>
+            </a:r>
+            <a:endParaRPr lang="de-DE" sz="1000" b="1" dirty="0">
+              <a:solidFill>
+                <a:srgbClr val="00B050"/>
+              </a:solidFill>
               <a:latin typeface="Arial" panose="020B0604020202020204" pitchFamily="34" charset="0"/>
               <a:cs typeface="Arial" panose="020B0604020202020204" pitchFamily="34" charset="0"/>
             </a:endParaRPr>
@@ -26966,6 +27545,13 @@
   <p:clrMapOvr>
     <a:masterClrMapping/>
   </p:clrMapOvr>
+  <p:timing>
+    <p:tnLst>
+      <p:par>
+        <p:cTn id="1" dur="indefinite" restart="never" nodeType="tmRoot"/>
+      </p:par>
+    </p:tnLst>
+  </p:timing>
 </p:sld>
 </file>
 

--- a/MotionDetection+ObjectTrackingV4.pptx
+++ b/MotionDetection+ObjectTrackingV4.pptx
@@ -310,7 +310,7 @@
           <a:p>
             <a:fld id="{7F847C87-CECF-4A9A-88F5-87615B577ED8}" type="datetimeFigureOut">
               <a:rPr lang="de-DE" smtClean="0"/>
-              <a:t>02.06.2018</a:t>
+              <a:t>09.06.2018</a:t>
             </a:fld>
             <a:endParaRPr lang="de-DE"/>
           </a:p>
@@ -489,7 +489,7 @@
           <a:p>
             <a:fld id="{7F847C87-CECF-4A9A-88F5-87615B577ED8}" type="datetimeFigureOut">
               <a:rPr lang="de-DE" smtClean="0"/>
-              <a:t>02.06.2018</a:t>
+              <a:t>09.06.2018</a:t>
             </a:fld>
             <a:endParaRPr lang="de-DE"/>
           </a:p>
@@ -669,7 +669,7 @@
           <a:p>
             <a:fld id="{7F847C87-CECF-4A9A-88F5-87615B577ED8}" type="datetimeFigureOut">
               <a:rPr lang="de-DE" smtClean="0"/>
-              <a:t>02.06.2018</a:t>
+              <a:t>09.06.2018</a:t>
             </a:fld>
             <a:endParaRPr lang="de-DE"/>
           </a:p>
@@ -903,7 +903,7 @@
           <a:p>
             <a:fld id="{7F847C87-CECF-4A9A-88F5-87615B577ED8}" type="datetimeFigureOut">
               <a:rPr lang="de-DE" smtClean="0"/>
-              <a:t>02.06.2018</a:t>
+              <a:t>09.06.2018</a:t>
             </a:fld>
             <a:endParaRPr lang="de-DE"/>
           </a:p>
@@ -1156,7 +1156,7 @@
           <a:p>
             <a:fld id="{7F847C87-CECF-4A9A-88F5-87615B577ED8}" type="datetimeFigureOut">
               <a:rPr lang="de-DE" smtClean="0"/>
-              <a:t>02.06.2018</a:t>
+              <a:t>09.06.2018</a:t>
             </a:fld>
             <a:endParaRPr lang="de-DE"/>
           </a:p>
@@ -1444,7 +1444,7 @@
           <a:p>
             <a:fld id="{7F847C87-CECF-4A9A-88F5-87615B577ED8}" type="datetimeFigureOut">
               <a:rPr lang="de-DE" smtClean="0"/>
-              <a:t>02.06.2018</a:t>
+              <a:t>09.06.2018</a:t>
             </a:fld>
             <a:endParaRPr lang="de-DE"/>
           </a:p>
@@ -1866,7 +1866,7 @@
           <a:p>
             <a:fld id="{7F847C87-CECF-4A9A-88F5-87615B577ED8}" type="datetimeFigureOut">
               <a:rPr lang="de-DE" smtClean="0"/>
-              <a:t>02.06.2018</a:t>
+              <a:t>09.06.2018</a:t>
             </a:fld>
             <a:endParaRPr lang="de-DE"/>
           </a:p>
@@ -1984,7 +1984,7 @@
           <a:p>
             <a:fld id="{7F847C87-CECF-4A9A-88F5-87615B577ED8}" type="datetimeFigureOut">
               <a:rPr lang="de-DE" smtClean="0"/>
-              <a:t>02.06.2018</a:t>
+              <a:t>09.06.2018</a:t>
             </a:fld>
             <a:endParaRPr lang="de-DE"/>
           </a:p>
@@ -2079,7 +2079,7 @@
           <a:p>
             <a:fld id="{7F847C87-CECF-4A9A-88F5-87615B577ED8}" type="datetimeFigureOut">
               <a:rPr lang="de-DE" smtClean="0"/>
-              <a:t>02.06.2018</a:t>
+              <a:t>09.06.2018</a:t>
             </a:fld>
             <a:endParaRPr lang="de-DE"/>
           </a:p>
@@ -2356,7 +2356,7 @@
           <a:p>
             <a:fld id="{7F847C87-CECF-4A9A-88F5-87615B577ED8}" type="datetimeFigureOut">
               <a:rPr lang="de-DE" smtClean="0"/>
-              <a:t>02.06.2018</a:t>
+              <a:t>09.06.2018</a:t>
             </a:fld>
             <a:endParaRPr lang="de-DE"/>
           </a:p>
@@ -2609,7 +2609,7 @@
           <a:p>
             <a:fld id="{7F847C87-CECF-4A9A-88F5-87615B577ED8}" type="datetimeFigureOut">
               <a:rPr lang="de-DE" smtClean="0"/>
-              <a:t>02.06.2018</a:t>
+              <a:t>09.06.2018</a:t>
             </a:fld>
             <a:endParaRPr lang="de-DE"/>
           </a:p>
@@ -2815,7 +2815,7 @@
           <a:p>
             <a:fld id="{7F847C87-CECF-4A9A-88F5-87615B577ED8}" type="datetimeFigureOut">
               <a:rPr lang="de-DE" smtClean="0"/>
-              <a:t>02.06.2018</a:t>
+              <a:t>09.06.2018</a:t>
             </a:fld>
             <a:endParaRPr lang="de-DE"/>
           </a:p>
@@ -21450,6 +21450,28 @@
             </a:pPr>
             <a:r>
               <a:rPr lang="de-DE" dirty="0" err="1" smtClean="0"/>
+              <a:t>Config</a:t>
+            </a:r>
+            <a:r>
+              <a:rPr lang="de-DE" dirty="0" smtClean="0"/>
+              <a:t>() </a:t>
+            </a:r>
+            <a:r>
+              <a:rPr lang="de-DE" dirty="0" smtClean="0">
+                <a:sym typeface="Wingdings" panose="05000000000000000000" pitchFamily="2" charset="2"/>
+              </a:rPr>
+              <a:t> </a:t>
+            </a:r>
+            <a:r>
+              <a:rPr lang="de-DE" dirty="0" err="1" smtClean="0"/>
+              <a:t>calls</a:t>
+            </a:r>
+            <a:r>
+              <a:rPr lang="de-DE" dirty="0" smtClean="0"/>
+              <a:t> </a:t>
+            </a:r>
+            <a:r>
+              <a:rPr lang="de-DE" dirty="0" err="1" smtClean="0"/>
               <a:t>init</a:t>
             </a:r>
             <a:r>
@@ -21482,113 +21504,156 @@
             <a:pPr lvl="2">
               <a:tabLst>
                 <a:tab pos="5018088" algn="l"/>
-                <a:tab pos="6461125" algn="l"/>
+                <a:tab pos="6276975" algn="l"/>
               </a:tabLst>
             </a:pPr>
             <a:r>
               <a:rPr lang="de-DE" dirty="0" err="1" smtClean="0"/>
-              <a:t>readEnv</a:t>
-            </a:r>
-            <a:r>
-              <a:rPr lang="de-DE" dirty="0" smtClean="0"/>
-              <a:t> </a:t>
+              <a:t>setAppPath</a:t>
+            </a:r>
+            <a:r>
+              <a:rPr lang="de-DE" dirty="0" smtClean="0"/>
+              <a:t>(</a:t>
+            </a:r>
+            <a:r>
+              <a:rPr lang="de-DE" dirty="0" err="1" smtClean="0"/>
+              <a:t>appDir</a:t>
+            </a:r>
+            <a:r>
+              <a:rPr lang="de-DE" dirty="0" smtClean="0"/>
+              <a:t>): </a:t>
+            </a:r>
+            <a:r>
+              <a:rPr lang="de-DE" dirty="0" err="1" smtClean="0"/>
+              <a:t>read</a:t>
+            </a:r>
+            <a:r>
+              <a:rPr lang="de-DE" dirty="0" smtClean="0"/>
+              <a:t> </a:t>
+            </a:r>
+            <a:r>
+              <a:rPr lang="de-DE" dirty="0" err="1" smtClean="0"/>
+              <a:t>home</a:t>
+            </a:r>
+            <a:r>
+              <a:rPr lang="de-DE" dirty="0" smtClean="0"/>
+              <a:t>,  </a:t>
+            </a:r>
+            <a:r>
+              <a:rPr lang="de-DE" dirty="0" err="1" smtClean="0"/>
+              <a:t>set</a:t>
+            </a:r>
+            <a:r>
+              <a:rPr lang="de-DE" dirty="0" smtClean="0"/>
+              <a:t> </a:t>
+            </a:r>
+            <a:r>
+              <a:rPr lang="de-DE" dirty="0" err="1" smtClean="0"/>
+              <a:t>app</a:t>
+            </a:r>
+            <a:r>
+              <a:rPr lang="de-DE" dirty="0" smtClean="0"/>
+              <a:t> </a:t>
+            </a:r>
+            <a:r>
+              <a:rPr lang="de-DE" smtClean="0"/>
+              <a:t>path</a:t>
             </a:r>
             <a:r>
               <a:rPr lang="de-DE" dirty="0"/>
-              <a:t>(e.g. </a:t>
+              <a:t>	</a:t>
+            </a:r>
+            <a:r>
+              <a:rPr lang="de-DE" dirty="0" err="1" smtClean="0"/>
+              <a:t>m_appPath</a:t>
+            </a:r>
+            <a:r>
+              <a:rPr lang="de-DE" dirty="0" smtClean="0"/>
+              <a:t>    </a:t>
+            </a:r>
+            <a:r>
+              <a:rPr lang="de-DE" dirty="0" smtClean="0"/>
+              <a:t>	// </a:t>
+            </a:r>
+            <a:r>
+              <a:rPr lang="de-DE" dirty="0"/>
+              <a:t>/</a:t>
             </a:r>
             <a:r>
               <a:rPr lang="de-DE" dirty="0" err="1"/>
               <a:t>home</a:t>
             </a:r>
             <a:r>
-              <a:rPr lang="de-DE" dirty="0" smtClean="0"/>
-              <a:t>), update </a:t>
-            </a:r>
-            <a:r>
-              <a:rPr lang="de-DE" dirty="0" err="1" smtClean="0"/>
-              <a:t>parameter</a:t>
-            </a:r>
-            <a:r>
               <a:rPr lang="de-DE" dirty="0"/>
-              <a:t> </a:t>
-            </a:r>
-            <a:r>
-              <a:rPr lang="de-DE" dirty="0" smtClean="0"/>
-              <a:t>in </a:t>
-            </a:r>
-            <a:r>
-              <a:rPr lang="de-DE" dirty="0" err="1" smtClean="0"/>
-              <a:t>updateConfigParams</a:t>
-            </a:r>
-            <a:r>
-              <a:rPr lang="de-DE" dirty="0" smtClean="0"/>
-              <a:t>()</a:t>
+              <a:t>/</a:t>
+            </a:r>
+            <a:r>
+              <a:rPr lang="de-DE" dirty="0" err="1"/>
+              <a:t>counter</a:t>
             </a:r>
             <a:r>
               <a:rPr lang="de-DE" dirty="0"/>
-              <a:t>	</a:t>
-            </a:r>
-            <a:r>
-              <a:rPr lang="de-DE" dirty="0" err="1" smtClean="0"/>
-              <a:t>m_homePath</a:t>
-            </a:r>
-            <a:r>
-              <a:rPr lang="de-DE" dirty="0" smtClean="0"/>
-              <a:t>    	// </a:t>
-            </a:r>
-            <a:r>
-              <a:rPr lang="de-DE" dirty="0" err="1"/>
-              <a:t>full</a:t>
-            </a:r>
-            <a:r>
-              <a:rPr lang="de-DE" dirty="0"/>
-              <a:t> </a:t>
-            </a:r>
-            <a:r>
-              <a:rPr lang="de-DE" dirty="0" err="1"/>
-              <a:t>path</a:t>
-            </a:r>
-            <a:r>
-              <a:rPr lang="de-DE" dirty="0"/>
-              <a:t> </a:t>
-            </a:r>
-            <a:r>
-              <a:rPr lang="de-DE" dirty="0" err="1"/>
-              <a:t>to</a:t>
-            </a:r>
-            <a:r>
-              <a:rPr lang="de-DE" dirty="0"/>
-              <a:t> </a:t>
-            </a:r>
-            <a:r>
-              <a:rPr lang="de-DE" dirty="0" err="1" smtClean="0"/>
-              <a:t>home</a:t>
-            </a:r>
-            <a:endParaRPr lang="de-DE" dirty="0" smtClean="0"/>
+              <a:t>/ </a:t>
+            </a:r>
           </a:p>
           <a:p>
             <a:pPr lvl="2">
               <a:tabLst>
                 <a:tab pos="5018088" algn="l"/>
-                <a:tab pos="6461125" algn="l"/>
+                <a:tab pos="6276975" algn="l"/>
               </a:tabLst>
             </a:pPr>
             <a:r>
               <a:rPr lang="de-DE" dirty="0" err="1" smtClean="0"/>
-              <a:t>set</a:t>
-            </a:r>
-            <a:r>
-              <a:rPr lang="de-DE" dirty="0" smtClean="0"/>
-              <a:t> </a:t>
-            </a:r>
-            <a:r>
-              <a:rPr lang="de-DE" dirty="0" err="1" smtClean="0"/>
-              <a:t>application</a:t>
-            </a:r>
-            <a:r>
-              <a:rPr lang="de-DE" dirty="0" smtClean="0"/>
-              <a:t> </a:t>
+              <a:t>updateParameter</a:t>
+            </a:r>
+            <a:r>
+              <a:rPr lang="de-DE" dirty="0" smtClean="0"/>
+              <a:t> 	</a:t>
+            </a:r>
+            <a:r>
+              <a:rPr lang="de-DE" dirty="0" smtClean="0">
+                <a:solidFill>
+                  <a:srgbClr val="00B050"/>
+                </a:solidFill>
+              </a:rPr>
+              <a:t>"</a:t>
+            </a:r>
+            <a:r>
+              <a:rPr lang="de-DE" dirty="0" err="1" smtClean="0">
+                <a:solidFill>
+                  <a:srgbClr val="00B050"/>
+                </a:solidFill>
+              </a:rPr>
+              <a:t>application_path</a:t>
+            </a:r>
+            <a:r>
+              <a:rPr lang="de-DE" dirty="0" smtClean="0">
+                <a:solidFill>
+                  <a:srgbClr val="00B050"/>
+                </a:solidFill>
+              </a:rPr>
+              <a:t>"</a:t>
+            </a:r>
+          </a:p>
+          <a:p>
+            <a:pPr lvl="2">
+              <a:tabLst>
+                <a:tab pos="5018088" algn="l"/>
+                <a:tab pos="6276975" algn="l"/>
+              </a:tabLst>
+            </a:pPr>
+            <a:r>
+              <a:rPr lang="de-DE" dirty="0" err="1" smtClean="0"/>
+              <a:t>setConfigProps</a:t>
+            </a:r>
+            <a:r>
+              <a:rPr lang="de-DE" dirty="0" smtClean="0"/>
+              <a:t>(</a:t>
+            </a:r>
+            <a:r>
+              <a:rPr lang="de-DE" dirty="0" smtClean="0"/>
+              <a:t>) </a:t>
             </a:r>
             <a:r>
               <a:rPr lang="de-DE" dirty="0" err="1" smtClean="0"/>
@@ -21596,62 +21661,105 @@
             </a:r>
             <a:r>
               <a:rPr lang="de-DE" dirty="0" smtClean="0"/>
-              <a:t>, update </a:t>
-            </a:r>
-            <a:r>
-              <a:rPr lang="de-DE" dirty="0" err="1" smtClean="0"/>
-              <a:t>paramter</a:t>
-            </a:r>
+              <a:t> </a:t>
+            </a:r>
+            <a:r>
+              <a:rPr lang="de-DE" dirty="0" err="1" smtClean="0"/>
+              <a:t>to</a:t>
+            </a:r>
+            <a:r>
+              <a:rPr lang="de-DE" dirty="0" smtClean="0"/>
+              <a:t> </a:t>
+            </a:r>
+            <a:r>
+              <a:rPr lang="de-DE" dirty="0" err="1" smtClean="0"/>
+              <a:t>config</a:t>
+            </a:r>
+            <a:r>
+              <a:rPr lang="de-DE" dirty="0" smtClean="0"/>
+              <a:t> </a:t>
+            </a:r>
+            <a:r>
+              <a:rPr lang="de-DE" dirty="0" err="1" smtClean="0"/>
+              <a:t>file</a:t>
+            </a:r>
+            <a:r>
+              <a:rPr lang="de-DE" dirty="0" smtClean="0"/>
+              <a:t> </a:t>
+            </a:r>
+            <a:r>
+              <a:rPr lang="de-DE" dirty="0" err="1" smtClean="0"/>
+              <a:t>and</a:t>
+            </a:r>
+            <a:r>
+              <a:rPr lang="de-DE" dirty="0" smtClean="0"/>
+              <a:t> </a:t>
+            </a:r>
+            <a:r>
+              <a:rPr lang="de-DE" dirty="0" err="1" smtClean="0"/>
+              <a:t>table</a:t>
+            </a:r>
+            <a:r>
+              <a:rPr lang="de-DE" dirty="0" smtClean="0"/>
+              <a:t> </a:t>
+            </a:r>
+            <a:r>
+              <a:rPr lang="de-DE" dirty="0" err="1" smtClean="0"/>
+              <a:t>name</a:t>
+            </a:r>
+            <a:r>
+              <a:rPr lang="de-DE" dirty="0" smtClean="0"/>
+              <a:t> </a:t>
+            </a:r>
+            <a:r>
+              <a:rPr lang="de-DE" dirty="0" smtClean="0"/>
+              <a:t>	</a:t>
+            </a:r>
+            <a:r>
+              <a:rPr lang="de-DE" dirty="0" err="1" smtClean="0"/>
+              <a:t>m_configFilePath</a:t>
+            </a:r>
+            <a:r>
+              <a:rPr lang="de-DE" dirty="0" smtClean="0"/>
+              <a:t>	// /</a:t>
+            </a:r>
+            <a:r>
+              <a:rPr lang="de-DE" dirty="0" err="1" smtClean="0"/>
+              <a:t>home</a:t>
+            </a:r>
+            <a:r>
+              <a:rPr lang="de-DE" dirty="0" smtClean="0"/>
+              <a:t>/</a:t>
+            </a:r>
+            <a:r>
+              <a:rPr lang="de-DE" dirty="0" err="1" smtClean="0"/>
+              <a:t>counter</a:t>
+            </a:r>
+            <a:r>
+              <a:rPr lang="de-DE" dirty="0" smtClean="0"/>
+              <a:t>/</a:t>
+            </a:r>
+            <a:r>
+              <a:rPr lang="de-DE" dirty="0" err="1" smtClean="0"/>
+              <a:t>config.sqlite</a:t>
+            </a:r>
+            <a:endParaRPr lang="de-DE" dirty="0" smtClean="0"/>
+          </a:p>
+          <a:p>
+            <a:pPr marL="542925" lvl="2" indent="0">
+              <a:buNone/>
+              <a:tabLst>
+                <a:tab pos="5018088" algn="l"/>
+                <a:tab pos="6276975" algn="l"/>
+              </a:tabLst>
+            </a:pPr>
             <a:r>
               <a:rPr lang="de-DE" dirty="0"/>
-              <a:t> in </a:t>
-            </a:r>
-            <a:r>
-              <a:rPr lang="de-DE" dirty="0" err="1"/>
-              <a:t>updateConfigParams</a:t>
-            </a:r>
-            <a:r>
-              <a:rPr lang="de-DE" dirty="0"/>
-              <a:t>() </a:t>
-            </a:r>
-            <a:r>
-              <a:rPr lang="de-DE" dirty="0" smtClean="0"/>
               <a:t>	</a:t>
             </a:r>
             <a:r>
               <a:rPr lang="de-DE" dirty="0" err="1" smtClean="0"/>
-              <a:t>m_appPath</a:t>
-            </a:r>
-            <a:r>
-              <a:rPr lang="de-DE" dirty="0" smtClean="0"/>
-              <a:t>	// /</a:t>
-            </a:r>
-            <a:r>
-              <a:rPr lang="de-DE" dirty="0" err="1" smtClean="0"/>
-              <a:t>home</a:t>
-            </a:r>
-            <a:r>
-              <a:rPr lang="de-DE" dirty="0" smtClean="0"/>
-              <a:t>/</a:t>
-            </a:r>
-            <a:r>
-              <a:rPr lang="de-DE" dirty="0" err="1" smtClean="0"/>
-              <a:t>counter</a:t>
-            </a:r>
-            <a:r>
-              <a:rPr lang="de-DE" dirty="0" smtClean="0"/>
-              <a:t>/</a:t>
-            </a:r>
-            <a:br>
-              <a:rPr lang="de-DE" dirty="0" smtClean="0"/>
-            </a:br>
-            <a:r>
-              <a:rPr lang="de-DE" dirty="0" smtClean="0"/>
-              <a:t>	</a:t>
-            </a:r>
-            <a:r>
-              <a:rPr lang="de-DE" dirty="0" err="1" smtClean="0"/>
-              <a:t>m_configFilePath</a:t>
+              <a:t>m_configTableName</a:t>
             </a:r>
             <a:r>
               <a:rPr lang="de-DE" dirty="0" smtClean="0"/>
@@ -21659,23 +21767,7 @@
             </a:r>
             <a:r>
               <a:rPr lang="de-DE" dirty="0" err="1" smtClean="0"/>
-              <a:t>home</a:t>
-            </a:r>
-            <a:r>
-              <a:rPr lang="de-DE" dirty="0" smtClean="0"/>
-              <a:t>/</a:t>
-            </a:r>
-            <a:r>
-              <a:rPr lang="de-DE" dirty="0" err="1" smtClean="0"/>
-              <a:t>counter</a:t>
-            </a:r>
-            <a:r>
-              <a:rPr lang="de-DE" dirty="0" smtClean="0"/>
-              <a:t>/</a:t>
-            </a:r>
-            <a:r>
-              <a:rPr lang="de-DE" dirty="0" err="1" smtClean="0"/>
-              <a:t>config.sqlite</a:t>
+              <a:t>config</a:t>
             </a:r>
             <a:endParaRPr lang="de-DE" dirty="0" smtClean="0"/>
           </a:p>
@@ -21683,7 +21775,7 @@
             <a:pPr lvl="1">
               <a:tabLst>
                 <a:tab pos="5018088" algn="l"/>
-                <a:tab pos="6461125" algn="l"/>
+                <a:tab pos="6276975" algn="l"/>
               </a:tabLst>
             </a:pPr>
             <a:r>
@@ -21699,7 +21791,7 @@
             <a:pPr lvl="2">
               <a:tabLst>
                 <a:tab pos="5018088" algn="l"/>
-                <a:tab pos="6461125" algn="l"/>
+                <a:tab pos="6276975" algn="l"/>
               </a:tabLst>
             </a:pPr>
             <a:r>
@@ -21775,7 +21867,7 @@
             <a:pPr lvl="2">
               <a:tabLst>
                 <a:tab pos="5018088" algn="l"/>
-                <a:tab pos="6461125" algn="l"/>
+                <a:tab pos="6276975" algn="l"/>
               </a:tabLst>
             </a:pPr>
             <a:r>
@@ -22390,7 +22482,7 @@
               <a:t> </a:t>
             </a:r>
             <a:r>
-              <a:rPr lang="de-DE" smtClean="0"/>
+              <a:rPr lang="de-DE" dirty="0" err="1" smtClean="0"/>
               <a:t>sourceFrameHandler</a:t>
             </a:r>
             <a:r>
@@ -26292,14 +26384,7 @@
                 <a:latin typeface="Arial" panose="020B0604020202020204" pitchFamily="34" charset="0"/>
                 <a:cs typeface="Arial" panose="020B0604020202020204" pitchFamily="34" charset="0"/>
               </a:rPr>
-              <a:t> </a:t>
-            </a:r>
-            <a:r>
-              <a:rPr lang="de-DE" sz="1000" dirty="0" smtClean="0">
-                <a:latin typeface="Arial" panose="020B0604020202020204" pitchFamily="34" charset="0"/>
-                <a:cs typeface="Arial" panose="020B0604020202020204" pitchFamily="34" charset="0"/>
-              </a:rPr>
-              <a:t>/ 12</a:t>
+              <a:t> / 12</a:t>
             </a:r>
           </a:p>
         </p:txBody>
@@ -26383,17 +26468,7 @@
                 <a:latin typeface="Arial" panose="020B0604020202020204" pitchFamily="34" charset="0"/>
                 <a:cs typeface="Arial" panose="020B0604020202020204" pitchFamily="34" charset="0"/>
               </a:rPr>
-              <a:t> </a:t>
-            </a:r>
-            <a:r>
-              <a:rPr lang="de-DE" sz="1000" b="1" dirty="0" smtClean="0">
-                <a:solidFill>
-                  <a:srgbClr val="C00000"/>
-                </a:solidFill>
-                <a:latin typeface="Arial" panose="020B0604020202020204" pitchFamily="34" charset="0"/>
-                <a:cs typeface="Arial" panose="020B0604020202020204" pitchFamily="34" charset="0"/>
-              </a:rPr>
-              <a:t>= </a:t>
+              <a:t> = </a:t>
             </a:r>
             <a:r>
               <a:rPr lang="de-DE" sz="1000" b="1" dirty="0" err="1" smtClean="0">
@@ -26494,17 +26569,7 @@
                 <a:latin typeface="Arial" panose="020B0604020202020204" pitchFamily="34" charset="0"/>
                 <a:cs typeface="Arial" panose="020B0604020202020204" pitchFamily="34" charset="0"/>
               </a:rPr>
-              <a:t> </a:t>
-            </a:r>
-            <a:r>
-              <a:rPr lang="de-DE" sz="1000" b="1" dirty="0" smtClean="0">
-                <a:solidFill>
-                  <a:srgbClr val="C00000"/>
-                </a:solidFill>
-                <a:latin typeface="Arial" panose="020B0604020202020204" pitchFamily="34" charset="0"/>
-                <a:cs typeface="Arial" panose="020B0604020202020204" pitchFamily="34" charset="0"/>
-              </a:rPr>
-              <a:t>= </a:t>
+              <a:t> = </a:t>
             </a:r>
             <a:r>
               <a:rPr lang="de-DE" sz="1000" b="1" dirty="0" err="1" smtClean="0">
@@ -26871,19 +26936,8 @@
                 <a:latin typeface="Arial" panose="020B0604020202020204" pitchFamily="34" charset="0"/>
                 <a:cs typeface="Arial" panose="020B0604020202020204" pitchFamily="34" charset="0"/>
               </a:rPr>
-              <a:t> </a:t>
-            </a:r>
-            <a:r>
-              <a:rPr lang="de-DE" sz="1000" dirty="0" smtClean="0">
-                <a:latin typeface="Arial" panose="020B0604020202020204" pitchFamily="34" charset="0"/>
-                <a:cs typeface="Arial" panose="020B0604020202020204" pitchFamily="34" charset="0"/>
-              </a:rPr>
-              <a:t>* 7 / 12</a:t>
-            </a:r>
-            <a:endParaRPr lang="de-DE" sz="1000" dirty="0" smtClean="0">
-              <a:latin typeface="Arial" panose="020B0604020202020204" pitchFamily="34" charset="0"/>
-              <a:cs typeface="Arial" panose="020B0604020202020204" pitchFamily="34" charset="0"/>
-            </a:endParaRPr>
+              <a:t> * 7 / 12</a:t>
+            </a:r>
           </a:p>
         </p:txBody>
       </p:sp>
@@ -26958,21 +27012,7 @@
                 <a:latin typeface="Arial" panose="020B0604020202020204" pitchFamily="34" charset="0"/>
                 <a:cs typeface="Arial" panose="020B0604020202020204" pitchFamily="34" charset="0"/>
               </a:rPr>
-              <a:t> * </a:t>
-            </a:r>
-            <a:r>
-              <a:rPr lang="de-DE" sz="1000" dirty="0" smtClean="0">
-                <a:latin typeface="Arial" panose="020B0604020202020204" pitchFamily="34" charset="0"/>
-                <a:cs typeface="Arial" panose="020B0604020202020204" pitchFamily="34" charset="0"/>
-              </a:rPr>
-              <a:t>11 </a:t>
-            </a:r>
-            <a:r>
-              <a:rPr lang="de-DE" sz="1000" dirty="0" smtClean="0">
-                <a:latin typeface="Arial" panose="020B0604020202020204" pitchFamily="34" charset="0"/>
-                <a:cs typeface="Arial" panose="020B0604020202020204" pitchFamily="34" charset="0"/>
-              </a:rPr>
-              <a:t>/ 12</a:t>
+              <a:t> * 11 / 12</a:t>
             </a:r>
           </a:p>
         </p:txBody>
